--- a/gambar.pptx
+++ b/gambar.pptx
@@ -10,6 +10,7 @@
     <p:sldId id="258" r:id="rId4"/>
     <p:sldId id="259" r:id="rId5"/>
     <p:sldId id="260" r:id="rId6"/>
+    <p:sldId id="261" r:id="rId7"/>
   </p:sldIdLst>
   <p:sldSz cx="12192000" cy="6858000"/>
   <p:notesSz cx="6858000" cy="9144000"/>
@@ -108,7 +109,24 @@
       </a:defRPr>
     </a:lvl9pPr>
   </p:defaultTextStyle>
+  <p:extLst>
+    <p:ext uri="{EFAFB233-063F-42B5-8137-9DF3F51BA10A}">
+      <p15:sldGuideLst xmlns:p15="http://schemas.microsoft.com/office/powerpoint/2012/main"/>
+    </p:ext>
+  </p:extLst>
 </p:presentation>
+</file>
+
+<file path=ppt/commentAuthors.xml><?xml version="1.0" encoding="utf-8"?>
+<p:cmAuthorLst xmlns:a="http://schemas.openxmlformats.org/drawingml/2006/main" xmlns:r="http://schemas.openxmlformats.org/officeDocument/2006/relationships" xmlns:p="http://schemas.openxmlformats.org/presentationml/2006/main">
+  <p:cmAuthor id="1" name="Amelia Zein" initials="AZ" lastIdx="1" clrIdx="0">
+    <p:extLst>
+      <p:ext uri="{19B8F6BF-5375-455C-9EA6-DF929625EA0E}">
+        <p15:presenceInfo xmlns:p15="http://schemas.microsoft.com/office/powerpoint/2012/main" userId="Amelia Zein" providerId="None"/>
+      </p:ext>
+    </p:extLst>
+  </p:cmAuthor>
+</p:cmAuthorLst>
 </file>
 
 <file path=ppt/slideLayouts/slideLayout1.xml><?xml version="1.0" encoding="utf-8"?>
@@ -8230,6 +8248,58 @@
           </p:style>
         </p:cxnSp>
       </p:grpSp>
+      <p:sp>
+        <p:nvSpPr>
+          <p:cNvPr id="3" name="Rectangle 2">
+            <a:extLst>
+              <a:ext uri="{FF2B5EF4-FFF2-40B4-BE49-F238E27FC236}">
+                <a16:creationId xmlns:a16="http://schemas.microsoft.com/office/drawing/2014/main" id="{1DBB4747-53B9-4770-AC37-81ECEBE06B04}"/>
+              </a:ext>
+            </a:extLst>
+          </p:cNvPr>
+          <p:cNvSpPr/>
+          <p:nvPr/>
+        </p:nvSpPr>
+        <p:spPr>
+          <a:xfrm>
+            <a:off x="4375353" y="1246909"/>
+            <a:ext cx="4080391" cy="3205018"/>
+          </a:xfrm>
+          <a:prstGeom prst="rect">
+            <a:avLst/>
+          </a:prstGeom>
+          <a:noFill/>
+          <a:ln w="38100">
+            <a:solidFill>
+              <a:srgbClr val="FF0000"/>
+            </a:solidFill>
+          </a:ln>
+        </p:spPr>
+        <p:style>
+          <a:lnRef idx="2">
+            <a:schemeClr val="accent1">
+              <a:shade val="50000"/>
+            </a:schemeClr>
+          </a:lnRef>
+          <a:fillRef idx="1">
+            <a:schemeClr val="accent1"/>
+          </a:fillRef>
+          <a:effectRef idx="0">
+            <a:schemeClr val="accent1"/>
+          </a:effectRef>
+          <a:fontRef idx="minor">
+            <a:schemeClr val="lt1"/>
+          </a:fontRef>
+        </p:style>
+        <p:txBody>
+          <a:bodyPr rtlCol="0" anchor="ctr"/>
+          <a:lstStyle/>
+          <a:p>
+            <a:pPr algn="ctr"/>
+            <a:endParaRPr lang="en-US"/>
+          </a:p>
+        </p:txBody>
+      </p:sp>
     </p:spTree>
     <p:extLst>
       <p:ext uri="{BB962C8B-B14F-4D97-AF65-F5344CB8AC3E}">
@@ -8260,10 +8330,2568 @@
           <a:chExt cx="0" cy="0"/>
         </a:xfrm>
       </p:grpSpPr>
+      <p:grpSp>
+        <p:nvGrpSpPr>
+          <p:cNvPr id="153" name="Group 152">
+            <a:extLst>
+              <a:ext uri="{FF2B5EF4-FFF2-40B4-BE49-F238E27FC236}">
+                <a16:creationId xmlns:a16="http://schemas.microsoft.com/office/drawing/2014/main" id="{0B002CAF-7104-4E69-9A34-6E0DDF5C2839}"/>
+              </a:ext>
+            </a:extLst>
+          </p:cNvPr>
+          <p:cNvGrpSpPr/>
+          <p:nvPr/>
+        </p:nvGrpSpPr>
+        <p:grpSpPr>
+          <a:xfrm>
+            <a:off x="432619" y="967446"/>
+            <a:ext cx="11046544" cy="4108450"/>
+            <a:chOff x="432619" y="967446"/>
+            <a:chExt cx="11046544" cy="4108450"/>
+          </a:xfrm>
+        </p:grpSpPr>
+        <p:sp>
+          <p:nvSpPr>
+            <p:cNvPr id="5" name="Rectangle 4">
+              <a:extLst>
+                <a:ext uri="{FF2B5EF4-FFF2-40B4-BE49-F238E27FC236}">
+                  <a16:creationId xmlns:a16="http://schemas.microsoft.com/office/drawing/2014/main" id="{5A8A5662-2AB0-4E9C-AB15-A7A2E738790B}"/>
+                </a:ext>
+              </a:extLst>
+            </p:cNvPr>
+            <p:cNvSpPr/>
+            <p:nvPr/>
+          </p:nvSpPr>
+          <p:spPr>
+            <a:xfrm>
+              <a:off x="4640826" y="1907458"/>
+              <a:ext cx="1995948" cy="747252"/>
+            </a:xfrm>
+            <a:prstGeom prst="rect">
+              <a:avLst/>
+            </a:prstGeom>
+            <a:noFill/>
+            <a:ln>
+              <a:solidFill>
+                <a:schemeClr val="tx1"/>
+              </a:solidFill>
+            </a:ln>
+          </p:spPr>
+          <p:style>
+            <a:lnRef idx="2">
+              <a:schemeClr val="accent1">
+                <a:shade val="50000"/>
+              </a:schemeClr>
+            </a:lnRef>
+            <a:fillRef idx="1">
+              <a:schemeClr val="accent1"/>
+            </a:fillRef>
+            <a:effectRef idx="0">
+              <a:schemeClr val="accent1"/>
+            </a:effectRef>
+            <a:fontRef idx="minor">
+              <a:schemeClr val="lt1"/>
+            </a:fontRef>
+          </p:style>
+          <p:txBody>
+            <a:bodyPr rtlCol="0" anchor="ctr"/>
+            <a:lstStyle/>
+            <a:p>
+              <a:pPr algn="ctr"/>
+              <a:r>
+                <a:rPr lang="en-US" dirty="0">
+                  <a:solidFill>
+                    <a:schemeClr val="tx1"/>
+                  </a:solidFill>
+                </a:rPr>
+                <a:t>Status </a:t>
+              </a:r>
+              <a:r>
+                <a:rPr lang="en-US" dirty="0" err="1">
+                  <a:solidFill>
+                    <a:schemeClr val="tx1"/>
+                  </a:solidFill>
+                </a:rPr>
+                <a:t>sosio-ekonomi</a:t>
+              </a:r>
+              <a:r>
+                <a:rPr lang="en-US" dirty="0">
+                  <a:solidFill>
+                    <a:schemeClr val="tx1"/>
+                  </a:solidFill>
+                </a:rPr>
+                <a:t> (</a:t>
+              </a:r>
+              <a:r>
+                <a:rPr lang="el-GR" dirty="0">
+                  <a:solidFill>
+                    <a:schemeClr val="tx1"/>
+                  </a:solidFill>
+                </a:rPr>
+                <a:t>ξ</a:t>
+              </a:r>
+              <a:r>
+                <a:rPr lang="en-US" baseline="-25000" dirty="0">
+                  <a:solidFill>
+                    <a:schemeClr val="tx1"/>
+                  </a:solidFill>
+                </a:rPr>
+                <a:t>1</a:t>
+              </a:r>
+              <a:r>
+                <a:rPr lang="en-US" dirty="0">
+                  <a:solidFill>
+                    <a:schemeClr val="tx1"/>
+                  </a:solidFill>
+                </a:rPr>
+                <a:t>)</a:t>
+              </a:r>
+            </a:p>
+          </p:txBody>
+        </p:sp>
+        <p:sp>
+          <p:nvSpPr>
+            <p:cNvPr id="6" name="Oval 5">
+              <a:extLst>
+                <a:ext uri="{FF2B5EF4-FFF2-40B4-BE49-F238E27FC236}">
+                  <a16:creationId xmlns:a16="http://schemas.microsoft.com/office/drawing/2014/main" id="{F91FBCB1-1BDB-41F6-8CE9-F0090767C08B}"/>
+                </a:ext>
+              </a:extLst>
+            </p:cNvPr>
+            <p:cNvSpPr/>
+            <p:nvPr/>
+          </p:nvSpPr>
+          <p:spPr>
+            <a:xfrm>
+              <a:off x="2861187" y="3234813"/>
+              <a:ext cx="1111045" cy="993058"/>
+            </a:xfrm>
+            <a:prstGeom prst="ellipse">
+              <a:avLst/>
+            </a:prstGeom>
+            <a:noFill/>
+            <a:ln>
+              <a:solidFill>
+                <a:schemeClr val="tx1"/>
+              </a:solidFill>
+            </a:ln>
+          </p:spPr>
+          <p:style>
+            <a:lnRef idx="2">
+              <a:schemeClr val="accent1">
+                <a:shade val="50000"/>
+              </a:schemeClr>
+            </a:lnRef>
+            <a:fillRef idx="1">
+              <a:schemeClr val="accent1"/>
+            </a:fillRef>
+            <a:effectRef idx="0">
+              <a:schemeClr val="accent1"/>
+            </a:effectRef>
+            <a:fontRef idx="minor">
+              <a:schemeClr val="lt1"/>
+            </a:fontRef>
+          </p:style>
+          <p:txBody>
+            <a:bodyPr rtlCol="0" anchor="ctr"/>
+            <a:lstStyle/>
+            <a:p>
+              <a:pPr algn="ctr"/>
+              <a:r>
+                <a:rPr lang="en-US" sz="1000" i="1" dirty="0">
+                  <a:solidFill>
+                    <a:schemeClr val="tx1"/>
+                  </a:solidFill>
+                </a:rPr>
+                <a:t>Learned </a:t>
+              </a:r>
+              <a:r>
+                <a:rPr lang="en-US" sz="1000" i="1" dirty="0" err="1">
+                  <a:solidFill>
+                    <a:schemeClr val="tx1"/>
+                  </a:solidFill>
+                </a:rPr>
+                <a:t>helplesness</a:t>
+              </a:r>
+              <a:endParaRPr lang="en-US" sz="1000" i="1" dirty="0">
+                <a:solidFill>
+                  <a:schemeClr val="tx1"/>
+                </a:solidFill>
+              </a:endParaRPr>
+            </a:p>
+          </p:txBody>
+        </p:sp>
+        <p:sp>
+          <p:nvSpPr>
+            <p:cNvPr id="7" name="Oval 6">
+              <a:extLst>
+                <a:ext uri="{FF2B5EF4-FFF2-40B4-BE49-F238E27FC236}">
+                  <a16:creationId xmlns:a16="http://schemas.microsoft.com/office/drawing/2014/main" id="{2F7E0F33-2D83-46A4-8267-8E7E3BE387A4}"/>
+                </a:ext>
+              </a:extLst>
+            </p:cNvPr>
+            <p:cNvSpPr/>
+            <p:nvPr/>
+          </p:nvSpPr>
+          <p:spPr>
+            <a:xfrm>
+              <a:off x="7251290" y="3244645"/>
+              <a:ext cx="1111045" cy="983226"/>
+            </a:xfrm>
+            <a:prstGeom prst="ellipse">
+              <a:avLst/>
+            </a:prstGeom>
+            <a:noFill/>
+            <a:ln>
+              <a:solidFill>
+                <a:schemeClr val="tx1"/>
+              </a:solidFill>
+            </a:ln>
+          </p:spPr>
+          <p:style>
+            <a:lnRef idx="2">
+              <a:schemeClr val="accent1">
+                <a:shade val="50000"/>
+              </a:schemeClr>
+            </a:lnRef>
+            <a:fillRef idx="1">
+              <a:schemeClr val="accent1"/>
+            </a:fillRef>
+            <a:effectRef idx="0">
+              <a:schemeClr val="accent1"/>
+            </a:effectRef>
+            <a:fontRef idx="minor">
+              <a:schemeClr val="lt1"/>
+            </a:fontRef>
+          </p:style>
+          <p:txBody>
+            <a:bodyPr rtlCol="0" anchor="ctr"/>
+            <a:lstStyle/>
+            <a:p>
+              <a:pPr algn="ctr"/>
+              <a:r>
+                <a:rPr lang="en-US" sz="1100" dirty="0">
+                  <a:solidFill>
+                    <a:schemeClr val="tx1"/>
+                  </a:solidFill>
+                </a:rPr>
+                <a:t>Keputusan </a:t>
+              </a:r>
+              <a:r>
+                <a:rPr lang="en-US" sz="1100" dirty="0" err="1">
+                  <a:solidFill>
+                    <a:schemeClr val="tx1"/>
+                  </a:solidFill>
+                </a:rPr>
+                <a:t>karir</a:t>
+              </a:r>
+              <a:r>
+                <a:rPr lang="en-US" sz="1100" dirty="0">
+                  <a:solidFill>
+                    <a:schemeClr val="tx1"/>
+                  </a:solidFill>
+                </a:rPr>
+                <a:t> (</a:t>
+              </a:r>
+              <a:r>
+                <a:rPr lang="el-GR" sz="1100" dirty="0">
+                  <a:solidFill>
+                    <a:schemeClr val="tx1"/>
+                  </a:solidFill>
+                </a:rPr>
+                <a:t>η</a:t>
+              </a:r>
+              <a:r>
+                <a:rPr lang="en-US" sz="1100" baseline="-25000" dirty="0">
+                  <a:solidFill>
+                    <a:schemeClr val="tx1"/>
+                  </a:solidFill>
+                </a:rPr>
+                <a:t>1</a:t>
+              </a:r>
+              <a:r>
+                <a:rPr lang="en-US" sz="1100" dirty="0">
+                  <a:solidFill>
+                    <a:schemeClr val="tx1"/>
+                  </a:solidFill>
+                </a:rPr>
+                <a:t>)</a:t>
+              </a:r>
+            </a:p>
+          </p:txBody>
+        </p:sp>
+        <p:sp>
+          <p:nvSpPr>
+            <p:cNvPr id="8" name="Rectangle 7">
+              <a:extLst>
+                <a:ext uri="{FF2B5EF4-FFF2-40B4-BE49-F238E27FC236}">
+                  <a16:creationId xmlns:a16="http://schemas.microsoft.com/office/drawing/2014/main" id="{AA496969-48FC-44C6-BEE9-89E32FB946F9}"/>
+                </a:ext>
+              </a:extLst>
+            </p:cNvPr>
+            <p:cNvSpPr/>
+            <p:nvPr/>
+          </p:nvSpPr>
+          <p:spPr>
+            <a:xfrm>
+              <a:off x="1450254" y="3075037"/>
+              <a:ext cx="653845" cy="474407"/>
+            </a:xfrm>
+            <a:prstGeom prst="rect">
+              <a:avLst/>
+            </a:prstGeom>
+            <a:noFill/>
+            <a:ln>
+              <a:solidFill>
+                <a:schemeClr val="tx1"/>
+              </a:solidFill>
+            </a:ln>
+          </p:spPr>
+          <p:style>
+            <a:lnRef idx="2">
+              <a:schemeClr val="accent1">
+                <a:shade val="50000"/>
+              </a:schemeClr>
+            </a:lnRef>
+            <a:fillRef idx="1">
+              <a:schemeClr val="accent1"/>
+            </a:fillRef>
+            <a:effectRef idx="0">
+              <a:schemeClr val="accent1"/>
+            </a:effectRef>
+            <a:fontRef idx="minor">
+              <a:schemeClr val="lt1"/>
+            </a:fontRef>
+          </p:style>
+          <p:txBody>
+            <a:bodyPr rtlCol="0" anchor="ctr"/>
+            <a:lstStyle/>
+            <a:p>
+              <a:pPr algn="ctr"/>
+              <a:r>
+                <a:rPr lang="en-US" sz="1400" dirty="0">
+                  <a:solidFill>
+                    <a:schemeClr val="tx1"/>
+                  </a:solidFill>
+                </a:rPr>
+                <a:t>Global</a:t>
+              </a:r>
+            </a:p>
+          </p:txBody>
+        </p:sp>
+        <p:sp>
+          <p:nvSpPr>
+            <p:cNvPr id="9" name="Rectangle 8">
+              <a:extLst>
+                <a:ext uri="{FF2B5EF4-FFF2-40B4-BE49-F238E27FC236}">
+                  <a16:creationId xmlns:a16="http://schemas.microsoft.com/office/drawing/2014/main" id="{0D91D99C-56DD-4A96-932F-BB0096F8E52A}"/>
+                </a:ext>
+              </a:extLst>
+            </p:cNvPr>
+            <p:cNvSpPr/>
+            <p:nvPr/>
+          </p:nvSpPr>
+          <p:spPr>
+            <a:xfrm>
+              <a:off x="1469919" y="3838263"/>
+              <a:ext cx="653845" cy="474407"/>
+            </a:xfrm>
+            <a:prstGeom prst="rect">
+              <a:avLst/>
+            </a:prstGeom>
+            <a:noFill/>
+            <a:ln>
+              <a:solidFill>
+                <a:schemeClr val="tx1"/>
+              </a:solidFill>
+            </a:ln>
+          </p:spPr>
+          <p:style>
+            <a:lnRef idx="2">
+              <a:schemeClr val="accent1">
+                <a:shade val="50000"/>
+              </a:schemeClr>
+            </a:lnRef>
+            <a:fillRef idx="1">
+              <a:schemeClr val="accent1"/>
+            </a:fillRef>
+            <a:effectRef idx="0">
+              <a:schemeClr val="accent1"/>
+            </a:effectRef>
+            <a:fontRef idx="minor">
+              <a:schemeClr val="lt1"/>
+            </a:fontRef>
+          </p:style>
+          <p:txBody>
+            <a:bodyPr rtlCol="0" anchor="ctr"/>
+            <a:lstStyle/>
+            <a:p>
+              <a:pPr algn="ctr"/>
+              <a:r>
+                <a:rPr lang="en-US" sz="1100" dirty="0">
+                  <a:solidFill>
+                    <a:schemeClr val="tx1"/>
+                  </a:solidFill>
+                </a:rPr>
+                <a:t>Stability</a:t>
+              </a:r>
+            </a:p>
+          </p:txBody>
+        </p:sp>
+        <p:sp>
+          <p:nvSpPr>
+            <p:cNvPr id="11" name="Rectangle 10">
+              <a:extLst>
+                <a:ext uri="{FF2B5EF4-FFF2-40B4-BE49-F238E27FC236}">
+                  <a16:creationId xmlns:a16="http://schemas.microsoft.com/office/drawing/2014/main" id="{6DD056D1-2459-4434-B016-04A8758FF925}"/>
+                </a:ext>
+              </a:extLst>
+            </p:cNvPr>
+            <p:cNvSpPr/>
+            <p:nvPr/>
+          </p:nvSpPr>
+          <p:spPr>
+            <a:xfrm>
+              <a:off x="8927688" y="3186879"/>
+              <a:ext cx="1465009" cy="474407"/>
+            </a:xfrm>
+            <a:prstGeom prst="rect">
+              <a:avLst/>
+            </a:prstGeom>
+            <a:noFill/>
+            <a:ln>
+              <a:solidFill>
+                <a:schemeClr val="tx1"/>
+              </a:solidFill>
+            </a:ln>
+          </p:spPr>
+          <p:style>
+            <a:lnRef idx="2">
+              <a:schemeClr val="accent1">
+                <a:shade val="50000"/>
+              </a:schemeClr>
+            </a:lnRef>
+            <a:fillRef idx="1">
+              <a:schemeClr val="accent1"/>
+            </a:fillRef>
+            <a:effectRef idx="0">
+              <a:schemeClr val="accent1"/>
+            </a:effectRef>
+            <a:fontRef idx="minor">
+              <a:schemeClr val="lt1"/>
+            </a:fontRef>
+          </p:style>
+          <p:txBody>
+            <a:bodyPr rtlCol="0" anchor="ctr"/>
+            <a:lstStyle/>
+            <a:p>
+              <a:pPr algn="ctr"/>
+              <a:r>
+                <a:rPr lang="en-US" dirty="0" err="1">
+                  <a:solidFill>
+                    <a:schemeClr val="tx1"/>
+                  </a:solidFill>
+                </a:rPr>
+                <a:t>Persepsi</a:t>
+              </a:r>
+              <a:r>
+                <a:rPr lang="en-US" dirty="0">
+                  <a:solidFill>
+                    <a:schemeClr val="tx1"/>
+                  </a:solidFill>
+                </a:rPr>
+                <a:t> </a:t>
+              </a:r>
+              <a:r>
+                <a:rPr lang="en-US" dirty="0" err="1">
+                  <a:solidFill>
+                    <a:schemeClr val="tx1"/>
+                  </a:solidFill>
+                </a:rPr>
+                <a:t>diri</a:t>
+              </a:r>
+              <a:endParaRPr lang="en-US" dirty="0">
+                <a:solidFill>
+                  <a:schemeClr val="tx1"/>
+                </a:solidFill>
+              </a:endParaRPr>
+            </a:p>
+          </p:txBody>
+        </p:sp>
+        <p:sp>
+          <p:nvSpPr>
+            <p:cNvPr id="13" name="Rectangle 12">
+              <a:extLst>
+                <a:ext uri="{FF2B5EF4-FFF2-40B4-BE49-F238E27FC236}">
+                  <a16:creationId xmlns:a16="http://schemas.microsoft.com/office/drawing/2014/main" id="{E033CE98-7FAF-43A3-9D67-A9D127776C99}"/>
+                </a:ext>
+              </a:extLst>
+            </p:cNvPr>
+            <p:cNvSpPr/>
+            <p:nvPr/>
+          </p:nvSpPr>
+          <p:spPr>
+            <a:xfrm>
+              <a:off x="8927687" y="3898489"/>
+              <a:ext cx="1465010" cy="474407"/>
+            </a:xfrm>
+            <a:prstGeom prst="rect">
+              <a:avLst/>
+            </a:prstGeom>
+            <a:noFill/>
+            <a:ln>
+              <a:solidFill>
+                <a:schemeClr val="tx1"/>
+              </a:solidFill>
+            </a:ln>
+          </p:spPr>
+          <p:style>
+            <a:lnRef idx="2">
+              <a:schemeClr val="accent1">
+                <a:shade val="50000"/>
+              </a:schemeClr>
+            </a:lnRef>
+            <a:fillRef idx="1">
+              <a:schemeClr val="accent1"/>
+            </a:fillRef>
+            <a:effectRef idx="0">
+              <a:schemeClr val="accent1"/>
+            </a:effectRef>
+            <a:fontRef idx="minor">
+              <a:schemeClr val="lt1"/>
+            </a:fontRef>
+          </p:style>
+          <p:txBody>
+            <a:bodyPr rtlCol="0" anchor="ctr"/>
+            <a:lstStyle/>
+            <a:p>
+              <a:pPr algn="ctr"/>
+              <a:r>
+                <a:rPr lang="en-US" sz="1400" dirty="0" err="1">
+                  <a:solidFill>
+                    <a:schemeClr val="tx1"/>
+                  </a:solidFill>
+                </a:rPr>
+                <a:t>Persepsi</a:t>
+              </a:r>
+              <a:r>
+                <a:rPr lang="en-US" sz="1400" dirty="0">
+                  <a:solidFill>
+                    <a:schemeClr val="tx1"/>
+                  </a:solidFill>
+                </a:rPr>
+                <a:t> orang lain</a:t>
+              </a:r>
+            </a:p>
+          </p:txBody>
+        </p:sp>
+        <p:sp>
+          <p:nvSpPr>
+            <p:cNvPr id="14" name="Rectangle 13">
+              <a:extLst>
+                <a:ext uri="{FF2B5EF4-FFF2-40B4-BE49-F238E27FC236}">
+                  <a16:creationId xmlns:a16="http://schemas.microsoft.com/office/drawing/2014/main" id="{FE020515-5A50-4F85-924D-5D4326B13287}"/>
+                </a:ext>
+              </a:extLst>
+            </p:cNvPr>
+            <p:cNvSpPr/>
+            <p:nvPr/>
+          </p:nvSpPr>
+          <p:spPr>
+            <a:xfrm>
+              <a:off x="1469919" y="4601489"/>
+              <a:ext cx="653845" cy="474407"/>
+            </a:xfrm>
+            <a:prstGeom prst="rect">
+              <a:avLst/>
+            </a:prstGeom>
+            <a:noFill/>
+            <a:ln>
+              <a:solidFill>
+                <a:schemeClr val="tx1"/>
+              </a:solidFill>
+            </a:ln>
+          </p:spPr>
+          <p:style>
+            <a:lnRef idx="2">
+              <a:schemeClr val="accent1">
+                <a:shade val="50000"/>
+              </a:schemeClr>
+            </a:lnRef>
+            <a:fillRef idx="1">
+              <a:schemeClr val="accent1"/>
+            </a:fillRef>
+            <a:effectRef idx="0">
+              <a:schemeClr val="accent1"/>
+            </a:effectRef>
+            <a:fontRef idx="minor">
+              <a:schemeClr val="lt1"/>
+            </a:fontRef>
+          </p:style>
+          <p:txBody>
+            <a:bodyPr rtlCol="0" anchor="ctr"/>
+            <a:lstStyle/>
+            <a:p>
+              <a:pPr algn="ctr"/>
+              <a:r>
+                <a:rPr lang="en-US" sz="1100" dirty="0">
+                  <a:solidFill>
+                    <a:schemeClr val="tx1"/>
+                  </a:solidFill>
+                </a:rPr>
+                <a:t>External</a:t>
+              </a:r>
+            </a:p>
+          </p:txBody>
+        </p:sp>
+        <p:cxnSp>
+          <p:nvCxnSpPr>
+            <p:cNvPr id="16" name="Straight Arrow Connector 15">
+              <a:extLst>
+                <a:ext uri="{FF2B5EF4-FFF2-40B4-BE49-F238E27FC236}">
+                  <a16:creationId xmlns:a16="http://schemas.microsoft.com/office/drawing/2014/main" id="{D00BDA37-63EB-4D38-93E6-AB67AAD4F8E6}"/>
+                </a:ext>
+              </a:extLst>
+            </p:cNvPr>
+            <p:cNvCxnSpPr>
+              <a:cxnSpLocks/>
+              <a:stCxn id="5" idx="1"/>
+              <a:endCxn id="6" idx="7"/>
+            </p:cNvCxnSpPr>
+            <p:nvPr/>
+          </p:nvCxnSpPr>
+          <p:spPr>
+            <a:xfrm flipH="1">
+              <a:off x="3809523" y="2281084"/>
+              <a:ext cx="831303" cy="1099159"/>
+            </a:xfrm>
+            <a:prstGeom prst="straightConnector1">
+              <a:avLst/>
+            </a:prstGeom>
+            <a:ln>
+              <a:solidFill>
+                <a:schemeClr val="tx1"/>
+              </a:solidFill>
+              <a:tailEnd type="triangle"/>
+            </a:ln>
+          </p:spPr>
+          <p:style>
+            <a:lnRef idx="1">
+              <a:schemeClr val="accent1"/>
+            </a:lnRef>
+            <a:fillRef idx="0">
+              <a:schemeClr val="accent1"/>
+            </a:fillRef>
+            <a:effectRef idx="0">
+              <a:schemeClr val="accent1"/>
+            </a:effectRef>
+            <a:fontRef idx="minor">
+              <a:schemeClr val="tx1"/>
+            </a:fontRef>
+          </p:style>
+        </p:cxnSp>
+        <p:cxnSp>
+          <p:nvCxnSpPr>
+            <p:cNvPr id="20" name="Straight Arrow Connector 19">
+              <a:extLst>
+                <a:ext uri="{FF2B5EF4-FFF2-40B4-BE49-F238E27FC236}">
+                  <a16:creationId xmlns:a16="http://schemas.microsoft.com/office/drawing/2014/main" id="{F5831732-C1A4-4114-8D06-77E4C9D9563D}"/>
+                </a:ext>
+              </a:extLst>
+            </p:cNvPr>
+            <p:cNvCxnSpPr>
+              <a:stCxn id="5" idx="3"/>
+              <a:endCxn id="7" idx="1"/>
+            </p:cNvCxnSpPr>
+            <p:nvPr/>
+          </p:nvCxnSpPr>
+          <p:spPr>
+            <a:xfrm>
+              <a:off x="6636774" y="2281084"/>
+              <a:ext cx="777225" cy="1107551"/>
+            </a:xfrm>
+            <a:prstGeom prst="straightConnector1">
+              <a:avLst/>
+            </a:prstGeom>
+            <a:ln>
+              <a:solidFill>
+                <a:schemeClr val="tx1"/>
+              </a:solidFill>
+              <a:tailEnd type="triangle"/>
+            </a:ln>
+          </p:spPr>
+          <p:style>
+            <a:lnRef idx="1">
+              <a:schemeClr val="accent1"/>
+            </a:lnRef>
+            <a:fillRef idx="0">
+              <a:schemeClr val="accent1"/>
+            </a:fillRef>
+            <a:effectRef idx="0">
+              <a:schemeClr val="accent1"/>
+            </a:effectRef>
+            <a:fontRef idx="minor">
+              <a:schemeClr val="tx1"/>
+            </a:fontRef>
+          </p:style>
+        </p:cxnSp>
+        <p:cxnSp>
+          <p:nvCxnSpPr>
+            <p:cNvPr id="22" name="Straight Arrow Connector 21">
+              <a:extLst>
+                <a:ext uri="{FF2B5EF4-FFF2-40B4-BE49-F238E27FC236}">
+                  <a16:creationId xmlns:a16="http://schemas.microsoft.com/office/drawing/2014/main" id="{AE69369D-5CBB-4758-97C6-D5B3314361E3}"/>
+                </a:ext>
+              </a:extLst>
+            </p:cNvPr>
+            <p:cNvCxnSpPr>
+              <a:cxnSpLocks/>
+              <a:stCxn id="6" idx="6"/>
+              <a:endCxn id="7" idx="2"/>
+            </p:cNvCxnSpPr>
+            <p:nvPr/>
+          </p:nvCxnSpPr>
+          <p:spPr>
+            <a:xfrm>
+              <a:off x="3972232" y="3731342"/>
+              <a:ext cx="3279058" cy="4916"/>
+            </a:xfrm>
+            <a:prstGeom prst="straightConnector1">
+              <a:avLst/>
+            </a:prstGeom>
+            <a:ln>
+              <a:solidFill>
+                <a:schemeClr val="tx1"/>
+              </a:solidFill>
+              <a:tailEnd type="triangle"/>
+            </a:ln>
+          </p:spPr>
+          <p:style>
+            <a:lnRef idx="1">
+              <a:schemeClr val="accent1"/>
+            </a:lnRef>
+            <a:fillRef idx="0">
+              <a:schemeClr val="accent1"/>
+            </a:fillRef>
+            <a:effectRef idx="0">
+              <a:schemeClr val="accent1"/>
+            </a:effectRef>
+            <a:fontRef idx="minor">
+              <a:schemeClr val="tx1"/>
+            </a:fontRef>
+          </p:style>
+        </p:cxnSp>
+        <p:cxnSp>
+          <p:nvCxnSpPr>
+            <p:cNvPr id="24" name="Straight Arrow Connector 23">
+              <a:extLst>
+                <a:ext uri="{FF2B5EF4-FFF2-40B4-BE49-F238E27FC236}">
+                  <a16:creationId xmlns:a16="http://schemas.microsoft.com/office/drawing/2014/main" id="{DA6A5855-8166-480E-89A6-D1E3FB70E8C7}"/>
+                </a:ext>
+              </a:extLst>
+            </p:cNvPr>
+            <p:cNvCxnSpPr>
+              <a:cxnSpLocks/>
+              <a:stCxn id="6" idx="2"/>
+              <a:endCxn id="8" idx="3"/>
+            </p:cNvCxnSpPr>
+            <p:nvPr/>
+          </p:nvCxnSpPr>
+          <p:spPr>
+            <a:xfrm flipH="1" flipV="1">
+              <a:off x="2104099" y="3312241"/>
+              <a:ext cx="757088" cy="419101"/>
+            </a:xfrm>
+            <a:prstGeom prst="straightConnector1">
+              <a:avLst/>
+            </a:prstGeom>
+            <a:ln>
+              <a:solidFill>
+                <a:schemeClr val="tx1"/>
+              </a:solidFill>
+              <a:tailEnd type="triangle"/>
+            </a:ln>
+          </p:spPr>
+          <p:style>
+            <a:lnRef idx="1">
+              <a:schemeClr val="accent1"/>
+            </a:lnRef>
+            <a:fillRef idx="0">
+              <a:schemeClr val="accent1"/>
+            </a:fillRef>
+            <a:effectRef idx="0">
+              <a:schemeClr val="accent1"/>
+            </a:effectRef>
+            <a:fontRef idx="minor">
+              <a:schemeClr val="tx1"/>
+            </a:fontRef>
+          </p:style>
+        </p:cxnSp>
+        <p:cxnSp>
+          <p:nvCxnSpPr>
+            <p:cNvPr id="25" name="Straight Arrow Connector 24">
+              <a:extLst>
+                <a:ext uri="{FF2B5EF4-FFF2-40B4-BE49-F238E27FC236}">
+                  <a16:creationId xmlns:a16="http://schemas.microsoft.com/office/drawing/2014/main" id="{A99182B7-94FB-45BE-85AC-0CC71489A775}"/>
+                </a:ext>
+              </a:extLst>
+            </p:cNvPr>
+            <p:cNvCxnSpPr>
+              <a:cxnSpLocks/>
+              <a:stCxn id="6" idx="2"/>
+              <a:endCxn id="9" idx="3"/>
+            </p:cNvCxnSpPr>
+            <p:nvPr/>
+          </p:nvCxnSpPr>
+          <p:spPr>
+            <a:xfrm flipH="1">
+              <a:off x="2123764" y="3731342"/>
+              <a:ext cx="737423" cy="344125"/>
+            </a:xfrm>
+            <a:prstGeom prst="straightConnector1">
+              <a:avLst/>
+            </a:prstGeom>
+            <a:ln>
+              <a:solidFill>
+                <a:schemeClr val="tx1"/>
+              </a:solidFill>
+              <a:tailEnd type="triangle"/>
+            </a:ln>
+          </p:spPr>
+          <p:style>
+            <a:lnRef idx="1">
+              <a:schemeClr val="accent1"/>
+            </a:lnRef>
+            <a:fillRef idx="0">
+              <a:schemeClr val="accent1"/>
+            </a:fillRef>
+            <a:effectRef idx="0">
+              <a:schemeClr val="accent1"/>
+            </a:effectRef>
+            <a:fontRef idx="minor">
+              <a:schemeClr val="tx1"/>
+            </a:fontRef>
+          </p:style>
+        </p:cxnSp>
+        <p:cxnSp>
+          <p:nvCxnSpPr>
+            <p:cNvPr id="29" name="Straight Arrow Connector 28">
+              <a:extLst>
+                <a:ext uri="{FF2B5EF4-FFF2-40B4-BE49-F238E27FC236}">
+                  <a16:creationId xmlns:a16="http://schemas.microsoft.com/office/drawing/2014/main" id="{1C6E3515-A918-43CF-A947-6923B0C38978}"/>
+                </a:ext>
+              </a:extLst>
+            </p:cNvPr>
+            <p:cNvCxnSpPr>
+              <a:cxnSpLocks/>
+              <a:stCxn id="6" idx="2"/>
+              <a:endCxn id="14" idx="3"/>
+            </p:cNvCxnSpPr>
+            <p:nvPr/>
+          </p:nvCxnSpPr>
+          <p:spPr>
+            <a:xfrm flipH="1">
+              <a:off x="2123764" y="3731342"/>
+              <a:ext cx="737423" cy="1107351"/>
+            </a:xfrm>
+            <a:prstGeom prst="straightConnector1">
+              <a:avLst/>
+            </a:prstGeom>
+            <a:ln>
+              <a:solidFill>
+                <a:schemeClr val="tx1"/>
+              </a:solidFill>
+              <a:tailEnd type="triangle"/>
+            </a:ln>
+          </p:spPr>
+          <p:style>
+            <a:lnRef idx="1">
+              <a:schemeClr val="accent1"/>
+            </a:lnRef>
+            <a:fillRef idx="0">
+              <a:schemeClr val="accent1"/>
+            </a:fillRef>
+            <a:effectRef idx="0">
+              <a:schemeClr val="accent1"/>
+            </a:effectRef>
+            <a:fontRef idx="minor">
+              <a:schemeClr val="tx1"/>
+            </a:fontRef>
+          </p:style>
+        </p:cxnSp>
+        <p:cxnSp>
+          <p:nvCxnSpPr>
+            <p:cNvPr id="40" name="Straight Arrow Connector 39">
+              <a:extLst>
+                <a:ext uri="{FF2B5EF4-FFF2-40B4-BE49-F238E27FC236}">
+                  <a16:creationId xmlns:a16="http://schemas.microsoft.com/office/drawing/2014/main" id="{EF558CBB-E927-453A-8D68-2E07F2C04FD2}"/>
+                </a:ext>
+              </a:extLst>
+            </p:cNvPr>
+            <p:cNvCxnSpPr>
+              <a:stCxn id="7" idx="6"/>
+              <a:endCxn id="11" idx="1"/>
+            </p:cNvCxnSpPr>
+            <p:nvPr/>
+          </p:nvCxnSpPr>
+          <p:spPr>
+            <a:xfrm flipV="1">
+              <a:off x="8362335" y="3424083"/>
+              <a:ext cx="565353" cy="312175"/>
+            </a:xfrm>
+            <a:prstGeom prst="straightConnector1">
+              <a:avLst/>
+            </a:prstGeom>
+            <a:ln>
+              <a:solidFill>
+                <a:schemeClr val="tx1"/>
+              </a:solidFill>
+              <a:tailEnd type="triangle"/>
+            </a:ln>
+          </p:spPr>
+          <p:style>
+            <a:lnRef idx="1">
+              <a:schemeClr val="accent1"/>
+            </a:lnRef>
+            <a:fillRef idx="0">
+              <a:schemeClr val="accent1"/>
+            </a:fillRef>
+            <a:effectRef idx="0">
+              <a:schemeClr val="accent1"/>
+            </a:effectRef>
+            <a:fontRef idx="minor">
+              <a:schemeClr val="tx1"/>
+            </a:fontRef>
+          </p:style>
+        </p:cxnSp>
+        <p:cxnSp>
+          <p:nvCxnSpPr>
+            <p:cNvPr id="42" name="Straight Arrow Connector 41">
+              <a:extLst>
+                <a:ext uri="{FF2B5EF4-FFF2-40B4-BE49-F238E27FC236}">
+                  <a16:creationId xmlns:a16="http://schemas.microsoft.com/office/drawing/2014/main" id="{F0C9C59E-42A8-456D-A18D-A63C5D066A72}"/>
+                </a:ext>
+              </a:extLst>
+            </p:cNvPr>
+            <p:cNvCxnSpPr>
+              <a:stCxn id="7" idx="6"/>
+              <a:endCxn id="13" idx="1"/>
+            </p:cNvCxnSpPr>
+            <p:nvPr/>
+          </p:nvCxnSpPr>
+          <p:spPr>
+            <a:xfrm>
+              <a:off x="8362335" y="3736258"/>
+              <a:ext cx="565352" cy="399435"/>
+            </a:xfrm>
+            <a:prstGeom prst="straightConnector1">
+              <a:avLst/>
+            </a:prstGeom>
+            <a:ln>
+              <a:solidFill>
+                <a:schemeClr val="tx1"/>
+              </a:solidFill>
+              <a:tailEnd type="triangle"/>
+            </a:ln>
+          </p:spPr>
+          <p:style>
+            <a:lnRef idx="1">
+              <a:schemeClr val="accent1"/>
+            </a:lnRef>
+            <a:fillRef idx="0">
+              <a:schemeClr val="accent1"/>
+            </a:fillRef>
+            <a:effectRef idx="0">
+              <a:schemeClr val="accent1"/>
+            </a:effectRef>
+            <a:fontRef idx="minor">
+              <a:schemeClr val="tx1"/>
+            </a:fontRef>
+          </p:style>
+        </p:cxnSp>
+        <p:sp>
+          <p:nvSpPr>
+            <p:cNvPr id="43" name="Oval 42">
+              <a:extLst>
+                <a:ext uri="{FF2B5EF4-FFF2-40B4-BE49-F238E27FC236}">
+                  <a16:creationId xmlns:a16="http://schemas.microsoft.com/office/drawing/2014/main" id="{963AC370-CBFC-4A85-B3C3-0F96FFFE3AED}"/>
+                </a:ext>
+              </a:extLst>
+            </p:cNvPr>
+            <p:cNvSpPr/>
+            <p:nvPr/>
+          </p:nvSpPr>
+          <p:spPr>
+            <a:xfrm>
+              <a:off x="5407742" y="967446"/>
+              <a:ext cx="462116" cy="523570"/>
+            </a:xfrm>
+            <a:prstGeom prst="ellipse">
+              <a:avLst/>
+            </a:prstGeom>
+            <a:noFill/>
+            <a:ln>
+              <a:noFill/>
+            </a:ln>
+          </p:spPr>
+          <p:style>
+            <a:lnRef idx="2">
+              <a:schemeClr val="accent1">
+                <a:shade val="50000"/>
+              </a:schemeClr>
+            </a:lnRef>
+            <a:fillRef idx="1">
+              <a:schemeClr val="accent1"/>
+            </a:fillRef>
+            <a:effectRef idx="0">
+              <a:schemeClr val="accent1"/>
+            </a:effectRef>
+            <a:fontRef idx="minor">
+              <a:schemeClr val="lt1"/>
+            </a:fontRef>
+          </p:style>
+          <p:txBody>
+            <a:bodyPr rtlCol="0" anchor="ctr"/>
+            <a:lstStyle/>
+            <a:p>
+              <a:pPr algn="ctr"/>
+              <a:r>
+                <a:rPr lang="el-GR" sz="1600" dirty="0">
+                  <a:solidFill>
+                    <a:schemeClr val="tx1"/>
+                  </a:solidFill>
+                </a:rPr>
+                <a:t>ζ</a:t>
+              </a:r>
+              <a:r>
+                <a:rPr lang="en-US" sz="1600" baseline="-25000" dirty="0">
+                  <a:solidFill>
+                    <a:schemeClr val="tx1"/>
+                  </a:solidFill>
+                </a:rPr>
+                <a:t>1</a:t>
+              </a:r>
+            </a:p>
+          </p:txBody>
+        </p:sp>
+        <p:cxnSp>
+          <p:nvCxnSpPr>
+            <p:cNvPr id="45" name="Straight Arrow Connector 44">
+              <a:extLst>
+                <a:ext uri="{FF2B5EF4-FFF2-40B4-BE49-F238E27FC236}">
+                  <a16:creationId xmlns:a16="http://schemas.microsoft.com/office/drawing/2014/main" id="{6C516C01-9791-42FE-8484-28F5E1EC3186}"/>
+                </a:ext>
+              </a:extLst>
+            </p:cNvPr>
+            <p:cNvCxnSpPr>
+              <a:cxnSpLocks/>
+              <a:stCxn id="43" idx="4"/>
+              <a:endCxn id="5" idx="0"/>
+            </p:cNvCxnSpPr>
+            <p:nvPr/>
+          </p:nvCxnSpPr>
+          <p:spPr>
+            <a:xfrm>
+              <a:off x="5638800" y="1491016"/>
+              <a:ext cx="0" cy="416442"/>
+            </a:xfrm>
+            <a:prstGeom prst="straightConnector1">
+              <a:avLst/>
+            </a:prstGeom>
+            <a:ln>
+              <a:solidFill>
+                <a:schemeClr val="tx1"/>
+              </a:solidFill>
+              <a:tailEnd type="triangle"/>
+            </a:ln>
+          </p:spPr>
+          <p:style>
+            <a:lnRef idx="1">
+              <a:schemeClr val="accent1"/>
+            </a:lnRef>
+            <a:fillRef idx="0">
+              <a:schemeClr val="accent1"/>
+            </a:fillRef>
+            <a:effectRef idx="0">
+              <a:schemeClr val="accent1"/>
+            </a:effectRef>
+            <a:fontRef idx="minor">
+              <a:schemeClr val="tx1"/>
+            </a:fontRef>
+          </p:style>
+        </p:cxnSp>
+        <p:sp>
+          <p:nvSpPr>
+            <p:cNvPr id="47" name="Oval 46">
+              <a:extLst>
+                <a:ext uri="{FF2B5EF4-FFF2-40B4-BE49-F238E27FC236}">
+                  <a16:creationId xmlns:a16="http://schemas.microsoft.com/office/drawing/2014/main" id="{77A29A51-FE24-4B55-8BC7-5C2DE264CAC3}"/>
+                </a:ext>
+              </a:extLst>
+            </p:cNvPr>
+            <p:cNvSpPr/>
+            <p:nvPr/>
+          </p:nvSpPr>
+          <p:spPr>
+            <a:xfrm>
+              <a:off x="3185651" y="4524661"/>
+              <a:ext cx="462116" cy="474408"/>
+            </a:xfrm>
+            <a:prstGeom prst="ellipse">
+              <a:avLst/>
+            </a:prstGeom>
+            <a:noFill/>
+            <a:ln>
+              <a:noFill/>
+            </a:ln>
+          </p:spPr>
+          <p:style>
+            <a:lnRef idx="2">
+              <a:schemeClr val="accent1">
+                <a:shade val="50000"/>
+              </a:schemeClr>
+            </a:lnRef>
+            <a:fillRef idx="1">
+              <a:schemeClr val="accent1"/>
+            </a:fillRef>
+            <a:effectRef idx="0">
+              <a:schemeClr val="accent1"/>
+            </a:effectRef>
+            <a:fontRef idx="minor">
+              <a:schemeClr val="lt1"/>
+            </a:fontRef>
+          </p:style>
+          <p:txBody>
+            <a:bodyPr rtlCol="0" anchor="ctr"/>
+            <a:lstStyle/>
+            <a:p>
+              <a:pPr algn="ctr"/>
+              <a:r>
+                <a:rPr lang="el-GR" sz="1600" dirty="0">
+                  <a:solidFill>
+                    <a:schemeClr val="tx1"/>
+                  </a:solidFill>
+                </a:rPr>
+                <a:t>ζ</a:t>
+              </a:r>
+              <a:r>
+                <a:rPr lang="en-US" sz="1600" baseline="-25000" dirty="0">
+                  <a:solidFill>
+                    <a:schemeClr val="tx1"/>
+                  </a:solidFill>
+                </a:rPr>
+                <a:t>2</a:t>
+              </a:r>
+            </a:p>
+          </p:txBody>
+        </p:sp>
+        <p:sp>
+          <p:nvSpPr>
+            <p:cNvPr id="48" name="Oval 47">
+              <a:extLst>
+                <a:ext uri="{FF2B5EF4-FFF2-40B4-BE49-F238E27FC236}">
+                  <a16:creationId xmlns:a16="http://schemas.microsoft.com/office/drawing/2014/main" id="{B6539B22-9EA2-4872-9E81-1D00FC86BB2E}"/>
+                </a:ext>
+              </a:extLst>
+            </p:cNvPr>
+            <p:cNvSpPr/>
+            <p:nvPr/>
+          </p:nvSpPr>
+          <p:spPr>
+            <a:xfrm>
+              <a:off x="7585584" y="4505005"/>
+              <a:ext cx="462116" cy="474408"/>
+            </a:xfrm>
+            <a:prstGeom prst="ellipse">
+              <a:avLst/>
+            </a:prstGeom>
+            <a:noFill/>
+            <a:ln>
+              <a:noFill/>
+            </a:ln>
+          </p:spPr>
+          <p:style>
+            <a:lnRef idx="2">
+              <a:schemeClr val="accent1">
+                <a:shade val="50000"/>
+              </a:schemeClr>
+            </a:lnRef>
+            <a:fillRef idx="1">
+              <a:schemeClr val="accent1"/>
+            </a:fillRef>
+            <a:effectRef idx="0">
+              <a:schemeClr val="accent1"/>
+            </a:effectRef>
+            <a:fontRef idx="minor">
+              <a:schemeClr val="lt1"/>
+            </a:fontRef>
+          </p:style>
+          <p:txBody>
+            <a:bodyPr rtlCol="0" anchor="ctr"/>
+            <a:lstStyle/>
+            <a:p>
+              <a:pPr algn="ctr"/>
+              <a:r>
+                <a:rPr lang="el-GR" sz="1600" dirty="0">
+                  <a:solidFill>
+                    <a:schemeClr val="tx1"/>
+                  </a:solidFill>
+                </a:rPr>
+                <a:t>ζ</a:t>
+              </a:r>
+              <a:r>
+                <a:rPr lang="en-US" sz="1600" baseline="-25000" dirty="0">
+                  <a:solidFill>
+                    <a:schemeClr val="tx1"/>
+                  </a:solidFill>
+                </a:rPr>
+                <a:t>3</a:t>
+              </a:r>
+            </a:p>
+          </p:txBody>
+        </p:sp>
+        <p:cxnSp>
+          <p:nvCxnSpPr>
+            <p:cNvPr id="50" name="Straight Arrow Connector 49">
+              <a:extLst>
+                <a:ext uri="{FF2B5EF4-FFF2-40B4-BE49-F238E27FC236}">
+                  <a16:creationId xmlns:a16="http://schemas.microsoft.com/office/drawing/2014/main" id="{FD2E5637-9525-4642-995C-824266E600CF}"/>
+                </a:ext>
+              </a:extLst>
+            </p:cNvPr>
+            <p:cNvCxnSpPr>
+              <a:cxnSpLocks/>
+              <a:stCxn id="47" idx="0"/>
+              <a:endCxn id="6" idx="4"/>
+            </p:cNvCxnSpPr>
+            <p:nvPr/>
+          </p:nvCxnSpPr>
+          <p:spPr>
+            <a:xfrm flipV="1">
+              <a:off x="3416709" y="4227871"/>
+              <a:ext cx="1" cy="296790"/>
+            </a:xfrm>
+            <a:prstGeom prst="straightConnector1">
+              <a:avLst/>
+            </a:prstGeom>
+            <a:ln>
+              <a:solidFill>
+                <a:schemeClr val="tx1"/>
+              </a:solidFill>
+              <a:tailEnd type="triangle"/>
+            </a:ln>
+          </p:spPr>
+          <p:style>
+            <a:lnRef idx="1">
+              <a:schemeClr val="accent1"/>
+            </a:lnRef>
+            <a:fillRef idx="0">
+              <a:schemeClr val="accent1"/>
+            </a:fillRef>
+            <a:effectRef idx="0">
+              <a:schemeClr val="accent1"/>
+            </a:effectRef>
+            <a:fontRef idx="minor">
+              <a:schemeClr val="tx1"/>
+            </a:fontRef>
+          </p:style>
+        </p:cxnSp>
+        <p:cxnSp>
+          <p:nvCxnSpPr>
+            <p:cNvPr id="52" name="Straight Arrow Connector 51">
+              <a:extLst>
+                <a:ext uri="{FF2B5EF4-FFF2-40B4-BE49-F238E27FC236}">
+                  <a16:creationId xmlns:a16="http://schemas.microsoft.com/office/drawing/2014/main" id="{48494672-C09B-4587-8C73-FF24F4265860}"/>
+                </a:ext>
+              </a:extLst>
+            </p:cNvPr>
+            <p:cNvCxnSpPr/>
+            <p:nvPr/>
+          </p:nvCxnSpPr>
+          <p:spPr>
+            <a:xfrm flipV="1">
+              <a:off x="7816642" y="4227871"/>
+              <a:ext cx="1" cy="373617"/>
+            </a:xfrm>
+            <a:prstGeom prst="straightConnector1">
+              <a:avLst/>
+            </a:prstGeom>
+            <a:ln>
+              <a:solidFill>
+                <a:schemeClr val="tx1"/>
+              </a:solidFill>
+              <a:tailEnd type="triangle"/>
+            </a:ln>
+          </p:spPr>
+          <p:style>
+            <a:lnRef idx="1">
+              <a:schemeClr val="accent1"/>
+            </a:lnRef>
+            <a:fillRef idx="0">
+              <a:schemeClr val="accent1"/>
+            </a:fillRef>
+            <a:effectRef idx="0">
+              <a:schemeClr val="accent1"/>
+            </a:effectRef>
+            <a:fontRef idx="minor">
+              <a:schemeClr val="tx1"/>
+            </a:fontRef>
+          </p:style>
+        </p:cxnSp>
+        <p:sp>
+          <p:nvSpPr>
+            <p:cNvPr id="53" name="Oval 52">
+              <a:extLst>
+                <a:ext uri="{FF2B5EF4-FFF2-40B4-BE49-F238E27FC236}">
+                  <a16:creationId xmlns:a16="http://schemas.microsoft.com/office/drawing/2014/main" id="{85437B52-1CD2-40F9-86FD-FC5332B276E2}"/>
+                </a:ext>
+              </a:extLst>
+            </p:cNvPr>
+            <p:cNvSpPr/>
+            <p:nvPr/>
+          </p:nvSpPr>
+          <p:spPr>
+            <a:xfrm>
+              <a:off x="432619" y="3075038"/>
+              <a:ext cx="560435" cy="474406"/>
+            </a:xfrm>
+            <a:prstGeom prst="ellipse">
+              <a:avLst/>
+            </a:prstGeom>
+            <a:noFill/>
+            <a:ln>
+              <a:noFill/>
+            </a:ln>
+          </p:spPr>
+          <p:style>
+            <a:lnRef idx="2">
+              <a:schemeClr val="accent1">
+                <a:shade val="50000"/>
+              </a:schemeClr>
+            </a:lnRef>
+            <a:fillRef idx="1">
+              <a:schemeClr val="accent1"/>
+            </a:fillRef>
+            <a:effectRef idx="0">
+              <a:schemeClr val="accent1"/>
+            </a:effectRef>
+            <a:fontRef idx="minor">
+              <a:schemeClr val="lt1"/>
+            </a:fontRef>
+          </p:style>
+          <p:txBody>
+            <a:bodyPr rtlCol="0" anchor="ctr"/>
+            <a:lstStyle/>
+            <a:p>
+              <a:pPr algn="ctr"/>
+              <a:r>
+                <a:rPr lang="el-GR" sz="1600" dirty="0">
+                  <a:solidFill>
+                    <a:schemeClr val="tx1"/>
+                  </a:solidFill>
+                </a:rPr>
+                <a:t>ε</a:t>
+              </a:r>
+              <a:r>
+                <a:rPr lang="en-US" sz="1600" baseline="-25000" dirty="0">
+                  <a:solidFill>
+                    <a:schemeClr val="tx1"/>
+                  </a:solidFill>
+                </a:rPr>
+                <a:t>1</a:t>
+              </a:r>
+            </a:p>
+          </p:txBody>
+        </p:sp>
+        <p:cxnSp>
+          <p:nvCxnSpPr>
+            <p:cNvPr id="54" name="Straight Arrow Connector 53">
+              <a:extLst>
+                <a:ext uri="{FF2B5EF4-FFF2-40B4-BE49-F238E27FC236}">
+                  <a16:creationId xmlns:a16="http://schemas.microsoft.com/office/drawing/2014/main" id="{E9A05678-CD71-4BD0-8801-6BDFCF14F62B}"/>
+                </a:ext>
+              </a:extLst>
+            </p:cNvPr>
+            <p:cNvCxnSpPr>
+              <a:cxnSpLocks/>
+              <a:stCxn id="53" idx="6"/>
+              <a:endCxn id="8" idx="1"/>
+            </p:cNvCxnSpPr>
+            <p:nvPr/>
+          </p:nvCxnSpPr>
+          <p:spPr>
+            <a:xfrm>
+              <a:off x="993054" y="3312241"/>
+              <a:ext cx="457200" cy="0"/>
+            </a:xfrm>
+            <a:prstGeom prst="straightConnector1">
+              <a:avLst/>
+            </a:prstGeom>
+            <a:ln>
+              <a:solidFill>
+                <a:schemeClr val="tx1"/>
+              </a:solidFill>
+              <a:tailEnd type="triangle"/>
+            </a:ln>
+          </p:spPr>
+          <p:style>
+            <a:lnRef idx="1">
+              <a:schemeClr val="accent1"/>
+            </a:lnRef>
+            <a:fillRef idx="0">
+              <a:schemeClr val="accent1"/>
+            </a:fillRef>
+            <a:effectRef idx="0">
+              <a:schemeClr val="accent1"/>
+            </a:effectRef>
+            <a:fontRef idx="minor">
+              <a:schemeClr val="tx1"/>
+            </a:fontRef>
+          </p:style>
+        </p:cxnSp>
+        <p:sp>
+          <p:nvSpPr>
+            <p:cNvPr id="63" name="Oval 62">
+              <a:extLst>
+                <a:ext uri="{FF2B5EF4-FFF2-40B4-BE49-F238E27FC236}">
+                  <a16:creationId xmlns:a16="http://schemas.microsoft.com/office/drawing/2014/main" id="{886D102D-B9A0-4E8A-A31B-100A338D72B6}"/>
+                </a:ext>
+              </a:extLst>
+            </p:cNvPr>
+            <p:cNvSpPr/>
+            <p:nvPr/>
+          </p:nvSpPr>
+          <p:spPr>
+            <a:xfrm>
+              <a:off x="439991" y="3838264"/>
+              <a:ext cx="560435" cy="474406"/>
+            </a:xfrm>
+            <a:prstGeom prst="ellipse">
+              <a:avLst/>
+            </a:prstGeom>
+            <a:noFill/>
+            <a:ln>
+              <a:noFill/>
+            </a:ln>
+          </p:spPr>
+          <p:style>
+            <a:lnRef idx="2">
+              <a:schemeClr val="accent1">
+                <a:shade val="50000"/>
+              </a:schemeClr>
+            </a:lnRef>
+            <a:fillRef idx="1">
+              <a:schemeClr val="accent1"/>
+            </a:fillRef>
+            <a:effectRef idx="0">
+              <a:schemeClr val="accent1"/>
+            </a:effectRef>
+            <a:fontRef idx="minor">
+              <a:schemeClr val="lt1"/>
+            </a:fontRef>
+          </p:style>
+          <p:txBody>
+            <a:bodyPr rtlCol="0" anchor="ctr"/>
+            <a:lstStyle/>
+            <a:p>
+              <a:pPr algn="ctr"/>
+              <a:r>
+                <a:rPr lang="el-GR" sz="1600" dirty="0">
+                  <a:solidFill>
+                    <a:schemeClr val="tx1"/>
+                  </a:solidFill>
+                </a:rPr>
+                <a:t>ε</a:t>
+              </a:r>
+              <a:r>
+                <a:rPr lang="en-US" sz="1600" baseline="-25000" dirty="0">
+                  <a:solidFill>
+                    <a:schemeClr val="tx1"/>
+                  </a:solidFill>
+                </a:rPr>
+                <a:t>2</a:t>
+              </a:r>
+            </a:p>
+          </p:txBody>
+        </p:sp>
+        <p:cxnSp>
+          <p:nvCxnSpPr>
+            <p:cNvPr id="64" name="Straight Arrow Connector 63">
+              <a:extLst>
+                <a:ext uri="{FF2B5EF4-FFF2-40B4-BE49-F238E27FC236}">
+                  <a16:creationId xmlns:a16="http://schemas.microsoft.com/office/drawing/2014/main" id="{DDB5616C-C8F8-4DD2-853B-1ACA31432220}"/>
+                </a:ext>
+              </a:extLst>
+            </p:cNvPr>
+            <p:cNvCxnSpPr>
+              <a:cxnSpLocks/>
+              <a:stCxn id="63" idx="6"/>
+            </p:cNvCxnSpPr>
+            <p:nvPr/>
+          </p:nvCxnSpPr>
+          <p:spPr>
+            <a:xfrm>
+              <a:off x="1000426" y="4075467"/>
+              <a:ext cx="457200" cy="0"/>
+            </a:xfrm>
+            <a:prstGeom prst="straightConnector1">
+              <a:avLst/>
+            </a:prstGeom>
+            <a:ln>
+              <a:solidFill>
+                <a:schemeClr val="tx1"/>
+              </a:solidFill>
+              <a:tailEnd type="triangle"/>
+            </a:ln>
+          </p:spPr>
+          <p:style>
+            <a:lnRef idx="1">
+              <a:schemeClr val="accent1"/>
+            </a:lnRef>
+            <a:fillRef idx="0">
+              <a:schemeClr val="accent1"/>
+            </a:fillRef>
+            <a:effectRef idx="0">
+              <a:schemeClr val="accent1"/>
+            </a:effectRef>
+            <a:fontRef idx="minor">
+              <a:schemeClr val="tx1"/>
+            </a:fontRef>
+          </p:style>
+        </p:cxnSp>
+        <p:sp>
+          <p:nvSpPr>
+            <p:cNvPr id="65" name="Oval 64">
+              <a:extLst>
+                <a:ext uri="{FF2B5EF4-FFF2-40B4-BE49-F238E27FC236}">
+                  <a16:creationId xmlns:a16="http://schemas.microsoft.com/office/drawing/2014/main" id="{C4F90727-493D-41C0-A73F-E1A1BCD3B17A}"/>
+                </a:ext>
+              </a:extLst>
+            </p:cNvPr>
+            <p:cNvSpPr/>
+            <p:nvPr/>
+          </p:nvSpPr>
+          <p:spPr>
+            <a:xfrm>
+              <a:off x="447363" y="4601488"/>
+              <a:ext cx="560435" cy="474406"/>
+            </a:xfrm>
+            <a:prstGeom prst="ellipse">
+              <a:avLst/>
+            </a:prstGeom>
+            <a:noFill/>
+            <a:ln>
+              <a:noFill/>
+            </a:ln>
+          </p:spPr>
+          <p:style>
+            <a:lnRef idx="2">
+              <a:schemeClr val="accent1">
+                <a:shade val="50000"/>
+              </a:schemeClr>
+            </a:lnRef>
+            <a:fillRef idx="1">
+              <a:schemeClr val="accent1"/>
+            </a:fillRef>
+            <a:effectRef idx="0">
+              <a:schemeClr val="accent1"/>
+            </a:effectRef>
+            <a:fontRef idx="minor">
+              <a:schemeClr val="lt1"/>
+            </a:fontRef>
+          </p:style>
+          <p:txBody>
+            <a:bodyPr rtlCol="0" anchor="ctr"/>
+            <a:lstStyle/>
+            <a:p>
+              <a:pPr algn="ctr"/>
+              <a:r>
+                <a:rPr lang="el-GR" sz="1600" dirty="0">
+                  <a:solidFill>
+                    <a:schemeClr val="tx1"/>
+                  </a:solidFill>
+                </a:rPr>
+                <a:t>ε</a:t>
+              </a:r>
+              <a:r>
+                <a:rPr lang="en-US" sz="1600" baseline="-25000" dirty="0">
+                  <a:solidFill>
+                    <a:schemeClr val="tx1"/>
+                  </a:solidFill>
+                </a:rPr>
+                <a:t>3</a:t>
+              </a:r>
+            </a:p>
+          </p:txBody>
+        </p:sp>
+        <p:cxnSp>
+          <p:nvCxnSpPr>
+            <p:cNvPr id="66" name="Straight Arrow Connector 65">
+              <a:extLst>
+                <a:ext uri="{FF2B5EF4-FFF2-40B4-BE49-F238E27FC236}">
+                  <a16:creationId xmlns:a16="http://schemas.microsoft.com/office/drawing/2014/main" id="{50D16DEC-4033-441F-AA52-FB52468754FF}"/>
+                </a:ext>
+              </a:extLst>
+            </p:cNvPr>
+            <p:cNvCxnSpPr>
+              <a:cxnSpLocks/>
+              <a:stCxn id="65" idx="6"/>
+            </p:cNvCxnSpPr>
+            <p:nvPr/>
+          </p:nvCxnSpPr>
+          <p:spPr>
+            <a:xfrm>
+              <a:off x="1007798" y="4838691"/>
+              <a:ext cx="457200" cy="0"/>
+            </a:xfrm>
+            <a:prstGeom prst="straightConnector1">
+              <a:avLst/>
+            </a:prstGeom>
+            <a:ln>
+              <a:solidFill>
+                <a:schemeClr val="tx1"/>
+              </a:solidFill>
+              <a:tailEnd type="triangle"/>
+            </a:ln>
+          </p:spPr>
+          <p:style>
+            <a:lnRef idx="1">
+              <a:schemeClr val="accent1"/>
+            </a:lnRef>
+            <a:fillRef idx="0">
+              <a:schemeClr val="accent1"/>
+            </a:fillRef>
+            <a:effectRef idx="0">
+              <a:schemeClr val="accent1"/>
+            </a:effectRef>
+            <a:fontRef idx="minor">
+              <a:schemeClr val="tx1"/>
+            </a:fontRef>
+          </p:style>
+        </p:cxnSp>
+        <p:sp>
+          <p:nvSpPr>
+            <p:cNvPr id="67" name="Oval 66">
+              <a:extLst>
+                <a:ext uri="{FF2B5EF4-FFF2-40B4-BE49-F238E27FC236}">
+                  <a16:creationId xmlns:a16="http://schemas.microsoft.com/office/drawing/2014/main" id="{F4688036-42B8-419F-B7A0-8FE6FD40FEA9}"/>
+                </a:ext>
+              </a:extLst>
+            </p:cNvPr>
+            <p:cNvSpPr/>
+            <p:nvPr/>
+          </p:nvSpPr>
+          <p:spPr>
+            <a:xfrm>
+              <a:off x="10918728" y="3186879"/>
+              <a:ext cx="560435" cy="474406"/>
+            </a:xfrm>
+            <a:prstGeom prst="ellipse">
+              <a:avLst/>
+            </a:prstGeom>
+            <a:noFill/>
+            <a:ln>
+              <a:noFill/>
+            </a:ln>
+          </p:spPr>
+          <p:style>
+            <a:lnRef idx="2">
+              <a:schemeClr val="accent1">
+                <a:shade val="50000"/>
+              </a:schemeClr>
+            </a:lnRef>
+            <a:fillRef idx="1">
+              <a:schemeClr val="accent1"/>
+            </a:fillRef>
+            <a:effectRef idx="0">
+              <a:schemeClr val="accent1"/>
+            </a:effectRef>
+            <a:fontRef idx="minor">
+              <a:schemeClr val="lt1"/>
+            </a:fontRef>
+          </p:style>
+          <p:txBody>
+            <a:bodyPr rtlCol="0" anchor="ctr"/>
+            <a:lstStyle/>
+            <a:p>
+              <a:pPr algn="ctr"/>
+              <a:r>
+                <a:rPr lang="el-GR" dirty="0">
+                  <a:solidFill>
+                    <a:schemeClr val="tx1"/>
+                  </a:solidFill>
+                </a:rPr>
+                <a:t>ε</a:t>
+              </a:r>
+              <a:r>
+                <a:rPr lang="en-US" sz="1600" baseline="-25000" dirty="0">
+                  <a:solidFill>
+                    <a:schemeClr val="tx1"/>
+                  </a:solidFill>
+                </a:rPr>
+                <a:t>4</a:t>
+              </a:r>
+            </a:p>
+          </p:txBody>
+        </p:sp>
+        <p:cxnSp>
+          <p:nvCxnSpPr>
+            <p:cNvPr id="70" name="Straight Arrow Connector 69">
+              <a:extLst>
+                <a:ext uri="{FF2B5EF4-FFF2-40B4-BE49-F238E27FC236}">
+                  <a16:creationId xmlns:a16="http://schemas.microsoft.com/office/drawing/2014/main" id="{76190F54-45A0-492F-AA78-31CF8E9F7E98}"/>
+                </a:ext>
+              </a:extLst>
+            </p:cNvPr>
+            <p:cNvCxnSpPr>
+              <a:stCxn id="67" idx="2"/>
+              <a:endCxn id="11" idx="3"/>
+            </p:cNvCxnSpPr>
+            <p:nvPr/>
+          </p:nvCxnSpPr>
+          <p:spPr>
+            <a:xfrm flipH="1">
+              <a:off x="10392697" y="3424082"/>
+              <a:ext cx="526031" cy="1"/>
+            </a:xfrm>
+            <a:prstGeom prst="straightConnector1">
+              <a:avLst/>
+            </a:prstGeom>
+            <a:ln>
+              <a:solidFill>
+                <a:schemeClr val="tx1"/>
+              </a:solidFill>
+              <a:tailEnd type="triangle"/>
+            </a:ln>
+          </p:spPr>
+          <p:style>
+            <a:lnRef idx="1">
+              <a:schemeClr val="accent1"/>
+            </a:lnRef>
+            <a:fillRef idx="0">
+              <a:schemeClr val="accent1"/>
+            </a:fillRef>
+            <a:effectRef idx="0">
+              <a:schemeClr val="accent1"/>
+            </a:effectRef>
+            <a:fontRef idx="minor">
+              <a:schemeClr val="tx1"/>
+            </a:fontRef>
+          </p:style>
+        </p:cxnSp>
+        <p:sp>
+          <p:nvSpPr>
+            <p:cNvPr id="72" name="Oval 71">
+              <a:extLst>
+                <a:ext uri="{FF2B5EF4-FFF2-40B4-BE49-F238E27FC236}">
+                  <a16:creationId xmlns:a16="http://schemas.microsoft.com/office/drawing/2014/main" id="{709451FA-B000-4350-8213-51739B46C26A}"/>
+                </a:ext>
+              </a:extLst>
+            </p:cNvPr>
+            <p:cNvSpPr/>
+            <p:nvPr/>
+          </p:nvSpPr>
+          <p:spPr>
+            <a:xfrm>
+              <a:off x="10918728" y="3898490"/>
+              <a:ext cx="560435" cy="474406"/>
+            </a:xfrm>
+            <a:prstGeom prst="ellipse">
+              <a:avLst/>
+            </a:prstGeom>
+            <a:noFill/>
+            <a:ln>
+              <a:noFill/>
+            </a:ln>
+          </p:spPr>
+          <p:style>
+            <a:lnRef idx="2">
+              <a:schemeClr val="accent1">
+                <a:shade val="50000"/>
+              </a:schemeClr>
+            </a:lnRef>
+            <a:fillRef idx="1">
+              <a:schemeClr val="accent1"/>
+            </a:fillRef>
+            <a:effectRef idx="0">
+              <a:schemeClr val="accent1"/>
+            </a:effectRef>
+            <a:fontRef idx="minor">
+              <a:schemeClr val="lt1"/>
+            </a:fontRef>
+          </p:style>
+          <p:txBody>
+            <a:bodyPr rtlCol="0" anchor="ctr"/>
+            <a:lstStyle/>
+            <a:p>
+              <a:pPr algn="ctr"/>
+              <a:r>
+                <a:rPr lang="el-GR" dirty="0">
+                  <a:solidFill>
+                    <a:schemeClr val="tx1"/>
+                  </a:solidFill>
+                </a:rPr>
+                <a:t>ε</a:t>
+              </a:r>
+              <a:r>
+                <a:rPr lang="en-US" sz="1600" baseline="-25000" dirty="0">
+                  <a:solidFill>
+                    <a:schemeClr val="tx1"/>
+                  </a:solidFill>
+                </a:rPr>
+                <a:t>5</a:t>
+              </a:r>
+            </a:p>
+          </p:txBody>
+        </p:sp>
+        <p:cxnSp>
+          <p:nvCxnSpPr>
+            <p:cNvPr id="73" name="Straight Arrow Connector 72">
+              <a:extLst>
+                <a:ext uri="{FF2B5EF4-FFF2-40B4-BE49-F238E27FC236}">
+                  <a16:creationId xmlns:a16="http://schemas.microsoft.com/office/drawing/2014/main" id="{87D75633-DF54-4607-A927-3C86A994283F}"/>
+                </a:ext>
+              </a:extLst>
+            </p:cNvPr>
+            <p:cNvCxnSpPr>
+              <a:stCxn id="72" idx="2"/>
+            </p:cNvCxnSpPr>
+            <p:nvPr/>
+          </p:nvCxnSpPr>
+          <p:spPr>
+            <a:xfrm flipH="1">
+              <a:off x="10392697" y="4135693"/>
+              <a:ext cx="526031" cy="1"/>
+            </a:xfrm>
+            <a:prstGeom prst="straightConnector1">
+              <a:avLst/>
+            </a:prstGeom>
+            <a:ln>
+              <a:solidFill>
+                <a:schemeClr val="tx1"/>
+              </a:solidFill>
+              <a:tailEnd type="triangle"/>
+            </a:ln>
+          </p:spPr>
+          <p:style>
+            <a:lnRef idx="1">
+              <a:schemeClr val="accent1"/>
+            </a:lnRef>
+            <a:fillRef idx="0">
+              <a:schemeClr val="accent1"/>
+            </a:fillRef>
+            <a:effectRef idx="0">
+              <a:schemeClr val="accent1"/>
+            </a:effectRef>
+            <a:fontRef idx="minor">
+              <a:schemeClr val="tx1"/>
+            </a:fontRef>
+          </p:style>
+        </p:cxnSp>
+        <p:sp>
+          <p:nvSpPr>
+            <p:cNvPr id="76" name="Oval 75">
+              <a:extLst>
+                <a:ext uri="{FF2B5EF4-FFF2-40B4-BE49-F238E27FC236}">
+                  <a16:creationId xmlns:a16="http://schemas.microsoft.com/office/drawing/2014/main" id="{4D6AFB0E-3B01-4BB8-BA5D-67ECF9F28986}"/>
+                </a:ext>
+              </a:extLst>
+            </p:cNvPr>
+            <p:cNvSpPr/>
+            <p:nvPr/>
+          </p:nvSpPr>
+          <p:spPr>
+            <a:xfrm>
+              <a:off x="2303443" y="3007442"/>
+              <a:ext cx="560435" cy="474406"/>
+            </a:xfrm>
+            <a:prstGeom prst="ellipse">
+              <a:avLst/>
+            </a:prstGeom>
+            <a:noFill/>
+            <a:ln>
+              <a:noFill/>
+            </a:ln>
+          </p:spPr>
+          <p:style>
+            <a:lnRef idx="2">
+              <a:schemeClr val="accent1">
+                <a:shade val="50000"/>
+              </a:schemeClr>
+            </a:lnRef>
+            <a:fillRef idx="1">
+              <a:schemeClr val="accent1"/>
+            </a:fillRef>
+            <a:effectRef idx="0">
+              <a:schemeClr val="accent1"/>
+            </a:effectRef>
+            <a:fontRef idx="minor">
+              <a:schemeClr val="lt1"/>
+            </a:fontRef>
+          </p:style>
+          <p:txBody>
+            <a:bodyPr rtlCol="0" anchor="ctr"/>
+            <a:lstStyle/>
+            <a:p>
+              <a:pPr algn="ctr"/>
+              <a:r>
+                <a:rPr lang="el-GR" dirty="0">
+                  <a:solidFill>
+                    <a:schemeClr val="tx1"/>
+                  </a:solidFill>
+                </a:rPr>
+                <a:t>λ</a:t>
+              </a:r>
+              <a:r>
+                <a:rPr lang="en-US" sz="1600" baseline="-25000" dirty="0">
+                  <a:solidFill>
+                    <a:schemeClr val="tx1"/>
+                  </a:solidFill>
+                </a:rPr>
+                <a:t>1</a:t>
+              </a:r>
+            </a:p>
+          </p:txBody>
+        </p:sp>
+        <p:sp>
+          <p:nvSpPr>
+            <p:cNvPr id="77" name="Oval 76">
+              <a:extLst>
+                <a:ext uri="{FF2B5EF4-FFF2-40B4-BE49-F238E27FC236}">
+                  <a16:creationId xmlns:a16="http://schemas.microsoft.com/office/drawing/2014/main" id="{F2BCE3E1-7986-45B6-ACA1-2E70D250F80E}"/>
+                </a:ext>
+              </a:extLst>
+            </p:cNvPr>
+            <p:cNvSpPr/>
+            <p:nvPr/>
+          </p:nvSpPr>
+          <p:spPr>
+            <a:xfrm>
+              <a:off x="2072147" y="3473855"/>
+              <a:ext cx="560435" cy="474406"/>
+            </a:xfrm>
+            <a:prstGeom prst="ellipse">
+              <a:avLst/>
+            </a:prstGeom>
+            <a:noFill/>
+            <a:ln>
+              <a:noFill/>
+            </a:ln>
+          </p:spPr>
+          <p:style>
+            <a:lnRef idx="2">
+              <a:schemeClr val="accent1">
+                <a:shade val="50000"/>
+              </a:schemeClr>
+            </a:lnRef>
+            <a:fillRef idx="1">
+              <a:schemeClr val="accent1"/>
+            </a:fillRef>
+            <a:effectRef idx="0">
+              <a:schemeClr val="accent1"/>
+            </a:effectRef>
+            <a:fontRef idx="minor">
+              <a:schemeClr val="lt1"/>
+            </a:fontRef>
+          </p:style>
+          <p:txBody>
+            <a:bodyPr rtlCol="0" anchor="ctr"/>
+            <a:lstStyle/>
+            <a:p>
+              <a:pPr algn="ctr"/>
+              <a:r>
+                <a:rPr lang="el-GR" dirty="0">
+                  <a:solidFill>
+                    <a:schemeClr val="tx1"/>
+                  </a:solidFill>
+                </a:rPr>
+                <a:t>λ</a:t>
+              </a:r>
+              <a:r>
+                <a:rPr lang="en-US" sz="1600" baseline="-25000" dirty="0">
+                  <a:solidFill>
+                    <a:schemeClr val="tx1"/>
+                  </a:solidFill>
+                </a:rPr>
+                <a:t>2</a:t>
+              </a:r>
+            </a:p>
+          </p:txBody>
+        </p:sp>
+        <p:sp>
+          <p:nvSpPr>
+            <p:cNvPr id="78" name="Oval 77">
+              <a:extLst>
+                <a:ext uri="{FF2B5EF4-FFF2-40B4-BE49-F238E27FC236}">
+                  <a16:creationId xmlns:a16="http://schemas.microsoft.com/office/drawing/2014/main" id="{832C2162-251F-4BFD-A104-864DCC15BCAD}"/>
+                </a:ext>
+              </a:extLst>
+            </p:cNvPr>
+            <p:cNvSpPr/>
+            <p:nvPr/>
+          </p:nvSpPr>
+          <p:spPr>
+            <a:xfrm>
+              <a:off x="2268791" y="4255208"/>
+              <a:ext cx="560435" cy="474406"/>
+            </a:xfrm>
+            <a:prstGeom prst="ellipse">
+              <a:avLst/>
+            </a:prstGeom>
+            <a:noFill/>
+            <a:ln>
+              <a:noFill/>
+            </a:ln>
+          </p:spPr>
+          <p:style>
+            <a:lnRef idx="2">
+              <a:schemeClr val="accent1">
+                <a:shade val="50000"/>
+              </a:schemeClr>
+            </a:lnRef>
+            <a:fillRef idx="1">
+              <a:schemeClr val="accent1"/>
+            </a:fillRef>
+            <a:effectRef idx="0">
+              <a:schemeClr val="accent1"/>
+            </a:effectRef>
+            <a:fontRef idx="minor">
+              <a:schemeClr val="lt1"/>
+            </a:fontRef>
+          </p:style>
+          <p:txBody>
+            <a:bodyPr rtlCol="0" anchor="ctr"/>
+            <a:lstStyle/>
+            <a:p>
+              <a:pPr algn="ctr"/>
+              <a:r>
+                <a:rPr lang="el-GR" dirty="0">
+                  <a:solidFill>
+                    <a:schemeClr val="tx1"/>
+                  </a:solidFill>
+                </a:rPr>
+                <a:t>λ</a:t>
+              </a:r>
+              <a:r>
+                <a:rPr lang="en-US" sz="1600" baseline="-25000" dirty="0">
+                  <a:solidFill>
+                    <a:schemeClr val="tx1"/>
+                  </a:solidFill>
+                </a:rPr>
+                <a:t>3</a:t>
+              </a:r>
+            </a:p>
+          </p:txBody>
+        </p:sp>
+        <p:sp>
+          <p:nvSpPr>
+            <p:cNvPr id="79" name="Oval 78">
+              <a:extLst>
+                <a:ext uri="{FF2B5EF4-FFF2-40B4-BE49-F238E27FC236}">
+                  <a16:creationId xmlns:a16="http://schemas.microsoft.com/office/drawing/2014/main" id="{A4E49732-0040-4F55-A78E-1195C65E1661}"/>
+                </a:ext>
+              </a:extLst>
+            </p:cNvPr>
+            <p:cNvSpPr/>
+            <p:nvPr/>
+          </p:nvSpPr>
+          <p:spPr>
+            <a:xfrm>
+              <a:off x="8318573" y="3121432"/>
+              <a:ext cx="560435" cy="474406"/>
+            </a:xfrm>
+            <a:prstGeom prst="ellipse">
+              <a:avLst/>
+            </a:prstGeom>
+            <a:noFill/>
+            <a:ln>
+              <a:noFill/>
+            </a:ln>
+          </p:spPr>
+          <p:style>
+            <a:lnRef idx="2">
+              <a:schemeClr val="accent1">
+                <a:shade val="50000"/>
+              </a:schemeClr>
+            </a:lnRef>
+            <a:fillRef idx="1">
+              <a:schemeClr val="accent1"/>
+            </a:fillRef>
+            <a:effectRef idx="0">
+              <a:schemeClr val="accent1"/>
+            </a:effectRef>
+            <a:fontRef idx="minor">
+              <a:schemeClr val="lt1"/>
+            </a:fontRef>
+          </p:style>
+          <p:txBody>
+            <a:bodyPr rtlCol="0" anchor="ctr"/>
+            <a:lstStyle/>
+            <a:p>
+              <a:pPr algn="ctr"/>
+              <a:r>
+                <a:rPr lang="el-GR" dirty="0">
+                  <a:solidFill>
+                    <a:schemeClr val="tx1"/>
+                  </a:solidFill>
+                </a:rPr>
+                <a:t>λ</a:t>
+              </a:r>
+              <a:r>
+                <a:rPr lang="en-US" sz="1600" baseline="-25000" dirty="0">
+                  <a:solidFill>
+                    <a:schemeClr val="tx1"/>
+                  </a:solidFill>
+                </a:rPr>
+                <a:t>4</a:t>
+              </a:r>
+            </a:p>
+          </p:txBody>
+        </p:sp>
+        <p:sp>
+          <p:nvSpPr>
+            <p:cNvPr id="80" name="Oval 79">
+              <a:extLst>
+                <a:ext uri="{FF2B5EF4-FFF2-40B4-BE49-F238E27FC236}">
+                  <a16:creationId xmlns:a16="http://schemas.microsoft.com/office/drawing/2014/main" id="{5767B016-F8E8-458F-A036-74B7AF902867}"/>
+                </a:ext>
+              </a:extLst>
+            </p:cNvPr>
+            <p:cNvSpPr/>
+            <p:nvPr/>
+          </p:nvSpPr>
+          <p:spPr>
+            <a:xfrm>
+              <a:off x="8313894" y="3813069"/>
+              <a:ext cx="560435" cy="474406"/>
+            </a:xfrm>
+            <a:prstGeom prst="ellipse">
+              <a:avLst/>
+            </a:prstGeom>
+            <a:noFill/>
+            <a:ln>
+              <a:noFill/>
+            </a:ln>
+          </p:spPr>
+          <p:style>
+            <a:lnRef idx="2">
+              <a:schemeClr val="accent1">
+                <a:shade val="50000"/>
+              </a:schemeClr>
+            </a:lnRef>
+            <a:fillRef idx="1">
+              <a:schemeClr val="accent1"/>
+            </a:fillRef>
+            <a:effectRef idx="0">
+              <a:schemeClr val="accent1"/>
+            </a:effectRef>
+            <a:fontRef idx="minor">
+              <a:schemeClr val="lt1"/>
+            </a:fontRef>
+          </p:style>
+          <p:txBody>
+            <a:bodyPr rtlCol="0" anchor="ctr"/>
+            <a:lstStyle/>
+            <a:p>
+              <a:pPr algn="ctr"/>
+              <a:r>
+                <a:rPr lang="el-GR" dirty="0">
+                  <a:solidFill>
+                    <a:schemeClr val="tx1"/>
+                  </a:solidFill>
+                </a:rPr>
+                <a:t>λ</a:t>
+              </a:r>
+              <a:r>
+                <a:rPr lang="en-US" sz="1600" baseline="-25000" dirty="0">
+                  <a:solidFill>
+                    <a:schemeClr val="tx1"/>
+                  </a:solidFill>
+                </a:rPr>
+                <a:t>5</a:t>
+              </a:r>
+            </a:p>
+          </p:txBody>
+        </p:sp>
+        <p:sp>
+          <p:nvSpPr>
+            <p:cNvPr id="81" name="Oval 80">
+              <a:extLst>
+                <a:ext uri="{FF2B5EF4-FFF2-40B4-BE49-F238E27FC236}">
+                  <a16:creationId xmlns:a16="http://schemas.microsoft.com/office/drawing/2014/main" id="{F4E8AED5-76CB-4B68-AD51-69C364CC7C82}"/>
+                </a:ext>
+              </a:extLst>
+            </p:cNvPr>
+            <p:cNvSpPr/>
+            <p:nvPr/>
+          </p:nvSpPr>
+          <p:spPr>
+            <a:xfrm>
+              <a:off x="5356128" y="3261852"/>
+              <a:ext cx="560435" cy="474406"/>
+            </a:xfrm>
+            <a:prstGeom prst="ellipse">
+              <a:avLst/>
+            </a:prstGeom>
+            <a:noFill/>
+            <a:ln>
+              <a:noFill/>
+            </a:ln>
+          </p:spPr>
+          <p:style>
+            <a:lnRef idx="2">
+              <a:schemeClr val="accent1">
+                <a:shade val="50000"/>
+              </a:schemeClr>
+            </a:lnRef>
+            <a:fillRef idx="1">
+              <a:schemeClr val="accent1"/>
+            </a:fillRef>
+            <a:effectRef idx="0">
+              <a:schemeClr val="accent1"/>
+            </a:effectRef>
+            <a:fontRef idx="minor">
+              <a:schemeClr val="lt1"/>
+            </a:fontRef>
+          </p:style>
+          <p:txBody>
+            <a:bodyPr rtlCol="0" anchor="ctr"/>
+            <a:lstStyle/>
+            <a:p>
+              <a:pPr algn="ctr"/>
+              <a:r>
+                <a:rPr lang="el-GR" dirty="0">
+                  <a:solidFill>
+                    <a:schemeClr val="tx1"/>
+                  </a:solidFill>
+                </a:rPr>
+                <a:t>β</a:t>
+              </a:r>
+              <a:r>
+                <a:rPr lang="en-US" sz="1600" baseline="-25000" dirty="0">
+                  <a:solidFill>
+                    <a:schemeClr val="tx1"/>
+                  </a:solidFill>
+                </a:rPr>
+                <a:t>1</a:t>
+              </a:r>
+            </a:p>
+          </p:txBody>
+        </p:sp>
+        <p:sp>
+          <p:nvSpPr>
+            <p:cNvPr id="82" name="Oval 81">
+              <a:extLst>
+                <a:ext uri="{FF2B5EF4-FFF2-40B4-BE49-F238E27FC236}">
+                  <a16:creationId xmlns:a16="http://schemas.microsoft.com/office/drawing/2014/main" id="{09B43A41-4E30-420F-BE07-CAF4830B7639}"/>
+                </a:ext>
+              </a:extLst>
+            </p:cNvPr>
+            <p:cNvSpPr/>
+            <p:nvPr/>
+          </p:nvSpPr>
+          <p:spPr>
+            <a:xfrm>
+              <a:off x="6897810" y="2415240"/>
+              <a:ext cx="560435" cy="474406"/>
+            </a:xfrm>
+            <a:prstGeom prst="ellipse">
+              <a:avLst/>
+            </a:prstGeom>
+            <a:noFill/>
+            <a:ln>
+              <a:noFill/>
+            </a:ln>
+          </p:spPr>
+          <p:style>
+            <a:lnRef idx="2">
+              <a:schemeClr val="accent1">
+                <a:shade val="50000"/>
+              </a:schemeClr>
+            </a:lnRef>
+            <a:fillRef idx="1">
+              <a:schemeClr val="accent1"/>
+            </a:fillRef>
+            <a:effectRef idx="0">
+              <a:schemeClr val="accent1"/>
+            </a:effectRef>
+            <a:fontRef idx="minor">
+              <a:schemeClr val="lt1"/>
+            </a:fontRef>
+          </p:style>
+          <p:txBody>
+            <a:bodyPr rtlCol="0" anchor="ctr"/>
+            <a:lstStyle/>
+            <a:p>
+              <a:pPr algn="ctr"/>
+              <a:r>
+                <a:rPr lang="el-GR" dirty="0">
+                  <a:solidFill>
+                    <a:schemeClr val="tx1"/>
+                  </a:solidFill>
+                </a:rPr>
+                <a:t>γ</a:t>
+              </a:r>
+              <a:r>
+                <a:rPr lang="en-US" sz="1600" baseline="-25000" dirty="0">
+                  <a:solidFill>
+                    <a:schemeClr val="tx1"/>
+                  </a:solidFill>
+                </a:rPr>
+                <a:t>1</a:t>
+              </a:r>
+            </a:p>
+          </p:txBody>
+        </p:sp>
+        <p:sp>
+          <p:nvSpPr>
+            <p:cNvPr id="83" name="Oval 82">
+              <a:extLst>
+                <a:ext uri="{FF2B5EF4-FFF2-40B4-BE49-F238E27FC236}">
+                  <a16:creationId xmlns:a16="http://schemas.microsoft.com/office/drawing/2014/main" id="{97639B86-BDB4-411A-8224-10B12C623B85}"/>
+                </a:ext>
+              </a:extLst>
+            </p:cNvPr>
+            <p:cNvSpPr/>
+            <p:nvPr/>
+          </p:nvSpPr>
+          <p:spPr>
+            <a:xfrm>
+              <a:off x="3647767" y="2533957"/>
+              <a:ext cx="560435" cy="474406"/>
+            </a:xfrm>
+            <a:prstGeom prst="ellipse">
+              <a:avLst/>
+            </a:prstGeom>
+            <a:noFill/>
+            <a:ln>
+              <a:noFill/>
+            </a:ln>
+          </p:spPr>
+          <p:style>
+            <a:lnRef idx="2">
+              <a:schemeClr val="accent1">
+                <a:shade val="50000"/>
+              </a:schemeClr>
+            </a:lnRef>
+            <a:fillRef idx="1">
+              <a:schemeClr val="accent1"/>
+            </a:fillRef>
+            <a:effectRef idx="0">
+              <a:schemeClr val="accent1"/>
+            </a:effectRef>
+            <a:fontRef idx="minor">
+              <a:schemeClr val="lt1"/>
+            </a:fontRef>
+          </p:style>
+          <p:txBody>
+            <a:bodyPr rtlCol="0" anchor="ctr"/>
+            <a:lstStyle/>
+            <a:p>
+              <a:pPr algn="ctr"/>
+              <a:r>
+                <a:rPr lang="el-GR" sz="1600" dirty="0">
+                  <a:solidFill>
+                    <a:schemeClr val="tx1"/>
+                  </a:solidFill>
+                </a:rPr>
+                <a:t>λ</a:t>
+              </a:r>
+              <a:r>
+                <a:rPr lang="en-US" sz="1600" baseline="-25000" dirty="0">
+                  <a:solidFill>
+                    <a:schemeClr val="tx1"/>
+                  </a:solidFill>
+                </a:rPr>
+                <a:t>6</a:t>
+              </a:r>
+              <a:endParaRPr lang="en-US" sz="1400" baseline="-25000" dirty="0">
+                <a:solidFill>
+                  <a:schemeClr val="tx1"/>
+                </a:solidFill>
+              </a:endParaRPr>
+            </a:p>
+          </p:txBody>
+        </p:sp>
+        <p:cxnSp>
+          <p:nvCxnSpPr>
+            <p:cNvPr id="89" name="Connector: Curved 88">
+              <a:extLst>
+                <a:ext uri="{FF2B5EF4-FFF2-40B4-BE49-F238E27FC236}">
+                  <a16:creationId xmlns:a16="http://schemas.microsoft.com/office/drawing/2014/main" id="{6EB85C2F-649D-4F1A-819E-A388EBBADEF7}"/>
+                </a:ext>
+              </a:extLst>
+            </p:cNvPr>
+            <p:cNvCxnSpPr>
+              <a:cxnSpLocks/>
+              <a:stCxn id="6" idx="5"/>
+              <a:endCxn id="7" idx="3"/>
+            </p:cNvCxnSpPr>
+            <p:nvPr/>
+          </p:nvCxnSpPr>
+          <p:spPr>
+            <a:xfrm rot="16200000" flipH="1">
+              <a:off x="5611041" y="2280923"/>
+              <a:ext cx="1440" cy="3604476"/>
+            </a:xfrm>
+            <a:prstGeom prst="curvedConnector3">
+              <a:avLst>
+                <a:gd name="adj1" fmla="val 25974306"/>
+              </a:avLst>
+            </a:prstGeom>
+            <a:ln>
+              <a:solidFill>
+                <a:schemeClr val="tx1"/>
+              </a:solidFill>
+              <a:headEnd type="triangle"/>
+              <a:tailEnd type="triangle"/>
+            </a:ln>
+          </p:spPr>
+          <p:style>
+            <a:lnRef idx="1">
+              <a:schemeClr val="accent1"/>
+            </a:lnRef>
+            <a:fillRef idx="0">
+              <a:schemeClr val="accent1"/>
+            </a:fillRef>
+            <a:effectRef idx="0">
+              <a:schemeClr val="accent1"/>
+            </a:effectRef>
+            <a:fontRef idx="minor">
+              <a:schemeClr val="tx1"/>
+            </a:fontRef>
+          </p:style>
+        </p:cxnSp>
+        <p:sp>
+          <p:nvSpPr>
+            <p:cNvPr id="92" name="Oval 91">
+              <a:extLst>
+                <a:ext uri="{FF2B5EF4-FFF2-40B4-BE49-F238E27FC236}">
+                  <a16:creationId xmlns:a16="http://schemas.microsoft.com/office/drawing/2014/main" id="{15EED070-CA15-4EB8-AB1B-8F3010DF1CED}"/>
+                </a:ext>
+              </a:extLst>
+            </p:cNvPr>
+            <p:cNvSpPr/>
+            <p:nvPr/>
+          </p:nvSpPr>
+          <p:spPr>
+            <a:xfrm>
+              <a:off x="5337893" y="4050272"/>
+              <a:ext cx="560435" cy="474406"/>
+            </a:xfrm>
+            <a:prstGeom prst="ellipse">
+              <a:avLst/>
+            </a:prstGeom>
+            <a:noFill/>
+            <a:ln>
+              <a:noFill/>
+            </a:ln>
+          </p:spPr>
+          <p:style>
+            <a:lnRef idx="2">
+              <a:schemeClr val="accent1">
+                <a:shade val="50000"/>
+              </a:schemeClr>
+            </a:lnRef>
+            <a:fillRef idx="1">
+              <a:schemeClr val="accent1"/>
+            </a:fillRef>
+            <a:effectRef idx="0">
+              <a:schemeClr val="accent1"/>
+            </a:effectRef>
+            <a:fontRef idx="minor">
+              <a:schemeClr val="lt1"/>
+            </a:fontRef>
+          </p:style>
+          <p:txBody>
+            <a:bodyPr rtlCol="0" anchor="ctr"/>
+            <a:lstStyle/>
+            <a:p>
+              <a:pPr algn="ctr"/>
+              <a:r>
+                <a:rPr lang="el-GR" dirty="0">
+                  <a:solidFill>
+                    <a:schemeClr val="tx1"/>
+                  </a:solidFill>
+                </a:rPr>
+                <a:t>φ</a:t>
+              </a:r>
+              <a:r>
+                <a:rPr lang="en-US" sz="1400" baseline="-25000" dirty="0">
+                  <a:solidFill>
+                    <a:schemeClr val="tx1"/>
+                  </a:solidFill>
+                </a:rPr>
+                <a:t>1</a:t>
+              </a:r>
+            </a:p>
+          </p:txBody>
+        </p:sp>
+      </p:grpSp>
     </p:spTree>
     <p:extLst>
       <p:ext uri="{BB962C8B-B14F-4D97-AF65-F5344CB8AC3E}">
         <p14:creationId xmlns:p14="http://schemas.microsoft.com/office/powerpoint/2010/main" val="1002148112"/>
+      </p:ext>
+    </p:extLst>
+  </p:cSld>
+  <p:clrMapOvr>
+    <a:masterClrMapping/>
+  </p:clrMapOvr>
+</p:sld>
+</file>
+
+<file path=ppt/slides/slide6.xml><?xml version="1.0" encoding="utf-8"?>
+<p:sld xmlns:a="http://schemas.openxmlformats.org/drawingml/2006/main" xmlns:r="http://schemas.openxmlformats.org/officeDocument/2006/relationships" xmlns:p="http://schemas.openxmlformats.org/presentationml/2006/main">
+  <p:cSld>
+    <p:spTree>
+      <p:nvGrpSpPr>
+        <p:cNvPr id="1" name=""/>
+        <p:cNvGrpSpPr/>
+        <p:nvPr/>
+      </p:nvGrpSpPr>
+      <p:grpSpPr>
+        <a:xfrm>
+          <a:off x="0" y="0"/>
+          <a:ext cx="0" cy="0"/>
+          <a:chOff x="0" y="0"/>
+          <a:chExt cx="0" cy="0"/>
+        </a:xfrm>
+      </p:grpSpPr>
+      <p:pic>
+        <p:nvPicPr>
+          <p:cNvPr id="4" name="Picture 3">
+            <a:extLst>
+              <a:ext uri="{FF2B5EF4-FFF2-40B4-BE49-F238E27FC236}">
+                <a16:creationId xmlns:a16="http://schemas.microsoft.com/office/drawing/2014/main" id="{295E0F2B-3C9E-44D8-89FF-D552266D9D3F}"/>
+              </a:ext>
+            </a:extLst>
+          </p:cNvPr>
+          <p:cNvPicPr>
+            <a:picLocks noChangeAspect="1"/>
+          </p:cNvPicPr>
+          <p:nvPr/>
+        </p:nvPicPr>
+        <p:blipFill>
+          <a:blip r:embed="rId2"/>
+          <a:stretch>
+            <a:fillRect/>
+          </a:stretch>
+        </p:blipFill>
+        <p:spPr>
+          <a:xfrm>
+            <a:off x="1787141" y="626117"/>
+            <a:ext cx="7680132" cy="5698843"/>
+          </a:xfrm>
+          <a:prstGeom prst="rect">
+            <a:avLst/>
+          </a:prstGeom>
+        </p:spPr>
+      </p:pic>
+    </p:spTree>
+    <p:extLst>
+      <p:ext uri="{BB962C8B-B14F-4D97-AF65-F5344CB8AC3E}">
+        <p14:creationId xmlns:p14="http://schemas.microsoft.com/office/powerpoint/2010/main" val="2004061840"/>
       </p:ext>
     </p:extLst>
   </p:cSld>

--- a/gambar.pptx
+++ b/gambar.pptx
@@ -11,6 +11,9 @@
     <p:sldId id="259" r:id="rId5"/>
     <p:sldId id="260" r:id="rId6"/>
     <p:sldId id="261" r:id="rId7"/>
+    <p:sldId id="262" r:id="rId8"/>
+    <p:sldId id="263" r:id="rId9"/>
+    <p:sldId id="264" r:id="rId10"/>
   </p:sldIdLst>
   <p:sldSz cx="12192000" cy="6858000"/>
   <p:notesSz cx="6858000" cy="9144000"/>
@@ -8330,12 +8333,1021 @@
           <a:chExt cx="0" cy="0"/>
         </a:xfrm>
       </p:grpSpPr>
+      <p:sp>
+        <p:nvSpPr>
+          <p:cNvPr id="5" name="Rectangle 4">
+            <a:extLst>
+              <a:ext uri="{FF2B5EF4-FFF2-40B4-BE49-F238E27FC236}">
+                <a16:creationId xmlns:a16="http://schemas.microsoft.com/office/drawing/2014/main" id="{5A8A5662-2AB0-4E9C-AB15-A7A2E738790B}"/>
+              </a:ext>
+            </a:extLst>
+          </p:cNvPr>
+          <p:cNvSpPr/>
+          <p:nvPr/>
+        </p:nvSpPr>
+        <p:spPr>
+          <a:xfrm>
+            <a:off x="4640826" y="1907458"/>
+            <a:ext cx="1995948" cy="747252"/>
+          </a:xfrm>
+          <a:prstGeom prst="rect">
+            <a:avLst/>
+          </a:prstGeom>
+          <a:noFill/>
+          <a:ln>
+            <a:solidFill>
+              <a:schemeClr val="tx1"/>
+            </a:solidFill>
+          </a:ln>
+        </p:spPr>
+        <p:style>
+          <a:lnRef idx="2">
+            <a:schemeClr val="accent1">
+              <a:shade val="50000"/>
+            </a:schemeClr>
+          </a:lnRef>
+          <a:fillRef idx="1">
+            <a:schemeClr val="accent1"/>
+          </a:fillRef>
+          <a:effectRef idx="0">
+            <a:schemeClr val="accent1"/>
+          </a:effectRef>
+          <a:fontRef idx="minor">
+            <a:schemeClr val="lt1"/>
+          </a:fontRef>
+        </p:style>
+        <p:txBody>
+          <a:bodyPr rtlCol="0" anchor="ctr"/>
+          <a:lstStyle/>
+          <a:p>
+            <a:pPr algn="ctr"/>
+            <a:r>
+              <a:rPr lang="en-US" dirty="0">
+                <a:solidFill>
+                  <a:schemeClr val="tx1"/>
+                </a:solidFill>
+              </a:rPr>
+              <a:t>Status </a:t>
+            </a:r>
+            <a:r>
+              <a:rPr lang="en-US" dirty="0" err="1">
+                <a:solidFill>
+                  <a:schemeClr val="tx1"/>
+                </a:solidFill>
+              </a:rPr>
+              <a:t>sosio-ekonomi</a:t>
+            </a:r>
+            <a:r>
+              <a:rPr lang="en-US" dirty="0">
+                <a:solidFill>
+                  <a:schemeClr val="tx1"/>
+                </a:solidFill>
+              </a:rPr>
+              <a:t> (</a:t>
+            </a:r>
+            <a:r>
+              <a:rPr lang="el-GR" dirty="0">
+                <a:solidFill>
+                  <a:schemeClr val="tx1"/>
+                </a:solidFill>
+              </a:rPr>
+              <a:t>ξ</a:t>
+            </a:r>
+            <a:r>
+              <a:rPr lang="en-US" baseline="-25000" dirty="0">
+                <a:solidFill>
+                  <a:schemeClr val="tx1"/>
+                </a:solidFill>
+              </a:rPr>
+              <a:t>1</a:t>
+            </a:r>
+            <a:r>
+              <a:rPr lang="en-US" dirty="0">
+                <a:solidFill>
+                  <a:schemeClr val="tx1"/>
+                </a:solidFill>
+              </a:rPr>
+              <a:t>)</a:t>
+            </a:r>
+          </a:p>
+        </p:txBody>
+      </p:sp>
+      <p:sp>
+        <p:nvSpPr>
+          <p:cNvPr id="7" name="Oval 6">
+            <a:extLst>
+              <a:ext uri="{FF2B5EF4-FFF2-40B4-BE49-F238E27FC236}">
+                <a16:creationId xmlns:a16="http://schemas.microsoft.com/office/drawing/2014/main" id="{2F7E0F33-2D83-46A4-8267-8E7E3BE387A4}"/>
+              </a:ext>
+            </a:extLst>
+          </p:cNvPr>
+          <p:cNvSpPr/>
+          <p:nvPr/>
+        </p:nvSpPr>
+        <p:spPr>
+          <a:xfrm>
+            <a:off x="7251290" y="3244645"/>
+            <a:ext cx="1111045" cy="983226"/>
+          </a:xfrm>
+          <a:prstGeom prst="ellipse">
+            <a:avLst/>
+          </a:prstGeom>
+          <a:noFill/>
+          <a:ln>
+            <a:solidFill>
+              <a:schemeClr val="tx1"/>
+            </a:solidFill>
+          </a:ln>
+        </p:spPr>
+        <p:style>
+          <a:lnRef idx="2">
+            <a:schemeClr val="accent1">
+              <a:shade val="50000"/>
+            </a:schemeClr>
+          </a:lnRef>
+          <a:fillRef idx="1">
+            <a:schemeClr val="accent1"/>
+          </a:fillRef>
+          <a:effectRef idx="0">
+            <a:schemeClr val="accent1"/>
+          </a:effectRef>
+          <a:fontRef idx="minor">
+            <a:schemeClr val="lt1"/>
+          </a:fontRef>
+        </p:style>
+        <p:txBody>
+          <a:bodyPr rtlCol="0" anchor="ctr"/>
+          <a:lstStyle/>
+          <a:p>
+            <a:pPr algn="ctr"/>
+            <a:r>
+              <a:rPr lang="en-US" sz="1100" dirty="0">
+                <a:solidFill>
+                  <a:schemeClr val="tx1"/>
+                </a:solidFill>
+              </a:rPr>
+              <a:t>Keputusan </a:t>
+            </a:r>
+            <a:r>
+              <a:rPr lang="en-US" sz="1100" dirty="0" err="1">
+                <a:solidFill>
+                  <a:schemeClr val="tx1"/>
+                </a:solidFill>
+              </a:rPr>
+              <a:t>karir</a:t>
+            </a:r>
+            <a:r>
+              <a:rPr lang="en-US" sz="1100" dirty="0">
+                <a:solidFill>
+                  <a:schemeClr val="tx1"/>
+                </a:solidFill>
+              </a:rPr>
+              <a:t> (</a:t>
+            </a:r>
+            <a:r>
+              <a:rPr lang="el-GR" sz="1100" dirty="0">
+                <a:solidFill>
+                  <a:schemeClr val="tx1"/>
+                </a:solidFill>
+              </a:rPr>
+              <a:t>η</a:t>
+            </a:r>
+            <a:r>
+              <a:rPr lang="en-US" sz="1100" baseline="-25000" dirty="0">
+                <a:solidFill>
+                  <a:schemeClr val="tx1"/>
+                </a:solidFill>
+              </a:rPr>
+              <a:t>1</a:t>
+            </a:r>
+            <a:r>
+              <a:rPr lang="en-US" sz="1100" dirty="0">
+                <a:solidFill>
+                  <a:schemeClr val="tx1"/>
+                </a:solidFill>
+              </a:rPr>
+              <a:t>)</a:t>
+            </a:r>
+          </a:p>
+        </p:txBody>
+      </p:sp>
+      <p:sp>
+        <p:nvSpPr>
+          <p:cNvPr id="11" name="Rectangle 10">
+            <a:extLst>
+              <a:ext uri="{FF2B5EF4-FFF2-40B4-BE49-F238E27FC236}">
+                <a16:creationId xmlns:a16="http://schemas.microsoft.com/office/drawing/2014/main" id="{6DD056D1-2459-4434-B016-04A8758FF925}"/>
+              </a:ext>
+            </a:extLst>
+          </p:cNvPr>
+          <p:cNvSpPr/>
+          <p:nvPr/>
+        </p:nvSpPr>
+        <p:spPr>
+          <a:xfrm>
+            <a:off x="8927688" y="3186879"/>
+            <a:ext cx="1465009" cy="474407"/>
+          </a:xfrm>
+          <a:prstGeom prst="rect">
+            <a:avLst/>
+          </a:prstGeom>
+          <a:noFill/>
+          <a:ln>
+            <a:solidFill>
+              <a:schemeClr val="tx1"/>
+            </a:solidFill>
+          </a:ln>
+        </p:spPr>
+        <p:style>
+          <a:lnRef idx="2">
+            <a:schemeClr val="accent1">
+              <a:shade val="50000"/>
+            </a:schemeClr>
+          </a:lnRef>
+          <a:fillRef idx="1">
+            <a:schemeClr val="accent1"/>
+          </a:fillRef>
+          <a:effectRef idx="0">
+            <a:schemeClr val="accent1"/>
+          </a:effectRef>
+          <a:fontRef idx="minor">
+            <a:schemeClr val="lt1"/>
+          </a:fontRef>
+        </p:style>
+        <p:txBody>
+          <a:bodyPr rtlCol="0" anchor="ctr"/>
+          <a:lstStyle/>
+          <a:p>
+            <a:pPr algn="ctr"/>
+            <a:r>
+              <a:rPr lang="en-US" dirty="0" err="1">
+                <a:solidFill>
+                  <a:schemeClr val="tx1"/>
+                </a:solidFill>
+              </a:rPr>
+              <a:t>Persepsi</a:t>
+            </a:r>
+            <a:r>
+              <a:rPr lang="en-US" dirty="0">
+                <a:solidFill>
+                  <a:schemeClr val="tx1"/>
+                </a:solidFill>
+              </a:rPr>
+              <a:t> </a:t>
+            </a:r>
+            <a:r>
+              <a:rPr lang="en-US" dirty="0" err="1">
+                <a:solidFill>
+                  <a:schemeClr val="tx1"/>
+                </a:solidFill>
+              </a:rPr>
+              <a:t>diri</a:t>
+            </a:r>
+            <a:endParaRPr lang="en-US" dirty="0">
+              <a:solidFill>
+                <a:schemeClr val="tx1"/>
+              </a:solidFill>
+            </a:endParaRPr>
+          </a:p>
+        </p:txBody>
+      </p:sp>
+      <p:sp>
+        <p:nvSpPr>
+          <p:cNvPr id="13" name="Rectangle 12">
+            <a:extLst>
+              <a:ext uri="{FF2B5EF4-FFF2-40B4-BE49-F238E27FC236}">
+                <a16:creationId xmlns:a16="http://schemas.microsoft.com/office/drawing/2014/main" id="{E033CE98-7FAF-43A3-9D67-A9D127776C99}"/>
+              </a:ext>
+            </a:extLst>
+          </p:cNvPr>
+          <p:cNvSpPr/>
+          <p:nvPr/>
+        </p:nvSpPr>
+        <p:spPr>
+          <a:xfrm>
+            <a:off x="8927687" y="3898489"/>
+            <a:ext cx="1465010" cy="474407"/>
+          </a:xfrm>
+          <a:prstGeom prst="rect">
+            <a:avLst/>
+          </a:prstGeom>
+          <a:noFill/>
+          <a:ln>
+            <a:solidFill>
+              <a:schemeClr val="tx1"/>
+            </a:solidFill>
+          </a:ln>
+        </p:spPr>
+        <p:style>
+          <a:lnRef idx="2">
+            <a:schemeClr val="accent1">
+              <a:shade val="50000"/>
+            </a:schemeClr>
+          </a:lnRef>
+          <a:fillRef idx="1">
+            <a:schemeClr val="accent1"/>
+          </a:fillRef>
+          <a:effectRef idx="0">
+            <a:schemeClr val="accent1"/>
+          </a:effectRef>
+          <a:fontRef idx="minor">
+            <a:schemeClr val="lt1"/>
+          </a:fontRef>
+        </p:style>
+        <p:txBody>
+          <a:bodyPr rtlCol="0" anchor="ctr"/>
+          <a:lstStyle/>
+          <a:p>
+            <a:pPr algn="ctr"/>
+            <a:r>
+              <a:rPr lang="en-US" sz="1400" dirty="0" err="1">
+                <a:solidFill>
+                  <a:schemeClr val="tx1"/>
+                </a:solidFill>
+              </a:rPr>
+              <a:t>Persepsi</a:t>
+            </a:r>
+            <a:r>
+              <a:rPr lang="en-US" sz="1400" dirty="0">
+                <a:solidFill>
+                  <a:schemeClr val="tx1"/>
+                </a:solidFill>
+              </a:rPr>
+              <a:t> orang lain</a:t>
+            </a:r>
+          </a:p>
+        </p:txBody>
+      </p:sp>
+      <p:cxnSp>
+        <p:nvCxnSpPr>
+          <p:cNvPr id="16" name="Straight Arrow Connector 15">
+            <a:extLst>
+              <a:ext uri="{FF2B5EF4-FFF2-40B4-BE49-F238E27FC236}">
+                <a16:creationId xmlns:a16="http://schemas.microsoft.com/office/drawing/2014/main" id="{D00BDA37-63EB-4D38-93E6-AB67AAD4F8E6}"/>
+              </a:ext>
+            </a:extLst>
+          </p:cNvPr>
+          <p:cNvCxnSpPr>
+            <a:cxnSpLocks/>
+            <a:stCxn id="5" idx="1"/>
+            <a:endCxn id="6" idx="7"/>
+          </p:cNvCxnSpPr>
+          <p:nvPr/>
+        </p:nvCxnSpPr>
+        <p:spPr>
+          <a:xfrm flipH="1">
+            <a:off x="3809523" y="2281084"/>
+            <a:ext cx="831303" cy="1099159"/>
+          </a:xfrm>
+          <a:prstGeom prst="straightConnector1">
+            <a:avLst/>
+          </a:prstGeom>
+          <a:ln>
+            <a:solidFill>
+              <a:schemeClr val="tx1"/>
+            </a:solidFill>
+            <a:tailEnd type="triangle"/>
+          </a:ln>
+        </p:spPr>
+        <p:style>
+          <a:lnRef idx="1">
+            <a:schemeClr val="accent1"/>
+          </a:lnRef>
+          <a:fillRef idx="0">
+            <a:schemeClr val="accent1"/>
+          </a:fillRef>
+          <a:effectRef idx="0">
+            <a:schemeClr val="accent1"/>
+          </a:effectRef>
+          <a:fontRef idx="minor">
+            <a:schemeClr val="tx1"/>
+          </a:fontRef>
+        </p:style>
+      </p:cxnSp>
+      <p:cxnSp>
+        <p:nvCxnSpPr>
+          <p:cNvPr id="20" name="Straight Arrow Connector 19">
+            <a:extLst>
+              <a:ext uri="{FF2B5EF4-FFF2-40B4-BE49-F238E27FC236}">
+                <a16:creationId xmlns:a16="http://schemas.microsoft.com/office/drawing/2014/main" id="{F5831732-C1A4-4114-8D06-77E4C9D9563D}"/>
+              </a:ext>
+            </a:extLst>
+          </p:cNvPr>
+          <p:cNvCxnSpPr>
+            <a:stCxn id="5" idx="3"/>
+            <a:endCxn id="7" idx="1"/>
+          </p:cNvCxnSpPr>
+          <p:nvPr/>
+        </p:nvCxnSpPr>
+        <p:spPr>
+          <a:xfrm>
+            <a:off x="6636774" y="2281084"/>
+            <a:ext cx="777225" cy="1107551"/>
+          </a:xfrm>
+          <a:prstGeom prst="straightConnector1">
+            <a:avLst/>
+          </a:prstGeom>
+          <a:ln>
+            <a:solidFill>
+              <a:schemeClr val="tx1"/>
+            </a:solidFill>
+            <a:tailEnd type="triangle"/>
+          </a:ln>
+        </p:spPr>
+        <p:style>
+          <a:lnRef idx="1">
+            <a:schemeClr val="accent1"/>
+          </a:lnRef>
+          <a:fillRef idx="0">
+            <a:schemeClr val="accent1"/>
+          </a:fillRef>
+          <a:effectRef idx="0">
+            <a:schemeClr val="accent1"/>
+          </a:effectRef>
+          <a:fontRef idx="minor">
+            <a:schemeClr val="tx1"/>
+          </a:fontRef>
+        </p:style>
+      </p:cxnSp>
+      <p:cxnSp>
+        <p:nvCxnSpPr>
+          <p:cNvPr id="22" name="Straight Arrow Connector 21">
+            <a:extLst>
+              <a:ext uri="{FF2B5EF4-FFF2-40B4-BE49-F238E27FC236}">
+                <a16:creationId xmlns:a16="http://schemas.microsoft.com/office/drawing/2014/main" id="{AE69369D-5CBB-4758-97C6-D5B3314361E3}"/>
+              </a:ext>
+            </a:extLst>
+          </p:cNvPr>
+          <p:cNvCxnSpPr>
+            <a:cxnSpLocks/>
+            <a:stCxn id="6" idx="6"/>
+            <a:endCxn id="7" idx="2"/>
+          </p:cNvCxnSpPr>
+          <p:nvPr/>
+        </p:nvCxnSpPr>
+        <p:spPr>
+          <a:xfrm>
+            <a:off x="3972232" y="3731342"/>
+            <a:ext cx="3279058" cy="4916"/>
+          </a:xfrm>
+          <a:prstGeom prst="straightConnector1">
+            <a:avLst/>
+          </a:prstGeom>
+          <a:ln>
+            <a:solidFill>
+              <a:schemeClr val="tx1"/>
+            </a:solidFill>
+            <a:tailEnd type="triangle"/>
+          </a:ln>
+        </p:spPr>
+        <p:style>
+          <a:lnRef idx="1">
+            <a:schemeClr val="accent1"/>
+          </a:lnRef>
+          <a:fillRef idx="0">
+            <a:schemeClr val="accent1"/>
+          </a:fillRef>
+          <a:effectRef idx="0">
+            <a:schemeClr val="accent1"/>
+          </a:effectRef>
+          <a:fontRef idx="minor">
+            <a:schemeClr val="tx1"/>
+          </a:fontRef>
+        </p:style>
+      </p:cxnSp>
+      <p:cxnSp>
+        <p:nvCxnSpPr>
+          <p:cNvPr id="40" name="Straight Arrow Connector 39">
+            <a:extLst>
+              <a:ext uri="{FF2B5EF4-FFF2-40B4-BE49-F238E27FC236}">
+                <a16:creationId xmlns:a16="http://schemas.microsoft.com/office/drawing/2014/main" id="{EF558CBB-E927-453A-8D68-2E07F2C04FD2}"/>
+              </a:ext>
+            </a:extLst>
+          </p:cNvPr>
+          <p:cNvCxnSpPr>
+            <a:stCxn id="7" idx="6"/>
+            <a:endCxn id="11" idx="1"/>
+          </p:cNvCxnSpPr>
+          <p:nvPr/>
+        </p:nvCxnSpPr>
+        <p:spPr>
+          <a:xfrm flipV="1">
+            <a:off x="8362335" y="3424083"/>
+            <a:ext cx="565353" cy="312175"/>
+          </a:xfrm>
+          <a:prstGeom prst="straightConnector1">
+            <a:avLst/>
+          </a:prstGeom>
+          <a:ln>
+            <a:solidFill>
+              <a:schemeClr val="tx1"/>
+            </a:solidFill>
+            <a:tailEnd type="triangle"/>
+          </a:ln>
+        </p:spPr>
+        <p:style>
+          <a:lnRef idx="1">
+            <a:schemeClr val="accent1"/>
+          </a:lnRef>
+          <a:fillRef idx="0">
+            <a:schemeClr val="accent1"/>
+          </a:fillRef>
+          <a:effectRef idx="0">
+            <a:schemeClr val="accent1"/>
+          </a:effectRef>
+          <a:fontRef idx="minor">
+            <a:schemeClr val="tx1"/>
+          </a:fontRef>
+        </p:style>
+      </p:cxnSp>
+      <p:cxnSp>
+        <p:nvCxnSpPr>
+          <p:cNvPr id="42" name="Straight Arrow Connector 41">
+            <a:extLst>
+              <a:ext uri="{FF2B5EF4-FFF2-40B4-BE49-F238E27FC236}">
+                <a16:creationId xmlns:a16="http://schemas.microsoft.com/office/drawing/2014/main" id="{F0C9C59E-42A8-456D-A18D-A63C5D066A72}"/>
+              </a:ext>
+            </a:extLst>
+          </p:cNvPr>
+          <p:cNvCxnSpPr>
+            <a:stCxn id="7" idx="6"/>
+            <a:endCxn id="13" idx="1"/>
+          </p:cNvCxnSpPr>
+          <p:nvPr/>
+        </p:nvCxnSpPr>
+        <p:spPr>
+          <a:xfrm>
+            <a:off x="8362335" y="3736258"/>
+            <a:ext cx="565352" cy="399435"/>
+          </a:xfrm>
+          <a:prstGeom prst="straightConnector1">
+            <a:avLst/>
+          </a:prstGeom>
+          <a:ln>
+            <a:solidFill>
+              <a:schemeClr val="tx1"/>
+            </a:solidFill>
+            <a:tailEnd type="triangle"/>
+          </a:ln>
+        </p:spPr>
+        <p:style>
+          <a:lnRef idx="1">
+            <a:schemeClr val="accent1"/>
+          </a:lnRef>
+          <a:fillRef idx="0">
+            <a:schemeClr val="accent1"/>
+          </a:fillRef>
+          <a:effectRef idx="0">
+            <a:schemeClr val="accent1"/>
+          </a:effectRef>
+          <a:fontRef idx="minor">
+            <a:schemeClr val="tx1"/>
+          </a:fontRef>
+        </p:style>
+      </p:cxnSp>
+      <p:sp>
+        <p:nvSpPr>
+          <p:cNvPr id="43" name="Oval 42">
+            <a:extLst>
+              <a:ext uri="{FF2B5EF4-FFF2-40B4-BE49-F238E27FC236}">
+                <a16:creationId xmlns:a16="http://schemas.microsoft.com/office/drawing/2014/main" id="{963AC370-CBFC-4A85-B3C3-0F96FFFE3AED}"/>
+              </a:ext>
+            </a:extLst>
+          </p:cNvPr>
+          <p:cNvSpPr/>
+          <p:nvPr/>
+        </p:nvSpPr>
+        <p:spPr>
+          <a:xfrm>
+            <a:off x="5407742" y="967446"/>
+            <a:ext cx="462116" cy="523570"/>
+          </a:xfrm>
+          <a:prstGeom prst="ellipse">
+            <a:avLst/>
+          </a:prstGeom>
+          <a:noFill/>
+          <a:ln>
+            <a:noFill/>
+          </a:ln>
+        </p:spPr>
+        <p:style>
+          <a:lnRef idx="2">
+            <a:schemeClr val="accent1">
+              <a:shade val="50000"/>
+            </a:schemeClr>
+          </a:lnRef>
+          <a:fillRef idx="1">
+            <a:schemeClr val="accent1"/>
+          </a:fillRef>
+          <a:effectRef idx="0">
+            <a:schemeClr val="accent1"/>
+          </a:effectRef>
+          <a:fontRef idx="minor">
+            <a:schemeClr val="lt1"/>
+          </a:fontRef>
+        </p:style>
+        <p:txBody>
+          <a:bodyPr rtlCol="0" anchor="ctr"/>
+          <a:lstStyle/>
+          <a:p>
+            <a:pPr algn="ctr"/>
+            <a:r>
+              <a:rPr lang="el-GR" sz="1600" dirty="0">
+                <a:solidFill>
+                  <a:schemeClr val="tx1"/>
+                </a:solidFill>
+              </a:rPr>
+              <a:t>ζ</a:t>
+            </a:r>
+            <a:r>
+              <a:rPr lang="en-US" sz="1600" baseline="-25000" dirty="0">
+                <a:solidFill>
+                  <a:schemeClr val="tx1"/>
+                </a:solidFill>
+              </a:rPr>
+              <a:t>1</a:t>
+            </a:r>
+          </a:p>
+        </p:txBody>
+      </p:sp>
+      <p:cxnSp>
+        <p:nvCxnSpPr>
+          <p:cNvPr id="45" name="Straight Arrow Connector 44">
+            <a:extLst>
+              <a:ext uri="{FF2B5EF4-FFF2-40B4-BE49-F238E27FC236}">
+                <a16:creationId xmlns:a16="http://schemas.microsoft.com/office/drawing/2014/main" id="{6C516C01-9791-42FE-8484-28F5E1EC3186}"/>
+              </a:ext>
+            </a:extLst>
+          </p:cNvPr>
+          <p:cNvCxnSpPr>
+            <a:cxnSpLocks/>
+            <a:stCxn id="43" idx="4"/>
+            <a:endCxn id="5" idx="0"/>
+          </p:cNvCxnSpPr>
+          <p:nvPr/>
+        </p:nvCxnSpPr>
+        <p:spPr>
+          <a:xfrm>
+            <a:off x="5638800" y="1491016"/>
+            <a:ext cx="0" cy="416442"/>
+          </a:xfrm>
+          <a:prstGeom prst="straightConnector1">
+            <a:avLst/>
+          </a:prstGeom>
+          <a:ln>
+            <a:solidFill>
+              <a:schemeClr val="tx1"/>
+            </a:solidFill>
+            <a:tailEnd type="triangle"/>
+          </a:ln>
+        </p:spPr>
+        <p:style>
+          <a:lnRef idx="1">
+            <a:schemeClr val="accent1"/>
+          </a:lnRef>
+          <a:fillRef idx="0">
+            <a:schemeClr val="accent1"/>
+          </a:fillRef>
+          <a:effectRef idx="0">
+            <a:schemeClr val="accent1"/>
+          </a:effectRef>
+          <a:fontRef idx="minor">
+            <a:schemeClr val="tx1"/>
+          </a:fontRef>
+        </p:style>
+      </p:cxnSp>
+      <p:sp>
+        <p:nvSpPr>
+          <p:cNvPr id="48" name="Oval 47">
+            <a:extLst>
+              <a:ext uri="{FF2B5EF4-FFF2-40B4-BE49-F238E27FC236}">
+                <a16:creationId xmlns:a16="http://schemas.microsoft.com/office/drawing/2014/main" id="{B6539B22-9EA2-4872-9E81-1D00FC86BB2E}"/>
+              </a:ext>
+            </a:extLst>
+          </p:cNvPr>
+          <p:cNvSpPr/>
+          <p:nvPr/>
+        </p:nvSpPr>
+        <p:spPr>
+          <a:xfrm>
+            <a:off x="7585584" y="4505005"/>
+            <a:ext cx="462116" cy="474408"/>
+          </a:xfrm>
+          <a:prstGeom prst="ellipse">
+            <a:avLst/>
+          </a:prstGeom>
+          <a:noFill/>
+          <a:ln>
+            <a:noFill/>
+          </a:ln>
+        </p:spPr>
+        <p:style>
+          <a:lnRef idx="2">
+            <a:schemeClr val="accent1">
+              <a:shade val="50000"/>
+            </a:schemeClr>
+          </a:lnRef>
+          <a:fillRef idx="1">
+            <a:schemeClr val="accent1"/>
+          </a:fillRef>
+          <a:effectRef idx="0">
+            <a:schemeClr val="accent1"/>
+          </a:effectRef>
+          <a:fontRef idx="minor">
+            <a:schemeClr val="lt1"/>
+          </a:fontRef>
+        </p:style>
+        <p:txBody>
+          <a:bodyPr rtlCol="0" anchor="ctr"/>
+          <a:lstStyle/>
+          <a:p>
+            <a:pPr algn="ctr"/>
+            <a:r>
+              <a:rPr lang="el-GR" sz="1600" dirty="0">
+                <a:solidFill>
+                  <a:schemeClr val="tx1"/>
+                </a:solidFill>
+              </a:rPr>
+              <a:t>ζ</a:t>
+            </a:r>
+            <a:r>
+              <a:rPr lang="en-US" sz="1600" baseline="-25000" dirty="0">
+                <a:solidFill>
+                  <a:schemeClr val="tx1"/>
+                </a:solidFill>
+              </a:rPr>
+              <a:t>3</a:t>
+            </a:r>
+          </a:p>
+        </p:txBody>
+      </p:sp>
+      <p:cxnSp>
+        <p:nvCxnSpPr>
+          <p:cNvPr id="52" name="Straight Arrow Connector 51">
+            <a:extLst>
+              <a:ext uri="{FF2B5EF4-FFF2-40B4-BE49-F238E27FC236}">
+                <a16:creationId xmlns:a16="http://schemas.microsoft.com/office/drawing/2014/main" id="{48494672-C09B-4587-8C73-FF24F4265860}"/>
+              </a:ext>
+            </a:extLst>
+          </p:cNvPr>
+          <p:cNvCxnSpPr/>
+          <p:nvPr/>
+        </p:nvCxnSpPr>
+        <p:spPr>
+          <a:xfrm flipV="1">
+            <a:off x="7816642" y="4227871"/>
+            <a:ext cx="1" cy="373617"/>
+          </a:xfrm>
+          <a:prstGeom prst="straightConnector1">
+            <a:avLst/>
+          </a:prstGeom>
+          <a:ln>
+            <a:solidFill>
+              <a:schemeClr val="tx1"/>
+            </a:solidFill>
+            <a:tailEnd type="triangle"/>
+          </a:ln>
+        </p:spPr>
+        <p:style>
+          <a:lnRef idx="1">
+            <a:schemeClr val="accent1"/>
+          </a:lnRef>
+          <a:fillRef idx="0">
+            <a:schemeClr val="accent1"/>
+          </a:fillRef>
+          <a:effectRef idx="0">
+            <a:schemeClr val="accent1"/>
+          </a:effectRef>
+          <a:fontRef idx="minor">
+            <a:schemeClr val="tx1"/>
+          </a:fontRef>
+        </p:style>
+      </p:cxnSp>
+      <p:sp>
+        <p:nvSpPr>
+          <p:cNvPr id="67" name="Oval 66">
+            <a:extLst>
+              <a:ext uri="{FF2B5EF4-FFF2-40B4-BE49-F238E27FC236}">
+                <a16:creationId xmlns:a16="http://schemas.microsoft.com/office/drawing/2014/main" id="{F4688036-42B8-419F-B7A0-8FE6FD40FEA9}"/>
+              </a:ext>
+            </a:extLst>
+          </p:cNvPr>
+          <p:cNvSpPr/>
+          <p:nvPr/>
+        </p:nvSpPr>
+        <p:spPr>
+          <a:xfrm>
+            <a:off x="10918728" y="3186879"/>
+            <a:ext cx="560435" cy="474406"/>
+          </a:xfrm>
+          <a:prstGeom prst="ellipse">
+            <a:avLst/>
+          </a:prstGeom>
+          <a:noFill/>
+          <a:ln>
+            <a:noFill/>
+          </a:ln>
+        </p:spPr>
+        <p:style>
+          <a:lnRef idx="2">
+            <a:schemeClr val="accent1">
+              <a:shade val="50000"/>
+            </a:schemeClr>
+          </a:lnRef>
+          <a:fillRef idx="1">
+            <a:schemeClr val="accent1"/>
+          </a:fillRef>
+          <a:effectRef idx="0">
+            <a:schemeClr val="accent1"/>
+          </a:effectRef>
+          <a:fontRef idx="minor">
+            <a:schemeClr val="lt1"/>
+          </a:fontRef>
+        </p:style>
+        <p:txBody>
+          <a:bodyPr rtlCol="0" anchor="ctr"/>
+          <a:lstStyle/>
+          <a:p>
+            <a:pPr algn="ctr"/>
+            <a:r>
+              <a:rPr lang="el-GR" dirty="0">
+                <a:solidFill>
+                  <a:schemeClr val="tx1"/>
+                </a:solidFill>
+              </a:rPr>
+              <a:t>ε</a:t>
+            </a:r>
+            <a:r>
+              <a:rPr lang="en-US" sz="1600" baseline="-25000" dirty="0">
+                <a:solidFill>
+                  <a:schemeClr val="tx1"/>
+                </a:solidFill>
+              </a:rPr>
+              <a:t>4</a:t>
+            </a:r>
+          </a:p>
+        </p:txBody>
+      </p:sp>
+      <p:cxnSp>
+        <p:nvCxnSpPr>
+          <p:cNvPr id="70" name="Straight Arrow Connector 69">
+            <a:extLst>
+              <a:ext uri="{FF2B5EF4-FFF2-40B4-BE49-F238E27FC236}">
+                <a16:creationId xmlns:a16="http://schemas.microsoft.com/office/drawing/2014/main" id="{76190F54-45A0-492F-AA78-31CF8E9F7E98}"/>
+              </a:ext>
+            </a:extLst>
+          </p:cNvPr>
+          <p:cNvCxnSpPr>
+            <a:stCxn id="67" idx="2"/>
+            <a:endCxn id="11" idx="3"/>
+          </p:cNvCxnSpPr>
+          <p:nvPr/>
+        </p:nvCxnSpPr>
+        <p:spPr>
+          <a:xfrm flipH="1">
+            <a:off x="10392697" y="3424082"/>
+            <a:ext cx="526031" cy="1"/>
+          </a:xfrm>
+          <a:prstGeom prst="straightConnector1">
+            <a:avLst/>
+          </a:prstGeom>
+          <a:ln>
+            <a:solidFill>
+              <a:schemeClr val="tx1"/>
+            </a:solidFill>
+            <a:tailEnd type="triangle"/>
+          </a:ln>
+        </p:spPr>
+        <p:style>
+          <a:lnRef idx="1">
+            <a:schemeClr val="accent1"/>
+          </a:lnRef>
+          <a:fillRef idx="0">
+            <a:schemeClr val="accent1"/>
+          </a:fillRef>
+          <a:effectRef idx="0">
+            <a:schemeClr val="accent1"/>
+          </a:effectRef>
+          <a:fontRef idx="minor">
+            <a:schemeClr val="tx1"/>
+          </a:fontRef>
+        </p:style>
+      </p:cxnSp>
+      <p:sp>
+        <p:nvSpPr>
+          <p:cNvPr id="72" name="Oval 71">
+            <a:extLst>
+              <a:ext uri="{FF2B5EF4-FFF2-40B4-BE49-F238E27FC236}">
+                <a16:creationId xmlns:a16="http://schemas.microsoft.com/office/drawing/2014/main" id="{709451FA-B000-4350-8213-51739B46C26A}"/>
+              </a:ext>
+            </a:extLst>
+          </p:cNvPr>
+          <p:cNvSpPr/>
+          <p:nvPr/>
+        </p:nvSpPr>
+        <p:spPr>
+          <a:xfrm>
+            <a:off x="10918728" y="3898490"/>
+            <a:ext cx="560435" cy="474406"/>
+          </a:xfrm>
+          <a:prstGeom prst="ellipse">
+            <a:avLst/>
+          </a:prstGeom>
+          <a:noFill/>
+          <a:ln>
+            <a:noFill/>
+          </a:ln>
+        </p:spPr>
+        <p:style>
+          <a:lnRef idx="2">
+            <a:schemeClr val="accent1">
+              <a:shade val="50000"/>
+            </a:schemeClr>
+          </a:lnRef>
+          <a:fillRef idx="1">
+            <a:schemeClr val="accent1"/>
+          </a:fillRef>
+          <a:effectRef idx="0">
+            <a:schemeClr val="accent1"/>
+          </a:effectRef>
+          <a:fontRef idx="minor">
+            <a:schemeClr val="lt1"/>
+          </a:fontRef>
+        </p:style>
+        <p:txBody>
+          <a:bodyPr rtlCol="0" anchor="ctr"/>
+          <a:lstStyle/>
+          <a:p>
+            <a:pPr algn="ctr"/>
+            <a:r>
+              <a:rPr lang="el-GR" dirty="0">
+                <a:solidFill>
+                  <a:schemeClr val="tx1"/>
+                </a:solidFill>
+              </a:rPr>
+              <a:t>ε</a:t>
+            </a:r>
+            <a:r>
+              <a:rPr lang="en-US" sz="1600" baseline="-25000" dirty="0">
+                <a:solidFill>
+                  <a:schemeClr val="tx1"/>
+                </a:solidFill>
+              </a:rPr>
+              <a:t>5</a:t>
+            </a:r>
+          </a:p>
+        </p:txBody>
+      </p:sp>
+      <p:cxnSp>
+        <p:nvCxnSpPr>
+          <p:cNvPr id="73" name="Straight Arrow Connector 72">
+            <a:extLst>
+              <a:ext uri="{FF2B5EF4-FFF2-40B4-BE49-F238E27FC236}">
+                <a16:creationId xmlns:a16="http://schemas.microsoft.com/office/drawing/2014/main" id="{87D75633-DF54-4607-A927-3C86A994283F}"/>
+              </a:ext>
+            </a:extLst>
+          </p:cNvPr>
+          <p:cNvCxnSpPr>
+            <a:stCxn id="72" idx="2"/>
+          </p:cNvCxnSpPr>
+          <p:nvPr/>
+        </p:nvCxnSpPr>
+        <p:spPr>
+          <a:xfrm flipH="1">
+            <a:off x="10392697" y="4135693"/>
+            <a:ext cx="526031" cy="1"/>
+          </a:xfrm>
+          <a:prstGeom prst="straightConnector1">
+            <a:avLst/>
+          </a:prstGeom>
+          <a:ln>
+            <a:solidFill>
+              <a:schemeClr val="tx1"/>
+            </a:solidFill>
+            <a:tailEnd type="triangle"/>
+          </a:ln>
+        </p:spPr>
+        <p:style>
+          <a:lnRef idx="1">
+            <a:schemeClr val="accent1"/>
+          </a:lnRef>
+          <a:fillRef idx="0">
+            <a:schemeClr val="accent1"/>
+          </a:fillRef>
+          <a:effectRef idx="0">
+            <a:schemeClr val="accent1"/>
+          </a:effectRef>
+          <a:fontRef idx="minor">
+            <a:schemeClr val="tx1"/>
+          </a:fontRef>
+        </p:style>
+      </p:cxnSp>
       <p:grpSp>
         <p:nvGrpSpPr>
-          <p:cNvPr id="153" name="Group 152">
+          <p:cNvPr id="2" name="Group 1">
             <a:extLst>
               <a:ext uri="{FF2B5EF4-FFF2-40B4-BE49-F238E27FC236}">
-                <a16:creationId xmlns:a16="http://schemas.microsoft.com/office/drawing/2014/main" id="{0B002CAF-7104-4E69-9A34-6E0DDF5C2839}"/>
+                <a16:creationId xmlns:a16="http://schemas.microsoft.com/office/drawing/2014/main" id="{600C6089-F2C6-411B-919F-FEDDD73DCD9B}"/>
               </a:ext>
             </a:extLst>
           </p:cNvPr>
@@ -8344,111 +9356,12 @@
         </p:nvGrpSpPr>
         <p:grpSpPr>
           <a:xfrm>
-            <a:off x="432619" y="967446"/>
-            <a:ext cx="11046544" cy="4108450"/>
-            <a:chOff x="432619" y="967446"/>
-            <a:chExt cx="11046544" cy="4108450"/>
+            <a:off x="432619" y="3007442"/>
+            <a:ext cx="3539613" cy="2068454"/>
+            <a:chOff x="432619" y="3007442"/>
+            <a:chExt cx="3539613" cy="2068454"/>
           </a:xfrm>
         </p:grpSpPr>
-        <p:sp>
-          <p:nvSpPr>
-            <p:cNvPr id="5" name="Rectangle 4">
-              <a:extLst>
-                <a:ext uri="{FF2B5EF4-FFF2-40B4-BE49-F238E27FC236}">
-                  <a16:creationId xmlns:a16="http://schemas.microsoft.com/office/drawing/2014/main" id="{5A8A5662-2AB0-4E9C-AB15-A7A2E738790B}"/>
-                </a:ext>
-              </a:extLst>
-            </p:cNvPr>
-            <p:cNvSpPr/>
-            <p:nvPr/>
-          </p:nvSpPr>
-          <p:spPr>
-            <a:xfrm>
-              <a:off x="4640826" y="1907458"/>
-              <a:ext cx="1995948" cy="747252"/>
-            </a:xfrm>
-            <a:prstGeom prst="rect">
-              <a:avLst/>
-            </a:prstGeom>
-            <a:noFill/>
-            <a:ln>
-              <a:solidFill>
-                <a:schemeClr val="tx1"/>
-              </a:solidFill>
-            </a:ln>
-          </p:spPr>
-          <p:style>
-            <a:lnRef idx="2">
-              <a:schemeClr val="accent1">
-                <a:shade val="50000"/>
-              </a:schemeClr>
-            </a:lnRef>
-            <a:fillRef idx="1">
-              <a:schemeClr val="accent1"/>
-            </a:fillRef>
-            <a:effectRef idx="0">
-              <a:schemeClr val="accent1"/>
-            </a:effectRef>
-            <a:fontRef idx="minor">
-              <a:schemeClr val="lt1"/>
-            </a:fontRef>
-          </p:style>
-          <p:txBody>
-            <a:bodyPr rtlCol="0" anchor="ctr"/>
-            <a:lstStyle/>
-            <a:p>
-              <a:pPr algn="ctr"/>
-              <a:r>
-                <a:rPr lang="en-US" dirty="0">
-                  <a:solidFill>
-                    <a:schemeClr val="tx1"/>
-                  </a:solidFill>
-                </a:rPr>
-                <a:t>Status </a:t>
-              </a:r>
-              <a:r>
-                <a:rPr lang="en-US" dirty="0" err="1">
-                  <a:solidFill>
-                    <a:schemeClr val="tx1"/>
-                  </a:solidFill>
-                </a:rPr>
-                <a:t>sosio-ekonomi</a:t>
-              </a:r>
-              <a:r>
-                <a:rPr lang="en-US" dirty="0">
-                  <a:solidFill>
-                    <a:schemeClr val="tx1"/>
-                  </a:solidFill>
-                </a:rPr>
-                <a:t> (</a:t>
-              </a:r>
-              <a:r>
-                <a:rPr lang="el-GR" dirty="0">
-                  <a:solidFill>
-                    <a:schemeClr val="tx1"/>
-                  </a:solidFill>
-                </a:rPr>
-                <a:t>ξ</a:t>
-              </a:r>
-              <a:r>
-                <a:rPr lang="en-US" baseline="-25000" dirty="0">
-                  <a:solidFill>
-                    <a:schemeClr val="tx1"/>
-                  </a:solidFill>
-                </a:rPr>
-                <a:t>1</a:t>
-              </a:r>
-              <a:r>
-                <a:rPr lang="en-US" dirty="0">
-                  <a:solidFill>
-                    <a:schemeClr val="tx1"/>
-                  </a:solidFill>
-                </a:rPr>
-                <a:t>)</a:t>
-              </a:r>
-            </a:p>
-          </p:txBody>
-        </p:sp>
         <p:sp>
           <p:nvSpPr>
             <p:cNvPr id="6" name="Oval 5">
@@ -8518,105 +9431,6 @@
                   <a:schemeClr val="tx1"/>
                 </a:solidFill>
               </a:endParaRPr>
-            </a:p>
-          </p:txBody>
-        </p:sp>
-        <p:sp>
-          <p:nvSpPr>
-            <p:cNvPr id="7" name="Oval 6">
-              <a:extLst>
-                <a:ext uri="{FF2B5EF4-FFF2-40B4-BE49-F238E27FC236}">
-                  <a16:creationId xmlns:a16="http://schemas.microsoft.com/office/drawing/2014/main" id="{2F7E0F33-2D83-46A4-8267-8E7E3BE387A4}"/>
-                </a:ext>
-              </a:extLst>
-            </p:cNvPr>
-            <p:cNvSpPr/>
-            <p:nvPr/>
-          </p:nvSpPr>
-          <p:spPr>
-            <a:xfrm>
-              <a:off x="7251290" y="3244645"/>
-              <a:ext cx="1111045" cy="983226"/>
-            </a:xfrm>
-            <a:prstGeom prst="ellipse">
-              <a:avLst/>
-            </a:prstGeom>
-            <a:noFill/>
-            <a:ln>
-              <a:solidFill>
-                <a:schemeClr val="tx1"/>
-              </a:solidFill>
-            </a:ln>
-          </p:spPr>
-          <p:style>
-            <a:lnRef idx="2">
-              <a:schemeClr val="accent1">
-                <a:shade val="50000"/>
-              </a:schemeClr>
-            </a:lnRef>
-            <a:fillRef idx="1">
-              <a:schemeClr val="accent1"/>
-            </a:fillRef>
-            <a:effectRef idx="0">
-              <a:schemeClr val="accent1"/>
-            </a:effectRef>
-            <a:fontRef idx="minor">
-              <a:schemeClr val="lt1"/>
-            </a:fontRef>
-          </p:style>
-          <p:txBody>
-            <a:bodyPr rtlCol="0" anchor="ctr"/>
-            <a:lstStyle/>
-            <a:p>
-              <a:pPr algn="ctr"/>
-              <a:r>
-                <a:rPr lang="en-US" sz="1100" dirty="0">
-                  <a:solidFill>
-                    <a:schemeClr val="tx1"/>
-                  </a:solidFill>
-                </a:rPr>
-                <a:t>Keputusan </a:t>
-              </a:r>
-              <a:r>
-                <a:rPr lang="en-US" sz="1100" dirty="0" err="1">
-                  <a:solidFill>
-                    <a:schemeClr val="tx1"/>
-                  </a:solidFill>
-                </a:rPr>
-                <a:t>karir</a:t>
-              </a:r>
-              <a:r>
-                <a:rPr lang="en-US" sz="1100" dirty="0">
-                  <a:solidFill>
-                    <a:schemeClr val="tx1"/>
-                  </a:solidFill>
-                </a:rPr>
-                <a:t> (</a:t>
-              </a:r>
-              <a:r>
-                <a:rPr lang="el-GR" sz="1100" dirty="0">
-                  <a:solidFill>
-                    <a:schemeClr val="tx1"/>
-                  </a:solidFill>
-                </a:rPr>
-                <a:t>η</a:t>
-              </a:r>
-              <a:r>
-                <a:rPr lang="en-US" sz="1100" baseline="-25000" dirty="0">
-                  <a:solidFill>
-                    <a:schemeClr val="tx1"/>
-                  </a:solidFill>
-                </a:rPr>
-                <a:t>1</a:t>
-              </a:r>
-              <a:r>
-                <a:rPr lang="en-US" sz="1100" dirty="0">
-                  <a:solidFill>
-                    <a:schemeClr val="tx1"/>
-                  </a:solidFill>
-                </a:rPr>
-                <a:t>)</a:t>
-              </a:r>
             </a:p>
           </p:txBody>
         </p:sp>
@@ -8740,153 +9554,6 @@
         </p:sp>
         <p:sp>
           <p:nvSpPr>
-            <p:cNvPr id="11" name="Rectangle 10">
-              <a:extLst>
-                <a:ext uri="{FF2B5EF4-FFF2-40B4-BE49-F238E27FC236}">
-                  <a16:creationId xmlns:a16="http://schemas.microsoft.com/office/drawing/2014/main" id="{6DD056D1-2459-4434-B016-04A8758FF925}"/>
-                </a:ext>
-              </a:extLst>
-            </p:cNvPr>
-            <p:cNvSpPr/>
-            <p:nvPr/>
-          </p:nvSpPr>
-          <p:spPr>
-            <a:xfrm>
-              <a:off x="8927688" y="3186879"/>
-              <a:ext cx="1465009" cy="474407"/>
-            </a:xfrm>
-            <a:prstGeom prst="rect">
-              <a:avLst/>
-            </a:prstGeom>
-            <a:noFill/>
-            <a:ln>
-              <a:solidFill>
-                <a:schemeClr val="tx1"/>
-              </a:solidFill>
-            </a:ln>
-          </p:spPr>
-          <p:style>
-            <a:lnRef idx="2">
-              <a:schemeClr val="accent1">
-                <a:shade val="50000"/>
-              </a:schemeClr>
-            </a:lnRef>
-            <a:fillRef idx="1">
-              <a:schemeClr val="accent1"/>
-            </a:fillRef>
-            <a:effectRef idx="0">
-              <a:schemeClr val="accent1"/>
-            </a:effectRef>
-            <a:fontRef idx="minor">
-              <a:schemeClr val="lt1"/>
-            </a:fontRef>
-          </p:style>
-          <p:txBody>
-            <a:bodyPr rtlCol="0" anchor="ctr"/>
-            <a:lstStyle/>
-            <a:p>
-              <a:pPr algn="ctr"/>
-              <a:r>
-                <a:rPr lang="en-US" dirty="0" err="1">
-                  <a:solidFill>
-                    <a:schemeClr val="tx1"/>
-                  </a:solidFill>
-                </a:rPr>
-                <a:t>Persepsi</a:t>
-              </a:r>
-              <a:r>
-                <a:rPr lang="en-US" dirty="0">
-                  <a:solidFill>
-                    <a:schemeClr val="tx1"/>
-                  </a:solidFill>
-                </a:rPr>
-                <a:t> </a:t>
-              </a:r>
-              <a:r>
-                <a:rPr lang="en-US" dirty="0" err="1">
-                  <a:solidFill>
-                    <a:schemeClr val="tx1"/>
-                  </a:solidFill>
-                </a:rPr>
-                <a:t>diri</a:t>
-              </a:r>
-              <a:endParaRPr lang="en-US" dirty="0">
-                <a:solidFill>
-                  <a:schemeClr val="tx1"/>
-                </a:solidFill>
-              </a:endParaRPr>
-            </a:p>
-          </p:txBody>
-        </p:sp>
-        <p:sp>
-          <p:nvSpPr>
-            <p:cNvPr id="13" name="Rectangle 12">
-              <a:extLst>
-                <a:ext uri="{FF2B5EF4-FFF2-40B4-BE49-F238E27FC236}">
-                  <a16:creationId xmlns:a16="http://schemas.microsoft.com/office/drawing/2014/main" id="{E033CE98-7FAF-43A3-9D67-A9D127776C99}"/>
-                </a:ext>
-              </a:extLst>
-            </p:cNvPr>
-            <p:cNvSpPr/>
-            <p:nvPr/>
-          </p:nvSpPr>
-          <p:spPr>
-            <a:xfrm>
-              <a:off x="8927687" y="3898489"/>
-              <a:ext cx="1465010" cy="474407"/>
-            </a:xfrm>
-            <a:prstGeom prst="rect">
-              <a:avLst/>
-            </a:prstGeom>
-            <a:noFill/>
-            <a:ln>
-              <a:solidFill>
-                <a:schemeClr val="tx1"/>
-              </a:solidFill>
-            </a:ln>
-          </p:spPr>
-          <p:style>
-            <a:lnRef idx="2">
-              <a:schemeClr val="accent1">
-                <a:shade val="50000"/>
-              </a:schemeClr>
-            </a:lnRef>
-            <a:fillRef idx="1">
-              <a:schemeClr val="accent1"/>
-            </a:fillRef>
-            <a:effectRef idx="0">
-              <a:schemeClr val="accent1"/>
-            </a:effectRef>
-            <a:fontRef idx="minor">
-              <a:schemeClr val="lt1"/>
-            </a:fontRef>
-          </p:style>
-          <p:txBody>
-            <a:bodyPr rtlCol="0" anchor="ctr"/>
-            <a:lstStyle/>
-            <a:p>
-              <a:pPr algn="ctr"/>
-              <a:r>
-                <a:rPr lang="en-US" sz="1400" dirty="0" err="1">
-                  <a:solidFill>
-                    <a:schemeClr val="tx1"/>
-                  </a:solidFill>
-                </a:rPr>
-                <a:t>Persepsi</a:t>
-              </a:r>
-              <a:r>
-                <a:rPr lang="en-US" sz="1400" dirty="0">
-                  <a:solidFill>
-                    <a:schemeClr val="tx1"/>
-                  </a:solidFill>
-                </a:rPr>
-                <a:t> orang lain</a:t>
-              </a:r>
-            </a:p>
-          </p:txBody>
-        </p:sp>
-        <p:sp>
-          <p:nvSpPr>
             <p:cNvPr id="14" name="Rectangle 13">
               <a:extLst>
                 <a:ext uri="{FF2B5EF4-FFF2-40B4-BE49-F238E27FC236}">
@@ -8944,143 +9611,6 @@
             </a:p>
           </p:txBody>
         </p:sp>
-        <p:cxnSp>
-          <p:nvCxnSpPr>
-            <p:cNvPr id="16" name="Straight Arrow Connector 15">
-              <a:extLst>
-                <a:ext uri="{FF2B5EF4-FFF2-40B4-BE49-F238E27FC236}">
-                  <a16:creationId xmlns:a16="http://schemas.microsoft.com/office/drawing/2014/main" id="{D00BDA37-63EB-4D38-93E6-AB67AAD4F8E6}"/>
-                </a:ext>
-              </a:extLst>
-            </p:cNvPr>
-            <p:cNvCxnSpPr>
-              <a:cxnSpLocks/>
-              <a:stCxn id="5" idx="1"/>
-              <a:endCxn id="6" idx="7"/>
-            </p:cNvCxnSpPr>
-            <p:nvPr/>
-          </p:nvCxnSpPr>
-          <p:spPr>
-            <a:xfrm flipH="1">
-              <a:off x="3809523" y="2281084"/>
-              <a:ext cx="831303" cy="1099159"/>
-            </a:xfrm>
-            <a:prstGeom prst="straightConnector1">
-              <a:avLst/>
-            </a:prstGeom>
-            <a:ln>
-              <a:solidFill>
-                <a:schemeClr val="tx1"/>
-              </a:solidFill>
-              <a:tailEnd type="triangle"/>
-            </a:ln>
-          </p:spPr>
-          <p:style>
-            <a:lnRef idx="1">
-              <a:schemeClr val="accent1"/>
-            </a:lnRef>
-            <a:fillRef idx="0">
-              <a:schemeClr val="accent1"/>
-            </a:fillRef>
-            <a:effectRef idx="0">
-              <a:schemeClr val="accent1"/>
-            </a:effectRef>
-            <a:fontRef idx="minor">
-              <a:schemeClr val="tx1"/>
-            </a:fontRef>
-          </p:style>
-        </p:cxnSp>
-        <p:cxnSp>
-          <p:nvCxnSpPr>
-            <p:cNvPr id="20" name="Straight Arrow Connector 19">
-              <a:extLst>
-                <a:ext uri="{FF2B5EF4-FFF2-40B4-BE49-F238E27FC236}">
-                  <a16:creationId xmlns:a16="http://schemas.microsoft.com/office/drawing/2014/main" id="{F5831732-C1A4-4114-8D06-77E4C9D9563D}"/>
-                </a:ext>
-              </a:extLst>
-            </p:cNvPr>
-            <p:cNvCxnSpPr>
-              <a:stCxn id="5" idx="3"/>
-              <a:endCxn id="7" idx="1"/>
-            </p:cNvCxnSpPr>
-            <p:nvPr/>
-          </p:nvCxnSpPr>
-          <p:spPr>
-            <a:xfrm>
-              <a:off x="6636774" y="2281084"/>
-              <a:ext cx="777225" cy="1107551"/>
-            </a:xfrm>
-            <a:prstGeom prst="straightConnector1">
-              <a:avLst/>
-            </a:prstGeom>
-            <a:ln>
-              <a:solidFill>
-                <a:schemeClr val="tx1"/>
-              </a:solidFill>
-              <a:tailEnd type="triangle"/>
-            </a:ln>
-          </p:spPr>
-          <p:style>
-            <a:lnRef idx="1">
-              <a:schemeClr val="accent1"/>
-            </a:lnRef>
-            <a:fillRef idx="0">
-              <a:schemeClr val="accent1"/>
-            </a:fillRef>
-            <a:effectRef idx="0">
-              <a:schemeClr val="accent1"/>
-            </a:effectRef>
-            <a:fontRef idx="minor">
-              <a:schemeClr val="tx1"/>
-            </a:fontRef>
-          </p:style>
-        </p:cxnSp>
-        <p:cxnSp>
-          <p:nvCxnSpPr>
-            <p:cNvPr id="22" name="Straight Arrow Connector 21">
-              <a:extLst>
-                <a:ext uri="{FF2B5EF4-FFF2-40B4-BE49-F238E27FC236}">
-                  <a16:creationId xmlns:a16="http://schemas.microsoft.com/office/drawing/2014/main" id="{AE69369D-5CBB-4758-97C6-D5B3314361E3}"/>
-                </a:ext>
-              </a:extLst>
-            </p:cNvPr>
-            <p:cNvCxnSpPr>
-              <a:cxnSpLocks/>
-              <a:stCxn id="6" idx="6"/>
-              <a:endCxn id="7" idx="2"/>
-            </p:cNvCxnSpPr>
-            <p:nvPr/>
-          </p:nvCxnSpPr>
-          <p:spPr>
-            <a:xfrm>
-              <a:off x="3972232" y="3731342"/>
-              <a:ext cx="3279058" cy="4916"/>
-            </a:xfrm>
-            <a:prstGeom prst="straightConnector1">
-              <a:avLst/>
-            </a:prstGeom>
-            <a:ln>
-              <a:solidFill>
-                <a:schemeClr val="tx1"/>
-              </a:solidFill>
-              <a:tailEnd type="triangle"/>
-            </a:ln>
-          </p:spPr>
-          <p:style>
-            <a:lnRef idx="1">
-              <a:schemeClr val="accent1"/>
-            </a:lnRef>
-            <a:fillRef idx="0">
-              <a:schemeClr val="accent1"/>
-            </a:fillRef>
-            <a:effectRef idx="0">
-              <a:schemeClr val="accent1"/>
-            </a:effectRef>
-            <a:fontRef idx="minor">
-              <a:schemeClr val="tx1"/>
-            </a:fontRef>
-          </p:style>
-        </p:cxnSp>
         <p:cxnSp>
           <p:nvCxnSpPr>
             <p:cNvPr id="24" name="Straight Arrow Connector 23">
@@ -9219,207 +9749,6 @@
             </a:fontRef>
           </p:style>
         </p:cxnSp>
-        <p:cxnSp>
-          <p:nvCxnSpPr>
-            <p:cNvPr id="40" name="Straight Arrow Connector 39">
-              <a:extLst>
-                <a:ext uri="{FF2B5EF4-FFF2-40B4-BE49-F238E27FC236}">
-                  <a16:creationId xmlns:a16="http://schemas.microsoft.com/office/drawing/2014/main" id="{EF558CBB-E927-453A-8D68-2E07F2C04FD2}"/>
-                </a:ext>
-              </a:extLst>
-            </p:cNvPr>
-            <p:cNvCxnSpPr>
-              <a:stCxn id="7" idx="6"/>
-              <a:endCxn id="11" idx="1"/>
-            </p:cNvCxnSpPr>
-            <p:nvPr/>
-          </p:nvCxnSpPr>
-          <p:spPr>
-            <a:xfrm flipV="1">
-              <a:off x="8362335" y="3424083"/>
-              <a:ext cx="565353" cy="312175"/>
-            </a:xfrm>
-            <a:prstGeom prst="straightConnector1">
-              <a:avLst/>
-            </a:prstGeom>
-            <a:ln>
-              <a:solidFill>
-                <a:schemeClr val="tx1"/>
-              </a:solidFill>
-              <a:tailEnd type="triangle"/>
-            </a:ln>
-          </p:spPr>
-          <p:style>
-            <a:lnRef idx="1">
-              <a:schemeClr val="accent1"/>
-            </a:lnRef>
-            <a:fillRef idx="0">
-              <a:schemeClr val="accent1"/>
-            </a:fillRef>
-            <a:effectRef idx="0">
-              <a:schemeClr val="accent1"/>
-            </a:effectRef>
-            <a:fontRef idx="minor">
-              <a:schemeClr val="tx1"/>
-            </a:fontRef>
-          </p:style>
-        </p:cxnSp>
-        <p:cxnSp>
-          <p:nvCxnSpPr>
-            <p:cNvPr id="42" name="Straight Arrow Connector 41">
-              <a:extLst>
-                <a:ext uri="{FF2B5EF4-FFF2-40B4-BE49-F238E27FC236}">
-                  <a16:creationId xmlns:a16="http://schemas.microsoft.com/office/drawing/2014/main" id="{F0C9C59E-42A8-456D-A18D-A63C5D066A72}"/>
-                </a:ext>
-              </a:extLst>
-            </p:cNvPr>
-            <p:cNvCxnSpPr>
-              <a:stCxn id="7" idx="6"/>
-              <a:endCxn id="13" idx="1"/>
-            </p:cNvCxnSpPr>
-            <p:nvPr/>
-          </p:nvCxnSpPr>
-          <p:spPr>
-            <a:xfrm>
-              <a:off x="8362335" y="3736258"/>
-              <a:ext cx="565352" cy="399435"/>
-            </a:xfrm>
-            <a:prstGeom prst="straightConnector1">
-              <a:avLst/>
-            </a:prstGeom>
-            <a:ln>
-              <a:solidFill>
-                <a:schemeClr val="tx1"/>
-              </a:solidFill>
-              <a:tailEnd type="triangle"/>
-            </a:ln>
-          </p:spPr>
-          <p:style>
-            <a:lnRef idx="1">
-              <a:schemeClr val="accent1"/>
-            </a:lnRef>
-            <a:fillRef idx="0">
-              <a:schemeClr val="accent1"/>
-            </a:fillRef>
-            <a:effectRef idx="0">
-              <a:schemeClr val="accent1"/>
-            </a:effectRef>
-            <a:fontRef idx="minor">
-              <a:schemeClr val="tx1"/>
-            </a:fontRef>
-          </p:style>
-        </p:cxnSp>
-        <p:sp>
-          <p:nvSpPr>
-            <p:cNvPr id="43" name="Oval 42">
-              <a:extLst>
-                <a:ext uri="{FF2B5EF4-FFF2-40B4-BE49-F238E27FC236}">
-                  <a16:creationId xmlns:a16="http://schemas.microsoft.com/office/drawing/2014/main" id="{963AC370-CBFC-4A85-B3C3-0F96FFFE3AED}"/>
-                </a:ext>
-              </a:extLst>
-            </p:cNvPr>
-            <p:cNvSpPr/>
-            <p:nvPr/>
-          </p:nvSpPr>
-          <p:spPr>
-            <a:xfrm>
-              <a:off x="5407742" y="967446"/>
-              <a:ext cx="462116" cy="523570"/>
-            </a:xfrm>
-            <a:prstGeom prst="ellipse">
-              <a:avLst/>
-            </a:prstGeom>
-            <a:noFill/>
-            <a:ln>
-              <a:noFill/>
-            </a:ln>
-          </p:spPr>
-          <p:style>
-            <a:lnRef idx="2">
-              <a:schemeClr val="accent1">
-                <a:shade val="50000"/>
-              </a:schemeClr>
-            </a:lnRef>
-            <a:fillRef idx="1">
-              <a:schemeClr val="accent1"/>
-            </a:fillRef>
-            <a:effectRef idx="0">
-              <a:schemeClr val="accent1"/>
-            </a:effectRef>
-            <a:fontRef idx="minor">
-              <a:schemeClr val="lt1"/>
-            </a:fontRef>
-          </p:style>
-          <p:txBody>
-            <a:bodyPr rtlCol="0" anchor="ctr"/>
-            <a:lstStyle/>
-            <a:p>
-              <a:pPr algn="ctr"/>
-              <a:r>
-                <a:rPr lang="el-GR" sz="1600" dirty="0">
-                  <a:solidFill>
-                    <a:schemeClr val="tx1"/>
-                  </a:solidFill>
-                </a:rPr>
-                <a:t>ζ</a:t>
-              </a:r>
-              <a:r>
-                <a:rPr lang="en-US" sz="1600" baseline="-25000" dirty="0">
-                  <a:solidFill>
-                    <a:schemeClr val="tx1"/>
-                  </a:solidFill>
-                </a:rPr>
-                <a:t>1</a:t>
-              </a:r>
-            </a:p>
-          </p:txBody>
-        </p:sp>
-        <p:cxnSp>
-          <p:nvCxnSpPr>
-            <p:cNvPr id="45" name="Straight Arrow Connector 44">
-              <a:extLst>
-                <a:ext uri="{FF2B5EF4-FFF2-40B4-BE49-F238E27FC236}">
-                  <a16:creationId xmlns:a16="http://schemas.microsoft.com/office/drawing/2014/main" id="{6C516C01-9791-42FE-8484-28F5E1EC3186}"/>
-                </a:ext>
-              </a:extLst>
-            </p:cNvPr>
-            <p:cNvCxnSpPr>
-              <a:cxnSpLocks/>
-              <a:stCxn id="43" idx="4"/>
-              <a:endCxn id="5" idx="0"/>
-            </p:cNvCxnSpPr>
-            <p:nvPr/>
-          </p:nvCxnSpPr>
-          <p:spPr>
-            <a:xfrm>
-              <a:off x="5638800" y="1491016"/>
-              <a:ext cx="0" cy="416442"/>
-            </a:xfrm>
-            <a:prstGeom prst="straightConnector1">
-              <a:avLst/>
-            </a:prstGeom>
-            <a:ln>
-              <a:solidFill>
-                <a:schemeClr val="tx1"/>
-              </a:solidFill>
-              <a:tailEnd type="triangle"/>
-            </a:ln>
-          </p:spPr>
-          <p:style>
-            <a:lnRef idx="1">
-              <a:schemeClr val="accent1"/>
-            </a:lnRef>
-            <a:fillRef idx="0">
-              <a:schemeClr val="accent1"/>
-            </a:fillRef>
-            <a:effectRef idx="0">
-              <a:schemeClr val="accent1"/>
-            </a:effectRef>
-            <a:fontRef idx="minor">
-              <a:schemeClr val="tx1"/>
-            </a:fontRef>
-          </p:style>
-        </p:cxnSp>
         <p:sp>
           <p:nvSpPr>
             <p:cNvPr id="47" name="Oval 46">
@@ -9485,71 +9814,6 @@
             </a:p>
           </p:txBody>
         </p:sp>
-        <p:sp>
-          <p:nvSpPr>
-            <p:cNvPr id="48" name="Oval 47">
-              <a:extLst>
-                <a:ext uri="{FF2B5EF4-FFF2-40B4-BE49-F238E27FC236}">
-                  <a16:creationId xmlns:a16="http://schemas.microsoft.com/office/drawing/2014/main" id="{B6539B22-9EA2-4872-9E81-1D00FC86BB2E}"/>
-                </a:ext>
-              </a:extLst>
-            </p:cNvPr>
-            <p:cNvSpPr/>
-            <p:nvPr/>
-          </p:nvSpPr>
-          <p:spPr>
-            <a:xfrm>
-              <a:off x="7585584" y="4505005"/>
-              <a:ext cx="462116" cy="474408"/>
-            </a:xfrm>
-            <a:prstGeom prst="ellipse">
-              <a:avLst/>
-            </a:prstGeom>
-            <a:noFill/>
-            <a:ln>
-              <a:noFill/>
-            </a:ln>
-          </p:spPr>
-          <p:style>
-            <a:lnRef idx="2">
-              <a:schemeClr val="accent1">
-                <a:shade val="50000"/>
-              </a:schemeClr>
-            </a:lnRef>
-            <a:fillRef idx="1">
-              <a:schemeClr val="accent1"/>
-            </a:fillRef>
-            <a:effectRef idx="0">
-              <a:schemeClr val="accent1"/>
-            </a:effectRef>
-            <a:fontRef idx="minor">
-              <a:schemeClr val="lt1"/>
-            </a:fontRef>
-          </p:style>
-          <p:txBody>
-            <a:bodyPr rtlCol="0" anchor="ctr"/>
-            <a:lstStyle/>
-            <a:p>
-              <a:pPr algn="ctr"/>
-              <a:r>
-                <a:rPr lang="el-GR" sz="1600" dirty="0">
-                  <a:solidFill>
-                    <a:schemeClr val="tx1"/>
-                  </a:solidFill>
-                </a:rPr>
-                <a:t>ζ</a:t>
-              </a:r>
-              <a:r>
-                <a:rPr lang="en-US" sz="1600" baseline="-25000" dirty="0">
-                  <a:solidFill>
-                    <a:schemeClr val="tx1"/>
-                  </a:solidFill>
-                </a:rPr>
-                <a:t>3</a:t>
-              </a:r>
-            </a:p>
-          </p:txBody>
-        </p:sp>
         <p:cxnSp>
           <p:nvCxnSpPr>
             <p:cNvPr id="50" name="Straight Arrow Connector 49">
@@ -9570,48 +9834,6 @@
             <a:xfrm flipV="1">
               <a:off x="3416709" y="4227871"/>
               <a:ext cx="1" cy="296790"/>
-            </a:xfrm>
-            <a:prstGeom prst="straightConnector1">
-              <a:avLst/>
-            </a:prstGeom>
-            <a:ln>
-              <a:solidFill>
-                <a:schemeClr val="tx1"/>
-              </a:solidFill>
-              <a:tailEnd type="triangle"/>
-            </a:ln>
-          </p:spPr>
-          <p:style>
-            <a:lnRef idx="1">
-              <a:schemeClr val="accent1"/>
-            </a:lnRef>
-            <a:fillRef idx="0">
-              <a:schemeClr val="accent1"/>
-            </a:fillRef>
-            <a:effectRef idx="0">
-              <a:schemeClr val="accent1"/>
-            </a:effectRef>
-            <a:fontRef idx="minor">
-              <a:schemeClr val="tx1"/>
-            </a:fontRef>
-          </p:style>
-        </p:cxnSp>
-        <p:cxnSp>
-          <p:nvCxnSpPr>
-            <p:cNvPr id="52" name="Straight Arrow Connector 51">
-              <a:extLst>
-                <a:ext uri="{FF2B5EF4-FFF2-40B4-BE49-F238E27FC236}">
-                  <a16:creationId xmlns:a16="http://schemas.microsoft.com/office/drawing/2014/main" id="{48494672-C09B-4587-8C73-FF24F4265860}"/>
-                </a:ext>
-              </a:extLst>
-            </p:cNvPr>
-            <p:cNvCxnSpPr/>
-            <p:nvPr/>
-          </p:nvCxnSpPr>
-          <p:spPr>
-            <a:xfrm flipV="1">
-              <a:off x="7816642" y="4227871"/>
-              <a:ext cx="1" cy="373617"/>
             </a:xfrm>
             <a:prstGeom prst="straightConnector1">
               <a:avLst/>
@@ -9971,225 +10193,6 @@
         </p:cxnSp>
         <p:sp>
           <p:nvSpPr>
-            <p:cNvPr id="67" name="Oval 66">
-              <a:extLst>
-                <a:ext uri="{FF2B5EF4-FFF2-40B4-BE49-F238E27FC236}">
-                  <a16:creationId xmlns:a16="http://schemas.microsoft.com/office/drawing/2014/main" id="{F4688036-42B8-419F-B7A0-8FE6FD40FEA9}"/>
-                </a:ext>
-              </a:extLst>
-            </p:cNvPr>
-            <p:cNvSpPr/>
-            <p:nvPr/>
-          </p:nvSpPr>
-          <p:spPr>
-            <a:xfrm>
-              <a:off x="10918728" y="3186879"/>
-              <a:ext cx="560435" cy="474406"/>
-            </a:xfrm>
-            <a:prstGeom prst="ellipse">
-              <a:avLst/>
-            </a:prstGeom>
-            <a:noFill/>
-            <a:ln>
-              <a:noFill/>
-            </a:ln>
-          </p:spPr>
-          <p:style>
-            <a:lnRef idx="2">
-              <a:schemeClr val="accent1">
-                <a:shade val="50000"/>
-              </a:schemeClr>
-            </a:lnRef>
-            <a:fillRef idx="1">
-              <a:schemeClr val="accent1"/>
-            </a:fillRef>
-            <a:effectRef idx="0">
-              <a:schemeClr val="accent1"/>
-            </a:effectRef>
-            <a:fontRef idx="minor">
-              <a:schemeClr val="lt1"/>
-            </a:fontRef>
-          </p:style>
-          <p:txBody>
-            <a:bodyPr rtlCol="0" anchor="ctr"/>
-            <a:lstStyle/>
-            <a:p>
-              <a:pPr algn="ctr"/>
-              <a:r>
-                <a:rPr lang="el-GR" dirty="0">
-                  <a:solidFill>
-                    <a:schemeClr val="tx1"/>
-                  </a:solidFill>
-                </a:rPr>
-                <a:t>ε</a:t>
-              </a:r>
-              <a:r>
-                <a:rPr lang="en-US" sz="1600" baseline="-25000" dirty="0">
-                  <a:solidFill>
-                    <a:schemeClr val="tx1"/>
-                  </a:solidFill>
-                </a:rPr>
-                <a:t>4</a:t>
-              </a:r>
-            </a:p>
-          </p:txBody>
-        </p:sp>
-        <p:cxnSp>
-          <p:nvCxnSpPr>
-            <p:cNvPr id="70" name="Straight Arrow Connector 69">
-              <a:extLst>
-                <a:ext uri="{FF2B5EF4-FFF2-40B4-BE49-F238E27FC236}">
-                  <a16:creationId xmlns:a16="http://schemas.microsoft.com/office/drawing/2014/main" id="{76190F54-45A0-492F-AA78-31CF8E9F7E98}"/>
-                </a:ext>
-              </a:extLst>
-            </p:cNvPr>
-            <p:cNvCxnSpPr>
-              <a:stCxn id="67" idx="2"/>
-              <a:endCxn id="11" idx="3"/>
-            </p:cNvCxnSpPr>
-            <p:nvPr/>
-          </p:nvCxnSpPr>
-          <p:spPr>
-            <a:xfrm flipH="1">
-              <a:off x="10392697" y="3424082"/>
-              <a:ext cx="526031" cy="1"/>
-            </a:xfrm>
-            <a:prstGeom prst="straightConnector1">
-              <a:avLst/>
-            </a:prstGeom>
-            <a:ln>
-              <a:solidFill>
-                <a:schemeClr val="tx1"/>
-              </a:solidFill>
-              <a:tailEnd type="triangle"/>
-            </a:ln>
-          </p:spPr>
-          <p:style>
-            <a:lnRef idx="1">
-              <a:schemeClr val="accent1"/>
-            </a:lnRef>
-            <a:fillRef idx="0">
-              <a:schemeClr val="accent1"/>
-            </a:fillRef>
-            <a:effectRef idx="0">
-              <a:schemeClr val="accent1"/>
-            </a:effectRef>
-            <a:fontRef idx="minor">
-              <a:schemeClr val="tx1"/>
-            </a:fontRef>
-          </p:style>
-        </p:cxnSp>
-        <p:sp>
-          <p:nvSpPr>
-            <p:cNvPr id="72" name="Oval 71">
-              <a:extLst>
-                <a:ext uri="{FF2B5EF4-FFF2-40B4-BE49-F238E27FC236}">
-                  <a16:creationId xmlns:a16="http://schemas.microsoft.com/office/drawing/2014/main" id="{709451FA-B000-4350-8213-51739B46C26A}"/>
-                </a:ext>
-              </a:extLst>
-            </p:cNvPr>
-            <p:cNvSpPr/>
-            <p:nvPr/>
-          </p:nvSpPr>
-          <p:spPr>
-            <a:xfrm>
-              <a:off x="10918728" y="3898490"/>
-              <a:ext cx="560435" cy="474406"/>
-            </a:xfrm>
-            <a:prstGeom prst="ellipse">
-              <a:avLst/>
-            </a:prstGeom>
-            <a:noFill/>
-            <a:ln>
-              <a:noFill/>
-            </a:ln>
-          </p:spPr>
-          <p:style>
-            <a:lnRef idx="2">
-              <a:schemeClr val="accent1">
-                <a:shade val="50000"/>
-              </a:schemeClr>
-            </a:lnRef>
-            <a:fillRef idx="1">
-              <a:schemeClr val="accent1"/>
-            </a:fillRef>
-            <a:effectRef idx="0">
-              <a:schemeClr val="accent1"/>
-            </a:effectRef>
-            <a:fontRef idx="minor">
-              <a:schemeClr val="lt1"/>
-            </a:fontRef>
-          </p:style>
-          <p:txBody>
-            <a:bodyPr rtlCol="0" anchor="ctr"/>
-            <a:lstStyle/>
-            <a:p>
-              <a:pPr algn="ctr"/>
-              <a:r>
-                <a:rPr lang="el-GR" dirty="0">
-                  <a:solidFill>
-                    <a:schemeClr val="tx1"/>
-                  </a:solidFill>
-                </a:rPr>
-                <a:t>ε</a:t>
-              </a:r>
-              <a:r>
-                <a:rPr lang="en-US" sz="1600" baseline="-25000" dirty="0">
-                  <a:solidFill>
-                    <a:schemeClr val="tx1"/>
-                  </a:solidFill>
-                </a:rPr>
-                <a:t>5</a:t>
-              </a:r>
-            </a:p>
-          </p:txBody>
-        </p:sp>
-        <p:cxnSp>
-          <p:nvCxnSpPr>
-            <p:cNvPr id="73" name="Straight Arrow Connector 72">
-              <a:extLst>
-                <a:ext uri="{FF2B5EF4-FFF2-40B4-BE49-F238E27FC236}">
-                  <a16:creationId xmlns:a16="http://schemas.microsoft.com/office/drawing/2014/main" id="{87D75633-DF54-4607-A927-3C86A994283F}"/>
-                </a:ext>
-              </a:extLst>
-            </p:cNvPr>
-            <p:cNvCxnSpPr>
-              <a:stCxn id="72" idx="2"/>
-            </p:cNvCxnSpPr>
-            <p:nvPr/>
-          </p:nvCxnSpPr>
-          <p:spPr>
-            <a:xfrm flipH="1">
-              <a:off x="10392697" y="4135693"/>
-              <a:ext cx="526031" cy="1"/>
-            </a:xfrm>
-            <a:prstGeom prst="straightConnector1">
-              <a:avLst/>
-            </a:prstGeom>
-            <a:ln>
-              <a:solidFill>
-                <a:schemeClr val="tx1"/>
-              </a:solidFill>
-              <a:tailEnd type="triangle"/>
-            </a:ln>
-          </p:spPr>
-          <p:style>
-            <a:lnRef idx="1">
-              <a:schemeClr val="accent1"/>
-            </a:lnRef>
-            <a:fillRef idx="0">
-              <a:schemeClr val="accent1"/>
-            </a:fillRef>
-            <a:effectRef idx="0">
-              <a:schemeClr val="accent1"/>
-            </a:effectRef>
-            <a:fontRef idx="minor">
-              <a:schemeClr val="tx1"/>
-            </a:fontRef>
-          </p:style>
-        </p:cxnSp>
-        <p:sp>
-          <p:nvSpPr>
             <p:cNvPr id="76" name="Oval 75">
               <a:extLst>
                 <a:ext uri="{FF2B5EF4-FFF2-40B4-BE49-F238E27FC236}">
@@ -10383,451 +10386,451 @@
             </a:p>
           </p:txBody>
         </p:sp>
-        <p:sp>
-          <p:nvSpPr>
-            <p:cNvPr id="79" name="Oval 78">
-              <a:extLst>
-                <a:ext uri="{FF2B5EF4-FFF2-40B4-BE49-F238E27FC236}">
-                  <a16:creationId xmlns:a16="http://schemas.microsoft.com/office/drawing/2014/main" id="{A4E49732-0040-4F55-A78E-1195C65E1661}"/>
-                </a:ext>
-              </a:extLst>
-            </p:cNvPr>
-            <p:cNvSpPr/>
-            <p:nvPr/>
-          </p:nvSpPr>
-          <p:spPr>
-            <a:xfrm>
-              <a:off x="8318573" y="3121432"/>
-              <a:ext cx="560435" cy="474406"/>
-            </a:xfrm>
-            <a:prstGeom prst="ellipse">
-              <a:avLst/>
-            </a:prstGeom>
+      </p:grpSp>
+      <p:sp>
+        <p:nvSpPr>
+          <p:cNvPr id="79" name="Oval 78">
+            <a:extLst>
+              <a:ext uri="{FF2B5EF4-FFF2-40B4-BE49-F238E27FC236}">
+                <a16:creationId xmlns:a16="http://schemas.microsoft.com/office/drawing/2014/main" id="{A4E49732-0040-4F55-A78E-1195C65E1661}"/>
+              </a:ext>
+            </a:extLst>
+          </p:cNvPr>
+          <p:cNvSpPr/>
+          <p:nvPr/>
+        </p:nvSpPr>
+        <p:spPr>
+          <a:xfrm>
+            <a:off x="8318573" y="3121432"/>
+            <a:ext cx="560435" cy="474406"/>
+          </a:xfrm>
+          <a:prstGeom prst="ellipse">
+            <a:avLst/>
+          </a:prstGeom>
+          <a:noFill/>
+          <a:ln>
             <a:noFill/>
-            <a:ln>
-              <a:noFill/>
-            </a:ln>
-          </p:spPr>
-          <p:style>
-            <a:lnRef idx="2">
-              <a:schemeClr val="accent1">
-                <a:shade val="50000"/>
-              </a:schemeClr>
-            </a:lnRef>
-            <a:fillRef idx="1">
-              <a:schemeClr val="accent1"/>
-            </a:fillRef>
-            <a:effectRef idx="0">
-              <a:schemeClr val="accent1"/>
-            </a:effectRef>
-            <a:fontRef idx="minor">
-              <a:schemeClr val="lt1"/>
-            </a:fontRef>
-          </p:style>
-          <p:txBody>
-            <a:bodyPr rtlCol="0" anchor="ctr"/>
-            <a:lstStyle/>
-            <a:p>
-              <a:pPr algn="ctr"/>
-              <a:r>
-                <a:rPr lang="el-GR" dirty="0">
-                  <a:solidFill>
-                    <a:schemeClr val="tx1"/>
-                  </a:solidFill>
-                </a:rPr>
-                <a:t>λ</a:t>
-              </a:r>
-              <a:r>
-                <a:rPr lang="en-US" sz="1600" baseline="-25000" dirty="0">
-                  <a:solidFill>
-                    <a:schemeClr val="tx1"/>
-                  </a:solidFill>
-                </a:rPr>
-                <a:t>4</a:t>
-              </a:r>
-            </a:p>
-          </p:txBody>
-        </p:sp>
-        <p:sp>
-          <p:nvSpPr>
-            <p:cNvPr id="80" name="Oval 79">
-              <a:extLst>
-                <a:ext uri="{FF2B5EF4-FFF2-40B4-BE49-F238E27FC236}">
-                  <a16:creationId xmlns:a16="http://schemas.microsoft.com/office/drawing/2014/main" id="{5767B016-F8E8-458F-A036-74B7AF902867}"/>
-                </a:ext>
-              </a:extLst>
-            </p:cNvPr>
-            <p:cNvSpPr/>
-            <p:nvPr/>
-          </p:nvSpPr>
-          <p:spPr>
-            <a:xfrm>
-              <a:off x="8313894" y="3813069"/>
-              <a:ext cx="560435" cy="474406"/>
-            </a:xfrm>
-            <a:prstGeom prst="ellipse">
-              <a:avLst/>
-            </a:prstGeom>
-            <a:noFill/>
-            <a:ln>
-              <a:noFill/>
-            </a:ln>
-          </p:spPr>
-          <p:style>
-            <a:lnRef idx="2">
-              <a:schemeClr val="accent1">
-                <a:shade val="50000"/>
-              </a:schemeClr>
-            </a:lnRef>
-            <a:fillRef idx="1">
-              <a:schemeClr val="accent1"/>
-            </a:fillRef>
-            <a:effectRef idx="0">
-              <a:schemeClr val="accent1"/>
-            </a:effectRef>
-            <a:fontRef idx="minor">
-              <a:schemeClr val="lt1"/>
-            </a:fontRef>
-          </p:style>
-          <p:txBody>
-            <a:bodyPr rtlCol="0" anchor="ctr"/>
-            <a:lstStyle/>
-            <a:p>
-              <a:pPr algn="ctr"/>
-              <a:r>
-                <a:rPr lang="el-GR" dirty="0">
-                  <a:solidFill>
-                    <a:schemeClr val="tx1"/>
-                  </a:solidFill>
-                </a:rPr>
-                <a:t>λ</a:t>
-              </a:r>
-              <a:r>
-                <a:rPr lang="en-US" sz="1600" baseline="-25000" dirty="0">
-                  <a:solidFill>
-                    <a:schemeClr val="tx1"/>
-                  </a:solidFill>
-                </a:rPr>
-                <a:t>5</a:t>
-              </a:r>
-            </a:p>
-          </p:txBody>
-        </p:sp>
-        <p:sp>
-          <p:nvSpPr>
-            <p:cNvPr id="81" name="Oval 80">
-              <a:extLst>
-                <a:ext uri="{FF2B5EF4-FFF2-40B4-BE49-F238E27FC236}">
-                  <a16:creationId xmlns:a16="http://schemas.microsoft.com/office/drawing/2014/main" id="{F4E8AED5-76CB-4B68-AD51-69C364CC7C82}"/>
-                </a:ext>
-              </a:extLst>
-            </p:cNvPr>
-            <p:cNvSpPr/>
-            <p:nvPr/>
-          </p:nvSpPr>
-          <p:spPr>
-            <a:xfrm>
-              <a:off x="5356128" y="3261852"/>
-              <a:ext cx="560435" cy="474406"/>
-            </a:xfrm>
-            <a:prstGeom prst="ellipse">
-              <a:avLst/>
-            </a:prstGeom>
-            <a:noFill/>
-            <a:ln>
-              <a:noFill/>
-            </a:ln>
-          </p:spPr>
-          <p:style>
-            <a:lnRef idx="2">
-              <a:schemeClr val="accent1">
-                <a:shade val="50000"/>
-              </a:schemeClr>
-            </a:lnRef>
-            <a:fillRef idx="1">
-              <a:schemeClr val="accent1"/>
-            </a:fillRef>
-            <a:effectRef idx="0">
-              <a:schemeClr val="accent1"/>
-            </a:effectRef>
-            <a:fontRef idx="minor">
-              <a:schemeClr val="lt1"/>
-            </a:fontRef>
-          </p:style>
-          <p:txBody>
-            <a:bodyPr rtlCol="0" anchor="ctr"/>
-            <a:lstStyle/>
-            <a:p>
-              <a:pPr algn="ctr"/>
-              <a:r>
-                <a:rPr lang="el-GR" dirty="0">
-                  <a:solidFill>
-                    <a:schemeClr val="tx1"/>
-                  </a:solidFill>
-                </a:rPr>
-                <a:t>β</a:t>
-              </a:r>
-              <a:r>
-                <a:rPr lang="en-US" sz="1600" baseline="-25000" dirty="0">
-                  <a:solidFill>
-                    <a:schemeClr val="tx1"/>
-                  </a:solidFill>
-                </a:rPr>
-                <a:t>1</a:t>
-              </a:r>
-            </a:p>
-          </p:txBody>
-        </p:sp>
-        <p:sp>
-          <p:nvSpPr>
-            <p:cNvPr id="82" name="Oval 81">
-              <a:extLst>
-                <a:ext uri="{FF2B5EF4-FFF2-40B4-BE49-F238E27FC236}">
-                  <a16:creationId xmlns:a16="http://schemas.microsoft.com/office/drawing/2014/main" id="{09B43A41-4E30-420F-BE07-CAF4830B7639}"/>
-                </a:ext>
-              </a:extLst>
-            </p:cNvPr>
-            <p:cNvSpPr/>
-            <p:nvPr/>
-          </p:nvSpPr>
-          <p:spPr>
-            <a:xfrm>
-              <a:off x="6897810" y="2415240"/>
-              <a:ext cx="560435" cy="474406"/>
-            </a:xfrm>
-            <a:prstGeom prst="ellipse">
-              <a:avLst/>
-            </a:prstGeom>
-            <a:noFill/>
-            <a:ln>
-              <a:noFill/>
-            </a:ln>
-          </p:spPr>
-          <p:style>
-            <a:lnRef idx="2">
-              <a:schemeClr val="accent1">
-                <a:shade val="50000"/>
-              </a:schemeClr>
-            </a:lnRef>
-            <a:fillRef idx="1">
-              <a:schemeClr val="accent1"/>
-            </a:fillRef>
-            <a:effectRef idx="0">
-              <a:schemeClr val="accent1"/>
-            </a:effectRef>
-            <a:fontRef idx="minor">
-              <a:schemeClr val="lt1"/>
-            </a:fontRef>
-          </p:style>
-          <p:txBody>
-            <a:bodyPr rtlCol="0" anchor="ctr"/>
-            <a:lstStyle/>
-            <a:p>
-              <a:pPr algn="ctr"/>
-              <a:r>
-                <a:rPr lang="el-GR" dirty="0">
-                  <a:solidFill>
-                    <a:schemeClr val="tx1"/>
-                  </a:solidFill>
-                </a:rPr>
-                <a:t>γ</a:t>
-              </a:r>
-              <a:r>
-                <a:rPr lang="en-US" sz="1600" baseline="-25000" dirty="0">
-                  <a:solidFill>
-                    <a:schemeClr val="tx1"/>
-                  </a:solidFill>
-                </a:rPr>
-                <a:t>1</a:t>
-              </a:r>
-            </a:p>
-          </p:txBody>
-        </p:sp>
-        <p:sp>
-          <p:nvSpPr>
-            <p:cNvPr id="83" name="Oval 82">
-              <a:extLst>
-                <a:ext uri="{FF2B5EF4-FFF2-40B4-BE49-F238E27FC236}">
-                  <a16:creationId xmlns:a16="http://schemas.microsoft.com/office/drawing/2014/main" id="{97639B86-BDB4-411A-8224-10B12C623B85}"/>
-                </a:ext>
-              </a:extLst>
-            </p:cNvPr>
-            <p:cNvSpPr/>
-            <p:nvPr/>
-          </p:nvSpPr>
-          <p:spPr>
-            <a:xfrm>
-              <a:off x="3647767" y="2533957"/>
-              <a:ext cx="560435" cy="474406"/>
-            </a:xfrm>
-            <a:prstGeom prst="ellipse">
-              <a:avLst/>
-            </a:prstGeom>
-            <a:noFill/>
-            <a:ln>
-              <a:noFill/>
-            </a:ln>
-          </p:spPr>
-          <p:style>
-            <a:lnRef idx="2">
-              <a:schemeClr val="accent1">
-                <a:shade val="50000"/>
-              </a:schemeClr>
-            </a:lnRef>
-            <a:fillRef idx="1">
-              <a:schemeClr val="accent1"/>
-            </a:fillRef>
-            <a:effectRef idx="0">
-              <a:schemeClr val="accent1"/>
-            </a:effectRef>
-            <a:fontRef idx="minor">
-              <a:schemeClr val="lt1"/>
-            </a:fontRef>
-          </p:style>
-          <p:txBody>
-            <a:bodyPr rtlCol="0" anchor="ctr"/>
-            <a:lstStyle/>
-            <a:p>
-              <a:pPr algn="ctr"/>
-              <a:r>
-                <a:rPr lang="el-GR" sz="1600" dirty="0">
-                  <a:solidFill>
-                    <a:schemeClr val="tx1"/>
-                  </a:solidFill>
-                </a:rPr>
-                <a:t>λ</a:t>
-              </a:r>
-              <a:r>
-                <a:rPr lang="en-US" sz="1600" baseline="-25000" dirty="0">
-                  <a:solidFill>
-                    <a:schemeClr val="tx1"/>
-                  </a:solidFill>
-                </a:rPr>
-                <a:t>6</a:t>
-              </a:r>
-              <a:endParaRPr lang="en-US" sz="1400" baseline="-25000" dirty="0">
+          </a:ln>
+        </p:spPr>
+        <p:style>
+          <a:lnRef idx="2">
+            <a:schemeClr val="accent1">
+              <a:shade val="50000"/>
+            </a:schemeClr>
+          </a:lnRef>
+          <a:fillRef idx="1">
+            <a:schemeClr val="accent1"/>
+          </a:fillRef>
+          <a:effectRef idx="0">
+            <a:schemeClr val="accent1"/>
+          </a:effectRef>
+          <a:fontRef idx="minor">
+            <a:schemeClr val="lt1"/>
+          </a:fontRef>
+        </p:style>
+        <p:txBody>
+          <a:bodyPr rtlCol="0" anchor="ctr"/>
+          <a:lstStyle/>
+          <a:p>
+            <a:pPr algn="ctr"/>
+            <a:r>
+              <a:rPr lang="el-GR" dirty="0">
                 <a:solidFill>
                   <a:schemeClr val="tx1"/>
                 </a:solidFill>
-              </a:endParaRPr>
-            </a:p>
-          </p:txBody>
-        </p:sp>
-        <p:cxnSp>
-          <p:nvCxnSpPr>
-            <p:cNvPr id="89" name="Connector: Curved 88">
-              <a:extLst>
-                <a:ext uri="{FF2B5EF4-FFF2-40B4-BE49-F238E27FC236}">
-                  <a16:creationId xmlns:a16="http://schemas.microsoft.com/office/drawing/2014/main" id="{6EB85C2F-649D-4F1A-819E-A388EBBADEF7}"/>
-                </a:ext>
-              </a:extLst>
-            </p:cNvPr>
-            <p:cNvCxnSpPr>
-              <a:cxnSpLocks/>
-              <a:stCxn id="6" idx="5"/>
-              <a:endCxn id="7" idx="3"/>
-            </p:cNvCxnSpPr>
-            <p:nvPr/>
-          </p:nvCxnSpPr>
-          <p:spPr>
-            <a:xfrm rot="16200000" flipH="1">
-              <a:off x="5611041" y="2280923"/>
-              <a:ext cx="1440" cy="3604476"/>
-            </a:xfrm>
-            <a:prstGeom prst="curvedConnector3">
-              <a:avLst>
-                <a:gd name="adj1" fmla="val 25974306"/>
-              </a:avLst>
-            </a:prstGeom>
-            <a:ln>
+              </a:rPr>
+              <a:t>λ</a:t>
+            </a:r>
+            <a:r>
+              <a:rPr lang="en-US" sz="1600" baseline="-25000" dirty="0">
+                <a:solidFill>
+                  <a:schemeClr val="tx1"/>
+                </a:solidFill>
+              </a:rPr>
+              <a:t>4</a:t>
+            </a:r>
+          </a:p>
+        </p:txBody>
+      </p:sp>
+      <p:sp>
+        <p:nvSpPr>
+          <p:cNvPr id="80" name="Oval 79">
+            <a:extLst>
+              <a:ext uri="{FF2B5EF4-FFF2-40B4-BE49-F238E27FC236}">
+                <a16:creationId xmlns:a16="http://schemas.microsoft.com/office/drawing/2014/main" id="{5767B016-F8E8-458F-A036-74B7AF902867}"/>
+              </a:ext>
+            </a:extLst>
+          </p:cNvPr>
+          <p:cNvSpPr/>
+          <p:nvPr/>
+        </p:nvSpPr>
+        <p:spPr>
+          <a:xfrm>
+            <a:off x="8313894" y="3813069"/>
+            <a:ext cx="560435" cy="474406"/>
+          </a:xfrm>
+          <a:prstGeom prst="ellipse">
+            <a:avLst/>
+          </a:prstGeom>
+          <a:noFill/>
+          <a:ln>
+            <a:noFill/>
+          </a:ln>
+        </p:spPr>
+        <p:style>
+          <a:lnRef idx="2">
+            <a:schemeClr val="accent1">
+              <a:shade val="50000"/>
+            </a:schemeClr>
+          </a:lnRef>
+          <a:fillRef idx="1">
+            <a:schemeClr val="accent1"/>
+          </a:fillRef>
+          <a:effectRef idx="0">
+            <a:schemeClr val="accent1"/>
+          </a:effectRef>
+          <a:fontRef idx="minor">
+            <a:schemeClr val="lt1"/>
+          </a:fontRef>
+        </p:style>
+        <p:txBody>
+          <a:bodyPr rtlCol="0" anchor="ctr"/>
+          <a:lstStyle/>
+          <a:p>
+            <a:pPr algn="ctr"/>
+            <a:r>
+              <a:rPr lang="el-GR" dirty="0">
+                <a:solidFill>
+                  <a:schemeClr val="tx1"/>
+                </a:solidFill>
+              </a:rPr>
+              <a:t>λ</a:t>
+            </a:r>
+            <a:r>
+              <a:rPr lang="en-US" sz="1600" baseline="-25000" dirty="0">
+                <a:solidFill>
+                  <a:schemeClr val="tx1"/>
+                </a:solidFill>
+              </a:rPr>
+              <a:t>5</a:t>
+            </a:r>
+          </a:p>
+        </p:txBody>
+      </p:sp>
+      <p:sp>
+        <p:nvSpPr>
+          <p:cNvPr id="81" name="Oval 80">
+            <a:extLst>
+              <a:ext uri="{FF2B5EF4-FFF2-40B4-BE49-F238E27FC236}">
+                <a16:creationId xmlns:a16="http://schemas.microsoft.com/office/drawing/2014/main" id="{F4E8AED5-76CB-4B68-AD51-69C364CC7C82}"/>
+              </a:ext>
+            </a:extLst>
+          </p:cNvPr>
+          <p:cNvSpPr/>
+          <p:nvPr/>
+        </p:nvSpPr>
+        <p:spPr>
+          <a:xfrm>
+            <a:off x="5356128" y="3261852"/>
+            <a:ext cx="560435" cy="474406"/>
+          </a:xfrm>
+          <a:prstGeom prst="ellipse">
+            <a:avLst/>
+          </a:prstGeom>
+          <a:noFill/>
+          <a:ln>
+            <a:noFill/>
+          </a:ln>
+        </p:spPr>
+        <p:style>
+          <a:lnRef idx="2">
+            <a:schemeClr val="accent1">
+              <a:shade val="50000"/>
+            </a:schemeClr>
+          </a:lnRef>
+          <a:fillRef idx="1">
+            <a:schemeClr val="accent1"/>
+          </a:fillRef>
+          <a:effectRef idx="0">
+            <a:schemeClr val="accent1"/>
+          </a:effectRef>
+          <a:fontRef idx="minor">
+            <a:schemeClr val="lt1"/>
+          </a:fontRef>
+        </p:style>
+        <p:txBody>
+          <a:bodyPr rtlCol="0" anchor="ctr"/>
+          <a:lstStyle/>
+          <a:p>
+            <a:pPr algn="ctr"/>
+            <a:r>
+              <a:rPr lang="el-GR" dirty="0">
+                <a:solidFill>
+                  <a:schemeClr val="tx1"/>
+                </a:solidFill>
+              </a:rPr>
+              <a:t>β</a:t>
+            </a:r>
+            <a:r>
+              <a:rPr lang="en-US" sz="1600" baseline="-25000" dirty="0">
+                <a:solidFill>
+                  <a:schemeClr val="tx1"/>
+                </a:solidFill>
+              </a:rPr>
+              <a:t>1</a:t>
+            </a:r>
+          </a:p>
+        </p:txBody>
+      </p:sp>
+      <p:sp>
+        <p:nvSpPr>
+          <p:cNvPr id="82" name="Oval 81">
+            <a:extLst>
+              <a:ext uri="{FF2B5EF4-FFF2-40B4-BE49-F238E27FC236}">
+                <a16:creationId xmlns:a16="http://schemas.microsoft.com/office/drawing/2014/main" id="{09B43A41-4E30-420F-BE07-CAF4830B7639}"/>
+              </a:ext>
+            </a:extLst>
+          </p:cNvPr>
+          <p:cNvSpPr/>
+          <p:nvPr/>
+        </p:nvSpPr>
+        <p:spPr>
+          <a:xfrm>
+            <a:off x="6897810" y="2415240"/>
+            <a:ext cx="560435" cy="474406"/>
+          </a:xfrm>
+          <a:prstGeom prst="ellipse">
+            <a:avLst/>
+          </a:prstGeom>
+          <a:noFill/>
+          <a:ln>
+            <a:noFill/>
+          </a:ln>
+        </p:spPr>
+        <p:style>
+          <a:lnRef idx="2">
+            <a:schemeClr val="accent1">
+              <a:shade val="50000"/>
+            </a:schemeClr>
+          </a:lnRef>
+          <a:fillRef idx="1">
+            <a:schemeClr val="accent1"/>
+          </a:fillRef>
+          <a:effectRef idx="0">
+            <a:schemeClr val="accent1"/>
+          </a:effectRef>
+          <a:fontRef idx="minor">
+            <a:schemeClr val="lt1"/>
+          </a:fontRef>
+        </p:style>
+        <p:txBody>
+          <a:bodyPr rtlCol="0" anchor="ctr"/>
+          <a:lstStyle/>
+          <a:p>
+            <a:pPr algn="ctr"/>
+            <a:r>
+              <a:rPr lang="el-GR" dirty="0">
+                <a:solidFill>
+                  <a:schemeClr val="tx1"/>
+                </a:solidFill>
+              </a:rPr>
+              <a:t>γ</a:t>
+            </a:r>
+            <a:r>
+              <a:rPr lang="en-US" sz="1600" baseline="-25000" dirty="0">
+                <a:solidFill>
+                  <a:schemeClr val="tx1"/>
+                </a:solidFill>
+              </a:rPr>
+              <a:t>1</a:t>
+            </a:r>
+          </a:p>
+        </p:txBody>
+      </p:sp>
+      <p:sp>
+        <p:nvSpPr>
+          <p:cNvPr id="83" name="Oval 82">
+            <a:extLst>
+              <a:ext uri="{FF2B5EF4-FFF2-40B4-BE49-F238E27FC236}">
+                <a16:creationId xmlns:a16="http://schemas.microsoft.com/office/drawing/2014/main" id="{97639B86-BDB4-411A-8224-10B12C623B85}"/>
+              </a:ext>
+            </a:extLst>
+          </p:cNvPr>
+          <p:cNvSpPr/>
+          <p:nvPr/>
+        </p:nvSpPr>
+        <p:spPr>
+          <a:xfrm>
+            <a:off x="3647767" y="2533957"/>
+            <a:ext cx="560435" cy="474406"/>
+          </a:xfrm>
+          <a:prstGeom prst="ellipse">
+            <a:avLst/>
+          </a:prstGeom>
+          <a:noFill/>
+          <a:ln>
+            <a:noFill/>
+          </a:ln>
+        </p:spPr>
+        <p:style>
+          <a:lnRef idx="2">
+            <a:schemeClr val="accent1">
+              <a:shade val="50000"/>
+            </a:schemeClr>
+          </a:lnRef>
+          <a:fillRef idx="1">
+            <a:schemeClr val="accent1"/>
+          </a:fillRef>
+          <a:effectRef idx="0">
+            <a:schemeClr val="accent1"/>
+          </a:effectRef>
+          <a:fontRef idx="minor">
+            <a:schemeClr val="lt1"/>
+          </a:fontRef>
+        </p:style>
+        <p:txBody>
+          <a:bodyPr rtlCol="0" anchor="ctr"/>
+          <a:lstStyle/>
+          <a:p>
+            <a:pPr algn="ctr"/>
+            <a:r>
+              <a:rPr lang="el-GR" sz="1600" dirty="0">
+                <a:solidFill>
+                  <a:schemeClr val="tx1"/>
+                </a:solidFill>
+              </a:rPr>
+              <a:t>λ</a:t>
+            </a:r>
+            <a:r>
+              <a:rPr lang="en-US" sz="1600" baseline="-25000" dirty="0">
+                <a:solidFill>
+                  <a:schemeClr val="tx1"/>
+                </a:solidFill>
+              </a:rPr>
+              <a:t>6</a:t>
+            </a:r>
+            <a:endParaRPr lang="en-US" sz="1400" baseline="-25000" dirty="0">
               <a:solidFill>
                 <a:schemeClr val="tx1"/>
               </a:solidFill>
-              <a:headEnd type="triangle"/>
-              <a:tailEnd type="triangle"/>
-            </a:ln>
-          </p:spPr>
-          <p:style>
-            <a:lnRef idx="1">
-              <a:schemeClr val="accent1"/>
-            </a:lnRef>
-            <a:fillRef idx="0">
-              <a:schemeClr val="accent1"/>
-            </a:fillRef>
-            <a:effectRef idx="0">
-              <a:schemeClr val="accent1"/>
-            </a:effectRef>
-            <a:fontRef idx="minor">
+            </a:endParaRPr>
+          </a:p>
+        </p:txBody>
+      </p:sp>
+      <p:cxnSp>
+        <p:nvCxnSpPr>
+          <p:cNvPr id="89" name="Connector: Curved 88">
+            <a:extLst>
+              <a:ext uri="{FF2B5EF4-FFF2-40B4-BE49-F238E27FC236}">
+                <a16:creationId xmlns:a16="http://schemas.microsoft.com/office/drawing/2014/main" id="{6EB85C2F-649D-4F1A-819E-A388EBBADEF7}"/>
+              </a:ext>
+            </a:extLst>
+          </p:cNvPr>
+          <p:cNvCxnSpPr>
+            <a:cxnSpLocks/>
+            <a:stCxn id="6" idx="5"/>
+            <a:endCxn id="7" idx="3"/>
+          </p:cNvCxnSpPr>
+          <p:nvPr/>
+        </p:nvCxnSpPr>
+        <p:spPr>
+          <a:xfrm rot="16200000" flipH="1">
+            <a:off x="5611041" y="2280923"/>
+            <a:ext cx="1440" cy="3604476"/>
+          </a:xfrm>
+          <a:prstGeom prst="curvedConnector3">
+            <a:avLst>
+              <a:gd name="adj1" fmla="val 25974306"/>
+            </a:avLst>
+          </a:prstGeom>
+          <a:ln>
+            <a:solidFill>
               <a:schemeClr val="tx1"/>
-            </a:fontRef>
-          </p:style>
-        </p:cxnSp>
-        <p:sp>
-          <p:nvSpPr>
-            <p:cNvPr id="92" name="Oval 91">
-              <a:extLst>
-                <a:ext uri="{FF2B5EF4-FFF2-40B4-BE49-F238E27FC236}">
-                  <a16:creationId xmlns:a16="http://schemas.microsoft.com/office/drawing/2014/main" id="{15EED070-CA15-4EB8-AB1B-8F3010DF1CED}"/>
-                </a:ext>
-              </a:extLst>
-            </p:cNvPr>
-            <p:cNvSpPr/>
-            <p:nvPr/>
-          </p:nvSpPr>
-          <p:spPr>
-            <a:xfrm>
-              <a:off x="5337893" y="4050272"/>
-              <a:ext cx="560435" cy="474406"/>
-            </a:xfrm>
-            <a:prstGeom prst="ellipse">
-              <a:avLst/>
-            </a:prstGeom>
+            </a:solidFill>
+            <a:headEnd type="triangle"/>
+            <a:tailEnd type="triangle"/>
+          </a:ln>
+        </p:spPr>
+        <p:style>
+          <a:lnRef idx="1">
+            <a:schemeClr val="accent1"/>
+          </a:lnRef>
+          <a:fillRef idx="0">
+            <a:schemeClr val="accent1"/>
+          </a:fillRef>
+          <a:effectRef idx="0">
+            <a:schemeClr val="accent1"/>
+          </a:effectRef>
+          <a:fontRef idx="minor">
+            <a:schemeClr val="tx1"/>
+          </a:fontRef>
+        </p:style>
+      </p:cxnSp>
+      <p:sp>
+        <p:nvSpPr>
+          <p:cNvPr id="92" name="Oval 91">
+            <a:extLst>
+              <a:ext uri="{FF2B5EF4-FFF2-40B4-BE49-F238E27FC236}">
+                <a16:creationId xmlns:a16="http://schemas.microsoft.com/office/drawing/2014/main" id="{15EED070-CA15-4EB8-AB1B-8F3010DF1CED}"/>
+              </a:ext>
+            </a:extLst>
+          </p:cNvPr>
+          <p:cNvSpPr/>
+          <p:nvPr/>
+        </p:nvSpPr>
+        <p:spPr>
+          <a:xfrm>
+            <a:off x="5337893" y="4050272"/>
+            <a:ext cx="560435" cy="474406"/>
+          </a:xfrm>
+          <a:prstGeom prst="ellipse">
+            <a:avLst/>
+          </a:prstGeom>
+          <a:noFill/>
+          <a:ln>
             <a:noFill/>
-            <a:ln>
-              <a:noFill/>
-            </a:ln>
-          </p:spPr>
-          <p:style>
-            <a:lnRef idx="2">
-              <a:schemeClr val="accent1">
-                <a:shade val="50000"/>
-              </a:schemeClr>
-            </a:lnRef>
-            <a:fillRef idx="1">
-              <a:schemeClr val="accent1"/>
-            </a:fillRef>
-            <a:effectRef idx="0">
-              <a:schemeClr val="accent1"/>
-            </a:effectRef>
-            <a:fontRef idx="minor">
-              <a:schemeClr val="lt1"/>
-            </a:fontRef>
-          </p:style>
-          <p:txBody>
-            <a:bodyPr rtlCol="0" anchor="ctr"/>
-            <a:lstStyle/>
-            <a:p>
-              <a:pPr algn="ctr"/>
-              <a:r>
-                <a:rPr lang="el-GR" dirty="0">
-                  <a:solidFill>
-                    <a:schemeClr val="tx1"/>
-                  </a:solidFill>
-                </a:rPr>
-                <a:t>φ</a:t>
-              </a:r>
-              <a:r>
-                <a:rPr lang="en-US" sz="1400" baseline="-25000" dirty="0">
-                  <a:solidFill>
-                    <a:schemeClr val="tx1"/>
-                  </a:solidFill>
-                </a:rPr>
-                <a:t>1</a:t>
-              </a:r>
-            </a:p>
-          </p:txBody>
-        </p:sp>
-      </p:grpSp>
+          </a:ln>
+        </p:spPr>
+        <p:style>
+          <a:lnRef idx="2">
+            <a:schemeClr val="accent1">
+              <a:shade val="50000"/>
+            </a:schemeClr>
+          </a:lnRef>
+          <a:fillRef idx="1">
+            <a:schemeClr val="accent1"/>
+          </a:fillRef>
+          <a:effectRef idx="0">
+            <a:schemeClr val="accent1"/>
+          </a:effectRef>
+          <a:fontRef idx="minor">
+            <a:schemeClr val="lt1"/>
+          </a:fontRef>
+        </p:style>
+        <p:txBody>
+          <a:bodyPr rtlCol="0" anchor="ctr"/>
+          <a:lstStyle/>
+          <a:p>
+            <a:pPr algn="ctr"/>
+            <a:r>
+              <a:rPr lang="el-GR" dirty="0">
+                <a:solidFill>
+                  <a:schemeClr val="tx1"/>
+                </a:solidFill>
+              </a:rPr>
+              <a:t>φ</a:t>
+            </a:r>
+            <a:r>
+              <a:rPr lang="en-US" sz="1400" baseline="-25000" dirty="0">
+                <a:solidFill>
+                  <a:schemeClr val="tx1"/>
+                </a:solidFill>
+              </a:rPr>
+              <a:t>1</a:t>
+            </a:r>
+          </a:p>
+        </p:txBody>
+      </p:sp>
     </p:spTree>
     <p:extLst>
       <p:ext uri="{BB962C8B-B14F-4D97-AF65-F5344CB8AC3E}">
@@ -10892,6 +10895,5192 @@
     <p:extLst>
       <p:ext uri="{BB962C8B-B14F-4D97-AF65-F5344CB8AC3E}">
         <p14:creationId xmlns:p14="http://schemas.microsoft.com/office/powerpoint/2010/main" val="2004061840"/>
+      </p:ext>
+    </p:extLst>
+  </p:cSld>
+  <p:clrMapOvr>
+    <a:masterClrMapping/>
+  </p:clrMapOvr>
+</p:sld>
+</file>
+
+<file path=ppt/slides/slide7.xml><?xml version="1.0" encoding="utf-8"?>
+<p:sld xmlns:a="http://schemas.openxmlformats.org/drawingml/2006/main" xmlns:r="http://schemas.openxmlformats.org/officeDocument/2006/relationships" xmlns:p="http://schemas.openxmlformats.org/presentationml/2006/main">
+  <p:cSld>
+    <p:spTree>
+      <p:nvGrpSpPr>
+        <p:cNvPr id="1" name=""/>
+        <p:cNvGrpSpPr/>
+        <p:nvPr/>
+      </p:nvGrpSpPr>
+      <p:grpSpPr>
+        <a:xfrm>
+          <a:off x="0" y="0"/>
+          <a:ext cx="0" cy="0"/>
+          <a:chOff x="0" y="0"/>
+          <a:chExt cx="0" cy="0"/>
+        </a:xfrm>
+      </p:grpSpPr>
+      <p:grpSp>
+        <p:nvGrpSpPr>
+          <p:cNvPr id="136" name="Group 135">
+            <a:extLst>
+              <a:ext uri="{FF2B5EF4-FFF2-40B4-BE49-F238E27FC236}">
+                <a16:creationId xmlns:a16="http://schemas.microsoft.com/office/drawing/2014/main" id="{51247E2A-27D6-4E40-8B7A-03F9A6FA2AA9}"/>
+              </a:ext>
+            </a:extLst>
+          </p:cNvPr>
+          <p:cNvGrpSpPr/>
+          <p:nvPr/>
+        </p:nvGrpSpPr>
+        <p:grpSpPr>
+          <a:xfrm>
+            <a:off x="899055" y="637309"/>
+            <a:ext cx="3539613" cy="2688296"/>
+            <a:chOff x="899055" y="637309"/>
+            <a:chExt cx="3539613" cy="2688296"/>
+          </a:xfrm>
+        </p:grpSpPr>
+        <p:grpSp>
+          <p:nvGrpSpPr>
+            <p:cNvPr id="41" name="Group 40">
+              <a:extLst>
+                <a:ext uri="{FF2B5EF4-FFF2-40B4-BE49-F238E27FC236}">
+                  <a16:creationId xmlns:a16="http://schemas.microsoft.com/office/drawing/2014/main" id="{950E43E5-5873-41DA-B159-3D947A7D8F43}"/>
+                </a:ext>
+              </a:extLst>
+            </p:cNvPr>
+            <p:cNvGrpSpPr/>
+            <p:nvPr/>
+          </p:nvGrpSpPr>
+          <p:grpSpPr>
+            <a:xfrm>
+              <a:off x="899055" y="1143762"/>
+              <a:ext cx="3539613" cy="2181843"/>
+              <a:chOff x="746655" y="991362"/>
+              <a:chExt cx="3539613" cy="2181843"/>
+            </a:xfrm>
+          </p:grpSpPr>
+          <p:sp>
+            <p:nvSpPr>
+              <p:cNvPr id="42" name="Oval 41">
+                <a:extLst>
+                  <a:ext uri="{FF2B5EF4-FFF2-40B4-BE49-F238E27FC236}">
+                    <a16:creationId xmlns:a16="http://schemas.microsoft.com/office/drawing/2014/main" id="{80F93229-1BCE-4D7F-83A9-709DB804A8E7}"/>
+                  </a:ext>
+                </a:extLst>
+              </p:cNvPr>
+              <p:cNvSpPr/>
+              <p:nvPr/>
+            </p:nvSpPr>
+            <p:spPr>
+              <a:xfrm>
+                <a:off x="3175223" y="1332122"/>
+                <a:ext cx="1111045" cy="993058"/>
+              </a:xfrm>
+              <a:prstGeom prst="ellipse">
+                <a:avLst/>
+              </a:prstGeom>
+              <a:noFill/>
+              <a:ln>
+                <a:solidFill>
+                  <a:schemeClr val="tx1"/>
+                </a:solidFill>
+              </a:ln>
+            </p:spPr>
+            <p:style>
+              <a:lnRef idx="2">
+                <a:schemeClr val="accent1">
+                  <a:shade val="50000"/>
+                </a:schemeClr>
+              </a:lnRef>
+              <a:fillRef idx="1">
+                <a:schemeClr val="accent1"/>
+              </a:fillRef>
+              <a:effectRef idx="0">
+                <a:schemeClr val="accent1"/>
+              </a:effectRef>
+              <a:fontRef idx="minor">
+                <a:schemeClr val="lt1"/>
+              </a:fontRef>
+            </p:style>
+            <p:txBody>
+              <a:bodyPr rtlCol="0" anchor="ctr"/>
+              <a:lstStyle/>
+              <a:p>
+                <a:pPr algn="ctr"/>
+                <a:r>
+                  <a:rPr lang="en-US" sz="1000" i="1" dirty="0">
+                    <a:solidFill>
+                      <a:schemeClr val="tx1"/>
+                    </a:solidFill>
+                  </a:rPr>
+                  <a:t>Learned </a:t>
+                </a:r>
+                <a:r>
+                  <a:rPr lang="en-US" sz="1000" i="1" dirty="0" err="1">
+                    <a:solidFill>
+                      <a:schemeClr val="tx1"/>
+                    </a:solidFill>
+                  </a:rPr>
+                  <a:t>helplesness</a:t>
+                </a:r>
+                <a:endParaRPr lang="en-US" sz="1000" i="1" dirty="0">
+                  <a:solidFill>
+                    <a:schemeClr val="tx1"/>
+                  </a:solidFill>
+                </a:endParaRPr>
+              </a:p>
+            </p:txBody>
+          </p:sp>
+          <p:sp>
+            <p:nvSpPr>
+              <p:cNvPr id="43" name="Rectangle 42">
+                <a:extLst>
+                  <a:ext uri="{FF2B5EF4-FFF2-40B4-BE49-F238E27FC236}">
+                    <a16:creationId xmlns:a16="http://schemas.microsoft.com/office/drawing/2014/main" id="{06B4D08F-5DDA-4470-84C9-55B2158CFD40}"/>
+                  </a:ext>
+                </a:extLst>
+              </p:cNvPr>
+              <p:cNvSpPr/>
+              <p:nvPr/>
+            </p:nvSpPr>
+            <p:spPr>
+              <a:xfrm>
+                <a:off x="1764290" y="1172346"/>
+                <a:ext cx="653845" cy="474407"/>
+              </a:xfrm>
+              <a:prstGeom prst="rect">
+                <a:avLst/>
+              </a:prstGeom>
+              <a:noFill/>
+              <a:ln>
+                <a:solidFill>
+                  <a:schemeClr val="tx1"/>
+                </a:solidFill>
+              </a:ln>
+            </p:spPr>
+            <p:style>
+              <a:lnRef idx="2">
+                <a:schemeClr val="accent1">
+                  <a:shade val="50000"/>
+                </a:schemeClr>
+              </a:lnRef>
+              <a:fillRef idx="1">
+                <a:schemeClr val="accent1"/>
+              </a:fillRef>
+              <a:effectRef idx="0">
+                <a:schemeClr val="accent1"/>
+              </a:effectRef>
+              <a:fontRef idx="minor">
+                <a:schemeClr val="lt1"/>
+              </a:fontRef>
+            </p:style>
+            <p:txBody>
+              <a:bodyPr rtlCol="0" anchor="ctr"/>
+              <a:lstStyle/>
+              <a:p>
+                <a:pPr algn="ctr"/>
+                <a:r>
+                  <a:rPr lang="en-US" sz="1400" dirty="0">
+                    <a:solidFill>
+                      <a:schemeClr val="tx1"/>
+                    </a:solidFill>
+                  </a:rPr>
+                  <a:t>Global</a:t>
+                </a:r>
+              </a:p>
+            </p:txBody>
+          </p:sp>
+          <p:sp>
+            <p:nvSpPr>
+              <p:cNvPr id="44" name="Rectangle 43">
+                <a:extLst>
+                  <a:ext uri="{FF2B5EF4-FFF2-40B4-BE49-F238E27FC236}">
+                    <a16:creationId xmlns:a16="http://schemas.microsoft.com/office/drawing/2014/main" id="{AB13AC18-8419-4C87-9E0C-320E236BA3DB}"/>
+                  </a:ext>
+                </a:extLst>
+              </p:cNvPr>
+              <p:cNvSpPr/>
+              <p:nvPr/>
+            </p:nvSpPr>
+            <p:spPr>
+              <a:xfrm>
+                <a:off x="1783955" y="1935572"/>
+                <a:ext cx="653845" cy="474407"/>
+              </a:xfrm>
+              <a:prstGeom prst="rect">
+                <a:avLst/>
+              </a:prstGeom>
+              <a:noFill/>
+              <a:ln>
+                <a:solidFill>
+                  <a:schemeClr val="tx1"/>
+                </a:solidFill>
+              </a:ln>
+            </p:spPr>
+            <p:style>
+              <a:lnRef idx="2">
+                <a:schemeClr val="accent1">
+                  <a:shade val="50000"/>
+                </a:schemeClr>
+              </a:lnRef>
+              <a:fillRef idx="1">
+                <a:schemeClr val="accent1"/>
+              </a:fillRef>
+              <a:effectRef idx="0">
+                <a:schemeClr val="accent1"/>
+              </a:effectRef>
+              <a:fontRef idx="minor">
+                <a:schemeClr val="lt1"/>
+              </a:fontRef>
+            </p:style>
+            <p:txBody>
+              <a:bodyPr rtlCol="0" anchor="ctr"/>
+              <a:lstStyle/>
+              <a:p>
+                <a:pPr algn="ctr"/>
+                <a:r>
+                  <a:rPr lang="en-US" sz="1100" dirty="0">
+                    <a:solidFill>
+                      <a:schemeClr val="tx1"/>
+                    </a:solidFill>
+                  </a:rPr>
+                  <a:t>Stability</a:t>
+                </a:r>
+              </a:p>
+            </p:txBody>
+          </p:sp>
+          <p:sp>
+            <p:nvSpPr>
+              <p:cNvPr id="45" name="Rectangle 44">
+                <a:extLst>
+                  <a:ext uri="{FF2B5EF4-FFF2-40B4-BE49-F238E27FC236}">
+                    <a16:creationId xmlns:a16="http://schemas.microsoft.com/office/drawing/2014/main" id="{48DD6DA0-EE05-4774-8325-3634157A2D6E}"/>
+                  </a:ext>
+                </a:extLst>
+              </p:cNvPr>
+              <p:cNvSpPr/>
+              <p:nvPr/>
+            </p:nvSpPr>
+            <p:spPr>
+              <a:xfrm>
+                <a:off x="1783955" y="2698798"/>
+                <a:ext cx="653845" cy="474407"/>
+              </a:xfrm>
+              <a:prstGeom prst="rect">
+                <a:avLst/>
+              </a:prstGeom>
+              <a:noFill/>
+              <a:ln>
+                <a:solidFill>
+                  <a:schemeClr val="tx1"/>
+                </a:solidFill>
+              </a:ln>
+            </p:spPr>
+            <p:style>
+              <a:lnRef idx="2">
+                <a:schemeClr val="accent1">
+                  <a:shade val="50000"/>
+                </a:schemeClr>
+              </a:lnRef>
+              <a:fillRef idx="1">
+                <a:schemeClr val="accent1"/>
+              </a:fillRef>
+              <a:effectRef idx="0">
+                <a:schemeClr val="accent1"/>
+              </a:effectRef>
+              <a:fontRef idx="minor">
+                <a:schemeClr val="lt1"/>
+              </a:fontRef>
+            </p:style>
+            <p:txBody>
+              <a:bodyPr rtlCol="0" anchor="ctr"/>
+              <a:lstStyle/>
+              <a:p>
+                <a:pPr algn="ctr"/>
+                <a:r>
+                  <a:rPr lang="en-US" sz="1100" dirty="0">
+                    <a:solidFill>
+                      <a:schemeClr val="tx1"/>
+                    </a:solidFill>
+                  </a:rPr>
+                  <a:t>External</a:t>
+                </a:r>
+              </a:p>
+            </p:txBody>
+          </p:sp>
+          <p:cxnSp>
+            <p:nvCxnSpPr>
+              <p:cNvPr id="46" name="Straight Arrow Connector 45">
+                <a:extLst>
+                  <a:ext uri="{FF2B5EF4-FFF2-40B4-BE49-F238E27FC236}">
+                    <a16:creationId xmlns:a16="http://schemas.microsoft.com/office/drawing/2014/main" id="{335D6E28-CFD2-4821-BBB0-F1500E90C8E8}"/>
+                  </a:ext>
+                </a:extLst>
+              </p:cNvPr>
+              <p:cNvCxnSpPr>
+                <a:cxnSpLocks/>
+                <a:stCxn id="42" idx="2"/>
+                <a:endCxn id="43" idx="3"/>
+              </p:cNvCxnSpPr>
+              <p:nvPr/>
+            </p:nvCxnSpPr>
+            <p:spPr>
+              <a:xfrm flipH="1" flipV="1">
+                <a:off x="2418135" y="1409550"/>
+                <a:ext cx="757088" cy="419101"/>
+              </a:xfrm>
+              <a:prstGeom prst="straightConnector1">
+                <a:avLst/>
+              </a:prstGeom>
+              <a:ln>
+                <a:solidFill>
+                  <a:schemeClr val="tx1"/>
+                </a:solidFill>
+                <a:tailEnd type="triangle"/>
+              </a:ln>
+            </p:spPr>
+            <p:style>
+              <a:lnRef idx="1">
+                <a:schemeClr val="accent1"/>
+              </a:lnRef>
+              <a:fillRef idx="0">
+                <a:schemeClr val="accent1"/>
+              </a:fillRef>
+              <a:effectRef idx="0">
+                <a:schemeClr val="accent1"/>
+              </a:effectRef>
+              <a:fontRef idx="minor">
+                <a:schemeClr val="tx1"/>
+              </a:fontRef>
+            </p:style>
+          </p:cxnSp>
+          <p:cxnSp>
+            <p:nvCxnSpPr>
+              <p:cNvPr id="47" name="Straight Arrow Connector 46">
+                <a:extLst>
+                  <a:ext uri="{FF2B5EF4-FFF2-40B4-BE49-F238E27FC236}">
+                    <a16:creationId xmlns:a16="http://schemas.microsoft.com/office/drawing/2014/main" id="{6FCDBBF5-9F5F-47A1-95D1-235E5D2A2F85}"/>
+                  </a:ext>
+                </a:extLst>
+              </p:cNvPr>
+              <p:cNvCxnSpPr>
+                <a:cxnSpLocks/>
+                <a:stCxn id="42" idx="2"/>
+                <a:endCxn id="44" idx="3"/>
+              </p:cNvCxnSpPr>
+              <p:nvPr/>
+            </p:nvCxnSpPr>
+            <p:spPr>
+              <a:xfrm flipH="1">
+                <a:off x="2437800" y="1828651"/>
+                <a:ext cx="737423" cy="344125"/>
+              </a:xfrm>
+              <a:prstGeom prst="straightConnector1">
+                <a:avLst/>
+              </a:prstGeom>
+              <a:ln>
+                <a:solidFill>
+                  <a:schemeClr val="tx1"/>
+                </a:solidFill>
+                <a:tailEnd type="triangle"/>
+              </a:ln>
+            </p:spPr>
+            <p:style>
+              <a:lnRef idx="1">
+                <a:schemeClr val="accent1"/>
+              </a:lnRef>
+              <a:fillRef idx="0">
+                <a:schemeClr val="accent1"/>
+              </a:fillRef>
+              <a:effectRef idx="0">
+                <a:schemeClr val="accent1"/>
+              </a:effectRef>
+              <a:fontRef idx="minor">
+                <a:schemeClr val="tx1"/>
+              </a:fontRef>
+            </p:style>
+          </p:cxnSp>
+          <p:cxnSp>
+            <p:nvCxnSpPr>
+              <p:cNvPr id="48" name="Straight Arrow Connector 47">
+                <a:extLst>
+                  <a:ext uri="{FF2B5EF4-FFF2-40B4-BE49-F238E27FC236}">
+                    <a16:creationId xmlns:a16="http://schemas.microsoft.com/office/drawing/2014/main" id="{F00DD509-1C73-4622-84D2-2BABC9752E10}"/>
+                  </a:ext>
+                </a:extLst>
+              </p:cNvPr>
+              <p:cNvCxnSpPr>
+                <a:cxnSpLocks/>
+                <a:stCxn id="42" idx="2"/>
+                <a:endCxn id="45" idx="3"/>
+              </p:cNvCxnSpPr>
+              <p:nvPr/>
+            </p:nvCxnSpPr>
+            <p:spPr>
+              <a:xfrm flipH="1">
+                <a:off x="2437800" y="1828651"/>
+                <a:ext cx="737423" cy="1107351"/>
+              </a:xfrm>
+              <a:prstGeom prst="straightConnector1">
+                <a:avLst/>
+              </a:prstGeom>
+              <a:ln>
+                <a:solidFill>
+                  <a:schemeClr val="tx1"/>
+                </a:solidFill>
+                <a:tailEnd type="triangle"/>
+              </a:ln>
+            </p:spPr>
+            <p:style>
+              <a:lnRef idx="1">
+                <a:schemeClr val="accent1"/>
+              </a:lnRef>
+              <a:fillRef idx="0">
+                <a:schemeClr val="accent1"/>
+              </a:fillRef>
+              <a:effectRef idx="0">
+                <a:schemeClr val="accent1"/>
+              </a:effectRef>
+              <a:fontRef idx="minor">
+                <a:schemeClr val="tx1"/>
+              </a:fontRef>
+            </p:style>
+          </p:cxnSp>
+          <p:sp>
+            <p:nvSpPr>
+              <p:cNvPr id="49" name="Oval 48">
+                <a:extLst>
+                  <a:ext uri="{FF2B5EF4-FFF2-40B4-BE49-F238E27FC236}">
+                    <a16:creationId xmlns:a16="http://schemas.microsoft.com/office/drawing/2014/main" id="{9C6C8207-F245-46F8-BC85-A348F3569201}"/>
+                  </a:ext>
+                </a:extLst>
+              </p:cNvPr>
+              <p:cNvSpPr/>
+              <p:nvPr/>
+            </p:nvSpPr>
+            <p:spPr>
+              <a:xfrm>
+                <a:off x="746655" y="1172347"/>
+                <a:ext cx="560435" cy="474406"/>
+              </a:xfrm>
+              <a:prstGeom prst="ellipse">
+                <a:avLst/>
+              </a:prstGeom>
+              <a:noFill/>
+              <a:ln>
+                <a:solidFill>
+                  <a:schemeClr val="tx1"/>
+                </a:solidFill>
+              </a:ln>
+            </p:spPr>
+            <p:style>
+              <a:lnRef idx="2">
+                <a:schemeClr val="accent1">
+                  <a:shade val="50000"/>
+                </a:schemeClr>
+              </a:lnRef>
+              <a:fillRef idx="1">
+                <a:schemeClr val="accent1"/>
+              </a:fillRef>
+              <a:effectRef idx="0">
+                <a:schemeClr val="accent1"/>
+              </a:effectRef>
+              <a:fontRef idx="minor">
+                <a:schemeClr val="lt1"/>
+              </a:fontRef>
+            </p:style>
+            <p:txBody>
+              <a:bodyPr rtlCol="0" anchor="ctr"/>
+              <a:lstStyle/>
+              <a:p>
+                <a:pPr algn="ctr"/>
+                <a:r>
+                  <a:rPr lang="el-GR" sz="1600" dirty="0">
+                    <a:solidFill>
+                      <a:schemeClr val="tx1"/>
+                    </a:solidFill>
+                  </a:rPr>
+                  <a:t>ε</a:t>
+                </a:r>
+                <a:r>
+                  <a:rPr lang="en-US" sz="1600" baseline="-25000" dirty="0">
+                    <a:solidFill>
+                      <a:schemeClr val="tx1"/>
+                    </a:solidFill>
+                  </a:rPr>
+                  <a:t>1</a:t>
+                </a:r>
+              </a:p>
+            </p:txBody>
+          </p:sp>
+          <p:cxnSp>
+            <p:nvCxnSpPr>
+              <p:cNvPr id="50" name="Straight Arrow Connector 49">
+                <a:extLst>
+                  <a:ext uri="{FF2B5EF4-FFF2-40B4-BE49-F238E27FC236}">
+                    <a16:creationId xmlns:a16="http://schemas.microsoft.com/office/drawing/2014/main" id="{EA724C3F-D578-4260-ABD2-6885218EA5C4}"/>
+                  </a:ext>
+                </a:extLst>
+              </p:cNvPr>
+              <p:cNvCxnSpPr>
+                <a:cxnSpLocks/>
+                <a:stCxn id="49" idx="6"/>
+                <a:endCxn id="43" idx="1"/>
+              </p:cNvCxnSpPr>
+              <p:nvPr/>
+            </p:nvCxnSpPr>
+            <p:spPr>
+              <a:xfrm>
+                <a:off x="1307090" y="1409550"/>
+                <a:ext cx="457200" cy="0"/>
+              </a:xfrm>
+              <a:prstGeom prst="straightConnector1">
+                <a:avLst/>
+              </a:prstGeom>
+              <a:ln>
+                <a:solidFill>
+                  <a:schemeClr val="tx1"/>
+                </a:solidFill>
+                <a:tailEnd type="triangle"/>
+              </a:ln>
+            </p:spPr>
+            <p:style>
+              <a:lnRef idx="1">
+                <a:schemeClr val="accent1"/>
+              </a:lnRef>
+              <a:fillRef idx="0">
+                <a:schemeClr val="accent1"/>
+              </a:fillRef>
+              <a:effectRef idx="0">
+                <a:schemeClr val="accent1"/>
+              </a:effectRef>
+              <a:fontRef idx="minor">
+                <a:schemeClr val="tx1"/>
+              </a:fontRef>
+            </p:style>
+          </p:cxnSp>
+          <p:sp>
+            <p:nvSpPr>
+              <p:cNvPr id="51" name="Oval 50">
+                <a:extLst>
+                  <a:ext uri="{FF2B5EF4-FFF2-40B4-BE49-F238E27FC236}">
+                    <a16:creationId xmlns:a16="http://schemas.microsoft.com/office/drawing/2014/main" id="{A6D0A501-0E35-4142-9102-7C2F7C2EAAC4}"/>
+                  </a:ext>
+                </a:extLst>
+              </p:cNvPr>
+              <p:cNvSpPr/>
+              <p:nvPr/>
+            </p:nvSpPr>
+            <p:spPr>
+              <a:xfrm>
+                <a:off x="754027" y="1935573"/>
+                <a:ext cx="560435" cy="474406"/>
+              </a:xfrm>
+              <a:prstGeom prst="ellipse">
+                <a:avLst/>
+              </a:prstGeom>
+              <a:noFill/>
+              <a:ln>
+                <a:solidFill>
+                  <a:schemeClr val="tx1"/>
+                </a:solidFill>
+              </a:ln>
+            </p:spPr>
+            <p:style>
+              <a:lnRef idx="2">
+                <a:schemeClr val="accent1">
+                  <a:shade val="50000"/>
+                </a:schemeClr>
+              </a:lnRef>
+              <a:fillRef idx="1">
+                <a:schemeClr val="accent1"/>
+              </a:fillRef>
+              <a:effectRef idx="0">
+                <a:schemeClr val="accent1"/>
+              </a:effectRef>
+              <a:fontRef idx="minor">
+                <a:schemeClr val="lt1"/>
+              </a:fontRef>
+            </p:style>
+            <p:txBody>
+              <a:bodyPr rtlCol="0" anchor="ctr"/>
+              <a:lstStyle/>
+              <a:p>
+                <a:pPr algn="ctr"/>
+                <a:r>
+                  <a:rPr lang="el-GR" sz="1600" dirty="0">
+                    <a:solidFill>
+                      <a:schemeClr val="tx1"/>
+                    </a:solidFill>
+                  </a:rPr>
+                  <a:t>ε</a:t>
+                </a:r>
+                <a:r>
+                  <a:rPr lang="en-US" sz="1600" baseline="-25000" dirty="0">
+                    <a:solidFill>
+                      <a:schemeClr val="tx1"/>
+                    </a:solidFill>
+                  </a:rPr>
+                  <a:t>2</a:t>
+                </a:r>
+              </a:p>
+            </p:txBody>
+          </p:sp>
+          <p:cxnSp>
+            <p:nvCxnSpPr>
+              <p:cNvPr id="52" name="Straight Arrow Connector 51">
+                <a:extLst>
+                  <a:ext uri="{FF2B5EF4-FFF2-40B4-BE49-F238E27FC236}">
+                    <a16:creationId xmlns:a16="http://schemas.microsoft.com/office/drawing/2014/main" id="{9B79879C-EF3F-445C-BD20-2B12F47E3414}"/>
+                  </a:ext>
+                </a:extLst>
+              </p:cNvPr>
+              <p:cNvCxnSpPr>
+                <a:cxnSpLocks/>
+                <a:stCxn id="51" idx="6"/>
+              </p:cNvCxnSpPr>
+              <p:nvPr/>
+            </p:nvCxnSpPr>
+            <p:spPr>
+              <a:xfrm>
+                <a:off x="1314462" y="2172776"/>
+                <a:ext cx="457200" cy="0"/>
+              </a:xfrm>
+              <a:prstGeom prst="straightConnector1">
+                <a:avLst/>
+              </a:prstGeom>
+              <a:ln>
+                <a:solidFill>
+                  <a:schemeClr val="tx1"/>
+                </a:solidFill>
+                <a:tailEnd type="triangle"/>
+              </a:ln>
+            </p:spPr>
+            <p:style>
+              <a:lnRef idx="1">
+                <a:schemeClr val="accent1"/>
+              </a:lnRef>
+              <a:fillRef idx="0">
+                <a:schemeClr val="accent1"/>
+              </a:fillRef>
+              <a:effectRef idx="0">
+                <a:schemeClr val="accent1"/>
+              </a:effectRef>
+              <a:fontRef idx="minor">
+                <a:schemeClr val="tx1"/>
+              </a:fontRef>
+            </p:style>
+          </p:cxnSp>
+          <p:sp>
+            <p:nvSpPr>
+              <p:cNvPr id="53" name="Oval 52">
+                <a:extLst>
+                  <a:ext uri="{FF2B5EF4-FFF2-40B4-BE49-F238E27FC236}">
+                    <a16:creationId xmlns:a16="http://schemas.microsoft.com/office/drawing/2014/main" id="{844B5085-C8F1-4B88-8BAC-7D4D871EB6B2}"/>
+                  </a:ext>
+                </a:extLst>
+              </p:cNvPr>
+              <p:cNvSpPr/>
+              <p:nvPr/>
+            </p:nvSpPr>
+            <p:spPr>
+              <a:xfrm>
+                <a:off x="761399" y="2698797"/>
+                <a:ext cx="560435" cy="474406"/>
+              </a:xfrm>
+              <a:prstGeom prst="ellipse">
+                <a:avLst/>
+              </a:prstGeom>
+              <a:noFill/>
+              <a:ln>
+                <a:solidFill>
+                  <a:schemeClr val="tx1"/>
+                </a:solidFill>
+              </a:ln>
+            </p:spPr>
+            <p:style>
+              <a:lnRef idx="2">
+                <a:schemeClr val="accent1">
+                  <a:shade val="50000"/>
+                </a:schemeClr>
+              </a:lnRef>
+              <a:fillRef idx="1">
+                <a:schemeClr val="accent1"/>
+              </a:fillRef>
+              <a:effectRef idx="0">
+                <a:schemeClr val="accent1"/>
+              </a:effectRef>
+              <a:fontRef idx="minor">
+                <a:schemeClr val="lt1"/>
+              </a:fontRef>
+            </p:style>
+            <p:txBody>
+              <a:bodyPr rtlCol="0" anchor="ctr"/>
+              <a:lstStyle/>
+              <a:p>
+                <a:pPr algn="ctr"/>
+                <a:r>
+                  <a:rPr lang="el-GR" sz="1600" dirty="0">
+                    <a:solidFill>
+                      <a:schemeClr val="tx1"/>
+                    </a:solidFill>
+                  </a:rPr>
+                  <a:t>ε</a:t>
+                </a:r>
+                <a:r>
+                  <a:rPr lang="en-US" sz="1600" baseline="-25000" dirty="0">
+                    <a:solidFill>
+                      <a:schemeClr val="tx1"/>
+                    </a:solidFill>
+                  </a:rPr>
+                  <a:t>3</a:t>
+                </a:r>
+              </a:p>
+            </p:txBody>
+          </p:sp>
+          <p:cxnSp>
+            <p:nvCxnSpPr>
+              <p:cNvPr id="54" name="Straight Arrow Connector 53">
+                <a:extLst>
+                  <a:ext uri="{FF2B5EF4-FFF2-40B4-BE49-F238E27FC236}">
+                    <a16:creationId xmlns:a16="http://schemas.microsoft.com/office/drawing/2014/main" id="{2386EBFC-3E64-4BE9-A306-A438E3A33B5F}"/>
+                  </a:ext>
+                </a:extLst>
+              </p:cNvPr>
+              <p:cNvCxnSpPr>
+                <a:cxnSpLocks/>
+                <a:stCxn id="53" idx="6"/>
+              </p:cNvCxnSpPr>
+              <p:nvPr/>
+            </p:nvCxnSpPr>
+            <p:spPr>
+              <a:xfrm>
+                <a:off x="1321834" y="2936000"/>
+                <a:ext cx="457200" cy="0"/>
+              </a:xfrm>
+              <a:prstGeom prst="straightConnector1">
+                <a:avLst/>
+              </a:prstGeom>
+              <a:ln>
+                <a:solidFill>
+                  <a:schemeClr val="tx1"/>
+                </a:solidFill>
+                <a:tailEnd type="triangle"/>
+              </a:ln>
+            </p:spPr>
+            <p:style>
+              <a:lnRef idx="1">
+                <a:schemeClr val="accent1"/>
+              </a:lnRef>
+              <a:fillRef idx="0">
+                <a:schemeClr val="accent1"/>
+              </a:fillRef>
+              <a:effectRef idx="0">
+                <a:schemeClr val="accent1"/>
+              </a:effectRef>
+              <a:fontRef idx="minor">
+                <a:schemeClr val="tx1"/>
+              </a:fontRef>
+            </p:style>
+          </p:cxnSp>
+          <p:sp>
+            <p:nvSpPr>
+              <p:cNvPr id="55" name="Oval 54">
+                <a:extLst>
+                  <a:ext uri="{FF2B5EF4-FFF2-40B4-BE49-F238E27FC236}">
+                    <a16:creationId xmlns:a16="http://schemas.microsoft.com/office/drawing/2014/main" id="{D699D0A0-B8EE-48DE-81FB-89DB6537F8AF}"/>
+                  </a:ext>
+                </a:extLst>
+              </p:cNvPr>
+              <p:cNvSpPr/>
+              <p:nvPr/>
+            </p:nvSpPr>
+            <p:spPr>
+              <a:xfrm>
+                <a:off x="2617479" y="1104751"/>
+                <a:ext cx="560435" cy="474406"/>
+              </a:xfrm>
+              <a:prstGeom prst="ellipse">
+                <a:avLst/>
+              </a:prstGeom>
+              <a:noFill/>
+              <a:ln>
+                <a:noFill/>
+              </a:ln>
+            </p:spPr>
+            <p:style>
+              <a:lnRef idx="2">
+                <a:schemeClr val="accent1">
+                  <a:shade val="50000"/>
+                </a:schemeClr>
+              </a:lnRef>
+              <a:fillRef idx="1">
+                <a:schemeClr val="accent1"/>
+              </a:fillRef>
+              <a:effectRef idx="0">
+                <a:schemeClr val="accent1"/>
+              </a:effectRef>
+              <a:fontRef idx="minor">
+                <a:schemeClr val="lt1"/>
+              </a:fontRef>
+            </p:style>
+            <p:txBody>
+              <a:bodyPr rtlCol="0" anchor="ctr"/>
+              <a:lstStyle/>
+              <a:p>
+                <a:pPr algn="ctr"/>
+                <a:r>
+                  <a:rPr lang="en-US" dirty="0">
+                    <a:solidFill>
+                      <a:schemeClr val="tx1"/>
+                    </a:solidFill>
+                  </a:rPr>
+                  <a:t>1</a:t>
+                </a:r>
+                <a:endParaRPr lang="en-US" sz="1600" baseline="-25000" dirty="0">
+                  <a:solidFill>
+                    <a:schemeClr val="tx1"/>
+                  </a:solidFill>
+                </a:endParaRPr>
+              </a:p>
+            </p:txBody>
+          </p:sp>
+          <p:sp>
+            <p:nvSpPr>
+              <p:cNvPr id="56" name="Oval 55">
+                <a:extLst>
+                  <a:ext uri="{FF2B5EF4-FFF2-40B4-BE49-F238E27FC236}">
+                    <a16:creationId xmlns:a16="http://schemas.microsoft.com/office/drawing/2014/main" id="{AE57765E-FCEB-4242-B5E5-A273AA86940D}"/>
+                  </a:ext>
+                </a:extLst>
+              </p:cNvPr>
+              <p:cNvSpPr/>
+              <p:nvPr/>
+            </p:nvSpPr>
+            <p:spPr>
+              <a:xfrm>
+                <a:off x="1286198" y="991362"/>
+                <a:ext cx="462116" cy="474408"/>
+              </a:xfrm>
+              <a:prstGeom prst="ellipse">
+                <a:avLst/>
+              </a:prstGeom>
+              <a:noFill/>
+              <a:ln>
+                <a:noFill/>
+              </a:ln>
+            </p:spPr>
+            <p:style>
+              <a:lnRef idx="2">
+                <a:schemeClr val="accent1">
+                  <a:shade val="50000"/>
+                </a:schemeClr>
+              </a:lnRef>
+              <a:fillRef idx="1">
+                <a:schemeClr val="accent1"/>
+              </a:fillRef>
+              <a:effectRef idx="0">
+                <a:schemeClr val="accent1"/>
+              </a:effectRef>
+              <a:fontRef idx="minor">
+                <a:schemeClr val="lt1"/>
+              </a:fontRef>
+            </p:style>
+            <p:txBody>
+              <a:bodyPr rtlCol="0" anchor="ctr"/>
+              <a:lstStyle/>
+              <a:p>
+                <a:pPr algn="ctr"/>
+                <a:r>
+                  <a:rPr lang="en-US" sz="1600" dirty="0">
+                    <a:solidFill>
+                      <a:schemeClr val="tx1"/>
+                    </a:solidFill>
+                  </a:rPr>
+                  <a:t>1</a:t>
+                </a:r>
+                <a:endParaRPr lang="en-US" sz="1600" baseline="-25000" dirty="0">
+                  <a:solidFill>
+                    <a:schemeClr val="tx1"/>
+                  </a:solidFill>
+                </a:endParaRPr>
+              </a:p>
+            </p:txBody>
+          </p:sp>
+          <p:sp>
+            <p:nvSpPr>
+              <p:cNvPr id="57" name="Oval 56">
+                <a:extLst>
+                  <a:ext uri="{FF2B5EF4-FFF2-40B4-BE49-F238E27FC236}">
+                    <a16:creationId xmlns:a16="http://schemas.microsoft.com/office/drawing/2014/main" id="{9593CBBD-51EC-4604-8F41-633B1AE45397}"/>
+                  </a:ext>
+                </a:extLst>
+              </p:cNvPr>
+              <p:cNvSpPr/>
+              <p:nvPr/>
+            </p:nvSpPr>
+            <p:spPr>
+              <a:xfrm>
+                <a:off x="1282614" y="1791161"/>
+                <a:ext cx="462116" cy="474408"/>
+              </a:xfrm>
+              <a:prstGeom prst="ellipse">
+                <a:avLst/>
+              </a:prstGeom>
+              <a:noFill/>
+              <a:ln>
+                <a:noFill/>
+              </a:ln>
+            </p:spPr>
+            <p:style>
+              <a:lnRef idx="2">
+                <a:schemeClr val="accent1">
+                  <a:shade val="50000"/>
+                </a:schemeClr>
+              </a:lnRef>
+              <a:fillRef idx="1">
+                <a:schemeClr val="accent1"/>
+              </a:fillRef>
+              <a:effectRef idx="0">
+                <a:schemeClr val="accent1"/>
+              </a:effectRef>
+              <a:fontRef idx="minor">
+                <a:schemeClr val="lt1"/>
+              </a:fontRef>
+            </p:style>
+            <p:txBody>
+              <a:bodyPr rtlCol="0" anchor="ctr"/>
+              <a:lstStyle/>
+              <a:p>
+                <a:pPr algn="ctr"/>
+                <a:r>
+                  <a:rPr lang="en-US" sz="1600" dirty="0">
+                    <a:solidFill>
+                      <a:schemeClr val="tx1"/>
+                    </a:solidFill>
+                  </a:rPr>
+                  <a:t>1</a:t>
+                </a:r>
+                <a:endParaRPr lang="en-US" sz="1600" baseline="-25000" dirty="0">
+                  <a:solidFill>
+                    <a:schemeClr val="tx1"/>
+                  </a:solidFill>
+                </a:endParaRPr>
+              </a:p>
+            </p:txBody>
+          </p:sp>
+          <p:sp>
+            <p:nvSpPr>
+              <p:cNvPr id="58" name="Oval 57">
+                <a:extLst>
+                  <a:ext uri="{FF2B5EF4-FFF2-40B4-BE49-F238E27FC236}">
+                    <a16:creationId xmlns:a16="http://schemas.microsoft.com/office/drawing/2014/main" id="{421A223A-264D-441F-A148-EE8C29D66930}"/>
+                  </a:ext>
+                </a:extLst>
+              </p:cNvPr>
+              <p:cNvSpPr/>
+              <p:nvPr/>
+            </p:nvSpPr>
+            <p:spPr>
+              <a:xfrm>
+                <a:off x="1297998" y="2562949"/>
+                <a:ext cx="462116" cy="474408"/>
+              </a:xfrm>
+              <a:prstGeom prst="ellipse">
+                <a:avLst/>
+              </a:prstGeom>
+              <a:noFill/>
+              <a:ln>
+                <a:noFill/>
+              </a:ln>
+            </p:spPr>
+            <p:style>
+              <a:lnRef idx="2">
+                <a:schemeClr val="accent1">
+                  <a:shade val="50000"/>
+                </a:schemeClr>
+              </a:lnRef>
+              <a:fillRef idx="1">
+                <a:schemeClr val="accent1"/>
+              </a:fillRef>
+              <a:effectRef idx="0">
+                <a:schemeClr val="accent1"/>
+              </a:effectRef>
+              <a:fontRef idx="minor">
+                <a:schemeClr val="lt1"/>
+              </a:fontRef>
+            </p:style>
+            <p:txBody>
+              <a:bodyPr rtlCol="0" anchor="ctr"/>
+              <a:lstStyle/>
+              <a:p>
+                <a:pPr algn="ctr"/>
+                <a:r>
+                  <a:rPr lang="en-US" sz="1600" dirty="0">
+                    <a:solidFill>
+                      <a:schemeClr val="tx1"/>
+                    </a:solidFill>
+                  </a:rPr>
+                  <a:t>1</a:t>
+                </a:r>
+                <a:endParaRPr lang="en-US" sz="1600" baseline="-25000" dirty="0">
+                  <a:solidFill>
+                    <a:schemeClr val="tx1"/>
+                  </a:solidFill>
+                </a:endParaRPr>
+              </a:p>
+            </p:txBody>
+          </p:sp>
+        </p:grpSp>
+        <p:sp>
+          <p:nvSpPr>
+            <p:cNvPr id="81" name="Rectangle 80">
+              <a:extLst>
+                <a:ext uri="{FF2B5EF4-FFF2-40B4-BE49-F238E27FC236}">
+                  <a16:creationId xmlns:a16="http://schemas.microsoft.com/office/drawing/2014/main" id="{F892FBCB-34CA-4C56-80B7-73F531EA3F9C}"/>
+                </a:ext>
+              </a:extLst>
+            </p:cNvPr>
+            <p:cNvSpPr/>
+            <p:nvPr/>
+          </p:nvSpPr>
+          <p:spPr>
+            <a:xfrm>
+              <a:off x="1357745" y="637309"/>
+              <a:ext cx="2336800" cy="322462"/>
+            </a:xfrm>
+            <a:prstGeom prst="rect">
+              <a:avLst/>
+            </a:prstGeom>
+            <a:noFill/>
+            <a:ln>
+              <a:solidFill>
+                <a:schemeClr val="tx1"/>
+              </a:solidFill>
+            </a:ln>
+          </p:spPr>
+          <p:style>
+            <a:lnRef idx="2">
+              <a:schemeClr val="accent1">
+                <a:shade val="50000"/>
+              </a:schemeClr>
+            </a:lnRef>
+            <a:fillRef idx="1">
+              <a:schemeClr val="accent1"/>
+            </a:fillRef>
+            <a:effectRef idx="0">
+              <a:schemeClr val="accent1"/>
+            </a:effectRef>
+            <a:fontRef idx="minor">
+              <a:schemeClr val="lt1"/>
+            </a:fontRef>
+          </p:style>
+          <p:txBody>
+            <a:bodyPr rtlCol="0" anchor="ctr"/>
+            <a:lstStyle/>
+            <a:p>
+              <a:pPr algn="ctr"/>
+              <a:r>
+                <a:rPr lang="en-US" i="1" dirty="0">
+                  <a:solidFill>
+                    <a:schemeClr val="tx1"/>
+                  </a:solidFill>
+                </a:rPr>
+                <a:t>Congeneric</a:t>
+              </a:r>
+            </a:p>
+          </p:txBody>
+        </p:sp>
+      </p:grpSp>
+      <p:grpSp>
+        <p:nvGrpSpPr>
+          <p:cNvPr id="135" name="Group 134">
+            <a:extLst>
+              <a:ext uri="{FF2B5EF4-FFF2-40B4-BE49-F238E27FC236}">
+                <a16:creationId xmlns:a16="http://schemas.microsoft.com/office/drawing/2014/main" id="{7EE268A6-0D89-4C64-A550-AFB9F9C832B4}"/>
+              </a:ext>
+            </a:extLst>
+          </p:cNvPr>
+          <p:cNvGrpSpPr/>
+          <p:nvPr/>
+        </p:nvGrpSpPr>
+        <p:grpSpPr>
+          <a:xfrm>
+            <a:off x="5405046" y="631958"/>
+            <a:ext cx="3539613" cy="2784138"/>
+            <a:chOff x="5405046" y="631958"/>
+            <a:chExt cx="3539613" cy="2784138"/>
+          </a:xfrm>
+        </p:grpSpPr>
+        <p:sp>
+          <p:nvSpPr>
+            <p:cNvPr id="73" name="Oval 72">
+              <a:extLst>
+                <a:ext uri="{FF2B5EF4-FFF2-40B4-BE49-F238E27FC236}">
+                  <a16:creationId xmlns:a16="http://schemas.microsoft.com/office/drawing/2014/main" id="{19D7EE1D-C9AB-4066-AC4C-6B94B9DEE90B}"/>
+                </a:ext>
+              </a:extLst>
+            </p:cNvPr>
+            <p:cNvSpPr/>
+            <p:nvPr/>
+          </p:nvSpPr>
+          <p:spPr>
+            <a:xfrm>
+              <a:off x="7275870" y="1347642"/>
+              <a:ext cx="560435" cy="474406"/>
+            </a:xfrm>
+            <a:prstGeom prst="ellipse">
+              <a:avLst/>
+            </a:prstGeom>
+            <a:noFill/>
+            <a:ln>
+              <a:noFill/>
+            </a:ln>
+          </p:spPr>
+          <p:style>
+            <a:lnRef idx="2">
+              <a:schemeClr val="accent1">
+                <a:shade val="50000"/>
+              </a:schemeClr>
+            </a:lnRef>
+            <a:fillRef idx="1">
+              <a:schemeClr val="accent1"/>
+            </a:fillRef>
+            <a:effectRef idx="0">
+              <a:schemeClr val="accent1"/>
+            </a:effectRef>
+            <a:fontRef idx="minor">
+              <a:schemeClr val="lt1"/>
+            </a:fontRef>
+          </p:style>
+          <p:txBody>
+            <a:bodyPr rtlCol="0" anchor="ctr"/>
+            <a:lstStyle/>
+            <a:p>
+              <a:pPr algn="ctr"/>
+              <a:r>
+                <a:rPr lang="en-US" dirty="0">
+                  <a:solidFill>
+                    <a:schemeClr val="tx1"/>
+                  </a:solidFill>
+                </a:rPr>
+                <a:t>1</a:t>
+              </a:r>
+              <a:endParaRPr lang="en-US" sz="1600" baseline="-25000" dirty="0">
+                <a:solidFill>
+                  <a:schemeClr val="tx1"/>
+                </a:solidFill>
+              </a:endParaRPr>
+            </a:p>
+          </p:txBody>
+        </p:sp>
+        <p:sp>
+          <p:nvSpPr>
+            <p:cNvPr id="74" name="Oval 73">
+              <a:extLst>
+                <a:ext uri="{FF2B5EF4-FFF2-40B4-BE49-F238E27FC236}">
+                  <a16:creationId xmlns:a16="http://schemas.microsoft.com/office/drawing/2014/main" id="{5731E63A-B91B-47E1-A048-7EDF3A540614}"/>
+                </a:ext>
+              </a:extLst>
+            </p:cNvPr>
+            <p:cNvSpPr/>
+            <p:nvPr/>
+          </p:nvSpPr>
+          <p:spPr>
+            <a:xfrm>
+              <a:off x="5944589" y="1234253"/>
+              <a:ext cx="462116" cy="474408"/>
+            </a:xfrm>
+            <a:prstGeom prst="ellipse">
+              <a:avLst/>
+            </a:prstGeom>
+            <a:noFill/>
+            <a:ln>
+              <a:noFill/>
+            </a:ln>
+          </p:spPr>
+          <p:style>
+            <a:lnRef idx="2">
+              <a:schemeClr val="accent1">
+                <a:shade val="50000"/>
+              </a:schemeClr>
+            </a:lnRef>
+            <a:fillRef idx="1">
+              <a:schemeClr val="accent1"/>
+            </a:fillRef>
+            <a:effectRef idx="0">
+              <a:schemeClr val="accent1"/>
+            </a:effectRef>
+            <a:fontRef idx="minor">
+              <a:schemeClr val="lt1"/>
+            </a:fontRef>
+          </p:style>
+          <p:txBody>
+            <a:bodyPr rtlCol="0" anchor="ctr"/>
+            <a:lstStyle/>
+            <a:p>
+              <a:pPr algn="ctr"/>
+              <a:r>
+                <a:rPr lang="en-US" sz="1600" dirty="0">
+                  <a:solidFill>
+                    <a:schemeClr val="tx1"/>
+                  </a:solidFill>
+                </a:rPr>
+                <a:t>1</a:t>
+              </a:r>
+              <a:endParaRPr lang="en-US" sz="1600" baseline="-25000" dirty="0">
+                <a:solidFill>
+                  <a:schemeClr val="tx1"/>
+                </a:solidFill>
+              </a:endParaRPr>
+            </a:p>
+          </p:txBody>
+        </p:sp>
+        <p:sp>
+          <p:nvSpPr>
+            <p:cNvPr id="83" name="Rectangle 82">
+              <a:extLst>
+                <a:ext uri="{FF2B5EF4-FFF2-40B4-BE49-F238E27FC236}">
+                  <a16:creationId xmlns:a16="http://schemas.microsoft.com/office/drawing/2014/main" id="{2787ADAD-1381-4F79-B416-1F8DBD5DD884}"/>
+                </a:ext>
+              </a:extLst>
+            </p:cNvPr>
+            <p:cNvSpPr/>
+            <p:nvPr/>
+          </p:nvSpPr>
+          <p:spPr>
+            <a:xfrm>
+              <a:off x="6208825" y="631958"/>
+              <a:ext cx="2336800" cy="322462"/>
+            </a:xfrm>
+            <a:prstGeom prst="rect">
+              <a:avLst/>
+            </a:prstGeom>
+            <a:noFill/>
+            <a:ln>
+              <a:solidFill>
+                <a:schemeClr val="tx1"/>
+              </a:solidFill>
+            </a:ln>
+          </p:spPr>
+          <p:style>
+            <a:lnRef idx="2">
+              <a:schemeClr val="accent1">
+                <a:shade val="50000"/>
+              </a:schemeClr>
+            </a:lnRef>
+            <a:fillRef idx="1">
+              <a:schemeClr val="accent1"/>
+            </a:fillRef>
+            <a:effectRef idx="0">
+              <a:schemeClr val="accent1"/>
+            </a:effectRef>
+            <a:fontRef idx="minor">
+              <a:schemeClr val="lt1"/>
+            </a:fontRef>
+          </p:style>
+          <p:txBody>
+            <a:bodyPr rtlCol="0" anchor="ctr"/>
+            <a:lstStyle/>
+            <a:p>
+              <a:pPr algn="ctr"/>
+              <a:r>
+                <a:rPr lang="en-US" i="1" dirty="0">
+                  <a:solidFill>
+                    <a:schemeClr val="tx1"/>
+                  </a:solidFill>
+                </a:rPr>
+                <a:t>Tau-equivalence</a:t>
+              </a:r>
+            </a:p>
+          </p:txBody>
+        </p:sp>
+        <p:grpSp>
+          <p:nvGrpSpPr>
+            <p:cNvPr id="109" name="Group 108">
+              <a:extLst>
+                <a:ext uri="{FF2B5EF4-FFF2-40B4-BE49-F238E27FC236}">
+                  <a16:creationId xmlns:a16="http://schemas.microsoft.com/office/drawing/2014/main" id="{98AF43A1-8928-4FAA-8B1B-4E7CA3FECF29}"/>
+                </a:ext>
+              </a:extLst>
+            </p:cNvPr>
+            <p:cNvGrpSpPr/>
+            <p:nvPr/>
+          </p:nvGrpSpPr>
+          <p:grpSpPr>
+            <a:xfrm>
+              <a:off x="5405046" y="1415237"/>
+              <a:ext cx="3539613" cy="2000859"/>
+              <a:chOff x="5405046" y="1415237"/>
+              <a:chExt cx="3539613" cy="2000859"/>
+            </a:xfrm>
+          </p:grpSpPr>
+          <p:sp>
+            <p:nvSpPr>
+              <p:cNvPr id="60" name="Oval 59">
+                <a:extLst>
+                  <a:ext uri="{FF2B5EF4-FFF2-40B4-BE49-F238E27FC236}">
+                    <a16:creationId xmlns:a16="http://schemas.microsoft.com/office/drawing/2014/main" id="{D10BC869-9AB0-43C1-AD1E-52C37C9C39B1}"/>
+                  </a:ext>
+                </a:extLst>
+              </p:cNvPr>
+              <p:cNvSpPr/>
+              <p:nvPr/>
+            </p:nvSpPr>
+            <p:spPr>
+              <a:xfrm>
+                <a:off x="7833614" y="1575013"/>
+                <a:ext cx="1111045" cy="993058"/>
+              </a:xfrm>
+              <a:prstGeom prst="ellipse">
+                <a:avLst/>
+              </a:prstGeom>
+              <a:noFill/>
+              <a:ln>
+                <a:solidFill>
+                  <a:schemeClr val="tx1"/>
+                </a:solidFill>
+              </a:ln>
+            </p:spPr>
+            <p:style>
+              <a:lnRef idx="2">
+                <a:schemeClr val="accent1">
+                  <a:shade val="50000"/>
+                </a:schemeClr>
+              </a:lnRef>
+              <a:fillRef idx="1">
+                <a:schemeClr val="accent1"/>
+              </a:fillRef>
+              <a:effectRef idx="0">
+                <a:schemeClr val="accent1"/>
+              </a:effectRef>
+              <a:fontRef idx="minor">
+                <a:schemeClr val="lt1"/>
+              </a:fontRef>
+            </p:style>
+            <p:txBody>
+              <a:bodyPr rtlCol="0" anchor="ctr"/>
+              <a:lstStyle/>
+              <a:p>
+                <a:pPr algn="ctr"/>
+                <a:r>
+                  <a:rPr lang="en-US" sz="1000" i="1" dirty="0">
+                    <a:solidFill>
+                      <a:schemeClr val="tx1"/>
+                    </a:solidFill>
+                  </a:rPr>
+                  <a:t>Learned </a:t>
+                </a:r>
+                <a:r>
+                  <a:rPr lang="en-US" sz="1000" i="1" dirty="0" err="1">
+                    <a:solidFill>
+                      <a:schemeClr val="tx1"/>
+                    </a:solidFill>
+                  </a:rPr>
+                  <a:t>helplesness</a:t>
+                </a:r>
+                <a:endParaRPr lang="en-US" sz="1000" i="1" dirty="0">
+                  <a:solidFill>
+                    <a:schemeClr val="tx1"/>
+                  </a:solidFill>
+                </a:endParaRPr>
+              </a:p>
+            </p:txBody>
+          </p:sp>
+          <p:sp>
+            <p:nvSpPr>
+              <p:cNvPr id="61" name="Rectangle 60">
+                <a:extLst>
+                  <a:ext uri="{FF2B5EF4-FFF2-40B4-BE49-F238E27FC236}">
+                    <a16:creationId xmlns:a16="http://schemas.microsoft.com/office/drawing/2014/main" id="{9086EF1F-6798-433E-933C-8D4B42EAA44C}"/>
+                  </a:ext>
+                </a:extLst>
+              </p:cNvPr>
+              <p:cNvSpPr/>
+              <p:nvPr/>
+            </p:nvSpPr>
+            <p:spPr>
+              <a:xfrm>
+                <a:off x="6422681" y="1415237"/>
+                <a:ext cx="653845" cy="474407"/>
+              </a:xfrm>
+              <a:prstGeom prst="rect">
+                <a:avLst/>
+              </a:prstGeom>
+              <a:noFill/>
+              <a:ln>
+                <a:solidFill>
+                  <a:schemeClr val="tx1"/>
+                </a:solidFill>
+              </a:ln>
+            </p:spPr>
+            <p:style>
+              <a:lnRef idx="2">
+                <a:schemeClr val="accent1">
+                  <a:shade val="50000"/>
+                </a:schemeClr>
+              </a:lnRef>
+              <a:fillRef idx="1">
+                <a:schemeClr val="accent1"/>
+              </a:fillRef>
+              <a:effectRef idx="0">
+                <a:schemeClr val="accent1"/>
+              </a:effectRef>
+              <a:fontRef idx="minor">
+                <a:schemeClr val="lt1"/>
+              </a:fontRef>
+            </p:style>
+            <p:txBody>
+              <a:bodyPr rtlCol="0" anchor="ctr"/>
+              <a:lstStyle/>
+              <a:p>
+                <a:pPr algn="ctr"/>
+                <a:r>
+                  <a:rPr lang="en-US" sz="1400" dirty="0">
+                    <a:solidFill>
+                      <a:schemeClr val="tx1"/>
+                    </a:solidFill>
+                  </a:rPr>
+                  <a:t>Global</a:t>
+                </a:r>
+              </a:p>
+            </p:txBody>
+          </p:sp>
+          <p:sp>
+            <p:nvSpPr>
+              <p:cNvPr id="62" name="Rectangle 61">
+                <a:extLst>
+                  <a:ext uri="{FF2B5EF4-FFF2-40B4-BE49-F238E27FC236}">
+                    <a16:creationId xmlns:a16="http://schemas.microsoft.com/office/drawing/2014/main" id="{3DA14BE6-53F8-45F3-A055-1FDE41453024}"/>
+                  </a:ext>
+                </a:extLst>
+              </p:cNvPr>
+              <p:cNvSpPr/>
+              <p:nvPr/>
+            </p:nvSpPr>
+            <p:spPr>
+              <a:xfrm>
+                <a:off x="6442346" y="2178463"/>
+                <a:ext cx="653845" cy="474407"/>
+              </a:xfrm>
+              <a:prstGeom prst="rect">
+                <a:avLst/>
+              </a:prstGeom>
+              <a:noFill/>
+              <a:ln>
+                <a:solidFill>
+                  <a:schemeClr val="tx1"/>
+                </a:solidFill>
+              </a:ln>
+            </p:spPr>
+            <p:style>
+              <a:lnRef idx="2">
+                <a:schemeClr val="accent1">
+                  <a:shade val="50000"/>
+                </a:schemeClr>
+              </a:lnRef>
+              <a:fillRef idx="1">
+                <a:schemeClr val="accent1"/>
+              </a:fillRef>
+              <a:effectRef idx="0">
+                <a:schemeClr val="accent1"/>
+              </a:effectRef>
+              <a:fontRef idx="minor">
+                <a:schemeClr val="lt1"/>
+              </a:fontRef>
+            </p:style>
+            <p:txBody>
+              <a:bodyPr rtlCol="0" anchor="ctr"/>
+              <a:lstStyle/>
+              <a:p>
+                <a:pPr algn="ctr"/>
+                <a:r>
+                  <a:rPr lang="en-US" sz="1100" dirty="0">
+                    <a:solidFill>
+                      <a:schemeClr val="tx1"/>
+                    </a:solidFill>
+                  </a:rPr>
+                  <a:t>Stability</a:t>
+                </a:r>
+              </a:p>
+            </p:txBody>
+          </p:sp>
+          <p:sp>
+            <p:nvSpPr>
+              <p:cNvPr id="63" name="Rectangle 62">
+                <a:extLst>
+                  <a:ext uri="{FF2B5EF4-FFF2-40B4-BE49-F238E27FC236}">
+                    <a16:creationId xmlns:a16="http://schemas.microsoft.com/office/drawing/2014/main" id="{E8FEEF62-0B5D-4827-BA72-F7E1EA13FE0C}"/>
+                  </a:ext>
+                </a:extLst>
+              </p:cNvPr>
+              <p:cNvSpPr/>
+              <p:nvPr/>
+            </p:nvSpPr>
+            <p:spPr>
+              <a:xfrm>
+                <a:off x="6442346" y="2941689"/>
+                <a:ext cx="653845" cy="474407"/>
+              </a:xfrm>
+              <a:prstGeom prst="rect">
+                <a:avLst/>
+              </a:prstGeom>
+              <a:noFill/>
+              <a:ln>
+                <a:solidFill>
+                  <a:schemeClr val="tx1"/>
+                </a:solidFill>
+              </a:ln>
+            </p:spPr>
+            <p:style>
+              <a:lnRef idx="2">
+                <a:schemeClr val="accent1">
+                  <a:shade val="50000"/>
+                </a:schemeClr>
+              </a:lnRef>
+              <a:fillRef idx="1">
+                <a:schemeClr val="accent1"/>
+              </a:fillRef>
+              <a:effectRef idx="0">
+                <a:schemeClr val="accent1"/>
+              </a:effectRef>
+              <a:fontRef idx="minor">
+                <a:schemeClr val="lt1"/>
+              </a:fontRef>
+            </p:style>
+            <p:txBody>
+              <a:bodyPr rtlCol="0" anchor="ctr"/>
+              <a:lstStyle/>
+              <a:p>
+                <a:pPr algn="ctr"/>
+                <a:r>
+                  <a:rPr lang="en-US" sz="1100" dirty="0">
+                    <a:solidFill>
+                      <a:schemeClr val="tx1"/>
+                    </a:solidFill>
+                  </a:rPr>
+                  <a:t>External</a:t>
+                </a:r>
+              </a:p>
+            </p:txBody>
+          </p:sp>
+          <p:cxnSp>
+            <p:nvCxnSpPr>
+              <p:cNvPr id="64" name="Straight Arrow Connector 63">
+                <a:extLst>
+                  <a:ext uri="{FF2B5EF4-FFF2-40B4-BE49-F238E27FC236}">
+                    <a16:creationId xmlns:a16="http://schemas.microsoft.com/office/drawing/2014/main" id="{003F434F-6154-4852-8AE1-C41231949DEB}"/>
+                  </a:ext>
+                </a:extLst>
+              </p:cNvPr>
+              <p:cNvCxnSpPr>
+                <a:cxnSpLocks/>
+                <a:stCxn id="60" idx="2"/>
+                <a:endCxn id="61" idx="3"/>
+              </p:cNvCxnSpPr>
+              <p:nvPr/>
+            </p:nvCxnSpPr>
+            <p:spPr>
+              <a:xfrm flipH="1" flipV="1">
+                <a:off x="7076526" y="1652441"/>
+                <a:ext cx="757088" cy="419101"/>
+              </a:xfrm>
+              <a:prstGeom prst="straightConnector1">
+                <a:avLst/>
+              </a:prstGeom>
+              <a:ln>
+                <a:solidFill>
+                  <a:schemeClr val="tx1"/>
+                </a:solidFill>
+                <a:tailEnd type="triangle"/>
+              </a:ln>
+            </p:spPr>
+            <p:style>
+              <a:lnRef idx="1">
+                <a:schemeClr val="accent1"/>
+              </a:lnRef>
+              <a:fillRef idx="0">
+                <a:schemeClr val="accent1"/>
+              </a:fillRef>
+              <a:effectRef idx="0">
+                <a:schemeClr val="accent1"/>
+              </a:effectRef>
+              <a:fontRef idx="minor">
+                <a:schemeClr val="tx1"/>
+              </a:fontRef>
+            </p:style>
+          </p:cxnSp>
+          <p:cxnSp>
+            <p:nvCxnSpPr>
+              <p:cNvPr id="65" name="Straight Arrow Connector 64">
+                <a:extLst>
+                  <a:ext uri="{FF2B5EF4-FFF2-40B4-BE49-F238E27FC236}">
+                    <a16:creationId xmlns:a16="http://schemas.microsoft.com/office/drawing/2014/main" id="{12206C45-FCC6-4632-93F9-DB7837EB66D3}"/>
+                  </a:ext>
+                </a:extLst>
+              </p:cNvPr>
+              <p:cNvCxnSpPr>
+                <a:cxnSpLocks/>
+                <a:stCxn id="60" idx="2"/>
+                <a:endCxn id="62" idx="3"/>
+              </p:cNvCxnSpPr>
+              <p:nvPr/>
+            </p:nvCxnSpPr>
+            <p:spPr>
+              <a:xfrm flipH="1">
+                <a:off x="7096191" y="2071542"/>
+                <a:ext cx="737423" cy="344125"/>
+              </a:xfrm>
+              <a:prstGeom prst="straightConnector1">
+                <a:avLst/>
+              </a:prstGeom>
+              <a:ln>
+                <a:solidFill>
+                  <a:schemeClr val="tx1"/>
+                </a:solidFill>
+                <a:tailEnd type="triangle"/>
+              </a:ln>
+            </p:spPr>
+            <p:style>
+              <a:lnRef idx="1">
+                <a:schemeClr val="accent1"/>
+              </a:lnRef>
+              <a:fillRef idx="0">
+                <a:schemeClr val="accent1"/>
+              </a:fillRef>
+              <a:effectRef idx="0">
+                <a:schemeClr val="accent1"/>
+              </a:effectRef>
+              <a:fontRef idx="minor">
+                <a:schemeClr val="tx1"/>
+              </a:fontRef>
+            </p:style>
+          </p:cxnSp>
+          <p:cxnSp>
+            <p:nvCxnSpPr>
+              <p:cNvPr id="66" name="Straight Arrow Connector 65">
+                <a:extLst>
+                  <a:ext uri="{FF2B5EF4-FFF2-40B4-BE49-F238E27FC236}">
+                    <a16:creationId xmlns:a16="http://schemas.microsoft.com/office/drawing/2014/main" id="{D378D189-101A-4230-8189-F5031A42142E}"/>
+                  </a:ext>
+                </a:extLst>
+              </p:cNvPr>
+              <p:cNvCxnSpPr>
+                <a:cxnSpLocks/>
+                <a:stCxn id="60" idx="2"/>
+                <a:endCxn id="63" idx="3"/>
+              </p:cNvCxnSpPr>
+              <p:nvPr/>
+            </p:nvCxnSpPr>
+            <p:spPr>
+              <a:xfrm flipH="1">
+                <a:off x="7096191" y="2071542"/>
+                <a:ext cx="737423" cy="1107351"/>
+              </a:xfrm>
+              <a:prstGeom prst="straightConnector1">
+                <a:avLst/>
+              </a:prstGeom>
+              <a:ln>
+                <a:solidFill>
+                  <a:schemeClr val="tx1"/>
+                </a:solidFill>
+                <a:tailEnd type="triangle"/>
+              </a:ln>
+            </p:spPr>
+            <p:style>
+              <a:lnRef idx="1">
+                <a:schemeClr val="accent1"/>
+              </a:lnRef>
+              <a:fillRef idx="0">
+                <a:schemeClr val="accent1"/>
+              </a:fillRef>
+              <a:effectRef idx="0">
+                <a:schemeClr val="accent1"/>
+              </a:effectRef>
+              <a:fontRef idx="minor">
+                <a:schemeClr val="tx1"/>
+              </a:fontRef>
+            </p:style>
+          </p:cxnSp>
+          <p:sp>
+            <p:nvSpPr>
+              <p:cNvPr id="67" name="Oval 66">
+                <a:extLst>
+                  <a:ext uri="{FF2B5EF4-FFF2-40B4-BE49-F238E27FC236}">
+                    <a16:creationId xmlns:a16="http://schemas.microsoft.com/office/drawing/2014/main" id="{FB6F877A-2783-4199-A400-AA64E41BB0D8}"/>
+                  </a:ext>
+                </a:extLst>
+              </p:cNvPr>
+              <p:cNvSpPr/>
+              <p:nvPr/>
+            </p:nvSpPr>
+            <p:spPr>
+              <a:xfrm>
+                <a:off x="5405046" y="1415238"/>
+                <a:ext cx="560435" cy="474406"/>
+              </a:xfrm>
+              <a:prstGeom prst="ellipse">
+                <a:avLst/>
+              </a:prstGeom>
+              <a:noFill/>
+              <a:ln>
+                <a:solidFill>
+                  <a:schemeClr val="tx1"/>
+                </a:solidFill>
+              </a:ln>
+            </p:spPr>
+            <p:style>
+              <a:lnRef idx="2">
+                <a:schemeClr val="accent1">
+                  <a:shade val="50000"/>
+                </a:schemeClr>
+              </a:lnRef>
+              <a:fillRef idx="1">
+                <a:schemeClr val="accent1"/>
+              </a:fillRef>
+              <a:effectRef idx="0">
+                <a:schemeClr val="accent1"/>
+              </a:effectRef>
+              <a:fontRef idx="minor">
+                <a:schemeClr val="lt1"/>
+              </a:fontRef>
+            </p:style>
+            <p:txBody>
+              <a:bodyPr rtlCol="0" anchor="ctr"/>
+              <a:lstStyle/>
+              <a:p>
+                <a:pPr algn="ctr"/>
+                <a:r>
+                  <a:rPr lang="el-GR" sz="1600" dirty="0">
+                    <a:solidFill>
+                      <a:schemeClr val="tx1"/>
+                    </a:solidFill>
+                  </a:rPr>
+                  <a:t>ε</a:t>
+                </a:r>
+                <a:r>
+                  <a:rPr lang="en-US" sz="1600" baseline="-25000" dirty="0">
+                    <a:solidFill>
+                      <a:schemeClr val="tx1"/>
+                    </a:solidFill>
+                  </a:rPr>
+                  <a:t>1</a:t>
+                </a:r>
+              </a:p>
+            </p:txBody>
+          </p:sp>
+          <p:cxnSp>
+            <p:nvCxnSpPr>
+              <p:cNvPr id="68" name="Straight Arrow Connector 67">
+                <a:extLst>
+                  <a:ext uri="{FF2B5EF4-FFF2-40B4-BE49-F238E27FC236}">
+                    <a16:creationId xmlns:a16="http://schemas.microsoft.com/office/drawing/2014/main" id="{EAB27337-EDC3-406E-B003-97F1BA319C7F}"/>
+                  </a:ext>
+                </a:extLst>
+              </p:cNvPr>
+              <p:cNvCxnSpPr>
+                <a:cxnSpLocks/>
+                <a:stCxn id="67" idx="6"/>
+                <a:endCxn id="61" idx="1"/>
+              </p:cNvCxnSpPr>
+              <p:nvPr/>
+            </p:nvCxnSpPr>
+            <p:spPr>
+              <a:xfrm>
+                <a:off x="5965481" y="1652441"/>
+                <a:ext cx="457200" cy="0"/>
+              </a:xfrm>
+              <a:prstGeom prst="straightConnector1">
+                <a:avLst/>
+              </a:prstGeom>
+              <a:ln>
+                <a:solidFill>
+                  <a:schemeClr val="tx1"/>
+                </a:solidFill>
+                <a:tailEnd type="triangle"/>
+              </a:ln>
+            </p:spPr>
+            <p:style>
+              <a:lnRef idx="1">
+                <a:schemeClr val="accent1"/>
+              </a:lnRef>
+              <a:fillRef idx="0">
+                <a:schemeClr val="accent1"/>
+              </a:fillRef>
+              <a:effectRef idx="0">
+                <a:schemeClr val="accent1"/>
+              </a:effectRef>
+              <a:fontRef idx="minor">
+                <a:schemeClr val="tx1"/>
+              </a:fontRef>
+            </p:style>
+          </p:cxnSp>
+          <p:sp>
+            <p:nvSpPr>
+              <p:cNvPr id="69" name="Oval 68">
+                <a:extLst>
+                  <a:ext uri="{FF2B5EF4-FFF2-40B4-BE49-F238E27FC236}">
+                    <a16:creationId xmlns:a16="http://schemas.microsoft.com/office/drawing/2014/main" id="{90210F4D-6013-413B-BC9B-B458A4001292}"/>
+                  </a:ext>
+                </a:extLst>
+              </p:cNvPr>
+              <p:cNvSpPr/>
+              <p:nvPr/>
+            </p:nvSpPr>
+            <p:spPr>
+              <a:xfrm>
+                <a:off x="5412418" y="2178464"/>
+                <a:ext cx="560435" cy="474406"/>
+              </a:xfrm>
+              <a:prstGeom prst="ellipse">
+                <a:avLst/>
+              </a:prstGeom>
+              <a:noFill/>
+              <a:ln>
+                <a:solidFill>
+                  <a:schemeClr val="tx1"/>
+                </a:solidFill>
+              </a:ln>
+            </p:spPr>
+            <p:style>
+              <a:lnRef idx="2">
+                <a:schemeClr val="accent1">
+                  <a:shade val="50000"/>
+                </a:schemeClr>
+              </a:lnRef>
+              <a:fillRef idx="1">
+                <a:schemeClr val="accent1"/>
+              </a:fillRef>
+              <a:effectRef idx="0">
+                <a:schemeClr val="accent1"/>
+              </a:effectRef>
+              <a:fontRef idx="minor">
+                <a:schemeClr val="lt1"/>
+              </a:fontRef>
+            </p:style>
+            <p:txBody>
+              <a:bodyPr rtlCol="0" anchor="ctr"/>
+              <a:lstStyle/>
+              <a:p>
+                <a:pPr algn="ctr"/>
+                <a:r>
+                  <a:rPr lang="el-GR" sz="1600" dirty="0">
+                    <a:solidFill>
+                      <a:schemeClr val="tx1"/>
+                    </a:solidFill>
+                  </a:rPr>
+                  <a:t>ε</a:t>
+                </a:r>
+                <a:r>
+                  <a:rPr lang="en-US" sz="1600" baseline="-25000" dirty="0">
+                    <a:solidFill>
+                      <a:schemeClr val="tx1"/>
+                    </a:solidFill>
+                  </a:rPr>
+                  <a:t>2</a:t>
+                </a:r>
+              </a:p>
+            </p:txBody>
+          </p:sp>
+          <p:cxnSp>
+            <p:nvCxnSpPr>
+              <p:cNvPr id="70" name="Straight Arrow Connector 69">
+                <a:extLst>
+                  <a:ext uri="{FF2B5EF4-FFF2-40B4-BE49-F238E27FC236}">
+                    <a16:creationId xmlns:a16="http://schemas.microsoft.com/office/drawing/2014/main" id="{3CBB8A6F-5568-41D7-96E6-B2E84B98B519}"/>
+                  </a:ext>
+                </a:extLst>
+              </p:cNvPr>
+              <p:cNvCxnSpPr>
+                <a:cxnSpLocks/>
+                <a:stCxn id="69" idx="6"/>
+              </p:cNvCxnSpPr>
+              <p:nvPr/>
+            </p:nvCxnSpPr>
+            <p:spPr>
+              <a:xfrm>
+                <a:off x="5972853" y="2415667"/>
+                <a:ext cx="457200" cy="0"/>
+              </a:xfrm>
+              <a:prstGeom prst="straightConnector1">
+                <a:avLst/>
+              </a:prstGeom>
+              <a:ln>
+                <a:solidFill>
+                  <a:schemeClr val="tx1"/>
+                </a:solidFill>
+                <a:tailEnd type="triangle"/>
+              </a:ln>
+            </p:spPr>
+            <p:style>
+              <a:lnRef idx="1">
+                <a:schemeClr val="accent1"/>
+              </a:lnRef>
+              <a:fillRef idx="0">
+                <a:schemeClr val="accent1"/>
+              </a:fillRef>
+              <a:effectRef idx="0">
+                <a:schemeClr val="accent1"/>
+              </a:effectRef>
+              <a:fontRef idx="minor">
+                <a:schemeClr val="tx1"/>
+              </a:fontRef>
+            </p:style>
+          </p:cxnSp>
+          <p:sp>
+            <p:nvSpPr>
+              <p:cNvPr id="71" name="Oval 70">
+                <a:extLst>
+                  <a:ext uri="{FF2B5EF4-FFF2-40B4-BE49-F238E27FC236}">
+                    <a16:creationId xmlns:a16="http://schemas.microsoft.com/office/drawing/2014/main" id="{8531504F-FBA3-4B4B-BF87-00598DC94261}"/>
+                  </a:ext>
+                </a:extLst>
+              </p:cNvPr>
+              <p:cNvSpPr/>
+              <p:nvPr/>
+            </p:nvSpPr>
+            <p:spPr>
+              <a:xfrm>
+                <a:off x="5419790" y="2941688"/>
+                <a:ext cx="560435" cy="474406"/>
+              </a:xfrm>
+              <a:prstGeom prst="ellipse">
+                <a:avLst/>
+              </a:prstGeom>
+              <a:noFill/>
+              <a:ln>
+                <a:solidFill>
+                  <a:schemeClr val="tx1"/>
+                </a:solidFill>
+              </a:ln>
+            </p:spPr>
+            <p:style>
+              <a:lnRef idx="2">
+                <a:schemeClr val="accent1">
+                  <a:shade val="50000"/>
+                </a:schemeClr>
+              </a:lnRef>
+              <a:fillRef idx="1">
+                <a:schemeClr val="accent1"/>
+              </a:fillRef>
+              <a:effectRef idx="0">
+                <a:schemeClr val="accent1"/>
+              </a:effectRef>
+              <a:fontRef idx="minor">
+                <a:schemeClr val="lt1"/>
+              </a:fontRef>
+            </p:style>
+            <p:txBody>
+              <a:bodyPr rtlCol="0" anchor="ctr"/>
+              <a:lstStyle/>
+              <a:p>
+                <a:pPr algn="ctr"/>
+                <a:r>
+                  <a:rPr lang="el-GR" sz="1600" dirty="0">
+                    <a:solidFill>
+                      <a:schemeClr val="tx1"/>
+                    </a:solidFill>
+                  </a:rPr>
+                  <a:t>ε</a:t>
+                </a:r>
+                <a:r>
+                  <a:rPr lang="en-US" sz="1600" baseline="-25000" dirty="0">
+                    <a:solidFill>
+                      <a:schemeClr val="tx1"/>
+                    </a:solidFill>
+                  </a:rPr>
+                  <a:t>3</a:t>
+                </a:r>
+              </a:p>
+            </p:txBody>
+          </p:sp>
+          <p:cxnSp>
+            <p:nvCxnSpPr>
+              <p:cNvPr id="72" name="Straight Arrow Connector 71">
+                <a:extLst>
+                  <a:ext uri="{FF2B5EF4-FFF2-40B4-BE49-F238E27FC236}">
+                    <a16:creationId xmlns:a16="http://schemas.microsoft.com/office/drawing/2014/main" id="{A15743B1-1358-4ED1-91BC-783FE0893326}"/>
+                  </a:ext>
+                </a:extLst>
+              </p:cNvPr>
+              <p:cNvCxnSpPr>
+                <a:cxnSpLocks/>
+                <a:stCxn id="71" idx="6"/>
+              </p:cNvCxnSpPr>
+              <p:nvPr/>
+            </p:nvCxnSpPr>
+            <p:spPr>
+              <a:xfrm>
+                <a:off x="5980225" y="3178891"/>
+                <a:ext cx="457200" cy="0"/>
+              </a:xfrm>
+              <a:prstGeom prst="straightConnector1">
+                <a:avLst/>
+              </a:prstGeom>
+              <a:ln>
+                <a:solidFill>
+                  <a:schemeClr val="tx1"/>
+                </a:solidFill>
+                <a:tailEnd type="triangle"/>
+              </a:ln>
+            </p:spPr>
+            <p:style>
+              <a:lnRef idx="1">
+                <a:schemeClr val="accent1"/>
+              </a:lnRef>
+              <a:fillRef idx="0">
+                <a:schemeClr val="accent1"/>
+              </a:fillRef>
+              <a:effectRef idx="0">
+                <a:schemeClr val="accent1"/>
+              </a:effectRef>
+              <a:fontRef idx="minor">
+                <a:schemeClr val="tx1"/>
+              </a:fontRef>
+            </p:style>
+          </p:cxnSp>
+          <p:sp>
+            <p:nvSpPr>
+              <p:cNvPr id="75" name="Oval 74">
+                <a:extLst>
+                  <a:ext uri="{FF2B5EF4-FFF2-40B4-BE49-F238E27FC236}">
+                    <a16:creationId xmlns:a16="http://schemas.microsoft.com/office/drawing/2014/main" id="{62D6A076-1D39-456F-BCD1-2600616B3CA0}"/>
+                  </a:ext>
+                </a:extLst>
+              </p:cNvPr>
+              <p:cNvSpPr/>
+              <p:nvPr/>
+            </p:nvSpPr>
+            <p:spPr>
+              <a:xfrm>
+                <a:off x="5941005" y="2034052"/>
+                <a:ext cx="462116" cy="474408"/>
+              </a:xfrm>
+              <a:prstGeom prst="ellipse">
+                <a:avLst/>
+              </a:prstGeom>
+              <a:noFill/>
+              <a:ln>
+                <a:noFill/>
+              </a:ln>
+            </p:spPr>
+            <p:style>
+              <a:lnRef idx="2">
+                <a:schemeClr val="accent1">
+                  <a:shade val="50000"/>
+                </a:schemeClr>
+              </a:lnRef>
+              <a:fillRef idx="1">
+                <a:schemeClr val="accent1"/>
+              </a:fillRef>
+              <a:effectRef idx="0">
+                <a:schemeClr val="accent1"/>
+              </a:effectRef>
+              <a:fontRef idx="minor">
+                <a:schemeClr val="lt1"/>
+              </a:fontRef>
+            </p:style>
+            <p:txBody>
+              <a:bodyPr rtlCol="0" anchor="ctr"/>
+              <a:lstStyle/>
+              <a:p>
+                <a:pPr algn="ctr"/>
+                <a:r>
+                  <a:rPr lang="en-US" sz="1600" dirty="0">
+                    <a:solidFill>
+                      <a:schemeClr val="tx1"/>
+                    </a:solidFill>
+                  </a:rPr>
+                  <a:t>1</a:t>
+                </a:r>
+                <a:endParaRPr lang="en-US" sz="1600" baseline="-25000" dirty="0">
+                  <a:solidFill>
+                    <a:schemeClr val="tx1"/>
+                  </a:solidFill>
+                </a:endParaRPr>
+              </a:p>
+            </p:txBody>
+          </p:sp>
+          <p:sp>
+            <p:nvSpPr>
+              <p:cNvPr id="76" name="Oval 75">
+                <a:extLst>
+                  <a:ext uri="{FF2B5EF4-FFF2-40B4-BE49-F238E27FC236}">
+                    <a16:creationId xmlns:a16="http://schemas.microsoft.com/office/drawing/2014/main" id="{343CA77B-E9C7-4B21-B2EA-8F4EED8F348F}"/>
+                  </a:ext>
+                </a:extLst>
+              </p:cNvPr>
+              <p:cNvSpPr/>
+              <p:nvPr/>
+            </p:nvSpPr>
+            <p:spPr>
+              <a:xfrm>
+                <a:off x="5956389" y="2805840"/>
+                <a:ext cx="462116" cy="474408"/>
+              </a:xfrm>
+              <a:prstGeom prst="ellipse">
+                <a:avLst/>
+              </a:prstGeom>
+              <a:noFill/>
+              <a:ln>
+                <a:noFill/>
+              </a:ln>
+            </p:spPr>
+            <p:style>
+              <a:lnRef idx="2">
+                <a:schemeClr val="accent1">
+                  <a:shade val="50000"/>
+                </a:schemeClr>
+              </a:lnRef>
+              <a:fillRef idx="1">
+                <a:schemeClr val="accent1"/>
+              </a:fillRef>
+              <a:effectRef idx="0">
+                <a:schemeClr val="accent1"/>
+              </a:effectRef>
+              <a:fontRef idx="minor">
+                <a:schemeClr val="lt1"/>
+              </a:fontRef>
+            </p:style>
+            <p:txBody>
+              <a:bodyPr rtlCol="0" anchor="ctr"/>
+              <a:lstStyle/>
+              <a:p>
+                <a:pPr algn="ctr"/>
+                <a:r>
+                  <a:rPr lang="en-US" sz="1600" dirty="0">
+                    <a:solidFill>
+                      <a:schemeClr val="tx1"/>
+                    </a:solidFill>
+                  </a:rPr>
+                  <a:t>1</a:t>
+                </a:r>
+                <a:endParaRPr lang="en-US" sz="1600" baseline="-25000" dirty="0">
+                  <a:solidFill>
+                    <a:schemeClr val="tx1"/>
+                  </a:solidFill>
+                </a:endParaRPr>
+              </a:p>
+            </p:txBody>
+          </p:sp>
+          <p:sp>
+            <p:nvSpPr>
+              <p:cNvPr id="85" name="Oval 84">
+                <a:extLst>
+                  <a:ext uri="{FF2B5EF4-FFF2-40B4-BE49-F238E27FC236}">
+                    <a16:creationId xmlns:a16="http://schemas.microsoft.com/office/drawing/2014/main" id="{B627FF6B-A8B4-4DF9-9868-DFB300511D2B}"/>
+                  </a:ext>
+                </a:extLst>
+              </p:cNvPr>
+              <p:cNvSpPr/>
+              <p:nvPr/>
+            </p:nvSpPr>
+            <p:spPr>
+              <a:xfrm>
+                <a:off x="7175027" y="1850768"/>
+                <a:ext cx="462116" cy="474408"/>
+              </a:xfrm>
+              <a:prstGeom prst="ellipse">
+                <a:avLst/>
+              </a:prstGeom>
+              <a:noFill/>
+              <a:ln>
+                <a:noFill/>
+              </a:ln>
+            </p:spPr>
+            <p:style>
+              <a:lnRef idx="2">
+                <a:schemeClr val="accent1">
+                  <a:shade val="50000"/>
+                </a:schemeClr>
+              </a:lnRef>
+              <a:fillRef idx="1">
+                <a:schemeClr val="accent1"/>
+              </a:fillRef>
+              <a:effectRef idx="0">
+                <a:schemeClr val="accent1"/>
+              </a:effectRef>
+              <a:fontRef idx="minor">
+                <a:schemeClr val="lt1"/>
+              </a:fontRef>
+            </p:style>
+            <p:txBody>
+              <a:bodyPr rtlCol="0" anchor="ctr"/>
+              <a:lstStyle/>
+              <a:p>
+                <a:pPr algn="ctr"/>
+                <a:r>
+                  <a:rPr lang="en-US" sz="1600" dirty="0">
+                    <a:solidFill>
+                      <a:schemeClr val="tx1"/>
+                    </a:solidFill>
+                  </a:rPr>
+                  <a:t>a</a:t>
+                </a:r>
+                <a:endParaRPr lang="en-US" sz="1600" baseline="-25000" dirty="0">
+                  <a:solidFill>
+                    <a:schemeClr val="tx1"/>
+                  </a:solidFill>
+                </a:endParaRPr>
+              </a:p>
+            </p:txBody>
+          </p:sp>
+          <p:sp>
+            <p:nvSpPr>
+              <p:cNvPr id="86" name="Oval 85">
+                <a:extLst>
+                  <a:ext uri="{FF2B5EF4-FFF2-40B4-BE49-F238E27FC236}">
+                    <a16:creationId xmlns:a16="http://schemas.microsoft.com/office/drawing/2014/main" id="{FB75E424-F903-442E-B95A-77C807D1132A}"/>
+                  </a:ext>
+                </a:extLst>
+              </p:cNvPr>
+              <p:cNvSpPr/>
+              <p:nvPr/>
+            </p:nvSpPr>
+            <p:spPr>
+              <a:xfrm>
+                <a:off x="7104729" y="2337466"/>
+                <a:ext cx="462116" cy="474408"/>
+              </a:xfrm>
+              <a:prstGeom prst="ellipse">
+                <a:avLst/>
+              </a:prstGeom>
+              <a:noFill/>
+              <a:ln>
+                <a:noFill/>
+              </a:ln>
+            </p:spPr>
+            <p:style>
+              <a:lnRef idx="2">
+                <a:schemeClr val="accent1">
+                  <a:shade val="50000"/>
+                </a:schemeClr>
+              </a:lnRef>
+              <a:fillRef idx="1">
+                <a:schemeClr val="accent1"/>
+              </a:fillRef>
+              <a:effectRef idx="0">
+                <a:schemeClr val="accent1"/>
+              </a:effectRef>
+              <a:fontRef idx="minor">
+                <a:schemeClr val="lt1"/>
+              </a:fontRef>
+            </p:style>
+            <p:txBody>
+              <a:bodyPr rtlCol="0" anchor="ctr"/>
+              <a:lstStyle/>
+              <a:p>
+                <a:pPr algn="ctr"/>
+                <a:r>
+                  <a:rPr lang="en-US" sz="1600" dirty="0">
+                    <a:solidFill>
+                      <a:schemeClr val="tx1"/>
+                    </a:solidFill>
+                  </a:rPr>
+                  <a:t>a</a:t>
+                </a:r>
+                <a:endParaRPr lang="en-US" sz="1600" baseline="-25000" dirty="0">
+                  <a:solidFill>
+                    <a:schemeClr val="tx1"/>
+                  </a:solidFill>
+                </a:endParaRPr>
+              </a:p>
+            </p:txBody>
+          </p:sp>
+        </p:grpSp>
+      </p:grpSp>
+      <p:grpSp>
+        <p:nvGrpSpPr>
+          <p:cNvPr id="137" name="Group 136">
+            <a:extLst>
+              <a:ext uri="{FF2B5EF4-FFF2-40B4-BE49-F238E27FC236}">
+                <a16:creationId xmlns:a16="http://schemas.microsoft.com/office/drawing/2014/main" id="{839023C7-E8D2-4B1D-A6BE-9781D3DF2790}"/>
+              </a:ext>
+            </a:extLst>
+          </p:cNvPr>
+          <p:cNvGrpSpPr/>
+          <p:nvPr/>
+        </p:nvGrpSpPr>
+        <p:grpSpPr>
+          <a:xfrm>
+            <a:off x="2858628" y="3695765"/>
+            <a:ext cx="3890975" cy="2711452"/>
+            <a:chOff x="2858628" y="3695765"/>
+            <a:chExt cx="3890975" cy="2711452"/>
+          </a:xfrm>
+        </p:grpSpPr>
+        <p:sp>
+          <p:nvSpPr>
+            <p:cNvPr id="84" name="Rectangle 83">
+              <a:extLst>
+                <a:ext uri="{FF2B5EF4-FFF2-40B4-BE49-F238E27FC236}">
+                  <a16:creationId xmlns:a16="http://schemas.microsoft.com/office/drawing/2014/main" id="{DFB45A39-3127-4B0E-BBDD-FC750732B94E}"/>
+                </a:ext>
+              </a:extLst>
+            </p:cNvPr>
+            <p:cNvSpPr/>
+            <p:nvPr/>
+          </p:nvSpPr>
+          <p:spPr>
+            <a:xfrm>
+              <a:off x="3694545" y="6084755"/>
+              <a:ext cx="2336800" cy="322462"/>
+            </a:xfrm>
+            <a:prstGeom prst="rect">
+              <a:avLst/>
+            </a:prstGeom>
+            <a:noFill/>
+            <a:ln>
+              <a:solidFill>
+                <a:schemeClr val="tx1"/>
+              </a:solidFill>
+            </a:ln>
+          </p:spPr>
+          <p:style>
+            <a:lnRef idx="2">
+              <a:schemeClr val="accent1">
+                <a:shade val="50000"/>
+              </a:schemeClr>
+            </a:lnRef>
+            <a:fillRef idx="1">
+              <a:schemeClr val="accent1"/>
+            </a:fillRef>
+            <a:effectRef idx="0">
+              <a:schemeClr val="accent1"/>
+            </a:effectRef>
+            <a:fontRef idx="minor">
+              <a:schemeClr val="lt1"/>
+            </a:fontRef>
+          </p:style>
+          <p:txBody>
+            <a:bodyPr rtlCol="0" anchor="ctr"/>
+            <a:lstStyle/>
+            <a:p>
+              <a:pPr algn="ctr"/>
+              <a:r>
+                <a:rPr lang="en-US" i="1" dirty="0">
+                  <a:solidFill>
+                    <a:schemeClr val="tx1"/>
+                  </a:solidFill>
+                </a:rPr>
+                <a:t>Parallel</a:t>
+              </a:r>
+            </a:p>
+          </p:txBody>
+        </p:sp>
+        <p:grpSp>
+          <p:nvGrpSpPr>
+            <p:cNvPr id="110" name="Group 109">
+              <a:extLst>
+                <a:ext uri="{FF2B5EF4-FFF2-40B4-BE49-F238E27FC236}">
+                  <a16:creationId xmlns:a16="http://schemas.microsoft.com/office/drawing/2014/main" id="{3604EF05-2203-4062-9C3E-5E0477B8285A}"/>
+                </a:ext>
+              </a:extLst>
+            </p:cNvPr>
+            <p:cNvGrpSpPr/>
+            <p:nvPr/>
+          </p:nvGrpSpPr>
+          <p:grpSpPr>
+            <a:xfrm>
+              <a:off x="3209990" y="3880339"/>
+              <a:ext cx="3539613" cy="2000859"/>
+              <a:chOff x="5405046" y="1415237"/>
+              <a:chExt cx="3539613" cy="2000859"/>
+            </a:xfrm>
+          </p:grpSpPr>
+          <p:sp>
+            <p:nvSpPr>
+              <p:cNvPr id="111" name="Oval 110">
+                <a:extLst>
+                  <a:ext uri="{FF2B5EF4-FFF2-40B4-BE49-F238E27FC236}">
+                    <a16:creationId xmlns:a16="http://schemas.microsoft.com/office/drawing/2014/main" id="{06961B4C-7FB0-4050-8DB6-420593592225}"/>
+                  </a:ext>
+                </a:extLst>
+              </p:cNvPr>
+              <p:cNvSpPr/>
+              <p:nvPr/>
+            </p:nvSpPr>
+            <p:spPr>
+              <a:xfrm>
+                <a:off x="7833614" y="1575013"/>
+                <a:ext cx="1111045" cy="993058"/>
+              </a:xfrm>
+              <a:prstGeom prst="ellipse">
+                <a:avLst/>
+              </a:prstGeom>
+              <a:noFill/>
+              <a:ln>
+                <a:solidFill>
+                  <a:schemeClr val="tx1"/>
+                </a:solidFill>
+              </a:ln>
+            </p:spPr>
+            <p:style>
+              <a:lnRef idx="2">
+                <a:schemeClr val="accent1">
+                  <a:shade val="50000"/>
+                </a:schemeClr>
+              </a:lnRef>
+              <a:fillRef idx="1">
+                <a:schemeClr val="accent1"/>
+              </a:fillRef>
+              <a:effectRef idx="0">
+                <a:schemeClr val="accent1"/>
+              </a:effectRef>
+              <a:fontRef idx="minor">
+                <a:schemeClr val="lt1"/>
+              </a:fontRef>
+            </p:style>
+            <p:txBody>
+              <a:bodyPr rtlCol="0" anchor="ctr"/>
+              <a:lstStyle/>
+              <a:p>
+                <a:pPr algn="ctr"/>
+                <a:r>
+                  <a:rPr lang="en-US" sz="1000" i="1" dirty="0">
+                    <a:solidFill>
+                      <a:schemeClr val="tx1"/>
+                    </a:solidFill>
+                  </a:rPr>
+                  <a:t>Learned </a:t>
+                </a:r>
+                <a:r>
+                  <a:rPr lang="en-US" sz="1000" i="1" dirty="0" err="1">
+                    <a:solidFill>
+                      <a:schemeClr val="tx1"/>
+                    </a:solidFill>
+                  </a:rPr>
+                  <a:t>helplesness</a:t>
+                </a:r>
+                <a:endParaRPr lang="en-US" sz="1000" i="1" dirty="0">
+                  <a:solidFill>
+                    <a:schemeClr val="tx1"/>
+                  </a:solidFill>
+                </a:endParaRPr>
+              </a:p>
+            </p:txBody>
+          </p:sp>
+          <p:sp>
+            <p:nvSpPr>
+              <p:cNvPr id="112" name="Rectangle 111">
+                <a:extLst>
+                  <a:ext uri="{FF2B5EF4-FFF2-40B4-BE49-F238E27FC236}">
+                    <a16:creationId xmlns:a16="http://schemas.microsoft.com/office/drawing/2014/main" id="{830238A7-91C0-4072-8AA8-8602729BC6DB}"/>
+                  </a:ext>
+                </a:extLst>
+              </p:cNvPr>
+              <p:cNvSpPr/>
+              <p:nvPr/>
+            </p:nvSpPr>
+            <p:spPr>
+              <a:xfrm>
+                <a:off x="6422681" y="1415237"/>
+                <a:ext cx="653845" cy="474407"/>
+              </a:xfrm>
+              <a:prstGeom prst="rect">
+                <a:avLst/>
+              </a:prstGeom>
+              <a:noFill/>
+              <a:ln>
+                <a:solidFill>
+                  <a:schemeClr val="tx1"/>
+                </a:solidFill>
+              </a:ln>
+            </p:spPr>
+            <p:style>
+              <a:lnRef idx="2">
+                <a:schemeClr val="accent1">
+                  <a:shade val="50000"/>
+                </a:schemeClr>
+              </a:lnRef>
+              <a:fillRef idx="1">
+                <a:schemeClr val="accent1"/>
+              </a:fillRef>
+              <a:effectRef idx="0">
+                <a:schemeClr val="accent1"/>
+              </a:effectRef>
+              <a:fontRef idx="minor">
+                <a:schemeClr val="lt1"/>
+              </a:fontRef>
+            </p:style>
+            <p:txBody>
+              <a:bodyPr rtlCol="0" anchor="ctr"/>
+              <a:lstStyle/>
+              <a:p>
+                <a:pPr algn="ctr"/>
+                <a:r>
+                  <a:rPr lang="en-US" sz="1400" dirty="0">
+                    <a:solidFill>
+                      <a:schemeClr val="tx1"/>
+                    </a:solidFill>
+                  </a:rPr>
+                  <a:t>Global</a:t>
+                </a:r>
+              </a:p>
+            </p:txBody>
+          </p:sp>
+          <p:sp>
+            <p:nvSpPr>
+              <p:cNvPr id="113" name="Rectangle 112">
+                <a:extLst>
+                  <a:ext uri="{FF2B5EF4-FFF2-40B4-BE49-F238E27FC236}">
+                    <a16:creationId xmlns:a16="http://schemas.microsoft.com/office/drawing/2014/main" id="{82F1564A-22EB-4E84-A389-DF3AA1A18586}"/>
+                  </a:ext>
+                </a:extLst>
+              </p:cNvPr>
+              <p:cNvSpPr/>
+              <p:nvPr/>
+            </p:nvSpPr>
+            <p:spPr>
+              <a:xfrm>
+                <a:off x="6442346" y="2178463"/>
+                <a:ext cx="653845" cy="474407"/>
+              </a:xfrm>
+              <a:prstGeom prst="rect">
+                <a:avLst/>
+              </a:prstGeom>
+              <a:noFill/>
+              <a:ln>
+                <a:solidFill>
+                  <a:schemeClr val="tx1"/>
+                </a:solidFill>
+              </a:ln>
+            </p:spPr>
+            <p:style>
+              <a:lnRef idx="2">
+                <a:schemeClr val="accent1">
+                  <a:shade val="50000"/>
+                </a:schemeClr>
+              </a:lnRef>
+              <a:fillRef idx="1">
+                <a:schemeClr val="accent1"/>
+              </a:fillRef>
+              <a:effectRef idx="0">
+                <a:schemeClr val="accent1"/>
+              </a:effectRef>
+              <a:fontRef idx="minor">
+                <a:schemeClr val="lt1"/>
+              </a:fontRef>
+            </p:style>
+            <p:txBody>
+              <a:bodyPr rtlCol="0" anchor="ctr"/>
+              <a:lstStyle/>
+              <a:p>
+                <a:pPr algn="ctr"/>
+                <a:r>
+                  <a:rPr lang="en-US" sz="1100" dirty="0">
+                    <a:solidFill>
+                      <a:schemeClr val="tx1"/>
+                    </a:solidFill>
+                  </a:rPr>
+                  <a:t>Stability</a:t>
+                </a:r>
+              </a:p>
+            </p:txBody>
+          </p:sp>
+          <p:sp>
+            <p:nvSpPr>
+              <p:cNvPr id="114" name="Rectangle 113">
+                <a:extLst>
+                  <a:ext uri="{FF2B5EF4-FFF2-40B4-BE49-F238E27FC236}">
+                    <a16:creationId xmlns:a16="http://schemas.microsoft.com/office/drawing/2014/main" id="{E202009B-E67B-43F4-9AD1-C508225872F1}"/>
+                  </a:ext>
+                </a:extLst>
+              </p:cNvPr>
+              <p:cNvSpPr/>
+              <p:nvPr/>
+            </p:nvSpPr>
+            <p:spPr>
+              <a:xfrm>
+                <a:off x="6442346" y="2941689"/>
+                <a:ext cx="653845" cy="474407"/>
+              </a:xfrm>
+              <a:prstGeom prst="rect">
+                <a:avLst/>
+              </a:prstGeom>
+              <a:noFill/>
+              <a:ln>
+                <a:solidFill>
+                  <a:schemeClr val="tx1"/>
+                </a:solidFill>
+              </a:ln>
+            </p:spPr>
+            <p:style>
+              <a:lnRef idx="2">
+                <a:schemeClr val="accent1">
+                  <a:shade val="50000"/>
+                </a:schemeClr>
+              </a:lnRef>
+              <a:fillRef idx="1">
+                <a:schemeClr val="accent1"/>
+              </a:fillRef>
+              <a:effectRef idx="0">
+                <a:schemeClr val="accent1"/>
+              </a:effectRef>
+              <a:fontRef idx="minor">
+                <a:schemeClr val="lt1"/>
+              </a:fontRef>
+            </p:style>
+            <p:txBody>
+              <a:bodyPr rtlCol="0" anchor="ctr"/>
+              <a:lstStyle/>
+              <a:p>
+                <a:pPr algn="ctr"/>
+                <a:r>
+                  <a:rPr lang="en-US" sz="1100" dirty="0">
+                    <a:solidFill>
+                      <a:schemeClr val="tx1"/>
+                    </a:solidFill>
+                  </a:rPr>
+                  <a:t>External</a:t>
+                </a:r>
+              </a:p>
+            </p:txBody>
+          </p:sp>
+          <p:cxnSp>
+            <p:nvCxnSpPr>
+              <p:cNvPr id="115" name="Straight Arrow Connector 114">
+                <a:extLst>
+                  <a:ext uri="{FF2B5EF4-FFF2-40B4-BE49-F238E27FC236}">
+                    <a16:creationId xmlns:a16="http://schemas.microsoft.com/office/drawing/2014/main" id="{864F1586-17BE-4CE5-B7D1-355BAD95BDB1}"/>
+                  </a:ext>
+                </a:extLst>
+              </p:cNvPr>
+              <p:cNvCxnSpPr>
+                <a:cxnSpLocks/>
+                <a:stCxn id="111" idx="2"/>
+                <a:endCxn id="112" idx="3"/>
+              </p:cNvCxnSpPr>
+              <p:nvPr/>
+            </p:nvCxnSpPr>
+            <p:spPr>
+              <a:xfrm flipH="1" flipV="1">
+                <a:off x="7076526" y="1652441"/>
+                <a:ext cx="757088" cy="419101"/>
+              </a:xfrm>
+              <a:prstGeom prst="straightConnector1">
+                <a:avLst/>
+              </a:prstGeom>
+              <a:ln>
+                <a:solidFill>
+                  <a:schemeClr val="tx1"/>
+                </a:solidFill>
+                <a:tailEnd type="triangle"/>
+              </a:ln>
+            </p:spPr>
+            <p:style>
+              <a:lnRef idx="1">
+                <a:schemeClr val="accent1"/>
+              </a:lnRef>
+              <a:fillRef idx="0">
+                <a:schemeClr val="accent1"/>
+              </a:fillRef>
+              <a:effectRef idx="0">
+                <a:schemeClr val="accent1"/>
+              </a:effectRef>
+              <a:fontRef idx="minor">
+                <a:schemeClr val="tx1"/>
+              </a:fontRef>
+            </p:style>
+          </p:cxnSp>
+          <p:cxnSp>
+            <p:nvCxnSpPr>
+              <p:cNvPr id="116" name="Straight Arrow Connector 115">
+                <a:extLst>
+                  <a:ext uri="{FF2B5EF4-FFF2-40B4-BE49-F238E27FC236}">
+                    <a16:creationId xmlns:a16="http://schemas.microsoft.com/office/drawing/2014/main" id="{51AEA639-F23A-4C3A-83CC-43EF676CFD8D}"/>
+                  </a:ext>
+                </a:extLst>
+              </p:cNvPr>
+              <p:cNvCxnSpPr>
+                <a:cxnSpLocks/>
+                <a:stCxn id="111" idx="2"/>
+                <a:endCxn id="113" idx="3"/>
+              </p:cNvCxnSpPr>
+              <p:nvPr/>
+            </p:nvCxnSpPr>
+            <p:spPr>
+              <a:xfrm flipH="1">
+                <a:off x="7096191" y="2071542"/>
+                <a:ext cx="737423" cy="344125"/>
+              </a:xfrm>
+              <a:prstGeom prst="straightConnector1">
+                <a:avLst/>
+              </a:prstGeom>
+              <a:ln>
+                <a:solidFill>
+                  <a:schemeClr val="tx1"/>
+                </a:solidFill>
+                <a:tailEnd type="triangle"/>
+              </a:ln>
+            </p:spPr>
+            <p:style>
+              <a:lnRef idx="1">
+                <a:schemeClr val="accent1"/>
+              </a:lnRef>
+              <a:fillRef idx="0">
+                <a:schemeClr val="accent1"/>
+              </a:fillRef>
+              <a:effectRef idx="0">
+                <a:schemeClr val="accent1"/>
+              </a:effectRef>
+              <a:fontRef idx="minor">
+                <a:schemeClr val="tx1"/>
+              </a:fontRef>
+            </p:style>
+          </p:cxnSp>
+          <p:cxnSp>
+            <p:nvCxnSpPr>
+              <p:cNvPr id="117" name="Straight Arrow Connector 116">
+                <a:extLst>
+                  <a:ext uri="{FF2B5EF4-FFF2-40B4-BE49-F238E27FC236}">
+                    <a16:creationId xmlns:a16="http://schemas.microsoft.com/office/drawing/2014/main" id="{EFDE656D-3965-44C1-BD62-E920F75A464C}"/>
+                  </a:ext>
+                </a:extLst>
+              </p:cNvPr>
+              <p:cNvCxnSpPr>
+                <a:cxnSpLocks/>
+                <a:stCxn id="111" idx="2"/>
+                <a:endCxn id="114" idx="3"/>
+              </p:cNvCxnSpPr>
+              <p:nvPr/>
+            </p:nvCxnSpPr>
+            <p:spPr>
+              <a:xfrm flipH="1">
+                <a:off x="7096191" y="2071542"/>
+                <a:ext cx="737423" cy="1107351"/>
+              </a:xfrm>
+              <a:prstGeom prst="straightConnector1">
+                <a:avLst/>
+              </a:prstGeom>
+              <a:ln>
+                <a:solidFill>
+                  <a:schemeClr val="tx1"/>
+                </a:solidFill>
+                <a:tailEnd type="triangle"/>
+              </a:ln>
+            </p:spPr>
+            <p:style>
+              <a:lnRef idx="1">
+                <a:schemeClr val="accent1"/>
+              </a:lnRef>
+              <a:fillRef idx="0">
+                <a:schemeClr val="accent1"/>
+              </a:fillRef>
+              <a:effectRef idx="0">
+                <a:schemeClr val="accent1"/>
+              </a:effectRef>
+              <a:fontRef idx="minor">
+                <a:schemeClr val="tx1"/>
+              </a:fontRef>
+            </p:style>
+          </p:cxnSp>
+          <p:sp>
+            <p:nvSpPr>
+              <p:cNvPr id="118" name="Oval 117">
+                <a:extLst>
+                  <a:ext uri="{FF2B5EF4-FFF2-40B4-BE49-F238E27FC236}">
+                    <a16:creationId xmlns:a16="http://schemas.microsoft.com/office/drawing/2014/main" id="{EB6442D9-5D4A-43DC-877C-5EE3A0749E90}"/>
+                  </a:ext>
+                </a:extLst>
+              </p:cNvPr>
+              <p:cNvSpPr/>
+              <p:nvPr/>
+            </p:nvSpPr>
+            <p:spPr>
+              <a:xfrm>
+                <a:off x="5405046" y="1415238"/>
+                <a:ext cx="560435" cy="474406"/>
+              </a:xfrm>
+              <a:prstGeom prst="ellipse">
+                <a:avLst/>
+              </a:prstGeom>
+              <a:noFill/>
+              <a:ln>
+                <a:solidFill>
+                  <a:schemeClr val="tx1"/>
+                </a:solidFill>
+              </a:ln>
+            </p:spPr>
+            <p:style>
+              <a:lnRef idx="2">
+                <a:schemeClr val="accent1">
+                  <a:shade val="50000"/>
+                </a:schemeClr>
+              </a:lnRef>
+              <a:fillRef idx="1">
+                <a:schemeClr val="accent1"/>
+              </a:fillRef>
+              <a:effectRef idx="0">
+                <a:schemeClr val="accent1"/>
+              </a:effectRef>
+              <a:fontRef idx="minor">
+                <a:schemeClr val="lt1"/>
+              </a:fontRef>
+            </p:style>
+            <p:txBody>
+              <a:bodyPr rtlCol="0" anchor="ctr"/>
+              <a:lstStyle/>
+              <a:p>
+                <a:pPr algn="ctr"/>
+                <a:r>
+                  <a:rPr lang="el-GR" sz="1600" dirty="0">
+                    <a:solidFill>
+                      <a:schemeClr val="tx1"/>
+                    </a:solidFill>
+                  </a:rPr>
+                  <a:t>ε</a:t>
+                </a:r>
+                <a:r>
+                  <a:rPr lang="en-US" sz="1600" baseline="-25000" dirty="0">
+                    <a:solidFill>
+                      <a:schemeClr val="tx1"/>
+                    </a:solidFill>
+                  </a:rPr>
+                  <a:t>1</a:t>
+                </a:r>
+              </a:p>
+            </p:txBody>
+          </p:sp>
+          <p:cxnSp>
+            <p:nvCxnSpPr>
+              <p:cNvPr id="119" name="Straight Arrow Connector 118">
+                <a:extLst>
+                  <a:ext uri="{FF2B5EF4-FFF2-40B4-BE49-F238E27FC236}">
+                    <a16:creationId xmlns:a16="http://schemas.microsoft.com/office/drawing/2014/main" id="{775E3FAA-9024-4A9B-B270-F678CB6188C9}"/>
+                  </a:ext>
+                </a:extLst>
+              </p:cNvPr>
+              <p:cNvCxnSpPr>
+                <a:cxnSpLocks/>
+                <a:stCxn id="118" idx="6"/>
+                <a:endCxn id="112" idx="1"/>
+              </p:cNvCxnSpPr>
+              <p:nvPr/>
+            </p:nvCxnSpPr>
+            <p:spPr>
+              <a:xfrm>
+                <a:off x="5965481" y="1652441"/>
+                <a:ext cx="457200" cy="0"/>
+              </a:xfrm>
+              <a:prstGeom prst="straightConnector1">
+                <a:avLst/>
+              </a:prstGeom>
+              <a:ln>
+                <a:solidFill>
+                  <a:schemeClr val="tx1"/>
+                </a:solidFill>
+                <a:tailEnd type="triangle"/>
+              </a:ln>
+            </p:spPr>
+            <p:style>
+              <a:lnRef idx="1">
+                <a:schemeClr val="accent1"/>
+              </a:lnRef>
+              <a:fillRef idx="0">
+                <a:schemeClr val="accent1"/>
+              </a:fillRef>
+              <a:effectRef idx="0">
+                <a:schemeClr val="accent1"/>
+              </a:effectRef>
+              <a:fontRef idx="minor">
+                <a:schemeClr val="tx1"/>
+              </a:fontRef>
+            </p:style>
+          </p:cxnSp>
+          <p:sp>
+            <p:nvSpPr>
+              <p:cNvPr id="120" name="Oval 119">
+                <a:extLst>
+                  <a:ext uri="{FF2B5EF4-FFF2-40B4-BE49-F238E27FC236}">
+                    <a16:creationId xmlns:a16="http://schemas.microsoft.com/office/drawing/2014/main" id="{5EDBC4FA-5148-4DDE-8D6A-DDE8A216C1FE}"/>
+                  </a:ext>
+                </a:extLst>
+              </p:cNvPr>
+              <p:cNvSpPr/>
+              <p:nvPr/>
+            </p:nvSpPr>
+            <p:spPr>
+              <a:xfrm>
+                <a:off x="5412418" y="2178464"/>
+                <a:ext cx="560435" cy="474406"/>
+              </a:xfrm>
+              <a:prstGeom prst="ellipse">
+                <a:avLst/>
+              </a:prstGeom>
+              <a:noFill/>
+              <a:ln>
+                <a:solidFill>
+                  <a:schemeClr val="tx1"/>
+                </a:solidFill>
+              </a:ln>
+            </p:spPr>
+            <p:style>
+              <a:lnRef idx="2">
+                <a:schemeClr val="accent1">
+                  <a:shade val="50000"/>
+                </a:schemeClr>
+              </a:lnRef>
+              <a:fillRef idx="1">
+                <a:schemeClr val="accent1"/>
+              </a:fillRef>
+              <a:effectRef idx="0">
+                <a:schemeClr val="accent1"/>
+              </a:effectRef>
+              <a:fontRef idx="minor">
+                <a:schemeClr val="lt1"/>
+              </a:fontRef>
+            </p:style>
+            <p:txBody>
+              <a:bodyPr rtlCol="0" anchor="ctr"/>
+              <a:lstStyle/>
+              <a:p>
+                <a:pPr algn="ctr"/>
+                <a:r>
+                  <a:rPr lang="el-GR" sz="1600" dirty="0">
+                    <a:solidFill>
+                      <a:schemeClr val="tx1"/>
+                    </a:solidFill>
+                  </a:rPr>
+                  <a:t>ε</a:t>
+                </a:r>
+                <a:r>
+                  <a:rPr lang="en-US" sz="1600" baseline="-25000" dirty="0">
+                    <a:solidFill>
+                      <a:schemeClr val="tx1"/>
+                    </a:solidFill>
+                  </a:rPr>
+                  <a:t>2</a:t>
+                </a:r>
+              </a:p>
+            </p:txBody>
+          </p:sp>
+          <p:cxnSp>
+            <p:nvCxnSpPr>
+              <p:cNvPr id="121" name="Straight Arrow Connector 120">
+                <a:extLst>
+                  <a:ext uri="{FF2B5EF4-FFF2-40B4-BE49-F238E27FC236}">
+                    <a16:creationId xmlns:a16="http://schemas.microsoft.com/office/drawing/2014/main" id="{9B2F8EB4-808D-4FDF-9320-6D708C8A5D53}"/>
+                  </a:ext>
+                </a:extLst>
+              </p:cNvPr>
+              <p:cNvCxnSpPr>
+                <a:cxnSpLocks/>
+                <a:stCxn id="120" idx="6"/>
+              </p:cNvCxnSpPr>
+              <p:nvPr/>
+            </p:nvCxnSpPr>
+            <p:spPr>
+              <a:xfrm>
+                <a:off x="5972853" y="2415667"/>
+                <a:ext cx="457200" cy="0"/>
+              </a:xfrm>
+              <a:prstGeom prst="straightConnector1">
+                <a:avLst/>
+              </a:prstGeom>
+              <a:ln>
+                <a:solidFill>
+                  <a:schemeClr val="tx1"/>
+                </a:solidFill>
+                <a:tailEnd type="triangle"/>
+              </a:ln>
+            </p:spPr>
+            <p:style>
+              <a:lnRef idx="1">
+                <a:schemeClr val="accent1"/>
+              </a:lnRef>
+              <a:fillRef idx="0">
+                <a:schemeClr val="accent1"/>
+              </a:fillRef>
+              <a:effectRef idx="0">
+                <a:schemeClr val="accent1"/>
+              </a:effectRef>
+              <a:fontRef idx="minor">
+                <a:schemeClr val="tx1"/>
+              </a:fontRef>
+            </p:style>
+          </p:cxnSp>
+          <p:sp>
+            <p:nvSpPr>
+              <p:cNvPr id="122" name="Oval 121">
+                <a:extLst>
+                  <a:ext uri="{FF2B5EF4-FFF2-40B4-BE49-F238E27FC236}">
+                    <a16:creationId xmlns:a16="http://schemas.microsoft.com/office/drawing/2014/main" id="{C86474FF-FA31-4B2D-8A90-CB444611ACFB}"/>
+                  </a:ext>
+                </a:extLst>
+              </p:cNvPr>
+              <p:cNvSpPr/>
+              <p:nvPr/>
+            </p:nvSpPr>
+            <p:spPr>
+              <a:xfrm>
+                <a:off x="5419790" y="2941688"/>
+                <a:ext cx="560435" cy="474406"/>
+              </a:xfrm>
+              <a:prstGeom prst="ellipse">
+                <a:avLst/>
+              </a:prstGeom>
+              <a:noFill/>
+              <a:ln>
+                <a:solidFill>
+                  <a:schemeClr val="tx1"/>
+                </a:solidFill>
+              </a:ln>
+            </p:spPr>
+            <p:style>
+              <a:lnRef idx="2">
+                <a:schemeClr val="accent1">
+                  <a:shade val="50000"/>
+                </a:schemeClr>
+              </a:lnRef>
+              <a:fillRef idx="1">
+                <a:schemeClr val="accent1"/>
+              </a:fillRef>
+              <a:effectRef idx="0">
+                <a:schemeClr val="accent1"/>
+              </a:effectRef>
+              <a:fontRef idx="minor">
+                <a:schemeClr val="lt1"/>
+              </a:fontRef>
+            </p:style>
+            <p:txBody>
+              <a:bodyPr rtlCol="0" anchor="ctr"/>
+              <a:lstStyle/>
+              <a:p>
+                <a:pPr algn="ctr"/>
+                <a:r>
+                  <a:rPr lang="el-GR" sz="1600" dirty="0">
+                    <a:solidFill>
+                      <a:schemeClr val="tx1"/>
+                    </a:solidFill>
+                  </a:rPr>
+                  <a:t>ε</a:t>
+                </a:r>
+                <a:r>
+                  <a:rPr lang="en-US" sz="1600" baseline="-25000" dirty="0">
+                    <a:solidFill>
+                      <a:schemeClr val="tx1"/>
+                    </a:solidFill>
+                  </a:rPr>
+                  <a:t>3</a:t>
+                </a:r>
+              </a:p>
+            </p:txBody>
+          </p:sp>
+          <p:cxnSp>
+            <p:nvCxnSpPr>
+              <p:cNvPr id="123" name="Straight Arrow Connector 122">
+                <a:extLst>
+                  <a:ext uri="{FF2B5EF4-FFF2-40B4-BE49-F238E27FC236}">
+                    <a16:creationId xmlns:a16="http://schemas.microsoft.com/office/drawing/2014/main" id="{B9B5C001-8A73-44C3-B29E-555B442DFD4B}"/>
+                  </a:ext>
+                </a:extLst>
+              </p:cNvPr>
+              <p:cNvCxnSpPr>
+                <a:cxnSpLocks/>
+                <a:stCxn id="122" idx="6"/>
+              </p:cNvCxnSpPr>
+              <p:nvPr/>
+            </p:nvCxnSpPr>
+            <p:spPr>
+              <a:xfrm>
+                <a:off x="5980225" y="3178891"/>
+                <a:ext cx="457200" cy="0"/>
+              </a:xfrm>
+              <a:prstGeom prst="straightConnector1">
+                <a:avLst/>
+              </a:prstGeom>
+              <a:ln>
+                <a:solidFill>
+                  <a:schemeClr val="tx1"/>
+                </a:solidFill>
+                <a:tailEnd type="triangle"/>
+              </a:ln>
+            </p:spPr>
+            <p:style>
+              <a:lnRef idx="1">
+                <a:schemeClr val="accent1"/>
+              </a:lnRef>
+              <a:fillRef idx="0">
+                <a:schemeClr val="accent1"/>
+              </a:fillRef>
+              <a:effectRef idx="0">
+                <a:schemeClr val="accent1"/>
+              </a:effectRef>
+              <a:fontRef idx="minor">
+                <a:schemeClr val="tx1"/>
+              </a:fontRef>
+            </p:style>
+          </p:cxnSp>
+          <p:sp>
+            <p:nvSpPr>
+              <p:cNvPr id="124" name="Oval 123">
+                <a:extLst>
+                  <a:ext uri="{FF2B5EF4-FFF2-40B4-BE49-F238E27FC236}">
+                    <a16:creationId xmlns:a16="http://schemas.microsoft.com/office/drawing/2014/main" id="{76F7C686-A888-4C58-8722-CB703DDD988E}"/>
+                  </a:ext>
+                </a:extLst>
+              </p:cNvPr>
+              <p:cNvSpPr/>
+              <p:nvPr/>
+            </p:nvSpPr>
+            <p:spPr>
+              <a:xfrm>
+                <a:off x="5941005" y="2034052"/>
+                <a:ext cx="462116" cy="474408"/>
+              </a:xfrm>
+              <a:prstGeom prst="ellipse">
+                <a:avLst/>
+              </a:prstGeom>
+              <a:noFill/>
+              <a:ln>
+                <a:noFill/>
+              </a:ln>
+            </p:spPr>
+            <p:style>
+              <a:lnRef idx="2">
+                <a:schemeClr val="accent1">
+                  <a:shade val="50000"/>
+                </a:schemeClr>
+              </a:lnRef>
+              <a:fillRef idx="1">
+                <a:schemeClr val="accent1"/>
+              </a:fillRef>
+              <a:effectRef idx="0">
+                <a:schemeClr val="accent1"/>
+              </a:effectRef>
+              <a:fontRef idx="minor">
+                <a:schemeClr val="lt1"/>
+              </a:fontRef>
+            </p:style>
+            <p:txBody>
+              <a:bodyPr rtlCol="0" anchor="ctr"/>
+              <a:lstStyle/>
+              <a:p>
+                <a:pPr algn="ctr"/>
+                <a:r>
+                  <a:rPr lang="en-US" sz="1600" dirty="0">
+                    <a:solidFill>
+                      <a:schemeClr val="tx1"/>
+                    </a:solidFill>
+                  </a:rPr>
+                  <a:t>1</a:t>
+                </a:r>
+                <a:endParaRPr lang="en-US" sz="1600" baseline="-25000" dirty="0">
+                  <a:solidFill>
+                    <a:schemeClr val="tx1"/>
+                  </a:solidFill>
+                </a:endParaRPr>
+              </a:p>
+            </p:txBody>
+          </p:sp>
+          <p:sp>
+            <p:nvSpPr>
+              <p:cNvPr id="125" name="Oval 124">
+                <a:extLst>
+                  <a:ext uri="{FF2B5EF4-FFF2-40B4-BE49-F238E27FC236}">
+                    <a16:creationId xmlns:a16="http://schemas.microsoft.com/office/drawing/2014/main" id="{C7282300-9464-41EB-9F7E-010FB6F730FB}"/>
+                  </a:ext>
+                </a:extLst>
+              </p:cNvPr>
+              <p:cNvSpPr/>
+              <p:nvPr/>
+            </p:nvSpPr>
+            <p:spPr>
+              <a:xfrm>
+                <a:off x="5956389" y="2805840"/>
+                <a:ext cx="462116" cy="474408"/>
+              </a:xfrm>
+              <a:prstGeom prst="ellipse">
+                <a:avLst/>
+              </a:prstGeom>
+              <a:noFill/>
+              <a:ln>
+                <a:noFill/>
+              </a:ln>
+            </p:spPr>
+            <p:style>
+              <a:lnRef idx="2">
+                <a:schemeClr val="accent1">
+                  <a:shade val="50000"/>
+                </a:schemeClr>
+              </a:lnRef>
+              <a:fillRef idx="1">
+                <a:schemeClr val="accent1"/>
+              </a:fillRef>
+              <a:effectRef idx="0">
+                <a:schemeClr val="accent1"/>
+              </a:effectRef>
+              <a:fontRef idx="minor">
+                <a:schemeClr val="lt1"/>
+              </a:fontRef>
+            </p:style>
+            <p:txBody>
+              <a:bodyPr rtlCol="0" anchor="ctr"/>
+              <a:lstStyle/>
+              <a:p>
+                <a:pPr algn="ctr"/>
+                <a:r>
+                  <a:rPr lang="en-US" sz="1600" dirty="0">
+                    <a:solidFill>
+                      <a:schemeClr val="tx1"/>
+                    </a:solidFill>
+                  </a:rPr>
+                  <a:t>1</a:t>
+                </a:r>
+                <a:endParaRPr lang="en-US" sz="1600" baseline="-25000" dirty="0">
+                  <a:solidFill>
+                    <a:schemeClr val="tx1"/>
+                  </a:solidFill>
+                </a:endParaRPr>
+              </a:p>
+            </p:txBody>
+          </p:sp>
+          <p:sp>
+            <p:nvSpPr>
+              <p:cNvPr id="126" name="Oval 125">
+                <a:extLst>
+                  <a:ext uri="{FF2B5EF4-FFF2-40B4-BE49-F238E27FC236}">
+                    <a16:creationId xmlns:a16="http://schemas.microsoft.com/office/drawing/2014/main" id="{7A477214-4951-47F5-A7FE-DF2C05D5DADD}"/>
+                  </a:ext>
+                </a:extLst>
+              </p:cNvPr>
+              <p:cNvSpPr/>
+              <p:nvPr/>
+            </p:nvSpPr>
+            <p:spPr>
+              <a:xfrm>
+                <a:off x="7175027" y="1850768"/>
+                <a:ext cx="462116" cy="474408"/>
+              </a:xfrm>
+              <a:prstGeom prst="ellipse">
+                <a:avLst/>
+              </a:prstGeom>
+              <a:noFill/>
+              <a:ln>
+                <a:noFill/>
+              </a:ln>
+            </p:spPr>
+            <p:style>
+              <a:lnRef idx="2">
+                <a:schemeClr val="accent1">
+                  <a:shade val="50000"/>
+                </a:schemeClr>
+              </a:lnRef>
+              <a:fillRef idx="1">
+                <a:schemeClr val="accent1"/>
+              </a:fillRef>
+              <a:effectRef idx="0">
+                <a:schemeClr val="accent1"/>
+              </a:effectRef>
+              <a:fontRef idx="minor">
+                <a:schemeClr val="lt1"/>
+              </a:fontRef>
+            </p:style>
+            <p:txBody>
+              <a:bodyPr rtlCol="0" anchor="ctr"/>
+              <a:lstStyle/>
+              <a:p>
+                <a:pPr algn="ctr"/>
+                <a:r>
+                  <a:rPr lang="en-US" sz="1600" dirty="0">
+                    <a:solidFill>
+                      <a:schemeClr val="tx1"/>
+                    </a:solidFill>
+                  </a:rPr>
+                  <a:t>a</a:t>
+                </a:r>
+                <a:endParaRPr lang="en-US" sz="1600" baseline="-25000" dirty="0">
+                  <a:solidFill>
+                    <a:schemeClr val="tx1"/>
+                  </a:solidFill>
+                </a:endParaRPr>
+              </a:p>
+            </p:txBody>
+          </p:sp>
+          <p:sp>
+            <p:nvSpPr>
+              <p:cNvPr id="127" name="Oval 126">
+                <a:extLst>
+                  <a:ext uri="{FF2B5EF4-FFF2-40B4-BE49-F238E27FC236}">
+                    <a16:creationId xmlns:a16="http://schemas.microsoft.com/office/drawing/2014/main" id="{9471A682-D07D-4BD9-AA01-992CF80719AA}"/>
+                  </a:ext>
+                </a:extLst>
+              </p:cNvPr>
+              <p:cNvSpPr/>
+              <p:nvPr/>
+            </p:nvSpPr>
+            <p:spPr>
+              <a:xfrm>
+                <a:off x="7104729" y="2337466"/>
+                <a:ext cx="462116" cy="474408"/>
+              </a:xfrm>
+              <a:prstGeom prst="ellipse">
+                <a:avLst/>
+              </a:prstGeom>
+              <a:noFill/>
+              <a:ln>
+                <a:noFill/>
+              </a:ln>
+            </p:spPr>
+            <p:style>
+              <a:lnRef idx="2">
+                <a:schemeClr val="accent1">
+                  <a:shade val="50000"/>
+                </a:schemeClr>
+              </a:lnRef>
+              <a:fillRef idx="1">
+                <a:schemeClr val="accent1"/>
+              </a:fillRef>
+              <a:effectRef idx="0">
+                <a:schemeClr val="accent1"/>
+              </a:effectRef>
+              <a:fontRef idx="minor">
+                <a:schemeClr val="lt1"/>
+              </a:fontRef>
+            </p:style>
+            <p:txBody>
+              <a:bodyPr rtlCol="0" anchor="ctr"/>
+              <a:lstStyle/>
+              <a:p>
+                <a:pPr algn="ctr"/>
+                <a:r>
+                  <a:rPr lang="en-US" sz="1600" dirty="0">
+                    <a:solidFill>
+                      <a:schemeClr val="tx1"/>
+                    </a:solidFill>
+                  </a:rPr>
+                  <a:t>a</a:t>
+                </a:r>
+                <a:endParaRPr lang="en-US" sz="1600" baseline="-25000" dirty="0">
+                  <a:solidFill>
+                    <a:schemeClr val="tx1"/>
+                  </a:solidFill>
+                </a:endParaRPr>
+              </a:p>
+            </p:txBody>
+          </p:sp>
+        </p:grpSp>
+        <p:sp>
+          <p:nvSpPr>
+            <p:cNvPr id="128" name="Oval 127">
+              <a:extLst>
+                <a:ext uri="{FF2B5EF4-FFF2-40B4-BE49-F238E27FC236}">
+                  <a16:creationId xmlns:a16="http://schemas.microsoft.com/office/drawing/2014/main" id="{28E3C8A3-9654-4121-9D5B-DCA7C83477A5}"/>
+                </a:ext>
+              </a:extLst>
+            </p:cNvPr>
+            <p:cNvSpPr/>
+            <p:nvPr/>
+          </p:nvSpPr>
+          <p:spPr>
+            <a:xfrm>
+              <a:off x="3716350" y="3695765"/>
+              <a:ext cx="462116" cy="474408"/>
+            </a:xfrm>
+            <a:prstGeom prst="ellipse">
+              <a:avLst/>
+            </a:prstGeom>
+            <a:noFill/>
+            <a:ln>
+              <a:noFill/>
+            </a:ln>
+          </p:spPr>
+          <p:style>
+            <a:lnRef idx="2">
+              <a:schemeClr val="accent1">
+                <a:shade val="50000"/>
+              </a:schemeClr>
+            </a:lnRef>
+            <a:fillRef idx="1">
+              <a:schemeClr val="accent1"/>
+            </a:fillRef>
+            <a:effectRef idx="0">
+              <a:schemeClr val="accent1"/>
+            </a:effectRef>
+            <a:fontRef idx="minor">
+              <a:schemeClr val="lt1"/>
+            </a:fontRef>
+          </p:style>
+          <p:txBody>
+            <a:bodyPr rtlCol="0" anchor="ctr"/>
+            <a:lstStyle/>
+            <a:p>
+              <a:pPr algn="ctr"/>
+              <a:r>
+                <a:rPr lang="en-US" sz="1600" dirty="0">
+                  <a:solidFill>
+                    <a:schemeClr val="tx1"/>
+                  </a:solidFill>
+                </a:rPr>
+                <a:t>1</a:t>
+              </a:r>
+              <a:endParaRPr lang="en-US" sz="1600" baseline="-25000" dirty="0">
+                <a:solidFill>
+                  <a:schemeClr val="tx1"/>
+                </a:solidFill>
+              </a:endParaRPr>
+            </a:p>
+          </p:txBody>
+        </p:sp>
+        <p:sp>
+          <p:nvSpPr>
+            <p:cNvPr id="129" name="Oval 128">
+              <a:extLst>
+                <a:ext uri="{FF2B5EF4-FFF2-40B4-BE49-F238E27FC236}">
+                  <a16:creationId xmlns:a16="http://schemas.microsoft.com/office/drawing/2014/main" id="{DE3A903B-711D-4E6B-8161-D86A70096DCA}"/>
+                </a:ext>
+              </a:extLst>
+            </p:cNvPr>
+            <p:cNvSpPr/>
+            <p:nvPr/>
+          </p:nvSpPr>
+          <p:spPr>
+            <a:xfrm>
+              <a:off x="5028956" y="3818887"/>
+              <a:ext cx="462116" cy="474408"/>
+            </a:xfrm>
+            <a:prstGeom prst="ellipse">
+              <a:avLst/>
+            </a:prstGeom>
+            <a:noFill/>
+            <a:ln>
+              <a:noFill/>
+            </a:ln>
+          </p:spPr>
+          <p:style>
+            <a:lnRef idx="2">
+              <a:schemeClr val="accent1">
+                <a:shade val="50000"/>
+              </a:schemeClr>
+            </a:lnRef>
+            <a:fillRef idx="1">
+              <a:schemeClr val="accent1"/>
+            </a:fillRef>
+            <a:effectRef idx="0">
+              <a:schemeClr val="accent1"/>
+            </a:effectRef>
+            <a:fontRef idx="minor">
+              <a:schemeClr val="lt1"/>
+            </a:fontRef>
+          </p:style>
+          <p:txBody>
+            <a:bodyPr rtlCol="0" anchor="ctr"/>
+            <a:lstStyle/>
+            <a:p>
+              <a:pPr algn="ctr"/>
+              <a:r>
+                <a:rPr lang="en-US" sz="1600" dirty="0">
+                  <a:solidFill>
+                    <a:schemeClr val="tx1"/>
+                  </a:solidFill>
+                </a:rPr>
+                <a:t>1</a:t>
+              </a:r>
+              <a:endParaRPr lang="en-US" sz="1600" baseline="-25000" dirty="0">
+                <a:solidFill>
+                  <a:schemeClr val="tx1"/>
+                </a:solidFill>
+              </a:endParaRPr>
+            </a:p>
+          </p:txBody>
+        </p:sp>
+        <p:sp>
+          <p:nvSpPr>
+            <p:cNvPr id="130" name="Oval 129">
+              <a:extLst>
+                <a:ext uri="{FF2B5EF4-FFF2-40B4-BE49-F238E27FC236}">
+                  <a16:creationId xmlns:a16="http://schemas.microsoft.com/office/drawing/2014/main" id="{2FAA9E21-0A33-486E-A5EF-6E22781FD669}"/>
+                </a:ext>
+              </a:extLst>
+            </p:cNvPr>
+            <p:cNvSpPr/>
+            <p:nvPr/>
+          </p:nvSpPr>
+          <p:spPr>
+            <a:xfrm>
+              <a:off x="2863273" y="3823855"/>
+              <a:ext cx="427832" cy="530891"/>
+            </a:xfrm>
+            <a:prstGeom prst="ellipse">
+              <a:avLst/>
+            </a:prstGeom>
+            <a:noFill/>
+            <a:ln>
+              <a:noFill/>
+            </a:ln>
+          </p:spPr>
+          <p:style>
+            <a:lnRef idx="2">
+              <a:schemeClr val="accent1">
+                <a:shade val="50000"/>
+              </a:schemeClr>
+            </a:lnRef>
+            <a:fillRef idx="1">
+              <a:schemeClr val="accent1"/>
+            </a:fillRef>
+            <a:effectRef idx="0">
+              <a:schemeClr val="accent1"/>
+            </a:effectRef>
+            <a:fontRef idx="minor">
+              <a:schemeClr val="lt1"/>
+            </a:fontRef>
+          </p:style>
+          <p:txBody>
+            <a:bodyPr rtlCol="0" anchor="ctr"/>
+            <a:lstStyle/>
+            <a:p>
+              <a:pPr algn="ctr"/>
+              <a:r>
+                <a:rPr lang="en-US" sz="1600" dirty="0">
+                  <a:solidFill>
+                    <a:schemeClr val="tx1"/>
+                  </a:solidFill>
+                </a:rPr>
+                <a:t>b</a:t>
+              </a:r>
+              <a:endParaRPr lang="en-US" sz="1600" baseline="-25000" dirty="0">
+                <a:solidFill>
+                  <a:schemeClr val="tx1"/>
+                </a:solidFill>
+              </a:endParaRPr>
+            </a:p>
+          </p:txBody>
+        </p:sp>
+        <p:sp>
+          <p:nvSpPr>
+            <p:cNvPr id="131" name="Oval 130">
+              <a:extLst>
+                <a:ext uri="{FF2B5EF4-FFF2-40B4-BE49-F238E27FC236}">
+                  <a16:creationId xmlns:a16="http://schemas.microsoft.com/office/drawing/2014/main" id="{59C814D6-0AD1-4055-A883-2F8E16723ADC}"/>
+                </a:ext>
+              </a:extLst>
+            </p:cNvPr>
+            <p:cNvSpPr/>
+            <p:nvPr/>
+          </p:nvSpPr>
+          <p:spPr>
+            <a:xfrm>
+              <a:off x="2858628" y="4615322"/>
+              <a:ext cx="427832" cy="530891"/>
+            </a:xfrm>
+            <a:prstGeom prst="ellipse">
+              <a:avLst/>
+            </a:prstGeom>
+            <a:noFill/>
+            <a:ln>
+              <a:noFill/>
+            </a:ln>
+          </p:spPr>
+          <p:style>
+            <a:lnRef idx="2">
+              <a:schemeClr val="accent1">
+                <a:shade val="50000"/>
+              </a:schemeClr>
+            </a:lnRef>
+            <a:fillRef idx="1">
+              <a:schemeClr val="accent1"/>
+            </a:fillRef>
+            <a:effectRef idx="0">
+              <a:schemeClr val="accent1"/>
+            </a:effectRef>
+            <a:fontRef idx="minor">
+              <a:schemeClr val="lt1"/>
+            </a:fontRef>
+          </p:style>
+          <p:txBody>
+            <a:bodyPr rtlCol="0" anchor="ctr"/>
+            <a:lstStyle/>
+            <a:p>
+              <a:pPr algn="ctr"/>
+              <a:r>
+                <a:rPr lang="en-US" sz="1600" dirty="0">
+                  <a:solidFill>
+                    <a:schemeClr val="tx1"/>
+                  </a:solidFill>
+                </a:rPr>
+                <a:t>b</a:t>
+              </a:r>
+              <a:endParaRPr lang="en-US" sz="1600" baseline="-25000" dirty="0">
+                <a:solidFill>
+                  <a:schemeClr val="tx1"/>
+                </a:solidFill>
+              </a:endParaRPr>
+            </a:p>
+          </p:txBody>
+        </p:sp>
+        <p:sp>
+          <p:nvSpPr>
+            <p:cNvPr id="132" name="Oval 131">
+              <a:extLst>
+                <a:ext uri="{FF2B5EF4-FFF2-40B4-BE49-F238E27FC236}">
+                  <a16:creationId xmlns:a16="http://schemas.microsoft.com/office/drawing/2014/main" id="{45EF6188-4B38-4206-8F54-555752EF290E}"/>
+                </a:ext>
+              </a:extLst>
+            </p:cNvPr>
+            <p:cNvSpPr/>
+            <p:nvPr/>
+          </p:nvSpPr>
+          <p:spPr>
+            <a:xfrm>
+              <a:off x="2858628" y="5378547"/>
+              <a:ext cx="427832" cy="530891"/>
+            </a:xfrm>
+            <a:prstGeom prst="ellipse">
+              <a:avLst/>
+            </a:prstGeom>
+            <a:noFill/>
+            <a:ln>
+              <a:noFill/>
+            </a:ln>
+          </p:spPr>
+          <p:style>
+            <a:lnRef idx="2">
+              <a:schemeClr val="accent1">
+                <a:shade val="50000"/>
+              </a:schemeClr>
+            </a:lnRef>
+            <a:fillRef idx="1">
+              <a:schemeClr val="accent1"/>
+            </a:fillRef>
+            <a:effectRef idx="0">
+              <a:schemeClr val="accent1"/>
+            </a:effectRef>
+            <a:fontRef idx="minor">
+              <a:schemeClr val="lt1"/>
+            </a:fontRef>
+          </p:style>
+          <p:txBody>
+            <a:bodyPr rtlCol="0" anchor="ctr"/>
+            <a:lstStyle/>
+            <a:p>
+              <a:pPr algn="ctr"/>
+              <a:r>
+                <a:rPr lang="en-US" sz="1600" dirty="0">
+                  <a:solidFill>
+                    <a:schemeClr val="tx1"/>
+                  </a:solidFill>
+                </a:rPr>
+                <a:t>b</a:t>
+              </a:r>
+              <a:endParaRPr lang="en-US" sz="1600" baseline="-25000" dirty="0">
+                <a:solidFill>
+                  <a:schemeClr val="tx1"/>
+                </a:solidFill>
+              </a:endParaRPr>
+            </a:p>
+          </p:txBody>
+        </p:sp>
+      </p:grpSp>
+    </p:spTree>
+    <p:extLst>
+      <p:ext uri="{BB962C8B-B14F-4D97-AF65-F5344CB8AC3E}">
+        <p14:creationId xmlns:p14="http://schemas.microsoft.com/office/powerpoint/2010/main" val="2331846325"/>
+      </p:ext>
+    </p:extLst>
+  </p:cSld>
+  <p:clrMapOvr>
+    <a:masterClrMapping/>
+  </p:clrMapOvr>
+</p:sld>
+</file>
+
+<file path=ppt/slides/slide8.xml><?xml version="1.0" encoding="utf-8"?>
+<p:sld xmlns:a="http://schemas.openxmlformats.org/drawingml/2006/main" xmlns:r="http://schemas.openxmlformats.org/officeDocument/2006/relationships" xmlns:p="http://schemas.openxmlformats.org/presentationml/2006/main">
+  <p:cSld>
+    <p:spTree>
+      <p:nvGrpSpPr>
+        <p:cNvPr id="1" name=""/>
+        <p:cNvGrpSpPr/>
+        <p:nvPr/>
+      </p:nvGrpSpPr>
+      <p:grpSpPr>
+        <a:xfrm>
+          <a:off x="0" y="0"/>
+          <a:ext cx="0" cy="0"/>
+          <a:chOff x="0" y="0"/>
+          <a:chExt cx="0" cy="0"/>
+        </a:xfrm>
+      </p:grpSpPr>
+      <p:grpSp>
+        <p:nvGrpSpPr>
+          <p:cNvPr id="71" name="Group 70">
+            <a:extLst>
+              <a:ext uri="{FF2B5EF4-FFF2-40B4-BE49-F238E27FC236}">
+                <a16:creationId xmlns:a16="http://schemas.microsoft.com/office/drawing/2014/main" id="{97A922DE-2008-4C0E-ACB3-3BF0E3E3FFE0}"/>
+              </a:ext>
+            </a:extLst>
+          </p:cNvPr>
+          <p:cNvGrpSpPr/>
+          <p:nvPr/>
+        </p:nvGrpSpPr>
+        <p:grpSpPr>
+          <a:xfrm>
+            <a:off x="7341716" y="1428141"/>
+            <a:ext cx="2913929" cy="2770807"/>
+            <a:chOff x="7341716" y="1428141"/>
+            <a:chExt cx="2913929" cy="2770807"/>
+          </a:xfrm>
+        </p:grpSpPr>
+        <p:sp>
+          <p:nvSpPr>
+            <p:cNvPr id="34" name="Oval 33">
+              <a:extLst>
+                <a:ext uri="{FF2B5EF4-FFF2-40B4-BE49-F238E27FC236}">
+                  <a16:creationId xmlns:a16="http://schemas.microsoft.com/office/drawing/2014/main" id="{D7F3781A-2646-45DF-854E-DF0C7A22B3B3}"/>
+                </a:ext>
+              </a:extLst>
+            </p:cNvPr>
+            <p:cNvSpPr/>
+            <p:nvPr/>
+          </p:nvSpPr>
+          <p:spPr>
+            <a:xfrm>
+              <a:off x="8752650" y="1587917"/>
+              <a:ext cx="1502995" cy="993058"/>
+            </a:xfrm>
+            <a:prstGeom prst="ellipse">
+              <a:avLst/>
+            </a:prstGeom>
+            <a:noFill/>
+            <a:ln>
+              <a:solidFill>
+                <a:schemeClr val="tx1"/>
+              </a:solidFill>
+            </a:ln>
+          </p:spPr>
+          <p:style>
+            <a:lnRef idx="2">
+              <a:schemeClr val="accent1">
+                <a:shade val="50000"/>
+              </a:schemeClr>
+            </a:lnRef>
+            <a:fillRef idx="1">
+              <a:schemeClr val="accent1"/>
+            </a:fillRef>
+            <a:effectRef idx="0">
+              <a:schemeClr val="accent1"/>
+            </a:effectRef>
+            <a:fontRef idx="minor">
+              <a:schemeClr val="lt1"/>
+            </a:fontRef>
+          </p:style>
+          <p:txBody>
+            <a:bodyPr rtlCol="0" anchor="ctr"/>
+            <a:lstStyle/>
+            <a:p>
+              <a:pPr algn="ctr"/>
+              <a:r>
+                <a:rPr lang="en-US" sz="1400" b="1" dirty="0" err="1">
+                  <a:solidFill>
+                    <a:schemeClr val="tx1"/>
+                  </a:solidFill>
+                </a:rPr>
+                <a:t>Gengsi</a:t>
+              </a:r>
+              <a:r>
+                <a:rPr lang="en-US" sz="1400" b="1" dirty="0">
+                  <a:solidFill>
+                    <a:schemeClr val="tx1"/>
+                  </a:solidFill>
+                </a:rPr>
+                <a:t> Mobil</a:t>
+              </a:r>
+            </a:p>
+          </p:txBody>
+        </p:sp>
+        <p:sp>
+          <p:nvSpPr>
+            <p:cNvPr id="35" name="Rectangle 34">
+              <a:extLst>
+                <a:ext uri="{FF2B5EF4-FFF2-40B4-BE49-F238E27FC236}">
+                  <a16:creationId xmlns:a16="http://schemas.microsoft.com/office/drawing/2014/main" id="{97C6D3C1-5112-405B-BB2E-1E4D6A73EB74}"/>
+                </a:ext>
+              </a:extLst>
+            </p:cNvPr>
+            <p:cNvSpPr/>
+            <p:nvPr/>
+          </p:nvSpPr>
+          <p:spPr>
+            <a:xfrm>
+              <a:off x="7341717" y="1428141"/>
+              <a:ext cx="653845" cy="474407"/>
+            </a:xfrm>
+            <a:prstGeom prst="rect">
+              <a:avLst/>
+            </a:prstGeom>
+            <a:noFill/>
+            <a:ln>
+              <a:solidFill>
+                <a:schemeClr val="tx1"/>
+              </a:solidFill>
+            </a:ln>
+          </p:spPr>
+          <p:style>
+            <a:lnRef idx="2">
+              <a:schemeClr val="accent1">
+                <a:shade val="50000"/>
+              </a:schemeClr>
+            </a:lnRef>
+            <a:fillRef idx="1">
+              <a:schemeClr val="accent1"/>
+            </a:fillRef>
+            <a:effectRef idx="0">
+              <a:schemeClr val="accent1"/>
+            </a:effectRef>
+            <a:fontRef idx="minor">
+              <a:schemeClr val="lt1"/>
+            </a:fontRef>
+          </p:style>
+          <p:txBody>
+            <a:bodyPr rtlCol="0" anchor="ctr"/>
+            <a:lstStyle/>
+            <a:p>
+              <a:pPr algn="ctr"/>
+              <a:r>
+                <a:rPr lang="en-US" sz="1400" dirty="0" err="1">
+                  <a:solidFill>
+                    <a:schemeClr val="tx1"/>
+                  </a:solidFill>
+                </a:rPr>
+                <a:t>Usia</a:t>
+              </a:r>
+              <a:endParaRPr lang="en-US" sz="1400" dirty="0">
+                <a:solidFill>
+                  <a:schemeClr val="tx1"/>
+                </a:solidFill>
+              </a:endParaRPr>
+            </a:p>
+          </p:txBody>
+        </p:sp>
+        <p:sp>
+          <p:nvSpPr>
+            <p:cNvPr id="36" name="Rectangle 35">
+              <a:extLst>
+                <a:ext uri="{FF2B5EF4-FFF2-40B4-BE49-F238E27FC236}">
+                  <a16:creationId xmlns:a16="http://schemas.microsoft.com/office/drawing/2014/main" id="{35B5F931-2930-40D5-A7A2-D0DBB49A0612}"/>
+                </a:ext>
+              </a:extLst>
+            </p:cNvPr>
+            <p:cNvSpPr/>
+            <p:nvPr/>
+          </p:nvSpPr>
+          <p:spPr>
+            <a:xfrm>
+              <a:off x="7356460" y="2191367"/>
+              <a:ext cx="658767" cy="474407"/>
+            </a:xfrm>
+            <a:prstGeom prst="rect">
+              <a:avLst/>
+            </a:prstGeom>
+            <a:noFill/>
+            <a:ln>
+              <a:solidFill>
+                <a:schemeClr val="tx1"/>
+              </a:solidFill>
+            </a:ln>
+          </p:spPr>
+          <p:style>
+            <a:lnRef idx="2">
+              <a:schemeClr val="accent1">
+                <a:shade val="50000"/>
+              </a:schemeClr>
+            </a:lnRef>
+            <a:fillRef idx="1">
+              <a:schemeClr val="accent1"/>
+            </a:fillRef>
+            <a:effectRef idx="0">
+              <a:schemeClr val="accent1"/>
+            </a:effectRef>
+            <a:fontRef idx="minor">
+              <a:schemeClr val="lt1"/>
+            </a:fontRef>
+          </p:style>
+          <p:txBody>
+            <a:bodyPr rtlCol="0" anchor="ctr"/>
+            <a:lstStyle/>
+            <a:p>
+              <a:pPr algn="ctr"/>
+              <a:r>
+                <a:rPr lang="en-US" sz="1100" dirty="0" err="1">
+                  <a:solidFill>
+                    <a:schemeClr val="tx1"/>
+                  </a:solidFill>
+                </a:rPr>
+                <a:t>Kondisi</a:t>
+              </a:r>
+              <a:endParaRPr lang="en-US" sz="1100" dirty="0">
+                <a:solidFill>
+                  <a:schemeClr val="tx1"/>
+                </a:solidFill>
+              </a:endParaRPr>
+            </a:p>
+          </p:txBody>
+        </p:sp>
+        <p:sp>
+          <p:nvSpPr>
+            <p:cNvPr id="37" name="Rectangle 36">
+              <a:extLst>
+                <a:ext uri="{FF2B5EF4-FFF2-40B4-BE49-F238E27FC236}">
+                  <a16:creationId xmlns:a16="http://schemas.microsoft.com/office/drawing/2014/main" id="{CB723B88-BCB4-4812-9F02-71CF6BEA3E61}"/>
+                </a:ext>
+              </a:extLst>
+            </p:cNvPr>
+            <p:cNvSpPr/>
+            <p:nvPr/>
+          </p:nvSpPr>
+          <p:spPr>
+            <a:xfrm>
+              <a:off x="7361382" y="2954593"/>
+              <a:ext cx="653845" cy="474407"/>
+            </a:xfrm>
+            <a:prstGeom prst="rect">
+              <a:avLst/>
+            </a:prstGeom>
+            <a:noFill/>
+            <a:ln>
+              <a:solidFill>
+                <a:schemeClr val="tx1"/>
+              </a:solidFill>
+            </a:ln>
+          </p:spPr>
+          <p:style>
+            <a:lnRef idx="2">
+              <a:schemeClr val="accent1">
+                <a:shade val="50000"/>
+              </a:schemeClr>
+            </a:lnRef>
+            <a:fillRef idx="1">
+              <a:schemeClr val="accent1"/>
+            </a:fillRef>
+            <a:effectRef idx="0">
+              <a:schemeClr val="accent1"/>
+            </a:effectRef>
+            <a:fontRef idx="minor">
+              <a:schemeClr val="lt1"/>
+            </a:fontRef>
+          </p:style>
+          <p:txBody>
+            <a:bodyPr rtlCol="0" anchor="ctr"/>
+            <a:lstStyle/>
+            <a:p>
+              <a:pPr algn="ctr"/>
+              <a:r>
+                <a:rPr lang="en-US" sz="1100" dirty="0" err="1">
+                  <a:solidFill>
+                    <a:schemeClr val="tx1"/>
+                  </a:solidFill>
+                </a:rPr>
+                <a:t>Harga</a:t>
+              </a:r>
+              <a:endParaRPr lang="en-US" sz="1100" dirty="0">
+                <a:solidFill>
+                  <a:schemeClr val="tx1"/>
+                </a:solidFill>
+              </a:endParaRPr>
+            </a:p>
+          </p:txBody>
+        </p:sp>
+        <p:cxnSp>
+          <p:nvCxnSpPr>
+            <p:cNvPr id="42" name="Straight Arrow Connector 41">
+              <a:extLst>
+                <a:ext uri="{FF2B5EF4-FFF2-40B4-BE49-F238E27FC236}">
+                  <a16:creationId xmlns:a16="http://schemas.microsoft.com/office/drawing/2014/main" id="{0A6F2C69-5533-4847-92F7-2C780CFA9C5D}"/>
+                </a:ext>
+              </a:extLst>
+            </p:cNvPr>
+            <p:cNvCxnSpPr>
+              <a:cxnSpLocks/>
+              <a:stCxn id="35" idx="3"/>
+              <a:endCxn id="34" idx="2"/>
+            </p:cNvCxnSpPr>
+            <p:nvPr/>
+          </p:nvCxnSpPr>
+          <p:spPr>
+            <a:xfrm>
+              <a:off x="7995562" y="1665345"/>
+              <a:ext cx="757088" cy="419101"/>
+            </a:xfrm>
+            <a:prstGeom prst="straightConnector1">
+              <a:avLst/>
+            </a:prstGeom>
+            <a:ln>
+              <a:solidFill>
+                <a:schemeClr val="tx1"/>
+              </a:solidFill>
+              <a:tailEnd type="triangle"/>
+            </a:ln>
+          </p:spPr>
+          <p:style>
+            <a:lnRef idx="1">
+              <a:schemeClr val="accent1"/>
+            </a:lnRef>
+            <a:fillRef idx="0">
+              <a:schemeClr val="accent1"/>
+            </a:fillRef>
+            <a:effectRef idx="0">
+              <a:schemeClr val="accent1"/>
+            </a:effectRef>
+            <a:fontRef idx="minor">
+              <a:schemeClr val="tx1"/>
+            </a:fontRef>
+          </p:style>
+        </p:cxnSp>
+        <p:cxnSp>
+          <p:nvCxnSpPr>
+            <p:cNvPr id="51" name="Straight Arrow Connector 50">
+              <a:extLst>
+                <a:ext uri="{FF2B5EF4-FFF2-40B4-BE49-F238E27FC236}">
+                  <a16:creationId xmlns:a16="http://schemas.microsoft.com/office/drawing/2014/main" id="{71C8E814-51AE-403E-AFAB-0D1E2ED825FF}"/>
+                </a:ext>
+              </a:extLst>
+            </p:cNvPr>
+            <p:cNvCxnSpPr>
+              <a:cxnSpLocks/>
+              <a:stCxn id="36" idx="3"/>
+              <a:endCxn id="34" idx="2"/>
+            </p:cNvCxnSpPr>
+            <p:nvPr/>
+          </p:nvCxnSpPr>
+          <p:spPr>
+            <a:xfrm flipV="1">
+              <a:off x="8015227" y="2084446"/>
+              <a:ext cx="737423" cy="344125"/>
+            </a:xfrm>
+            <a:prstGeom prst="straightConnector1">
+              <a:avLst/>
+            </a:prstGeom>
+            <a:ln>
+              <a:solidFill>
+                <a:schemeClr val="tx1"/>
+              </a:solidFill>
+              <a:tailEnd type="triangle"/>
+            </a:ln>
+          </p:spPr>
+          <p:style>
+            <a:lnRef idx="1">
+              <a:schemeClr val="accent1"/>
+            </a:lnRef>
+            <a:fillRef idx="0">
+              <a:schemeClr val="accent1"/>
+            </a:fillRef>
+            <a:effectRef idx="0">
+              <a:schemeClr val="accent1"/>
+            </a:effectRef>
+            <a:fontRef idx="minor">
+              <a:schemeClr val="tx1"/>
+            </a:fontRef>
+          </p:style>
+        </p:cxnSp>
+        <p:cxnSp>
+          <p:nvCxnSpPr>
+            <p:cNvPr id="55" name="Straight Arrow Connector 54">
+              <a:extLst>
+                <a:ext uri="{FF2B5EF4-FFF2-40B4-BE49-F238E27FC236}">
+                  <a16:creationId xmlns:a16="http://schemas.microsoft.com/office/drawing/2014/main" id="{930FE2C9-78A7-47FD-907B-311A7B1CA8EE}"/>
+                </a:ext>
+              </a:extLst>
+            </p:cNvPr>
+            <p:cNvCxnSpPr>
+              <a:cxnSpLocks/>
+              <a:stCxn id="37" idx="3"/>
+              <a:endCxn id="34" idx="2"/>
+            </p:cNvCxnSpPr>
+            <p:nvPr/>
+          </p:nvCxnSpPr>
+          <p:spPr>
+            <a:xfrm flipV="1">
+              <a:off x="8015227" y="2084446"/>
+              <a:ext cx="737423" cy="1107351"/>
+            </a:xfrm>
+            <a:prstGeom prst="straightConnector1">
+              <a:avLst/>
+            </a:prstGeom>
+            <a:ln>
+              <a:solidFill>
+                <a:schemeClr val="tx1"/>
+              </a:solidFill>
+              <a:tailEnd type="triangle"/>
+            </a:ln>
+          </p:spPr>
+          <p:style>
+            <a:lnRef idx="1">
+              <a:schemeClr val="accent1"/>
+            </a:lnRef>
+            <a:fillRef idx="0">
+              <a:schemeClr val="accent1"/>
+            </a:fillRef>
+            <a:effectRef idx="0">
+              <a:schemeClr val="accent1"/>
+            </a:effectRef>
+            <a:fontRef idx="minor">
+              <a:schemeClr val="tx1"/>
+            </a:fontRef>
+          </p:style>
+        </p:cxnSp>
+        <p:cxnSp>
+          <p:nvCxnSpPr>
+            <p:cNvPr id="60" name="Connector: Curved 59">
+              <a:extLst>
+                <a:ext uri="{FF2B5EF4-FFF2-40B4-BE49-F238E27FC236}">
+                  <a16:creationId xmlns:a16="http://schemas.microsoft.com/office/drawing/2014/main" id="{C21CDCB5-C1A4-4B78-98E2-659AE494E450}"/>
+                </a:ext>
+              </a:extLst>
+            </p:cNvPr>
+            <p:cNvCxnSpPr>
+              <a:stCxn id="35" idx="1"/>
+              <a:endCxn id="36" idx="1"/>
+            </p:cNvCxnSpPr>
+            <p:nvPr/>
+          </p:nvCxnSpPr>
+          <p:spPr>
+            <a:xfrm rot="10800000" flipH="1" flipV="1">
+              <a:off x="7341716" y="1665345"/>
+              <a:ext cx="14743" cy="763226"/>
+            </a:xfrm>
+            <a:prstGeom prst="curvedConnector3">
+              <a:avLst>
+                <a:gd name="adj1" fmla="val -1550566"/>
+              </a:avLst>
+            </a:prstGeom>
+            <a:ln>
+              <a:solidFill>
+                <a:schemeClr val="tx1"/>
+              </a:solidFill>
+              <a:headEnd type="triangle"/>
+              <a:tailEnd type="triangle"/>
+            </a:ln>
+          </p:spPr>
+          <p:style>
+            <a:lnRef idx="1">
+              <a:schemeClr val="accent1"/>
+            </a:lnRef>
+            <a:fillRef idx="0">
+              <a:schemeClr val="accent1"/>
+            </a:fillRef>
+            <a:effectRef idx="0">
+              <a:schemeClr val="accent1"/>
+            </a:effectRef>
+            <a:fontRef idx="minor">
+              <a:schemeClr val="tx1"/>
+            </a:fontRef>
+          </p:style>
+        </p:cxnSp>
+        <p:cxnSp>
+          <p:nvCxnSpPr>
+            <p:cNvPr id="62" name="Connector: Curved 61">
+              <a:extLst>
+                <a:ext uri="{FF2B5EF4-FFF2-40B4-BE49-F238E27FC236}">
+                  <a16:creationId xmlns:a16="http://schemas.microsoft.com/office/drawing/2014/main" id="{440EADF4-B866-4A30-B529-38E127173F9A}"/>
+                </a:ext>
+              </a:extLst>
+            </p:cNvPr>
+            <p:cNvCxnSpPr>
+              <a:stCxn id="35" idx="1"/>
+              <a:endCxn id="37" idx="1"/>
+            </p:cNvCxnSpPr>
+            <p:nvPr/>
+          </p:nvCxnSpPr>
+          <p:spPr>
+            <a:xfrm rot="10800000" flipH="1" flipV="1">
+              <a:off x="7341716" y="1665345"/>
+              <a:ext cx="19665" cy="1526452"/>
+            </a:xfrm>
+            <a:prstGeom prst="curvedConnector3">
+              <a:avLst>
+                <a:gd name="adj1" fmla="val -1162471"/>
+              </a:avLst>
+            </a:prstGeom>
+            <a:ln>
+              <a:solidFill>
+                <a:schemeClr val="tx1"/>
+              </a:solidFill>
+              <a:headEnd type="triangle"/>
+              <a:tailEnd type="triangle"/>
+            </a:ln>
+          </p:spPr>
+          <p:style>
+            <a:lnRef idx="1">
+              <a:schemeClr val="accent1"/>
+            </a:lnRef>
+            <a:fillRef idx="0">
+              <a:schemeClr val="accent1"/>
+            </a:fillRef>
+            <a:effectRef idx="0">
+              <a:schemeClr val="accent1"/>
+            </a:effectRef>
+            <a:fontRef idx="minor">
+              <a:schemeClr val="tx1"/>
+            </a:fontRef>
+          </p:style>
+        </p:cxnSp>
+        <p:cxnSp>
+          <p:nvCxnSpPr>
+            <p:cNvPr id="64" name="Connector: Curved 63">
+              <a:extLst>
+                <a:ext uri="{FF2B5EF4-FFF2-40B4-BE49-F238E27FC236}">
+                  <a16:creationId xmlns:a16="http://schemas.microsoft.com/office/drawing/2014/main" id="{0AC418D9-4A21-4368-91A9-A876AF688ED4}"/>
+                </a:ext>
+              </a:extLst>
+            </p:cNvPr>
+            <p:cNvCxnSpPr>
+              <a:stCxn id="36" idx="1"/>
+              <a:endCxn id="37" idx="1"/>
+            </p:cNvCxnSpPr>
+            <p:nvPr/>
+          </p:nvCxnSpPr>
+          <p:spPr>
+            <a:xfrm rot="10800000" flipH="1" flipV="1">
+              <a:off x="7356460" y="2428571"/>
+              <a:ext cx="4922" cy="763226"/>
+            </a:xfrm>
+            <a:prstGeom prst="curvedConnector3">
+              <a:avLst>
+                <a:gd name="adj1" fmla="val -4644453"/>
+              </a:avLst>
+            </a:prstGeom>
+            <a:ln>
+              <a:solidFill>
+                <a:schemeClr val="tx1"/>
+              </a:solidFill>
+              <a:headEnd type="triangle"/>
+              <a:tailEnd type="triangle"/>
+            </a:ln>
+          </p:spPr>
+          <p:style>
+            <a:lnRef idx="1">
+              <a:schemeClr val="accent1"/>
+            </a:lnRef>
+            <a:fillRef idx="0">
+              <a:schemeClr val="accent1"/>
+            </a:fillRef>
+            <a:effectRef idx="0">
+              <a:schemeClr val="accent1"/>
+            </a:effectRef>
+            <a:fontRef idx="minor">
+              <a:schemeClr val="tx1"/>
+            </a:fontRef>
+          </p:style>
+        </p:cxnSp>
+        <p:sp>
+          <p:nvSpPr>
+            <p:cNvPr id="68" name="Rectangle 67">
+              <a:extLst>
+                <a:ext uri="{FF2B5EF4-FFF2-40B4-BE49-F238E27FC236}">
+                  <a16:creationId xmlns:a16="http://schemas.microsoft.com/office/drawing/2014/main" id="{B399C30B-F137-4D88-A2F7-869D603ADC6B}"/>
+                </a:ext>
+              </a:extLst>
+            </p:cNvPr>
+            <p:cNvSpPr/>
+            <p:nvPr/>
+          </p:nvSpPr>
+          <p:spPr>
+            <a:xfrm>
+              <a:off x="7846291" y="3724541"/>
+              <a:ext cx="2165927" cy="474407"/>
+            </a:xfrm>
+            <a:prstGeom prst="rect">
+              <a:avLst/>
+            </a:prstGeom>
+            <a:noFill/>
+            <a:ln>
+              <a:solidFill>
+                <a:schemeClr val="tx1"/>
+              </a:solidFill>
+            </a:ln>
+          </p:spPr>
+          <p:style>
+            <a:lnRef idx="2">
+              <a:schemeClr val="accent1">
+                <a:shade val="50000"/>
+              </a:schemeClr>
+            </a:lnRef>
+            <a:fillRef idx="1">
+              <a:schemeClr val="accent1"/>
+            </a:fillRef>
+            <a:effectRef idx="0">
+              <a:schemeClr val="accent1"/>
+            </a:effectRef>
+            <a:fontRef idx="minor">
+              <a:schemeClr val="lt1"/>
+            </a:fontRef>
+          </p:style>
+          <p:txBody>
+            <a:bodyPr rtlCol="0" anchor="ctr"/>
+            <a:lstStyle/>
+            <a:p>
+              <a:pPr algn="ctr"/>
+              <a:r>
+                <a:rPr lang="en-US" b="1" dirty="0" err="1">
+                  <a:solidFill>
+                    <a:schemeClr val="tx1"/>
+                  </a:solidFill>
+                </a:rPr>
+                <a:t>Formatif</a:t>
+              </a:r>
+              <a:endParaRPr lang="en-US" b="1" dirty="0">
+                <a:solidFill>
+                  <a:schemeClr val="tx1"/>
+                </a:solidFill>
+              </a:endParaRPr>
+            </a:p>
+          </p:txBody>
+        </p:sp>
+      </p:grpSp>
+      <p:grpSp>
+        <p:nvGrpSpPr>
+          <p:cNvPr id="74" name="Group 73">
+            <a:extLst>
+              <a:ext uri="{FF2B5EF4-FFF2-40B4-BE49-F238E27FC236}">
+                <a16:creationId xmlns:a16="http://schemas.microsoft.com/office/drawing/2014/main" id="{BBCC105D-5ED7-4858-AE1E-C4DB14A6C8B5}"/>
+              </a:ext>
+            </a:extLst>
+          </p:cNvPr>
+          <p:cNvGrpSpPr/>
+          <p:nvPr/>
+        </p:nvGrpSpPr>
+        <p:grpSpPr>
+          <a:xfrm>
+            <a:off x="899055" y="1324746"/>
+            <a:ext cx="3931563" cy="2000859"/>
+            <a:chOff x="899055" y="1324746"/>
+            <a:chExt cx="3931563" cy="2000859"/>
+          </a:xfrm>
+        </p:grpSpPr>
+        <p:grpSp>
+          <p:nvGrpSpPr>
+            <p:cNvPr id="32" name="Group 31">
+              <a:extLst>
+                <a:ext uri="{FF2B5EF4-FFF2-40B4-BE49-F238E27FC236}">
+                  <a16:creationId xmlns:a16="http://schemas.microsoft.com/office/drawing/2014/main" id="{F44D96E6-5EF4-4D68-A866-BE56C5B0A428}"/>
+                </a:ext>
+              </a:extLst>
+            </p:cNvPr>
+            <p:cNvGrpSpPr/>
+            <p:nvPr/>
+          </p:nvGrpSpPr>
+          <p:grpSpPr>
+            <a:xfrm>
+              <a:off x="899055" y="1324746"/>
+              <a:ext cx="3931563" cy="2000859"/>
+              <a:chOff x="899055" y="1324746"/>
+              <a:chExt cx="3931563" cy="2000859"/>
+            </a:xfrm>
+          </p:grpSpPr>
+          <p:sp>
+            <p:nvSpPr>
+              <p:cNvPr id="8" name="Oval 7">
+                <a:extLst>
+                  <a:ext uri="{FF2B5EF4-FFF2-40B4-BE49-F238E27FC236}">
+                    <a16:creationId xmlns:a16="http://schemas.microsoft.com/office/drawing/2014/main" id="{8E30DF4B-E1D7-4BC2-8700-96A9D3697327}"/>
+                  </a:ext>
+                </a:extLst>
+              </p:cNvPr>
+              <p:cNvSpPr/>
+              <p:nvPr/>
+            </p:nvSpPr>
+            <p:spPr>
+              <a:xfrm>
+                <a:off x="3327623" y="1484522"/>
+                <a:ext cx="1502995" cy="993058"/>
+              </a:xfrm>
+              <a:prstGeom prst="ellipse">
+                <a:avLst/>
+              </a:prstGeom>
+              <a:noFill/>
+              <a:ln>
+                <a:solidFill>
+                  <a:schemeClr val="tx1"/>
+                </a:solidFill>
+              </a:ln>
+            </p:spPr>
+            <p:style>
+              <a:lnRef idx="2">
+                <a:schemeClr val="accent1">
+                  <a:shade val="50000"/>
+                </a:schemeClr>
+              </a:lnRef>
+              <a:fillRef idx="1">
+                <a:schemeClr val="accent1"/>
+              </a:fillRef>
+              <a:effectRef idx="0">
+                <a:schemeClr val="accent1"/>
+              </a:effectRef>
+              <a:fontRef idx="minor">
+                <a:schemeClr val="lt1"/>
+              </a:fontRef>
+            </p:style>
+            <p:txBody>
+              <a:bodyPr rtlCol="0" anchor="ctr"/>
+              <a:lstStyle/>
+              <a:p>
+                <a:pPr algn="ctr"/>
+                <a:r>
+                  <a:rPr lang="en-US" sz="1400" b="1" dirty="0" err="1">
+                    <a:solidFill>
+                      <a:schemeClr val="tx1"/>
+                    </a:solidFill>
+                  </a:rPr>
+                  <a:t>Intelegensi</a:t>
+                </a:r>
+                <a:endParaRPr lang="en-US" sz="1400" b="1" dirty="0">
+                  <a:solidFill>
+                    <a:schemeClr val="tx1"/>
+                  </a:solidFill>
+                </a:endParaRPr>
+              </a:p>
+            </p:txBody>
+          </p:sp>
+          <p:sp>
+            <p:nvSpPr>
+              <p:cNvPr id="9" name="Rectangle 8">
+                <a:extLst>
+                  <a:ext uri="{FF2B5EF4-FFF2-40B4-BE49-F238E27FC236}">
+                    <a16:creationId xmlns:a16="http://schemas.microsoft.com/office/drawing/2014/main" id="{02AA7F6C-2D6A-4B24-A5BB-E5CF625FD4FA}"/>
+                  </a:ext>
+                </a:extLst>
+              </p:cNvPr>
+              <p:cNvSpPr/>
+              <p:nvPr/>
+            </p:nvSpPr>
+            <p:spPr>
+              <a:xfrm>
+                <a:off x="1916690" y="1324746"/>
+                <a:ext cx="653845" cy="474407"/>
+              </a:xfrm>
+              <a:prstGeom prst="rect">
+                <a:avLst/>
+              </a:prstGeom>
+              <a:noFill/>
+              <a:ln>
+                <a:solidFill>
+                  <a:schemeClr val="tx1"/>
+                </a:solidFill>
+              </a:ln>
+            </p:spPr>
+            <p:style>
+              <a:lnRef idx="2">
+                <a:schemeClr val="accent1">
+                  <a:shade val="50000"/>
+                </a:schemeClr>
+              </a:lnRef>
+              <a:fillRef idx="1">
+                <a:schemeClr val="accent1"/>
+              </a:fillRef>
+              <a:effectRef idx="0">
+                <a:schemeClr val="accent1"/>
+              </a:effectRef>
+              <a:fontRef idx="minor">
+                <a:schemeClr val="lt1"/>
+              </a:fontRef>
+            </p:style>
+            <p:txBody>
+              <a:bodyPr rtlCol="0" anchor="ctr"/>
+              <a:lstStyle/>
+              <a:p>
+                <a:pPr algn="ctr"/>
+                <a:r>
+                  <a:rPr lang="en-US" sz="1400" dirty="0" err="1">
+                    <a:solidFill>
+                      <a:schemeClr val="tx1"/>
+                    </a:solidFill>
+                  </a:rPr>
+                  <a:t>Fisika</a:t>
+                </a:r>
+                <a:endParaRPr lang="en-US" sz="1400" dirty="0">
+                  <a:solidFill>
+                    <a:schemeClr val="tx1"/>
+                  </a:solidFill>
+                </a:endParaRPr>
+              </a:p>
+            </p:txBody>
+          </p:sp>
+          <p:sp>
+            <p:nvSpPr>
+              <p:cNvPr id="10" name="Rectangle 9">
+                <a:extLst>
+                  <a:ext uri="{FF2B5EF4-FFF2-40B4-BE49-F238E27FC236}">
+                    <a16:creationId xmlns:a16="http://schemas.microsoft.com/office/drawing/2014/main" id="{264806ED-85DF-4BBE-B4F2-0BD29C79A45B}"/>
+                  </a:ext>
+                </a:extLst>
+              </p:cNvPr>
+              <p:cNvSpPr/>
+              <p:nvPr/>
+            </p:nvSpPr>
+            <p:spPr>
+              <a:xfrm>
+                <a:off x="1681019" y="2087972"/>
+                <a:ext cx="909182" cy="474407"/>
+              </a:xfrm>
+              <a:prstGeom prst="rect">
+                <a:avLst/>
+              </a:prstGeom>
+              <a:noFill/>
+              <a:ln>
+                <a:solidFill>
+                  <a:schemeClr val="tx1"/>
+                </a:solidFill>
+              </a:ln>
+            </p:spPr>
+            <p:style>
+              <a:lnRef idx="2">
+                <a:schemeClr val="accent1">
+                  <a:shade val="50000"/>
+                </a:schemeClr>
+              </a:lnRef>
+              <a:fillRef idx="1">
+                <a:schemeClr val="accent1"/>
+              </a:fillRef>
+              <a:effectRef idx="0">
+                <a:schemeClr val="accent1"/>
+              </a:effectRef>
+              <a:fontRef idx="minor">
+                <a:schemeClr val="lt1"/>
+              </a:fontRef>
+            </p:style>
+            <p:txBody>
+              <a:bodyPr rtlCol="0" anchor="ctr"/>
+              <a:lstStyle/>
+              <a:p>
+                <a:pPr algn="ctr"/>
+                <a:r>
+                  <a:rPr lang="en-US" sz="1100" dirty="0" err="1">
+                    <a:solidFill>
+                      <a:schemeClr val="tx1"/>
+                    </a:solidFill>
+                  </a:rPr>
+                  <a:t>Matematika</a:t>
+                </a:r>
+                <a:endParaRPr lang="en-US" sz="1100" dirty="0">
+                  <a:solidFill>
+                    <a:schemeClr val="tx1"/>
+                  </a:solidFill>
+                </a:endParaRPr>
+              </a:p>
+            </p:txBody>
+          </p:sp>
+          <p:sp>
+            <p:nvSpPr>
+              <p:cNvPr id="11" name="Rectangle 10">
+                <a:extLst>
+                  <a:ext uri="{FF2B5EF4-FFF2-40B4-BE49-F238E27FC236}">
+                    <a16:creationId xmlns:a16="http://schemas.microsoft.com/office/drawing/2014/main" id="{EE4E3F0C-8609-4C9C-B441-E3B53040468C}"/>
+                  </a:ext>
+                </a:extLst>
+              </p:cNvPr>
+              <p:cNvSpPr/>
+              <p:nvPr/>
+            </p:nvSpPr>
+            <p:spPr>
+              <a:xfrm>
+                <a:off x="1936355" y="2851198"/>
+                <a:ext cx="653845" cy="474407"/>
+              </a:xfrm>
+              <a:prstGeom prst="rect">
+                <a:avLst/>
+              </a:prstGeom>
+              <a:noFill/>
+              <a:ln>
+                <a:solidFill>
+                  <a:schemeClr val="tx1"/>
+                </a:solidFill>
+              </a:ln>
+            </p:spPr>
+            <p:style>
+              <a:lnRef idx="2">
+                <a:schemeClr val="accent1">
+                  <a:shade val="50000"/>
+                </a:schemeClr>
+              </a:lnRef>
+              <a:fillRef idx="1">
+                <a:schemeClr val="accent1"/>
+              </a:fillRef>
+              <a:effectRef idx="0">
+                <a:schemeClr val="accent1"/>
+              </a:effectRef>
+              <a:fontRef idx="minor">
+                <a:schemeClr val="lt1"/>
+              </a:fontRef>
+            </p:style>
+            <p:txBody>
+              <a:bodyPr rtlCol="0" anchor="ctr"/>
+              <a:lstStyle/>
+              <a:p>
+                <a:pPr algn="ctr"/>
+                <a:r>
+                  <a:rPr lang="en-US" sz="1100" dirty="0">
+                    <a:solidFill>
+                      <a:schemeClr val="tx1"/>
+                    </a:solidFill>
+                  </a:rPr>
+                  <a:t>Kimia</a:t>
+                </a:r>
+              </a:p>
+            </p:txBody>
+          </p:sp>
+          <p:cxnSp>
+            <p:nvCxnSpPr>
+              <p:cNvPr id="12" name="Straight Arrow Connector 11">
+                <a:extLst>
+                  <a:ext uri="{FF2B5EF4-FFF2-40B4-BE49-F238E27FC236}">
+                    <a16:creationId xmlns:a16="http://schemas.microsoft.com/office/drawing/2014/main" id="{11029A03-7A80-41F7-9E72-C874DF3E740D}"/>
+                  </a:ext>
+                </a:extLst>
+              </p:cNvPr>
+              <p:cNvCxnSpPr>
+                <a:cxnSpLocks/>
+                <a:stCxn id="8" idx="2"/>
+                <a:endCxn id="9" idx="3"/>
+              </p:cNvCxnSpPr>
+              <p:nvPr/>
+            </p:nvCxnSpPr>
+            <p:spPr>
+              <a:xfrm flipH="1" flipV="1">
+                <a:off x="2570535" y="1561950"/>
+                <a:ext cx="757088" cy="419101"/>
+              </a:xfrm>
+              <a:prstGeom prst="straightConnector1">
+                <a:avLst/>
+              </a:prstGeom>
+              <a:ln>
+                <a:solidFill>
+                  <a:schemeClr val="tx1"/>
+                </a:solidFill>
+                <a:tailEnd type="triangle"/>
+              </a:ln>
+            </p:spPr>
+            <p:style>
+              <a:lnRef idx="1">
+                <a:schemeClr val="accent1"/>
+              </a:lnRef>
+              <a:fillRef idx="0">
+                <a:schemeClr val="accent1"/>
+              </a:fillRef>
+              <a:effectRef idx="0">
+                <a:schemeClr val="accent1"/>
+              </a:effectRef>
+              <a:fontRef idx="minor">
+                <a:schemeClr val="tx1"/>
+              </a:fontRef>
+            </p:style>
+          </p:cxnSp>
+          <p:cxnSp>
+            <p:nvCxnSpPr>
+              <p:cNvPr id="13" name="Straight Arrow Connector 12">
+                <a:extLst>
+                  <a:ext uri="{FF2B5EF4-FFF2-40B4-BE49-F238E27FC236}">
+                    <a16:creationId xmlns:a16="http://schemas.microsoft.com/office/drawing/2014/main" id="{6AB0A395-AAC2-4723-8040-194794E53898}"/>
+                  </a:ext>
+                </a:extLst>
+              </p:cNvPr>
+              <p:cNvCxnSpPr>
+                <a:cxnSpLocks/>
+                <a:stCxn id="8" idx="2"/>
+                <a:endCxn id="10" idx="3"/>
+              </p:cNvCxnSpPr>
+              <p:nvPr/>
+            </p:nvCxnSpPr>
+            <p:spPr>
+              <a:xfrm flipH="1">
+                <a:off x="2590201" y="1981051"/>
+                <a:ext cx="737422" cy="344125"/>
+              </a:xfrm>
+              <a:prstGeom prst="straightConnector1">
+                <a:avLst/>
+              </a:prstGeom>
+              <a:ln>
+                <a:solidFill>
+                  <a:schemeClr val="tx1"/>
+                </a:solidFill>
+                <a:tailEnd type="triangle"/>
+              </a:ln>
+            </p:spPr>
+            <p:style>
+              <a:lnRef idx="1">
+                <a:schemeClr val="accent1"/>
+              </a:lnRef>
+              <a:fillRef idx="0">
+                <a:schemeClr val="accent1"/>
+              </a:fillRef>
+              <a:effectRef idx="0">
+                <a:schemeClr val="accent1"/>
+              </a:effectRef>
+              <a:fontRef idx="minor">
+                <a:schemeClr val="tx1"/>
+              </a:fontRef>
+            </p:style>
+          </p:cxnSp>
+          <p:cxnSp>
+            <p:nvCxnSpPr>
+              <p:cNvPr id="14" name="Straight Arrow Connector 13">
+                <a:extLst>
+                  <a:ext uri="{FF2B5EF4-FFF2-40B4-BE49-F238E27FC236}">
+                    <a16:creationId xmlns:a16="http://schemas.microsoft.com/office/drawing/2014/main" id="{37FF9F7B-F219-4629-A249-BB94730946E9}"/>
+                  </a:ext>
+                </a:extLst>
+              </p:cNvPr>
+              <p:cNvCxnSpPr>
+                <a:cxnSpLocks/>
+                <a:stCxn id="8" idx="2"/>
+                <a:endCxn id="11" idx="3"/>
+              </p:cNvCxnSpPr>
+              <p:nvPr/>
+            </p:nvCxnSpPr>
+            <p:spPr>
+              <a:xfrm flipH="1">
+                <a:off x="2590200" y="1981051"/>
+                <a:ext cx="737423" cy="1107351"/>
+              </a:xfrm>
+              <a:prstGeom prst="straightConnector1">
+                <a:avLst/>
+              </a:prstGeom>
+              <a:ln>
+                <a:solidFill>
+                  <a:schemeClr val="tx1"/>
+                </a:solidFill>
+                <a:tailEnd type="triangle"/>
+              </a:ln>
+            </p:spPr>
+            <p:style>
+              <a:lnRef idx="1">
+                <a:schemeClr val="accent1"/>
+              </a:lnRef>
+              <a:fillRef idx="0">
+                <a:schemeClr val="accent1"/>
+              </a:fillRef>
+              <a:effectRef idx="0">
+                <a:schemeClr val="accent1"/>
+              </a:effectRef>
+              <a:fontRef idx="minor">
+                <a:schemeClr val="tx1"/>
+              </a:fontRef>
+            </p:style>
+          </p:cxnSp>
+          <p:sp>
+            <p:nvSpPr>
+              <p:cNvPr id="15" name="Oval 14">
+                <a:extLst>
+                  <a:ext uri="{FF2B5EF4-FFF2-40B4-BE49-F238E27FC236}">
+                    <a16:creationId xmlns:a16="http://schemas.microsoft.com/office/drawing/2014/main" id="{E925194E-B666-4ACF-A34D-F0F1C6F24F51}"/>
+                  </a:ext>
+                </a:extLst>
+              </p:cNvPr>
+              <p:cNvSpPr/>
+              <p:nvPr/>
+            </p:nvSpPr>
+            <p:spPr>
+              <a:xfrm>
+                <a:off x="899055" y="1324747"/>
+                <a:ext cx="560435" cy="474406"/>
+              </a:xfrm>
+              <a:prstGeom prst="ellipse">
+                <a:avLst/>
+              </a:prstGeom>
+              <a:noFill/>
+              <a:ln>
+                <a:solidFill>
+                  <a:schemeClr val="tx1"/>
+                </a:solidFill>
+              </a:ln>
+            </p:spPr>
+            <p:style>
+              <a:lnRef idx="2">
+                <a:schemeClr val="accent1">
+                  <a:shade val="50000"/>
+                </a:schemeClr>
+              </a:lnRef>
+              <a:fillRef idx="1">
+                <a:schemeClr val="accent1"/>
+              </a:fillRef>
+              <a:effectRef idx="0">
+                <a:schemeClr val="accent1"/>
+              </a:effectRef>
+              <a:fontRef idx="minor">
+                <a:schemeClr val="lt1"/>
+              </a:fontRef>
+            </p:style>
+            <p:txBody>
+              <a:bodyPr rtlCol="0" anchor="ctr"/>
+              <a:lstStyle/>
+              <a:p>
+                <a:pPr algn="ctr"/>
+                <a:r>
+                  <a:rPr lang="el-GR" sz="1600" dirty="0">
+                    <a:solidFill>
+                      <a:schemeClr val="tx1"/>
+                    </a:solidFill>
+                  </a:rPr>
+                  <a:t>ε</a:t>
+                </a:r>
+                <a:r>
+                  <a:rPr lang="en-US" sz="1600" baseline="-25000" dirty="0">
+                    <a:solidFill>
+                      <a:schemeClr val="tx1"/>
+                    </a:solidFill>
+                  </a:rPr>
+                  <a:t>1</a:t>
+                </a:r>
+              </a:p>
+            </p:txBody>
+          </p:sp>
+          <p:cxnSp>
+            <p:nvCxnSpPr>
+              <p:cNvPr id="16" name="Straight Arrow Connector 15">
+                <a:extLst>
+                  <a:ext uri="{FF2B5EF4-FFF2-40B4-BE49-F238E27FC236}">
+                    <a16:creationId xmlns:a16="http://schemas.microsoft.com/office/drawing/2014/main" id="{14DEDDDA-5AFF-4BE8-BCEF-142F3E7E8B5D}"/>
+                  </a:ext>
+                </a:extLst>
+              </p:cNvPr>
+              <p:cNvCxnSpPr>
+                <a:cxnSpLocks/>
+                <a:stCxn id="15" idx="6"/>
+                <a:endCxn id="9" idx="1"/>
+              </p:cNvCxnSpPr>
+              <p:nvPr/>
+            </p:nvCxnSpPr>
+            <p:spPr>
+              <a:xfrm>
+                <a:off x="1459490" y="1561950"/>
+                <a:ext cx="457200" cy="0"/>
+              </a:xfrm>
+              <a:prstGeom prst="straightConnector1">
+                <a:avLst/>
+              </a:prstGeom>
+              <a:ln>
+                <a:solidFill>
+                  <a:schemeClr val="tx1"/>
+                </a:solidFill>
+                <a:tailEnd type="triangle"/>
+              </a:ln>
+            </p:spPr>
+            <p:style>
+              <a:lnRef idx="1">
+                <a:schemeClr val="accent1"/>
+              </a:lnRef>
+              <a:fillRef idx="0">
+                <a:schemeClr val="accent1"/>
+              </a:fillRef>
+              <a:effectRef idx="0">
+                <a:schemeClr val="accent1"/>
+              </a:effectRef>
+              <a:fontRef idx="minor">
+                <a:schemeClr val="tx1"/>
+              </a:fontRef>
+            </p:style>
+          </p:cxnSp>
+          <p:sp>
+            <p:nvSpPr>
+              <p:cNvPr id="17" name="Oval 16">
+                <a:extLst>
+                  <a:ext uri="{FF2B5EF4-FFF2-40B4-BE49-F238E27FC236}">
+                    <a16:creationId xmlns:a16="http://schemas.microsoft.com/office/drawing/2014/main" id="{53A50851-F25F-49A2-BF98-A0791AF40FF9}"/>
+                  </a:ext>
+                </a:extLst>
+              </p:cNvPr>
+              <p:cNvSpPr/>
+              <p:nvPr/>
+            </p:nvSpPr>
+            <p:spPr>
+              <a:xfrm>
+                <a:off x="906427" y="2087973"/>
+                <a:ext cx="560435" cy="474406"/>
+              </a:xfrm>
+              <a:prstGeom prst="ellipse">
+                <a:avLst/>
+              </a:prstGeom>
+              <a:noFill/>
+              <a:ln>
+                <a:solidFill>
+                  <a:schemeClr val="tx1"/>
+                </a:solidFill>
+              </a:ln>
+            </p:spPr>
+            <p:style>
+              <a:lnRef idx="2">
+                <a:schemeClr val="accent1">
+                  <a:shade val="50000"/>
+                </a:schemeClr>
+              </a:lnRef>
+              <a:fillRef idx="1">
+                <a:schemeClr val="accent1"/>
+              </a:fillRef>
+              <a:effectRef idx="0">
+                <a:schemeClr val="accent1"/>
+              </a:effectRef>
+              <a:fontRef idx="minor">
+                <a:schemeClr val="lt1"/>
+              </a:fontRef>
+            </p:style>
+            <p:txBody>
+              <a:bodyPr rtlCol="0" anchor="ctr"/>
+              <a:lstStyle/>
+              <a:p>
+                <a:pPr algn="ctr"/>
+                <a:r>
+                  <a:rPr lang="el-GR" sz="1600" dirty="0">
+                    <a:solidFill>
+                      <a:schemeClr val="tx1"/>
+                    </a:solidFill>
+                  </a:rPr>
+                  <a:t>ε</a:t>
+                </a:r>
+                <a:r>
+                  <a:rPr lang="en-US" sz="1600" baseline="-25000" dirty="0">
+                    <a:solidFill>
+                      <a:schemeClr val="tx1"/>
+                    </a:solidFill>
+                  </a:rPr>
+                  <a:t>2</a:t>
+                </a:r>
+              </a:p>
+            </p:txBody>
+          </p:sp>
+          <p:cxnSp>
+            <p:nvCxnSpPr>
+              <p:cNvPr id="18" name="Straight Arrow Connector 17">
+                <a:extLst>
+                  <a:ext uri="{FF2B5EF4-FFF2-40B4-BE49-F238E27FC236}">
+                    <a16:creationId xmlns:a16="http://schemas.microsoft.com/office/drawing/2014/main" id="{5BBCFDDE-229E-4A8D-B40D-BD3461FFF925}"/>
+                  </a:ext>
+                </a:extLst>
+              </p:cNvPr>
+              <p:cNvCxnSpPr>
+                <a:cxnSpLocks/>
+                <a:stCxn id="17" idx="6"/>
+                <a:endCxn id="10" idx="1"/>
+              </p:cNvCxnSpPr>
+              <p:nvPr/>
+            </p:nvCxnSpPr>
+            <p:spPr>
+              <a:xfrm>
+                <a:off x="1466862" y="2325176"/>
+                <a:ext cx="214157" cy="0"/>
+              </a:xfrm>
+              <a:prstGeom prst="straightConnector1">
+                <a:avLst/>
+              </a:prstGeom>
+              <a:ln>
+                <a:solidFill>
+                  <a:schemeClr val="tx1"/>
+                </a:solidFill>
+                <a:tailEnd type="triangle"/>
+              </a:ln>
+            </p:spPr>
+            <p:style>
+              <a:lnRef idx="1">
+                <a:schemeClr val="accent1"/>
+              </a:lnRef>
+              <a:fillRef idx="0">
+                <a:schemeClr val="accent1"/>
+              </a:fillRef>
+              <a:effectRef idx="0">
+                <a:schemeClr val="accent1"/>
+              </a:effectRef>
+              <a:fontRef idx="minor">
+                <a:schemeClr val="tx1"/>
+              </a:fontRef>
+            </p:style>
+          </p:cxnSp>
+          <p:sp>
+            <p:nvSpPr>
+              <p:cNvPr id="19" name="Oval 18">
+                <a:extLst>
+                  <a:ext uri="{FF2B5EF4-FFF2-40B4-BE49-F238E27FC236}">
+                    <a16:creationId xmlns:a16="http://schemas.microsoft.com/office/drawing/2014/main" id="{C4693073-D30F-4DFD-8FE7-2742BDD5FFB2}"/>
+                  </a:ext>
+                </a:extLst>
+              </p:cNvPr>
+              <p:cNvSpPr/>
+              <p:nvPr/>
+            </p:nvSpPr>
+            <p:spPr>
+              <a:xfrm>
+                <a:off x="913799" y="2851197"/>
+                <a:ext cx="560435" cy="474406"/>
+              </a:xfrm>
+              <a:prstGeom prst="ellipse">
+                <a:avLst/>
+              </a:prstGeom>
+              <a:noFill/>
+              <a:ln>
+                <a:solidFill>
+                  <a:schemeClr val="tx1"/>
+                </a:solidFill>
+              </a:ln>
+            </p:spPr>
+            <p:style>
+              <a:lnRef idx="2">
+                <a:schemeClr val="accent1">
+                  <a:shade val="50000"/>
+                </a:schemeClr>
+              </a:lnRef>
+              <a:fillRef idx="1">
+                <a:schemeClr val="accent1"/>
+              </a:fillRef>
+              <a:effectRef idx="0">
+                <a:schemeClr val="accent1"/>
+              </a:effectRef>
+              <a:fontRef idx="minor">
+                <a:schemeClr val="lt1"/>
+              </a:fontRef>
+            </p:style>
+            <p:txBody>
+              <a:bodyPr rtlCol="0" anchor="ctr"/>
+              <a:lstStyle/>
+              <a:p>
+                <a:pPr algn="ctr"/>
+                <a:r>
+                  <a:rPr lang="el-GR" sz="1600" dirty="0">
+                    <a:solidFill>
+                      <a:schemeClr val="tx1"/>
+                    </a:solidFill>
+                  </a:rPr>
+                  <a:t>ε</a:t>
+                </a:r>
+                <a:r>
+                  <a:rPr lang="en-US" sz="1600" baseline="-25000" dirty="0">
+                    <a:solidFill>
+                      <a:schemeClr val="tx1"/>
+                    </a:solidFill>
+                  </a:rPr>
+                  <a:t>3</a:t>
+                </a:r>
+              </a:p>
+            </p:txBody>
+          </p:sp>
+          <p:cxnSp>
+            <p:nvCxnSpPr>
+              <p:cNvPr id="20" name="Straight Arrow Connector 19">
+                <a:extLst>
+                  <a:ext uri="{FF2B5EF4-FFF2-40B4-BE49-F238E27FC236}">
+                    <a16:creationId xmlns:a16="http://schemas.microsoft.com/office/drawing/2014/main" id="{C2C02744-36BE-4BD4-BEEE-5648227179E7}"/>
+                  </a:ext>
+                </a:extLst>
+              </p:cNvPr>
+              <p:cNvCxnSpPr>
+                <a:cxnSpLocks/>
+                <a:stCxn id="19" idx="6"/>
+              </p:cNvCxnSpPr>
+              <p:nvPr/>
+            </p:nvCxnSpPr>
+            <p:spPr>
+              <a:xfrm>
+                <a:off x="1474234" y="3088400"/>
+                <a:ext cx="457200" cy="0"/>
+              </a:xfrm>
+              <a:prstGeom prst="straightConnector1">
+                <a:avLst/>
+              </a:prstGeom>
+              <a:ln>
+                <a:solidFill>
+                  <a:schemeClr val="tx1"/>
+                </a:solidFill>
+                <a:tailEnd type="triangle"/>
+              </a:ln>
+            </p:spPr>
+            <p:style>
+              <a:lnRef idx="1">
+                <a:schemeClr val="accent1"/>
+              </a:lnRef>
+              <a:fillRef idx="0">
+                <a:schemeClr val="accent1"/>
+              </a:fillRef>
+              <a:effectRef idx="0">
+                <a:schemeClr val="accent1"/>
+              </a:effectRef>
+              <a:fontRef idx="minor">
+                <a:schemeClr val="tx1"/>
+              </a:fontRef>
+            </p:style>
+          </p:cxnSp>
+        </p:grpSp>
+        <p:cxnSp>
+          <p:nvCxnSpPr>
+            <p:cNvPr id="73" name="Connector: Curved 72">
+              <a:extLst>
+                <a:ext uri="{FF2B5EF4-FFF2-40B4-BE49-F238E27FC236}">
+                  <a16:creationId xmlns:a16="http://schemas.microsoft.com/office/drawing/2014/main" id="{FCEBAE05-F24D-413E-8564-4DF38D8CEF3E}"/>
+                </a:ext>
+              </a:extLst>
+            </p:cNvPr>
+            <p:cNvCxnSpPr>
+              <a:stCxn id="15" idx="2"/>
+              <a:endCxn id="17" idx="2"/>
+            </p:cNvCxnSpPr>
+            <p:nvPr/>
+          </p:nvCxnSpPr>
+          <p:spPr>
+            <a:xfrm rot="10800000" flipH="1" flipV="1">
+              <a:off x="899055" y="1561950"/>
+              <a:ext cx="7372" cy="763226"/>
+            </a:xfrm>
+            <a:prstGeom prst="curvedConnector3">
+              <a:avLst>
+                <a:gd name="adj1" fmla="val -3100922"/>
+              </a:avLst>
+            </a:prstGeom>
+            <a:ln>
+              <a:solidFill>
+                <a:schemeClr val="tx1"/>
+              </a:solidFill>
+              <a:headEnd type="triangle"/>
+              <a:tailEnd type="triangle"/>
+            </a:ln>
+          </p:spPr>
+          <p:style>
+            <a:lnRef idx="1">
+              <a:schemeClr val="accent1"/>
+            </a:lnRef>
+            <a:fillRef idx="0">
+              <a:schemeClr val="accent1"/>
+            </a:fillRef>
+            <a:effectRef idx="0">
+              <a:schemeClr val="accent1"/>
+            </a:effectRef>
+            <a:fontRef idx="minor">
+              <a:schemeClr val="tx1"/>
+            </a:fontRef>
+          </p:style>
+        </p:cxnSp>
+      </p:grpSp>
+    </p:spTree>
+    <p:extLst>
+      <p:ext uri="{BB962C8B-B14F-4D97-AF65-F5344CB8AC3E}">
+        <p14:creationId xmlns:p14="http://schemas.microsoft.com/office/powerpoint/2010/main" val="4014291370"/>
+      </p:ext>
+    </p:extLst>
+  </p:cSld>
+  <p:clrMapOvr>
+    <a:masterClrMapping/>
+  </p:clrMapOvr>
+</p:sld>
+</file>
+
+<file path=ppt/slides/slide9.xml><?xml version="1.0" encoding="utf-8"?>
+<p:sld xmlns:a="http://schemas.openxmlformats.org/drawingml/2006/main" xmlns:r="http://schemas.openxmlformats.org/officeDocument/2006/relationships" xmlns:p="http://schemas.openxmlformats.org/presentationml/2006/main">
+  <p:cSld>
+    <p:spTree>
+      <p:nvGrpSpPr>
+        <p:cNvPr id="1" name=""/>
+        <p:cNvGrpSpPr/>
+        <p:nvPr/>
+      </p:nvGrpSpPr>
+      <p:grpSpPr>
+        <a:xfrm>
+          <a:off x="0" y="0"/>
+          <a:ext cx="0" cy="0"/>
+          <a:chOff x="0" y="0"/>
+          <a:chExt cx="0" cy="0"/>
+        </a:xfrm>
+      </p:grpSpPr>
+    </p:spTree>
+    <p:extLst>
+      <p:ext uri="{BB962C8B-B14F-4D97-AF65-F5344CB8AC3E}">
+        <p14:creationId xmlns:p14="http://schemas.microsoft.com/office/powerpoint/2010/main" val="1217828002"/>
       </p:ext>
     </p:extLst>
   </p:cSld>

--- a/gambar.pptx
+++ b/gambar.pptx
@@ -279,7 +279,7 @@
           <a:p>
             <a:fld id="{4A9CFB26-D298-4D2A-8754-88594ABDAEF8}" type="datetimeFigureOut">
               <a:rPr lang="en-US" smtClean="0"/>
-              <a:t>11/21/2019</a:t>
+              <a:t>11/22/2019</a:t>
             </a:fld>
             <a:endParaRPr lang="en-US"/>
           </a:p>
@@ -477,7 +477,7 @@
           <a:p>
             <a:fld id="{4A9CFB26-D298-4D2A-8754-88594ABDAEF8}" type="datetimeFigureOut">
               <a:rPr lang="en-US" smtClean="0"/>
-              <a:t>11/21/2019</a:t>
+              <a:t>11/22/2019</a:t>
             </a:fld>
             <a:endParaRPr lang="en-US"/>
           </a:p>
@@ -685,7 +685,7 @@
           <a:p>
             <a:fld id="{4A9CFB26-D298-4D2A-8754-88594ABDAEF8}" type="datetimeFigureOut">
               <a:rPr lang="en-US" smtClean="0"/>
-              <a:t>11/21/2019</a:t>
+              <a:t>11/22/2019</a:t>
             </a:fld>
             <a:endParaRPr lang="en-US"/>
           </a:p>
@@ -883,7 +883,7 @@
           <a:p>
             <a:fld id="{4A9CFB26-D298-4D2A-8754-88594ABDAEF8}" type="datetimeFigureOut">
               <a:rPr lang="en-US" smtClean="0"/>
-              <a:t>11/21/2019</a:t>
+              <a:t>11/22/2019</a:t>
             </a:fld>
             <a:endParaRPr lang="en-US"/>
           </a:p>
@@ -1158,7 +1158,7 @@
           <a:p>
             <a:fld id="{4A9CFB26-D298-4D2A-8754-88594ABDAEF8}" type="datetimeFigureOut">
               <a:rPr lang="en-US" smtClean="0"/>
-              <a:t>11/21/2019</a:t>
+              <a:t>11/22/2019</a:t>
             </a:fld>
             <a:endParaRPr lang="en-US"/>
           </a:p>
@@ -1423,7 +1423,7 @@
           <a:p>
             <a:fld id="{4A9CFB26-D298-4D2A-8754-88594ABDAEF8}" type="datetimeFigureOut">
               <a:rPr lang="en-US" smtClean="0"/>
-              <a:t>11/21/2019</a:t>
+              <a:t>11/22/2019</a:t>
             </a:fld>
             <a:endParaRPr lang="en-US"/>
           </a:p>
@@ -1835,7 +1835,7 @@
           <a:p>
             <a:fld id="{4A9CFB26-D298-4D2A-8754-88594ABDAEF8}" type="datetimeFigureOut">
               <a:rPr lang="en-US" smtClean="0"/>
-              <a:t>11/21/2019</a:t>
+              <a:t>11/22/2019</a:t>
             </a:fld>
             <a:endParaRPr lang="en-US"/>
           </a:p>
@@ -1976,7 +1976,7 @@
           <a:p>
             <a:fld id="{4A9CFB26-D298-4D2A-8754-88594ABDAEF8}" type="datetimeFigureOut">
               <a:rPr lang="en-US" smtClean="0"/>
-              <a:t>11/21/2019</a:t>
+              <a:t>11/22/2019</a:t>
             </a:fld>
             <a:endParaRPr lang="en-US"/>
           </a:p>
@@ -2089,7 +2089,7 @@
           <a:p>
             <a:fld id="{4A9CFB26-D298-4D2A-8754-88594ABDAEF8}" type="datetimeFigureOut">
               <a:rPr lang="en-US" smtClean="0"/>
-              <a:t>11/21/2019</a:t>
+              <a:t>11/22/2019</a:t>
             </a:fld>
             <a:endParaRPr lang="en-US"/>
           </a:p>
@@ -2400,7 +2400,7 @@
           <a:p>
             <a:fld id="{4A9CFB26-D298-4D2A-8754-88594ABDAEF8}" type="datetimeFigureOut">
               <a:rPr lang="en-US" smtClean="0"/>
-              <a:t>11/21/2019</a:t>
+              <a:t>11/22/2019</a:t>
             </a:fld>
             <a:endParaRPr lang="en-US"/>
           </a:p>
@@ -2688,7 +2688,7 @@
           <a:p>
             <a:fld id="{4A9CFB26-D298-4D2A-8754-88594ABDAEF8}" type="datetimeFigureOut">
               <a:rPr lang="en-US" smtClean="0"/>
-              <a:t>11/21/2019</a:t>
+              <a:t>11/22/2019</a:t>
             </a:fld>
             <a:endParaRPr lang="en-US"/>
           </a:p>
@@ -2929,7 +2929,7 @@
           <a:p>
             <a:fld id="{4A9CFB26-D298-4D2A-8754-88594ABDAEF8}" type="datetimeFigureOut">
               <a:rPr lang="en-US" smtClean="0"/>
-              <a:t>11/21/2019</a:t>
+              <a:t>11/22/2019</a:t>
             </a:fld>
             <a:endParaRPr lang="en-US"/>
           </a:p>
@@ -5974,2289 +5974,12 @@
           <a:chExt cx="0" cy="0"/>
         </a:xfrm>
       </p:grpSpPr>
-      <p:grpSp>
-        <p:nvGrpSpPr>
-          <p:cNvPr id="115" name="Group 114">
+      <p:sp>
+        <p:nvSpPr>
+          <p:cNvPr id="4" name="Oval 3">
             <a:extLst>
               <a:ext uri="{FF2B5EF4-FFF2-40B4-BE49-F238E27FC236}">
-                <a16:creationId xmlns:a16="http://schemas.microsoft.com/office/drawing/2014/main" id="{43C6F366-A1D2-4E27-84F6-C71EB0BD7D06}"/>
-              </a:ext>
-            </a:extLst>
-          </p:cNvPr>
-          <p:cNvGrpSpPr/>
-          <p:nvPr/>
-        </p:nvGrpSpPr>
-        <p:grpSpPr>
-          <a:xfrm>
-            <a:off x="2342535" y="1584837"/>
-            <a:ext cx="8340211" cy="2551163"/>
-            <a:chOff x="2342535" y="1584837"/>
-            <a:chExt cx="8340211" cy="2551163"/>
-          </a:xfrm>
-        </p:grpSpPr>
-        <p:sp>
-          <p:nvSpPr>
-            <p:cNvPr id="4" name="Oval 3">
-              <a:extLst>
-                <a:ext uri="{FF2B5EF4-FFF2-40B4-BE49-F238E27FC236}">
-                  <a16:creationId xmlns:a16="http://schemas.microsoft.com/office/drawing/2014/main" id="{3E3C8C8E-4CD4-4035-8AA3-06956BF02E6A}"/>
-                </a:ext>
-              </a:extLst>
-            </p:cNvPr>
-            <p:cNvSpPr/>
-            <p:nvPr/>
-          </p:nvSpPr>
-          <p:spPr>
-            <a:xfrm>
-              <a:off x="4591665" y="2310581"/>
-              <a:ext cx="1111045" cy="1118419"/>
-            </a:xfrm>
-            <a:prstGeom prst="ellipse">
-              <a:avLst/>
-            </a:prstGeom>
-            <a:noFill/>
-            <a:ln>
-              <a:solidFill>
-                <a:schemeClr val="tx1"/>
-              </a:solidFill>
-            </a:ln>
-          </p:spPr>
-          <p:style>
-            <a:lnRef idx="2">
-              <a:schemeClr val="accent1">
-                <a:shade val="50000"/>
-              </a:schemeClr>
-            </a:lnRef>
-            <a:fillRef idx="1">
-              <a:schemeClr val="accent1"/>
-            </a:fillRef>
-            <a:effectRef idx="0">
-              <a:schemeClr val="accent1"/>
-            </a:effectRef>
-            <a:fontRef idx="minor">
-              <a:schemeClr val="lt1"/>
-            </a:fontRef>
-          </p:style>
-          <p:txBody>
-            <a:bodyPr rtlCol="0" anchor="ctr"/>
-            <a:lstStyle/>
-            <a:p>
-              <a:pPr algn="ctr"/>
-              <a:r>
-                <a:rPr lang="en-US" i="1" dirty="0">
-                  <a:solidFill>
-                    <a:schemeClr val="tx1"/>
-                  </a:solidFill>
-                </a:rPr>
-                <a:t>trust</a:t>
-              </a:r>
-            </a:p>
-          </p:txBody>
-        </p:sp>
-        <p:sp>
-          <p:nvSpPr>
-            <p:cNvPr id="5" name="Oval 4">
-              <a:extLst>
-                <a:ext uri="{FF2B5EF4-FFF2-40B4-BE49-F238E27FC236}">
-                  <a16:creationId xmlns:a16="http://schemas.microsoft.com/office/drawing/2014/main" id="{49DB36B5-D9AC-4979-96DB-C8C8AA7BE4FD}"/>
-                </a:ext>
-              </a:extLst>
-            </p:cNvPr>
-            <p:cNvSpPr/>
-            <p:nvPr/>
-          </p:nvSpPr>
-          <p:spPr>
-            <a:xfrm>
-              <a:off x="7044814" y="2310581"/>
-              <a:ext cx="1111045" cy="1118419"/>
-            </a:xfrm>
-            <a:prstGeom prst="ellipse">
-              <a:avLst/>
-            </a:prstGeom>
-            <a:noFill/>
-            <a:ln>
-              <a:solidFill>
-                <a:schemeClr val="tx1"/>
-              </a:solidFill>
-            </a:ln>
-          </p:spPr>
-          <p:style>
-            <a:lnRef idx="2">
-              <a:schemeClr val="accent1">
-                <a:shade val="50000"/>
-              </a:schemeClr>
-            </a:lnRef>
-            <a:fillRef idx="1">
-              <a:schemeClr val="accent1"/>
-            </a:fillRef>
-            <a:effectRef idx="0">
-              <a:schemeClr val="accent1"/>
-            </a:effectRef>
-            <a:fontRef idx="minor">
-              <a:schemeClr val="lt1"/>
-            </a:fontRef>
-          </p:style>
-          <p:txBody>
-            <a:bodyPr rtlCol="0" anchor="ctr"/>
-            <a:lstStyle/>
-            <a:p>
-              <a:pPr algn="ctr"/>
-              <a:r>
-                <a:rPr lang="en-US" sz="1400" dirty="0" err="1">
-                  <a:solidFill>
-                    <a:schemeClr val="tx1"/>
-                  </a:solidFill>
-                </a:rPr>
-                <a:t>mandiri</a:t>
-              </a:r>
-              <a:endParaRPr lang="en-US" sz="1400" dirty="0">
-                <a:solidFill>
-                  <a:schemeClr val="tx1"/>
-                </a:solidFill>
-              </a:endParaRPr>
-            </a:p>
-          </p:txBody>
-        </p:sp>
-        <p:sp>
-          <p:nvSpPr>
-            <p:cNvPr id="6" name="Rectangle 5">
-              <a:extLst>
-                <a:ext uri="{FF2B5EF4-FFF2-40B4-BE49-F238E27FC236}">
-                  <a16:creationId xmlns:a16="http://schemas.microsoft.com/office/drawing/2014/main" id="{3D5199B9-ACAF-4B86-A7F1-20611AE300D9}"/>
-                </a:ext>
-              </a:extLst>
-            </p:cNvPr>
-            <p:cNvSpPr/>
-            <p:nvPr/>
-          </p:nvSpPr>
-          <p:spPr>
-            <a:xfrm>
-              <a:off x="3097161" y="2123768"/>
-              <a:ext cx="639097" cy="334297"/>
-            </a:xfrm>
-            <a:prstGeom prst="rect">
-              <a:avLst/>
-            </a:prstGeom>
-            <a:noFill/>
-            <a:ln>
-              <a:solidFill>
-                <a:schemeClr val="tx1"/>
-              </a:solidFill>
-            </a:ln>
-          </p:spPr>
-          <p:style>
-            <a:lnRef idx="2">
-              <a:schemeClr val="accent1">
-                <a:shade val="50000"/>
-              </a:schemeClr>
-            </a:lnRef>
-            <a:fillRef idx="1">
-              <a:schemeClr val="accent1"/>
-            </a:fillRef>
-            <a:effectRef idx="0">
-              <a:schemeClr val="accent1"/>
-            </a:effectRef>
-            <a:fontRef idx="minor">
-              <a:schemeClr val="lt1"/>
-            </a:fontRef>
-          </p:style>
-          <p:txBody>
-            <a:bodyPr rtlCol="0" anchor="ctr"/>
-            <a:lstStyle/>
-            <a:p>
-              <a:pPr algn="ctr"/>
-              <a:r>
-                <a:rPr lang="en-US" sz="1400" dirty="0">
-                  <a:solidFill>
-                    <a:schemeClr val="tx1"/>
-                  </a:solidFill>
-                </a:rPr>
-                <a:t>trust2</a:t>
-              </a:r>
-            </a:p>
-          </p:txBody>
-        </p:sp>
-        <p:sp>
-          <p:nvSpPr>
-            <p:cNvPr id="7" name="Rectangle 6">
-              <a:extLst>
-                <a:ext uri="{FF2B5EF4-FFF2-40B4-BE49-F238E27FC236}">
-                  <a16:creationId xmlns:a16="http://schemas.microsoft.com/office/drawing/2014/main" id="{1B0328BA-1ADE-48DA-85CC-097E73B12136}"/>
-                </a:ext>
-              </a:extLst>
-            </p:cNvPr>
-            <p:cNvSpPr/>
-            <p:nvPr/>
-          </p:nvSpPr>
-          <p:spPr>
-            <a:xfrm>
-              <a:off x="3083641" y="2693423"/>
-              <a:ext cx="639096" cy="342900"/>
-            </a:xfrm>
-            <a:prstGeom prst="rect">
-              <a:avLst/>
-            </a:prstGeom>
-            <a:noFill/>
-            <a:ln>
-              <a:solidFill>
-                <a:schemeClr val="tx1"/>
-              </a:solidFill>
-            </a:ln>
-          </p:spPr>
-          <p:style>
-            <a:lnRef idx="2">
-              <a:schemeClr val="accent1">
-                <a:shade val="50000"/>
-              </a:schemeClr>
-            </a:lnRef>
-            <a:fillRef idx="1">
-              <a:schemeClr val="accent1"/>
-            </a:fillRef>
-            <a:effectRef idx="0">
-              <a:schemeClr val="accent1"/>
-            </a:effectRef>
-            <a:fontRef idx="minor">
-              <a:schemeClr val="lt1"/>
-            </a:fontRef>
-          </p:style>
-          <p:txBody>
-            <a:bodyPr rtlCol="0" anchor="ctr"/>
-            <a:lstStyle/>
-            <a:p>
-              <a:pPr algn="ctr"/>
-              <a:r>
-                <a:rPr lang="en-US" sz="1400" dirty="0">
-                  <a:solidFill>
-                    <a:schemeClr val="tx1"/>
-                  </a:solidFill>
-                </a:rPr>
-                <a:t>trust3</a:t>
-              </a:r>
-            </a:p>
-          </p:txBody>
-        </p:sp>
-        <p:sp>
-          <p:nvSpPr>
-            <p:cNvPr id="8" name="Rectangle 7">
-              <a:extLst>
-                <a:ext uri="{FF2B5EF4-FFF2-40B4-BE49-F238E27FC236}">
-                  <a16:creationId xmlns:a16="http://schemas.microsoft.com/office/drawing/2014/main" id="{0AD747AF-DFC7-4CE1-B553-A503386001CE}"/>
-                </a:ext>
-              </a:extLst>
-            </p:cNvPr>
-            <p:cNvSpPr/>
-            <p:nvPr/>
-          </p:nvSpPr>
-          <p:spPr>
-            <a:xfrm>
-              <a:off x="3097160" y="3242186"/>
-              <a:ext cx="639097" cy="334297"/>
-            </a:xfrm>
-            <a:prstGeom prst="rect">
-              <a:avLst/>
-            </a:prstGeom>
-            <a:noFill/>
-            <a:ln>
-              <a:solidFill>
-                <a:schemeClr val="tx1"/>
-              </a:solidFill>
-            </a:ln>
-          </p:spPr>
-          <p:style>
-            <a:lnRef idx="2">
-              <a:schemeClr val="accent1">
-                <a:shade val="50000"/>
-              </a:schemeClr>
-            </a:lnRef>
-            <a:fillRef idx="1">
-              <a:schemeClr val="accent1"/>
-            </a:fillRef>
-            <a:effectRef idx="0">
-              <a:schemeClr val="accent1"/>
-            </a:effectRef>
-            <a:fontRef idx="minor">
-              <a:schemeClr val="lt1"/>
-            </a:fontRef>
-          </p:style>
-          <p:txBody>
-            <a:bodyPr rtlCol="0" anchor="ctr"/>
-            <a:lstStyle/>
-            <a:p>
-              <a:pPr algn="ctr"/>
-              <a:r>
-                <a:rPr lang="en-US" sz="1400" dirty="0">
-                  <a:solidFill>
-                    <a:schemeClr val="tx1"/>
-                  </a:solidFill>
-                </a:rPr>
-                <a:t>trust4</a:t>
-              </a:r>
-            </a:p>
-          </p:txBody>
-        </p:sp>
-        <p:sp>
-          <p:nvSpPr>
-            <p:cNvPr id="9" name="Rectangle 8">
-              <a:extLst>
-                <a:ext uri="{FF2B5EF4-FFF2-40B4-BE49-F238E27FC236}">
-                  <a16:creationId xmlns:a16="http://schemas.microsoft.com/office/drawing/2014/main" id="{06C7735D-BA3A-4A37-A20D-6AAC61B92DA3}"/>
-                </a:ext>
-              </a:extLst>
-            </p:cNvPr>
-            <p:cNvSpPr/>
-            <p:nvPr/>
-          </p:nvSpPr>
-          <p:spPr>
-            <a:xfrm>
-              <a:off x="3097160" y="3801395"/>
-              <a:ext cx="639097" cy="334297"/>
-            </a:xfrm>
-            <a:prstGeom prst="rect">
-              <a:avLst/>
-            </a:prstGeom>
-            <a:noFill/>
-            <a:ln>
-              <a:solidFill>
-                <a:schemeClr val="tx1"/>
-              </a:solidFill>
-            </a:ln>
-          </p:spPr>
-          <p:style>
-            <a:lnRef idx="2">
-              <a:schemeClr val="accent1">
-                <a:shade val="50000"/>
-              </a:schemeClr>
-            </a:lnRef>
-            <a:fillRef idx="1">
-              <a:schemeClr val="accent1"/>
-            </a:fillRef>
-            <a:effectRef idx="0">
-              <a:schemeClr val="accent1"/>
-            </a:effectRef>
-            <a:fontRef idx="minor">
-              <a:schemeClr val="lt1"/>
-            </a:fontRef>
-          </p:style>
-          <p:txBody>
-            <a:bodyPr rtlCol="0" anchor="ctr"/>
-            <a:lstStyle/>
-            <a:p>
-              <a:pPr algn="ctr"/>
-              <a:r>
-                <a:rPr lang="en-US" sz="1400" dirty="0">
-                  <a:solidFill>
-                    <a:schemeClr val="tx1"/>
-                  </a:solidFill>
-                </a:rPr>
-                <a:t>trust5</a:t>
-              </a:r>
-            </a:p>
-          </p:txBody>
-        </p:sp>
-        <p:sp>
-          <p:nvSpPr>
-            <p:cNvPr id="10" name="Rectangle 9">
-              <a:extLst>
-                <a:ext uri="{FF2B5EF4-FFF2-40B4-BE49-F238E27FC236}">
-                  <a16:creationId xmlns:a16="http://schemas.microsoft.com/office/drawing/2014/main" id="{71D888F0-92B5-480E-87C5-EC9DA26E082C}"/>
-                </a:ext>
-              </a:extLst>
-            </p:cNvPr>
-            <p:cNvSpPr/>
-            <p:nvPr/>
-          </p:nvSpPr>
-          <p:spPr>
-            <a:xfrm>
-              <a:off x="3097160" y="1589755"/>
-              <a:ext cx="639097" cy="334297"/>
-            </a:xfrm>
-            <a:prstGeom prst="rect">
-              <a:avLst/>
-            </a:prstGeom>
-            <a:noFill/>
-            <a:ln>
-              <a:solidFill>
-                <a:schemeClr val="tx1"/>
-              </a:solidFill>
-            </a:ln>
-          </p:spPr>
-          <p:style>
-            <a:lnRef idx="2">
-              <a:schemeClr val="accent1">
-                <a:shade val="50000"/>
-              </a:schemeClr>
-            </a:lnRef>
-            <a:fillRef idx="1">
-              <a:schemeClr val="accent1"/>
-            </a:fillRef>
-            <a:effectRef idx="0">
-              <a:schemeClr val="accent1"/>
-            </a:effectRef>
-            <a:fontRef idx="minor">
-              <a:schemeClr val="lt1"/>
-            </a:fontRef>
-          </p:style>
-          <p:txBody>
-            <a:bodyPr rtlCol="0" anchor="ctr"/>
-            <a:lstStyle/>
-            <a:p>
-              <a:pPr algn="ctr"/>
-              <a:r>
-                <a:rPr lang="en-US" sz="1400" dirty="0">
-                  <a:solidFill>
-                    <a:schemeClr val="tx1"/>
-                  </a:solidFill>
-                </a:rPr>
-                <a:t>trust1</a:t>
-              </a:r>
-              <a:endParaRPr lang="en-US" dirty="0">
-                <a:solidFill>
-                  <a:schemeClr val="tx1"/>
-                </a:solidFill>
-              </a:endParaRPr>
-            </a:p>
-          </p:txBody>
-        </p:sp>
-        <p:sp>
-          <p:nvSpPr>
-            <p:cNvPr id="11" name="Rectangle 10">
-              <a:extLst>
-                <a:ext uri="{FF2B5EF4-FFF2-40B4-BE49-F238E27FC236}">
-                  <a16:creationId xmlns:a16="http://schemas.microsoft.com/office/drawing/2014/main" id="{DC19E90C-F490-472C-AD3C-16CCB266FAE5}"/>
-                </a:ext>
-              </a:extLst>
-            </p:cNvPr>
-            <p:cNvSpPr/>
-            <p:nvPr/>
-          </p:nvSpPr>
-          <p:spPr>
-            <a:xfrm>
-              <a:off x="9178413" y="2290916"/>
-              <a:ext cx="639097" cy="334297"/>
-            </a:xfrm>
-            <a:prstGeom prst="rect">
-              <a:avLst/>
-            </a:prstGeom>
-            <a:noFill/>
-            <a:ln>
-              <a:solidFill>
-                <a:schemeClr val="tx1"/>
-              </a:solidFill>
-            </a:ln>
-          </p:spPr>
-          <p:style>
-            <a:lnRef idx="2">
-              <a:schemeClr val="accent1">
-                <a:shade val="50000"/>
-              </a:schemeClr>
-            </a:lnRef>
-            <a:fillRef idx="1">
-              <a:schemeClr val="accent1"/>
-            </a:fillRef>
-            <a:effectRef idx="0">
-              <a:schemeClr val="accent1"/>
-            </a:effectRef>
-            <a:fontRef idx="minor">
-              <a:schemeClr val="lt1"/>
-            </a:fontRef>
-          </p:style>
-          <p:txBody>
-            <a:bodyPr rtlCol="0" anchor="ctr"/>
-            <a:lstStyle/>
-            <a:p>
-              <a:pPr algn="ctr"/>
-              <a:r>
-                <a:rPr lang="en-US" sz="900" dirty="0">
-                  <a:solidFill>
-                    <a:schemeClr val="tx1"/>
-                  </a:solidFill>
-                </a:rPr>
-                <a:t>mandiri2</a:t>
-              </a:r>
-            </a:p>
-          </p:txBody>
-        </p:sp>
-        <p:sp>
-          <p:nvSpPr>
-            <p:cNvPr id="12" name="Rectangle 11">
-              <a:extLst>
-                <a:ext uri="{FF2B5EF4-FFF2-40B4-BE49-F238E27FC236}">
-                  <a16:creationId xmlns:a16="http://schemas.microsoft.com/office/drawing/2014/main" id="{54003AF7-EB75-4922-B247-8FB11AD9562E}"/>
-                </a:ext>
-              </a:extLst>
-            </p:cNvPr>
-            <p:cNvSpPr/>
-            <p:nvPr/>
-          </p:nvSpPr>
-          <p:spPr>
-            <a:xfrm>
-              <a:off x="9178412" y="2850125"/>
-              <a:ext cx="639097" cy="334297"/>
-            </a:xfrm>
-            <a:prstGeom prst="rect">
-              <a:avLst/>
-            </a:prstGeom>
-            <a:noFill/>
-            <a:ln>
-              <a:solidFill>
-                <a:schemeClr val="tx1"/>
-              </a:solidFill>
-            </a:ln>
-          </p:spPr>
-          <p:style>
-            <a:lnRef idx="2">
-              <a:schemeClr val="accent1">
-                <a:shade val="50000"/>
-              </a:schemeClr>
-            </a:lnRef>
-            <a:fillRef idx="1">
-              <a:schemeClr val="accent1"/>
-            </a:fillRef>
-            <a:effectRef idx="0">
-              <a:schemeClr val="accent1"/>
-            </a:effectRef>
-            <a:fontRef idx="minor">
-              <a:schemeClr val="lt1"/>
-            </a:fontRef>
-          </p:style>
-          <p:txBody>
-            <a:bodyPr rtlCol="0" anchor="ctr"/>
-            <a:lstStyle/>
-            <a:p>
-              <a:pPr algn="ctr"/>
-              <a:r>
-                <a:rPr lang="en-US" sz="900" dirty="0">
-                  <a:solidFill>
-                    <a:schemeClr val="tx1"/>
-                  </a:solidFill>
-                </a:rPr>
-                <a:t>mandiri3</a:t>
-              </a:r>
-            </a:p>
-          </p:txBody>
-        </p:sp>
-        <p:sp>
-          <p:nvSpPr>
-            <p:cNvPr id="13" name="Rectangle 12">
-              <a:extLst>
-                <a:ext uri="{FF2B5EF4-FFF2-40B4-BE49-F238E27FC236}">
-                  <a16:creationId xmlns:a16="http://schemas.microsoft.com/office/drawing/2014/main" id="{4F64CD53-299B-449A-8510-71C2956E7FB9}"/>
-                </a:ext>
-              </a:extLst>
-            </p:cNvPr>
-            <p:cNvSpPr/>
-            <p:nvPr/>
-          </p:nvSpPr>
-          <p:spPr>
-            <a:xfrm>
-              <a:off x="9178412" y="3409334"/>
-              <a:ext cx="639097" cy="334297"/>
-            </a:xfrm>
-            <a:prstGeom prst="rect">
-              <a:avLst/>
-            </a:prstGeom>
-            <a:noFill/>
-            <a:ln>
-              <a:solidFill>
-                <a:schemeClr val="tx1"/>
-              </a:solidFill>
-            </a:ln>
-          </p:spPr>
-          <p:style>
-            <a:lnRef idx="2">
-              <a:schemeClr val="accent1">
-                <a:shade val="50000"/>
-              </a:schemeClr>
-            </a:lnRef>
-            <a:fillRef idx="1">
-              <a:schemeClr val="accent1"/>
-            </a:fillRef>
-            <a:effectRef idx="0">
-              <a:schemeClr val="accent1"/>
-            </a:effectRef>
-            <a:fontRef idx="minor">
-              <a:schemeClr val="lt1"/>
-            </a:fontRef>
-          </p:style>
-          <p:txBody>
-            <a:bodyPr rtlCol="0" anchor="ctr"/>
-            <a:lstStyle/>
-            <a:p>
-              <a:pPr algn="ctr"/>
-              <a:r>
-                <a:rPr lang="en-US" sz="900" dirty="0">
-                  <a:solidFill>
-                    <a:schemeClr val="tx1"/>
-                  </a:solidFill>
-                </a:rPr>
-                <a:t>mandiri4</a:t>
-              </a:r>
-            </a:p>
-          </p:txBody>
-        </p:sp>
-        <p:sp>
-          <p:nvSpPr>
-            <p:cNvPr id="14" name="Rectangle 13">
-              <a:extLst>
-                <a:ext uri="{FF2B5EF4-FFF2-40B4-BE49-F238E27FC236}">
-                  <a16:creationId xmlns:a16="http://schemas.microsoft.com/office/drawing/2014/main" id="{EA2FC5C6-BED5-4280-BAF5-330A15CC0F3A}"/>
-                </a:ext>
-              </a:extLst>
-            </p:cNvPr>
-            <p:cNvSpPr/>
-            <p:nvPr/>
-          </p:nvSpPr>
-          <p:spPr>
-            <a:xfrm>
-              <a:off x="9178412" y="1756903"/>
-              <a:ext cx="639097" cy="334297"/>
-            </a:xfrm>
-            <a:prstGeom prst="rect">
-              <a:avLst/>
-            </a:prstGeom>
-            <a:noFill/>
-            <a:ln>
-              <a:solidFill>
-                <a:schemeClr val="tx1"/>
-              </a:solidFill>
-            </a:ln>
-          </p:spPr>
-          <p:style>
-            <a:lnRef idx="2">
-              <a:schemeClr val="accent1">
-                <a:shade val="50000"/>
-              </a:schemeClr>
-            </a:lnRef>
-            <a:fillRef idx="1">
-              <a:schemeClr val="accent1"/>
-            </a:fillRef>
-            <a:effectRef idx="0">
-              <a:schemeClr val="accent1"/>
-            </a:effectRef>
-            <a:fontRef idx="minor">
-              <a:schemeClr val="lt1"/>
-            </a:fontRef>
-          </p:style>
-          <p:txBody>
-            <a:bodyPr rtlCol="0" anchor="ctr"/>
-            <a:lstStyle/>
-            <a:p>
-              <a:pPr algn="ctr"/>
-              <a:r>
-                <a:rPr lang="en-US" sz="900" dirty="0">
-                  <a:solidFill>
-                    <a:schemeClr val="tx1"/>
-                  </a:solidFill>
-                </a:rPr>
-                <a:t>mandiri1</a:t>
-              </a:r>
-            </a:p>
-          </p:txBody>
-        </p:sp>
-        <p:cxnSp>
-          <p:nvCxnSpPr>
-            <p:cNvPr id="21" name="Straight Arrow Connector 20">
-              <a:extLst>
-                <a:ext uri="{FF2B5EF4-FFF2-40B4-BE49-F238E27FC236}">
-                  <a16:creationId xmlns:a16="http://schemas.microsoft.com/office/drawing/2014/main" id="{FAFE3ADE-1D54-4997-AC42-6ECE798C1364}"/>
-                </a:ext>
-              </a:extLst>
-            </p:cNvPr>
-            <p:cNvCxnSpPr>
-              <a:cxnSpLocks/>
-              <a:stCxn id="4" idx="2"/>
-              <a:endCxn id="10" idx="3"/>
-            </p:cNvCxnSpPr>
-            <p:nvPr/>
-          </p:nvCxnSpPr>
-          <p:spPr>
-            <a:xfrm flipH="1" flipV="1">
-              <a:off x="3736257" y="1756904"/>
-              <a:ext cx="855408" cy="1112887"/>
-            </a:xfrm>
-            <a:prstGeom prst="straightConnector1">
-              <a:avLst/>
-            </a:prstGeom>
-            <a:ln>
-              <a:solidFill>
-                <a:schemeClr val="tx1"/>
-              </a:solidFill>
-              <a:tailEnd type="triangle"/>
-            </a:ln>
-          </p:spPr>
-          <p:style>
-            <a:lnRef idx="1">
-              <a:schemeClr val="accent1"/>
-            </a:lnRef>
-            <a:fillRef idx="0">
-              <a:schemeClr val="accent1"/>
-            </a:fillRef>
-            <a:effectRef idx="0">
-              <a:schemeClr val="accent1"/>
-            </a:effectRef>
-            <a:fontRef idx="minor">
-              <a:schemeClr val="tx1"/>
-            </a:fontRef>
-          </p:style>
-        </p:cxnSp>
-        <p:cxnSp>
-          <p:nvCxnSpPr>
-            <p:cNvPr id="22" name="Straight Arrow Connector 21">
-              <a:extLst>
-                <a:ext uri="{FF2B5EF4-FFF2-40B4-BE49-F238E27FC236}">
-                  <a16:creationId xmlns:a16="http://schemas.microsoft.com/office/drawing/2014/main" id="{02BF97F9-93DA-40D5-B6B4-A4FE2AF91E88}"/>
-                </a:ext>
-              </a:extLst>
-            </p:cNvPr>
-            <p:cNvCxnSpPr>
-              <a:cxnSpLocks/>
-              <a:stCxn id="4" idx="2"/>
-              <a:endCxn id="6" idx="3"/>
-            </p:cNvCxnSpPr>
-            <p:nvPr/>
-          </p:nvCxnSpPr>
-          <p:spPr>
-            <a:xfrm flipH="1" flipV="1">
-              <a:off x="3736258" y="2290917"/>
-              <a:ext cx="855407" cy="578874"/>
-            </a:xfrm>
-            <a:prstGeom prst="straightConnector1">
-              <a:avLst/>
-            </a:prstGeom>
-            <a:ln>
-              <a:solidFill>
-                <a:schemeClr val="tx1"/>
-              </a:solidFill>
-              <a:tailEnd type="triangle"/>
-            </a:ln>
-          </p:spPr>
-          <p:style>
-            <a:lnRef idx="1">
-              <a:schemeClr val="accent1"/>
-            </a:lnRef>
-            <a:fillRef idx="0">
-              <a:schemeClr val="accent1"/>
-            </a:fillRef>
-            <a:effectRef idx="0">
-              <a:schemeClr val="accent1"/>
-            </a:effectRef>
-            <a:fontRef idx="minor">
-              <a:schemeClr val="tx1"/>
-            </a:fontRef>
-          </p:style>
-        </p:cxnSp>
-        <p:cxnSp>
-          <p:nvCxnSpPr>
-            <p:cNvPr id="25" name="Straight Arrow Connector 24">
-              <a:extLst>
-                <a:ext uri="{FF2B5EF4-FFF2-40B4-BE49-F238E27FC236}">
-                  <a16:creationId xmlns:a16="http://schemas.microsoft.com/office/drawing/2014/main" id="{7145F8EB-9BE0-41D0-B114-69C84ECEEF49}"/>
-                </a:ext>
-              </a:extLst>
-            </p:cNvPr>
-            <p:cNvCxnSpPr>
-              <a:cxnSpLocks/>
-              <a:stCxn id="4" idx="2"/>
-              <a:endCxn id="7" idx="3"/>
-            </p:cNvCxnSpPr>
-            <p:nvPr/>
-          </p:nvCxnSpPr>
-          <p:spPr>
-            <a:xfrm flipH="1" flipV="1">
-              <a:off x="3722737" y="2864873"/>
-              <a:ext cx="868928" cy="4918"/>
-            </a:xfrm>
-            <a:prstGeom prst="straightConnector1">
-              <a:avLst/>
-            </a:prstGeom>
-            <a:ln>
-              <a:solidFill>
-                <a:schemeClr val="tx1"/>
-              </a:solidFill>
-              <a:tailEnd type="triangle"/>
-            </a:ln>
-          </p:spPr>
-          <p:style>
-            <a:lnRef idx="1">
-              <a:schemeClr val="accent1"/>
-            </a:lnRef>
-            <a:fillRef idx="0">
-              <a:schemeClr val="accent1"/>
-            </a:fillRef>
-            <a:effectRef idx="0">
-              <a:schemeClr val="accent1"/>
-            </a:effectRef>
-            <a:fontRef idx="minor">
-              <a:schemeClr val="tx1"/>
-            </a:fontRef>
-          </p:style>
-        </p:cxnSp>
-        <p:cxnSp>
-          <p:nvCxnSpPr>
-            <p:cNvPr id="28" name="Straight Arrow Connector 27">
-              <a:extLst>
-                <a:ext uri="{FF2B5EF4-FFF2-40B4-BE49-F238E27FC236}">
-                  <a16:creationId xmlns:a16="http://schemas.microsoft.com/office/drawing/2014/main" id="{B0559E3E-2C5E-4C91-B016-BCF9BA410947}"/>
-                </a:ext>
-              </a:extLst>
-            </p:cNvPr>
-            <p:cNvCxnSpPr>
-              <a:cxnSpLocks/>
-              <a:stCxn id="4" idx="2"/>
-              <a:endCxn id="8" idx="3"/>
-            </p:cNvCxnSpPr>
-            <p:nvPr/>
-          </p:nvCxnSpPr>
-          <p:spPr>
-            <a:xfrm flipH="1">
-              <a:off x="3736257" y="2869791"/>
-              <a:ext cx="855408" cy="539544"/>
-            </a:xfrm>
-            <a:prstGeom prst="straightConnector1">
-              <a:avLst/>
-            </a:prstGeom>
-            <a:ln>
-              <a:solidFill>
-                <a:schemeClr val="tx1"/>
-              </a:solidFill>
-              <a:tailEnd type="triangle"/>
-            </a:ln>
-          </p:spPr>
-          <p:style>
-            <a:lnRef idx="1">
-              <a:schemeClr val="accent1"/>
-            </a:lnRef>
-            <a:fillRef idx="0">
-              <a:schemeClr val="accent1"/>
-            </a:fillRef>
-            <a:effectRef idx="0">
-              <a:schemeClr val="accent1"/>
-            </a:effectRef>
-            <a:fontRef idx="minor">
-              <a:schemeClr val="tx1"/>
-            </a:fontRef>
-          </p:style>
-        </p:cxnSp>
-        <p:cxnSp>
-          <p:nvCxnSpPr>
-            <p:cNvPr id="31" name="Straight Arrow Connector 30">
-              <a:extLst>
-                <a:ext uri="{FF2B5EF4-FFF2-40B4-BE49-F238E27FC236}">
-                  <a16:creationId xmlns:a16="http://schemas.microsoft.com/office/drawing/2014/main" id="{B9911071-E269-4D74-951B-9EF73156D554}"/>
-                </a:ext>
-              </a:extLst>
-            </p:cNvPr>
-            <p:cNvCxnSpPr>
-              <a:cxnSpLocks/>
-              <a:stCxn id="4" idx="2"/>
-              <a:endCxn id="9" idx="3"/>
-            </p:cNvCxnSpPr>
-            <p:nvPr/>
-          </p:nvCxnSpPr>
-          <p:spPr>
-            <a:xfrm flipH="1">
-              <a:off x="3736257" y="2869791"/>
-              <a:ext cx="855408" cy="1098753"/>
-            </a:xfrm>
-            <a:prstGeom prst="straightConnector1">
-              <a:avLst/>
-            </a:prstGeom>
-            <a:ln>
-              <a:solidFill>
-                <a:schemeClr val="tx1"/>
-              </a:solidFill>
-              <a:tailEnd type="triangle"/>
-            </a:ln>
-          </p:spPr>
-          <p:style>
-            <a:lnRef idx="1">
-              <a:schemeClr val="accent1"/>
-            </a:lnRef>
-            <a:fillRef idx="0">
-              <a:schemeClr val="accent1"/>
-            </a:fillRef>
-            <a:effectRef idx="0">
-              <a:schemeClr val="accent1"/>
-            </a:effectRef>
-            <a:fontRef idx="minor">
-              <a:schemeClr val="tx1"/>
-            </a:fontRef>
-          </p:style>
-        </p:cxnSp>
-        <p:cxnSp>
-          <p:nvCxnSpPr>
-            <p:cNvPr id="35" name="Straight Arrow Connector 34">
-              <a:extLst>
-                <a:ext uri="{FF2B5EF4-FFF2-40B4-BE49-F238E27FC236}">
-                  <a16:creationId xmlns:a16="http://schemas.microsoft.com/office/drawing/2014/main" id="{3529C85D-2259-4211-AF6D-115F4E2B884E}"/>
-                </a:ext>
-              </a:extLst>
-            </p:cNvPr>
-            <p:cNvCxnSpPr>
-              <a:stCxn id="4" idx="6"/>
-              <a:endCxn id="5" idx="2"/>
-            </p:cNvCxnSpPr>
-            <p:nvPr/>
-          </p:nvCxnSpPr>
-          <p:spPr>
-            <a:xfrm>
-              <a:off x="5702710" y="2869791"/>
-              <a:ext cx="1342104" cy="0"/>
-            </a:xfrm>
-            <a:prstGeom prst="straightConnector1">
-              <a:avLst/>
-            </a:prstGeom>
-            <a:ln>
-              <a:solidFill>
-                <a:schemeClr val="tx1"/>
-              </a:solidFill>
-              <a:tailEnd type="triangle"/>
-            </a:ln>
-          </p:spPr>
-          <p:style>
-            <a:lnRef idx="1">
-              <a:schemeClr val="accent1"/>
-            </a:lnRef>
-            <a:fillRef idx="0">
-              <a:schemeClr val="accent1"/>
-            </a:fillRef>
-            <a:effectRef idx="0">
-              <a:schemeClr val="accent1"/>
-            </a:effectRef>
-            <a:fontRef idx="minor">
-              <a:schemeClr val="tx1"/>
-            </a:fontRef>
-          </p:style>
-        </p:cxnSp>
-        <p:cxnSp>
-          <p:nvCxnSpPr>
-            <p:cNvPr id="38" name="Straight Arrow Connector 37">
-              <a:extLst>
-                <a:ext uri="{FF2B5EF4-FFF2-40B4-BE49-F238E27FC236}">
-                  <a16:creationId xmlns:a16="http://schemas.microsoft.com/office/drawing/2014/main" id="{A90DBE0B-CD09-47EF-8994-9817571BAE25}"/>
-                </a:ext>
-              </a:extLst>
-            </p:cNvPr>
-            <p:cNvCxnSpPr>
-              <a:stCxn id="5" idx="6"/>
-              <a:endCxn id="14" idx="1"/>
-            </p:cNvCxnSpPr>
-            <p:nvPr/>
-          </p:nvCxnSpPr>
-          <p:spPr>
-            <a:xfrm flipV="1">
-              <a:off x="8155859" y="1924052"/>
-              <a:ext cx="1022553" cy="945739"/>
-            </a:xfrm>
-            <a:prstGeom prst="straightConnector1">
-              <a:avLst/>
-            </a:prstGeom>
-            <a:ln>
-              <a:solidFill>
-                <a:schemeClr val="tx1"/>
-              </a:solidFill>
-              <a:tailEnd type="triangle"/>
-            </a:ln>
-          </p:spPr>
-          <p:style>
-            <a:lnRef idx="1">
-              <a:schemeClr val="accent1"/>
-            </a:lnRef>
-            <a:fillRef idx="0">
-              <a:schemeClr val="accent1"/>
-            </a:fillRef>
-            <a:effectRef idx="0">
-              <a:schemeClr val="accent1"/>
-            </a:effectRef>
-            <a:fontRef idx="minor">
-              <a:schemeClr val="tx1"/>
-            </a:fontRef>
-          </p:style>
-        </p:cxnSp>
-        <p:cxnSp>
-          <p:nvCxnSpPr>
-            <p:cNvPr id="39" name="Straight Arrow Connector 38">
-              <a:extLst>
-                <a:ext uri="{FF2B5EF4-FFF2-40B4-BE49-F238E27FC236}">
-                  <a16:creationId xmlns:a16="http://schemas.microsoft.com/office/drawing/2014/main" id="{4BDDC80A-B034-4DBE-8134-BDAE12B13A2D}"/>
-                </a:ext>
-              </a:extLst>
-            </p:cNvPr>
-            <p:cNvCxnSpPr>
-              <a:cxnSpLocks/>
-              <a:stCxn id="5" idx="6"/>
-              <a:endCxn id="11" idx="1"/>
-            </p:cNvCxnSpPr>
-            <p:nvPr/>
-          </p:nvCxnSpPr>
-          <p:spPr>
-            <a:xfrm flipV="1">
-              <a:off x="8155859" y="2458065"/>
-              <a:ext cx="1022554" cy="411726"/>
-            </a:xfrm>
-            <a:prstGeom prst="straightConnector1">
-              <a:avLst/>
-            </a:prstGeom>
-            <a:ln>
-              <a:solidFill>
-                <a:schemeClr val="tx1"/>
-              </a:solidFill>
-              <a:tailEnd type="triangle"/>
-            </a:ln>
-          </p:spPr>
-          <p:style>
-            <a:lnRef idx="1">
-              <a:schemeClr val="accent1"/>
-            </a:lnRef>
-            <a:fillRef idx="0">
-              <a:schemeClr val="accent1"/>
-            </a:fillRef>
-            <a:effectRef idx="0">
-              <a:schemeClr val="accent1"/>
-            </a:effectRef>
-            <a:fontRef idx="minor">
-              <a:schemeClr val="tx1"/>
-            </a:fontRef>
-          </p:style>
-        </p:cxnSp>
-        <p:cxnSp>
-          <p:nvCxnSpPr>
-            <p:cNvPr id="42" name="Straight Arrow Connector 41">
-              <a:extLst>
-                <a:ext uri="{FF2B5EF4-FFF2-40B4-BE49-F238E27FC236}">
-                  <a16:creationId xmlns:a16="http://schemas.microsoft.com/office/drawing/2014/main" id="{A89A1D0F-2D54-490C-B162-AB01C29DEC17}"/>
-                </a:ext>
-              </a:extLst>
-            </p:cNvPr>
-            <p:cNvCxnSpPr>
-              <a:cxnSpLocks/>
-              <a:stCxn id="5" idx="6"/>
-              <a:endCxn id="12" idx="1"/>
-            </p:cNvCxnSpPr>
-            <p:nvPr/>
-          </p:nvCxnSpPr>
-          <p:spPr>
-            <a:xfrm>
-              <a:off x="8155859" y="2869791"/>
-              <a:ext cx="1022553" cy="147483"/>
-            </a:xfrm>
-            <a:prstGeom prst="straightConnector1">
-              <a:avLst/>
-            </a:prstGeom>
-            <a:ln>
-              <a:solidFill>
-                <a:schemeClr val="tx1"/>
-              </a:solidFill>
-              <a:tailEnd type="triangle"/>
-            </a:ln>
-          </p:spPr>
-          <p:style>
-            <a:lnRef idx="1">
-              <a:schemeClr val="accent1"/>
-            </a:lnRef>
-            <a:fillRef idx="0">
-              <a:schemeClr val="accent1"/>
-            </a:fillRef>
-            <a:effectRef idx="0">
-              <a:schemeClr val="accent1"/>
-            </a:effectRef>
-            <a:fontRef idx="minor">
-              <a:schemeClr val="tx1"/>
-            </a:fontRef>
-          </p:style>
-        </p:cxnSp>
-        <p:cxnSp>
-          <p:nvCxnSpPr>
-            <p:cNvPr id="45" name="Straight Arrow Connector 44">
-              <a:extLst>
-                <a:ext uri="{FF2B5EF4-FFF2-40B4-BE49-F238E27FC236}">
-                  <a16:creationId xmlns:a16="http://schemas.microsoft.com/office/drawing/2014/main" id="{10CFBEBB-A9F0-4C5F-82F2-25435C3522EF}"/>
-                </a:ext>
-              </a:extLst>
-            </p:cNvPr>
-            <p:cNvCxnSpPr>
-              <a:cxnSpLocks/>
-              <a:stCxn id="5" idx="6"/>
-              <a:endCxn id="13" idx="1"/>
-            </p:cNvCxnSpPr>
-            <p:nvPr/>
-          </p:nvCxnSpPr>
-          <p:spPr>
-            <a:xfrm>
-              <a:off x="8155859" y="2869791"/>
-              <a:ext cx="1022553" cy="706692"/>
-            </a:xfrm>
-            <a:prstGeom prst="straightConnector1">
-              <a:avLst/>
-            </a:prstGeom>
-            <a:ln>
-              <a:solidFill>
-                <a:schemeClr val="tx1"/>
-              </a:solidFill>
-              <a:tailEnd type="triangle"/>
-            </a:ln>
-          </p:spPr>
-          <p:style>
-            <a:lnRef idx="1">
-              <a:schemeClr val="accent1"/>
-            </a:lnRef>
-            <a:fillRef idx="0">
-              <a:schemeClr val="accent1"/>
-            </a:fillRef>
-            <a:effectRef idx="0">
-              <a:schemeClr val="accent1"/>
-            </a:effectRef>
-            <a:fontRef idx="minor">
-              <a:schemeClr val="tx1"/>
-            </a:fontRef>
-          </p:style>
-        </p:cxnSp>
-        <p:sp>
-          <p:nvSpPr>
-            <p:cNvPr id="49" name="Oval 48">
-              <a:extLst>
-                <a:ext uri="{FF2B5EF4-FFF2-40B4-BE49-F238E27FC236}">
-                  <a16:creationId xmlns:a16="http://schemas.microsoft.com/office/drawing/2014/main" id="{1B7A9F65-F56C-40D5-8BC4-119247C6DBF7}"/>
-                </a:ext>
-              </a:extLst>
-            </p:cNvPr>
-            <p:cNvSpPr/>
-            <p:nvPr/>
-          </p:nvSpPr>
-          <p:spPr>
-            <a:xfrm>
-              <a:off x="2342535" y="1589755"/>
-              <a:ext cx="334296" cy="339214"/>
-            </a:xfrm>
-            <a:prstGeom prst="ellipse">
-              <a:avLst/>
-            </a:prstGeom>
-            <a:noFill/>
-            <a:ln>
-              <a:solidFill>
-                <a:schemeClr val="tx1"/>
-              </a:solidFill>
-            </a:ln>
-          </p:spPr>
-          <p:style>
-            <a:lnRef idx="2">
-              <a:schemeClr val="accent1">
-                <a:shade val="50000"/>
-              </a:schemeClr>
-            </a:lnRef>
-            <a:fillRef idx="1">
-              <a:schemeClr val="accent1"/>
-            </a:fillRef>
-            <a:effectRef idx="0">
-              <a:schemeClr val="accent1"/>
-            </a:effectRef>
-            <a:fontRef idx="minor">
-              <a:schemeClr val="lt1"/>
-            </a:fontRef>
-          </p:style>
-          <p:txBody>
-            <a:bodyPr rtlCol="0" anchor="ctr"/>
-            <a:lstStyle/>
-            <a:p>
-              <a:pPr algn="ctr"/>
-              <a:r>
-                <a:rPr lang="en-US" dirty="0">
-                  <a:solidFill>
-                    <a:schemeClr val="tx1"/>
-                  </a:solidFill>
-                </a:rPr>
-                <a:t>e</a:t>
-              </a:r>
-            </a:p>
-          </p:txBody>
-        </p:sp>
-        <p:cxnSp>
-          <p:nvCxnSpPr>
-            <p:cNvPr id="52" name="Straight Arrow Connector 51">
-              <a:extLst>
-                <a:ext uri="{FF2B5EF4-FFF2-40B4-BE49-F238E27FC236}">
-                  <a16:creationId xmlns:a16="http://schemas.microsoft.com/office/drawing/2014/main" id="{F5D4C7AA-A7EB-439C-AF3B-4BD42EC59867}"/>
-                </a:ext>
-              </a:extLst>
-            </p:cNvPr>
-            <p:cNvCxnSpPr>
-              <a:cxnSpLocks/>
-              <a:stCxn id="49" idx="6"/>
-              <a:endCxn id="10" idx="1"/>
-            </p:cNvCxnSpPr>
-            <p:nvPr/>
-          </p:nvCxnSpPr>
-          <p:spPr>
-            <a:xfrm flipV="1">
-              <a:off x="2676831" y="1756904"/>
-              <a:ext cx="420329" cy="2458"/>
-            </a:xfrm>
-            <a:prstGeom prst="straightConnector1">
-              <a:avLst/>
-            </a:prstGeom>
-            <a:ln>
-              <a:solidFill>
-                <a:schemeClr val="tx1"/>
-              </a:solidFill>
-              <a:tailEnd type="triangle"/>
-            </a:ln>
-          </p:spPr>
-          <p:style>
-            <a:lnRef idx="1">
-              <a:schemeClr val="accent1"/>
-            </a:lnRef>
-            <a:fillRef idx="0">
-              <a:schemeClr val="accent1"/>
-            </a:fillRef>
-            <a:effectRef idx="0">
-              <a:schemeClr val="accent1"/>
-            </a:effectRef>
-            <a:fontRef idx="minor">
-              <a:schemeClr val="tx1"/>
-            </a:fontRef>
-          </p:style>
-        </p:cxnSp>
-        <p:sp>
-          <p:nvSpPr>
-            <p:cNvPr id="53" name="Oval 52">
-              <a:extLst>
-                <a:ext uri="{FF2B5EF4-FFF2-40B4-BE49-F238E27FC236}">
-                  <a16:creationId xmlns:a16="http://schemas.microsoft.com/office/drawing/2014/main" id="{9D158D66-57F8-4E3D-81A9-C67B1D549EE9}"/>
-                </a:ext>
-              </a:extLst>
-            </p:cNvPr>
-            <p:cNvSpPr/>
-            <p:nvPr/>
-          </p:nvSpPr>
-          <p:spPr>
-            <a:xfrm>
-              <a:off x="2348680" y="2179073"/>
-              <a:ext cx="334296" cy="339214"/>
-            </a:xfrm>
-            <a:prstGeom prst="ellipse">
-              <a:avLst/>
-            </a:prstGeom>
-            <a:noFill/>
-            <a:ln>
-              <a:solidFill>
-                <a:schemeClr val="tx1"/>
-              </a:solidFill>
-            </a:ln>
-          </p:spPr>
-          <p:style>
-            <a:lnRef idx="2">
-              <a:schemeClr val="accent1">
-                <a:shade val="50000"/>
-              </a:schemeClr>
-            </a:lnRef>
-            <a:fillRef idx="1">
-              <a:schemeClr val="accent1"/>
-            </a:fillRef>
-            <a:effectRef idx="0">
-              <a:schemeClr val="accent1"/>
-            </a:effectRef>
-            <a:fontRef idx="minor">
-              <a:schemeClr val="lt1"/>
-            </a:fontRef>
-          </p:style>
-          <p:txBody>
-            <a:bodyPr rtlCol="0" anchor="ctr"/>
-            <a:lstStyle/>
-            <a:p>
-              <a:pPr algn="ctr"/>
-              <a:r>
-                <a:rPr lang="en-US" dirty="0">
-                  <a:solidFill>
-                    <a:schemeClr val="tx1"/>
-                  </a:solidFill>
-                </a:rPr>
-                <a:t>e</a:t>
-              </a:r>
-            </a:p>
-          </p:txBody>
-        </p:sp>
-        <p:cxnSp>
-          <p:nvCxnSpPr>
-            <p:cNvPr id="54" name="Straight Arrow Connector 53">
-              <a:extLst>
-                <a:ext uri="{FF2B5EF4-FFF2-40B4-BE49-F238E27FC236}">
-                  <a16:creationId xmlns:a16="http://schemas.microsoft.com/office/drawing/2014/main" id="{8B7D410A-3973-414B-AED8-AC6B6025A61A}"/>
-                </a:ext>
-              </a:extLst>
-            </p:cNvPr>
-            <p:cNvCxnSpPr>
-              <a:stCxn id="53" idx="6"/>
-            </p:cNvCxnSpPr>
-            <p:nvPr/>
-          </p:nvCxnSpPr>
-          <p:spPr>
-            <a:xfrm flipV="1">
-              <a:off x="2682976" y="2346222"/>
-              <a:ext cx="420329" cy="2458"/>
-            </a:xfrm>
-            <a:prstGeom prst="straightConnector1">
-              <a:avLst/>
-            </a:prstGeom>
-            <a:ln>
-              <a:solidFill>
-                <a:schemeClr val="tx1"/>
-              </a:solidFill>
-              <a:tailEnd type="triangle"/>
-            </a:ln>
-          </p:spPr>
-          <p:style>
-            <a:lnRef idx="1">
-              <a:schemeClr val="accent1"/>
-            </a:lnRef>
-            <a:fillRef idx="0">
-              <a:schemeClr val="accent1"/>
-            </a:fillRef>
-            <a:effectRef idx="0">
-              <a:schemeClr val="accent1"/>
-            </a:effectRef>
-            <a:fontRef idx="minor">
-              <a:schemeClr val="tx1"/>
-            </a:fontRef>
-          </p:style>
-        </p:cxnSp>
-        <p:sp>
-          <p:nvSpPr>
-            <p:cNvPr id="55" name="Oval 54">
-              <a:extLst>
-                <a:ext uri="{FF2B5EF4-FFF2-40B4-BE49-F238E27FC236}">
-                  <a16:creationId xmlns:a16="http://schemas.microsoft.com/office/drawing/2014/main" id="{23C74C92-C7D4-4D25-8AA5-91486A59CC3D}"/>
-                </a:ext>
-              </a:extLst>
-            </p:cNvPr>
-            <p:cNvSpPr/>
-            <p:nvPr/>
-          </p:nvSpPr>
-          <p:spPr>
-            <a:xfrm>
-              <a:off x="2342535" y="2684207"/>
-              <a:ext cx="334296" cy="339214"/>
-            </a:xfrm>
-            <a:prstGeom prst="ellipse">
-              <a:avLst/>
-            </a:prstGeom>
-            <a:noFill/>
-            <a:ln>
-              <a:solidFill>
-                <a:schemeClr val="tx1"/>
-              </a:solidFill>
-            </a:ln>
-          </p:spPr>
-          <p:style>
-            <a:lnRef idx="2">
-              <a:schemeClr val="accent1">
-                <a:shade val="50000"/>
-              </a:schemeClr>
-            </a:lnRef>
-            <a:fillRef idx="1">
-              <a:schemeClr val="accent1"/>
-            </a:fillRef>
-            <a:effectRef idx="0">
-              <a:schemeClr val="accent1"/>
-            </a:effectRef>
-            <a:fontRef idx="minor">
-              <a:schemeClr val="lt1"/>
-            </a:fontRef>
-          </p:style>
-          <p:txBody>
-            <a:bodyPr rtlCol="0" anchor="ctr"/>
-            <a:lstStyle/>
-            <a:p>
-              <a:pPr algn="ctr"/>
-              <a:r>
-                <a:rPr lang="en-US" dirty="0">
-                  <a:solidFill>
-                    <a:schemeClr val="tx1"/>
-                  </a:solidFill>
-                </a:rPr>
-                <a:t>e</a:t>
-              </a:r>
-            </a:p>
-          </p:txBody>
-        </p:sp>
-        <p:cxnSp>
-          <p:nvCxnSpPr>
-            <p:cNvPr id="56" name="Straight Arrow Connector 55">
-              <a:extLst>
-                <a:ext uri="{FF2B5EF4-FFF2-40B4-BE49-F238E27FC236}">
-                  <a16:creationId xmlns:a16="http://schemas.microsoft.com/office/drawing/2014/main" id="{02897577-A94F-4AE4-A05F-96BBF064AACF}"/>
-                </a:ext>
-              </a:extLst>
-            </p:cNvPr>
-            <p:cNvCxnSpPr>
-              <a:stCxn id="55" idx="6"/>
-            </p:cNvCxnSpPr>
-            <p:nvPr/>
-          </p:nvCxnSpPr>
-          <p:spPr>
-            <a:xfrm flipV="1">
-              <a:off x="2676831" y="2851356"/>
-              <a:ext cx="420329" cy="2458"/>
-            </a:xfrm>
-            <a:prstGeom prst="straightConnector1">
-              <a:avLst/>
-            </a:prstGeom>
-            <a:ln>
-              <a:solidFill>
-                <a:schemeClr val="tx1"/>
-              </a:solidFill>
-              <a:tailEnd type="triangle"/>
-            </a:ln>
-          </p:spPr>
-          <p:style>
-            <a:lnRef idx="1">
-              <a:schemeClr val="accent1"/>
-            </a:lnRef>
-            <a:fillRef idx="0">
-              <a:schemeClr val="accent1"/>
-            </a:fillRef>
-            <a:effectRef idx="0">
-              <a:schemeClr val="accent1"/>
-            </a:effectRef>
-            <a:fontRef idx="minor">
-              <a:schemeClr val="tx1"/>
-            </a:fontRef>
-          </p:style>
-        </p:cxnSp>
-        <p:sp>
-          <p:nvSpPr>
-            <p:cNvPr id="57" name="Oval 56">
-              <a:extLst>
-                <a:ext uri="{FF2B5EF4-FFF2-40B4-BE49-F238E27FC236}">
-                  <a16:creationId xmlns:a16="http://schemas.microsoft.com/office/drawing/2014/main" id="{EB249257-AEFD-4891-AE9D-14E221242FEC}"/>
-                </a:ext>
-              </a:extLst>
-            </p:cNvPr>
-            <p:cNvSpPr/>
-            <p:nvPr/>
-          </p:nvSpPr>
-          <p:spPr>
-            <a:xfrm>
-              <a:off x="2342535" y="3237269"/>
-              <a:ext cx="334296" cy="339214"/>
-            </a:xfrm>
-            <a:prstGeom prst="ellipse">
-              <a:avLst/>
-            </a:prstGeom>
-            <a:noFill/>
-            <a:ln>
-              <a:solidFill>
-                <a:schemeClr val="tx1"/>
-              </a:solidFill>
-            </a:ln>
-          </p:spPr>
-          <p:style>
-            <a:lnRef idx="2">
-              <a:schemeClr val="accent1">
-                <a:shade val="50000"/>
-              </a:schemeClr>
-            </a:lnRef>
-            <a:fillRef idx="1">
-              <a:schemeClr val="accent1"/>
-            </a:fillRef>
-            <a:effectRef idx="0">
-              <a:schemeClr val="accent1"/>
-            </a:effectRef>
-            <a:fontRef idx="minor">
-              <a:schemeClr val="lt1"/>
-            </a:fontRef>
-          </p:style>
-          <p:txBody>
-            <a:bodyPr rtlCol="0" anchor="ctr"/>
-            <a:lstStyle/>
-            <a:p>
-              <a:pPr algn="ctr"/>
-              <a:r>
-                <a:rPr lang="en-US" dirty="0">
-                  <a:solidFill>
-                    <a:schemeClr val="tx1"/>
-                  </a:solidFill>
-                </a:rPr>
-                <a:t>e</a:t>
-              </a:r>
-            </a:p>
-          </p:txBody>
-        </p:sp>
-        <p:cxnSp>
-          <p:nvCxnSpPr>
-            <p:cNvPr id="58" name="Straight Arrow Connector 57">
-              <a:extLst>
-                <a:ext uri="{FF2B5EF4-FFF2-40B4-BE49-F238E27FC236}">
-                  <a16:creationId xmlns:a16="http://schemas.microsoft.com/office/drawing/2014/main" id="{F78C5F67-A847-4568-854F-5AB4A9674268}"/>
-                </a:ext>
-              </a:extLst>
-            </p:cNvPr>
-            <p:cNvCxnSpPr>
-              <a:stCxn id="57" idx="6"/>
-            </p:cNvCxnSpPr>
-            <p:nvPr/>
-          </p:nvCxnSpPr>
-          <p:spPr>
-            <a:xfrm flipV="1">
-              <a:off x="2676831" y="3404418"/>
-              <a:ext cx="420329" cy="2458"/>
-            </a:xfrm>
-            <a:prstGeom prst="straightConnector1">
-              <a:avLst/>
-            </a:prstGeom>
-            <a:ln>
-              <a:solidFill>
-                <a:schemeClr val="tx1"/>
-              </a:solidFill>
-              <a:tailEnd type="triangle"/>
-            </a:ln>
-          </p:spPr>
-          <p:style>
-            <a:lnRef idx="1">
-              <a:schemeClr val="accent1"/>
-            </a:lnRef>
-            <a:fillRef idx="0">
-              <a:schemeClr val="accent1"/>
-            </a:fillRef>
-            <a:effectRef idx="0">
-              <a:schemeClr val="accent1"/>
-            </a:effectRef>
-            <a:fontRef idx="minor">
-              <a:schemeClr val="tx1"/>
-            </a:fontRef>
-          </p:style>
-        </p:cxnSp>
-        <p:sp>
-          <p:nvSpPr>
-            <p:cNvPr id="59" name="Oval 58">
-              <a:extLst>
-                <a:ext uri="{FF2B5EF4-FFF2-40B4-BE49-F238E27FC236}">
-                  <a16:creationId xmlns:a16="http://schemas.microsoft.com/office/drawing/2014/main" id="{E6DBD9FE-3860-4355-870A-C2FF2E56BA4D}"/>
-                </a:ext>
-              </a:extLst>
-            </p:cNvPr>
-            <p:cNvSpPr/>
-            <p:nvPr/>
-          </p:nvSpPr>
-          <p:spPr>
-            <a:xfrm>
-              <a:off x="2342535" y="3796786"/>
-              <a:ext cx="334296" cy="339214"/>
-            </a:xfrm>
-            <a:prstGeom prst="ellipse">
-              <a:avLst/>
-            </a:prstGeom>
-            <a:noFill/>
-            <a:ln>
-              <a:solidFill>
-                <a:schemeClr val="tx1"/>
-              </a:solidFill>
-            </a:ln>
-          </p:spPr>
-          <p:style>
-            <a:lnRef idx="2">
-              <a:schemeClr val="accent1">
-                <a:shade val="50000"/>
-              </a:schemeClr>
-            </a:lnRef>
-            <a:fillRef idx="1">
-              <a:schemeClr val="accent1"/>
-            </a:fillRef>
-            <a:effectRef idx="0">
-              <a:schemeClr val="accent1"/>
-            </a:effectRef>
-            <a:fontRef idx="minor">
-              <a:schemeClr val="lt1"/>
-            </a:fontRef>
-          </p:style>
-          <p:txBody>
-            <a:bodyPr rtlCol="0" anchor="ctr"/>
-            <a:lstStyle/>
-            <a:p>
-              <a:pPr algn="ctr"/>
-              <a:r>
-                <a:rPr lang="en-US" dirty="0">
-                  <a:solidFill>
-                    <a:schemeClr val="tx1"/>
-                  </a:solidFill>
-                </a:rPr>
-                <a:t>e</a:t>
-              </a:r>
-            </a:p>
-          </p:txBody>
-        </p:sp>
-        <p:cxnSp>
-          <p:nvCxnSpPr>
-            <p:cNvPr id="60" name="Straight Arrow Connector 59">
-              <a:extLst>
-                <a:ext uri="{FF2B5EF4-FFF2-40B4-BE49-F238E27FC236}">
-                  <a16:creationId xmlns:a16="http://schemas.microsoft.com/office/drawing/2014/main" id="{70056925-9B37-4050-9BE2-85DFD70D4515}"/>
-                </a:ext>
-              </a:extLst>
-            </p:cNvPr>
-            <p:cNvCxnSpPr>
-              <a:stCxn id="59" idx="6"/>
-            </p:cNvCxnSpPr>
-            <p:nvPr/>
-          </p:nvCxnSpPr>
-          <p:spPr>
-            <a:xfrm flipV="1">
-              <a:off x="2676831" y="3963935"/>
-              <a:ext cx="420329" cy="2458"/>
-            </a:xfrm>
-            <a:prstGeom prst="straightConnector1">
-              <a:avLst/>
-            </a:prstGeom>
-            <a:ln>
-              <a:solidFill>
-                <a:schemeClr val="tx1"/>
-              </a:solidFill>
-              <a:tailEnd type="triangle"/>
-            </a:ln>
-          </p:spPr>
-          <p:style>
-            <a:lnRef idx="1">
-              <a:schemeClr val="accent1"/>
-            </a:lnRef>
-            <a:fillRef idx="0">
-              <a:schemeClr val="accent1"/>
-            </a:fillRef>
-            <a:effectRef idx="0">
-              <a:schemeClr val="accent1"/>
-            </a:effectRef>
-            <a:fontRef idx="minor">
-              <a:schemeClr val="tx1"/>
-            </a:fontRef>
-          </p:style>
-        </p:cxnSp>
-        <p:sp>
-          <p:nvSpPr>
-            <p:cNvPr id="61" name="Oval 60">
-              <a:extLst>
-                <a:ext uri="{FF2B5EF4-FFF2-40B4-BE49-F238E27FC236}">
-                  <a16:creationId xmlns:a16="http://schemas.microsoft.com/office/drawing/2014/main" id="{B14C87D7-B76D-446E-A47A-352CB42A379A}"/>
-                </a:ext>
-              </a:extLst>
-            </p:cNvPr>
-            <p:cNvSpPr/>
-            <p:nvPr/>
-          </p:nvSpPr>
-          <p:spPr>
-            <a:xfrm>
-              <a:off x="4847302" y="1584837"/>
-              <a:ext cx="334296" cy="339214"/>
-            </a:xfrm>
-            <a:prstGeom prst="ellipse">
-              <a:avLst/>
-            </a:prstGeom>
-            <a:noFill/>
-            <a:ln>
-              <a:solidFill>
-                <a:schemeClr val="tx1"/>
-              </a:solidFill>
-            </a:ln>
-          </p:spPr>
-          <p:style>
-            <a:lnRef idx="2">
-              <a:schemeClr val="accent1">
-                <a:shade val="50000"/>
-              </a:schemeClr>
-            </a:lnRef>
-            <a:fillRef idx="1">
-              <a:schemeClr val="accent1"/>
-            </a:fillRef>
-            <a:effectRef idx="0">
-              <a:schemeClr val="accent1"/>
-            </a:effectRef>
-            <a:fontRef idx="minor">
-              <a:schemeClr val="lt1"/>
-            </a:fontRef>
-          </p:style>
-          <p:txBody>
-            <a:bodyPr rtlCol="0" anchor="ctr"/>
-            <a:lstStyle/>
-            <a:p>
-              <a:pPr algn="ctr"/>
-              <a:r>
-                <a:rPr lang="en-US" dirty="0">
-                  <a:solidFill>
-                    <a:schemeClr val="tx1"/>
-                  </a:solidFill>
-                </a:rPr>
-                <a:t>e</a:t>
-              </a:r>
-            </a:p>
-          </p:txBody>
-        </p:sp>
-        <p:cxnSp>
-          <p:nvCxnSpPr>
-            <p:cNvPr id="62" name="Straight Arrow Connector 61">
-              <a:extLst>
-                <a:ext uri="{FF2B5EF4-FFF2-40B4-BE49-F238E27FC236}">
-                  <a16:creationId xmlns:a16="http://schemas.microsoft.com/office/drawing/2014/main" id="{0BCA48E1-D62A-4A42-BA8C-3C3E2503116F}"/>
-                </a:ext>
-              </a:extLst>
-            </p:cNvPr>
-            <p:cNvCxnSpPr>
-              <a:cxnSpLocks/>
-              <a:stCxn id="61" idx="4"/>
-              <a:endCxn id="4" idx="0"/>
-            </p:cNvCxnSpPr>
-            <p:nvPr/>
-          </p:nvCxnSpPr>
-          <p:spPr>
-            <a:xfrm>
-              <a:off x="5014450" y="1924051"/>
-              <a:ext cx="132738" cy="386530"/>
-            </a:xfrm>
-            <a:prstGeom prst="straightConnector1">
-              <a:avLst/>
-            </a:prstGeom>
-            <a:ln>
-              <a:solidFill>
-                <a:schemeClr val="tx1"/>
-              </a:solidFill>
-              <a:tailEnd type="triangle"/>
-            </a:ln>
-          </p:spPr>
-          <p:style>
-            <a:lnRef idx="1">
-              <a:schemeClr val="accent1"/>
-            </a:lnRef>
-            <a:fillRef idx="0">
-              <a:schemeClr val="accent1"/>
-            </a:fillRef>
-            <a:effectRef idx="0">
-              <a:schemeClr val="accent1"/>
-            </a:effectRef>
-            <a:fontRef idx="minor">
-              <a:schemeClr val="tx1"/>
-            </a:fontRef>
-          </p:style>
-        </p:cxnSp>
-        <p:sp>
-          <p:nvSpPr>
-            <p:cNvPr id="72" name="Oval 71">
-              <a:extLst>
-                <a:ext uri="{FF2B5EF4-FFF2-40B4-BE49-F238E27FC236}">
-                  <a16:creationId xmlns:a16="http://schemas.microsoft.com/office/drawing/2014/main" id="{81B28374-F12D-4813-B626-EB3A6650E130}"/>
-                </a:ext>
-              </a:extLst>
-            </p:cNvPr>
-            <p:cNvSpPr/>
-            <p:nvPr/>
-          </p:nvSpPr>
-          <p:spPr>
-            <a:xfrm>
-              <a:off x="7339779" y="1584838"/>
-              <a:ext cx="334296" cy="339214"/>
-            </a:xfrm>
-            <a:prstGeom prst="ellipse">
-              <a:avLst/>
-            </a:prstGeom>
-            <a:noFill/>
-            <a:ln>
-              <a:solidFill>
-                <a:schemeClr val="tx1"/>
-              </a:solidFill>
-            </a:ln>
-          </p:spPr>
-          <p:style>
-            <a:lnRef idx="2">
-              <a:schemeClr val="accent1">
-                <a:shade val="50000"/>
-              </a:schemeClr>
-            </a:lnRef>
-            <a:fillRef idx="1">
-              <a:schemeClr val="accent1"/>
-            </a:fillRef>
-            <a:effectRef idx="0">
-              <a:schemeClr val="accent1"/>
-            </a:effectRef>
-            <a:fontRef idx="minor">
-              <a:schemeClr val="lt1"/>
-            </a:fontRef>
-          </p:style>
-          <p:txBody>
-            <a:bodyPr rtlCol="0" anchor="ctr"/>
-            <a:lstStyle/>
-            <a:p>
-              <a:pPr algn="ctr"/>
-              <a:r>
-                <a:rPr lang="en-US" dirty="0">
-                  <a:solidFill>
-                    <a:schemeClr val="tx1"/>
-                  </a:solidFill>
-                </a:rPr>
-                <a:t>e</a:t>
-              </a:r>
-            </a:p>
-          </p:txBody>
-        </p:sp>
-        <p:cxnSp>
-          <p:nvCxnSpPr>
-            <p:cNvPr id="73" name="Straight Arrow Connector 72">
-              <a:extLst>
-                <a:ext uri="{FF2B5EF4-FFF2-40B4-BE49-F238E27FC236}">
-                  <a16:creationId xmlns:a16="http://schemas.microsoft.com/office/drawing/2014/main" id="{11FD067D-4C84-4BA7-970B-EE4C09862031}"/>
-                </a:ext>
-              </a:extLst>
-            </p:cNvPr>
-            <p:cNvCxnSpPr>
-              <a:cxnSpLocks/>
-              <a:stCxn id="72" idx="4"/>
-            </p:cNvCxnSpPr>
-            <p:nvPr/>
-          </p:nvCxnSpPr>
-          <p:spPr>
-            <a:xfrm>
-              <a:off x="7506927" y="1924052"/>
-              <a:ext cx="132738" cy="386530"/>
-            </a:xfrm>
-            <a:prstGeom prst="straightConnector1">
-              <a:avLst/>
-            </a:prstGeom>
-            <a:ln>
-              <a:solidFill>
-                <a:schemeClr val="tx1"/>
-              </a:solidFill>
-              <a:tailEnd type="triangle"/>
-            </a:ln>
-          </p:spPr>
-          <p:style>
-            <a:lnRef idx="1">
-              <a:schemeClr val="accent1"/>
-            </a:lnRef>
-            <a:fillRef idx="0">
-              <a:schemeClr val="accent1"/>
-            </a:fillRef>
-            <a:effectRef idx="0">
-              <a:schemeClr val="accent1"/>
-            </a:effectRef>
-            <a:fontRef idx="minor">
-              <a:schemeClr val="tx1"/>
-            </a:fontRef>
-          </p:style>
-        </p:cxnSp>
-        <p:sp>
-          <p:nvSpPr>
-            <p:cNvPr id="74" name="Oval 73">
-              <a:extLst>
-                <a:ext uri="{FF2B5EF4-FFF2-40B4-BE49-F238E27FC236}">
-                  <a16:creationId xmlns:a16="http://schemas.microsoft.com/office/drawing/2014/main" id="{C18B1EC5-2C04-461B-B1F4-ED971B6EB6C7}"/>
-                </a:ext>
-              </a:extLst>
-            </p:cNvPr>
-            <p:cNvSpPr/>
-            <p:nvPr/>
-          </p:nvSpPr>
-          <p:spPr>
-            <a:xfrm>
-              <a:off x="10343534" y="1751986"/>
-              <a:ext cx="334296" cy="339214"/>
-            </a:xfrm>
-            <a:prstGeom prst="ellipse">
-              <a:avLst/>
-            </a:prstGeom>
-            <a:noFill/>
-            <a:ln>
-              <a:solidFill>
-                <a:schemeClr val="tx1"/>
-              </a:solidFill>
-            </a:ln>
-          </p:spPr>
-          <p:style>
-            <a:lnRef idx="2">
-              <a:schemeClr val="accent1">
-                <a:shade val="50000"/>
-              </a:schemeClr>
-            </a:lnRef>
-            <a:fillRef idx="1">
-              <a:schemeClr val="accent1"/>
-            </a:fillRef>
-            <a:effectRef idx="0">
-              <a:schemeClr val="accent1"/>
-            </a:effectRef>
-            <a:fontRef idx="minor">
-              <a:schemeClr val="lt1"/>
-            </a:fontRef>
-          </p:style>
-          <p:txBody>
-            <a:bodyPr rtlCol="0" anchor="ctr"/>
-            <a:lstStyle/>
-            <a:p>
-              <a:pPr algn="ctr"/>
-              <a:r>
-                <a:rPr lang="en-US" dirty="0">
-                  <a:solidFill>
-                    <a:schemeClr val="tx1"/>
-                  </a:solidFill>
-                </a:rPr>
-                <a:t>e</a:t>
-              </a:r>
-            </a:p>
-          </p:txBody>
-        </p:sp>
-        <p:cxnSp>
-          <p:nvCxnSpPr>
-            <p:cNvPr id="76" name="Straight Arrow Connector 75">
-              <a:extLst>
-                <a:ext uri="{FF2B5EF4-FFF2-40B4-BE49-F238E27FC236}">
-                  <a16:creationId xmlns:a16="http://schemas.microsoft.com/office/drawing/2014/main" id="{493A05CB-6715-456E-B025-D65D969D188B}"/>
-                </a:ext>
-              </a:extLst>
-            </p:cNvPr>
-            <p:cNvCxnSpPr>
-              <a:stCxn id="74" idx="2"/>
-              <a:endCxn id="14" idx="3"/>
-            </p:cNvCxnSpPr>
-            <p:nvPr/>
-          </p:nvCxnSpPr>
-          <p:spPr>
-            <a:xfrm flipH="1">
-              <a:off x="9817509" y="1921593"/>
-              <a:ext cx="526025" cy="2459"/>
-            </a:xfrm>
-            <a:prstGeom prst="straightConnector1">
-              <a:avLst/>
-            </a:prstGeom>
-            <a:ln>
-              <a:solidFill>
-                <a:schemeClr val="tx1"/>
-              </a:solidFill>
-              <a:tailEnd type="triangle"/>
-            </a:ln>
-          </p:spPr>
-          <p:style>
-            <a:lnRef idx="1">
-              <a:schemeClr val="accent1"/>
-            </a:lnRef>
-            <a:fillRef idx="0">
-              <a:schemeClr val="accent1"/>
-            </a:fillRef>
-            <a:effectRef idx="0">
-              <a:schemeClr val="accent1"/>
-            </a:effectRef>
-            <a:fontRef idx="minor">
-              <a:schemeClr val="tx1"/>
-            </a:fontRef>
-          </p:style>
-        </p:cxnSp>
-        <p:sp>
-          <p:nvSpPr>
-            <p:cNvPr id="77" name="Oval 76">
-              <a:extLst>
-                <a:ext uri="{FF2B5EF4-FFF2-40B4-BE49-F238E27FC236}">
-                  <a16:creationId xmlns:a16="http://schemas.microsoft.com/office/drawing/2014/main" id="{D49679F8-C4A8-4BAC-A80C-F799D886A007}"/>
-                </a:ext>
-              </a:extLst>
-            </p:cNvPr>
-            <p:cNvSpPr/>
-            <p:nvPr/>
-          </p:nvSpPr>
-          <p:spPr>
-            <a:xfrm>
-              <a:off x="10348450" y="2278013"/>
-              <a:ext cx="334296" cy="339214"/>
-            </a:xfrm>
-            <a:prstGeom prst="ellipse">
-              <a:avLst/>
-            </a:prstGeom>
-            <a:noFill/>
-            <a:ln>
-              <a:solidFill>
-                <a:schemeClr val="tx1"/>
-              </a:solidFill>
-            </a:ln>
-          </p:spPr>
-          <p:style>
-            <a:lnRef idx="2">
-              <a:schemeClr val="accent1">
-                <a:shade val="50000"/>
-              </a:schemeClr>
-            </a:lnRef>
-            <a:fillRef idx="1">
-              <a:schemeClr val="accent1"/>
-            </a:fillRef>
-            <a:effectRef idx="0">
-              <a:schemeClr val="accent1"/>
-            </a:effectRef>
-            <a:fontRef idx="minor">
-              <a:schemeClr val="lt1"/>
-            </a:fontRef>
-          </p:style>
-          <p:txBody>
-            <a:bodyPr rtlCol="0" anchor="ctr"/>
-            <a:lstStyle/>
-            <a:p>
-              <a:pPr algn="ctr"/>
-              <a:r>
-                <a:rPr lang="en-US" dirty="0">
-                  <a:solidFill>
-                    <a:schemeClr val="tx1"/>
-                  </a:solidFill>
-                </a:rPr>
-                <a:t>e</a:t>
-              </a:r>
-            </a:p>
-          </p:txBody>
-        </p:sp>
-        <p:cxnSp>
-          <p:nvCxnSpPr>
-            <p:cNvPr id="78" name="Straight Arrow Connector 77">
-              <a:extLst>
-                <a:ext uri="{FF2B5EF4-FFF2-40B4-BE49-F238E27FC236}">
-                  <a16:creationId xmlns:a16="http://schemas.microsoft.com/office/drawing/2014/main" id="{73C557E6-00EB-4E39-8493-472CDA4F0267}"/>
-                </a:ext>
-              </a:extLst>
-            </p:cNvPr>
-            <p:cNvCxnSpPr>
-              <a:stCxn id="77" idx="2"/>
-            </p:cNvCxnSpPr>
-            <p:nvPr/>
-          </p:nvCxnSpPr>
-          <p:spPr>
-            <a:xfrm flipH="1">
-              <a:off x="9822425" y="2447620"/>
-              <a:ext cx="526025" cy="2459"/>
-            </a:xfrm>
-            <a:prstGeom prst="straightConnector1">
-              <a:avLst/>
-            </a:prstGeom>
-            <a:ln>
-              <a:solidFill>
-                <a:schemeClr val="tx1"/>
-              </a:solidFill>
-              <a:tailEnd type="triangle"/>
-            </a:ln>
-          </p:spPr>
-          <p:style>
-            <a:lnRef idx="1">
-              <a:schemeClr val="accent1"/>
-            </a:lnRef>
-            <a:fillRef idx="0">
-              <a:schemeClr val="accent1"/>
-            </a:fillRef>
-            <a:effectRef idx="0">
-              <a:schemeClr val="accent1"/>
-            </a:effectRef>
-            <a:fontRef idx="minor">
-              <a:schemeClr val="tx1"/>
-            </a:fontRef>
-          </p:style>
-        </p:cxnSp>
-        <p:sp>
-          <p:nvSpPr>
-            <p:cNvPr id="79" name="Oval 78">
-              <a:extLst>
-                <a:ext uri="{FF2B5EF4-FFF2-40B4-BE49-F238E27FC236}">
-                  <a16:creationId xmlns:a16="http://schemas.microsoft.com/office/drawing/2014/main" id="{5CC33E15-E4A4-4913-A027-889F06B60013}"/>
-                </a:ext>
-              </a:extLst>
-            </p:cNvPr>
-            <p:cNvSpPr/>
-            <p:nvPr/>
-          </p:nvSpPr>
-          <p:spPr>
-            <a:xfrm>
-              <a:off x="10343534" y="2861189"/>
-              <a:ext cx="334296" cy="339214"/>
-            </a:xfrm>
-            <a:prstGeom prst="ellipse">
-              <a:avLst/>
-            </a:prstGeom>
-            <a:noFill/>
-            <a:ln>
-              <a:solidFill>
-                <a:schemeClr val="tx1"/>
-              </a:solidFill>
-            </a:ln>
-          </p:spPr>
-          <p:style>
-            <a:lnRef idx="2">
-              <a:schemeClr val="accent1">
-                <a:shade val="50000"/>
-              </a:schemeClr>
-            </a:lnRef>
-            <a:fillRef idx="1">
-              <a:schemeClr val="accent1"/>
-            </a:fillRef>
-            <a:effectRef idx="0">
-              <a:schemeClr val="accent1"/>
-            </a:effectRef>
-            <a:fontRef idx="minor">
-              <a:schemeClr val="lt1"/>
-            </a:fontRef>
-          </p:style>
-          <p:txBody>
-            <a:bodyPr rtlCol="0" anchor="ctr"/>
-            <a:lstStyle/>
-            <a:p>
-              <a:pPr algn="ctr"/>
-              <a:r>
-                <a:rPr lang="en-US" dirty="0">
-                  <a:solidFill>
-                    <a:schemeClr val="tx1"/>
-                  </a:solidFill>
-                </a:rPr>
-                <a:t>e</a:t>
-              </a:r>
-            </a:p>
-          </p:txBody>
-        </p:sp>
-        <p:cxnSp>
-          <p:nvCxnSpPr>
-            <p:cNvPr id="80" name="Straight Arrow Connector 79">
-              <a:extLst>
-                <a:ext uri="{FF2B5EF4-FFF2-40B4-BE49-F238E27FC236}">
-                  <a16:creationId xmlns:a16="http://schemas.microsoft.com/office/drawing/2014/main" id="{13721581-CCD7-4884-B3FB-3F155FAC1E71}"/>
-                </a:ext>
-              </a:extLst>
-            </p:cNvPr>
-            <p:cNvCxnSpPr>
-              <a:stCxn id="79" idx="2"/>
-            </p:cNvCxnSpPr>
-            <p:nvPr/>
-          </p:nvCxnSpPr>
-          <p:spPr>
-            <a:xfrm flipH="1">
-              <a:off x="9817509" y="3030796"/>
-              <a:ext cx="526025" cy="2459"/>
-            </a:xfrm>
-            <a:prstGeom prst="straightConnector1">
-              <a:avLst/>
-            </a:prstGeom>
-            <a:ln>
-              <a:solidFill>
-                <a:schemeClr val="tx1"/>
-              </a:solidFill>
-              <a:tailEnd type="triangle"/>
-            </a:ln>
-          </p:spPr>
-          <p:style>
-            <a:lnRef idx="1">
-              <a:schemeClr val="accent1"/>
-            </a:lnRef>
-            <a:fillRef idx="0">
-              <a:schemeClr val="accent1"/>
-            </a:fillRef>
-            <a:effectRef idx="0">
-              <a:schemeClr val="accent1"/>
-            </a:effectRef>
-            <a:fontRef idx="minor">
-              <a:schemeClr val="tx1"/>
-            </a:fontRef>
-          </p:style>
-        </p:cxnSp>
-        <p:sp>
-          <p:nvSpPr>
-            <p:cNvPr id="81" name="Oval 80">
-              <a:extLst>
-                <a:ext uri="{FF2B5EF4-FFF2-40B4-BE49-F238E27FC236}">
-                  <a16:creationId xmlns:a16="http://schemas.microsoft.com/office/drawing/2014/main" id="{F24F230C-C0E1-4F69-A913-0F1E2CBCF83B}"/>
-                </a:ext>
-              </a:extLst>
-            </p:cNvPr>
-            <p:cNvSpPr/>
-            <p:nvPr/>
-          </p:nvSpPr>
-          <p:spPr>
-            <a:xfrm>
-              <a:off x="10343534" y="3397658"/>
-              <a:ext cx="334296" cy="339214"/>
-            </a:xfrm>
-            <a:prstGeom prst="ellipse">
-              <a:avLst/>
-            </a:prstGeom>
-            <a:noFill/>
-            <a:ln>
-              <a:solidFill>
-                <a:schemeClr val="tx1"/>
-              </a:solidFill>
-            </a:ln>
-          </p:spPr>
-          <p:style>
-            <a:lnRef idx="2">
-              <a:schemeClr val="accent1">
-                <a:shade val="50000"/>
-              </a:schemeClr>
-            </a:lnRef>
-            <a:fillRef idx="1">
-              <a:schemeClr val="accent1"/>
-            </a:fillRef>
-            <a:effectRef idx="0">
-              <a:schemeClr val="accent1"/>
-            </a:effectRef>
-            <a:fontRef idx="minor">
-              <a:schemeClr val="lt1"/>
-            </a:fontRef>
-          </p:style>
-          <p:txBody>
-            <a:bodyPr rtlCol="0" anchor="ctr"/>
-            <a:lstStyle/>
-            <a:p>
-              <a:pPr algn="ctr"/>
-              <a:r>
-                <a:rPr lang="en-US" dirty="0">
-                  <a:solidFill>
-                    <a:schemeClr val="tx1"/>
-                  </a:solidFill>
-                </a:rPr>
-                <a:t>e</a:t>
-              </a:r>
-            </a:p>
-          </p:txBody>
-        </p:sp>
-        <p:cxnSp>
-          <p:nvCxnSpPr>
-            <p:cNvPr id="82" name="Straight Arrow Connector 81">
-              <a:extLst>
-                <a:ext uri="{FF2B5EF4-FFF2-40B4-BE49-F238E27FC236}">
-                  <a16:creationId xmlns:a16="http://schemas.microsoft.com/office/drawing/2014/main" id="{CF5161C5-B0EB-41CF-A17A-1751B187B40C}"/>
-                </a:ext>
-              </a:extLst>
-            </p:cNvPr>
-            <p:cNvCxnSpPr>
-              <a:stCxn id="81" idx="2"/>
-            </p:cNvCxnSpPr>
-            <p:nvPr/>
-          </p:nvCxnSpPr>
-          <p:spPr>
-            <a:xfrm flipH="1">
-              <a:off x="9817509" y="3567265"/>
-              <a:ext cx="526025" cy="2459"/>
-            </a:xfrm>
-            <a:prstGeom prst="straightConnector1">
-              <a:avLst/>
-            </a:prstGeom>
-            <a:ln>
-              <a:solidFill>
-                <a:schemeClr val="tx1"/>
-              </a:solidFill>
-              <a:tailEnd type="triangle"/>
-            </a:ln>
-          </p:spPr>
-          <p:style>
-            <a:lnRef idx="1">
-              <a:schemeClr val="accent1"/>
-            </a:lnRef>
-            <a:fillRef idx="0">
-              <a:schemeClr val="accent1"/>
-            </a:fillRef>
-            <a:effectRef idx="0">
-              <a:schemeClr val="accent1"/>
-            </a:effectRef>
-            <a:fontRef idx="minor">
-              <a:schemeClr val="tx1"/>
-            </a:fontRef>
-          </p:style>
-        </p:cxnSp>
-      </p:grpSp>
-      <p:sp>
-        <p:nvSpPr>
-          <p:cNvPr id="3" name="Rectangle 2">
-            <a:extLst>
-              <a:ext uri="{FF2B5EF4-FFF2-40B4-BE49-F238E27FC236}">
-                <a16:creationId xmlns:a16="http://schemas.microsoft.com/office/drawing/2014/main" id="{1DBB4747-53B9-4770-AC37-81ECEBE06B04}"/>
+                <a16:creationId xmlns:a16="http://schemas.microsoft.com/office/drawing/2014/main" id="{3E3C8C8E-4CD4-4035-8AA3-06956BF02E6A}"/>
               </a:ext>
             </a:extLst>
           </p:cNvPr>
@@ -8265,16 +5988,16 @@
         </p:nvSpPr>
         <p:spPr>
           <a:xfrm>
-            <a:off x="4375353" y="1246909"/>
-            <a:ext cx="4080391" cy="3205018"/>
+            <a:off x="4591665" y="2310581"/>
+            <a:ext cx="1111045" cy="1118419"/>
           </a:xfrm>
-          <a:prstGeom prst="rect">
+          <a:prstGeom prst="ellipse">
             <a:avLst/>
           </a:prstGeom>
           <a:noFill/>
-          <a:ln w="38100">
+          <a:ln>
             <a:solidFill>
-              <a:srgbClr val="FF0000"/>
+              <a:schemeClr val="tx1"/>
             </a:solidFill>
           </a:ln>
         </p:spPr>
@@ -8299,10 +6022,2214 @@
           <a:lstStyle/>
           <a:p>
             <a:pPr algn="ctr"/>
-            <a:endParaRPr lang="en-US"/>
+            <a:r>
+              <a:rPr lang="en-US" i="1" dirty="0">
+                <a:solidFill>
+                  <a:schemeClr val="tx1"/>
+                </a:solidFill>
+              </a:rPr>
+              <a:t>trust</a:t>
+            </a:r>
           </a:p>
         </p:txBody>
       </p:sp>
+      <p:sp>
+        <p:nvSpPr>
+          <p:cNvPr id="5" name="Oval 4">
+            <a:extLst>
+              <a:ext uri="{FF2B5EF4-FFF2-40B4-BE49-F238E27FC236}">
+                <a16:creationId xmlns:a16="http://schemas.microsoft.com/office/drawing/2014/main" id="{49DB36B5-D9AC-4979-96DB-C8C8AA7BE4FD}"/>
+              </a:ext>
+            </a:extLst>
+          </p:cNvPr>
+          <p:cNvSpPr/>
+          <p:nvPr/>
+        </p:nvSpPr>
+        <p:spPr>
+          <a:xfrm>
+            <a:off x="7044814" y="2310581"/>
+            <a:ext cx="1111045" cy="1118419"/>
+          </a:xfrm>
+          <a:prstGeom prst="ellipse">
+            <a:avLst/>
+          </a:prstGeom>
+          <a:noFill/>
+          <a:ln>
+            <a:solidFill>
+              <a:schemeClr val="tx1"/>
+            </a:solidFill>
+          </a:ln>
+        </p:spPr>
+        <p:style>
+          <a:lnRef idx="2">
+            <a:schemeClr val="accent1">
+              <a:shade val="50000"/>
+            </a:schemeClr>
+          </a:lnRef>
+          <a:fillRef idx="1">
+            <a:schemeClr val="accent1"/>
+          </a:fillRef>
+          <a:effectRef idx="0">
+            <a:schemeClr val="accent1"/>
+          </a:effectRef>
+          <a:fontRef idx="minor">
+            <a:schemeClr val="lt1"/>
+          </a:fontRef>
+        </p:style>
+        <p:txBody>
+          <a:bodyPr rtlCol="0" anchor="ctr"/>
+          <a:lstStyle/>
+          <a:p>
+            <a:pPr algn="ctr"/>
+            <a:r>
+              <a:rPr lang="en-US" sz="1400" dirty="0" err="1">
+                <a:solidFill>
+                  <a:schemeClr val="tx1"/>
+                </a:solidFill>
+              </a:rPr>
+              <a:t>mandiri</a:t>
+            </a:r>
+            <a:endParaRPr lang="en-US" sz="1400" dirty="0">
+              <a:solidFill>
+                <a:schemeClr val="tx1"/>
+              </a:solidFill>
+            </a:endParaRPr>
+          </a:p>
+        </p:txBody>
+      </p:sp>
+      <p:sp>
+        <p:nvSpPr>
+          <p:cNvPr id="6" name="Rectangle 5">
+            <a:extLst>
+              <a:ext uri="{FF2B5EF4-FFF2-40B4-BE49-F238E27FC236}">
+                <a16:creationId xmlns:a16="http://schemas.microsoft.com/office/drawing/2014/main" id="{3D5199B9-ACAF-4B86-A7F1-20611AE300D9}"/>
+              </a:ext>
+            </a:extLst>
+          </p:cNvPr>
+          <p:cNvSpPr/>
+          <p:nvPr/>
+        </p:nvSpPr>
+        <p:spPr>
+          <a:xfrm>
+            <a:off x="3097161" y="2123768"/>
+            <a:ext cx="639097" cy="334297"/>
+          </a:xfrm>
+          <a:prstGeom prst="rect">
+            <a:avLst/>
+          </a:prstGeom>
+          <a:noFill/>
+          <a:ln>
+            <a:solidFill>
+              <a:schemeClr val="tx1"/>
+            </a:solidFill>
+          </a:ln>
+        </p:spPr>
+        <p:style>
+          <a:lnRef idx="2">
+            <a:schemeClr val="accent1">
+              <a:shade val="50000"/>
+            </a:schemeClr>
+          </a:lnRef>
+          <a:fillRef idx="1">
+            <a:schemeClr val="accent1"/>
+          </a:fillRef>
+          <a:effectRef idx="0">
+            <a:schemeClr val="accent1"/>
+          </a:effectRef>
+          <a:fontRef idx="minor">
+            <a:schemeClr val="lt1"/>
+          </a:fontRef>
+        </p:style>
+        <p:txBody>
+          <a:bodyPr rtlCol="0" anchor="ctr"/>
+          <a:lstStyle/>
+          <a:p>
+            <a:pPr algn="ctr"/>
+            <a:r>
+              <a:rPr lang="en-US" sz="1400" dirty="0">
+                <a:solidFill>
+                  <a:schemeClr val="tx1"/>
+                </a:solidFill>
+              </a:rPr>
+              <a:t>trust2</a:t>
+            </a:r>
+          </a:p>
+        </p:txBody>
+      </p:sp>
+      <p:sp>
+        <p:nvSpPr>
+          <p:cNvPr id="7" name="Rectangle 6">
+            <a:extLst>
+              <a:ext uri="{FF2B5EF4-FFF2-40B4-BE49-F238E27FC236}">
+                <a16:creationId xmlns:a16="http://schemas.microsoft.com/office/drawing/2014/main" id="{1B0328BA-1ADE-48DA-85CC-097E73B12136}"/>
+              </a:ext>
+            </a:extLst>
+          </p:cNvPr>
+          <p:cNvSpPr/>
+          <p:nvPr/>
+        </p:nvSpPr>
+        <p:spPr>
+          <a:xfrm>
+            <a:off x="3083641" y="2693423"/>
+            <a:ext cx="639096" cy="342900"/>
+          </a:xfrm>
+          <a:prstGeom prst="rect">
+            <a:avLst/>
+          </a:prstGeom>
+          <a:noFill/>
+          <a:ln>
+            <a:solidFill>
+              <a:schemeClr val="tx1"/>
+            </a:solidFill>
+          </a:ln>
+        </p:spPr>
+        <p:style>
+          <a:lnRef idx="2">
+            <a:schemeClr val="accent1">
+              <a:shade val="50000"/>
+            </a:schemeClr>
+          </a:lnRef>
+          <a:fillRef idx="1">
+            <a:schemeClr val="accent1"/>
+          </a:fillRef>
+          <a:effectRef idx="0">
+            <a:schemeClr val="accent1"/>
+          </a:effectRef>
+          <a:fontRef idx="minor">
+            <a:schemeClr val="lt1"/>
+          </a:fontRef>
+        </p:style>
+        <p:txBody>
+          <a:bodyPr rtlCol="0" anchor="ctr"/>
+          <a:lstStyle/>
+          <a:p>
+            <a:pPr algn="ctr"/>
+            <a:r>
+              <a:rPr lang="en-US" sz="1400" dirty="0">
+                <a:solidFill>
+                  <a:schemeClr val="tx1"/>
+                </a:solidFill>
+              </a:rPr>
+              <a:t>trust3</a:t>
+            </a:r>
+          </a:p>
+        </p:txBody>
+      </p:sp>
+      <p:sp>
+        <p:nvSpPr>
+          <p:cNvPr id="8" name="Rectangle 7">
+            <a:extLst>
+              <a:ext uri="{FF2B5EF4-FFF2-40B4-BE49-F238E27FC236}">
+                <a16:creationId xmlns:a16="http://schemas.microsoft.com/office/drawing/2014/main" id="{0AD747AF-DFC7-4CE1-B553-A503386001CE}"/>
+              </a:ext>
+            </a:extLst>
+          </p:cNvPr>
+          <p:cNvSpPr/>
+          <p:nvPr/>
+        </p:nvSpPr>
+        <p:spPr>
+          <a:xfrm>
+            <a:off x="3097160" y="3242186"/>
+            <a:ext cx="639097" cy="334297"/>
+          </a:xfrm>
+          <a:prstGeom prst="rect">
+            <a:avLst/>
+          </a:prstGeom>
+          <a:noFill/>
+          <a:ln>
+            <a:solidFill>
+              <a:schemeClr val="tx1"/>
+            </a:solidFill>
+          </a:ln>
+        </p:spPr>
+        <p:style>
+          <a:lnRef idx="2">
+            <a:schemeClr val="accent1">
+              <a:shade val="50000"/>
+            </a:schemeClr>
+          </a:lnRef>
+          <a:fillRef idx="1">
+            <a:schemeClr val="accent1"/>
+          </a:fillRef>
+          <a:effectRef idx="0">
+            <a:schemeClr val="accent1"/>
+          </a:effectRef>
+          <a:fontRef idx="minor">
+            <a:schemeClr val="lt1"/>
+          </a:fontRef>
+        </p:style>
+        <p:txBody>
+          <a:bodyPr rtlCol="0" anchor="ctr"/>
+          <a:lstStyle/>
+          <a:p>
+            <a:pPr algn="ctr"/>
+            <a:r>
+              <a:rPr lang="en-US" sz="1400" dirty="0">
+                <a:solidFill>
+                  <a:schemeClr val="tx1"/>
+                </a:solidFill>
+              </a:rPr>
+              <a:t>trust4</a:t>
+            </a:r>
+          </a:p>
+        </p:txBody>
+      </p:sp>
+      <p:sp>
+        <p:nvSpPr>
+          <p:cNvPr id="9" name="Rectangle 8">
+            <a:extLst>
+              <a:ext uri="{FF2B5EF4-FFF2-40B4-BE49-F238E27FC236}">
+                <a16:creationId xmlns:a16="http://schemas.microsoft.com/office/drawing/2014/main" id="{06C7735D-BA3A-4A37-A20D-6AAC61B92DA3}"/>
+              </a:ext>
+            </a:extLst>
+          </p:cNvPr>
+          <p:cNvSpPr/>
+          <p:nvPr/>
+        </p:nvSpPr>
+        <p:spPr>
+          <a:xfrm>
+            <a:off x="3097160" y="3801395"/>
+            <a:ext cx="639097" cy="334297"/>
+          </a:xfrm>
+          <a:prstGeom prst="rect">
+            <a:avLst/>
+          </a:prstGeom>
+          <a:noFill/>
+          <a:ln>
+            <a:solidFill>
+              <a:schemeClr val="tx1"/>
+            </a:solidFill>
+          </a:ln>
+        </p:spPr>
+        <p:style>
+          <a:lnRef idx="2">
+            <a:schemeClr val="accent1">
+              <a:shade val="50000"/>
+            </a:schemeClr>
+          </a:lnRef>
+          <a:fillRef idx="1">
+            <a:schemeClr val="accent1"/>
+          </a:fillRef>
+          <a:effectRef idx="0">
+            <a:schemeClr val="accent1"/>
+          </a:effectRef>
+          <a:fontRef idx="minor">
+            <a:schemeClr val="lt1"/>
+          </a:fontRef>
+        </p:style>
+        <p:txBody>
+          <a:bodyPr rtlCol="0" anchor="ctr"/>
+          <a:lstStyle/>
+          <a:p>
+            <a:pPr algn="ctr"/>
+            <a:r>
+              <a:rPr lang="en-US" sz="1400" dirty="0">
+                <a:solidFill>
+                  <a:schemeClr val="tx1"/>
+                </a:solidFill>
+              </a:rPr>
+              <a:t>trust5</a:t>
+            </a:r>
+          </a:p>
+        </p:txBody>
+      </p:sp>
+      <p:sp>
+        <p:nvSpPr>
+          <p:cNvPr id="10" name="Rectangle 9">
+            <a:extLst>
+              <a:ext uri="{FF2B5EF4-FFF2-40B4-BE49-F238E27FC236}">
+                <a16:creationId xmlns:a16="http://schemas.microsoft.com/office/drawing/2014/main" id="{71D888F0-92B5-480E-87C5-EC9DA26E082C}"/>
+              </a:ext>
+            </a:extLst>
+          </p:cNvPr>
+          <p:cNvSpPr/>
+          <p:nvPr/>
+        </p:nvSpPr>
+        <p:spPr>
+          <a:xfrm>
+            <a:off x="3097160" y="1589755"/>
+            <a:ext cx="639097" cy="334297"/>
+          </a:xfrm>
+          <a:prstGeom prst="rect">
+            <a:avLst/>
+          </a:prstGeom>
+          <a:noFill/>
+          <a:ln>
+            <a:solidFill>
+              <a:schemeClr val="tx1"/>
+            </a:solidFill>
+          </a:ln>
+        </p:spPr>
+        <p:style>
+          <a:lnRef idx="2">
+            <a:schemeClr val="accent1">
+              <a:shade val="50000"/>
+            </a:schemeClr>
+          </a:lnRef>
+          <a:fillRef idx="1">
+            <a:schemeClr val="accent1"/>
+          </a:fillRef>
+          <a:effectRef idx="0">
+            <a:schemeClr val="accent1"/>
+          </a:effectRef>
+          <a:fontRef idx="minor">
+            <a:schemeClr val="lt1"/>
+          </a:fontRef>
+        </p:style>
+        <p:txBody>
+          <a:bodyPr rtlCol="0" anchor="ctr"/>
+          <a:lstStyle/>
+          <a:p>
+            <a:pPr algn="ctr"/>
+            <a:r>
+              <a:rPr lang="en-US" sz="1400" dirty="0">
+                <a:solidFill>
+                  <a:schemeClr val="tx1"/>
+                </a:solidFill>
+              </a:rPr>
+              <a:t>trust1</a:t>
+            </a:r>
+            <a:endParaRPr lang="en-US" dirty="0">
+              <a:solidFill>
+                <a:schemeClr val="tx1"/>
+              </a:solidFill>
+            </a:endParaRPr>
+          </a:p>
+        </p:txBody>
+      </p:sp>
+      <p:sp>
+        <p:nvSpPr>
+          <p:cNvPr id="11" name="Rectangle 10">
+            <a:extLst>
+              <a:ext uri="{FF2B5EF4-FFF2-40B4-BE49-F238E27FC236}">
+                <a16:creationId xmlns:a16="http://schemas.microsoft.com/office/drawing/2014/main" id="{DC19E90C-F490-472C-AD3C-16CCB266FAE5}"/>
+              </a:ext>
+            </a:extLst>
+          </p:cNvPr>
+          <p:cNvSpPr/>
+          <p:nvPr/>
+        </p:nvSpPr>
+        <p:spPr>
+          <a:xfrm>
+            <a:off x="9178413" y="2290916"/>
+            <a:ext cx="639097" cy="334297"/>
+          </a:xfrm>
+          <a:prstGeom prst="rect">
+            <a:avLst/>
+          </a:prstGeom>
+          <a:noFill/>
+          <a:ln>
+            <a:solidFill>
+              <a:schemeClr val="tx1"/>
+            </a:solidFill>
+          </a:ln>
+        </p:spPr>
+        <p:style>
+          <a:lnRef idx="2">
+            <a:schemeClr val="accent1">
+              <a:shade val="50000"/>
+            </a:schemeClr>
+          </a:lnRef>
+          <a:fillRef idx="1">
+            <a:schemeClr val="accent1"/>
+          </a:fillRef>
+          <a:effectRef idx="0">
+            <a:schemeClr val="accent1"/>
+          </a:effectRef>
+          <a:fontRef idx="minor">
+            <a:schemeClr val="lt1"/>
+          </a:fontRef>
+        </p:style>
+        <p:txBody>
+          <a:bodyPr rtlCol="0" anchor="ctr"/>
+          <a:lstStyle/>
+          <a:p>
+            <a:pPr algn="ctr"/>
+            <a:r>
+              <a:rPr lang="en-US" sz="900" dirty="0">
+                <a:solidFill>
+                  <a:schemeClr val="tx1"/>
+                </a:solidFill>
+              </a:rPr>
+              <a:t>mandiri2</a:t>
+            </a:r>
+          </a:p>
+        </p:txBody>
+      </p:sp>
+      <p:sp>
+        <p:nvSpPr>
+          <p:cNvPr id="12" name="Rectangle 11">
+            <a:extLst>
+              <a:ext uri="{FF2B5EF4-FFF2-40B4-BE49-F238E27FC236}">
+                <a16:creationId xmlns:a16="http://schemas.microsoft.com/office/drawing/2014/main" id="{54003AF7-EB75-4922-B247-8FB11AD9562E}"/>
+              </a:ext>
+            </a:extLst>
+          </p:cNvPr>
+          <p:cNvSpPr/>
+          <p:nvPr/>
+        </p:nvSpPr>
+        <p:spPr>
+          <a:xfrm>
+            <a:off x="9178412" y="2850125"/>
+            <a:ext cx="639097" cy="334297"/>
+          </a:xfrm>
+          <a:prstGeom prst="rect">
+            <a:avLst/>
+          </a:prstGeom>
+          <a:noFill/>
+          <a:ln>
+            <a:solidFill>
+              <a:schemeClr val="tx1"/>
+            </a:solidFill>
+          </a:ln>
+        </p:spPr>
+        <p:style>
+          <a:lnRef idx="2">
+            <a:schemeClr val="accent1">
+              <a:shade val="50000"/>
+            </a:schemeClr>
+          </a:lnRef>
+          <a:fillRef idx="1">
+            <a:schemeClr val="accent1"/>
+          </a:fillRef>
+          <a:effectRef idx="0">
+            <a:schemeClr val="accent1"/>
+          </a:effectRef>
+          <a:fontRef idx="minor">
+            <a:schemeClr val="lt1"/>
+          </a:fontRef>
+        </p:style>
+        <p:txBody>
+          <a:bodyPr rtlCol="0" anchor="ctr"/>
+          <a:lstStyle/>
+          <a:p>
+            <a:pPr algn="ctr"/>
+            <a:r>
+              <a:rPr lang="en-US" sz="900" dirty="0">
+                <a:solidFill>
+                  <a:schemeClr val="tx1"/>
+                </a:solidFill>
+              </a:rPr>
+              <a:t>mandiri3</a:t>
+            </a:r>
+          </a:p>
+        </p:txBody>
+      </p:sp>
+      <p:sp>
+        <p:nvSpPr>
+          <p:cNvPr id="13" name="Rectangle 12">
+            <a:extLst>
+              <a:ext uri="{FF2B5EF4-FFF2-40B4-BE49-F238E27FC236}">
+                <a16:creationId xmlns:a16="http://schemas.microsoft.com/office/drawing/2014/main" id="{4F64CD53-299B-449A-8510-71C2956E7FB9}"/>
+              </a:ext>
+            </a:extLst>
+          </p:cNvPr>
+          <p:cNvSpPr/>
+          <p:nvPr/>
+        </p:nvSpPr>
+        <p:spPr>
+          <a:xfrm>
+            <a:off x="9178412" y="3409334"/>
+            <a:ext cx="639097" cy="334297"/>
+          </a:xfrm>
+          <a:prstGeom prst="rect">
+            <a:avLst/>
+          </a:prstGeom>
+          <a:noFill/>
+          <a:ln>
+            <a:solidFill>
+              <a:schemeClr val="tx1"/>
+            </a:solidFill>
+          </a:ln>
+        </p:spPr>
+        <p:style>
+          <a:lnRef idx="2">
+            <a:schemeClr val="accent1">
+              <a:shade val="50000"/>
+            </a:schemeClr>
+          </a:lnRef>
+          <a:fillRef idx="1">
+            <a:schemeClr val="accent1"/>
+          </a:fillRef>
+          <a:effectRef idx="0">
+            <a:schemeClr val="accent1"/>
+          </a:effectRef>
+          <a:fontRef idx="minor">
+            <a:schemeClr val="lt1"/>
+          </a:fontRef>
+        </p:style>
+        <p:txBody>
+          <a:bodyPr rtlCol="0" anchor="ctr"/>
+          <a:lstStyle/>
+          <a:p>
+            <a:pPr algn="ctr"/>
+            <a:r>
+              <a:rPr lang="en-US" sz="900" dirty="0">
+                <a:solidFill>
+                  <a:schemeClr val="tx1"/>
+                </a:solidFill>
+              </a:rPr>
+              <a:t>mandiri4</a:t>
+            </a:r>
+          </a:p>
+        </p:txBody>
+      </p:sp>
+      <p:sp>
+        <p:nvSpPr>
+          <p:cNvPr id="14" name="Rectangle 13">
+            <a:extLst>
+              <a:ext uri="{FF2B5EF4-FFF2-40B4-BE49-F238E27FC236}">
+                <a16:creationId xmlns:a16="http://schemas.microsoft.com/office/drawing/2014/main" id="{EA2FC5C6-BED5-4280-BAF5-330A15CC0F3A}"/>
+              </a:ext>
+            </a:extLst>
+          </p:cNvPr>
+          <p:cNvSpPr/>
+          <p:nvPr/>
+        </p:nvSpPr>
+        <p:spPr>
+          <a:xfrm>
+            <a:off x="9178412" y="1756903"/>
+            <a:ext cx="639097" cy="334297"/>
+          </a:xfrm>
+          <a:prstGeom prst="rect">
+            <a:avLst/>
+          </a:prstGeom>
+          <a:noFill/>
+          <a:ln>
+            <a:solidFill>
+              <a:schemeClr val="tx1"/>
+            </a:solidFill>
+          </a:ln>
+        </p:spPr>
+        <p:style>
+          <a:lnRef idx="2">
+            <a:schemeClr val="accent1">
+              <a:shade val="50000"/>
+            </a:schemeClr>
+          </a:lnRef>
+          <a:fillRef idx="1">
+            <a:schemeClr val="accent1"/>
+          </a:fillRef>
+          <a:effectRef idx="0">
+            <a:schemeClr val="accent1"/>
+          </a:effectRef>
+          <a:fontRef idx="minor">
+            <a:schemeClr val="lt1"/>
+          </a:fontRef>
+        </p:style>
+        <p:txBody>
+          <a:bodyPr rtlCol="0" anchor="ctr"/>
+          <a:lstStyle/>
+          <a:p>
+            <a:pPr algn="ctr"/>
+            <a:r>
+              <a:rPr lang="en-US" sz="900" dirty="0">
+                <a:solidFill>
+                  <a:schemeClr val="tx1"/>
+                </a:solidFill>
+              </a:rPr>
+              <a:t>mandiri1</a:t>
+            </a:r>
+          </a:p>
+        </p:txBody>
+      </p:sp>
+      <p:cxnSp>
+        <p:nvCxnSpPr>
+          <p:cNvPr id="21" name="Straight Arrow Connector 20">
+            <a:extLst>
+              <a:ext uri="{FF2B5EF4-FFF2-40B4-BE49-F238E27FC236}">
+                <a16:creationId xmlns:a16="http://schemas.microsoft.com/office/drawing/2014/main" id="{FAFE3ADE-1D54-4997-AC42-6ECE798C1364}"/>
+              </a:ext>
+            </a:extLst>
+          </p:cNvPr>
+          <p:cNvCxnSpPr>
+            <a:cxnSpLocks/>
+            <a:stCxn id="4" idx="2"/>
+            <a:endCxn id="10" idx="3"/>
+          </p:cNvCxnSpPr>
+          <p:nvPr/>
+        </p:nvCxnSpPr>
+        <p:spPr>
+          <a:xfrm flipH="1" flipV="1">
+            <a:off x="3736257" y="1756904"/>
+            <a:ext cx="855408" cy="1112887"/>
+          </a:xfrm>
+          <a:prstGeom prst="straightConnector1">
+            <a:avLst/>
+          </a:prstGeom>
+          <a:ln>
+            <a:solidFill>
+              <a:schemeClr val="tx1"/>
+            </a:solidFill>
+            <a:tailEnd type="triangle"/>
+          </a:ln>
+        </p:spPr>
+        <p:style>
+          <a:lnRef idx="1">
+            <a:schemeClr val="accent1"/>
+          </a:lnRef>
+          <a:fillRef idx="0">
+            <a:schemeClr val="accent1"/>
+          </a:fillRef>
+          <a:effectRef idx="0">
+            <a:schemeClr val="accent1"/>
+          </a:effectRef>
+          <a:fontRef idx="minor">
+            <a:schemeClr val="tx1"/>
+          </a:fontRef>
+        </p:style>
+      </p:cxnSp>
+      <p:cxnSp>
+        <p:nvCxnSpPr>
+          <p:cNvPr id="22" name="Straight Arrow Connector 21">
+            <a:extLst>
+              <a:ext uri="{FF2B5EF4-FFF2-40B4-BE49-F238E27FC236}">
+                <a16:creationId xmlns:a16="http://schemas.microsoft.com/office/drawing/2014/main" id="{02BF97F9-93DA-40D5-B6B4-A4FE2AF91E88}"/>
+              </a:ext>
+            </a:extLst>
+          </p:cNvPr>
+          <p:cNvCxnSpPr>
+            <a:cxnSpLocks/>
+            <a:stCxn id="4" idx="2"/>
+            <a:endCxn id="6" idx="3"/>
+          </p:cNvCxnSpPr>
+          <p:nvPr/>
+        </p:nvCxnSpPr>
+        <p:spPr>
+          <a:xfrm flipH="1" flipV="1">
+            <a:off x="3736258" y="2290917"/>
+            <a:ext cx="855407" cy="578874"/>
+          </a:xfrm>
+          <a:prstGeom prst="straightConnector1">
+            <a:avLst/>
+          </a:prstGeom>
+          <a:ln>
+            <a:solidFill>
+              <a:schemeClr val="tx1"/>
+            </a:solidFill>
+            <a:tailEnd type="triangle"/>
+          </a:ln>
+        </p:spPr>
+        <p:style>
+          <a:lnRef idx="1">
+            <a:schemeClr val="accent1"/>
+          </a:lnRef>
+          <a:fillRef idx="0">
+            <a:schemeClr val="accent1"/>
+          </a:fillRef>
+          <a:effectRef idx="0">
+            <a:schemeClr val="accent1"/>
+          </a:effectRef>
+          <a:fontRef idx="minor">
+            <a:schemeClr val="tx1"/>
+          </a:fontRef>
+        </p:style>
+      </p:cxnSp>
+      <p:cxnSp>
+        <p:nvCxnSpPr>
+          <p:cNvPr id="25" name="Straight Arrow Connector 24">
+            <a:extLst>
+              <a:ext uri="{FF2B5EF4-FFF2-40B4-BE49-F238E27FC236}">
+                <a16:creationId xmlns:a16="http://schemas.microsoft.com/office/drawing/2014/main" id="{7145F8EB-9BE0-41D0-B114-69C84ECEEF49}"/>
+              </a:ext>
+            </a:extLst>
+          </p:cNvPr>
+          <p:cNvCxnSpPr>
+            <a:cxnSpLocks/>
+            <a:stCxn id="4" idx="2"/>
+            <a:endCxn id="7" idx="3"/>
+          </p:cNvCxnSpPr>
+          <p:nvPr/>
+        </p:nvCxnSpPr>
+        <p:spPr>
+          <a:xfrm flipH="1" flipV="1">
+            <a:off x="3722737" y="2864873"/>
+            <a:ext cx="868928" cy="4918"/>
+          </a:xfrm>
+          <a:prstGeom prst="straightConnector1">
+            <a:avLst/>
+          </a:prstGeom>
+          <a:ln>
+            <a:solidFill>
+              <a:schemeClr val="tx1"/>
+            </a:solidFill>
+            <a:tailEnd type="triangle"/>
+          </a:ln>
+        </p:spPr>
+        <p:style>
+          <a:lnRef idx="1">
+            <a:schemeClr val="accent1"/>
+          </a:lnRef>
+          <a:fillRef idx="0">
+            <a:schemeClr val="accent1"/>
+          </a:fillRef>
+          <a:effectRef idx="0">
+            <a:schemeClr val="accent1"/>
+          </a:effectRef>
+          <a:fontRef idx="minor">
+            <a:schemeClr val="tx1"/>
+          </a:fontRef>
+        </p:style>
+      </p:cxnSp>
+      <p:cxnSp>
+        <p:nvCxnSpPr>
+          <p:cNvPr id="28" name="Straight Arrow Connector 27">
+            <a:extLst>
+              <a:ext uri="{FF2B5EF4-FFF2-40B4-BE49-F238E27FC236}">
+                <a16:creationId xmlns:a16="http://schemas.microsoft.com/office/drawing/2014/main" id="{B0559E3E-2C5E-4C91-B016-BCF9BA410947}"/>
+              </a:ext>
+            </a:extLst>
+          </p:cNvPr>
+          <p:cNvCxnSpPr>
+            <a:cxnSpLocks/>
+            <a:stCxn id="4" idx="2"/>
+            <a:endCxn id="8" idx="3"/>
+          </p:cNvCxnSpPr>
+          <p:nvPr/>
+        </p:nvCxnSpPr>
+        <p:spPr>
+          <a:xfrm flipH="1">
+            <a:off x="3736257" y="2869791"/>
+            <a:ext cx="855408" cy="539544"/>
+          </a:xfrm>
+          <a:prstGeom prst="straightConnector1">
+            <a:avLst/>
+          </a:prstGeom>
+          <a:ln>
+            <a:solidFill>
+              <a:schemeClr val="tx1"/>
+            </a:solidFill>
+            <a:tailEnd type="triangle"/>
+          </a:ln>
+        </p:spPr>
+        <p:style>
+          <a:lnRef idx="1">
+            <a:schemeClr val="accent1"/>
+          </a:lnRef>
+          <a:fillRef idx="0">
+            <a:schemeClr val="accent1"/>
+          </a:fillRef>
+          <a:effectRef idx="0">
+            <a:schemeClr val="accent1"/>
+          </a:effectRef>
+          <a:fontRef idx="minor">
+            <a:schemeClr val="tx1"/>
+          </a:fontRef>
+        </p:style>
+      </p:cxnSp>
+      <p:cxnSp>
+        <p:nvCxnSpPr>
+          <p:cNvPr id="31" name="Straight Arrow Connector 30">
+            <a:extLst>
+              <a:ext uri="{FF2B5EF4-FFF2-40B4-BE49-F238E27FC236}">
+                <a16:creationId xmlns:a16="http://schemas.microsoft.com/office/drawing/2014/main" id="{B9911071-E269-4D74-951B-9EF73156D554}"/>
+              </a:ext>
+            </a:extLst>
+          </p:cNvPr>
+          <p:cNvCxnSpPr>
+            <a:cxnSpLocks/>
+            <a:stCxn id="4" idx="2"/>
+            <a:endCxn id="9" idx="3"/>
+          </p:cNvCxnSpPr>
+          <p:nvPr/>
+        </p:nvCxnSpPr>
+        <p:spPr>
+          <a:xfrm flipH="1">
+            <a:off x="3736257" y="2869791"/>
+            <a:ext cx="855408" cy="1098753"/>
+          </a:xfrm>
+          <a:prstGeom prst="straightConnector1">
+            <a:avLst/>
+          </a:prstGeom>
+          <a:ln>
+            <a:solidFill>
+              <a:schemeClr val="tx1"/>
+            </a:solidFill>
+            <a:tailEnd type="triangle"/>
+          </a:ln>
+        </p:spPr>
+        <p:style>
+          <a:lnRef idx="1">
+            <a:schemeClr val="accent1"/>
+          </a:lnRef>
+          <a:fillRef idx="0">
+            <a:schemeClr val="accent1"/>
+          </a:fillRef>
+          <a:effectRef idx="0">
+            <a:schemeClr val="accent1"/>
+          </a:effectRef>
+          <a:fontRef idx="minor">
+            <a:schemeClr val="tx1"/>
+          </a:fontRef>
+        </p:style>
+      </p:cxnSp>
+      <p:cxnSp>
+        <p:nvCxnSpPr>
+          <p:cNvPr id="35" name="Straight Arrow Connector 34">
+            <a:extLst>
+              <a:ext uri="{FF2B5EF4-FFF2-40B4-BE49-F238E27FC236}">
+                <a16:creationId xmlns:a16="http://schemas.microsoft.com/office/drawing/2014/main" id="{3529C85D-2259-4211-AF6D-115F4E2B884E}"/>
+              </a:ext>
+            </a:extLst>
+          </p:cNvPr>
+          <p:cNvCxnSpPr>
+            <a:stCxn id="4" idx="6"/>
+            <a:endCxn id="5" idx="2"/>
+          </p:cNvCxnSpPr>
+          <p:nvPr/>
+        </p:nvCxnSpPr>
+        <p:spPr>
+          <a:xfrm>
+            <a:off x="5702710" y="2869791"/>
+            <a:ext cx="1342104" cy="0"/>
+          </a:xfrm>
+          <a:prstGeom prst="straightConnector1">
+            <a:avLst/>
+          </a:prstGeom>
+          <a:ln>
+            <a:solidFill>
+              <a:schemeClr val="tx1"/>
+            </a:solidFill>
+            <a:tailEnd type="triangle"/>
+          </a:ln>
+        </p:spPr>
+        <p:style>
+          <a:lnRef idx="1">
+            <a:schemeClr val="accent1"/>
+          </a:lnRef>
+          <a:fillRef idx="0">
+            <a:schemeClr val="accent1"/>
+          </a:fillRef>
+          <a:effectRef idx="0">
+            <a:schemeClr val="accent1"/>
+          </a:effectRef>
+          <a:fontRef idx="minor">
+            <a:schemeClr val="tx1"/>
+          </a:fontRef>
+        </p:style>
+      </p:cxnSp>
+      <p:cxnSp>
+        <p:nvCxnSpPr>
+          <p:cNvPr id="38" name="Straight Arrow Connector 37">
+            <a:extLst>
+              <a:ext uri="{FF2B5EF4-FFF2-40B4-BE49-F238E27FC236}">
+                <a16:creationId xmlns:a16="http://schemas.microsoft.com/office/drawing/2014/main" id="{A90DBE0B-CD09-47EF-8994-9817571BAE25}"/>
+              </a:ext>
+            </a:extLst>
+          </p:cNvPr>
+          <p:cNvCxnSpPr>
+            <a:stCxn id="5" idx="6"/>
+            <a:endCxn id="14" idx="1"/>
+          </p:cNvCxnSpPr>
+          <p:nvPr/>
+        </p:nvCxnSpPr>
+        <p:spPr>
+          <a:xfrm flipV="1">
+            <a:off x="8155859" y="1924052"/>
+            <a:ext cx="1022553" cy="945739"/>
+          </a:xfrm>
+          <a:prstGeom prst="straightConnector1">
+            <a:avLst/>
+          </a:prstGeom>
+          <a:ln>
+            <a:solidFill>
+              <a:schemeClr val="tx1"/>
+            </a:solidFill>
+            <a:tailEnd type="triangle"/>
+          </a:ln>
+        </p:spPr>
+        <p:style>
+          <a:lnRef idx="1">
+            <a:schemeClr val="accent1"/>
+          </a:lnRef>
+          <a:fillRef idx="0">
+            <a:schemeClr val="accent1"/>
+          </a:fillRef>
+          <a:effectRef idx="0">
+            <a:schemeClr val="accent1"/>
+          </a:effectRef>
+          <a:fontRef idx="minor">
+            <a:schemeClr val="tx1"/>
+          </a:fontRef>
+        </p:style>
+      </p:cxnSp>
+      <p:cxnSp>
+        <p:nvCxnSpPr>
+          <p:cNvPr id="39" name="Straight Arrow Connector 38">
+            <a:extLst>
+              <a:ext uri="{FF2B5EF4-FFF2-40B4-BE49-F238E27FC236}">
+                <a16:creationId xmlns:a16="http://schemas.microsoft.com/office/drawing/2014/main" id="{4BDDC80A-B034-4DBE-8134-BDAE12B13A2D}"/>
+              </a:ext>
+            </a:extLst>
+          </p:cNvPr>
+          <p:cNvCxnSpPr>
+            <a:cxnSpLocks/>
+            <a:stCxn id="5" idx="6"/>
+            <a:endCxn id="11" idx="1"/>
+          </p:cNvCxnSpPr>
+          <p:nvPr/>
+        </p:nvCxnSpPr>
+        <p:spPr>
+          <a:xfrm flipV="1">
+            <a:off x="8155859" y="2458065"/>
+            <a:ext cx="1022554" cy="411726"/>
+          </a:xfrm>
+          <a:prstGeom prst="straightConnector1">
+            <a:avLst/>
+          </a:prstGeom>
+          <a:ln>
+            <a:solidFill>
+              <a:schemeClr val="tx1"/>
+            </a:solidFill>
+            <a:tailEnd type="triangle"/>
+          </a:ln>
+        </p:spPr>
+        <p:style>
+          <a:lnRef idx="1">
+            <a:schemeClr val="accent1"/>
+          </a:lnRef>
+          <a:fillRef idx="0">
+            <a:schemeClr val="accent1"/>
+          </a:fillRef>
+          <a:effectRef idx="0">
+            <a:schemeClr val="accent1"/>
+          </a:effectRef>
+          <a:fontRef idx="minor">
+            <a:schemeClr val="tx1"/>
+          </a:fontRef>
+        </p:style>
+      </p:cxnSp>
+      <p:cxnSp>
+        <p:nvCxnSpPr>
+          <p:cNvPr id="42" name="Straight Arrow Connector 41">
+            <a:extLst>
+              <a:ext uri="{FF2B5EF4-FFF2-40B4-BE49-F238E27FC236}">
+                <a16:creationId xmlns:a16="http://schemas.microsoft.com/office/drawing/2014/main" id="{A89A1D0F-2D54-490C-B162-AB01C29DEC17}"/>
+              </a:ext>
+            </a:extLst>
+          </p:cNvPr>
+          <p:cNvCxnSpPr>
+            <a:cxnSpLocks/>
+            <a:stCxn id="5" idx="6"/>
+            <a:endCxn id="12" idx="1"/>
+          </p:cNvCxnSpPr>
+          <p:nvPr/>
+        </p:nvCxnSpPr>
+        <p:spPr>
+          <a:xfrm>
+            <a:off x="8155859" y="2869791"/>
+            <a:ext cx="1022553" cy="147483"/>
+          </a:xfrm>
+          <a:prstGeom prst="straightConnector1">
+            <a:avLst/>
+          </a:prstGeom>
+          <a:ln>
+            <a:solidFill>
+              <a:schemeClr val="tx1"/>
+            </a:solidFill>
+            <a:tailEnd type="triangle"/>
+          </a:ln>
+        </p:spPr>
+        <p:style>
+          <a:lnRef idx="1">
+            <a:schemeClr val="accent1"/>
+          </a:lnRef>
+          <a:fillRef idx="0">
+            <a:schemeClr val="accent1"/>
+          </a:fillRef>
+          <a:effectRef idx="0">
+            <a:schemeClr val="accent1"/>
+          </a:effectRef>
+          <a:fontRef idx="minor">
+            <a:schemeClr val="tx1"/>
+          </a:fontRef>
+        </p:style>
+      </p:cxnSp>
+      <p:cxnSp>
+        <p:nvCxnSpPr>
+          <p:cNvPr id="45" name="Straight Arrow Connector 44">
+            <a:extLst>
+              <a:ext uri="{FF2B5EF4-FFF2-40B4-BE49-F238E27FC236}">
+                <a16:creationId xmlns:a16="http://schemas.microsoft.com/office/drawing/2014/main" id="{10CFBEBB-A9F0-4C5F-82F2-25435C3522EF}"/>
+              </a:ext>
+            </a:extLst>
+          </p:cNvPr>
+          <p:cNvCxnSpPr>
+            <a:cxnSpLocks/>
+            <a:stCxn id="5" idx="6"/>
+            <a:endCxn id="13" idx="1"/>
+          </p:cNvCxnSpPr>
+          <p:nvPr/>
+        </p:nvCxnSpPr>
+        <p:spPr>
+          <a:xfrm>
+            <a:off x="8155859" y="2869791"/>
+            <a:ext cx="1022553" cy="706692"/>
+          </a:xfrm>
+          <a:prstGeom prst="straightConnector1">
+            <a:avLst/>
+          </a:prstGeom>
+          <a:ln>
+            <a:solidFill>
+              <a:schemeClr val="tx1"/>
+            </a:solidFill>
+            <a:tailEnd type="triangle"/>
+          </a:ln>
+        </p:spPr>
+        <p:style>
+          <a:lnRef idx="1">
+            <a:schemeClr val="accent1"/>
+          </a:lnRef>
+          <a:fillRef idx="0">
+            <a:schemeClr val="accent1"/>
+          </a:fillRef>
+          <a:effectRef idx="0">
+            <a:schemeClr val="accent1"/>
+          </a:effectRef>
+          <a:fontRef idx="minor">
+            <a:schemeClr val="tx1"/>
+          </a:fontRef>
+        </p:style>
+      </p:cxnSp>
+      <p:sp>
+        <p:nvSpPr>
+          <p:cNvPr id="49" name="Oval 48">
+            <a:extLst>
+              <a:ext uri="{FF2B5EF4-FFF2-40B4-BE49-F238E27FC236}">
+                <a16:creationId xmlns:a16="http://schemas.microsoft.com/office/drawing/2014/main" id="{1B7A9F65-F56C-40D5-8BC4-119247C6DBF7}"/>
+              </a:ext>
+            </a:extLst>
+          </p:cNvPr>
+          <p:cNvSpPr/>
+          <p:nvPr/>
+        </p:nvSpPr>
+        <p:spPr>
+          <a:xfrm>
+            <a:off x="2342535" y="1589755"/>
+            <a:ext cx="334296" cy="339214"/>
+          </a:xfrm>
+          <a:prstGeom prst="ellipse">
+            <a:avLst/>
+          </a:prstGeom>
+          <a:noFill/>
+          <a:ln>
+            <a:solidFill>
+              <a:schemeClr val="tx1"/>
+            </a:solidFill>
+          </a:ln>
+        </p:spPr>
+        <p:style>
+          <a:lnRef idx="2">
+            <a:schemeClr val="accent1">
+              <a:shade val="50000"/>
+            </a:schemeClr>
+          </a:lnRef>
+          <a:fillRef idx="1">
+            <a:schemeClr val="accent1"/>
+          </a:fillRef>
+          <a:effectRef idx="0">
+            <a:schemeClr val="accent1"/>
+          </a:effectRef>
+          <a:fontRef idx="minor">
+            <a:schemeClr val="lt1"/>
+          </a:fontRef>
+        </p:style>
+        <p:txBody>
+          <a:bodyPr rtlCol="0" anchor="ctr"/>
+          <a:lstStyle/>
+          <a:p>
+            <a:pPr algn="ctr"/>
+            <a:r>
+              <a:rPr lang="en-US" dirty="0">
+                <a:solidFill>
+                  <a:schemeClr val="tx1"/>
+                </a:solidFill>
+              </a:rPr>
+              <a:t>e</a:t>
+            </a:r>
+          </a:p>
+        </p:txBody>
+      </p:sp>
+      <p:cxnSp>
+        <p:nvCxnSpPr>
+          <p:cNvPr id="52" name="Straight Arrow Connector 51">
+            <a:extLst>
+              <a:ext uri="{FF2B5EF4-FFF2-40B4-BE49-F238E27FC236}">
+                <a16:creationId xmlns:a16="http://schemas.microsoft.com/office/drawing/2014/main" id="{F5D4C7AA-A7EB-439C-AF3B-4BD42EC59867}"/>
+              </a:ext>
+            </a:extLst>
+          </p:cNvPr>
+          <p:cNvCxnSpPr>
+            <a:cxnSpLocks/>
+            <a:stCxn id="49" idx="6"/>
+            <a:endCxn id="10" idx="1"/>
+          </p:cNvCxnSpPr>
+          <p:nvPr/>
+        </p:nvCxnSpPr>
+        <p:spPr>
+          <a:xfrm flipV="1">
+            <a:off x="2676831" y="1756904"/>
+            <a:ext cx="420329" cy="2458"/>
+          </a:xfrm>
+          <a:prstGeom prst="straightConnector1">
+            <a:avLst/>
+          </a:prstGeom>
+          <a:ln>
+            <a:solidFill>
+              <a:schemeClr val="tx1"/>
+            </a:solidFill>
+            <a:tailEnd type="triangle"/>
+          </a:ln>
+        </p:spPr>
+        <p:style>
+          <a:lnRef idx="1">
+            <a:schemeClr val="accent1"/>
+          </a:lnRef>
+          <a:fillRef idx="0">
+            <a:schemeClr val="accent1"/>
+          </a:fillRef>
+          <a:effectRef idx="0">
+            <a:schemeClr val="accent1"/>
+          </a:effectRef>
+          <a:fontRef idx="minor">
+            <a:schemeClr val="tx1"/>
+          </a:fontRef>
+        </p:style>
+      </p:cxnSp>
+      <p:sp>
+        <p:nvSpPr>
+          <p:cNvPr id="53" name="Oval 52">
+            <a:extLst>
+              <a:ext uri="{FF2B5EF4-FFF2-40B4-BE49-F238E27FC236}">
+                <a16:creationId xmlns:a16="http://schemas.microsoft.com/office/drawing/2014/main" id="{9D158D66-57F8-4E3D-81A9-C67B1D549EE9}"/>
+              </a:ext>
+            </a:extLst>
+          </p:cNvPr>
+          <p:cNvSpPr/>
+          <p:nvPr/>
+        </p:nvSpPr>
+        <p:spPr>
+          <a:xfrm>
+            <a:off x="2348680" y="2179073"/>
+            <a:ext cx="334296" cy="339214"/>
+          </a:xfrm>
+          <a:prstGeom prst="ellipse">
+            <a:avLst/>
+          </a:prstGeom>
+          <a:noFill/>
+          <a:ln>
+            <a:solidFill>
+              <a:schemeClr val="tx1"/>
+            </a:solidFill>
+          </a:ln>
+        </p:spPr>
+        <p:style>
+          <a:lnRef idx="2">
+            <a:schemeClr val="accent1">
+              <a:shade val="50000"/>
+            </a:schemeClr>
+          </a:lnRef>
+          <a:fillRef idx="1">
+            <a:schemeClr val="accent1"/>
+          </a:fillRef>
+          <a:effectRef idx="0">
+            <a:schemeClr val="accent1"/>
+          </a:effectRef>
+          <a:fontRef idx="minor">
+            <a:schemeClr val="lt1"/>
+          </a:fontRef>
+        </p:style>
+        <p:txBody>
+          <a:bodyPr rtlCol="0" anchor="ctr"/>
+          <a:lstStyle/>
+          <a:p>
+            <a:pPr algn="ctr"/>
+            <a:r>
+              <a:rPr lang="en-US" dirty="0">
+                <a:solidFill>
+                  <a:schemeClr val="tx1"/>
+                </a:solidFill>
+              </a:rPr>
+              <a:t>e</a:t>
+            </a:r>
+          </a:p>
+        </p:txBody>
+      </p:sp>
+      <p:cxnSp>
+        <p:nvCxnSpPr>
+          <p:cNvPr id="54" name="Straight Arrow Connector 53">
+            <a:extLst>
+              <a:ext uri="{FF2B5EF4-FFF2-40B4-BE49-F238E27FC236}">
+                <a16:creationId xmlns:a16="http://schemas.microsoft.com/office/drawing/2014/main" id="{8B7D410A-3973-414B-AED8-AC6B6025A61A}"/>
+              </a:ext>
+            </a:extLst>
+          </p:cNvPr>
+          <p:cNvCxnSpPr>
+            <a:stCxn id="53" idx="6"/>
+          </p:cNvCxnSpPr>
+          <p:nvPr/>
+        </p:nvCxnSpPr>
+        <p:spPr>
+          <a:xfrm flipV="1">
+            <a:off x="2682976" y="2346222"/>
+            <a:ext cx="420329" cy="2458"/>
+          </a:xfrm>
+          <a:prstGeom prst="straightConnector1">
+            <a:avLst/>
+          </a:prstGeom>
+          <a:ln>
+            <a:solidFill>
+              <a:schemeClr val="tx1"/>
+            </a:solidFill>
+            <a:tailEnd type="triangle"/>
+          </a:ln>
+        </p:spPr>
+        <p:style>
+          <a:lnRef idx="1">
+            <a:schemeClr val="accent1"/>
+          </a:lnRef>
+          <a:fillRef idx="0">
+            <a:schemeClr val="accent1"/>
+          </a:fillRef>
+          <a:effectRef idx="0">
+            <a:schemeClr val="accent1"/>
+          </a:effectRef>
+          <a:fontRef idx="minor">
+            <a:schemeClr val="tx1"/>
+          </a:fontRef>
+        </p:style>
+      </p:cxnSp>
+      <p:sp>
+        <p:nvSpPr>
+          <p:cNvPr id="55" name="Oval 54">
+            <a:extLst>
+              <a:ext uri="{FF2B5EF4-FFF2-40B4-BE49-F238E27FC236}">
+                <a16:creationId xmlns:a16="http://schemas.microsoft.com/office/drawing/2014/main" id="{23C74C92-C7D4-4D25-8AA5-91486A59CC3D}"/>
+              </a:ext>
+            </a:extLst>
+          </p:cNvPr>
+          <p:cNvSpPr/>
+          <p:nvPr/>
+        </p:nvSpPr>
+        <p:spPr>
+          <a:xfrm>
+            <a:off x="2342535" y="2684207"/>
+            <a:ext cx="334296" cy="339214"/>
+          </a:xfrm>
+          <a:prstGeom prst="ellipse">
+            <a:avLst/>
+          </a:prstGeom>
+          <a:noFill/>
+          <a:ln>
+            <a:solidFill>
+              <a:schemeClr val="tx1"/>
+            </a:solidFill>
+          </a:ln>
+        </p:spPr>
+        <p:style>
+          <a:lnRef idx="2">
+            <a:schemeClr val="accent1">
+              <a:shade val="50000"/>
+            </a:schemeClr>
+          </a:lnRef>
+          <a:fillRef idx="1">
+            <a:schemeClr val="accent1"/>
+          </a:fillRef>
+          <a:effectRef idx="0">
+            <a:schemeClr val="accent1"/>
+          </a:effectRef>
+          <a:fontRef idx="minor">
+            <a:schemeClr val="lt1"/>
+          </a:fontRef>
+        </p:style>
+        <p:txBody>
+          <a:bodyPr rtlCol="0" anchor="ctr"/>
+          <a:lstStyle/>
+          <a:p>
+            <a:pPr algn="ctr"/>
+            <a:r>
+              <a:rPr lang="en-US" dirty="0">
+                <a:solidFill>
+                  <a:schemeClr val="tx1"/>
+                </a:solidFill>
+              </a:rPr>
+              <a:t>e</a:t>
+            </a:r>
+          </a:p>
+        </p:txBody>
+      </p:sp>
+      <p:cxnSp>
+        <p:nvCxnSpPr>
+          <p:cNvPr id="56" name="Straight Arrow Connector 55">
+            <a:extLst>
+              <a:ext uri="{FF2B5EF4-FFF2-40B4-BE49-F238E27FC236}">
+                <a16:creationId xmlns:a16="http://schemas.microsoft.com/office/drawing/2014/main" id="{02897577-A94F-4AE4-A05F-96BBF064AACF}"/>
+              </a:ext>
+            </a:extLst>
+          </p:cNvPr>
+          <p:cNvCxnSpPr>
+            <a:stCxn id="55" idx="6"/>
+          </p:cNvCxnSpPr>
+          <p:nvPr/>
+        </p:nvCxnSpPr>
+        <p:spPr>
+          <a:xfrm flipV="1">
+            <a:off x="2676831" y="2851356"/>
+            <a:ext cx="420329" cy="2458"/>
+          </a:xfrm>
+          <a:prstGeom prst="straightConnector1">
+            <a:avLst/>
+          </a:prstGeom>
+          <a:ln>
+            <a:solidFill>
+              <a:schemeClr val="tx1"/>
+            </a:solidFill>
+            <a:tailEnd type="triangle"/>
+          </a:ln>
+        </p:spPr>
+        <p:style>
+          <a:lnRef idx="1">
+            <a:schemeClr val="accent1"/>
+          </a:lnRef>
+          <a:fillRef idx="0">
+            <a:schemeClr val="accent1"/>
+          </a:fillRef>
+          <a:effectRef idx="0">
+            <a:schemeClr val="accent1"/>
+          </a:effectRef>
+          <a:fontRef idx="minor">
+            <a:schemeClr val="tx1"/>
+          </a:fontRef>
+        </p:style>
+      </p:cxnSp>
+      <p:sp>
+        <p:nvSpPr>
+          <p:cNvPr id="57" name="Oval 56">
+            <a:extLst>
+              <a:ext uri="{FF2B5EF4-FFF2-40B4-BE49-F238E27FC236}">
+                <a16:creationId xmlns:a16="http://schemas.microsoft.com/office/drawing/2014/main" id="{EB249257-AEFD-4891-AE9D-14E221242FEC}"/>
+              </a:ext>
+            </a:extLst>
+          </p:cNvPr>
+          <p:cNvSpPr/>
+          <p:nvPr/>
+        </p:nvSpPr>
+        <p:spPr>
+          <a:xfrm>
+            <a:off x="2342535" y="3237269"/>
+            <a:ext cx="334296" cy="339214"/>
+          </a:xfrm>
+          <a:prstGeom prst="ellipse">
+            <a:avLst/>
+          </a:prstGeom>
+          <a:noFill/>
+          <a:ln>
+            <a:solidFill>
+              <a:schemeClr val="tx1"/>
+            </a:solidFill>
+          </a:ln>
+        </p:spPr>
+        <p:style>
+          <a:lnRef idx="2">
+            <a:schemeClr val="accent1">
+              <a:shade val="50000"/>
+            </a:schemeClr>
+          </a:lnRef>
+          <a:fillRef idx="1">
+            <a:schemeClr val="accent1"/>
+          </a:fillRef>
+          <a:effectRef idx="0">
+            <a:schemeClr val="accent1"/>
+          </a:effectRef>
+          <a:fontRef idx="minor">
+            <a:schemeClr val="lt1"/>
+          </a:fontRef>
+        </p:style>
+        <p:txBody>
+          <a:bodyPr rtlCol="0" anchor="ctr"/>
+          <a:lstStyle/>
+          <a:p>
+            <a:pPr algn="ctr"/>
+            <a:r>
+              <a:rPr lang="en-US" dirty="0">
+                <a:solidFill>
+                  <a:schemeClr val="tx1"/>
+                </a:solidFill>
+              </a:rPr>
+              <a:t>e</a:t>
+            </a:r>
+          </a:p>
+        </p:txBody>
+      </p:sp>
+      <p:cxnSp>
+        <p:nvCxnSpPr>
+          <p:cNvPr id="58" name="Straight Arrow Connector 57">
+            <a:extLst>
+              <a:ext uri="{FF2B5EF4-FFF2-40B4-BE49-F238E27FC236}">
+                <a16:creationId xmlns:a16="http://schemas.microsoft.com/office/drawing/2014/main" id="{F78C5F67-A847-4568-854F-5AB4A9674268}"/>
+              </a:ext>
+            </a:extLst>
+          </p:cNvPr>
+          <p:cNvCxnSpPr>
+            <a:stCxn id="57" idx="6"/>
+          </p:cNvCxnSpPr>
+          <p:nvPr/>
+        </p:nvCxnSpPr>
+        <p:spPr>
+          <a:xfrm flipV="1">
+            <a:off x="2676831" y="3404418"/>
+            <a:ext cx="420329" cy="2458"/>
+          </a:xfrm>
+          <a:prstGeom prst="straightConnector1">
+            <a:avLst/>
+          </a:prstGeom>
+          <a:ln>
+            <a:solidFill>
+              <a:schemeClr val="tx1"/>
+            </a:solidFill>
+            <a:tailEnd type="triangle"/>
+          </a:ln>
+        </p:spPr>
+        <p:style>
+          <a:lnRef idx="1">
+            <a:schemeClr val="accent1"/>
+          </a:lnRef>
+          <a:fillRef idx="0">
+            <a:schemeClr val="accent1"/>
+          </a:fillRef>
+          <a:effectRef idx="0">
+            <a:schemeClr val="accent1"/>
+          </a:effectRef>
+          <a:fontRef idx="minor">
+            <a:schemeClr val="tx1"/>
+          </a:fontRef>
+        </p:style>
+      </p:cxnSp>
+      <p:sp>
+        <p:nvSpPr>
+          <p:cNvPr id="59" name="Oval 58">
+            <a:extLst>
+              <a:ext uri="{FF2B5EF4-FFF2-40B4-BE49-F238E27FC236}">
+                <a16:creationId xmlns:a16="http://schemas.microsoft.com/office/drawing/2014/main" id="{E6DBD9FE-3860-4355-870A-C2FF2E56BA4D}"/>
+              </a:ext>
+            </a:extLst>
+          </p:cNvPr>
+          <p:cNvSpPr/>
+          <p:nvPr/>
+        </p:nvSpPr>
+        <p:spPr>
+          <a:xfrm>
+            <a:off x="2342535" y="3796786"/>
+            <a:ext cx="334296" cy="339214"/>
+          </a:xfrm>
+          <a:prstGeom prst="ellipse">
+            <a:avLst/>
+          </a:prstGeom>
+          <a:noFill/>
+          <a:ln>
+            <a:solidFill>
+              <a:schemeClr val="tx1"/>
+            </a:solidFill>
+          </a:ln>
+        </p:spPr>
+        <p:style>
+          <a:lnRef idx="2">
+            <a:schemeClr val="accent1">
+              <a:shade val="50000"/>
+            </a:schemeClr>
+          </a:lnRef>
+          <a:fillRef idx="1">
+            <a:schemeClr val="accent1"/>
+          </a:fillRef>
+          <a:effectRef idx="0">
+            <a:schemeClr val="accent1"/>
+          </a:effectRef>
+          <a:fontRef idx="minor">
+            <a:schemeClr val="lt1"/>
+          </a:fontRef>
+        </p:style>
+        <p:txBody>
+          <a:bodyPr rtlCol="0" anchor="ctr"/>
+          <a:lstStyle/>
+          <a:p>
+            <a:pPr algn="ctr"/>
+            <a:r>
+              <a:rPr lang="en-US" dirty="0">
+                <a:solidFill>
+                  <a:schemeClr val="tx1"/>
+                </a:solidFill>
+              </a:rPr>
+              <a:t>e</a:t>
+            </a:r>
+          </a:p>
+        </p:txBody>
+      </p:sp>
+      <p:cxnSp>
+        <p:nvCxnSpPr>
+          <p:cNvPr id="60" name="Straight Arrow Connector 59">
+            <a:extLst>
+              <a:ext uri="{FF2B5EF4-FFF2-40B4-BE49-F238E27FC236}">
+                <a16:creationId xmlns:a16="http://schemas.microsoft.com/office/drawing/2014/main" id="{70056925-9B37-4050-9BE2-85DFD70D4515}"/>
+              </a:ext>
+            </a:extLst>
+          </p:cNvPr>
+          <p:cNvCxnSpPr>
+            <a:stCxn id="59" idx="6"/>
+          </p:cNvCxnSpPr>
+          <p:nvPr/>
+        </p:nvCxnSpPr>
+        <p:spPr>
+          <a:xfrm flipV="1">
+            <a:off x="2676831" y="3963935"/>
+            <a:ext cx="420329" cy="2458"/>
+          </a:xfrm>
+          <a:prstGeom prst="straightConnector1">
+            <a:avLst/>
+          </a:prstGeom>
+          <a:ln>
+            <a:solidFill>
+              <a:schemeClr val="tx1"/>
+            </a:solidFill>
+            <a:tailEnd type="triangle"/>
+          </a:ln>
+        </p:spPr>
+        <p:style>
+          <a:lnRef idx="1">
+            <a:schemeClr val="accent1"/>
+          </a:lnRef>
+          <a:fillRef idx="0">
+            <a:schemeClr val="accent1"/>
+          </a:fillRef>
+          <a:effectRef idx="0">
+            <a:schemeClr val="accent1"/>
+          </a:effectRef>
+          <a:fontRef idx="minor">
+            <a:schemeClr val="tx1"/>
+          </a:fontRef>
+        </p:style>
+      </p:cxnSp>
+      <p:sp>
+        <p:nvSpPr>
+          <p:cNvPr id="61" name="Oval 60">
+            <a:extLst>
+              <a:ext uri="{FF2B5EF4-FFF2-40B4-BE49-F238E27FC236}">
+                <a16:creationId xmlns:a16="http://schemas.microsoft.com/office/drawing/2014/main" id="{B14C87D7-B76D-446E-A47A-352CB42A379A}"/>
+              </a:ext>
+            </a:extLst>
+          </p:cNvPr>
+          <p:cNvSpPr/>
+          <p:nvPr/>
+        </p:nvSpPr>
+        <p:spPr>
+          <a:xfrm>
+            <a:off x="4847302" y="1584837"/>
+            <a:ext cx="334296" cy="339214"/>
+          </a:xfrm>
+          <a:prstGeom prst="ellipse">
+            <a:avLst/>
+          </a:prstGeom>
+          <a:noFill/>
+          <a:ln>
+            <a:solidFill>
+              <a:schemeClr val="tx1"/>
+            </a:solidFill>
+          </a:ln>
+        </p:spPr>
+        <p:style>
+          <a:lnRef idx="2">
+            <a:schemeClr val="accent1">
+              <a:shade val="50000"/>
+            </a:schemeClr>
+          </a:lnRef>
+          <a:fillRef idx="1">
+            <a:schemeClr val="accent1"/>
+          </a:fillRef>
+          <a:effectRef idx="0">
+            <a:schemeClr val="accent1"/>
+          </a:effectRef>
+          <a:fontRef idx="minor">
+            <a:schemeClr val="lt1"/>
+          </a:fontRef>
+        </p:style>
+        <p:txBody>
+          <a:bodyPr rtlCol="0" anchor="ctr"/>
+          <a:lstStyle/>
+          <a:p>
+            <a:pPr algn="ctr"/>
+            <a:r>
+              <a:rPr lang="en-US" dirty="0">
+                <a:solidFill>
+                  <a:schemeClr val="tx1"/>
+                </a:solidFill>
+              </a:rPr>
+              <a:t>e</a:t>
+            </a:r>
+          </a:p>
+        </p:txBody>
+      </p:sp>
+      <p:cxnSp>
+        <p:nvCxnSpPr>
+          <p:cNvPr id="62" name="Straight Arrow Connector 61">
+            <a:extLst>
+              <a:ext uri="{FF2B5EF4-FFF2-40B4-BE49-F238E27FC236}">
+                <a16:creationId xmlns:a16="http://schemas.microsoft.com/office/drawing/2014/main" id="{0BCA48E1-D62A-4A42-BA8C-3C3E2503116F}"/>
+              </a:ext>
+            </a:extLst>
+          </p:cNvPr>
+          <p:cNvCxnSpPr>
+            <a:cxnSpLocks/>
+            <a:stCxn id="61" idx="4"/>
+            <a:endCxn id="4" idx="0"/>
+          </p:cNvCxnSpPr>
+          <p:nvPr/>
+        </p:nvCxnSpPr>
+        <p:spPr>
+          <a:xfrm>
+            <a:off x="5014450" y="1924051"/>
+            <a:ext cx="132738" cy="386530"/>
+          </a:xfrm>
+          <a:prstGeom prst="straightConnector1">
+            <a:avLst/>
+          </a:prstGeom>
+          <a:ln>
+            <a:solidFill>
+              <a:schemeClr val="tx1"/>
+            </a:solidFill>
+            <a:tailEnd type="triangle"/>
+          </a:ln>
+        </p:spPr>
+        <p:style>
+          <a:lnRef idx="1">
+            <a:schemeClr val="accent1"/>
+          </a:lnRef>
+          <a:fillRef idx="0">
+            <a:schemeClr val="accent1"/>
+          </a:fillRef>
+          <a:effectRef idx="0">
+            <a:schemeClr val="accent1"/>
+          </a:effectRef>
+          <a:fontRef idx="minor">
+            <a:schemeClr val="tx1"/>
+          </a:fontRef>
+        </p:style>
+      </p:cxnSp>
+      <p:sp>
+        <p:nvSpPr>
+          <p:cNvPr id="72" name="Oval 71">
+            <a:extLst>
+              <a:ext uri="{FF2B5EF4-FFF2-40B4-BE49-F238E27FC236}">
+                <a16:creationId xmlns:a16="http://schemas.microsoft.com/office/drawing/2014/main" id="{81B28374-F12D-4813-B626-EB3A6650E130}"/>
+              </a:ext>
+            </a:extLst>
+          </p:cNvPr>
+          <p:cNvSpPr/>
+          <p:nvPr/>
+        </p:nvSpPr>
+        <p:spPr>
+          <a:xfrm>
+            <a:off x="7339779" y="1584838"/>
+            <a:ext cx="334296" cy="339214"/>
+          </a:xfrm>
+          <a:prstGeom prst="ellipse">
+            <a:avLst/>
+          </a:prstGeom>
+          <a:noFill/>
+          <a:ln>
+            <a:solidFill>
+              <a:schemeClr val="tx1"/>
+            </a:solidFill>
+          </a:ln>
+        </p:spPr>
+        <p:style>
+          <a:lnRef idx="2">
+            <a:schemeClr val="accent1">
+              <a:shade val="50000"/>
+            </a:schemeClr>
+          </a:lnRef>
+          <a:fillRef idx="1">
+            <a:schemeClr val="accent1"/>
+          </a:fillRef>
+          <a:effectRef idx="0">
+            <a:schemeClr val="accent1"/>
+          </a:effectRef>
+          <a:fontRef idx="minor">
+            <a:schemeClr val="lt1"/>
+          </a:fontRef>
+        </p:style>
+        <p:txBody>
+          <a:bodyPr rtlCol="0" anchor="ctr"/>
+          <a:lstStyle/>
+          <a:p>
+            <a:pPr algn="ctr"/>
+            <a:r>
+              <a:rPr lang="en-US" dirty="0">
+                <a:solidFill>
+                  <a:schemeClr val="tx1"/>
+                </a:solidFill>
+              </a:rPr>
+              <a:t>e</a:t>
+            </a:r>
+          </a:p>
+        </p:txBody>
+      </p:sp>
+      <p:cxnSp>
+        <p:nvCxnSpPr>
+          <p:cNvPr id="73" name="Straight Arrow Connector 72">
+            <a:extLst>
+              <a:ext uri="{FF2B5EF4-FFF2-40B4-BE49-F238E27FC236}">
+                <a16:creationId xmlns:a16="http://schemas.microsoft.com/office/drawing/2014/main" id="{11FD067D-4C84-4BA7-970B-EE4C09862031}"/>
+              </a:ext>
+            </a:extLst>
+          </p:cNvPr>
+          <p:cNvCxnSpPr>
+            <a:cxnSpLocks/>
+            <a:stCxn id="72" idx="4"/>
+          </p:cNvCxnSpPr>
+          <p:nvPr/>
+        </p:nvCxnSpPr>
+        <p:spPr>
+          <a:xfrm>
+            <a:off x="7506927" y="1924052"/>
+            <a:ext cx="132738" cy="386530"/>
+          </a:xfrm>
+          <a:prstGeom prst="straightConnector1">
+            <a:avLst/>
+          </a:prstGeom>
+          <a:ln>
+            <a:solidFill>
+              <a:schemeClr val="tx1"/>
+            </a:solidFill>
+            <a:tailEnd type="triangle"/>
+          </a:ln>
+        </p:spPr>
+        <p:style>
+          <a:lnRef idx="1">
+            <a:schemeClr val="accent1"/>
+          </a:lnRef>
+          <a:fillRef idx="0">
+            <a:schemeClr val="accent1"/>
+          </a:fillRef>
+          <a:effectRef idx="0">
+            <a:schemeClr val="accent1"/>
+          </a:effectRef>
+          <a:fontRef idx="minor">
+            <a:schemeClr val="tx1"/>
+          </a:fontRef>
+        </p:style>
+      </p:cxnSp>
+      <p:sp>
+        <p:nvSpPr>
+          <p:cNvPr id="74" name="Oval 73">
+            <a:extLst>
+              <a:ext uri="{FF2B5EF4-FFF2-40B4-BE49-F238E27FC236}">
+                <a16:creationId xmlns:a16="http://schemas.microsoft.com/office/drawing/2014/main" id="{C18B1EC5-2C04-461B-B1F4-ED971B6EB6C7}"/>
+              </a:ext>
+            </a:extLst>
+          </p:cNvPr>
+          <p:cNvSpPr/>
+          <p:nvPr/>
+        </p:nvSpPr>
+        <p:spPr>
+          <a:xfrm>
+            <a:off x="10343534" y="1751986"/>
+            <a:ext cx="334296" cy="339214"/>
+          </a:xfrm>
+          <a:prstGeom prst="ellipse">
+            <a:avLst/>
+          </a:prstGeom>
+          <a:noFill/>
+          <a:ln>
+            <a:solidFill>
+              <a:schemeClr val="tx1"/>
+            </a:solidFill>
+          </a:ln>
+        </p:spPr>
+        <p:style>
+          <a:lnRef idx="2">
+            <a:schemeClr val="accent1">
+              <a:shade val="50000"/>
+            </a:schemeClr>
+          </a:lnRef>
+          <a:fillRef idx="1">
+            <a:schemeClr val="accent1"/>
+          </a:fillRef>
+          <a:effectRef idx="0">
+            <a:schemeClr val="accent1"/>
+          </a:effectRef>
+          <a:fontRef idx="minor">
+            <a:schemeClr val="lt1"/>
+          </a:fontRef>
+        </p:style>
+        <p:txBody>
+          <a:bodyPr rtlCol="0" anchor="ctr"/>
+          <a:lstStyle/>
+          <a:p>
+            <a:pPr algn="ctr"/>
+            <a:r>
+              <a:rPr lang="en-US" dirty="0">
+                <a:solidFill>
+                  <a:schemeClr val="tx1"/>
+                </a:solidFill>
+              </a:rPr>
+              <a:t>e</a:t>
+            </a:r>
+          </a:p>
+        </p:txBody>
+      </p:sp>
+      <p:cxnSp>
+        <p:nvCxnSpPr>
+          <p:cNvPr id="76" name="Straight Arrow Connector 75">
+            <a:extLst>
+              <a:ext uri="{FF2B5EF4-FFF2-40B4-BE49-F238E27FC236}">
+                <a16:creationId xmlns:a16="http://schemas.microsoft.com/office/drawing/2014/main" id="{493A05CB-6715-456E-B025-D65D969D188B}"/>
+              </a:ext>
+            </a:extLst>
+          </p:cNvPr>
+          <p:cNvCxnSpPr>
+            <a:stCxn id="74" idx="2"/>
+            <a:endCxn id="14" idx="3"/>
+          </p:cNvCxnSpPr>
+          <p:nvPr/>
+        </p:nvCxnSpPr>
+        <p:spPr>
+          <a:xfrm flipH="1">
+            <a:off x="9817509" y="1921593"/>
+            <a:ext cx="526025" cy="2459"/>
+          </a:xfrm>
+          <a:prstGeom prst="straightConnector1">
+            <a:avLst/>
+          </a:prstGeom>
+          <a:ln>
+            <a:solidFill>
+              <a:schemeClr val="tx1"/>
+            </a:solidFill>
+            <a:tailEnd type="triangle"/>
+          </a:ln>
+        </p:spPr>
+        <p:style>
+          <a:lnRef idx="1">
+            <a:schemeClr val="accent1"/>
+          </a:lnRef>
+          <a:fillRef idx="0">
+            <a:schemeClr val="accent1"/>
+          </a:fillRef>
+          <a:effectRef idx="0">
+            <a:schemeClr val="accent1"/>
+          </a:effectRef>
+          <a:fontRef idx="minor">
+            <a:schemeClr val="tx1"/>
+          </a:fontRef>
+        </p:style>
+      </p:cxnSp>
+      <p:sp>
+        <p:nvSpPr>
+          <p:cNvPr id="77" name="Oval 76">
+            <a:extLst>
+              <a:ext uri="{FF2B5EF4-FFF2-40B4-BE49-F238E27FC236}">
+                <a16:creationId xmlns:a16="http://schemas.microsoft.com/office/drawing/2014/main" id="{D49679F8-C4A8-4BAC-A80C-F799D886A007}"/>
+              </a:ext>
+            </a:extLst>
+          </p:cNvPr>
+          <p:cNvSpPr/>
+          <p:nvPr/>
+        </p:nvSpPr>
+        <p:spPr>
+          <a:xfrm>
+            <a:off x="10348450" y="2278013"/>
+            <a:ext cx="334296" cy="339214"/>
+          </a:xfrm>
+          <a:prstGeom prst="ellipse">
+            <a:avLst/>
+          </a:prstGeom>
+          <a:noFill/>
+          <a:ln>
+            <a:solidFill>
+              <a:schemeClr val="tx1"/>
+            </a:solidFill>
+          </a:ln>
+        </p:spPr>
+        <p:style>
+          <a:lnRef idx="2">
+            <a:schemeClr val="accent1">
+              <a:shade val="50000"/>
+            </a:schemeClr>
+          </a:lnRef>
+          <a:fillRef idx="1">
+            <a:schemeClr val="accent1"/>
+          </a:fillRef>
+          <a:effectRef idx="0">
+            <a:schemeClr val="accent1"/>
+          </a:effectRef>
+          <a:fontRef idx="minor">
+            <a:schemeClr val="lt1"/>
+          </a:fontRef>
+        </p:style>
+        <p:txBody>
+          <a:bodyPr rtlCol="0" anchor="ctr"/>
+          <a:lstStyle/>
+          <a:p>
+            <a:pPr algn="ctr"/>
+            <a:r>
+              <a:rPr lang="en-US" dirty="0">
+                <a:solidFill>
+                  <a:schemeClr val="tx1"/>
+                </a:solidFill>
+              </a:rPr>
+              <a:t>e</a:t>
+            </a:r>
+          </a:p>
+        </p:txBody>
+      </p:sp>
+      <p:cxnSp>
+        <p:nvCxnSpPr>
+          <p:cNvPr id="78" name="Straight Arrow Connector 77">
+            <a:extLst>
+              <a:ext uri="{FF2B5EF4-FFF2-40B4-BE49-F238E27FC236}">
+                <a16:creationId xmlns:a16="http://schemas.microsoft.com/office/drawing/2014/main" id="{73C557E6-00EB-4E39-8493-472CDA4F0267}"/>
+              </a:ext>
+            </a:extLst>
+          </p:cNvPr>
+          <p:cNvCxnSpPr>
+            <a:stCxn id="77" idx="2"/>
+          </p:cNvCxnSpPr>
+          <p:nvPr/>
+        </p:nvCxnSpPr>
+        <p:spPr>
+          <a:xfrm flipH="1">
+            <a:off x="9822425" y="2447620"/>
+            <a:ext cx="526025" cy="2459"/>
+          </a:xfrm>
+          <a:prstGeom prst="straightConnector1">
+            <a:avLst/>
+          </a:prstGeom>
+          <a:ln>
+            <a:solidFill>
+              <a:schemeClr val="tx1"/>
+            </a:solidFill>
+            <a:tailEnd type="triangle"/>
+          </a:ln>
+        </p:spPr>
+        <p:style>
+          <a:lnRef idx="1">
+            <a:schemeClr val="accent1"/>
+          </a:lnRef>
+          <a:fillRef idx="0">
+            <a:schemeClr val="accent1"/>
+          </a:fillRef>
+          <a:effectRef idx="0">
+            <a:schemeClr val="accent1"/>
+          </a:effectRef>
+          <a:fontRef idx="minor">
+            <a:schemeClr val="tx1"/>
+          </a:fontRef>
+        </p:style>
+      </p:cxnSp>
+      <p:sp>
+        <p:nvSpPr>
+          <p:cNvPr id="79" name="Oval 78">
+            <a:extLst>
+              <a:ext uri="{FF2B5EF4-FFF2-40B4-BE49-F238E27FC236}">
+                <a16:creationId xmlns:a16="http://schemas.microsoft.com/office/drawing/2014/main" id="{5CC33E15-E4A4-4913-A027-889F06B60013}"/>
+              </a:ext>
+            </a:extLst>
+          </p:cNvPr>
+          <p:cNvSpPr/>
+          <p:nvPr/>
+        </p:nvSpPr>
+        <p:spPr>
+          <a:xfrm>
+            <a:off x="10343534" y="2861189"/>
+            <a:ext cx="334296" cy="339214"/>
+          </a:xfrm>
+          <a:prstGeom prst="ellipse">
+            <a:avLst/>
+          </a:prstGeom>
+          <a:noFill/>
+          <a:ln>
+            <a:solidFill>
+              <a:schemeClr val="tx1"/>
+            </a:solidFill>
+          </a:ln>
+        </p:spPr>
+        <p:style>
+          <a:lnRef idx="2">
+            <a:schemeClr val="accent1">
+              <a:shade val="50000"/>
+            </a:schemeClr>
+          </a:lnRef>
+          <a:fillRef idx="1">
+            <a:schemeClr val="accent1"/>
+          </a:fillRef>
+          <a:effectRef idx="0">
+            <a:schemeClr val="accent1"/>
+          </a:effectRef>
+          <a:fontRef idx="minor">
+            <a:schemeClr val="lt1"/>
+          </a:fontRef>
+        </p:style>
+        <p:txBody>
+          <a:bodyPr rtlCol="0" anchor="ctr"/>
+          <a:lstStyle/>
+          <a:p>
+            <a:pPr algn="ctr"/>
+            <a:r>
+              <a:rPr lang="en-US" dirty="0">
+                <a:solidFill>
+                  <a:schemeClr val="tx1"/>
+                </a:solidFill>
+              </a:rPr>
+              <a:t>e</a:t>
+            </a:r>
+          </a:p>
+        </p:txBody>
+      </p:sp>
+      <p:cxnSp>
+        <p:nvCxnSpPr>
+          <p:cNvPr id="80" name="Straight Arrow Connector 79">
+            <a:extLst>
+              <a:ext uri="{FF2B5EF4-FFF2-40B4-BE49-F238E27FC236}">
+                <a16:creationId xmlns:a16="http://schemas.microsoft.com/office/drawing/2014/main" id="{13721581-CCD7-4884-B3FB-3F155FAC1E71}"/>
+              </a:ext>
+            </a:extLst>
+          </p:cNvPr>
+          <p:cNvCxnSpPr>
+            <a:stCxn id="79" idx="2"/>
+          </p:cNvCxnSpPr>
+          <p:nvPr/>
+        </p:nvCxnSpPr>
+        <p:spPr>
+          <a:xfrm flipH="1">
+            <a:off x="9817509" y="3030796"/>
+            <a:ext cx="526025" cy="2459"/>
+          </a:xfrm>
+          <a:prstGeom prst="straightConnector1">
+            <a:avLst/>
+          </a:prstGeom>
+          <a:ln>
+            <a:solidFill>
+              <a:schemeClr val="tx1"/>
+            </a:solidFill>
+            <a:tailEnd type="triangle"/>
+          </a:ln>
+        </p:spPr>
+        <p:style>
+          <a:lnRef idx="1">
+            <a:schemeClr val="accent1"/>
+          </a:lnRef>
+          <a:fillRef idx="0">
+            <a:schemeClr val="accent1"/>
+          </a:fillRef>
+          <a:effectRef idx="0">
+            <a:schemeClr val="accent1"/>
+          </a:effectRef>
+          <a:fontRef idx="minor">
+            <a:schemeClr val="tx1"/>
+          </a:fontRef>
+        </p:style>
+      </p:cxnSp>
+      <p:sp>
+        <p:nvSpPr>
+          <p:cNvPr id="81" name="Oval 80">
+            <a:extLst>
+              <a:ext uri="{FF2B5EF4-FFF2-40B4-BE49-F238E27FC236}">
+                <a16:creationId xmlns:a16="http://schemas.microsoft.com/office/drawing/2014/main" id="{F24F230C-C0E1-4F69-A913-0F1E2CBCF83B}"/>
+              </a:ext>
+            </a:extLst>
+          </p:cNvPr>
+          <p:cNvSpPr/>
+          <p:nvPr/>
+        </p:nvSpPr>
+        <p:spPr>
+          <a:xfrm>
+            <a:off x="10343534" y="3397658"/>
+            <a:ext cx="334296" cy="339214"/>
+          </a:xfrm>
+          <a:prstGeom prst="ellipse">
+            <a:avLst/>
+          </a:prstGeom>
+          <a:noFill/>
+          <a:ln>
+            <a:solidFill>
+              <a:schemeClr val="tx1"/>
+            </a:solidFill>
+          </a:ln>
+        </p:spPr>
+        <p:style>
+          <a:lnRef idx="2">
+            <a:schemeClr val="accent1">
+              <a:shade val="50000"/>
+            </a:schemeClr>
+          </a:lnRef>
+          <a:fillRef idx="1">
+            <a:schemeClr val="accent1"/>
+          </a:fillRef>
+          <a:effectRef idx="0">
+            <a:schemeClr val="accent1"/>
+          </a:effectRef>
+          <a:fontRef idx="minor">
+            <a:schemeClr val="lt1"/>
+          </a:fontRef>
+        </p:style>
+        <p:txBody>
+          <a:bodyPr rtlCol="0" anchor="ctr"/>
+          <a:lstStyle/>
+          <a:p>
+            <a:pPr algn="ctr"/>
+            <a:r>
+              <a:rPr lang="en-US" dirty="0">
+                <a:solidFill>
+                  <a:schemeClr val="tx1"/>
+                </a:solidFill>
+              </a:rPr>
+              <a:t>e</a:t>
+            </a:r>
+          </a:p>
+        </p:txBody>
+      </p:sp>
+      <p:cxnSp>
+        <p:nvCxnSpPr>
+          <p:cNvPr id="82" name="Straight Arrow Connector 81">
+            <a:extLst>
+              <a:ext uri="{FF2B5EF4-FFF2-40B4-BE49-F238E27FC236}">
+                <a16:creationId xmlns:a16="http://schemas.microsoft.com/office/drawing/2014/main" id="{CF5161C5-B0EB-41CF-A17A-1751B187B40C}"/>
+              </a:ext>
+            </a:extLst>
+          </p:cNvPr>
+          <p:cNvCxnSpPr>
+            <a:stCxn id="81" idx="2"/>
+          </p:cNvCxnSpPr>
+          <p:nvPr/>
+        </p:nvCxnSpPr>
+        <p:spPr>
+          <a:xfrm flipH="1">
+            <a:off x="9817509" y="3567265"/>
+            <a:ext cx="526025" cy="2459"/>
+          </a:xfrm>
+          <a:prstGeom prst="straightConnector1">
+            <a:avLst/>
+          </a:prstGeom>
+          <a:ln>
+            <a:solidFill>
+              <a:schemeClr val="tx1"/>
+            </a:solidFill>
+            <a:tailEnd type="triangle"/>
+          </a:ln>
+        </p:spPr>
+        <p:style>
+          <a:lnRef idx="1">
+            <a:schemeClr val="accent1"/>
+          </a:lnRef>
+          <a:fillRef idx="0">
+            <a:schemeClr val="accent1"/>
+          </a:fillRef>
+          <a:effectRef idx="0">
+            <a:schemeClr val="accent1"/>
+          </a:effectRef>
+          <a:fontRef idx="minor">
+            <a:schemeClr val="tx1"/>
+          </a:fontRef>
+        </p:style>
+      </p:cxnSp>
     </p:spTree>
     <p:extLst>
       <p:ext uri="{BB962C8B-B14F-4D97-AF65-F5344CB8AC3E}">
@@ -16077,6 +16004,1241 @@
           <a:chExt cx="0" cy="0"/>
         </a:xfrm>
       </p:grpSpPr>
+      <p:sp>
+        <p:nvSpPr>
+          <p:cNvPr id="2" name="Oval 1">
+            <a:extLst>
+              <a:ext uri="{FF2B5EF4-FFF2-40B4-BE49-F238E27FC236}">
+                <a16:creationId xmlns:a16="http://schemas.microsoft.com/office/drawing/2014/main" id="{D532D4CF-C881-464F-B622-4432BDC23D93}"/>
+              </a:ext>
+            </a:extLst>
+          </p:cNvPr>
+          <p:cNvSpPr/>
+          <p:nvPr/>
+        </p:nvSpPr>
+        <p:spPr>
+          <a:xfrm>
+            <a:off x="4591665" y="2310581"/>
+            <a:ext cx="1111045" cy="1118419"/>
+          </a:xfrm>
+          <a:prstGeom prst="ellipse">
+            <a:avLst/>
+          </a:prstGeom>
+          <a:noFill/>
+          <a:ln>
+            <a:solidFill>
+              <a:schemeClr val="tx1"/>
+            </a:solidFill>
+          </a:ln>
+        </p:spPr>
+        <p:style>
+          <a:lnRef idx="2">
+            <a:schemeClr val="accent1">
+              <a:shade val="50000"/>
+            </a:schemeClr>
+          </a:lnRef>
+          <a:fillRef idx="1">
+            <a:schemeClr val="accent1"/>
+          </a:fillRef>
+          <a:effectRef idx="0">
+            <a:schemeClr val="accent1"/>
+          </a:effectRef>
+          <a:fontRef idx="minor">
+            <a:schemeClr val="lt1"/>
+          </a:fontRef>
+        </p:style>
+        <p:txBody>
+          <a:bodyPr rtlCol="0" anchor="ctr"/>
+          <a:lstStyle/>
+          <a:p>
+            <a:pPr algn="ctr"/>
+            <a:r>
+              <a:rPr lang="en-US" i="1" dirty="0">
+                <a:solidFill>
+                  <a:schemeClr val="tx1"/>
+                </a:solidFill>
+              </a:rPr>
+              <a:t>trust</a:t>
+            </a:r>
+          </a:p>
+        </p:txBody>
+      </p:sp>
+      <p:sp>
+        <p:nvSpPr>
+          <p:cNvPr id="3" name="Rectangle 2">
+            <a:extLst>
+              <a:ext uri="{FF2B5EF4-FFF2-40B4-BE49-F238E27FC236}">
+                <a16:creationId xmlns:a16="http://schemas.microsoft.com/office/drawing/2014/main" id="{D1BDD45C-E772-4230-819C-930C36E781D8}"/>
+              </a:ext>
+            </a:extLst>
+          </p:cNvPr>
+          <p:cNvSpPr/>
+          <p:nvPr/>
+        </p:nvSpPr>
+        <p:spPr>
+          <a:xfrm>
+            <a:off x="3111907" y="2703958"/>
+            <a:ext cx="639097" cy="334297"/>
+          </a:xfrm>
+          <a:prstGeom prst="rect">
+            <a:avLst/>
+          </a:prstGeom>
+          <a:noFill/>
+          <a:ln>
+            <a:solidFill>
+              <a:schemeClr val="tx1"/>
+            </a:solidFill>
+          </a:ln>
+        </p:spPr>
+        <p:style>
+          <a:lnRef idx="2">
+            <a:schemeClr val="accent1">
+              <a:shade val="50000"/>
+            </a:schemeClr>
+          </a:lnRef>
+          <a:fillRef idx="1">
+            <a:schemeClr val="accent1"/>
+          </a:fillRef>
+          <a:effectRef idx="0">
+            <a:schemeClr val="accent1"/>
+          </a:effectRef>
+          <a:fontRef idx="minor">
+            <a:schemeClr val="lt1"/>
+          </a:fontRef>
+        </p:style>
+        <p:txBody>
+          <a:bodyPr rtlCol="0" anchor="ctr"/>
+          <a:lstStyle/>
+          <a:p>
+            <a:pPr algn="ctr"/>
+            <a:r>
+              <a:rPr lang="en-US" sz="1400" dirty="0">
+                <a:solidFill>
+                  <a:schemeClr val="tx1"/>
+                </a:solidFill>
+              </a:rPr>
+              <a:t>trust2</a:t>
+            </a:r>
+          </a:p>
+        </p:txBody>
+      </p:sp>
+      <p:sp>
+        <p:nvSpPr>
+          <p:cNvPr id="4" name="Rectangle 3">
+            <a:extLst>
+              <a:ext uri="{FF2B5EF4-FFF2-40B4-BE49-F238E27FC236}">
+                <a16:creationId xmlns:a16="http://schemas.microsoft.com/office/drawing/2014/main" id="{41968B5C-389D-49C3-AFA4-3E404360D65C}"/>
+              </a:ext>
+            </a:extLst>
+          </p:cNvPr>
+          <p:cNvSpPr/>
+          <p:nvPr/>
+        </p:nvSpPr>
+        <p:spPr>
+          <a:xfrm>
+            <a:off x="3097161" y="3389614"/>
+            <a:ext cx="639096" cy="342900"/>
+          </a:xfrm>
+          <a:prstGeom prst="rect">
+            <a:avLst/>
+          </a:prstGeom>
+          <a:noFill/>
+          <a:ln>
+            <a:solidFill>
+              <a:schemeClr val="tx1"/>
+            </a:solidFill>
+          </a:ln>
+        </p:spPr>
+        <p:style>
+          <a:lnRef idx="2">
+            <a:schemeClr val="accent1">
+              <a:shade val="50000"/>
+            </a:schemeClr>
+          </a:lnRef>
+          <a:fillRef idx="1">
+            <a:schemeClr val="accent1"/>
+          </a:fillRef>
+          <a:effectRef idx="0">
+            <a:schemeClr val="accent1"/>
+          </a:effectRef>
+          <a:fontRef idx="minor">
+            <a:schemeClr val="lt1"/>
+          </a:fontRef>
+        </p:style>
+        <p:txBody>
+          <a:bodyPr rtlCol="0" anchor="ctr"/>
+          <a:lstStyle/>
+          <a:p>
+            <a:pPr algn="ctr"/>
+            <a:r>
+              <a:rPr lang="en-US" sz="1400" dirty="0">
+                <a:solidFill>
+                  <a:schemeClr val="tx1"/>
+                </a:solidFill>
+              </a:rPr>
+              <a:t>trust3</a:t>
+            </a:r>
+          </a:p>
+        </p:txBody>
+      </p:sp>
+      <p:sp>
+        <p:nvSpPr>
+          <p:cNvPr id="7" name="Rectangle 6">
+            <a:extLst>
+              <a:ext uri="{FF2B5EF4-FFF2-40B4-BE49-F238E27FC236}">
+                <a16:creationId xmlns:a16="http://schemas.microsoft.com/office/drawing/2014/main" id="{44F9F8BE-F058-46E9-BA1C-74BE58765D87}"/>
+              </a:ext>
+            </a:extLst>
+          </p:cNvPr>
+          <p:cNvSpPr/>
+          <p:nvPr/>
+        </p:nvSpPr>
+        <p:spPr>
+          <a:xfrm>
+            <a:off x="3097160" y="2148156"/>
+            <a:ext cx="639097" cy="334297"/>
+          </a:xfrm>
+          <a:prstGeom prst="rect">
+            <a:avLst/>
+          </a:prstGeom>
+          <a:noFill/>
+          <a:ln>
+            <a:solidFill>
+              <a:schemeClr val="tx1"/>
+            </a:solidFill>
+          </a:ln>
+        </p:spPr>
+        <p:style>
+          <a:lnRef idx="2">
+            <a:schemeClr val="accent1">
+              <a:shade val="50000"/>
+            </a:schemeClr>
+          </a:lnRef>
+          <a:fillRef idx="1">
+            <a:schemeClr val="accent1"/>
+          </a:fillRef>
+          <a:effectRef idx="0">
+            <a:schemeClr val="accent1"/>
+          </a:effectRef>
+          <a:fontRef idx="minor">
+            <a:schemeClr val="lt1"/>
+          </a:fontRef>
+        </p:style>
+        <p:txBody>
+          <a:bodyPr rtlCol="0" anchor="ctr"/>
+          <a:lstStyle/>
+          <a:p>
+            <a:pPr algn="ctr"/>
+            <a:r>
+              <a:rPr lang="en-US" sz="1400" dirty="0">
+                <a:solidFill>
+                  <a:schemeClr val="tx1"/>
+                </a:solidFill>
+              </a:rPr>
+              <a:t>trust1</a:t>
+            </a:r>
+            <a:endParaRPr lang="en-US" dirty="0">
+              <a:solidFill>
+                <a:schemeClr val="tx1"/>
+              </a:solidFill>
+            </a:endParaRPr>
+          </a:p>
+        </p:txBody>
+      </p:sp>
+      <p:cxnSp>
+        <p:nvCxnSpPr>
+          <p:cNvPr id="8" name="Straight Arrow Connector 7">
+            <a:extLst>
+              <a:ext uri="{FF2B5EF4-FFF2-40B4-BE49-F238E27FC236}">
+                <a16:creationId xmlns:a16="http://schemas.microsoft.com/office/drawing/2014/main" id="{450460F9-BF95-4ECE-B957-A12F7C9BB3D6}"/>
+              </a:ext>
+            </a:extLst>
+          </p:cNvPr>
+          <p:cNvCxnSpPr>
+            <a:cxnSpLocks/>
+            <a:stCxn id="2" idx="2"/>
+            <a:endCxn id="7" idx="3"/>
+          </p:cNvCxnSpPr>
+          <p:nvPr/>
+        </p:nvCxnSpPr>
+        <p:spPr>
+          <a:xfrm flipH="1" flipV="1">
+            <a:off x="3736257" y="2315305"/>
+            <a:ext cx="855408" cy="554486"/>
+          </a:xfrm>
+          <a:prstGeom prst="straightConnector1">
+            <a:avLst/>
+          </a:prstGeom>
+          <a:ln>
+            <a:solidFill>
+              <a:schemeClr val="tx1"/>
+            </a:solidFill>
+            <a:tailEnd type="triangle"/>
+          </a:ln>
+        </p:spPr>
+        <p:style>
+          <a:lnRef idx="1">
+            <a:schemeClr val="accent1"/>
+          </a:lnRef>
+          <a:fillRef idx="0">
+            <a:schemeClr val="accent1"/>
+          </a:fillRef>
+          <a:effectRef idx="0">
+            <a:schemeClr val="accent1"/>
+          </a:effectRef>
+          <a:fontRef idx="minor">
+            <a:schemeClr val="tx1"/>
+          </a:fontRef>
+        </p:style>
+      </p:cxnSp>
+      <p:cxnSp>
+        <p:nvCxnSpPr>
+          <p:cNvPr id="9" name="Straight Arrow Connector 8">
+            <a:extLst>
+              <a:ext uri="{FF2B5EF4-FFF2-40B4-BE49-F238E27FC236}">
+                <a16:creationId xmlns:a16="http://schemas.microsoft.com/office/drawing/2014/main" id="{9DF3E901-7AA8-47DC-BFBE-E2105D10909B}"/>
+              </a:ext>
+            </a:extLst>
+          </p:cNvPr>
+          <p:cNvCxnSpPr>
+            <a:cxnSpLocks/>
+            <a:stCxn id="2" idx="2"/>
+            <a:endCxn id="3" idx="3"/>
+          </p:cNvCxnSpPr>
+          <p:nvPr/>
+        </p:nvCxnSpPr>
+        <p:spPr>
+          <a:xfrm flipH="1">
+            <a:off x="3751004" y="2869791"/>
+            <a:ext cx="840661" cy="1316"/>
+          </a:xfrm>
+          <a:prstGeom prst="straightConnector1">
+            <a:avLst/>
+          </a:prstGeom>
+          <a:ln>
+            <a:solidFill>
+              <a:schemeClr val="tx1"/>
+            </a:solidFill>
+            <a:tailEnd type="triangle"/>
+          </a:ln>
+        </p:spPr>
+        <p:style>
+          <a:lnRef idx="1">
+            <a:schemeClr val="accent1"/>
+          </a:lnRef>
+          <a:fillRef idx="0">
+            <a:schemeClr val="accent1"/>
+          </a:fillRef>
+          <a:effectRef idx="0">
+            <a:schemeClr val="accent1"/>
+          </a:effectRef>
+          <a:fontRef idx="minor">
+            <a:schemeClr val="tx1"/>
+          </a:fontRef>
+        </p:style>
+      </p:cxnSp>
+      <p:cxnSp>
+        <p:nvCxnSpPr>
+          <p:cNvPr id="10" name="Straight Arrow Connector 9">
+            <a:extLst>
+              <a:ext uri="{FF2B5EF4-FFF2-40B4-BE49-F238E27FC236}">
+                <a16:creationId xmlns:a16="http://schemas.microsoft.com/office/drawing/2014/main" id="{EC03A3F4-774C-4C77-9EC1-2E3EDD28BC1C}"/>
+              </a:ext>
+            </a:extLst>
+          </p:cNvPr>
+          <p:cNvCxnSpPr>
+            <a:cxnSpLocks/>
+            <a:stCxn id="2" idx="2"/>
+            <a:endCxn id="4" idx="3"/>
+          </p:cNvCxnSpPr>
+          <p:nvPr/>
+        </p:nvCxnSpPr>
+        <p:spPr>
+          <a:xfrm flipH="1">
+            <a:off x="3736257" y="2869791"/>
+            <a:ext cx="855408" cy="691273"/>
+          </a:xfrm>
+          <a:prstGeom prst="straightConnector1">
+            <a:avLst/>
+          </a:prstGeom>
+          <a:ln>
+            <a:solidFill>
+              <a:schemeClr val="tx1"/>
+            </a:solidFill>
+            <a:tailEnd type="triangle"/>
+          </a:ln>
+        </p:spPr>
+        <p:style>
+          <a:lnRef idx="1">
+            <a:schemeClr val="accent1"/>
+          </a:lnRef>
+          <a:fillRef idx="0">
+            <a:schemeClr val="accent1"/>
+          </a:fillRef>
+          <a:effectRef idx="0">
+            <a:schemeClr val="accent1"/>
+          </a:effectRef>
+          <a:fontRef idx="minor">
+            <a:schemeClr val="tx1"/>
+          </a:fontRef>
+        </p:style>
+      </p:cxnSp>
+      <p:sp>
+        <p:nvSpPr>
+          <p:cNvPr id="13" name="Oval 12">
+            <a:extLst>
+              <a:ext uri="{FF2B5EF4-FFF2-40B4-BE49-F238E27FC236}">
+                <a16:creationId xmlns:a16="http://schemas.microsoft.com/office/drawing/2014/main" id="{CFDC8044-7E88-4B1A-8C3A-34855CBDEEF9}"/>
+              </a:ext>
+            </a:extLst>
+          </p:cNvPr>
+          <p:cNvSpPr/>
+          <p:nvPr/>
+        </p:nvSpPr>
+        <p:spPr>
+          <a:xfrm>
+            <a:off x="2369014" y="3393300"/>
+            <a:ext cx="334296" cy="339214"/>
+          </a:xfrm>
+          <a:prstGeom prst="ellipse">
+            <a:avLst/>
+          </a:prstGeom>
+          <a:noFill/>
+          <a:ln>
+            <a:solidFill>
+              <a:schemeClr val="tx1"/>
+            </a:solidFill>
+          </a:ln>
+        </p:spPr>
+        <p:style>
+          <a:lnRef idx="2">
+            <a:schemeClr val="accent1">
+              <a:shade val="50000"/>
+            </a:schemeClr>
+          </a:lnRef>
+          <a:fillRef idx="1">
+            <a:schemeClr val="accent1"/>
+          </a:fillRef>
+          <a:effectRef idx="0">
+            <a:schemeClr val="accent1"/>
+          </a:effectRef>
+          <a:fontRef idx="minor">
+            <a:schemeClr val="lt1"/>
+          </a:fontRef>
+        </p:style>
+        <p:txBody>
+          <a:bodyPr rtlCol="0" anchor="ctr"/>
+          <a:lstStyle/>
+          <a:p>
+            <a:pPr algn="ctr"/>
+            <a:r>
+              <a:rPr lang="en-US" dirty="0">
+                <a:solidFill>
+                  <a:schemeClr val="tx1"/>
+                </a:solidFill>
+              </a:rPr>
+              <a:t>e</a:t>
+            </a:r>
+          </a:p>
+        </p:txBody>
+      </p:sp>
+      <p:cxnSp>
+        <p:nvCxnSpPr>
+          <p:cNvPr id="14" name="Straight Arrow Connector 13">
+            <a:extLst>
+              <a:ext uri="{FF2B5EF4-FFF2-40B4-BE49-F238E27FC236}">
+                <a16:creationId xmlns:a16="http://schemas.microsoft.com/office/drawing/2014/main" id="{9F230878-105F-44CC-A9AF-A7DED9E3C6A2}"/>
+              </a:ext>
+            </a:extLst>
+          </p:cNvPr>
+          <p:cNvCxnSpPr>
+            <a:cxnSpLocks/>
+            <a:stCxn id="13" idx="6"/>
+            <a:endCxn id="4" idx="1"/>
+          </p:cNvCxnSpPr>
+          <p:nvPr/>
+        </p:nvCxnSpPr>
+        <p:spPr>
+          <a:xfrm flipV="1">
+            <a:off x="2703310" y="3561064"/>
+            <a:ext cx="393851" cy="1843"/>
+          </a:xfrm>
+          <a:prstGeom prst="straightConnector1">
+            <a:avLst/>
+          </a:prstGeom>
+          <a:ln>
+            <a:solidFill>
+              <a:schemeClr val="tx1"/>
+            </a:solidFill>
+            <a:tailEnd type="triangle"/>
+          </a:ln>
+        </p:spPr>
+        <p:style>
+          <a:lnRef idx="1">
+            <a:schemeClr val="accent1"/>
+          </a:lnRef>
+          <a:fillRef idx="0">
+            <a:schemeClr val="accent1"/>
+          </a:fillRef>
+          <a:effectRef idx="0">
+            <a:schemeClr val="accent1"/>
+          </a:effectRef>
+          <a:fontRef idx="minor">
+            <a:schemeClr val="tx1"/>
+          </a:fontRef>
+        </p:style>
+      </p:cxnSp>
+      <p:sp>
+        <p:nvSpPr>
+          <p:cNvPr id="15" name="Oval 14">
+            <a:extLst>
+              <a:ext uri="{FF2B5EF4-FFF2-40B4-BE49-F238E27FC236}">
+                <a16:creationId xmlns:a16="http://schemas.microsoft.com/office/drawing/2014/main" id="{7DE46D53-DB43-40CC-A312-9746D684E778}"/>
+              </a:ext>
+            </a:extLst>
+          </p:cNvPr>
+          <p:cNvSpPr/>
+          <p:nvPr/>
+        </p:nvSpPr>
+        <p:spPr>
+          <a:xfrm>
+            <a:off x="2348680" y="2179073"/>
+            <a:ext cx="334296" cy="339214"/>
+          </a:xfrm>
+          <a:prstGeom prst="ellipse">
+            <a:avLst/>
+          </a:prstGeom>
+          <a:noFill/>
+          <a:ln>
+            <a:solidFill>
+              <a:schemeClr val="tx1"/>
+            </a:solidFill>
+          </a:ln>
+        </p:spPr>
+        <p:style>
+          <a:lnRef idx="2">
+            <a:schemeClr val="accent1">
+              <a:shade val="50000"/>
+            </a:schemeClr>
+          </a:lnRef>
+          <a:fillRef idx="1">
+            <a:schemeClr val="accent1"/>
+          </a:fillRef>
+          <a:effectRef idx="0">
+            <a:schemeClr val="accent1"/>
+          </a:effectRef>
+          <a:fontRef idx="minor">
+            <a:schemeClr val="lt1"/>
+          </a:fontRef>
+        </p:style>
+        <p:txBody>
+          <a:bodyPr rtlCol="0" anchor="ctr"/>
+          <a:lstStyle/>
+          <a:p>
+            <a:pPr algn="ctr"/>
+            <a:r>
+              <a:rPr lang="en-US" dirty="0">
+                <a:solidFill>
+                  <a:schemeClr val="tx1"/>
+                </a:solidFill>
+              </a:rPr>
+              <a:t>e</a:t>
+            </a:r>
+          </a:p>
+        </p:txBody>
+      </p:sp>
+      <p:cxnSp>
+        <p:nvCxnSpPr>
+          <p:cNvPr id="16" name="Straight Arrow Connector 15">
+            <a:extLst>
+              <a:ext uri="{FF2B5EF4-FFF2-40B4-BE49-F238E27FC236}">
+                <a16:creationId xmlns:a16="http://schemas.microsoft.com/office/drawing/2014/main" id="{E5833F5C-058C-4040-A56D-C1B8933ACCF0}"/>
+              </a:ext>
+            </a:extLst>
+          </p:cNvPr>
+          <p:cNvCxnSpPr>
+            <a:stCxn id="15" idx="6"/>
+          </p:cNvCxnSpPr>
+          <p:nvPr/>
+        </p:nvCxnSpPr>
+        <p:spPr>
+          <a:xfrm flipV="1">
+            <a:off x="2682976" y="2346222"/>
+            <a:ext cx="420329" cy="2458"/>
+          </a:xfrm>
+          <a:prstGeom prst="straightConnector1">
+            <a:avLst/>
+          </a:prstGeom>
+          <a:ln>
+            <a:solidFill>
+              <a:schemeClr val="tx1"/>
+            </a:solidFill>
+            <a:tailEnd type="triangle"/>
+          </a:ln>
+        </p:spPr>
+        <p:style>
+          <a:lnRef idx="1">
+            <a:schemeClr val="accent1"/>
+          </a:lnRef>
+          <a:fillRef idx="0">
+            <a:schemeClr val="accent1"/>
+          </a:fillRef>
+          <a:effectRef idx="0">
+            <a:schemeClr val="accent1"/>
+          </a:effectRef>
+          <a:fontRef idx="minor">
+            <a:schemeClr val="tx1"/>
+          </a:fontRef>
+        </p:style>
+      </p:cxnSp>
+      <p:sp>
+        <p:nvSpPr>
+          <p:cNvPr id="17" name="Oval 16">
+            <a:extLst>
+              <a:ext uri="{FF2B5EF4-FFF2-40B4-BE49-F238E27FC236}">
+                <a16:creationId xmlns:a16="http://schemas.microsoft.com/office/drawing/2014/main" id="{3BC2282C-10BB-4EFC-9A3C-EFFD438A88AC}"/>
+              </a:ext>
+            </a:extLst>
+          </p:cNvPr>
+          <p:cNvSpPr/>
+          <p:nvPr/>
+        </p:nvSpPr>
+        <p:spPr>
+          <a:xfrm>
+            <a:off x="2342535" y="2684207"/>
+            <a:ext cx="334296" cy="339214"/>
+          </a:xfrm>
+          <a:prstGeom prst="ellipse">
+            <a:avLst/>
+          </a:prstGeom>
+          <a:noFill/>
+          <a:ln>
+            <a:solidFill>
+              <a:schemeClr val="tx1"/>
+            </a:solidFill>
+          </a:ln>
+        </p:spPr>
+        <p:style>
+          <a:lnRef idx="2">
+            <a:schemeClr val="accent1">
+              <a:shade val="50000"/>
+            </a:schemeClr>
+          </a:lnRef>
+          <a:fillRef idx="1">
+            <a:schemeClr val="accent1"/>
+          </a:fillRef>
+          <a:effectRef idx="0">
+            <a:schemeClr val="accent1"/>
+          </a:effectRef>
+          <a:fontRef idx="minor">
+            <a:schemeClr val="lt1"/>
+          </a:fontRef>
+        </p:style>
+        <p:txBody>
+          <a:bodyPr rtlCol="0" anchor="ctr"/>
+          <a:lstStyle/>
+          <a:p>
+            <a:pPr algn="ctr"/>
+            <a:r>
+              <a:rPr lang="en-US" dirty="0">
+                <a:solidFill>
+                  <a:schemeClr val="tx1"/>
+                </a:solidFill>
+              </a:rPr>
+              <a:t>e</a:t>
+            </a:r>
+          </a:p>
+        </p:txBody>
+      </p:sp>
+      <p:cxnSp>
+        <p:nvCxnSpPr>
+          <p:cNvPr id="18" name="Straight Arrow Connector 17">
+            <a:extLst>
+              <a:ext uri="{FF2B5EF4-FFF2-40B4-BE49-F238E27FC236}">
+                <a16:creationId xmlns:a16="http://schemas.microsoft.com/office/drawing/2014/main" id="{2ED63802-6997-4A5B-8CFB-DA035F70BC50}"/>
+              </a:ext>
+            </a:extLst>
+          </p:cNvPr>
+          <p:cNvCxnSpPr>
+            <a:stCxn id="17" idx="6"/>
+          </p:cNvCxnSpPr>
+          <p:nvPr/>
+        </p:nvCxnSpPr>
+        <p:spPr>
+          <a:xfrm flipV="1">
+            <a:off x="2676831" y="2851356"/>
+            <a:ext cx="420329" cy="2458"/>
+          </a:xfrm>
+          <a:prstGeom prst="straightConnector1">
+            <a:avLst/>
+          </a:prstGeom>
+          <a:ln>
+            <a:solidFill>
+              <a:schemeClr val="tx1"/>
+            </a:solidFill>
+            <a:tailEnd type="triangle"/>
+          </a:ln>
+        </p:spPr>
+        <p:style>
+          <a:lnRef idx="1">
+            <a:schemeClr val="accent1"/>
+          </a:lnRef>
+          <a:fillRef idx="0">
+            <a:schemeClr val="accent1"/>
+          </a:fillRef>
+          <a:effectRef idx="0">
+            <a:schemeClr val="accent1"/>
+          </a:effectRef>
+          <a:fontRef idx="minor">
+            <a:schemeClr val="tx1"/>
+          </a:fontRef>
+        </p:style>
+      </p:cxnSp>
+      <p:grpSp>
+        <p:nvGrpSpPr>
+          <p:cNvPr id="66" name="Group 65">
+            <a:extLst>
+              <a:ext uri="{FF2B5EF4-FFF2-40B4-BE49-F238E27FC236}">
+                <a16:creationId xmlns:a16="http://schemas.microsoft.com/office/drawing/2014/main" id="{60999C80-5B90-4B33-B216-E82688B3715D}"/>
+              </a:ext>
+            </a:extLst>
+          </p:cNvPr>
+          <p:cNvGrpSpPr/>
+          <p:nvPr/>
+        </p:nvGrpSpPr>
+        <p:grpSpPr>
+          <a:xfrm>
+            <a:off x="6979265" y="3205018"/>
+            <a:ext cx="1675208" cy="2391333"/>
+            <a:chOff x="6979265" y="2431280"/>
+            <a:chExt cx="1989840" cy="3165071"/>
+          </a:xfrm>
+        </p:grpSpPr>
+        <p:sp>
+          <p:nvSpPr>
+            <p:cNvPr id="50" name="Oval 49">
+              <a:extLst>
+                <a:ext uri="{FF2B5EF4-FFF2-40B4-BE49-F238E27FC236}">
+                  <a16:creationId xmlns:a16="http://schemas.microsoft.com/office/drawing/2014/main" id="{7CEBADAD-A967-450D-88E5-93AD2366E61F}"/>
+                </a:ext>
+              </a:extLst>
+            </p:cNvPr>
+            <p:cNvSpPr/>
+            <p:nvPr/>
+          </p:nvSpPr>
+          <p:spPr>
+            <a:xfrm>
+              <a:off x="6979265" y="2431280"/>
+              <a:ext cx="1111045" cy="1118419"/>
+            </a:xfrm>
+            <a:prstGeom prst="ellipse">
+              <a:avLst/>
+            </a:prstGeom>
+            <a:noFill/>
+            <a:ln>
+              <a:solidFill>
+                <a:schemeClr val="tx1"/>
+              </a:solidFill>
+            </a:ln>
+          </p:spPr>
+          <p:style>
+            <a:lnRef idx="2">
+              <a:schemeClr val="accent1">
+                <a:shade val="50000"/>
+              </a:schemeClr>
+            </a:lnRef>
+            <a:fillRef idx="1">
+              <a:schemeClr val="accent1"/>
+            </a:fillRef>
+            <a:effectRef idx="0">
+              <a:schemeClr val="accent1"/>
+            </a:effectRef>
+            <a:fontRef idx="minor">
+              <a:schemeClr val="lt1"/>
+            </a:fontRef>
+          </p:style>
+          <p:txBody>
+            <a:bodyPr rtlCol="0" anchor="ctr"/>
+            <a:lstStyle/>
+            <a:p>
+              <a:pPr algn="ctr"/>
+              <a:r>
+                <a:rPr lang="en-US" i="1" dirty="0">
+                  <a:solidFill>
+                    <a:schemeClr val="tx1"/>
+                  </a:solidFill>
+                </a:rPr>
+                <a:t>trust</a:t>
+              </a:r>
+            </a:p>
+          </p:txBody>
+        </p:sp>
+        <p:sp>
+          <p:nvSpPr>
+            <p:cNvPr id="51" name="Rectangle 50">
+              <a:extLst>
+                <a:ext uri="{FF2B5EF4-FFF2-40B4-BE49-F238E27FC236}">
+                  <a16:creationId xmlns:a16="http://schemas.microsoft.com/office/drawing/2014/main" id="{47C25ABF-1A98-49E6-975B-2EAF3894CB83}"/>
+                </a:ext>
+              </a:extLst>
+            </p:cNvPr>
+            <p:cNvSpPr/>
+            <p:nvPr/>
+          </p:nvSpPr>
+          <p:spPr>
+            <a:xfrm>
+              <a:off x="6979265" y="3944629"/>
+              <a:ext cx="1111045" cy="756680"/>
+            </a:xfrm>
+            <a:prstGeom prst="rect">
+              <a:avLst/>
+            </a:prstGeom>
+            <a:noFill/>
+            <a:ln>
+              <a:solidFill>
+                <a:schemeClr val="tx1"/>
+              </a:solidFill>
+            </a:ln>
+          </p:spPr>
+          <p:style>
+            <a:lnRef idx="2">
+              <a:schemeClr val="accent1">
+                <a:shade val="50000"/>
+              </a:schemeClr>
+            </a:lnRef>
+            <a:fillRef idx="1">
+              <a:schemeClr val="accent1"/>
+            </a:fillRef>
+            <a:effectRef idx="0">
+              <a:schemeClr val="accent1"/>
+            </a:effectRef>
+            <a:fontRef idx="minor">
+              <a:schemeClr val="lt1"/>
+            </a:fontRef>
+          </p:style>
+          <p:txBody>
+            <a:bodyPr rtlCol="0" anchor="ctr"/>
+            <a:lstStyle/>
+            <a:p>
+              <a:pPr algn="ctr"/>
+              <a:r>
+                <a:rPr lang="en-US" sz="1400" dirty="0">
+                  <a:solidFill>
+                    <a:schemeClr val="tx1"/>
+                  </a:solidFill>
+                </a:rPr>
+                <a:t>trust1</a:t>
+              </a:r>
+              <a:endParaRPr lang="en-US" dirty="0">
+                <a:solidFill>
+                  <a:schemeClr val="tx1"/>
+                </a:solidFill>
+              </a:endParaRPr>
+            </a:p>
+          </p:txBody>
+        </p:sp>
+        <p:sp>
+          <p:nvSpPr>
+            <p:cNvPr id="52" name="Oval 51">
+              <a:extLst>
+                <a:ext uri="{FF2B5EF4-FFF2-40B4-BE49-F238E27FC236}">
+                  <a16:creationId xmlns:a16="http://schemas.microsoft.com/office/drawing/2014/main" id="{9BC4DFAE-6BB8-435D-BF81-F43FFD2986CD}"/>
+                </a:ext>
+              </a:extLst>
+            </p:cNvPr>
+            <p:cNvSpPr/>
+            <p:nvPr/>
+          </p:nvSpPr>
+          <p:spPr>
+            <a:xfrm>
+              <a:off x="7284511" y="5096239"/>
+              <a:ext cx="501743" cy="473288"/>
+            </a:xfrm>
+            <a:prstGeom prst="ellipse">
+              <a:avLst/>
+            </a:prstGeom>
+            <a:noFill/>
+            <a:ln>
+              <a:solidFill>
+                <a:schemeClr val="tx1"/>
+              </a:solidFill>
+            </a:ln>
+          </p:spPr>
+          <p:style>
+            <a:lnRef idx="2">
+              <a:schemeClr val="accent1">
+                <a:shade val="50000"/>
+              </a:schemeClr>
+            </a:lnRef>
+            <a:fillRef idx="1">
+              <a:schemeClr val="accent1"/>
+            </a:fillRef>
+            <a:effectRef idx="0">
+              <a:schemeClr val="accent1"/>
+            </a:effectRef>
+            <a:fontRef idx="minor">
+              <a:schemeClr val="lt1"/>
+            </a:fontRef>
+          </p:style>
+          <p:txBody>
+            <a:bodyPr rtlCol="0" anchor="ctr"/>
+            <a:lstStyle/>
+            <a:p>
+              <a:pPr algn="ctr"/>
+              <a:r>
+                <a:rPr lang="en-US" dirty="0">
+                  <a:solidFill>
+                    <a:schemeClr val="tx1"/>
+                  </a:solidFill>
+                </a:rPr>
+                <a:t>e</a:t>
+              </a:r>
+            </a:p>
+          </p:txBody>
+        </p:sp>
+        <p:cxnSp>
+          <p:nvCxnSpPr>
+            <p:cNvPr id="53" name="Straight Arrow Connector 52">
+              <a:extLst>
+                <a:ext uri="{FF2B5EF4-FFF2-40B4-BE49-F238E27FC236}">
+                  <a16:creationId xmlns:a16="http://schemas.microsoft.com/office/drawing/2014/main" id="{52292E37-8838-441F-9378-EAB33B3F236D}"/>
+                </a:ext>
+              </a:extLst>
+            </p:cNvPr>
+            <p:cNvCxnSpPr>
+              <a:cxnSpLocks/>
+              <a:stCxn id="50" idx="4"/>
+              <a:endCxn id="51" idx="0"/>
+            </p:cNvCxnSpPr>
+            <p:nvPr/>
+          </p:nvCxnSpPr>
+          <p:spPr>
+            <a:xfrm>
+              <a:off x="7534788" y="3549699"/>
+              <a:ext cx="0" cy="394930"/>
+            </a:xfrm>
+            <a:prstGeom prst="straightConnector1">
+              <a:avLst/>
+            </a:prstGeom>
+            <a:ln>
+              <a:solidFill>
+                <a:schemeClr val="tx1"/>
+              </a:solidFill>
+              <a:tailEnd type="triangle"/>
+            </a:ln>
+          </p:spPr>
+          <p:style>
+            <a:lnRef idx="1">
+              <a:schemeClr val="accent1"/>
+            </a:lnRef>
+            <a:fillRef idx="0">
+              <a:schemeClr val="accent1"/>
+            </a:fillRef>
+            <a:effectRef idx="0">
+              <a:schemeClr val="accent1"/>
+            </a:effectRef>
+            <a:fontRef idx="minor">
+              <a:schemeClr val="tx1"/>
+            </a:fontRef>
+          </p:style>
+        </p:cxnSp>
+        <p:cxnSp>
+          <p:nvCxnSpPr>
+            <p:cNvPr id="58" name="Straight Arrow Connector 57">
+              <a:extLst>
+                <a:ext uri="{FF2B5EF4-FFF2-40B4-BE49-F238E27FC236}">
+                  <a16:creationId xmlns:a16="http://schemas.microsoft.com/office/drawing/2014/main" id="{029C9687-5CFD-4BA2-9626-6BE4411D80CF}"/>
+                </a:ext>
+              </a:extLst>
+            </p:cNvPr>
+            <p:cNvCxnSpPr>
+              <a:cxnSpLocks/>
+              <a:stCxn id="52" idx="0"/>
+              <a:endCxn id="51" idx="2"/>
+            </p:cNvCxnSpPr>
+            <p:nvPr/>
+          </p:nvCxnSpPr>
+          <p:spPr>
+            <a:xfrm flipH="1" flipV="1">
+              <a:off x="7534788" y="4701309"/>
+              <a:ext cx="595" cy="394930"/>
+            </a:xfrm>
+            <a:prstGeom prst="straightConnector1">
+              <a:avLst/>
+            </a:prstGeom>
+            <a:ln>
+              <a:solidFill>
+                <a:schemeClr val="tx1"/>
+              </a:solidFill>
+              <a:tailEnd type="triangle"/>
+            </a:ln>
+          </p:spPr>
+          <p:style>
+            <a:lnRef idx="1">
+              <a:schemeClr val="accent1"/>
+            </a:lnRef>
+            <a:fillRef idx="0">
+              <a:schemeClr val="accent1"/>
+            </a:fillRef>
+            <a:effectRef idx="0">
+              <a:schemeClr val="accent1"/>
+            </a:effectRef>
+            <a:fontRef idx="minor">
+              <a:schemeClr val="tx1"/>
+            </a:fontRef>
+          </p:style>
+        </p:cxnSp>
+        <p:cxnSp>
+          <p:nvCxnSpPr>
+            <p:cNvPr id="62" name="Connector: Curved 61">
+              <a:extLst>
+                <a:ext uri="{FF2B5EF4-FFF2-40B4-BE49-F238E27FC236}">
+                  <a16:creationId xmlns:a16="http://schemas.microsoft.com/office/drawing/2014/main" id="{59D5A465-E05F-498D-9A4B-A2645A32AB96}"/>
+                </a:ext>
+              </a:extLst>
+            </p:cNvPr>
+            <p:cNvCxnSpPr>
+              <a:stCxn id="52" idx="3"/>
+              <a:endCxn id="52" idx="5"/>
+            </p:cNvCxnSpPr>
+            <p:nvPr/>
+          </p:nvCxnSpPr>
+          <p:spPr>
+            <a:xfrm rot="16200000" flipH="1">
+              <a:off x="7535382" y="5322823"/>
+              <a:ext cx="12700" cy="354785"/>
+            </a:xfrm>
+            <a:prstGeom prst="curvedConnector3">
+              <a:avLst>
+                <a:gd name="adj1" fmla="val 2345756"/>
+              </a:avLst>
+            </a:prstGeom>
+            <a:ln>
+              <a:solidFill>
+                <a:schemeClr val="tx1"/>
+              </a:solidFill>
+              <a:headEnd type="triangle"/>
+              <a:tailEnd type="triangle"/>
+            </a:ln>
+          </p:spPr>
+          <p:style>
+            <a:lnRef idx="1">
+              <a:schemeClr val="accent1"/>
+            </a:lnRef>
+            <a:fillRef idx="0">
+              <a:schemeClr val="accent1"/>
+            </a:fillRef>
+            <a:effectRef idx="0">
+              <a:schemeClr val="accent1"/>
+            </a:effectRef>
+            <a:fontRef idx="minor">
+              <a:schemeClr val="tx1"/>
+            </a:fontRef>
+          </p:style>
+        </p:cxnSp>
+        <p:sp>
+          <p:nvSpPr>
+            <p:cNvPr id="63" name="Oval 62">
+              <a:extLst>
+                <a:ext uri="{FF2B5EF4-FFF2-40B4-BE49-F238E27FC236}">
+                  <a16:creationId xmlns:a16="http://schemas.microsoft.com/office/drawing/2014/main" id="{B6FE262E-3420-4E17-85C1-E5CF1A41DECF}"/>
+                </a:ext>
+              </a:extLst>
+            </p:cNvPr>
+            <p:cNvSpPr/>
+            <p:nvPr/>
+          </p:nvSpPr>
+          <p:spPr>
+            <a:xfrm>
+              <a:off x="7117363" y="3561064"/>
+              <a:ext cx="334296" cy="343123"/>
+            </a:xfrm>
+            <a:prstGeom prst="ellipse">
+              <a:avLst/>
+            </a:prstGeom>
+            <a:noFill/>
+            <a:ln>
+              <a:noFill/>
+            </a:ln>
+          </p:spPr>
+          <p:style>
+            <a:lnRef idx="2">
+              <a:schemeClr val="accent1">
+                <a:shade val="50000"/>
+              </a:schemeClr>
+            </a:lnRef>
+            <a:fillRef idx="1">
+              <a:schemeClr val="accent1"/>
+            </a:fillRef>
+            <a:effectRef idx="0">
+              <a:schemeClr val="accent1"/>
+            </a:effectRef>
+            <a:fontRef idx="minor">
+              <a:schemeClr val="lt1"/>
+            </a:fontRef>
+          </p:style>
+          <p:txBody>
+            <a:bodyPr rtlCol="0" anchor="ctr"/>
+            <a:lstStyle/>
+            <a:p>
+              <a:pPr algn="ctr"/>
+              <a:r>
+                <a:rPr lang="en-US" dirty="0">
+                  <a:solidFill>
+                    <a:schemeClr val="tx1"/>
+                  </a:solidFill>
+                </a:rPr>
+                <a:t>1</a:t>
+              </a:r>
+            </a:p>
+          </p:txBody>
+        </p:sp>
+        <p:sp>
+          <p:nvSpPr>
+            <p:cNvPr id="64" name="Oval 63">
+              <a:extLst>
+                <a:ext uri="{FF2B5EF4-FFF2-40B4-BE49-F238E27FC236}">
+                  <a16:creationId xmlns:a16="http://schemas.microsoft.com/office/drawing/2014/main" id="{B98767ED-A4FA-4931-BD26-804E54692D60}"/>
+                </a:ext>
+              </a:extLst>
+            </p:cNvPr>
+            <p:cNvSpPr/>
+            <p:nvPr/>
+          </p:nvSpPr>
+          <p:spPr>
+            <a:xfrm>
+              <a:off x="7152223" y="4727212"/>
+              <a:ext cx="334296" cy="343123"/>
+            </a:xfrm>
+            <a:prstGeom prst="ellipse">
+              <a:avLst/>
+            </a:prstGeom>
+            <a:noFill/>
+            <a:ln>
+              <a:noFill/>
+            </a:ln>
+          </p:spPr>
+          <p:style>
+            <a:lnRef idx="2">
+              <a:schemeClr val="accent1">
+                <a:shade val="50000"/>
+              </a:schemeClr>
+            </a:lnRef>
+            <a:fillRef idx="1">
+              <a:schemeClr val="accent1"/>
+            </a:fillRef>
+            <a:effectRef idx="0">
+              <a:schemeClr val="accent1"/>
+            </a:effectRef>
+            <a:fontRef idx="minor">
+              <a:schemeClr val="lt1"/>
+            </a:fontRef>
+          </p:style>
+          <p:txBody>
+            <a:bodyPr rtlCol="0" anchor="ctr"/>
+            <a:lstStyle/>
+            <a:p>
+              <a:pPr algn="ctr"/>
+              <a:r>
+                <a:rPr lang="en-US" dirty="0">
+                  <a:solidFill>
+                    <a:schemeClr val="tx1"/>
+                  </a:solidFill>
+                </a:rPr>
+                <a:t>1</a:t>
+              </a:r>
+            </a:p>
+          </p:txBody>
+        </p:sp>
+        <p:sp>
+          <p:nvSpPr>
+            <p:cNvPr id="65" name="Oval 64">
+              <a:extLst>
+                <a:ext uri="{FF2B5EF4-FFF2-40B4-BE49-F238E27FC236}">
+                  <a16:creationId xmlns:a16="http://schemas.microsoft.com/office/drawing/2014/main" id="{4806CFF9-4222-43DF-8938-C37937315308}"/>
+                </a:ext>
+              </a:extLst>
+            </p:cNvPr>
+            <p:cNvSpPr/>
+            <p:nvPr/>
+          </p:nvSpPr>
+          <p:spPr>
+            <a:xfrm>
+              <a:off x="7509417" y="4993753"/>
+              <a:ext cx="1459688" cy="602598"/>
+            </a:xfrm>
+            <a:prstGeom prst="ellipse">
+              <a:avLst/>
+            </a:prstGeom>
+            <a:noFill/>
+            <a:ln>
+              <a:noFill/>
+            </a:ln>
+          </p:spPr>
+          <p:style>
+            <a:lnRef idx="2">
+              <a:schemeClr val="accent1">
+                <a:shade val="50000"/>
+              </a:schemeClr>
+            </a:lnRef>
+            <a:fillRef idx="1">
+              <a:schemeClr val="accent1"/>
+            </a:fillRef>
+            <a:effectRef idx="0">
+              <a:schemeClr val="accent1"/>
+            </a:effectRef>
+            <a:fontRef idx="minor">
+              <a:schemeClr val="lt1"/>
+            </a:fontRef>
+          </p:style>
+          <p:txBody>
+            <a:bodyPr rtlCol="0" anchor="ctr"/>
+            <a:lstStyle/>
+            <a:p>
+              <a:r>
+                <a:rPr lang="en-US" sz="1400" dirty="0">
+                  <a:solidFill>
+                    <a:schemeClr val="tx1"/>
+                  </a:solidFill>
+                </a:rPr>
+                <a:t>(1-r</a:t>
+              </a:r>
+              <a:r>
+                <a:rPr lang="en-US" sz="1400" baseline="-25000" dirty="0">
+                  <a:solidFill>
+                    <a:schemeClr val="tx1"/>
+                  </a:solidFill>
+                </a:rPr>
+                <a:t>xx’</a:t>
+              </a:r>
+              <a:r>
+                <a:rPr lang="en-US" sz="1400" dirty="0">
+                  <a:solidFill>
+                    <a:schemeClr val="tx1"/>
+                  </a:solidFill>
+                </a:rPr>
+                <a:t>)σ</a:t>
+              </a:r>
+              <a:r>
+                <a:rPr lang="en-US" sz="1400" baseline="30000" dirty="0">
+                  <a:solidFill>
+                    <a:schemeClr val="tx1"/>
+                  </a:solidFill>
+                </a:rPr>
+                <a:t>2</a:t>
+              </a:r>
+              <a:r>
+                <a:rPr lang="en-US" sz="1400" baseline="-25000" dirty="0">
+                  <a:solidFill>
+                    <a:schemeClr val="tx1"/>
+                  </a:solidFill>
+                </a:rPr>
+                <a:t>x</a:t>
+              </a:r>
+            </a:p>
+          </p:txBody>
+        </p:sp>
+      </p:grpSp>
     </p:spTree>
     <p:extLst>
       <p:ext uri="{BB962C8B-B14F-4D97-AF65-F5344CB8AC3E}">

--- a/gambar.pptx
+++ b/gambar.pptx
@@ -279,7 +279,7 @@
           <a:p>
             <a:fld id="{4A9CFB26-D298-4D2A-8754-88594ABDAEF8}" type="datetimeFigureOut">
               <a:rPr lang="en-US" smtClean="0"/>
-              <a:t>11/22/2019</a:t>
+              <a:t>11/23/2019</a:t>
             </a:fld>
             <a:endParaRPr lang="en-US"/>
           </a:p>
@@ -477,7 +477,7 @@
           <a:p>
             <a:fld id="{4A9CFB26-D298-4D2A-8754-88594ABDAEF8}" type="datetimeFigureOut">
               <a:rPr lang="en-US" smtClean="0"/>
-              <a:t>11/22/2019</a:t>
+              <a:t>11/23/2019</a:t>
             </a:fld>
             <a:endParaRPr lang="en-US"/>
           </a:p>
@@ -685,7 +685,7 @@
           <a:p>
             <a:fld id="{4A9CFB26-D298-4D2A-8754-88594ABDAEF8}" type="datetimeFigureOut">
               <a:rPr lang="en-US" smtClean="0"/>
-              <a:t>11/22/2019</a:t>
+              <a:t>11/23/2019</a:t>
             </a:fld>
             <a:endParaRPr lang="en-US"/>
           </a:p>
@@ -883,7 +883,7 @@
           <a:p>
             <a:fld id="{4A9CFB26-D298-4D2A-8754-88594ABDAEF8}" type="datetimeFigureOut">
               <a:rPr lang="en-US" smtClean="0"/>
-              <a:t>11/22/2019</a:t>
+              <a:t>11/23/2019</a:t>
             </a:fld>
             <a:endParaRPr lang="en-US"/>
           </a:p>
@@ -1158,7 +1158,7 @@
           <a:p>
             <a:fld id="{4A9CFB26-D298-4D2A-8754-88594ABDAEF8}" type="datetimeFigureOut">
               <a:rPr lang="en-US" smtClean="0"/>
-              <a:t>11/22/2019</a:t>
+              <a:t>11/23/2019</a:t>
             </a:fld>
             <a:endParaRPr lang="en-US"/>
           </a:p>
@@ -1423,7 +1423,7 @@
           <a:p>
             <a:fld id="{4A9CFB26-D298-4D2A-8754-88594ABDAEF8}" type="datetimeFigureOut">
               <a:rPr lang="en-US" smtClean="0"/>
-              <a:t>11/22/2019</a:t>
+              <a:t>11/23/2019</a:t>
             </a:fld>
             <a:endParaRPr lang="en-US"/>
           </a:p>
@@ -1835,7 +1835,7 @@
           <a:p>
             <a:fld id="{4A9CFB26-D298-4D2A-8754-88594ABDAEF8}" type="datetimeFigureOut">
               <a:rPr lang="en-US" smtClean="0"/>
-              <a:t>11/22/2019</a:t>
+              <a:t>11/23/2019</a:t>
             </a:fld>
             <a:endParaRPr lang="en-US"/>
           </a:p>
@@ -1976,7 +1976,7 @@
           <a:p>
             <a:fld id="{4A9CFB26-D298-4D2A-8754-88594ABDAEF8}" type="datetimeFigureOut">
               <a:rPr lang="en-US" smtClean="0"/>
-              <a:t>11/22/2019</a:t>
+              <a:t>11/23/2019</a:t>
             </a:fld>
             <a:endParaRPr lang="en-US"/>
           </a:p>
@@ -2089,7 +2089,7 @@
           <a:p>
             <a:fld id="{4A9CFB26-D298-4D2A-8754-88594ABDAEF8}" type="datetimeFigureOut">
               <a:rPr lang="en-US" smtClean="0"/>
-              <a:t>11/22/2019</a:t>
+              <a:t>11/23/2019</a:t>
             </a:fld>
             <a:endParaRPr lang="en-US"/>
           </a:p>
@@ -2400,7 +2400,7 @@
           <a:p>
             <a:fld id="{4A9CFB26-D298-4D2A-8754-88594ABDAEF8}" type="datetimeFigureOut">
               <a:rPr lang="en-US" smtClean="0"/>
-              <a:t>11/22/2019</a:t>
+              <a:t>11/23/2019</a:t>
             </a:fld>
             <a:endParaRPr lang="en-US"/>
           </a:p>
@@ -2688,7 +2688,7 @@
           <a:p>
             <a:fld id="{4A9CFB26-D298-4D2A-8754-88594ABDAEF8}" type="datetimeFigureOut">
               <a:rPr lang="en-US" smtClean="0"/>
-              <a:t>11/22/2019</a:t>
+              <a:t>11/23/2019</a:t>
             </a:fld>
             <a:endParaRPr lang="en-US"/>
           </a:p>
@@ -2929,7 +2929,7 @@
           <a:p>
             <a:fld id="{4A9CFB26-D298-4D2A-8754-88594ABDAEF8}" type="datetimeFigureOut">
               <a:rPr lang="en-US" smtClean="0"/>
-              <a:t>11/22/2019</a:t>
+              <a:t>11/23/2019</a:t>
             </a:fld>
             <a:endParaRPr lang="en-US"/>
           </a:p>
@@ -16004,696 +16004,6 @@
           <a:chExt cx="0" cy="0"/>
         </a:xfrm>
       </p:grpSpPr>
-      <p:sp>
-        <p:nvSpPr>
-          <p:cNvPr id="2" name="Oval 1">
-            <a:extLst>
-              <a:ext uri="{FF2B5EF4-FFF2-40B4-BE49-F238E27FC236}">
-                <a16:creationId xmlns:a16="http://schemas.microsoft.com/office/drawing/2014/main" id="{D532D4CF-C881-464F-B622-4432BDC23D93}"/>
-              </a:ext>
-            </a:extLst>
-          </p:cNvPr>
-          <p:cNvSpPr/>
-          <p:nvPr/>
-        </p:nvSpPr>
-        <p:spPr>
-          <a:xfrm>
-            <a:off x="4591665" y="2310581"/>
-            <a:ext cx="1111045" cy="1118419"/>
-          </a:xfrm>
-          <a:prstGeom prst="ellipse">
-            <a:avLst/>
-          </a:prstGeom>
-          <a:noFill/>
-          <a:ln>
-            <a:solidFill>
-              <a:schemeClr val="tx1"/>
-            </a:solidFill>
-          </a:ln>
-        </p:spPr>
-        <p:style>
-          <a:lnRef idx="2">
-            <a:schemeClr val="accent1">
-              <a:shade val="50000"/>
-            </a:schemeClr>
-          </a:lnRef>
-          <a:fillRef idx="1">
-            <a:schemeClr val="accent1"/>
-          </a:fillRef>
-          <a:effectRef idx="0">
-            <a:schemeClr val="accent1"/>
-          </a:effectRef>
-          <a:fontRef idx="minor">
-            <a:schemeClr val="lt1"/>
-          </a:fontRef>
-        </p:style>
-        <p:txBody>
-          <a:bodyPr rtlCol="0" anchor="ctr"/>
-          <a:lstStyle/>
-          <a:p>
-            <a:pPr algn="ctr"/>
-            <a:r>
-              <a:rPr lang="en-US" i="1" dirty="0">
-                <a:solidFill>
-                  <a:schemeClr val="tx1"/>
-                </a:solidFill>
-              </a:rPr>
-              <a:t>trust</a:t>
-            </a:r>
-          </a:p>
-        </p:txBody>
-      </p:sp>
-      <p:sp>
-        <p:nvSpPr>
-          <p:cNvPr id="3" name="Rectangle 2">
-            <a:extLst>
-              <a:ext uri="{FF2B5EF4-FFF2-40B4-BE49-F238E27FC236}">
-                <a16:creationId xmlns:a16="http://schemas.microsoft.com/office/drawing/2014/main" id="{D1BDD45C-E772-4230-819C-930C36E781D8}"/>
-              </a:ext>
-            </a:extLst>
-          </p:cNvPr>
-          <p:cNvSpPr/>
-          <p:nvPr/>
-        </p:nvSpPr>
-        <p:spPr>
-          <a:xfrm>
-            <a:off x="3111907" y="2703958"/>
-            <a:ext cx="639097" cy="334297"/>
-          </a:xfrm>
-          <a:prstGeom prst="rect">
-            <a:avLst/>
-          </a:prstGeom>
-          <a:noFill/>
-          <a:ln>
-            <a:solidFill>
-              <a:schemeClr val="tx1"/>
-            </a:solidFill>
-          </a:ln>
-        </p:spPr>
-        <p:style>
-          <a:lnRef idx="2">
-            <a:schemeClr val="accent1">
-              <a:shade val="50000"/>
-            </a:schemeClr>
-          </a:lnRef>
-          <a:fillRef idx="1">
-            <a:schemeClr val="accent1"/>
-          </a:fillRef>
-          <a:effectRef idx="0">
-            <a:schemeClr val="accent1"/>
-          </a:effectRef>
-          <a:fontRef idx="minor">
-            <a:schemeClr val="lt1"/>
-          </a:fontRef>
-        </p:style>
-        <p:txBody>
-          <a:bodyPr rtlCol="0" anchor="ctr"/>
-          <a:lstStyle/>
-          <a:p>
-            <a:pPr algn="ctr"/>
-            <a:r>
-              <a:rPr lang="en-US" sz="1400" dirty="0">
-                <a:solidFill>
-                  <a:schemeClr val="tx1"/>
-                </a:solidFill>
-              </a:rPr>
-              <a:t>trust2</a:t>
-            </a:r>
-          </a:p>
-        </p:txBody>
-      </p:sp>
-      <p:sp>
-        <p:nvSpPr>
-          <p:cNvPr id="4" name="Rectangle 3">
-            <a:extLst>
-              <a:ext uri="{FF2B5EF4-FFF2-40B4-BE49-F238E27FC236}">
-                <a16:creationId xmlns:a16="http://schemas.microsoft.com/office/drawing/2014/main" id="{41968B5C-389D-49C3-AFA4-3E404360D65C}"/>
-              </a:ext>
-            </a:extLst>
-          </p:cNvPr>
-          <p:cNvSpPr/>
-          <p:nvPr/>
-        </p:nvSpPr>
-        <p:spPr>
-          <a:xfrm>
-            <a:off x="3097161" y="3389614"/>
-            <a:ext cx="639096" cy="342900"/>
-          </a:xfrm>
-          <a:prstGeom prst="rect">
-            <a:avLst/>
-          </a:prstGeom>
-          <a:noFill/>
-          <a:ln>
-            <a:solidFill>
-              <a:schemeClr val="tx1"/>
-            </a:solidFill>
-          </a:ln>
-        </p:spPr>
-        <p:style>
-          <a:lnRef idx="2">
-            <a:schemeClr val="accent1">
-              <a:shade val="50000"/>
-            </a:schemeClr>
-          </a:lnRef>
-          <a:fillRef idx="1">
-            <a:schemeClr val="accent1"/>
-          </a:fillRef>
-          <a:effectRef idx="0">
-            <a:schemeClr val="accent1"/>
-          </a:effectRef>
-          <a:fontRef idx="minor">
-            <a:schemeClr val="lt1"/>
-          </a:fontRef>
-        </p:style>
-        <p:txBody>
-          <a:bodyPr rtlCol="0" anchor="ctr"/>
-          <a:lstStyle/>
-          <a:p>
-            <a:pPr algn="ctr"/>
-            <a:r>
-              <a:rPr lang="en-US" sz="1400" dirty="0">
-                <a:solidFill>
-                  <a:schemeClr val="tx1"/>
-                </a:solidFill>
-              </a:rPr>
-              <a:t>trust3</a:t>
-            </a:r>
-          </a:p>
-        </p:txBody>
-      </p:sp>
-      <p:sp>
-        <p:nvSpPr>
-          <p:cNvPr id="7" name="Rectangle 6">
-            <a:extLst>
-              <a:ext uri="{FF2B5EF4-FFF2-40B4-BE49-F238E27FC236}">
-                <a16:creationId xmlns:a16="http://schemas.microsoft.com/office/drawing/2014/main" id="{44F9F8BE-F058-46E9-BA1C-74BE58765D87}"/>
-              </a:ext>
-            </a:extLst>
-          </p:cNvPr>
-          <p:cNvSpPr/>
-          <p:nvPr/>
-        </p:nvSpPr>
-        <p:spPr>
-          <a:xfrm>
-            <a:off x="3097160" y="2148156"/>
-            <a:ext cx="639097" cy="334297"/>
-          </a:xfrm>
-          <a:prstGeom prst="rect">
-            <a:avLst/>
-          </a:prstGeom>
-          <a:noFill/>
-          <a:ln>
-            <a:solidFill>
-              <a:schemeClr val="tx1"/>
-            </a:solidFill>
-          </a:ln>
-        </p:spPr>
-        <p:style>
-          <a:lnRef idx="2">
-            <a:schemeClr val="accent1">
-              <a:shade val="50000"/>
-            </a:schemeClr>
-          </a:lnRef>
-          <a:fillRef idx="1">
-            <a:schemeClr val="accent1"/>
-          </a:fillRef>
-          <a:effectRef idx="0">
-            <a:schemeClr val="accent1"/>
-          </a:effectRef>
-          <a:fontRef idx="minor">
-            <a:schemeClr val="lt1"/>
-          </a:fontRef>
-        </p:style>
-        <p:txBody>
-          <a:bodyPr rtlCol="0" anchor="ctr"/>
-          <a:lstStyle/>
-          <a:p>
-            <a:pPr algn="ctr"/>
-            <a:r>
-              <a:rPr lang="en-US" sz="1400" dirty="0">
-                <a:solidFill>
-                  <a:schemeClr val="tx1"/>
-                </a:solidFill>
-              </a:rPr>
-              <a:t>trust1</a:t>
-            </a:r>
-            <a:endParaRPr lang="en-US" dirty="0">
-              <a:solidFill>
-                <a:schemeClr val="tx1"/>
-              </a:solidFill>
-            </a:endParaRPr>
-          </a:p>
-        </p:txBody>
-      </p:sp>
-      <p:cxnSp>
-        <p:nvCxnSpPr>
-          <p:cNvPr id="8" name="Straight Arrow Connector 7">
-            <a:extLst>
-              <a:ext uri="{FF2B5EF4-FFF2-40B4-BE49-F238E27FC236}">
-                <a16:creationId xmlns:a16="http://schemas.microsoft.com/office/drawing/2014/main" id="{450460F9-BF95-4ECE-B957-A12F7C9BB3D6}"/>
-              </a:ext>
-            </a:extLst>
-          </p:cNvPr>
-          <p:cNvCxnSpPr>
-            <a:cxnSpLocks/>
-            <a:stCxn id="2" idx="2"/>
-            <a:endCxn id="7" idx="3"/>
-          </p:cNvCxnSpPr>
-          <p:nvPr/>
-        </p:nvCxnSpPr>
-        <p:spPr>
-          <a:xfrm flipH="1" flipV="1">
-            <a:off x="3736257" y="2315305"/>
-            <a:ext cx="855408" cy="554486"/>
-          </a:xfrm>
-          <a:prstGeom prst="straightConnector1">
-            <a:avLst/>
-          </a:prstGeom>
-          <a:ln>
-            <a:solidFill>
-              <a:schemeClr val="tx1"/>
-            </a:solidFill>
-            <a:tailEnd type="triangle"/>
-          </a:ln>
-        </p:spPr>
-        <p:style>
-          <a:lnRef idx="1">
-            <a:schemeClr val="accent1"/>
-          </a:lnRef>
-          <a:fillRef idx="0">
-            <a:schemeClr val="accent1"/>
-          </a:fillRef>
-          <a:effectRef idx="0">
-            <a:schemeClr val="accent1"/>
-          </a:effectRef>
-          <a:fontRef idx="minor">
-            <a:schemeClr val="tx1"/>
-          </a:fontRef>
-        </p:style>
-      </p:cxnSp>
-      <p:cxnSp>
-        <p:nvCxnSpPr>
-          <p:cNvPr id="9" name="Straight Arrow Connector 8">
-            <a:extLst>
-              <a:ext uri="{FF2B5EF4-FFF2-40B4-BE49-F238E27FC236}">
-                <a16:creationId xmlns:a16="http://schemas.microsoft.com/office/drawing/2014/main" id="{9DF3E901-7AA8-47DC-BFBE-E2105D10909B}"/>
-              </a:ext>
-            </a:extLst>
-          </p:cNvPr>
-          <p:cNvCxnSpPr>
-            <a:cxnSpLocks/>
-            <a:stCxn id="2" idx="2"/>
-            <a:endCxn id="3" idx="3"/>
-          </p:cNvCxnSpPr>
-          <p:nvPr/>
-        </p:nvCxnSpPr>
-        <p:spPr>
-          <a:xfrm flipH="1">
-            <a:off x="3751004" y="2869791"/>
-            <a:ext cx="840661" cy="1316"/>
-          </a:xfrm>
-          <a:prstGeom prst="straightConnector1">
-            <a:avLst/>
-          </a:prstGeom>
-          <a:ln>
-            <a:solidFill>
-              <a:schemeClr val="tx1"/>
-            </a:solidFill>
-            <a:tailEnd type="triangle"/>
-          </a:ln>
-        </p:spPr>
-        <p:style>
-          <a:lnRef idx="1">
-            <a:schemeClr val="accent1"/>
-          </a:lnRef>
-          <a:fillRef idx="0">
-            <a:schemeClr val="accent1"/>
-          </a:fillRef>
-          <a:effectRef idx="0">
-            <a:schemeClr val="accent1"/>
-          </a:effectRef>
-          <a:fontRef idx="minor">
-            <a:schemeClr val="tx1"/>
-          </a:fontRef>
-        </p:style>
-      </p:cxnSp>
-      <p:cxnSp>
-        <p:nvCxnSpPr>
-          <p:cNvPr id="10" name="Straight Arrow Connector 9">
-            <a:extLst>
-              <a:ext uri="{FF2B5EF4-FFF2-40B4-BE49-F238E27FC236}">
-                <a16:creationId xmlns:a16="http://schemas.microsoft.com/office/drawing/2014/main" id="{EC03A3F4-774C-4C77-9EC1-2E3EDD28BC1C}"/>
-              </a:ext>
-            </a:extLst>
-          </p:cNvPr>
-          <p:cNvCxnSpPr>
-            <a:cxnSpLocks/>
-            <a:stCxn id="2" idx="2"/>
-            <a:endCxn id="4" idx="3"/>
-          </p:cNvCxnSpPr>
-          <p:nvPr/>
-        </p:nvCxnSpPr>
-        <p:spPr>
-          <a:xfrm flipH="1">
-            <a:off x="3736257" y="2869791"/>
-            <a:ext cx="855408" cy="691273"/>
-          </a:xfrm>
-          <a:prstGeom prst="straightConnector1">
-            <a:avLst/>
-          </a:prstGeom>
-          <a:ln>
-            <a:solidFill>
-              <a:schemeClr val="tx1"/>
-            </a:solidFill>
-            <a:tailEnd type="triangle"/>
-          </a:ln>
-        </p:spPr>
-        <p:style>
-          <a:lnRef idx="1">
-            <a:schemeClr val="accent1"/>
-          </a:lnRef>
-          <a:fillRef idx="0">
-            <a:schemeClr val="accent1"/>
-          </a:fillRef>
-          <a:effectRef idx="0">
-            <a:schemeClr val="accent1"/>
-          </a:effectRef>
-          <a:fontRef idx="minor">
-            <a:schemeClr val="tx1"/>
-          </a:fontRef>
-        </p:style>
-      </p:cxnSp>
-      <p:sp>
-        <p:nvSpPr>
-          <p:cNvPr id="13" name="Oval 12">
-            <a:extLst>
-              <a:ext uri="{FF2B5EF4-FFF2-40B4-BE49-F238E27FC236}">
-                <a16:creationId xmlns:a16="http://schemas.microsoft.com/office/drawing/2014/main" id="{CFDC8044-7E88-4B1A-8C3A-34855CBDEEF9}"/>
-              </a:ext>
-            </a:extLst>
-          </p:cNvPr>
-          <p:cNvSpPr/>
-          <p:nvPr/>
-        </p:nvSpPr>
-        <p:spPr>
-          <a:xfrm>
-            <a:off x="2369014" y="3393300"/>
-            <a:ext cx="334296" cy="339214"/>
-          </a:xfrm>
-          <a:prstGeom prst="ellipse">
-            <a:avLst/>
-          </a:prstGeom>
-          <a:noFill/>
-          <a:ln>
-            <a:solidFill>
-              <a:schemeClr val="tx1"/>
-            </a:solidFill>
-          </a:ln>
-        </p:spPr>
-        <p:style>
-          <a:lnRef idx="2">
-            <a:schemeClr val="accent1">
-              <a:shade val="50000"/>
-            </a:schemeClr>
-          </a:lnRef>
-          <a:fillRef idx="1">
-            <a:schemeClr val="accent1"/>
-          </a:fillRef>
-          <a:effectRef idx="0">
-            <a:schemeClr val="accent1"/>
-          </a:effectRef>
-          <a:fontRef idx="minor">
-            <a:schemeClr val="lt1"/>
-          </a:fontRef>
-        </p:style>
-        <p:txBody>
-          <a:bodyPr rtlCol="0" anchor="ctr"/>
-          <a:lstStyle/>
-          <a:p>
-            <a:pPr algn="ctr"/>
-            <a:r>
-              <a:rPr lang="en-US" dirty="0">
-                <a:solidFill>
-                  <a:schemeClr val="tx1"/>
-                </a:solidFill>
-              </a:rPr>
-              <a:t>e</a:t>
-            </a:r>
-          </a:p>
-        </p:txBody>
-      </p:sp>
-      <p:cxnSp>
-        <p:nvCxnSpPr>
-          <p:cNvPr id="14" name="Straight Arrow Connector 13">
-            <a:extLst>
-              <a:ext uri="{FF2B5EF4-FFF2-40B4-BE49-F238E27FC236}">
-                <a16:creationId xmlns:a16="http://schemas.microsoft.com/office/drawing/2014/main" id="{9F230878-105F-44CC-A9AF-A7DED9E3C6A2}"/>
-              </a:ext>
-            </a:extLst>
-          </p:cNvPr>
-          <p:cNvCxnSpPr>
-            <a:cxnSpLocks/>
-            <a:stCxn id="13" idx="6"/>
-            <a:endCxn id="4" idx="1"/>
-          </p:cNvCxnSpPr>
-          <p:nvPr/>
-        </p:nvCxnSpPr>
-        <p:spPr>
-          <a:xfrm flipV="1">
-            <a:off x="2703310" y="3561064"/>
-            <a:ext cx="393851" cy="1843"/>
-          </a:xfrm>
-          <a:prstGeom prst="straightConnector1">
-            <a:avLst/>
-          </a:prstGeom>
-          <a:ln>
-            <a:solidFill>
-              <a:schemeClr val="tx1"/>
-            </a:solidFill>
-            <a:tailEnd type="triangle"/>
-          </a:ln>
-        </p:spPr>
-        <p:style>
-          <a:lnRef idx="1">
-            <a:schemeClr val="accent1"/>
-          </a:lnRef>
-          <a:fillRef idx="0">
-            <a:schemeClr val="accent1"/>
-          </a:fillRef>
-          <a:effectRef idx="0">
-            <a:schemeClr val="accent1"/>
-          </a:effectRef>
-          <a:fontRef idx="minor">
-            <a:schemeClr val="tx1"/>
-          </a:fontRef>
-        </p:style>
-      </p:cxnSp>
-      <p:sp>
-        <p:nvSpPr>
-          <p:cNvPr id="15" name="Oval 14">
-            <a:extLst>
-              <a:ext uri="{FF2B5EF4-FFF2-40B4-BE49-F238E27FC236}">
-                <a16:creationId xmlns:a16="http://schemas.microsoft.com/office/drawing/2014/main" id="{7DE46D53-DB43-40CC-A312-9746D684E778}"/>
-              </a:ext>
-            </a:extLst>
-          </p:cNvPr>
-          <p:cNvSpPr/>
-          <p:nvPr/>
-        </p:nvSpPr>
-        <p:spPr>
-          <a:xfrm>
-            <a:off x="2348680" y="2179073"/>
-            <a:ext cx="334296" cy="339214"/>
-          </a:xfrm>
-          <a:prstGeom prst="ellipse">
-            <a:avLst/>
-          </a:prstGeom>
-          <a:noFill/>
-          <a:ln>
-            <a:solidFill>
-              <a:schemeClr val="tx1"/>
-            </a:solidFill>
-          </a:ln>
-        </p:spPr>
-        <p:style>
-          <a:lnRef idx="2">
-            <a:schemeClr val="accent1">
-              <a:shade val="50000"/>
-            </a:schemeClr>
-          </a:lnRef>
-          <a:fillRef idx="1">
-            <a:schemeClr val="accent1"/>
-          </a:fillRef>
-          <a:effectRef idx="0">
-            <a:schemeClr val="accent1"/>
-          </a:effectRef>
-          <a:fontRef idx="minor">
-            <a:schemeClr val="lt1"/>
-          </a:fontRef>
-        </p:style>
-        <p:txBody>
-          <a:bodyPr rtlCol="0" anchor="ctr"/>
-          <a:lstStyle/>
-          <a:p>
-            <a:pPr algn="ctr"/>
-            <a:r>
-              <a:rPr lang="en-US" dirty="0">
-                <a:solidFill>
-                  <a:schemeClr val="tx1"/>
-                </a:solidFill>
-              </a:rPr>
-              <a:t>e</a:t>
-            </a:r>
-          </a:p>
-        </p:txBody>
-      </p:sp>
-      <p:cxnSp>
-        <p:nvCxnSpPr>
-          <p:cNvPr id="16" name="Straight Arrow Connector 15">
-            <a:extLst>
-              <a:ext uri="{FF2B5EF4-FFF2-40B4-BE49-F238E27FC236}">
-                <a16:creationId xmlns:a16="http://schemas.microsoft.com/office/drawing/2014/main" id="{E5833F5C-058C-4040-A56D-C1B8933ACCF0}"/>
-              </a:ext>
-            </a:extLst>
-          </p:cNvPr>
-          <p:cNvCxnSpPr>
-            <a:stCxn id="15" idx="6"/>
-          </p:cNvCxnSpPr>
-          <p:nvPr/>
-        </p:nvCxnSpPr>
-        <p:spPr>
-          <a:xfrm flipV="1">
-            <a:off x="2682976" y="2346222"/>
-            <a:ext cx="420329" cy="2458"/>
-          </a:xfrm>
-          <a:prstGeom prst="straightConnector1">
-            <a:avLst/>
-          </a:prstGeom>
-          <a:ln>
-            <a:solidFill>
-              <a:schemeClr val="tx1"/>
-            </a:solidFill>
-            <a:tailEnd type="triangle"/>
-          </a:ln>
-        </p:spPr>
-        <p:style>
-          <a:lnRef idx="1">
-            <a:schemeClr val="accent1"/>
-          </a:lnRef>
-          <a:fillRef idx="0">
-            <a:schemeClr val="accent1"/>
-          </a:fillRef>
-          <a:effectRef idx="0">
-            <a:schemeClr val="accent1"/>
-          </a:effectRef>
-          <a:fontRef idx="minor">
-            <a:schemeClr val="tx1"/>
-          </a:fontRef>
-        </p:style>
-      </p:cxnSp>
-      <p:sp>
-        <p:nvSpPr>
-          <p:cNvPr id="17" name="Oval 16">
-            <a:extLst>
-              <a:ext uri="{FF2B5EF4-FFF2-40B4-BE49-F238E27FC236}">
-                <a16:creationId xmlns:a16="http://schemas.microsoft.com/office/drawing/2014/main" id="{3BC2282C-10BB-4EFC-9A3C-EFFD438A88AC}"/>
-              </a:ext>
-            </a:extLst>
-          </p:cNvPr>
-          <p:cNvSpPr/>
-          <p:nvPr/>
-        </p:nvSpPr>
-        <p:spPr>
-          <a:xfrm>
-            <a:off x="2342535" y="2684207"/>
-            <a:ext cx="334296" cy="339214"/>
-          </a:xfrm>
-          <a:prstGeom prst="ellipse">
-            <a:avLst/>
-          </a:prstGeom>
-          <a:noFill/>
-          <a:ln>
-            <a:solidFill>
-              <a:schemeClr val="tx1"/>
-            </a:solidFill>
-          </a:ln>
-        </p:spPr>
-        <p:style>
-          <a:lnRef idx="2">
-            <a:schemeClr val="accent1">
-              <a:shade val="50000"/>
-            </a:schemeClr>
-          </a:lnRef>
-          <a:fillRef idx="1">
-            <a:schemeClr val="accent1"/>
-          </a:fillRef>
-          <a:effectRef idx="0">
-            <a:schemeClr val="accent1"/>
-          </a:effectRef>
-          <a:fontRef idx="minor">
-            <a:schemeClr val="lt1"/>
-          </a:fontRef>
-        </p:style>
-        <p:txBody>
-          <a:bodyPr rtlCol="0" anchor="ctr"/>
-          <a:lstStyle/>
-          <a:p>
-            <a:pPr algn="ctr"/>
-            <a:r>
-              <a:rPr lang="en-US" dirty="0">
-                <a:solidFill>
-                  <a:schemeClr val="tx1"/>
-                </a:solidFill>
-              </a:rPr>
-              <a:t>e</a:t>
-            </a:r>
-          </a:p>
-        </p:txBody>
-      </p:sp>
-      <p:cxnSp>
-        <p:nvCxnSpPr>
-          <p:cNvPr id="18" name="Straight Arrow Connector 17">
-            <a:extLst>
-              <a:ext uri="{FF2B5EF4-FFF2-40B4-BE49-F238E27FC236}">
-                <a16:creationId xmlns:a16="http://schemas.microsoft.com/office/drawing/2014/main" id="{2ED63802-6997-4A5B-8CFB-DA035F70BC50}"/>
-              </a:ext>
-            </a:extLst>
-          </p:cNvPr>
-          <p:cNvCxnSpPr>
-            <a:stCxn id="17" idx="6"/>
-          </p:cNvCxnSpPr>
-          <p:nvPr/>
-        </p:nvCxnSpPr>
-        <p:spPr>
-          <a:xfrm flipV="1">
-            <a:off x="2676831" y="2851356"/>
-            <a:ext cx="420329" cy="2458"/>
-          </a:xfrm>
-          <a:prstGeom prst="straightConnector1">
-            <a:avLst/>
-          </a:prstGeom>
-          <a:ln>
-            <a:solidFill>
-              <a:schemeClr val="tx1"/>
-            </a:solidFill>
-            <a:tailEnd type="triangle"/>
-          </a:ln>
-        </p:spPr>
-        <p:style>
-          <a:lnRef idx="1">
-            <a:schemeClr val="accent1"/>
-          </a:lnRef>
-          <a:fillRef idx="0">
-            <a:schemeClr val="accent1"/>
-          </a:fillRef>
-          <a:effectRef idx="0">
-            <a:schemeClr val="accent1"/>
-          </a:effectRef>
-          <a:fontRef idx="minor">
-            <a:schemeClr val="tx1"/>
-          </a:fontRef>
-        </p:style>
-      </p:cxnSp>
       <p:grpSp>
         <p:nvGrpSpPr>
           <p:cNvPr id="66" name="Group 65">
@@ -16708,7 +16018,7 @@
         </p:nvGrpSpPr>
         <p:grpSpPr>
           <a:xfrm>
-            <a:off x="6979265" y="3205018"/>
+            <a:off x="9509024" y="1119637"/>
             <a:ext cx="1675208" cy="2391333"/>
             <a:chOff x="6979265" y="2431280"/>
             <a:chExt cx="1989840" cy="3165071"/>
@@ -17238,6 +16548,1215 @@
             </a:p>
           </p:txBody>
         </p:sp>
+      </p:grpSp>
+      <p:grpSp>
+        <p:nvGrpSpPr>
+          <p:cNvPr id="80" name="Group 79">
+            <a:extLst>
+              <a:ext uri="{FF2B5EF4-FFF2-40B4-BE49-F238E27FC236}">
+                <a16:creationId xmlns:a16="http://schemas.microsoft.com/office/drawing/2014/main" id="{36C7E199-EA1E-4A30-8E42-473E3D95D419}"/>
+              </a:ext>
+            </a:extLst>
+          </p:cNvPr>
+          <p:cNvGrpSpPr/>
+          <p:nvPr/>
+        </p:nvGrpSpPr>
+        <p:grpSpPr>
+          <a:xfrm>
+            <a:off x="2342535" y="1894625"/>
+            <a:ext cx="4036116" cy="2478307"/>
+            <a:chOff x="2342535" y="1894625"/>
+            <a:chExt cx="4036116" cy="2478307"/>
+          </a:xfrm>
+        </p:grpSpPr>
+        <p:sp>
+          <p:nvSpPr>
+            <p:cNvPr id="2" name="Oval 1">
+              <a:extLst>
+                <a:ext uri="{FF2B5EF4-FFF2-40B4-BE49-F238E27FC236}">
+                  <a16:creationId xmlns:a16="http://schemas.microsoft.com/office/drawing/2014/main" id="{D532D4CF-C881-464F-B622-4432BDC23D93}"/>
+                </a:ext>
+              </a:extLst>
+            </p:cNvPr>
+            <p:cNvSpPr/>
+            <p:nvPr/>
+          </p:nvSpPr>
+          <p:spPr>
+            <a:xfrm>
+              <a:off x="5437735" y="1894625"/>
+              <a:ext cx="940916" cy="824340"/>
+            </a:xfrm>
+            <a:prstGeom prst="ellipse">
+              <a:avLst/>
+            </a:prstGeom>
+            <a:noFill/>
+            <a:ln>
+              <a:solidFill>
+                <a:schemeClr val="tx1"/>
+              </a:solidFill>
+            </a:ln>
+          </p:spPr>
+          <p:style>
+            <a:lnRef idx="2">
+              <a:schemeClr val="accent1">
+                <a:shade val="50000"/>
+              </a:schemeClr>
+            </a:lnRef>
+            <a:fillRef idx="1">
+              <a:schemeClr val="accent1"/>
+            </a:fillRef>
+            <a:effectRef idx="0">
+              <a:schemeClr val="accent1"/>
+            </a:effectRef>
+            <a:fontRef idx="minor">
+              <a:schemeClr val="lt1"/>
+            </a:fontRef>
+          </p:style>
+          <p:txBody>
+            <a:bodyPr rtlCol="0" anchor="ctr"/>
+            <a:lstStyle/>
+            <a:p>
+              <a:pPr algn="ctr"/>
+              <a:r>
+                <a:rPr lang="en-US" dirty="0">
+                  <a:solidFill>
+                    <a:schemeClr val="tx1"/>
+                  </a:solidFill>
+                </a:rPr>
+                <a:t>LV</a:t>
+              </a:r>
+            </a:p>
+          </p:txBody>
+        </p:sp>
+        <p:sp>
+          <p:nvSpPr>
+            <p:cNvPr id="3" name="Rectangle 2">
+              <a:extLst>
+                <a:ext uri="{FF2B5EF4-FFF2-40B4-BE49-F238E27FC236}">
+                  <a16:creationId xmlns:a16="http://schemas.microsoft.com/office/drawing/2014/main" id="{D1BDD45C-E772-4230-819C-930C36E781D8}"/>
+                </a:ext>
+              </a:extLst>
+            </p:cNvPr>
+            <p:cNvSpPr/>
+            <p:nvPr/>
+          </p:nvSpPr>
+          <p:spPr>
+            <a:xfrm>
+              <a:off x="3111907" y="2703958"/>
+              <a:ext cx="639097" cy="334297"/>
+            </a:xfrm>
+            <a:prstGeom prst="rect">
+              <a:avLst/>
+            </a:prstGeom>
+            <a:noFill/>
+            <a:ln>
+              <a:solidFill>
+                <a:schemeClr val="tx1"/>
+              </a:solidFill>
+            </a:ln>
+          </p:spPr>
+          <p:style>
+            <a:lnRef idx="2">
+              <a:schemeClr val="accent1">
+                <a:shade val="50000"/>
+              </a:schemeClr>
+            </a:lnRef>
+            <a:fillRef idx="1">
+              <a:schemeClr val="accent1"/>
+            </a:fillRef>
+            <a:effectRef idx="0">
+              <a:schemeClr val="accent1"/>
+            </a:effectRef>
+            <a:fontRef idx="minor">
+              <a:schemeClr val="lt1"/>
+            </a:fontRef>
+          </p:style>
+          <p:txBody>
+            <a:bodyPr rtlCol="0" anchor="ctr"/>
+            <a:lstStyle/>
+            <a:p>
+              <a:pPr algn="ctr"/>
+              <a:r>
+                <a:rPr lang="en-US" sz="1400" dirty="0">
+                  <a:solidFill>
+                    <a:schemeClr val="tx1"/>
+                  </a:solidFill>
+                </a:rPr>
+                <a:t>X2</a:t>
+              </a:r>
+            </a:p>
+          </p:txBody>
+        </p:sp>
+        <p:sp>
+          <p:nvSpPr>
+            <p:cNvPr id="4" name="Rectangle 3">
+              <a:extLst>
+                <a:ext uri="{FF2B5EF4-FFF2-40B4-BE49-F238E27FC236}">
+                  <a16:creationId xmlns:a16="http://schemas.microsoft.com/office/drawing/2014/main" id="{41968B5C-389D-49C3-AFA4-3E404360D65C}"/>
+                </a:ext>
+              </a:extLst>
+            </p:cNvPr>
+            <p:cNvSpPr/>
+            <p:nvPr/>
+          </p:nvSpPr>
+          <p:spPr>
+            <a:xfrm>
+              <a:off x="3097161" y="3340403"/>
+              <a:ext cx="639096" cy="342900"/>
+            </a:xfrm>
+            <a:prstGeom prst="rect">
+              <a:avLst/>
+            </a:prstGeom>
+            <a:noFill/>
+            <a:ln>
+              <a:solidFill>
+                <a:schemeClr val="tx1"/>
+              </a:solidFill>
+            </a:ln>
+          </p:spPr>
+          <p:style>
+            <a:lnRef idx="2">
+              <a:schemeClr val="accent1">
+                <a:shade val="50000"/>
+              </a:schemeClr>
+            </a:lnRef>
+            <a:fillRef idx="1">
+              <a:schemeClr val="accent1"/>
+            </a:fillRef>
+            <a:effectRef idx="0">
+              <a:schemeClr val="accent1"/>
+            </a:effectRef>
+            <a:fontRef idx="minor">
+              <a:schemeClr val="lt1"/>
+            </a:fontRef>
+          </p:style>
+          <p:txBody>
+            <a:bodyPr rtlCol="0" anchor="ctr"/>
+            <a:lstStyle/>
+            <a:p>
+              <a:pPr algn="ctr"/>
+              <a:r>
+                <a:rPr lang="en-US" sz="1400" dirty="0">
+                  <a:solidFill>
+                    <a:schemeClr val="tx1"/>
+                  </a:solidFill>
+                </a:rPr>
+                <a:t>X3</a:t>
+              </a:r>
+            </a:p>
+          </p:txBody>
+        </p:sp>
+        <p:sp>
+          <p:nvSpPr>
+            <p:cNvPr id="7" name="Rectangle 6">
+              <a:extLst>
+                <a:ext uri="{FF2B5EF4-FFF2-40B4-BE49-F238E27FC236}">
+                  <a16:creationId xmlns:a16="http://schemas.microsoft.com/office/drawing/2014/main" id="{44F9F8BE-F058-46E9-BA1C-74BE58765D87}"/>
+                </a:ext>
+              </a:extLst>
+            </p:cNvPr>
+            <p:cNvSpPr/>
+            <p:nvPr/>
+          </p:nvSpPr>
+          <p:spPr>
+            <a:xfrm>
+              <a:off x="3097160" y="2148156"/>
+              <a:ext cx="639097" cy="334297"/>
+            </a:xfrm>
+            <a:prstGeom prst="rect">
+              <a:avLst/>
+            </a:prstGeom>
+            <a:noFill/>
+            <a:ln>
+              <a:solidFill>
+                <a:schemeClr val="tx1"/>
+              </a:solidFill>
+            </a:ln>
+          </p:spPr>
+          <p:style>
+            <a:lnRef idx="2">
+              <a:schemeClr val="accent1">
+                <a:shade val="50000"/>
+              </a:schemeClr>
+            </a:lnRef>
+            <a:fillRef idx="1">
+              <a:schemeClr val="accent1"/>
+            </a:fillRef>
+            <a:effectRef idx="0">
+              <a:schemeClr val="accent1"/>
+            </a:effectRef>
+            <a:fontRef idx="minor">
+              <a:schemeClr val="lt1"/>
+            </a:fontRef>
+          </p:style>
+          <p:txBody>
+            <a:bodyPr rtlCol="0" anchor="ctr"/>
+            <a:lstStyle/>
+            <a:p>
+              <a:pPr algn="ctr"/>
+              <a:r>
+                <a:rPr lang="en-US" sz="1400" dirty="0">
+                  <a:solidFill>
+                    <a:schemeClr val="tx1"/>
+                  </a:solidFill>
+                </a:rPr>
+                <a:t>X1</a:t>
+              </a:r>
+              <a:endParaRPr lang="en-US" dirty="0">
+                <a:solidFill>
+                  <a:schemeClr val="tx1"/>
+                </a:solidFill>
+              </a:endParaRPr>
+            </a:p>
+          </p:txBody>
+        </p:sp>
+        <p:cxnSp>
+          <p:nvCxnSpPr>
+            <p:cNvPr id="8" name="Straight Arrow Connector 7">
+              <a:extLst>
+                <a:ext uri="{FF2B5EF4-FFF2-40B4-BE49-F238E27FC236}">
+                  <a16:creationId xmlns:a16="http://schemas.microsoft.com/office/drawing/2014/main" id="{450460F9-BF95-4ECE-B957-A12F7C9BB3D6}"/>
+                </a:ext>
+              </a:extLst>
+            </p:cNvPr>
+            <p:cNvCxnSpPr>
+              <a:cxnSpLocks/>
+              <a:stCxn id="2" idx="2"/>
+              <a:endCxn id="7" idx="3"/>
+            </p:cNvCxnSpPr>
+            <p:nvPr/>
+          </p:nvCxnSpPr>
+          <p:spPr>
+            <a:xfrm flipH="1">
+              <a:off x="3736257" y="2306795"/>
+              <a:ext cx="1701478" cy="8510"/>
+            </a:xfrm>
+            <a:prstGeom prst="straightConnector1">
+              <a:avLst/>
+            </a:prstGeom>
+            <a:ln>
+              <a:solidFill>
+                <a:schemeClr val="tx1"/>
+              </a:solidFill>
+              <a:tailEnd type="triangle"/>
+            </a:ln>
+          </p:spPr>
+          <p:style>
+            <a:lnRef idx="1">
+              <a:schemeClr val="accent1"/>
+            </a:lnRef>
+            <a:fillRef idx="0">
+              <a:schemeClr val="accent1"/>
+            </a:fillRef>
+            <a:effectRef idx="0">
+              <a:schemeClr val="accent1"/>
+            </a:effectRef>
+            <a:fontRef idx="minor">
+              <a:schemeClr val="tx1"/>
+            </a:fontRef>
+          </p:style>
+        </p:cxnSp>
+        <p:cxnSp>
+          <p:nvCxnSpPr>
+            <p:cNvPr id="9" name="Straight Arrow Connector 8">
+              <a:extLst>
+                <a:ext uri="{FF2B5EF4-FFF2-40B4-BE49-F238E27FC236}">
+                  <a16:creationId xmlns:a16="http://schemas.microsoft.com/office/drawing/2014/main" id="{9DF3E901-7AA8-47DC-BFBE-E2105D10909B}"/>
+                </a:ext>
+              </a:extLst>
+            </p:cNvPr>
+            <p:cNvCxnSpPr>
+              <a:cxnSpLocks/>
+              <a:stCxn id="2" idx="2"/>
+              <a:endCxn id="3" idx="3"/>
+            </p:cNvCxnSpPr>
+            <p:nvPr/>
+          </p:nvCxnSpPr>
+          <p:spPr>
+            <a:xfrm flipH="1">
+              <a:off x="3751004" y="2306795"/>
+              <a:ext cx="1686731" cy="564312"/>
+            </a:xfrm>
+            <a:prstGeom prst="straightConnector1">
+              <a:avLst/>
+            </a:prstGeom>
+            <a:ln>
+              <a:solidFill>
+                <a:schemeClr val="tx1"/>
+              </a:solidFill>
+              <a:tailEnd type="triangle"/>
+            </a:ln>
+          </p:spPr>
+          <p:style>
+            <a:lnRef idx="1">
+              <a:schemeClr val="accent1"/>
+            </a:lnRef>
+            <a:fillRef idx="0">
+              <a:schemeClr val="accent1"/>
+            </a:fillRef>
+            <a:effectRef idx="0">
+              <a:schemeClr val="accent1"/>
+            </a:effectRef>
+            <a:fontRef idx="minor">
+              <a:schemeClr val="tx1"/>
+            </a:fontRef>
+          </p:style>
+        </p:cxnSp>
+        <p:cxnSp>
+          <p:nvCxnSpPr>
+            <p:cNvPr id="10" name="Straight Arrow Connector 9">
+              <a:extLst>
+                <a:ext uri="{FF2B5EF4-FFF2-40B4-BE49-F238E27FC236}">
+                  <a16:creationId xmlns:a16="http://schemas.microsoft.com/office/drawing/2014/main" id="{EC03A3F4-774C-4C77-9EC1-2E3EDD28BC1C}"/>
+                </a:ext>
+              </a:extLst>
+            </p:cNvPr>
+            <p:cNvCxnSpPr>
+              <a:cxnSpLocks/>
+              <a:stCxn id="2" idx="2"/>
+              <a:endCxn id="4" idx="3"/>
+            </p:cNvCxnSpPr>
+            <p:nvPr/>
+          </p:nvCxnSpPr>
+          <p:spPr>
+            <a:xfrm flipH="1">
+              <a:off x="3736257" y="2306795"/>
+              <a:ext cx="1701478" cy="1205058"/>
+            </a:xfrm>
+            <a:prstGeom prst="straightConnector1">
+              <a:avLst/>
+            </a:prstGeom>
+            <a:ln>
+              <a:solidFill>
+                <a:schemeClr val="tx1"/>
+              </a:solidFill>
+              <a:tailEnd type="triangle"/>
+            </a:ln>
+          </p:spPr>
+          <p:style>
+            <a:lnRef idx="1">
+              <a:schemeClr val="accent1"/>
+            </a:lnRef>
+            <a:fillRef idx="0">
+              <a:schemeClr val="accent1"/>
+            </a:fillRef>
+            <a:effectRef idx="0">
+              <a:schemeClr val="accent1"/>
+            </a:effectRef>
+            <a:fontRef idx="minor">
+              <a:schemeClr val="tx1"/>
+            </a:fontRef>
+          </p:style>
+        </p:cxnSp>
+        <p:sp>
+          <p:nvSpPr>
+            <p:cNvPr id="13" name="Oval 12">
+              <a:extLst>
+                <a:ext uri="{FF2B5EF4-FFF2-40B4-BE49-F238E27FC236}">
+                  <a16:creationId xmlns:a16="http://schemas.microsoft.com/office/drawing/2014/main" id="{CFDC8044-7E88-4B1A-8C3A-34855CBDEEF9}"/>
+                </a:ext>
+              </a:extLst>
+            </p:cNvPr>
+            <p:cNvSpPr/>
+            <p:nvPr/>
+          </p:nvSpPr>
+          <p:spPr>
+            <a:xfrm>
+              <a:off x="2347933" y="3344089"/>
+              <a:ext cx="334296" cy="339214"/>
+            </a:xfrm>
+            <a:prstGeom prst="ellipse">
+              <a:avLst/>
+            </a:prstGeom>
+            <a:noFill/>
+            <a:ln>
+              <a:solidFill>
+                <a:schemeClr val="tx1"/>
+              </a:solidFill>
+            </a:ln>
+          </p:spPr>
+          <p:style>
+            <a:lnRef idx="2">
+              <a:schemeClr val="accent1">
+                <a:shade val="50000"/>
+              </a:schemeClr>
+            </a:lnRef>
+            <a:fillRef idx="1">
+              <a:schemeClr val="accent1"/>
+            </a:fillRef>
+            <a:effectRef idx="0">
+              <a:schemeClr val="accent1"/>
+            </a:effectRef>
+            <a:fontRef idx="minor">
+              <a:schemeClr val="lt1"/>
+            </a:fontRef>
+          </p:style>
+          <p:txBody>
+            <a:bodyPr rtlCol="0" anchor="ctr"/>
+            <a:lstStyle/>
+            <a:p>
+              <a:pPr algn="ctr"/>
+              <a:r>
+                <a:rPr lang="en-US" dirty="0">
+                  <a:solidFill>
+                    <a:schemeClr val="tx1"/>
+                  </a:solidFill>
+                </a:rPr>
+                <a:t>e</a:t>
+              </a:r>
+            </a:p>
+          </p:txBody>
+        </p:sp>
+        <p:cxnSp>
+          <p:nvCxnSpPr>
+            <p:cNvPr id="14" name="Straight Arrow Connector 13">
+              <a:extLst>
+                <a:ext uri="{FF2B5EF4-FFF2-40B4-BE49-F238E27FC236}">
+                  <a16:creationId xmlns:a16="http://schemas.microsoft.com/office/drawing/2014/main" id="{9F230878-105F-44CC-A9AF-A7DED9E3C6A2}"/>
+                </a:ext>
+              </a:extLst>
+            </p:cNvPr>
+            <p:cNvCxnSpPr>
+              <a:cxnSpLocks/>
+              <a:stCxn id="13" idx="6"/>
+              <a:endCxn id="4" idx="1"/>
+            </p:cNvCxnSpPr>
+            <p:nvPr/>
+          </p:nvCxnSpPr>
+          <p:spPr>
+            <a:xfrm flipV="1">
+              <a:off x="2682229" y="3511853"/>
+              <a:ext cx="414932" cy="1843"/>
+            </a:xfrm>
+            <a:prstGeom prst="straightConnector1">
+              <a:avLst/>
+            </a:prstGeom>
+            <a:ln>
+              <a:solidFill>
+                <a:schemeClr val="tx1"/>
+              </a:solidFill>
+              <a:tailEnd type="triangle"/>
+            </a:ln>
+          </p:spPr>
+          <p:style>
+            <a:lnRef idx="1">
+              <a:schemeClr val="accent1"/>
+            </a:lnRef>
+            <a:fillRef idx="0">
+              <a:schemeClr val="accent1"/>
+            </a:fillRef>
+            <a:effectRef idx="0">
+              <a:schemeClr val="accent1"/>
+            </a:effectRef>
+            <a:fontRef idx="minor">
+              <a:schemeClr val="tx1"/>
+            </a:fontRef>
+          </p:style>
+        </p:cxnSp>
+        <p:sp>
+          <p:nvSpPr>
+            <p:cNvPr id="15" name="Oval 14">
+              <a:extLst>
+                <a:ext uri="{FF2B5EF4-FFF2-40B4-BE49-F238E27FC236}">
+                  <a16:creationId xmlns:a16="http://schemas.microsoft.com/office/drawing/2014/main" id="{7DE46D53-DB43-40CC-A312-9746D684E778}"/>
+                </a:ext>
+              </a:extLst>
+            </p:cNvPr>
+            <p:cNvSpPr/>
+            <p:nvPr/>
+          </p:nvSpPr>
+          <p:spPr>
+            <a:xfrm>
+              <a:off x="2348680" y="2179073"/>
+              <a:ext cx="334296" cy="339214"/>
+            </a:xfrm>
+            <a:prstGeom prst="ellipse">
+              <a:avLst/>
+            </a:prstGeom>
+            <a:noFill/>
+            <a:ln>
+              <a:solidFill>
+                <a:schemeClr val="tx1"/>
+              </a:solidFill>
+            </a:ln>
+          </p:spPr>
+          <p:style>
+            <a:lnRef idx="2">
+              <a:schemeClr val="accent1">
+                <a:shade val="50000"/>
+              </a:schemeClr>
+            </a:lnRef>
+            <a:fillRef idx="1">
+              <a:schemeClr val="accent1"/>
+            </a:fillRef>
+            <a:effectRef idx="0">
+              <a:schemeClr val="accent1"/>
+            </a:effectRef>
+            <a:fontRef idx="minor">
+              <a:schemeClr val="lt1"/>
+            </a:fontRef>
+          </p:style>
+          <p:txBody>
+            <a:bodyPr rtlCol="0" anchor="ctr"/>
+            <a:lstStyle/>
+            <a:p>
+              <a:pPr algn="ctr"/>
+              <a:r>
+                <a:rPr lang="en-US" dirty="0">
+                  <a:solidFill>
+                    <a:schemeClr val="tx1"/>
+                  </a:solidFill>
+                </a:rPr>
+                <a:t>e</a:t>
+              </a:r>
+            </a:p>
+          </p:txBody>
+        </p:sp>
+        <p:cxnSp>
+          <p:nvCxnSpPr>
+            <p:cNvPr id="16" name="Straight Arrow Connector 15">
+              <a:extLst>
+                <a:ext uri="{FF2B5EF4-FFF2-40B4-BE49-F238E27FC236}">
+                  <a16:creationId xmlns:a16="http://schemas.microsoft.com/office/drawing/2014/main" id="{E5833F5C-058C-4040-A56D-C1B8933ACCF0}"/>
+                </a:ext>
+              </a:extLst>
+            </p:cNvPr>
+            <p:cNvCxnSpPr>
+              <a:stCxn id="15" idx="6"/>
+            </p:cNvCxnSpPr>
+            <p:nvPr/>
+          </p:nvCxnSpPr>
+          <p:spPr>
+            <a:xfrm flipV="1">
+              <a:off x="2682976" y="2346222"/>
+              <a:ext cx="420329" cy="2458"/>
+            </a:xfrm>
+            <a:prstGeom prst="straightConnector1">
+              <a:avLst/>
+            </a:prstGeom>
+            <a:ln>
+              <a:solidFill>
+                <a:schemeClr val="tx1"/>
+              </a:solidFill>
+              <a:tailEnd type="triangle"/>
+            </a:ln>
+          </p:spPr>
+          <p:style>
+            <a:lnRef idx="1">
+              <a:schemeClr val="accent1"/>
+            </a:lnRef>
+            <a:fillRef idx="0">
+              <a:schemeClr val="accent1"/>
+            </a:fillRef>
+            <a:effectRef idx="0">
+              <a:schemeClr val="accent1"/>
+            </a:effectRef>
+            <a:fontRef idx="minor">
+              <a:schemeClr val="tx1"/>
+            </a:fontRef>
+          </p:style>
+        </p:cxnSp>
+        <p:sp>
+          <p:nvSpPr>
+            <p:cNvPr id="17" name="Oval 16">
+              <a:extLst>
+                <a:ext uri="{FF2B5EF4-FFF2-40B4-BE49-F238E27FC236}">
+                  <a16:creationId xmlns:a16="http://schemas.microsoft.com/office/drawing/2014/main" id="{3BC2282C-10BB-4EFC-9A3C-EFFD438A88AC}"/>
+                </a:ext>
+              </a:extLst>
+            </p:cNvPr>
+            <p:cNvSpPr/>
+            <p:nvPr/>
+          </p:nvSpPr>
+          <p:spPr>
+            <a:xfrm>
+              <a:off x="2342535" y="2684207"/>
+              <a:ext cx="334296" cy="339214"/>
+            </a:xfrm>
+            <a:prstGeom prst="ellipse">
+              <a:avLst/>
+            </a:prstGeom>
+            <a:noFill/>
+            <a:ln>
+              <a:solidFill>
+                <a:schemeClr val="tx1"/>
+              </a:solidFill>
+            </a:ln>
+          </p:spPr>
+          <p:style>
+            <a:lnRef idx="2">
+              <a:schemeClr val="accent1">
+                <a:shade val="50000"/>
+              </a:schemeClr>
+            </a:lnRef>
+            <a:fillRef idx="1">
+              <a:schemeClr val="accent1"/>
+            </a:fillRef>
+            <a:effectRef idx="0">
+              <a:schemeClr val="accent1"/>
+            </a:effectRef>
+            <a:fontRef idx="minor">
+              <a:schemeClr val="lt1"/>
+            </a:fontRef>
+          </p:style>
+          <p:txBody>
+            <a:bodyPr rtlCol="0" anchor="ctr"/>
+            <a:lstStyle/>
+            <a:p>
+              <a:pPr algn="ctr"/>
+              <a:r>
+                <a:rPr lang="en-US" dirty="0">
+                  <a:solidFill>
+                    <a:schemeClr val="tx1"/>
+                  </a:solidFill>
+                </a:rPr>
+                <a:t>e</a:t>
+              </a:r>
+            </a:p>
+          </p:txBody>
+        </p:sp>
+        <p:cxnSp>
+          <p:nvCxnSpPr>
+            <p:cNvPr id="18" name="Straight Arrow Connector 17">
+              <a:extLst>
+                <a:ext uri="{FF2B5EF4-FFF2-40B4-BE49-F238E27FC236}">
+                  <a16:creationId xmlns:a16="http://schemas.microsoft.com/office/drawing/2014/main" id="{2ED63802-6997-4A5B-8CFB-DA035F70BC50}"/>
+                </a:ext>
+              </a:extLst>
+            </p:cNvPr>
+            <p:cNvCxnSpPr>
+              <a:stCxn id="17" idx="6"/>
+            </p:cNvCxnSpPr>
+            <p:nvPr/>
+          </p:nvCxnSpPr>
+          <p:spPr>
+            <a:xfrm flipV="1">
+              <a:off x="2676831" y="2851356"/>
+              <a:ext cx="420329" cy="2458"/>
+            </a:xfrm>
+            <a:prstGeom prst="straightConnector1">
+              <a:avLst/>
+            </a:prstGeom>
+            <a:ln>
+              <a:solidFill>
+                <a:schemeClr val="tx1"/>
+              </a:solidFill>
+              <a:tailEnd type="triangle"/>
+            </a:ln>
+          </p:spPr>
+          <p:style>
+            <a:lnRef idx="1">
+              <a:schemeClr val="accent1"/>
+            </a:lnRef>
+            <a:fillRef idx="0">
+              <a:schemeClr val="accent1"/>
+            </a:fillRef>
+            <a:effectRef idx="0">
+              <a:schemeClr val="accent1"/>
+            </a:effectRef>
+            <a:fontRef idx="minor">
+              <a:schemeClr val="tx1"/>
+            </a:fontRef>
+          </p:style>
+        </p:cxnSp>
+        <p:sp>
+          <p:nvSpPr>
+            <p:cNvPr id="35" name="Rectangle 34">
+              <a:extLst>
+                <a:ext uri="{FF2B5EF4-FFF2-40B4-BE49-F238E27FC236}">
+                  <a16:creationId xmlns:a16="http://schemas.microsoft.com/office/drawing/2014/main" id="{7EDFF647-C3F5-4E64-B641-6A312BD96664}"/>
+                </a:ext>
+              </a:extLst>
+            </p:cNvPr>
+            <p:cNvSpPr/>
+            <p:nvPr/>
+          </p:nvSpPr>
+          <p:spPr>
+            <a:xfrm>
+              <a:off x="3092690" y="3945416"/>
+              <a:ext cx="639096" cy="342900"/>
+            </a:xfrm>
+            <a:prstGeom prst="rect">
+              <a:avLst/>
+            </a:prstGeom>
+            <a:noFill/>
+            <a:ln>
+              <a:solidFill>
+                <a:schemeClr val="tx1"/>
+              </a:solidFill>
+            </a:ln>
+          </p:spPr>
+          <p:style>
+            <a:lnRef idx="2">
+              <a:schemeClr val="accent1">
+                <a:shade val="50000"/>
+              </a:schemeClr>
+            </a:lnRef>
+            <a:fillRef idx="1">
+              <a:schemeClr val="accent1"/>
+            </a:fillRef>
+            <a:effectRef idx="0">
+              <a:schemeClr val="accent1"/>
+            </a:effectRef>
+            <a:fontRef idx="minor">
+              <a:schemeClr val="lt1"/>
+            </a:fontRef>
+          </p:style>
+          <p:txBody>
+            <a:bodyPr rtlCol="0" anchor="ctr"/>
+            <a:lstStyle/>
+            <a:p>
+              <a:pPr algn="ctr"/>
+              <a:r>
+                <a:rPr lang="en-US" sz="1400" dirty="0">
+                  <a:solidFill>
+                    <a:schemeClr val="tx1"/>
+                  </a:solidFill>
+                </a:rPr>
+                <a:t>X3</a:t>
+              </a:r>
+            </a:p>
+          </p:txBody>
+        </p:sp>
+        <p:cxnSp>
+          <p:nvCxnSpPr>
+            <p:cNvPr id="39" name="Straight Arrow Connector 38">
+              <a:extLst>
+                <a:ext uri="{FF2B5EF4-FFF2-40B4-BE49-F238E27FC236}">
+                  <a16:creationId xmlns:a16="http://schemas.microsoft.com/office/drawing/2014/main" id="{1C61CECA-5D94-443B-922D-D2AA40F949BD}"/>
+                </a:ext>
+              </a:extLst>
+            </p:cNvPr>
+            <p:cNvCxnSpPr>
+              <a:cxnSpLocks/>
+              <a:stCxn id="2" idx="2"/>
+              <a:endCxn id="35" idx="3"/>
+            </p:cNvCxnSpPr>
+            <p:nvPr/>
+          </p:nvCxnSpPr>
+          <p:spPr>
+            <a:xfrm flipH="1">
+              <a:off x="3731786" y="2306795"/>
+              <a:ext cx="1705949" cy="1810071"/>
+            </a:xfrm>
+            <a:prstGeom prst="straightConnector1">
+              <a:avLst/>
+            </a:prstGeom>
+            <a:ln>
+              <a:solidFill>
+                <a:schemeClr val="tx1"/>
+              </a:solidFill>
+              <a:tailEnd type="triangle"/>
+            </a:ln>
+          </p:spPr>
+          <p:style>
+            <a:lnRef idx="1">
+              <a:schemeClr val="accent1"/>
+            </a:lnRef>
+            <a:fillRef idx="0">
+              <a:schemeClr val="accent1"/>
+            </a:fillRef>
+            <a:effectRef idx="0">
+              <a:schemeClr val="accent1"/>
+            </a:effectRef>
+            <a:fontRef idx="minor">
+              <a:schemeClr val="tx1"/>
+            </a:fontRef>
+          </p:style>
+        </p:cxnSp>
+        <p:sp>
+          <p:nvSpPr>
+            <p:cNvPr id="46" name="Oval 45">
+              <a:extLst>
+                <a:ext uri="{FF2B5EF4-FFF2-40B4-BE49-F238E27FC236}">
+                  <a16:creationId xmlns:a16="http://schemas.microsoft.com/office/drawing/2014/main" id="{27E1EF66-C056-49B9-A06A-6982DCD72E82}"/>
+                </a:ext>
+              </a:extLst>
+            </p:cNvPr>
+            <p:cNvSpPr/>
+            <p:nvPr/>
+          </p:nvSpPr>
+          <p:spPr>
+            <a:xfrm>
+              <a:off x="2350632" y="3949102"/>
+              <a:ext cx="334296" cy="339214"/>
+            </a:xfrm>
+            <a:prstGeom prst="ellipse">
+              <a:avLst/>
+            </a:prstGeom>
+            <a:noFill/>
+            <a:ln>
+              <a:solidFill>
+                <a:schemeClr val="tx1"/>
+              </a:solidFill>
+            </a:ln>
+          </p:spPr>
+          <p:style>
+            <a:lnRef idx="2">
+              <a:schemeClr val="accent1">
+                <a:shade val="50000"/>
+              </a:schemeClr>
+            </a:lnRef>
+            <a:fillRef idx="1">
+              <a:schemeClr val="accent1"/>
+            </a:fillRef>
+            <a:effectRef idx="0">
+              <a:schemeClr val="accent1"/>
+            </a:effectRef>
+            <a:fontRef idx="minor">
+              <a:schemeClr val="lt1"/>
+            </a:fontRef>
+          </p:style>
+          <p:txBody>
+            <a:bodyPr rtlCol="0" anchor="ctr"/>
+            <a:lstStyle/>
+            <a:p>
+              <a:pPr algn="ctr"/>
+              <a:r>
+                <a:rPr lang="en-US" dirty="0">
+                  <a:solidFill>
+                    <a:schemeClr val="tx1"/>
+                  </a:solidFill>
+                </a:rPr>
+                <a:t>e</a:t>
+              </a:r>
+            </a:p>
+          </p:txBody>
+        </p:sp>
+        <p:cxnSp>
+          <p:nvCxnSpPr>
+            <p:cNvPr id="47" name="Straight Arrow Connector 46">
+              <a:extLst>
+                <a:ext uri="{FF2B5EF4-FFF2-40B4-BE49-F238E27FC236}">
+                  <a16:creationId xmlns:a16="http://schemas.microsoft.com/office/drawing/2014/main" id="{45092FBC-4773-4499-8E19-25B7A6FC6BF8}"/>
+                </a:ext>
+              </a:extLst>
+            </p:cNvPr>
+            <p:cNvCxnSpPr>
+              <a:cxnSpLocks/>
+              <a:stCxn id="46" idx="6"/>
+            </p:cNvCxnSpPr>
+            <p:nvPr/>
+          </p:nvCxnSpPr>
+          <p:spPr>
+            <a:xfrm flipV="1">
+              <a:off x="2684928" y="4116866"/>
+              <a:ext cx="414932" cy="1843"/>
+            </a:xfrm>
+            <a:prstGeom prst="straightConnector1">
+              <a:avLst/>
+            </a:prstGeom>
+            <a:ln>
+              <a:solidFill>
+                <a:schemeClr val="tx1"/>
+              </a:solidFill>
+              <a:tailEnd type="triangle"/>
+            </a:ln>
+          </p:spPr>
+          <p:style>
+            <a:lnRef idx="1">
+              <a:schemeClr val="accent1"/>
+            </a:lnRef>
+            <a:fillRef idx="0">
+              <a:schemeClr val="accent1"/>
+            </a:fillRef>
+            <a:effectRef idx="0">
+              <a:schemeClr val="accent1"/>
+            </a:effectRef>
+            <a:fontRef idx="minor">
+              <a:schemeClr val="tx1"/>
+            </a:fontRef>
+          </p:style>
+        </p:cxnSp>
+        <p:sp>
+          <p:nvSpPr>
+            <p:cNvPr id="34" name="Isosceles Triangle 33">
+              <a:extLst>
+                <a:ext uri="{FF2B5EF4-FFF2-40B4-BE49-F238E27FC236}">
+                  <a16:creationId xmlns:a16="http://schemas.microsoft.com/office/drawing/2014/main" id="{04F97DAC-D4C1-4138-86D9-2070786F9DB5}"/>
+                </a:ext>
+              </a:extLst>
+            </p:cNvPr>
+            <p:cNvSpPr/>
+            <p:nvPr/>
+          </p:nvSpPr>
+          <p:spPr>
+            <a:xfrm>
+              <a:off x="5623448" y="3966532"/>
+              <a:ext cx="544946" cy="406400"/>
+            </a:xfrm>
+            <a:prstGeom prst="triangle">
+              <a:avLst/>
+            </a:prstGeom>
+            <a:noFill/>
+            <a:ln>
+              <a:solidFill>
+                <a:schemeClr val="tx1"/>
+              </a:solidFill>
+            </a:ln>
+          </p:spPr>
+          <p:style>
+            <a:lnRef idx="2">
+              <a:schemeClr val="accent1">
+                <a:shade val="50000"/>
+              </a:schemeClr>
+            </a:lnRef>
+            <a:fillRef idx="1">
+              <a:schemeClr val="accent1"/>
+            </a:fillRef>
+            <a:effectRef idx="0">
+              <a:schemeClr val="accent1"/>
+            </a:effectRef>
+            <a:fontRef idx="minor">
+              <a:schemeClr val="lt1"/>
+            </a:fontRef>
+          </p:style>
+          <p:txBody>
+            <a:bodyPr rtlCol="0" anchor="ctr"/>
+            <a:lstStyle/>
+            <a:p>
+              <a:pPr algn="ctr"/>
+              <a:r>
+                <a:rPr lang="en-US" dirty="0">
+                  <a:solidFill>
+                    <a:schemeClr val="tx1"/>
+                  </a:solidFill>
+                </a:rPr>
+                <a:t>1</a:t>
+              </a:r>
+            </a:p>
+          </p:txBody>
+        </p:sp>
+        <p:cxnSp>
+          <p:nvCxnSpPr>
+            <p:cNvPr id="54" name="Straight Arrow Connector 53">
+              <a:extLst>
+                <a:ext uri="{FF2B5EF4-FFF2-40B4-BE49-F238E27FC236}">
+                  <a16:creationId xmlns:a16="http://schemas.microsoft.com/office/drawing/2014/main" id="{05AA39A4-C56D-4B61-B141-EFC21AD5033D}"/>
+                </a:ext>
+              </a:extLst>
+            </p:cNvPr>
+            <p:cNvCxnSpPr>
+              <a:cxnSpLocks/>
+              <a:stCxn id="34" idx="1"/>
+              <a:endCxn id="7" idx="3"/>
+            </p:cNvCxnSpPr>
+            <p:nvPr/>
+          </p:nvCxnSpPr>
+          <p:spPr>
+            <a:xfrm flipH="1" flipV="1">
+              <a:off x="3736257" y="2315305"/>
+              <a:ext cx="2023428" cy="1854427"/>
+            </a:xfrm>
+            <a:prstGeom prst="straightConnector1">
+              <a:avLst/>
+            </a:prstGeom>
+            <a:ln>
+              <a:solidFill>
+                <a:schemeClr val="tx1"/>
+              </a:solidFill>
+              <a:tailEnd type="triangle"/>
+            </a:ln>
+          </p:spPr>
+          <p:style>
+            <a:lnRef idx="1">
+              <a:schemeClr val="accent1"/>
+            </a:lnRef>
+            <a:fillRef idx="0">
+              <a:schemeClr val="accent1"/>
+            </a:fillRef>
+            <a:effectRef idx="0">
+              <a:schemeClr val="accent1"/>
+            </a:effectRef>
+            <a:fontRef idx="minor">
+              <a:schemeClr val="tx1"/>
+            </a:fontRef>
+          </p:style>
+        </p:cxnSp>
+        <p:cxnSp>
+          <p:nvCxnSpPr>
+            <p:cNvPr id="55" name="Straight Arrow Connector 54">
+              <a:extLst>
+                <a:ext uri="{FF2B5EF4-FFF2-40B4-BE49-F238E27FC236}">
+                  <a16:creationId xmlns:a16="http://schemas.microsoft.com/office/drawing/2014/main" id="{27CE2E8E-A16C-4AFC-BCDA-0738334CECD8}"/>
+                </a:ext>
+              </a:extLst>
+            </p:cNvPr>
+            <p:cNvCxnSpPr>
+              <a:cxnSpLocks/>
+              <a:stCxn id="34" idx="1"/>
+              <a:endCxn id="3" idx="3"/>
+            </p:cNvCxnSpPr>
+            <p:nvPr/>
+          </p:nvCxnSpPr>
+          <p:spPr>
+            <a:xfrm flipH="1" flipV="1">
+              <a:off x="3751004" y="2871107"/>
+              <a:ext cx="2008681" cy="1298625"/>
+            </a:xfrm>
+            <a:prstGeom prst="straightConnector1">
+              <a:avLst/>
+            </a:prstGeom>
+            <a:ln>
+              <a:solidFill>
+                <a:schemeClr val="tx1"/>
+              </a:solidFill>
+              <a:tailEnd type="triangle"/>
+            </a:ln>
+          </p:spPr>
+          <p:style>
+            <a:lnRef idx="1">
+              <a:schemeClr val="accent1"/>
+            </a:lnRef>
+            <a:fillRef idx="0">
+              <a:schemeClr val="accent1"/>
+            </a:fillRef>
+            <a:effectRef idx="0">
+              <a:schemeClr val="accent1"/>
+            </a:effectRef>
+            <a:fontRef idx="minor">
+              <a:schemeClr val="tx1"/>
+            </a:fontRef>
+          </p:style>
+        </p:cxnSp>
+        <p:cxnSp>
+          <p:nvCxnSpPr>
+            <p:cNvPr id="67" name="Straight Arrow Connector 66">
+              <a:extLst>
+                <a:ext uri="{FF2B5EF4-FFF2-40B4-BE49-F238E27FC236}">
+                  <a16:creationId xmlns:a16="http://schemas.microsoft.com/office/drawing/2014/main" id="{F6A87C3B-5C22-4D28-B5C9-5D34A7D75A1B}"/>
+                </a:ext>
+              </a:extLst>
+            </p:cNvPr>
+            <p:cNvCxnSpPr>
+              <a:cxnSpLocks/>
+              <a:stCxn id="34" idx="1"/>
+              <a:endCxn id="4" idx="3"/>
+            </p:cNvCxnSpPr>
+            <p:nvPr/>
+          </p:nvCxnSpPr>
+          <p:spPr>
+            <a:xfrm flipH="1" flipV="1">
+              <a:off x="3736257" y="3511853"/>
+              <a:ext cx="2023428" cy="657879"/>
+            </a:xfrm>
+            <a:prstGeom prst="straightConnector1">
+              <a:avLst/>
+            </a:prstGeom>
+            <a:ln>
+              <a:solidFill>
+                <a:schemeClr val="tx1"/>
+              </a:solidFill>
+              <a:tailEnd type="triangle"/>
+            </a:ln>
+          </p:spPr>
+          <p:style>
+            <a:lnRef idx="1">
+              <a:schemeClr val="accent1"/>
+            </a:lnRef>
+            <a:fillRef idx="0">
+              <a:schemeClr val="accent1"/>
+            </a:fillRef>
+            <a:effectRef idx="0">
+              <a:schemeClr val="accent1"/>
+            </a:effectRef>
+            <a:fontRef idx="minor">
+              <a:schemeClr val="tx1"/>
+            </a:fontRef>
+          </p:style>
+        </p:cxnSp>
+        <p:cxnSp>
+          <p:nvCxnSpPr>
+            <p:cNvPr id="68" name="Straight Arrow Connector 67">
+              <a:extLst>
+                <a:ext uri="{FF2B5EF4-FFF2-40B4-BE49-F238E27FC236}">
+                  <a16:creationId xmlns:a16="http://schemas.microsoft.com/office/drawing/2014/main" id="{37F69EEA-A190-46DE-93BE-4E7950395C02}"/>
+                </a:ext>
+              </a:extLst>
+            </p:cNvPr>
+            <p:cNvCxnSpPr>
+              <a:cxnSpLocks/>
+              <a:stCxn id="34" idx="1"/>
+              <a:endCxn id="35" idx="3"/>
+            </p:cNvCxnSpPr>
+            <p:nvPr/>
+          </p:nvCxnSpPr>
+          <p:spPr>
+            <a:xfrm flipH="1" flipV="1">
+              <a:off x="3731786" y="4116866"/>
+              <a:ext cx="2027899" cy="52866"/>
+            </a:xfrm>
+            <a:prstGeom prst="straightConnector1">
+              <a:avLst/>
+            </a:prstGeom>
+            <a:ln>
+              <a:solidFill>
+                <a:schemeClr val="tx1"/>
+              </a:solidFill>
+              <a:tailEnd type="triangle"/>
+            </a:ln>
+          </p:spPr>
+          <p:style>
+            <a:lnRef idx="1">
+              <a:schemeClr val="accent1"/>
+            </a:lnRef>
+            <a:fillRef idx="0">
+              <a:schemeClr val="accent1"/>
+            </a:fillRef>
+            <a:effectRef idx="0">
+              <a:schemeClr val="accent1"/>
+            </a:effectRef>
+            <a:fontRef idx="minor">
+              <a:schemeClr val="tx1"/>
+            </a:fontRef>
+          </p:style>
+        </p:cxnSp>
+        <p:cxnSp>
+          <p:nvCxnSpPr>
+            <p:cNvPr id="72" name="Straight Arrow Connector 71">
+              <a:extLst>
+                <a:ext uri="{FF2B5EF4-FFF2-40B4-BE49-F238E27FC236}">
+                  <a16:creationId xmlns:a16="http://schemas.microsoft.com/office/drawing/2014/main" id="{A8961F27-5811-4D35-ABD4-1E2D76E58D09}"/>
+                </a:ext>
+              </a:extLst>
+            </p:cNvPr>
+            <p:cNvCxnSpPr>
+              <a:cxnSpLocks/>
+              <a:stCxn id="34" idx="0"/>
+              <a:endCxn id="2" idx="4"/>
+            </p:cNvCxnSpPr>
+            <p:nvPr/>
+          </p:nvCxnSpPr>
+          <p:spPr>
+            <a:xfrm flipV="1">
+              <a:off x="5895921" y="2718965"/>
+              <a:ext cx="12272" cy="1247567"/>
+            </a:xfrm>
+            <a:prstGeom prst="straightConnector1">
+              <a:avLst/>
+            </a:prstGeom>
+            <a:ln>
+              <a:solidFill>
+                <a:schemeClr val="tx1"/>
+              </a:solidFill>
+              <a:tailEnd type="triangle"/>
+            </a:ln>
+          </p:spPr>
+          <p:style>
+            <a:lnRef idx="1">
+              <a:schemeClr val="accent1"/>
+            </a:lnRef>
+            <a:fillRef idx="0">
+              <a:schemeClr val="accent1"/>
+            </a:fillRef>
+            <a:effectRef idx="0">
+              <a:schemeClr val="accent1"/>
+            </a:effectRef>
+            <a:fontRef idx="minor">
+              <a:schemeClr val="tx1"/>
+            </a:fontRef>
+          </p:style>
+        </p:cxnSp>
       </p:grpSp>
     </p:spTree>
     <p:extLst>

--- a/gambar.pptx
+++ b/gambar.pptx
@@ -14,6 +14,7 @@
     <p:sldId id="262" r:id="rId8"/>
     <p:sldId id="263" r:id="rId9"/>
     <p:sldId id="264" r:id="rId10"/>
+    <p:sldId id="265" r:id="rId11"/>
   </p:sldIdLst>
   <p:sldSz cx="12192000" cy="6858000"/>
   <p:notesSz cx="6858000" cy="9144000"/>
@@ -3348,10 +3349,10 @@
       </p:grpSpPr>
       <p:grpSp>
         <p:nvGrpSpPr>
-          <p:cNvPr id="27" name="Group 26">
+          <p:cNvPr id="2" name="Group 1">
             <a:extLst>
               <a:ext uri="{FF2B5EF4-FFF2-40B4-BE49-F238E27FC236}">
-                <a16:creationId xmlns:a16="http://schemas.microsoft.com/office/drawing/2014/main" id="{4BCBB2A7-3F59-4B78-9195-D97C178ECA1B}"/>
+                <a16:creationId xmlns:a16="http://schemas.microsoft.com/office/drawing/2014/main" id="{FF972666-FD8B-4C4C-95B0-7486D27D5B93}"/>
               </a:ext>
             </a:extLst>
           </p:cNvPr>
@@ -3360,9 +3361,9 @@
         </p:nvGrpSpPr>
         <p:grpSpPr>
           <a:xfrm>
-            <a:off x="588819" y="354446"/>
+            <a:off x="884383" y="465282"/>
             <a:ext cx="4075545" cy="3297372"/>
-            <a:chOff x="1300019" y="1047173"/>
+            <a:chOff x="884383" y="465282"/>
             <a:chExt cx="4075545" cy="3297372"/>
           </a:xfrm>
         </p:grpSpPr>
@@ -3380,7 +3381,7 @@
           </p:nvSpPr>
           <p:spPr>
             <a:xfrm>
-              <a:off x="1353128" y="1533237"/>
+              <a:off x="937492" y="951346"/>
               <a:ext cx="623455" cy="621145"/>
             </a:xfrm>
             <a:prstGeom prst="ellipse">
@@ -3439,7 +3440,7 @@
           </p:nvSpPr>
           <p:spPr>
             <a:xfrm>
-              <a:off x="2105892" y="1533236"/>
+              <a:off x="1690256" y="951345"/>
               <a:ext cx="623455" cy="621145"/>
             </a:xfrm>
             <a:prstGeom prst="ellipse">
@@ -3498,7 +3499,7 @@
           </p:nvSpPr>
           <p:spPr>
             <a:xfrm>
-              <a:off x="1729510" y="2154381"/>
+              <a:off x="1313874" y="1572490"/>
               <a:ext cx="623455" cy="621145"/>
             </a:xfrm>
             <a:prstGeom prst="ellipse">
@@ -3557,7 +3558,7 @@
           </p:nvSpPr>
           <p:spPr>
             <a:xfrm>
-              <a:off x="3611419" y="1533237"/>
+              <a:off x="2983347" y="957223"/>
               <a:ext cx="623455" cy="621145"/>
             </a:xfrm>
             <a:prstGeom prst="ellipse">
@@ -3616,7 +3617,7 @@
           </p:nvSpPr>
           <p:spPr>
             <a:xfrm>
-              <a:off x="4364183" y="1533236"/>
+              <a:off x="3948547" y="951345"/>
               <a:ext cx="623455" cy="621145"/>
             </a:xfrm>
             <a:prstGeom prst="ellipse">
@@ -3675,7 +3676,7 @@
           </p:nvSpPr>
           <p:spPr>
             <a:xfrm>
-              <a:off x="3611418" y="1997363"/>
+              <a:off x="3465947" y="966460"/>
               <a:ext cx="623455" cy="621145"/>
             </a:xfrm>
             <a:prstGeom prst="ellipse">
@@ -3734,7 +3735,7 @@
           </p:nvSpPr>
           <p:spPr>
             <a:xfrm>
-              <a:off x="1300019" y="1047173"/>
+              <a:off x="884383" y="465282"/>
               <a:ext cx="1496291" cy="350982"/>
             </a:xfrm>
             <a:prstGeom prst="rect">
@@ -3793,7 +3794,7 @@
           </p:nvSpPr>
           <p:spPr>
             <a:xfrm>
-              <a:off x="3260437" y="1058721"/>
+              <a:off x="2844801" y="476830"/>
               <a:ext cx="2115127" cy="350982"/>
             </a:xfrm>
             <a:prstGeom prst="rect">
@@ -3900,7 +3901,7 @@
           </p:nvGrpSpPr>
           <p:grpSpPr>
             <a:xfrm>
-              <a:off x="1893455" y="2718958"/>
+              <a:off x="1477819" y="2137067"/>
               <a:ext cx="2341418" cy="1625587"/>
               <a:chOff x="1976583" y="3103412"/>
               <a:chExt cx="2341418" cy="1570175"/>
@@ -4172,6 +4173,1098 @@
     <p:extLst>
       <p:ext uri="{BB962C8B-B14F-4D97-AF65-F5344CB8AC3E}">
         <p14:creationId xmlns:p14="http://schemas.microsoft.com/office/powerpoint/2010/main" val="4113985401"/>
+      </p:ext>
+    </p:extLst>
+  </p:cSld>
+  <p:clrMapOvr>
+    <a:masterClrMapping/>
+  </p:clrMapOvr>
+</p:sld>
+</file>
+
+<file path=ppt/slides/slide10.xml><?xml version="1.0" encoding="utf-8"?>
+<p:sld xmlns:a="http://schemas.openxmlformats.org/drawingml/2006/main" xmlns:r="http://schemas.openxmlformats.org/officeDocument/2006/relationships" xmlns:p="http://schemas.openxmlformats.org/presentationml/2006/main">
+  <p:cSld>
+    <p:spTree>
+      <p:nvGrpSpPr>
+        <p:cNvPr id="1" name=""/>
+        <p:cNvGrpSpPr/>
+        <p:nvPr/>
+      </p:nvGrpSpPr>
+      <p:grpSpPr>
+        <a:xfrm>
+          <a:off x="0" y="0"/>
+          <a:ext cx="0" cy="0"/>
+          <a:chOff x="0" y="0"/>
+          <a:chExt cx="0" cy="0"/>
+        </a:xfrm>
+      </p:grpSpPr>
+      <p:sp>
+        <p:nvSpPr>
+          <p:cNvPr id="4" name="Oval 3">
+            <a:extLst>
+              <a:ext uri="{FF2B5EF4-FFF2-40B4-BE49-F238E27FC236}">
+                <a16:creationId xmlns:a16="http://schemas.microsoft.com/office/drawing/2014/main" id="{B83C8538-8FF1-44D9-B3F5-7349E88C1823}"/>
+              </a:ext>
+            </a:extLst>
+          </p:cNvPr>
+          <p:cNvSpPr/>
+          <p:nvPr/>
+        </p:nvSpPr>
+        <p:spPr>
+          <a:xfrm>
+            <a:off x="7071685" y="3021417"/>
+            <a:ext cx="1675151" cy="1687831"/>
+          </a:xfrm>
+          <a:prstGeom prst="ellipse">
+            <a:avLst/>
+          </a:prstGeom>
+          <a:noFill/>
+          <a:ln>
+            <a:solidFill>
+              <a:schemeClr val="tx1"/>
+            </a:solidFill>
+          </a:ln>
+        </p:spPr>
+        <p:style>
+          <a:lnRef idx="2">
+            <a:schemeClr val="accent1">
+              <a:shade val="50000"/>
+            </a:schemeClr>
+          </a:lnRef>
+          <a:fillRef idx="1">
+            <a:schemeClr val="accent1"/>
+          </a:fillRef>
+          <a:effectRef idx="0">
+            <a:schemeClr val="accent1"/>
+          </a:effectRef>
+          <a:fontRef idx="minor">
+            <a:schemeClr val="lt1"/>
+          </a:fontRef>
+        </p:style>
+        <p:txBody>
+          <a:bodyPr rtlCol="0" anchor="ctr"/>
+          <a:lstStyle/>
+          <a:p>
+            <a:pPr algn="ctr"/>
+            <a:r>
+              <a:rPr lang="en-US" sz="1600" dirty="0">
+                <a:solidFill>
+                  <a:schemeClr val="tx1"/>
+                </a:solidFill>
+              </a:rPr>
+              <a:t>dem60</a:t>
+            </a:r>
+          </a:p>
+        </p:txBody>
+      </p:sp>
+      <p:sp>
+        <p:nvSpPr>
+          <p:cNvPr id="5" name="Rectangle 4">
+            <a:extLst>
+              <a:ext uri="{FF2B5EF4-FFF2-40B4-BE49-F238E27FC236}">
+                <a16:creationId xmlns:a16="http://schemas.microsoft.com/office/drawing/2014/main" id="{DA8A94D2-EA33-4DFF-A675-1A533927716A}"/>
+              </a:ext>
+            </a:extLst>
+          </p:cNvPr>
+          <p:cNvSpPr/>
+          <p:nvPr/>
+        </p:nvSpPr>
+        <p:spPr>
+          <a:xfrm>
+            <a:off x="4818384" y="2739494"/>
+            <a:ext cx="963583" cy="504495"/>
+          </a:xfrm>
+          <a:prstGeom prst="rect">
+            <a:avLst/>
+          </a:prstGeom>
+          <a:noFill/>
+          <a:ln>
+            <a:solidFill>
+              <a:schemeClr val="tx1"/>
+            </a:solidFill>
+          </a:ln>
+        </p:spPr>
+        <p:style>
+          <a:lnRef idx="2">
+            <a:schemeClr val="accent1">
+              <a:shade val="50000"/>
+            </a:schemeClr>
+          </a:lnRef>
+          <a:fillRef idx="1">
+            <a:schemeClr val="accent1"/>
+          </a:fillRef>
+          <a:effectRef idx="0">
+            <a:schemeClr val="accent1"/>
+          </a:effectRef>
+          <a:fontRef idx="minor">
+            <a:schemeClr val="lt1"/>
+          </a:fontRef>
+        </p:style>
+        <p:txBody>
+          <a:bodyPr rtlCol="0" anchor="ctr"/>
+          <a:lstStyle/>
+          <a:p>
+            <a:pPr algn="ctr"/>
+            <a:r>
+              <a:rPr lang="en-US" sz="1400" dirty="0">
+                <a:solidFill>
+                  <a:schemeClr val="tx1"/>
+                </a:solidFill>
+              </a:rPr>
+              <a:t>y2</a:t>
+            </a:r>
+          </a:p>
+        </p:txBody>
+      </p:sp>
+      <p:sp>
+        <p:nvSpPr>
+          <p:cNvPr id="6" name="Rectangle 5">
+            <a:extLst>
+              <a:ext uri="{FF2B5EF4-FFF2-40B4-BE49-F238E27FC236}">
+                <a16:creationId xmlns:a16="http://schemas.microsoft.com/office/drawing/2014/main" id="{55DE9CBE-3DD3-46B5-8123-9576A924636F}"/>
+              </a:ext>
+            </a:extLst>
+          </p:cNvPr>
+          <p:cNvSpPr/>
+          <p:nvPr/>
+        </p:nvSpPr>
+        <p:spPr>
+          <a:xfrm>
+            <a:off x="4797999" y="3599173"/>
+            <a:ext cx="963581" cy="517478"/>
+          </a:xfrm>
+          <a:prstGeom prst="rect">
+            <a:avLst/>
+          </a:prstGeom>
+          <a:noFill/>
+          <a:ln>
+            <a:solidFill>
+              <a:schemeClr val="tx1"/>
+            </a:solidFill>
+          </a:ln>
+        </p:spPr>
+        <p:style>
+          <a:lnRef idx="2">
+            <a:schemeClr val="accent1">
+              <a:shade val="50000"/>
+            </a:schemeClr>
+          </a:lnRef>
+          <a:fillRef idx="1">
+            <a:schemeClr val="accent1"/>
+          </a:fillRef>
+          <a:effectRef idx="0">
+            <a:schemeClr val="accent1"/>
+          </a:effectRef>
+          <a:fontRef idx="minor">
+            <a:schemeClr val="lt1"/>
+          </a:fontRef>
+        </p:style>
+        <p:txBody>
+          <a:bodyPr rtlCol="0" anchor="ctr"/>
+          <a:lstStyle/>
+          <a:p>
+            <a:pPr algn="ctr"/>
+            <a:r>
+              <a:rPr lang="en-US" sz="1400" dirty="0">
+                <a:solidFill>
+                  <a:schemeClr val="tx1"/>
+                </a:solidFill>
+              </a:rPr>
+              <a:t>y3</a:t>
+            </a:r>
+          </a:p>
+        </p:txBody>
+      </p:sp>
+      <p:sp>
+        <p:nvSpPr>
+          <p:cNvPr id="7" name="Rectangle 6">
+            <a:extLst>
+              <a:ext uri="{FF2B5EF4-FFF2-40B4-BE49-F238E27FC236}">
+                <a16:creationId xmlns:a16="http://schemas.microsoft.com/office/drawing/2014/main" id="{C23D9D5E-2D83-4966-8E2E-5569D0FA546E}"/>
+              </a:ext>
+            </a:extLst>
+          </p:cNvPr>
+          <p:cNvSpPr/>
+          <p:nvPr/>
+        </p:nvSpPr>
+        <p:spPr>
+          <a:xfrm>
+            <a:off x="4818382" y="4427323"/>
+            <a:ext cx="963583" cy="504495"/>
+          </a:xfrm>
+          <a:prstGeom prst="rect">
+            <a:avLst/>
+          </a:prstGeom>
+          <a:noFill/>
+          <a:ln>
+            <a:solidFill>
+              <a:schemeClr val="tx1"/>
+            </a:solidFill>
+          </a:ln>
+        </p:spPr>
+        <p:style>
+          <a:lnRef idx="2">
+            <a:schemeClr val="accent1">
+              <a:shade val="50000"/>
+            </a:schemeClr>
+          </a:lnRef>
+          <a:fillRef idx="1">
+            <a:schemeClr val="accent1"/>
+          </a:fillRef>
+          <a:effectRef idx="0">
+            <a:schemeClr val="accent1"/>
+          </a:effectRef>
+          <a:fontRef idx="minor">
+            <a:schemeClr val="lt1"/>
+          </a:fontRef>
+        </p:style>
+        <p:txBody>
+          <a:bodyPr rtlCol="0" anchor="ctr"/>
+          <a:lstStyle/>
+          <a:p>
+            <a:pPr algn="ctr"/>
+            <a:r>
+              <a:rPr lang="en-US" sz="1400" dirty="0">
+                <a:solidFill>
+                  <a:schemeClr val="tx1"/>
+                </a:solidFill>
+              </a:rPr>
+              <a:t>y4</a:t>
+            </a:r>
+          </a:p>
+        </p:txBody>
+      </p:sp>
+      <p:sp>
+        <p:nvSpPr>
+          <p:cNvPr id="9" name="Rectangle 8">
+            <a:extLst>
+              <a:ext uri="{FF2B5EF4-FFF2-40B4-BE49-F238E27FC236}">
+                <a16:creationId xmlns:a16="http://schemas.microsoft.com/office/drawing/2014/main" id="{B13B4E9E-6A4A-4CC8-9D93-E25E220CCEE1}"/>
+              </a:ext>
+            </a:extLst>
+          </p:cNvPr>
+          <p:cNvSpPr/>
+          <p:nvPr/>
+        </p:nvSpPr>
+        <p:spPr>
+          <a:xfrm>
+            <a:off x="4818382" y="1933603"/>
+            <a:ext cx="963583" cy="504495"/>
+          </a:xfrm>
+          <a:prstGeom prst="rect">
+            <a:avLst/>
+          </a:prstGeom>
+          <a:noFill/>
+          <a:ln>
+            <a:solidFill>
+              <a:schemeClr val="tx1"/>
+            </a:solidFill>
+          </a:ln>
+        </p:spPr>
+        <p:style>
+          <a:lnRef idx="2">
+            <a:schemeClr val="accent1">
+              <a:shade val="50000"/>
+            </a:schemeClr>
+          </a:lnRef>
+          <a:fillRef idx="1">
+            <a:schemeClr val="accent1"/>
+          </a:fillRef>
+          <a:effectRef idx="0">
+            <a:schemeClr val="accent1"/>
+          </a:effectRef>
+          <a:fontRef idx="minor">
+            <a:schemeClr val="lt1"/>
+          </a:fontRef>
+        </p:style>
+        <p:txBody>
+          <a:bodyPr rtlCol="0" anchor="ctr"/>
+          <a:lstStyle/>
+          <a:p>
+            <a:pPr algn="ctr"/>
+            <a:r>
+              <a:rPr lang="en-US" sz="1400" dirty="0">
+                <a:solidFill>
+                  <a:schemeClr val="tx1"/>
+                </a:solidFill>
+              </a:rPr>
+              <a:t>y1</a:t>
+            </a:r>
+            <a:endParaRPr lang="en-US" dirty="0">
+              <a:solidFill>
+                <a:schemeClr val="tx1"/>
+              </a:solidFill>
+            </a:endParaRPr>
+          </a:p>
+        </p:txBody>
+      </p:sp>
+      <p:cxnSp>
+        <p:nvCxnSpPr>
+          <p:cNvPr id="10" name="Straight Arrow Connector 9">
+            <a:extLst>
+              <a:ext uri="{FF2B5EF4-FFF2-40B4-BE49-F238E27FC236}">
+                <a16:creationId xmlns:a16="http://schemas.microsoft.com/office/drawing/2014/main" id="{226CE01C-BE27-4703-8EC6-EE4194C7F817}"/>
+              </a:ext>
+            </a:extLst>
+          </p:cNvPr>
+          <p:cNvCxnSpPr>
+            <a:cxnSpLocks/>
+            <a:stCxn id="4" idx="2"/>
+            <a:endCxn id="9" idx="3"/>
+          </p:cNvCxnSpPr>
+          <p:nvPr/>
+        </p:nvCxnSpPr>
+        <p:spPr>
+          <a:xfrm flipH="1" flipV="1">
+            <a:off x="5781965" y="2185851"/>
+            <a:ext cx="1289720" cy="1679482"/>
+          </a:xfrm>
+          <a:prstGeom prst="straightConnector1">
+            <a:avLst/>
+          </a:prstGeom>
+          <a:ln>
+            <a:solidFill>
+              <a:schemeClr val="tx1"/>
+            </a:solidFill>
+            <a:tailEnd type="triangle"/>
+          </a:ln>
+        </p:spPr>
+        <p:style>
+          <a:lnRef idx="1">
+            <a:schemeClr val="accent1"/>
+          </a:lnRef>
+          <a:fillRef idx="0">
+            <a:schemeClr val="accent1"/>
+          </a:fillRef>
+          <a:effectRef idx="0">
+            <a:schemeClr val="accent1"/>
+          </a:effectRef>
+          <a:fontRef idx="minor">
+            <a:schemeClr val="tx1"/>
+          </a:fontRef>
+        </p:style>
+      </p:cxnSp>
+      <p:cxnSp>
+        <p:nvCxnSpPr>
+          <p:cNvPr id="11" name="Straight Arrow Connector 10">
+            <a:extLst>
+              <a:ext uri="{FF2B5EF4-FFF2-40B4-BE49-F238E27FC236}">
+                <a16:creationId xmlns:a16="http://schemas.microsoft.com/office/drawing/2014/main" id="{5AF581AC-39EC-4676-86A5-B98AAAAE1313}"/>
+              </a:ext>
+            </a:extLst>
+          </p:cNvPr>
+          <p:cNvCxnSpPr>
+            <a:cxnSpLocks/>
+            <a:stCxn id="4" idx="2"/>
+            <a:endCxn id="5" idx="3"/>
+          </p:cNvCxnSpPr>
+          <p:nvPr/>
+        </p:nvCxnSpPr>
+        <p:spPr>
+          <a:xfrm flipH="1" flipV="1">
+            <a:off x="5781966" y="2991742"/>
+            <a:ext cx="1289719" cy="873592"/>
+          </a:xfrm>
+          <a:prstGeom prst="straightConnector1">
+            <a:avLst/>
+          </a:prstGeom>
+          <a:ln>
+            <a:solidFill>
+              <a:schemeClr val="tx1"/>
+            </a:solidFill>
+            <a:tailEnd type="triangle"/>
+          </a:ln>
+        </p:spPr>
+        <p:style>
+          <a:lnRef idx="1">
+            <a:schemeClr val="accent1"/>
+          </a:lnRef>
+          <a:fillRef idx="0">
+            <a:schemeClr val="accent1"/>
+          </a:fillRef>
+          <a:effectRef idx="0">
+            <a:schemeClr val="accent1"/>
+          </a:effectRef>
+          <a:fontRef idx="minor">
+            <a:schemeClr val="tx1"/>
+          </a:fontRef>
+        </p:style>
+      </p:cxnSp>
+      <p:cxnSp>
+        <p:nvCxnSpPr>
+          <p:cNvPr id="12" name="Straight Arrow Connector 11">
+            <a:extLst>
+              <a:ext uri="{FF2B5EF4-FFF2-40B4-BE49-F238E27FC236}">
+                <a16:creationId xmlns:a16="http://schemas.microsoft.com/office/drawing/2014/main" id="{ABFE9D0B-A571-434A-8FB3-CEB86427B906}"/>
+              </a:ext>
+            </a:extLst>
+          </p:cNvPr>
+          <p:cNvCxnSpPr>
+            <a:cxnSpLocks/>
+            <a:stCxn id="4" idx="2"/>
+            <a:endCxn id="6" idx="3"/>
+          </p:cNvCxnSpPr>
+          <p:nvPr/>
+        </p:nvCxnSpPr>
+        <p:spPr>
+          <a:xfrm flipH="1" flipV="1">
+            <a:off x="5761581" y="3857912"/>
+            <a:ext cx="1310105" cy="7422"/>
+          </a:xfrm>
+          <a:prstGeom prst="straightConnector1">
+            <a:avLst/>
+          </a:prstGeom>
+          <a:ln>
+            <a:solidFill>
+              <a:schemeClr val="tx1"/>
+            </a:solidFill>
+            <a:tailEnd type="triangle"/>
+          </a:ln>
+        </p:spPr>
+        <p:style>
+          <a:lnRef idx="1">
+            <a:schemeClr val="accent1"/>
+          </a:lnRef>
+          <a:fillRef idx="0">
+            <a:schemeClr val="accent1"/>
+          </a:fillRef>
+          <a:effectRef idx="0">
+            <a:schemeClr val="accent1"/>
+          </a:effectRef>
+          <a:fontRef idx="minor">
+            <a:schemeClr val="tx1"/>
+          </a:fontRef>
+        </p:style>
+      </p:cxnSp>
+      <p:cxnSp>
+        <p:nvCxnSpPr>
+          <p:cNvPr id="13" name="Straight Arrow Connector 12">
+            <a:extLst>
+              <a:ext uri="{FF2B5EF4-FFF2-40B4-BE49-F238E27FC236}">
+                <a16:creationId xmlns:a16="http://schemas.microsoft.com/office/drawing/2014/main" id="{D7895D3C-0326-481E-A1F4-21AC12FDD442}"/>
+              </a:ext>
+            </a:extLst>
+          </p:cNvPr>
+          <p:cNvCxnSpPr>
+            <a:cxnSpLocks/>
+            <a:stCxn id="4" idx="2"/>
+            <a:endCxn id="7" idx="3"/>
+          </p:cNvCxnSpPr>
+          <p:nvPr/>
+        </p:nvCxnSpPr>
+        <p:spPr>
+          <a:xfrm flipH="1">
+            <a:off x="5781965" y="3865333"/>
+            <a:ext cx="1289720" cy="814238"/>
+          </a:xfrm>
+          <a:prstGeom prst="straightConnector1">
+            <a:avLst/>
+          </a:prstGeom>
+          <a:ln>
+            <a:solidFill>
+              <a:schemeClr val="tx1"/>
+            </a:solidFill>
+            <a:tailEnd type="triangle"/>
+          </a:ln>
+        </p:spPr>
+        <p:style>
+          <a:lnRef idx="1">
+            <a:schemeClr val="accent1"/>
+          </a:lnRef>
+          <a:fillRef idx="0">
+            <a:schemeClr val="accent1"/>
+          </a:fillRef>
+          <a:effectRef idx="0">
+            <a:schemeClr val="accent1"/>
+          </a:effectRef>
+          <a:fontRef idx="minor">
+            <a:schemeClr val="tx1"/>
+          </a:fontRef>
+        </p:style>
+      </p:cxnSp>
+      <p:sp>
+        <p:nvSpPr>
+          <p:cNvPr id="15" name="Oval 14">
+            <a:extLst>
+              <a:ext uri="{FF2B5EF4-FFF2-40B4-BE49-F238E27FC236}">
+                <a16:creationId xmlns:a16="http://schemas.microsoft.com/office/drawing/2014/main" id="{12619037-73DA-4BFB-AFC6-10AAAFFB0FCD}"/>
+              </a:ext>
+            </a:extLst>
+          </p:cNvPr>
+          <p:cNvSpPr/>
+          <p:nvPr/>
+        </p:nvSpPr>
+        <p:spPr>
+          <a:xfrm>
+            <a:off x="3680615" y="1933603"/>
+            <a:ext cx="504027" cy="511915"/>
+          </a:xfrm>
+          <a:prstGeom prst="ellipse">
+            <a:avLst/>
+          </a:prstGeom>
+          <a:noFill/>
+          <a:ln>
+            <a:solidFill>
+              <a:schemeClr val="tx1"/>
+            </a:solidFill>
+          </a:ln>
+        </p:spPr>
+        <p:style>
+          <a:lnRef idx="2">
+            <a:schemeClr val="accent1">
+              <a:shade val="50000"/>
+            </a:schemeClr>
+          </a:lnRef>
+          <a:fillRef idx="1">
+            <a:schemeClr val="accent1"/>
+          </a:fillRef>
+          <a:effectRef idx="0">
+            <a:schemeClr val="accent1"/>
+          </a:effectRef>
+          <a:fontRef idx="minor">
+            <a:schemeClr val="lt1"/>
+          </a:fontRef>
+        </p:style>
+        <p:txBody>
+          <a:bodyPr rtlCol="0" anchor="ctr"/>
+          <a:lstStyle/>
+          <a:p>
+            <a:pPr algn="ctr"/>
+            <a:r>
+              <a:rPr lang="en-US" dirty="0">
+                <a:solidFill>
+                  <a:schemeClr val="tx1"/>
+                </a:solidFill>
+              </a:rPr>
+              <a:t>e</a:t>
+            </a:r>
+          </a:p>
+        </p:txBody>
+      </p:sp>
+      <p:cxnSp>
+        <p:nvCxnSpPr>
+          <p:cNvPr id="16" name="Straight Arrow Connector 15">
+            <a:extLst>
+              <a:ext uri="{FF2B5EF4-FFF2-40B4-BE49-F238E27FC236}">
+                <a16:creationId xmlns:a16="http://schemas.microsoft.com/office/drawing/2014/main" id="{68F680C3-0F65-4893-A148-F2CC8B44D6CA}"/>
+              </a:ext>
+            </a:extLst>
+          </p:cNvPr>
+          <p:cNvCxnSpPr>
+            <a:cxnSpLocks/>
+            <a:stCxn id="15" idx="6"/>
+            <a:endCxn id="9" idx="1"/>
+          </p:cNvCxnSpPr>
+          <p:nvPr/>
+        </p:nvCxnSpPr>
+        <p:spPr>
+          <a:xfrm flipV="1">
+            <a:off x="4184642" y="2185851"/>
+            <a:ext cx="633741" cy="3709"/>
+          </a:xfrm>
+          <a:prstGeom prst="straightConnector1">
+            <a:avLst/>
+          </a:prstGeom>
+          <a:ln>
+            <a:solidFill>
+              <a:schemeClr val="tx1"/>
+            </a:solidFill>
+            <a:tailEnd type="triangle"/>
+          </a:ln>
+        </p:spPr>
+        <p:style>
+          <a:lnRef idx="1">
+            <a:schemeClr val="accent1"/>
+          </a:lnRef>
+          <a:fillRef idx="0">
+            <a:schemeClr val="accent1"/>
+          </a:fillRef>
+          <a:effectRef idx="0">
+            <a:schemeClr val="accent1"/>
+          </a:effectRef>
+          <a:fontRef idx="minor">
+            <a:schemeClr val="tx1"/>
+          </a:fontRef>
+        </p:style>
+      </p:cxnSp>
+      <p:sp>
+        <p:nvSpPr>
+          <p:cNvPr id="17" name="Oval 16">
+            <a:extLst>
+              <a:ext uri="{FF2B5EF4-FFF2-40B4-BE49-F238E27FC236}">
+                <a16:creationId xmlns:a16="http://schemas.microsoft.com/office/drawing/2014/main" id="{84807ACF-76C8-4D19-B37F-328F39CE1470}"/>
+              </a:ext>
+            </a:extLst>
+          </p:cNvPr>
+          <p:cNvSpPr/>
+          <p:nvPr/>
+        </p:nvSpPr>
+        <p:spPr>
+          <a:xfrm>
+            <a:off x="3689880" y="2822956"/>
+            <a:ext cx="504027" cy="511915"/>
+          </a:xfrm>
+          <a:prstGeom prst="ellipse">
+            <a:avLst/>
+          </a:prstGeom>
+          <a:noFill/>
+          <a:ln>
+            <a:solidFill>
+              <a:schemeClr val="tx1"/>
+            </a:solidFill>
+          </a:ln>
+        </p:spPr>
+        <p:style>
+          <a:lnRef idx="2">
+            <a:schemeClr val="accent1">
+              <a:shade val="50000"/>
+            </a:schemeClr>
+          </a:lnRef>
+          <a:fillRef idx="1">
+            <a:schemeClr val="accent1"/>
+          </a:fillRef>
+          <a:effectRef idx="0">
+            <a:schemeClr val="accent1"/>
+          </a:effectRef>
+          <a:fontRef idx="minor">
+            <a:schemeClr val="lt1"/>
+          </a:fontRef>
+        </p:style>
+        <p:txBody>
+          <a:bodyPr rtlCol="0" anchor="ctr"/>
+          <a:lstStyle/>
+          <a:p>
+            <a:pPr algn="ctr"/>
+            <a:r>
+              <a:rPr lang="en-US" dirty="0">
+                <a:solidFill>
+                  <a:schemeClr val="tx1"/>
+                </a:solidFill>
+              </a:rPr>
+              <a:t>e</a:t>
+            </a:r>
+          </a:p>
+        </p:txBody>
+      </p:sp>
+      <p:cxnSp>
+        <p:nvCxnSpPr>
+          <p:cNvPr id="18" name="Straight Arrow Connector 17">
+            <a:extLst>
+              <a:ext uri="{FF2B5EF4-FFF2-40B4-BE49-F238E27FC236}">
+                <a16:creationId xmlns:a16="http://schemas.microsoft.com/office/drawing/2014/main" id="{86E20E4E-49FC-4E61-851E-DEEF0D385B55}"/>
+              </a:ext>
+            </a:extLst>
+          </p:cNvPr>
+          <p:cNvCxnSpPr>
+            <a:stCxn id="17" idx="6"/>
+          </p:cNvCxnSpPr>
+          <p:nvPr/>
+        </p:nvCxnSpPr>
+        <p:spPr>
+          <a:xfrm flipV="1">
+            <a:off x="4193907" y="3075204"/>
+            <a:ext cx="633741" cy="3709"/>
+          </a:xfrm>
+          <a:prstGeom prst="straightConnector1">
+            <a:avLst/>
+          </a:prstGeom>
+          <a:ln>
+            <a:solidFill>
+              <a:schemeClr val="tx1"/>
+            </a:solidFill>
+            <a:tailEnd type="triangle"/>
+          </a:ln>
+        </p:spPr>
+        <p:style>
+          <a:lnRef idx="1">
+            <a:schemeClr val="accent1"/>
+          </a:lnRef>
+          <a:fillRef idx="0">
+            <a:schemeClr val="accent1"/>
+          </a:fillRef>
+          <a:effectRef idx="0">
+            <a:schemeClr val="accent1"/>
+          </a:effectRef>
+          <a:fontRef idx="minor">
+            <a:schemeClr val="tx1"/>
+          </a:fontRef>
+        </p:style>
+      </p:cxnSp>
+      <p:sp>
+        <p:nvSpPr>
+          <p:cNvPr id="19" name="Oval 18">
+            <a:extLst>
+              <a:ext uri="{FF2B5EF4-FFF2-40B4-BE49-F238E27FC236}">
+                <a16:creationId xmlns:a16="http://schemas.microsoft.com/office/drawing/2014/main" id="{880EF362-5DE8-434C-A8CE-E9B96B6086C9}"/>
+              </a:ext>
+            </a:extLst>
+          </p:cNvPr>
+          <p:cNvSpPr/>
+          <p:nvPr/>
+        </p:nvSpPr>
+        <p:spPr>
+          <a:xfrm>
+            <a:off x="3680615" y="3585265"/>
+            <a:ext cx="504027" cy="511915"/>
+          </a:xfrm>
+          <a:prstGeom prst="ellipse">
+            <a:avLst/>
+          </a:prstGeom>
+          <a:noFill/>
+          <a:ln>
+            <a:solidFill>
+              <a:schemeClr val="tx1"/>
+            </a:solidFill>
+          </a:ln>
+        </p:spPr>
+        <p:style>
+          <a:lnRef idx="2">
+            <a:schemeClr val="accent1">
+              <a:shade val="50000"/>
+            </a:schemeClr>
+          </a:lnRef>
+          <a:fillRef idx="1">
+            <a:schemeClr val="accent1"/>
+          </a:fillRef>
+          <a:effectRef idx="0">
+            <a:schemeClr val="accent1"/>
+          </a:effectRef>
+          <a:fontRef idx="minor">
+            <a:schemeClr val="lt1"/>
+          </a:fontRef>
+        </p:style>
+        <p:txBody>
+          <a:bodyPr rtlCol="0" anchor="ctr"/>
+          <a:lstStyle/>
+          <a:p>
+            <a:pPr algn="ctr"/>
+            <a:r>
+              <a:rPr lang="en-US" dirty="0">
+                <a:solidFill>
+                  <a:schemeClr val="tx1"/>
+                </a:solidFill>
+              </a:rPr>
+              <a:t>e</a:t>
+            </a:r>
+          </a:p>
+        </p:txBody>
+      </p:sp>
+      <p:cxnSp>
+        <p:nvCxnSpPr>
+          <p:cNvPr id="20" name="Straight Arrow Connector 19">
+            <a:extLst>
+              <a:ext uri="{FF2B5EF4-FFF2-40B4-BE49-F238E27FC236}">
+                <a16:creationId xmlns:a16="http://schemas.microsoft.com/office/drawing/2014/main" id="{3D4F46AE-1C67-4A10-83E8-94ED11E9D780}"/>
+              </a:ext>
+            </a:extLst>
+          </p:cNvPr>
+          <p:cNvCxnSpPr>
+            <a:stCxn id="19" idx="6"/>
+          </p:cNvCxnSpPr>
+          <p:nvPr/>
+        </p:nvCxnSpPr>
+        <p:spPr>
+          <a:xfrm flipV="1">
+            <a:off x="4184642" y="3837513"/>
+            <a:ext cx="633741" cy="3709"/>
+          </a:xfrm>
+          <a:prstGeom prst="straightConnector1">
+            <a:avLst/>
+          </a:prstGeom>
+          <a:ln>
+            <a:solidFill>
+              <a:schemeClr val="tx1"/>
+            </a:solidFill>
+            <a:tailEnd type="triangle"/>
+          </a:ln>
+        </p:spPr>
+        <p:style>
+          <a:lnRef idx="1">
+            <a:schemeClr val="accent1"/>
+          </a:lnRef>
+          <a:fillRef idx="0">
+            <a:schemeClr val="accent1"/>
+          </a:fillRef>
+          <a:effectRef idx="0">
+            <a:schemeClr val="accent1"/>
+          </a:effectRef>
+          <a:fontRef idx="minor">
+            <a:schemeClr val="tx1"/>
+          </a:fontRef>
+        </p:style>
+      </p:cxnSp>
+      <p:sp>
+        <p:nvSpPr>
+          <p:cNvPr id="21" name="Oval 20">
+            <a:extLst>
+              <a:ext uri="{FF2B5EF4-FFF2-40B4-BE49-F238E27FC236}">
+                <a16:creationId xmlns:a16="http://schemas.microsoft.com/office/drawing/2014/main" id="{0A40A378-FB28-4E93-8137-5E0F48B6495B}"/>
+              </a:ext>
+            </a:extLst>
+          </p:cNvPr>
+          <p:cNvSpPr/>
+          <p:nvPr/>
+        </p:nvSpPr>
+        <p:spPr>
+          <a:xfrm>
+            <a:off x="3680615" y="4419903"/>
+            <a:ext cx="504027" cy="511915"/>
+          </a:xfrm>
+          <a:prstGeom prst="ellipse">
+            <a:avLst/>
+          </a:prstGeom>
+          <a:noFill/>
+          <a:ln>
+            <a:solidFill>
+              <a:schemeClr val="tx1"/>
+            </a:solidFill>
+          </a:ln>
+        </p:spPr>
+        <p:style>
+          <a:lnRef idx="2">
+            <a:schemeClr val="accent1">
+              <a:shade val="50000"/>
+            </a:schemeClr>
+          </a:lnRef>
+          <a:fillRef idx="1">
+            <a:schemeClr val="accent1"/>
+          </a:fillRef>
+          <a:effectRef idx="0">
+            <a:schemeClr val="accent1"/>
+          </a:effectRef>
+          <a:fontRef idx="minor">
+            <a:schemeClr val="lt1"/>
+          </a:fontRef>
+        </p:style>
+        <p:txBody>
+          <a:bodyPr rtlCol="0" anchor="ctr"/>
+          <a:lstStyle/>
+          <a:p>
+            <a:pPr algn="ctr"/>
+            <a:r>
+              <a:rPr lang="en-US" dirty="0">
+                <a:solidFill>
+                  <a:schemeClr val="tx1"/>
+                </a:solidFill>
+              </a:rPr>
+              <a:t>e</a:t>
+            </a:r>
+          </a:p>
+        </p:txBody>
+      </p:sp>
+      <p:cxnSp>
+        <p:nvCxnSpPr>
+          <p:cNvPr id="22" name="Straight Arrow Connector 21">
+            <a:extLst>
+              <a:ext uri="{FF2B5EF4-FFF2-40B4-BE49-F238E27FC236}">
+                <a16:creationId xmlns:a16="http://schemas.microsoft.com/office/drawing/2014/main" id="{CAE1D2F6-5827-4E23-A1A8-ECB0EE616467}"/>
+              </a:ext>
+            </a:extLst>
+          </p:cNvPr>
+          <p:cNvCxnSpPr>
+            <a:stCxn id="21" idx="6"/>
+          </p:cNvCxnSpPr>
+          <p:nvPr/>
+        </p:nvCxnSpPr>
+        <p:spPr>
+          <a:xfrm flipV="1">
+            <a:off x="4184642" y="4672151"/>
+            <a:ext cx="633741" cy="3709"/>
+          </a:xfrm>
+          <a:prstGeom prst="straightConnector1">
+            <a:avLst/>
+          </a:prstGeom>
+          <a:ln>
+            <a:solidFill>
+              <a:schemeClr val="tx1"/>
+            </a:solidFill>
+            <a:tailEnd type="triangle"/>
+          </a:ln>
+        </p:spPr>
+        <p:style>
+          <a:lnRef idx="1">
+            <a:schemeClr val="accent1"/>
+          </a:lnRef>
+          <a:fillRef idx="0">
+            <a:schemeClr val="accent1"/>
+          </a:fillRef>
+          <a:effectRef idx="0">
+            <a:schemeClr val="accent1"/>
+          </a:effectRef>
+          <a:fontRef idx="minor">
+            <a:schemeClr val="tx1"/>
+          </a:fontRef>
+        </p:style>
+      </p:cxnSp>
+      <p:sp>
+        <p:nvSpPr>
+          <p:cNvPr id="25" name="Oval 24">
+            <a:extLst>
+              <a:ext uri="{FF2B5EF4-FFF2-40B4-BE49-F238E27FC236}">
+                <a16:creationId xmlns:a16="http://schemas.microsoft.com/office/drawing/2014/main" id="{C0B9A408-2198-4FCE-AB10-1311CE959B34}"/>
+              </a:ext>
+            </a:extLst>
+          </p:cNvPr>
+          <p:cNvSpPr/>
+          <p:nvPr/>
+        </p:nvSpPr>
+        <p:spPr>
+          <a:xfrm>
+            <a:off x="7457116" y="1926181"/>
+            <a:ext cx="504027" cy="511915"/>
+          </a:xfrm>
+          <a:prstGeom prst="ellipse">
+            <a:avLst/>
+          </a:prstGeom>
+          <a:noFill/>
+          <a:ln>
+            <a:solidFill>
+              <a:schemeClr val="tx1"/>
+            </a:solidFill>
+          </a:ln>
+        </p:spPr>
+        <p:style>
+          <a:lnRef idx="2">
+            <a:schemeClr val="accent1">
+              <a:shade val="50000"/>
+            </a:schemeClr>
+          </a:lnRef>
+          <a:fillRef idx="1">
+            <a:schemeClr val="accent1"/>
+          </a:fillRef>
+          <a:effectRef idx="0">
+            <a:schemeClr val="accent1"/>
+          </a:effectRef>
+          <a:fontRef idx="minor">
+            <a:schemeClr val="lt1"/>
+          </a:fontRef>
+        </p:style>
+        <p:txBody>
+          <a:bodyPr rtlCol="0" anchor="ctr"/>
+          <a:lstStyle/>
+          <a:p>
+            <a:pPr algn="ctr"/>
+            <a:r>
+              <a:rPr lang="en-US" dirty="0">
+                <a:solidFill>
+                  <a:schemeClr val="tx1"/>
+                </a:solidFill>
+              </a:rPr>
+              <a:t>e</a:t>
+            </a:r>
+          </a:p>
+        </p:txBody>
+      </p:sp>
+      <p:cxnSp>
+        <p:nvCxnSpPr>
+          <p:cNvPr id="26" name="Straight Arrow Connector 25">
+            <a:extLst>
+              <a:ext uri="{FF2B5EF4-FFF2-40B4-BE49-F238E27FC236}">
+                <a16:creationId xmlns:a16="http://schemas.microsoft.com/office/drawing/2014/main" id="{2340A85C-423A-4CEF-B804-92C6EB0AA250}"/>
+              </a:ext>
+            </a:extLst>
+          </p:cNvPr>
+          <p:cNvCxnSpPr>
+            <a:cxnSpLocks/>
+            <a:stCxn id="25" idx="4"/>
+            <a:endCxn id="4" idx="0"/>
+          </p:cNvCxnSpPr>
+          <p:nvPr/>
+        </p:nvCxnSpPr>
+        <p:spPr>
+          <a:xfrm>
+            <a:off x="7709129" y="2438096"/>
+            <a:ext cx="200132" cy="583321"/>
+          </a:xfrm>
+          <a:prstGeom prst="straightConnector1">
+            <a:avLst/>
+          </a:prstGeom>
+          <a:ln>
+            <a:solidFill>
+              <a:schemeClr val="tx1"/>
+            </a:solidFill>
+            <a:tailEnd type="triangle"/>
+          </a:ln>
+        </p:spPr>
+        <p:style>
+          <a:lnRef idx="1">
+            <a:schemeClr val="accent1"/>
+          </a:lnRef>
+          <a:fillRef idx="0">
+            <a:schemeClr val="accent1"/>
+          </a:fillRef>
+          <a:effectRef idx="0">
+            <a:schemeClr val="accent1"/>
+          </a:effectRef>
+          <a:fontRef idx="minor">
+            <a:schemeClr val="tx1"/>
+          </a:fontRef>
+        </p:style>
+      </p:cxnSp>
+      <p:sp>
+        <p:nvSpPr>
+          <p:cNvPr id="23" name="Oval 22">
+            <a:extLst>
+              <a:ext uri="{FF2B5EF4-FFF2-40B4-BE49-F238E27FC236}">
+                <a16:creationId xmlns:a16="http://schemas.microsoft.com/office/drawing/2014/main" id="{4042141F-AF35-4341-8900-C10208308640}"/>
+              </a:ext>
+            </a:extLst>
+          </p:cNvPr>
+          <p:cNvSpPr/>
+          <p:nvPr/>
+        </p:nvSpPr>
+        <p:spPr>
+          <a:xfrm>
+            <a:off x="6383193" y="2483536"/>
+            <a:ext cx="504027" cy="511915"/>
+          </a:xfrm>
+          <a:prstGeom prst="ellipse">
+            <a:avLst/>
+          </a:prstGeom>
+          <a:noFill/>
+          <a:ln>
+            <a:solidFill>
+              <a:schemeClr val="tx1"/>
+            </a:solidFill>
+          </a:ln>
+        </p:spPr>
+        <p:style>
+          <a:lnRef idx="2">
+            <a:schemeClr val="accent1">
+              <a:shade val="50000"/>
+            </a:schemeClr>
+          </a:lnRef>
+          <a:fillRef idx="1">
+            <a:schemeClr val="accent1"/>
+          </a:fillRef>
+          <a:effectRef idx="0">
+            <a:schemeClr val="accent1"/>
+          </a:effectRef>
+          <a:fontRef idx="minor">
+            <a:schemeClr val="lt1"/>
+          </a:fontRef>
+        </p:style>
+        <p:txBody>
+          <a:bodyPr rtlCol="0" anchor="ctr"/>
+          <a:lstStyle/>
+          <a:p>
+            <a:pPr algn="ctr"/>
+            <a:r>
+              <a:rPr lang="en-US" dirty="0">
+                <a:solidFill>
+                  <a:schemeClr val="tx1"/>
+                </a:solidFill>
+              </a:rPr>
+              <a:t>e</a:t>
+            </a:r>
+          </a:p>
+        </p:txBody>
+      </p:sp>
+    </p:spTree>
+    <p:extLst>
+      <p:ext uri="{BB962C8B-B14F-4D97-AF65-F5344CB8AC3E}">
+        <p14:creationId xmlns:p14="http://schemas.microsoft.com/office/powerpoint/2010/main" val="2480692902"/>
       </p:ext>
     </p:extLst>
   </p:cSld>

--- a/gambar.pptx
+++ b/gambar.pptx
@@ -10,11 +10,11 @@
     <p:sldId id="258" r:id="rId4"/>
     <p:sldId id="259" r:id="rId5"/>
     <p:sldId id="260" r:id="rId6"/>
-    <p:sldId id="261" r:id="rId7"/>
-    <p:sldId id="262" r:id="rId8"/>
-    <p:sldId id="263" r:id="rId9"/>
-    <p:sldId id="264" r:id="rId10"/>
-    <p:sldId id="265" r:id="rId11"/>
+    <p:sldId id="262" r:id="rId7"/>
+    <p:sldId id="263" r:id="rId8"/>
+    <p:sldId id="264" r:id="rId9"/>
+    <p:sldId id="265" r:id="rId10"/>
+    <p:sldId id="266" r:id="rId11"/>
   </p:sldIdLst>
   <p:sldSz cx="12192000" cy="6858000"/>
   <p:notesSz cx="6858000" cy="9144000"/>
@@ -280,7 +280,7 @@
           <a:p>
             <a:fld id="{4A9CFB26-D298-4D2A-8754-88594ABDAEF8}" type="datetimeFigureOut">
               <a:rPr lang="en-US" smtClean="0"/>
-              <a:t>11/23/2019</a:t>
+              <a:t>11/25/2019</a:t>
             </a:fld>
             <a:endParaRPr lang="en-US"/>
           </a:p>
@@ -478,7 +478,7 @@
           <a:p>
             <a:fld id="{4A9CFB26-D298-4D2A-8754-88594ABDAEF8}" type="datetimeFigureOut">
               <a:rPr lang="en-US" smtClean="0"/>
-              <a:t>11/23/2019</a:t>
+              <a:t>11/25/2019</a:t>
             </a:fld>
             <a:endParaRPr lang="en-US"/>
           </a:p>
@@ -686,7 +686,7 @@
           <a:p>
             <a:fld id="{4A9CFB26-D298-4D2A-8754-88594ABDAEF8}" type="datetimeFigureOut">
               <a:rPr lang="en-US" smtClean="0"/>
-              <a:t>11/23/2019</a:t>
+              <a:t>11/25/2019</a:t>
             </a:fld>
             <a:endParaRPr lang="en-US"/>
           </a:p>
@@ -884,7 +884,7 @@
           <a:p>
             <a:fld id="{4A9CFB26-D298-4D2A-8754-88594ABDAEF8}" type="datetimeFigureOut">
               <a:rPr lang="en-US" smtClean="0"/>
-              <a:t>11/23/2019</a:t>
+              <a:t>11/25/2019</a:t>
             </a:fld>
             <a:endParaRPr lang="en-US"/>
           </a:p>
@@ -1159,7 +1159,7 @@
           <a:p>
             <a:fld id="{4A9CFB26-D298-4D2A-8754-88594ABDAEF8}" type="datetimeFigureOut">
               <a:rPr lang="en-US" smtClean="0"/>
-              <a:t>11/23/2019</a:t>
+              <a:t>11/25/2019</a:t>
             </a:fld>
             <a:endParaRPr lang="en-US"/>
           </a:p>
@@ -1424,7 +1424,7 @@
           <a:p>
             <a:fld id="{4A9CFB26-D298-4D2A-8754-88594ABDAEF8}" type="datetimeFigureOut">
               <a:rPr lang="en-US" smtClean="0"/>
-              <a:t>11/23/2019</a:t>
+              <a:t>11/25/2019</a:t>
             </a:fld>
             <a:endParaRPr lang="en-US"/>
           </a:p>
@@ -1836,7 +1836,7 @@
           <a:p>
             <a:fld id="{4A9CFB26-D298-4D2A-8754-88594ABDAEF8}" type="datetimeFigureOut">
               <a:rPr lang="en-US" smtClean="0"/>
-              <a:t>11/23/2019</a:t>
+              <a:t>11/25/2019</a:t>
             </a:fld>
             <a:endParaRPr lang="en-US"/>
           </a:p>
@@ -1977,7 +1977,7 @@
           <a:p>
             <a:fld id="{4A9CFB26-D298-4D2A-8754-88594ABDAEF8}" type="datetimeFigureOut">
               <a:rPr lang="en-US" smtClean="0"/>
-              <a:t>11/23/2019</a:t>
+              <a:t>11/25/2019</a:t>
             </a:fld>
             <a:endParaRPr lang="en-US"/>
           </a:p>
@@ -2090,7 +2090,7 @@
           <a:p>
             <a:fld id="{4A9CFB26-D298-4D2A-8754-88594ABDAEF8}" type="datetimeFigureOut">
               <a:rPr lang="en-US" smtClean="0"/>
-              <a:t>11/23/2019</a:t>
+              <a:t>11/25/2019</a:t>
             </a:fld>
             <a:endParaRPr lang="en-US"/>
           </a:p>
@@ -2401,7 +2401,7 @@
           <a:p>
             <a:fld id="{4A9CFB26-D298-4D2A-8754-88594ABDAEF8}" type="datetimeFigureOut">
               <a:rPr lang="en-US" smtClean="0"/>
-              <a:t>11/23/2019</a:t>
+              <a:t>11/25/2019</a:t>
             </a:fld>
             <a:endParaRPr lang="en-US"/>
           </a:p>
@@ -2689,7 +2689,7 @@
           <a:p>
             <a:fld id="{4A9CFB26-D298-4D2A-8754-88594ABDAEF8}" type="datetimeFigureOut">
               <a:rPr lang="en-US" smtClean="0"/>
-              <a:t>11/23/2019</a:t>
+              <a:t>11/25/2019</a:t>
             </a:fld>
             <a:endParaRPr lang="en-US"/>
           </a:p>
@@ -2930,7 +2930,7 @@
           <a:p>
             <a:fld id="{4A9CFB26-D298-4D2A-8754-88594ABDAEF8}" type="datetimeFigureOut">
               <a:rPr lang="en-US" smtClean="0"/>
-              <a:t>11/23/2019</a:t>
+              <a:t>11/25/2019</a:t>
             </a:fld>
             <a:endParaRPr lang="en-US"/>
           </a:p>
@@ -4199,12 +4199,1794 @@
           <a:chExt cx="0" cy="0"/>
         </a:xfrm>
       </p:grpSpPr>
+      <p:cxnSp>
+        <p:nvCxnSpPr>
+          <p:cNvPr id="10" name="Straight Arrow Connector 9">
+            <a:extLst>
+              <a:ext uri="{FF2B5EF4-FFF2-40B4-BE49-F238E27FC236}">
+                <a16:creationId xmlns:a16="http://schemas.microsoft.com/office/drawing/2014/main" id="{996300F4-2C9C-4CC8-BEE5-45A719A6E885}"/>
+              </a:ext>
+            </a:extLst>
+          </p:cNvPr>
+          <p:cNvCxnSpPr>
+            <a:cxnSpLocks/>
+            <a:stCxn id="5" idx="3"/>
+            <a:endCxn id="6" idx="2"/>
+          </p:cNvCxnSpPr>
+          <p:nvPr/>
+        </p:nvCxnSpPr>
+        <p:spPr>
+          <a:xfrm>
+            <a:off x="5641172" y="2690600"/>
+            <a:ext cx="308538" cy="1045658"/>
+          </a:xfrm>
+          <a:prstGeom prst="straightConnector1">
+            <a:avLst/>
+          </a:prstGeom>
+          <a:ln>
+            <a:solidFill>
+              <a:schemeClr val="tx1"/>
+            </a:solidFill>
+            <a:tailEnd type="triangle"/>
+          </a:ln>
+        </p:spPr>
+        <p:style>
+          <a:lnRef idx="1">
+            <a:schemeClr val="accent1"/>
+          </a:lnRef>
+          <a:fillRef idx="0">
+            <a:schemeClr val="accent1"/>
+          </a:fillRef>
+          <a:effectRef idx="0">
+            <a:schemeClr val="accent1"/>
+          </a:effectRef>
+          <a:fontRef idx="minor">
+            <a:schemeClr val="tx1"/>
+          </a:fontRef>
+        </p:style>
+      </p:cxnSp>
+      <p:grpSp>
+        <p:nvGrpSpPr>
+          <p:cNvPr id="128" name="Group 127">
+            <a:extLst>
+              <a:ext uri="{FF2B5EF4-FFF2-40B4-BE49-F238E27FC236}">
+                <a16:creationId xmlns:a16="http://schemas.microsoft.com/office/drawing/2014/main" id="{0789C599-F762-4941-BD31-A1E4E014997D}"/>
+              </a:ext>
+            </a:extLst>
+          </p:cNvPr>
+          <p:cNvGrpSpPr/>
+          <p:nvPr/>
+        </p:nvGrpSpPr>
+        <p:grpSpPr>
+          <a:xfrm>
+            <a:off x="5949710" y="2336285"/>
+            <a:ext cx="3515810" cy="3102606"/>
+            <a:chOff x="5949710" y="2336285"/>
+            <a:chExt cx="3515810" cy="3102606"/>
+          </a:xfrm>
+        </p:grpSpPr>
+        <p:sp>
+          <p:nvSpPr>
+            <p:cNvPr id="6" name="Oval 5">
+              <a:extLst>
+                <a:ext uri="{FF2B5EF4-FFF2-40B4-BE49-F238E27FC236}">
+                  <a16:creationId xmlns:a16="http://schemas.microsoft.com/office/drawing/2014/main" id="{3BA2265B-4352-4B31-96F7-3C46CAFE7153}"/>
+                </a:ext>
+              </a:extLst>
+            </p:cNvPr>
+            <p:cNvSpPr/>
+            <p:nvPr/>
+          </p:nvSpPr>
+          <p:spPr>
+            <a:xfrm>
+              <a:off x="5949710" y="3244645"/>
+              <a:ext cx="1111045" cy="983226"/>
+            </a:xfrm>
+            <a:prstGeom prst="ellipse">
+              <a:avLst/>
+            </a:prstGeom>
+            <a:noFill/>
+            <a:ln>
+              <a:solidFill>
+                <a:schemeClr val="tx1"/>
+              </a:solidFill>
+            </a:ln>
+          </p:spPr>
+          <p:style>
+            <a:lnRef idx="2">
+              <a:schemeClr val="accent1">
+                <a:shade val="50000"/>
+              </a:schemeClr>
+            </a:lnRef>
+            <a:fillRef idx="1">
+              <a:schemeClr val="accent1"/>
+            </a:fillRef>
+            <a:effectRef idx="0">
+              <a:schemeClr val="accent1"/>
+            </a:effectRef>
+            <a:fontRef idx="minor">
+              <a:schemeClr val="lt1"/>
+            </a:fontRef>
+          </p:style>
+          <p:txBody>
+            <a:bodyPr rtlCol="0" anchor="ctr"/>
+            <a:lstStyle/>
+            <a:p>
+              <a:pPr algn="ctr"/>
+              <a:r>
+                <a:rPr lang="en-US" dirty="0">
+                  <a:solidFill>
+                    <a:schemeClr val="tx1"/>
+                  </a:solidFill>
+                </a:rPr>
+                <a:t>Y (</a:t>
+              </a:r>
+              <a:r>
+                <a:rPr lang="el-GR" dirty="0">
+                  <a:solidFill>
+                    <a:schemeClr val="tx1"/>
+                  </a:solidFill>
+                </a:rPr>
+                <a:t>η</a:t>
+              </a:r>
+              <a:r>
+                <a:rPr lang="en-US" dirty="0">
+                  <a:solidFill>
+                    <a:schemeClr val="tx1"/>
+                  </a:solidFill>
+                </a:rPr>
+                <a:t>)</a:t>
+              </a:r>
+            </a:p>
+          </p:txBody>
+        </p:sp>
+        <p:sp>
+          <p:nvSpPr>
+            <p:cNvPr id="7" name="Rectangle 6">
+              <a:extLst>
+                <a:ext uri="{FF2B5EF4-FFF2-40B4-BE49-F238E27FC236}">
+                  <a16:creationId xmlns:a16="http://schemas.microsoft.com/office/drawing/2014/main" id="{69A350F0-2364-48D6-B374-6AC06F6D856A}"/>
+                </a:ext>
+              </a:extLst>
+            </p:cNvPr>
+            <p:cNvSpPr/>
+            <p:nvPr/>
+          </p:nvSpPr>
+          <p:spPr>
+            <a:xfrm>
+              <a:off x="7942246" y="3259458"/>
+              <a:ext cx="560436" cy="458082"/>
+            </a:xfrm>
+            <a:prstGeom prst="rect">
+              <a:avLst/>
+            </a:prstGeom>
+            <a:noFill/>
+            <a:ln>
+              <a:solidFill>
+                <a:schemeClr val="tx1"/>
+              </a:solidFill>
+            </a:ln>
+          </p:spPr>
+          <p:style>
+            <a:lnRef idx="2">
+              <a:schemeClr val="accent1">
+                <a:shade val="50000"/>
+              </a:schemeClr>
+            </a:lnRef>
+            <a:fillRef idx="1">
+              <a:schemeClr val="accent1"/>
+            </a:fillRef>
+            <a:effectRef idx="0">
+              <a:schemeClr val="accent1"/>
+            </a:effectRef>
+            <a:fontRef idx="minor">
+              <a:schemeClr val="lt1"/>
+            </a:fontRef>
+          </p:style>
+          <p:txBody>
+            <a:bodyPr rtlCol="0" anchor="ctr"/>
+            <a:lstStyle/>
+            <a:p>
+              <a:pPr algn="ctr"/>
+              <a:r>
+                <a:rPr lang="en-US" dirty="0">
+                  <a:solidFill>
+                    <a:schemeClr val="tx1"/>
+                  </a:solidFill>
+                </a:rPr>
+                <a:t>Y</a:t>
+              </a:r>
+              <a:r>
+                <a:rPr lang="en-US" baseline="-25000" dirty="0">
+                  <a:solidFill>
+                    <a:schemeClr val="tx1"/>
+                  </a:solidFill>
+                </a:rPr>
+                <a:t>2</a:t>
+              </a:r>
+              <a:endParaRPr lang="en-US" dirty="0">
+                <a:solidFill>
+                  <a:schemeClr val="tx1"/>
+                </a:solidFill>
+              </a:endParaRPr>
+            </a:p>
+          </p:txBody>
+        </p:sp>
+        <p:cxnSp>
+          <p:nvCxnSpPr>
+            <p:cNvPr id="12" name="Straight Arrow Connector 11">
+              <a:extLst>
+                <a:ext uri="{FF2B5EF4-FFF2-40B4-BE49-F238E27FC236}">
+                  <a16:creationId xmlns:a16="http://schemas.microsoft.com/office/drawing/2014/main" id="{247EFBF5-0A78-4422-AC21-A8680A1F24A4}"/>
+                </a:ext>
+              </a:extLst>
+            </p:cNvPr>
+            <p:cNvCxnSpPr>
+              <a:cxnSpLocks/>
+              <a:stCxn id="6" idx="6"/>
+              <a:endCxn id="7" idx="1"/>
+            </p:cNvCxnSpPr>
+            <p:nvPr/>
+          </p:nvCxnSpPr>
+          <p:spPr>
+            <a:xfrm flipV="1">
+              <a:off x="7060755" y="3488499"/>
+              <a:ext cx="881491" cy="247759"/>
+            </a:xfrm>
+            <a:prstGeom prst="straightConnector1">
+              <a:avLst/>
+            </a:prstGeom>
+            <a:ln>
+              <a:solidFill>
+                <a:schemeClr val="tx1"/>
+              </a:solidFill>
+              <a:tailEnd type="triangle"/>
+            </a:ln>
+          </p:spPr>
+          <p:style>
+            <a:lnRef idx="1">
+              <a:schemeClr val="accent1"/>
+            </a:lnRef>
+            <a:fillRef idx="0">
+              <a:schemeClr val="accent1"/>
+            </a:fillRef>
+            <a:effectRef idx="0">
+              <a:schemeClr val="accent1"/>
+            </a:effectRef>
+            <a:fontRef idx="minor">
+              <a:schemeClr val="tx1"/>
+            </a:fontRef>
+          </p:style>
+        </p:cxnSp>
+        <p:sp>
+          <p:nvSpPr>
+            <p:cNvPr id="16" name="Oval 15">
+              <a:extLst>
+                <a:ext uri="{FF2B5EF4-FFF2-40B4-BE49-F238E27FC236}">
+                  <a16:creationId xmlns:a16="http://schemas.microsoft.com/office/drawing/2014/main" id="{4525DD86-5555-4D93-8044-4CE9494BBF45}"/>
+                </a:ext>
+              </a:extLst>
+            </p:cNvPr>
+            <p:cNvSpPr/>
+            <p:nvPr/>
+          </p:nvSpPr>
+          <p:spPr>
+            <a:xfrm>
+              <a:off x="6292493" y="4505025"/>
+              <a:ext cx="462116" cy="474408"/>
+            </a:xfrm>
+            <a:prstGeom prst="ellipse">
+              <a:avLst/>
+            </a:prstGeom>
+            <a:noFill/>
+            <a:ln>
+              <a:noFill/>
+            </a:ln>
+          </p:spPr>
+          <p:style>
+            <a:lnRef idx="2">
+              <a:schemeClr val="accent1">
+                <a:shade val="50000"/>
+              </a:schemeClr>
+            </a:lnRef>
+            <a:fillRef idx="1">
+              <a:schemeClr val="accent1"/>
+            </a:fillRef>
+            <a:effectRef idx="0">
+              <a:schemeClr val="accent1"/>
+            </a:effectRef>
+            <a:fontRef idx="minor">
+              <a:schemeClr val="lt1"/>
+            </a:fontRef>
+          </p:style>
+          <p:txBody>
+            <a:bodyPr rtlCol="0" anchor="ctr"/>
+            <a:lstStyle/>
+            <a:p>
+              <a:pPr algn="ctr"/>
+              <a:r>
+                <a:rPr lang="el-GR" sz="1600" dirty="0">
+                  <a:solidFill>
+                    <a:schemeClr val="tx1"/>
+                  </a:solidFill>
+                </a:rPr>
+                <a:t>ζ</a:t>
+              </a:r>
+              <a:r>
+                <a:rPr lang="en-US" sz="1600" baseline="-25000" dirty="0">
+                  <a:solidFill>
+                    <a:schemeClr val="tx1"/>
+                  </a:solidFill>
+                </a:rPr>
+                <a:t>3</a:t>
+              </a:r>
+            </a:p>
+          </p:txBody>
+        </p:sp>
+        <p:cxnSp>
+          <p:nvCxnSpPr>
+            <p:cNvPr id="17" name="Straight Arrow Connector 16">
+              <a:extLst>
+                <a:ext uri="{FF2B5EF4-FFF2-40B4-BE49-F238E27FC236}">
+                  <a16:creationId xmlns:a16="http://schemas.microsoft.com/office/drawing/2014/main" id="{868D116F-3B4D-45D4-A1F4-6B570447A87D}"/>
+                </a:ext>
+              </a:extLst>
+            </p:cNvPr>
+            <p:cNvCxnSpPr/>
+            <p:nvPr/>
+          </p:nvCxnSpPr>
+          <p:spPr>
+            <a:xfrm flipV="1">
+              <a:off x="6523551" y="4227891"/>
+              <a:ext cx="1" cy="373617"/>
+            </a:xfrm>
+            <a:prstGeom prst="straightConnector1">
+              <a:avLst/>
+            </a:prstGeom>
+            <a:ln>
+              <a:solidFill>
+                <a:schemeClr val="tx1"/>
+              </a:solidFill>
+              <a:tailEnd type="triangle"/>
+            </a:ln>
+          </p:spPr>
+          <p:style>
+            <a:lnRef idx="1">
+              <a:schemeClr val="accent1"/>
+            </a:lnRef>
+            <a:fillRef idx="0">
+              <a:schemeClr val="accent1"/>
+            </a:fillRef>
+            <a:effectRef idx="0">
+              <a:schemeClr val="accent1"/>
+            </a:effectRef>
+            <a:fontRef idx="minor">
+              <a:schemeClr val="tx1"/>
+            </a:fontRef>
+          </p:style>
+        </p:cxnSp>
+        <p:grpSp>
+          <p:nvGrpSpPr>
+            <p:cNvPr id="103" name="Group 102">
+              <a:extLst>
+                <a:ext uri="{FF2B5EF4-FFF2-40B4-BE49-F238E27FC236}">
+                  <a16:creationId xmlns:a16="http://schemas.microsoft.com/office/drawing/2014/main" id="{8512132E-FCE7-4C07-8BD0-9728F76D1816}"/>
+                </a:ext>
+              </a:extLst>
+            </p:cNvPr>
+            <p:cNvGrpSpPr/>
+            <p:nvPr/>
+          </p:nvGrpSpPr>
+          <p:grpSpPr>
+            <a:xfrm>
+              <a:off x="8502682" y="3243134"/>
+              <a:ext cx="905347" cy="474406"/>
+              <a:chOff x="9407406" y="3215101"/>
+              <a:chExt cx="905347" cy="474406"/>
+            </a:xfrm>
+          </p:grpSpPr>
+          <p:sp>
+            <p:nvSpPr>
+              <p:cNvPr id="18" name="Oval 17">
+                <a:extLst>
+                  <a:ext uri="{FF2B5EF4-FFF2-40B4-BE49-F238E27FC236}">
+                    <a16:creationId xmlns:a16="http://schemas.microsoft.com/office/drawing/2014/main" id="{7728064C-6DA4-4A25-B13F-FC84415F306E}"/>
+                  </a:ext>
+                </a:extLst>
+              </p:cNvPr>
+              <p:cNvSpPr/>
+              <p:nvPr/>
+            </p:nvSpPr>
+            <p:spPr>
+              <a:xfrm>
+                <a:off x="9752318" y="3215101"/>
+                <a:ext cx="560435" cy="474406"/>
+              </a:xfrm>
+              <a:prstGeom prst="ellipse">
+                <a:avLst/>
+              </a:prstGeom>
+              <a:noFill/>
+              <a:ln>
+                <a:noFill/>
+              </a:ln>
+            </p:spPr>
+            <p:style>
+              <a:lnRef idx="2">
+                <a:schemeClr val="accent1">
+                  <a:shade val="50000"/>
+                </a:schemeClr>
+              </a:lnRef>
+              <a:fillRef idx="1">
+                <a:schemeClr val="accent1"/>
+              </a:fillRef>
+              <a:effectRef idx="0">
+                <a:schemeClr val="accent1"/>
+              </a:effectRef>
+              <a:fontRef idx="minor">
+                <a:schemeClr val="lt1"/>
+              </a:fontRef>
+            </p:style>
+            <p:txBody>
+              <a:bodyPr rtlCol="0" anchor="ctr"/>
+              <a:lstStyle/>
+              <a:p>
+                <a:pPr algn="ctr"/>
+                <a:r>
+                  <a:rPr lang="el-GR" dirty="0">
+                    <a:solidFill>
+                      <a:schemeClr val="tx1"/>
+                    </a:solidFill>
+                  </a:rPr>
+                  <a:t>ε</a:t>
+                </a:r>
+                <a:r>
+                  <a:rPr lang="en-US" sz="1600" baseline="-25000" dirty="0">
+                    <a:solidFill>
+                      <a:schemeClr val="tx1"/>
+                    </a:solidFill>
+                  </a:rPr>
+                  <a:t>4</a:t>
+                </a:r>
+              </a:p>
+            </p:txBody>
+          </p:sp>
+          <p:cxnSp>
+            <p:nvCxnSpPr>
+              <p:cNvPr id="19" name="Straight Arrow Connector 18">
+                <a:extLst>
+                  <a:ext uri="{FF2B5EF4-FFF2-40B4-BE49-F238E27FC236}">
+                    <a16:creationId xmlns:a16="http://schemas.microsoft.com/office/drawing/2014/main" id="{A9ECE020-D171-41D5-9078-37734095243C}"/>
+                  </a:ext>
+                </a:extLst>
+              </p:cNvPr>
+              <p:cNvCxnSpPr>
+                <a:cxnSpLocks/>
+                <a:stCxn id="18" idx="2"/>
+                <a:endCxn id="7" idx="3"/>
+              </p:cNvCxnSpPr>
+              <p:nvPr/>
+            </p:nvCxnSpPr>
+            <p:spPr>
+              <a:xfrm flipH="1">
+                <a:off x="9407406" y="3452304"/>
+                <a:ext cx="344912" cy="8162"/>
+              </a:xfrm>
+              <a:prstGeom prst="straightConnector1">
+                <a:avLst/>
+              </a:prstGeom>
+              <a:ln>
+                <a:solidFill>
+                  <a:schemeClr val="tx1"/>
+                </a:solidFill>
+                <a:tailEnd type="triangle"/>
+              </a:ln>
+            </p:spPr>
+            <p:style>
+              <a:lnRef idx="1">
+                <a:schemeClr val="accent1"/>
+              </a:lnRef>
+              <a:fillRef idx="0">
+                <a:schemeClr val="accent1"/>
+              </a:fillRef>
+              <a:effectRef idx="0">
+                <a:schemeClr val="accent1"/>
+              </a:effectRef>
+              <a:fontRef idx="minor">
+                <a:schemeClr val="tx1"/>
+              </a:fontRef>
+            </p:style>
+          </p:cxnSp>
+        </p:grpSp>
+        <p:sp>
+          <p:nvSpPr>
+            <p:cNvPr id="23" name="Oval 22">
+              <a:extLst>
+                <a:ext uri="{FF2B5EF4-FFF2-40B4-BE49-F238E27FC236}">
+                  <a16:creationId xmlns:a16="http://schemas.microsoft.com/office/drawing/2014/main" id="{39B2BDC7-2446-4511-B3EA-AD5C0DD566B9}"/>
+                </a:ext>
+              </a:extLst>
+            </p:cNvPr>
+            <p:cNvSpPr/>
+            <p:nvPr/>
+          </p:nvSpPr>
+          <p:spPr>
+            <a:xfrm>
+              <a:off x="7387238" y="3123132"/>
+              <a:ext cx="560435" cy="474406"/>
+            </a:xfrm>
+            <a:prstGeom prst="ellipse">
+              <a:avLst/>
+            </a:prstGeom>
+            <a:noFill/>
+            <a:ln>
+              <a:noFill/>
+            </a:ln>
+          </p:spPr>
+          <p:style>
+            <a:lnRef idx="2">
+              <a:schemeClr val="accent1">
+                <a:shade val="50000"/>
+              </a:schemeClr>
+            </a:lnRef>
+            <a:fillRef idx="1">
+              <a:schemeClr val="accent1"/>
+            </a:fillRef>
+            <a:effectRef idx="0">
+              <a:schemeClr val="accent1"/>
+            </a:effectRef>
+            <a:fontRef idx="minor">
+              <a:schemeClr val="lt1"/>
+            </a:fontRef>
+          </p:style>
+          <p:txBody>
+            <a:bodyPr rtlCol="0" anchor="ctr"/>
+            <a:lstStyle/>
+            <a:p>
+              <a:pPr algn="ctr"/>
+              <a:r>
+                <a:rPr lang="en-US" dirty="0">
+                  <a:solidFill>
+                    <a:schemeClr val="tx1"/>
+                  </a:solidFill>
+                </a:rPr>
+                <a:t>b</a:t>
+              </a:r>
+              <a:endParaRPr lang="en-US" sz="1600" baseline="-25000" dirty="0">
+                <a:solidFill>
+                  <a:schemeClr val="tx1"/>
+                </a:solidFill>
+              </a:endParaRPr>
+            </a:p>
+          </p:txBody>
+        </p:sp>
+        <p:sp>
+          <p:nvSpPr>
+            <p:cNvPr id="8" name="Rectangle 7">
+              <a:extLst>
+                <a:ext uri="{FF2B5EF4-FFF2-40B4-BE49-F238E27FC236}">
+                  <a16:creationId xmlns:a16="http://schemas.microsoft.com/office/drawing/2014/main" id="{8BEE58DE-84FC-489B-8E43-EE350A4C7465}"/>
+                </a:ext>
+              </a:extLst>
+            </p:cNvPr>
+            <p:cNvSpPr/>
+            <p:nvPr/>
+          </p:nvSpPr>
+          <p:spPr>
+            <a:xfrm>
+              <a:off x="7953102" y="4062629"/>
+              <a:ext cx="546366" cy="490641"/>
+            </a:xfrm>
+            <a:prstGeom prst="rect">
+              <a:avLst/>
+            </a:prstGeom>
+            <a:noFill/>
+            <a:ln>
+              <a:solidFill>
+                <a:schemeClr val="tx1"/>
+              </a:solidFill>
+            </a:ln>
+          </p:spPr>
+          <p:style>
+            <a:lnRef idx="2">
+              <a:schemeClr val="accent1">
+                <a:shade val="50000"/>
+              </a:schemeClr>
+            </a:lnRef>
+            <a:fillRef idx="1">
+              <a:schemeClr val="accent1"/>
+            </a:fillRef>
+            <a:effectRef idx="0">
+              <a:schemeClr val="accent1"/>
+            </a:effectRef>
+            <a:fontRef idx="minor">
+              <a:schemeClr val="lt1"/>
+            </a:fontRef>
+          </p:style>
+          <p:txBody>
+            <a:bodyPr rtlCol="0" anchor="ctr"/>
+            <a:lstStyle/>
+            <a:p>
+              <a:pPr algn="ctr"/>
+              <a:r>
+                <a:rPr lang="en-US" sz="1400" dirty="0">
+                  <a:solidFill>
+                    <a:schemeClr val="tx1"/>
+                  </a:solidFill>
+                </a:rPr>
+                <a:t>Y</a:t>
+              </a:r>
+              <a:r>
+                <a:rPr lang="en-US" sz="1400" baseline="-25000" dirty="0">
+                  <a:solidFill>
+                    <a:schemeClr val="tx1"/>
+                  </a:solidFill>
+                </a:rPr>
+                <a:t>3</a:t>
+              </a:r>
+              <a:endParaRPr lang="en-US" sz="1400" dirty="0">
+                <a:solidFill>
+                  <a:schemeClr val="tx1"/>
+                </a:solidFill>
+              </a:endParaRPr>
+            </a:p>
+          </p:txBody>
+        </p:sp>
+        <p:cxnSp>
+          <p:nvCxnSpPr>
+            <p:cNvPr id="13" name="Straight Arrow Connector 12">
+              <a:extLst>
+                <a:ext uri="{FF2B5EF4-FFF2-40B4-BE49-F238E27FC236}">
+                  <a16:creationId xmlns:a16="http://schemas.microsoft.com/office/drawing/2014/main" id="{3E640BC9-C575-466D-AB1D-8E257FDFEFB0}"/>
+                </a:ext>
+              </a:extLst>
+            </p:cNvPr>
+            <p:cNvCxnSpPr>
+              <a:cxnSpLocks/>
+              <a:stCxn id="6" idx="6"/>
+              <a:endCxn id="8" idx="1"/>
+            </p:cNvCxnSpPr>
+            <p:nvPr/>
+          </p:nvCxnSpPr>
+          <p:spPr>
+            <a:xfrm>
+              <a:off x="7060755" y="3736258"/>
+              <a:ext cx="892347" cy="571692"/>
+            </a:xfrm>
+            <a:prstGeom prst="straightConnector1">
+              <a:avLst/>
+            </a:prstGeom>
+            <a:ln>
+              <a:solidFill>
+                <a:schemeClr val="tx1"/>
+              </a:solidFill>
+              <a:tailEnd type="triangle"/>
+            </a:ln>
+          </p:spPr>
+          <p:style>
+            <a:lnRef idx="1">
+              <a:schemeClr val="accent1"/>
+            </a:lnRef>
+            <a:fillRef idx="0">
+              <a:schemeClr val="accent1"/>
+            </a:fillRef>
+            <a:effectRef idx="0">
+              <a:schemeClr val="accent1"/>
+            </a:effectRef>
+            <a:fontRef idx="minor">
+              <a:schemeClr val="tx1"/>
+            </a:fontRef>
+          </p:style>
+        </p:cxnSp>
+        <p:sp>
+          <p:nvSpPr>
+            <p:cNvPr id="24" name="Oval 23">
+              <a:extLst>
+                <a:ext uri="{FF2B5EF4-FFF2-40B4-BE49-F238E27FC236}">
+                  <a16:creationId xmlns:a16="http://schemas.microsoft.com/office/drawing/2014/main" id="{7CC4E715-80E4-489D-8425-E88C592BF235}"/>
+                </a:ext>
+              </a:extLst>
+            </p:cNvPr>
+            <p:cNvSpPr/>
+            <p:nvPr/>
+          </p:nvSpPr>
+          <p:spPr>
+            <a:xfrm>
+              <a:off x="7471960" y="3790015"/>
+              <a:ext cx="560435" cy="474406"/>
+            </a:xfrm>
+            <a:prstGeom prst="ellipse">
+              <a:avLst/>
+            </a:prstGeom>
+            <a:noFill/>
+            <a:ln>
+              <a:noFill/>
+            </a:ln>
+          </p:spPr>
+          <p:style>
+            <a:lnRef idx="2">
+              <a:schemeClr val="accent1">
+                <a:shade val="50000"/>
+              </a:schemeClr>
+            </a:lnRef>
+            <a:fillRef idx="1">
+              <a:schemeClr val="accent1"/>
+            </a:fillRef>
+            <a:effectRef idx="0">
+              <a:schemeClr val="accent1"/>
+            </a:effectRef>
+            <a:fontRef idx="minor">
+              <a:schemeClr val="lt1"/>
+            </a:fontRef>
+          </p:style>
+          <p:txBody>
+            <a:bodyPr rtlCol="0" anchor="ctr"/>
+            <a:lstStyle/>
+            <a:p>
+              <a:pPr algn="ctr"/>
+              <a:r>
+                <a:rPr lang="en-US" dirty="0">
+                  <a:solidFill>
+                    <a:schemeClr val="tx1"/>
+                  </a:solidFill>
+                </a:rPr>
+                <a:t>c</a:t>
+              </a:r>
+              <a:endParaRPr lang="en-US" sz="1600" baseline="-25000" dirty="0">
+                <a:solidFill>
+                  <a:schemeClr val="tx1"/>
+                </a:solidFill>
+              </a:endParaRPr>
+            </a:p>
+          </p:txBody>
+        </p:sp>
+        <p:sp>
+          <p:nvSpPr>
+            <p:cNvPr id="71" name="Rectangle 70">
+              <a:extLst>
+                <a:ext uri="{FF2B5EF4-FFF2-40B4-BE49-F238E27FC236}">
+                  <a16:creationId xmlns:a16="http://schemas.microsoft.com/office/drawing/2014/main" id="{8FE972BB-5386-4B57-AF25-69E966F1A05C}"/>
+                </a:ext>
+              </a:extLst>
+            </p:cNvPr>
+            <p:cNvSpPr/>
+            <p:nvPr/>
+          </p:nvSpPr>
+          <p:spPr>
+            <a:xfrm>
+              <a:off x="7979399" y="4952776"/>
+              <a:ext cx="560435" cy="458082"/>
+            </a:xfrm>
+            <a:prstGeom prst="rect">
+              <a:avLst/>
+            </a:prstGeom>
+            <a:noFill/>
+            <a:ln>
+              <a:solidFill>
+                <a:schemeClr val="tx1"/>
+              </a:solidFill>
+            </a:ln>
+          </p:spPr>
+          <p:style>
+            <a:lnRef idx="2">
+              <a:schemeClr val="accent1">
+                <a:shade val="50000"/>
+              </a:schemeClr>
+            </a:lnRef>
+            <a:fillRef idx="1">
+              <a:schemeClr val="accent1"/>
+            </a:fillRef>
+            <a:effectRef idx="0">
+              <a:schemeClr val="accent1"/>
+            </a:effectRef>
+            <a:fontRef idx="minor">
+              <a:schemeClr val="lt1"/>
+            </a:fontRef>
+          </p:style>
+          <p:txBody>
+            <a:bodyPr rtlCol="0" anchor="ctr"/>
+            <a:lstStyle/>
+            <a:p>
+              <a:pPr algn="ctr"/>
+              <a:r>
+                <a:rPr lang="en-US" sz="1400" dirty="0">
+                  <a:solidFill>
+                    <a:schemeClr val="tx1"/>
+                  </a:solidFill>
+                </a:rPr>
+                <a:t>Y</a:t>
+              </a:r>
+              <a:r>
+                <a:rPr lang="en-US" sz="1400" baseline="-25000" dirty="0">
+                  <a:solidFill>
+                    <a:schemeClr val="tx1"/>
+                  </a:solidFill>
+                </a:rPr>
+                <a:t>4</a:t>
+              </a:r>
+              <a:endParaRPr lang="en-US" sz="1400" dirty="0">
+                <a:solidFill>
+                  <a:schemeClr val="tx1"/>
+                </a:solidFill>
+              </a:endParaRPr>
+            </a:p>
+          </p:txBody>
+        </p:sp>
+        <p:cxnSp>
+          <p:nvCxnSpPr>
+            <p:cNvPr id="72" name="Straight Arrow Connector 71">
+              <a:extLst>
+                <a:ext uri="{FF2B5EF4-FFF2-40B4-BE49-F238E27FC236}">
+                  <a16:creationId xmlns:a16="http://schemas.microsoft.com/office/drawing/2014/main" id="{D9C12BD0-72F1-499A-B23B-5A1C18730589}"/>
+                </a:ext>
+              </a:extLst>
+            </p:cNvPr>
+            <p:cNvCxnSpPr>
+              <a:cxnSpLocks/>
+              <a:stCxn id="6" idx="6"/>
+              <a:endCxn id="71" idx="1"/>
+            </p:cNvCxnSpPr>
+            <p:nvPr/>
+          </p:nvCxnSpPr>
+          <p:spPr>
+            <a:xfrm>
+              <a:off x="7060755" y="3736258"/>
+              <a:ext cx="918644" cy="1445559"/>
+            </a:xfrm>
+            <a:prstGeom prst="straightConnector1">
+              <a:avLst/>
+            </a:prstGeom>
+            <a:ln>
+              <a:solidFill>
+                <a:schemeClr val="tx1"/>
+              </a:solidFill>
+              <a:tailEnd type="triangle"/>
+            </a:ln>
+          </p:spPr>
+          <p:style>
+            <a:lnRef idx="1">
+              <a:schemeClr val="accent1"/>
+            </a:lnRef>
+            <a:fillRef idx="0">
+              <a:schemeClr val="accent1"/>
+            </a:fillRef>
+            <a:effectRef idx="0">
+              <a:schemeClr val="accent1"/>
+            </a:effectRef>
+            <a:fontRef idx="minor">
+              <a:schemeClr val="tx1"/>
+            </a:fontRef>
+          </p:style>
+        </p:cxnSp>
+        <p:sp>
+          <p:nvSpPr>
+            <p:cNvPr id="75" name="Oval 74">
+              <a:extLst>
+                <a:ext uri="{FF2B5EF4-FFF2-40B4-BE49-F238E27FC236}">
+                  <a16:creationId xmlns:a16="http://schemas.microsoft.com/office/drawing/2014/main" id="{9221497E-8CCC-4D97-BED3-A0946FB4AE89}"/>
+                </a:ext>
+              </a:extLst>
+            </p:cNvPr>
+            <p:cNvSpPr/>
+            <p:nvPr/>
+          </p:nvSpPr>
+          <p:spPr>
+            <a:xfrm>
+              <a:off x="7305593" y="4549621"/>
+              <a:ext cx="560435" cy="474406"/>
+            </a:xfrm>
+            <a:prstGeom prst="ellipse">
+              <a:avLst/>
+            </a:prstGeom>
+            <a:noFill/>
+            <a:ln>
+              <a:noFill/>
+            </a:ln>
+          </p:spPr>
+          <p:style>
+            <a:lnRef idx="2">
+              <a:schemeClr val="accent1">
+                <a:shade val="50000"/>
+              </a:schemeClr>
+            </a:lnRef>
+            <a:fillRef idx="1">
+              <a:schemeClr val="accent1"/>
+            </a:fillRef>
+            <a:effectRef idx="0">
+              <a:schemeClr val="accent1"/>
+            </a:effectRef>
+            <a:fontRef idx="minor">
+              <a:schemeClr val="lt1"/>
+            </a:fontRef>
+          </p:style>
+          <p:txBody>
+            <a:bodyPr rtlCol="0" anchor="ctr"/>
+            <a:lstStyle/>
+            <a:p>
+              <a:pPr algn="ctr"/>
+              <a:r>
+                <a:rPr lang="en-US" dirty="0">
+                  <a:solidFill>
+                    <a:schemeClr val="tx1"/>
+                  </a:solidFill>
+                </a:rPr>
+                <a:t>d</a:t>
+              </a:r>
+              <a:endParaRPr lang="en-US" sz="1600" baseline="-25000" dirty="0">
+                <a:solidFill>
+                  <a:schemeClr val="tx1"/>
+                </a:solidFill>
+              </a:endParaRPr>
+            </a:p>
+          </p:txBody>
+        </p:sp>
+        <p:sp>
+          <p:nvSpPr>
+            <p:cNvPr id="77" name="Rectangle 76">
+              <a:extLst>
+                <a:ext uri="{FF2B5EF4-FFF2-40B4-BE49-F238E27FC236}">
+                  <a16:creationId xmlns:a16="http://schemas.microsoft.com/office/drawing/2014/main" id="{97ABECFD-E16E-443A-AEE4-5A7763DFACFF}"/>
+                </a:ext>
+              </a:extLst>
+            </p:cNvPr>
+            <p:cNvSpPr/>
+            <p:nvPr/>
+          </p:nvSpPr>
+          <p:spPr>
+            <a:xfrm>
+              <a:off x="7909342" y="2336285"/>
+              <a:ext cx="560435" cy="458082"/>
+            </a:xfrm>
+            <a:prstGeom prst="rect">
+              <a:avLst/>
+            </a:prstGeom>
+            <a:noFill/>
+            <a:ln>
+              <a:solidFill>
+                <a:schemeClr val="tx1"/>
+              </a:solidFill>
+            </a:ln>
+          </p:spPr>
+          <p:style>
+            <a:lnRef idx="2">
+              <a:schemeClr val="accent1">
+                <a:shade val="50000"/>
+              </a:schemeClr>
+            </a:lnRef>
+            <a:fillRef idx="1">
+              <a:schemeClr val="accent1"/>
+            </a:fillRef>
+            <a:effectRef idx="0">
+              <a:schemeClr val="accent1"/>
+            </a:effectRef>
+            <a:fontRef idx="minor">
+              <a:schemeClr val="lt1"/>
+            </a:fontRef>
+          </p:style>
+          <p:txBody>
+            <a:bodyPr rtlCol="0" anchor="ctr"/>
+            <a:lstStyle/>
+            <a:p>
+              <a:pPr algn="ctr"/>
+              <a:r>
+                <a:rPr lang="en-US" sz="1400" dirty="0">
+                  <a:solidFill>
+                    <a:schemeClr val="tx1"/>
+                  </a:solidFill>
+                </a:rPr>
+                <a:t>Y</a:t>
+              </a:r>
+              <a:r>
+                <a:rPr lang="en-US" sz="1400" baseline="-25000" dirty="0">
+                  <a:solidFill>
+                    <a:schemeClr val="tx1"/>
+                  </a:solidFill>
+                </a:rPr>
+                <a:t>1</a:t>
+              </a:r>
+            </a:p>
+          </p:txBody>
+        </p:sp>
+        <p:cxnSp>
+          <p:nvCxnSpPr>
+            <p:cNvPr id="78" name="Straight Arrow Connector 77">
+              <a:extLst>
+                <a:ext uri="{FF2B5EF4-FFF2-40B4-BE49-F238E27FC236}">
+                  <a16:creationId xmlns:a16="http://schemas.microsoft.com/office/drawing/2014/main" id="{FC655C80-8DB7-436C-B4C2-4A3CCA3C7F30}"/>
+                </a:ext>
+              </a:extLst>
+            </p:cNvPr>
+            <p:cNvCxnSpPr>
+              <a:cxnSpLocks/>
+              <a:stCxn id="6" idx="6"/>
+              <a:endCxn id="77" idx="1"/>
+            </p:cNvCxnSpPr>
+            <p:nvPr/>
+          </p:nvCxnSpPr>
+          <p:spPr>
+            <a:xfrm flipV="1">
+              <a:off x="7060755" y="2565326"/>
+              <a:ext cx="848587" cy="1170932"/>
+            </a:xfrm>
+            <a:prstGeom prst="straightConnector1">
+              <a:avLst/>
+            </a:prstGeom>
+            <a:ln>
+              <a:solidFill>
+                <a:schemeClr val="tx1"/>
+              </a:solidFill>
+              <a:tailEnd type="triangle"/>
+            </a:ln>
+          </p:spPr>
+          <p:style>
+            <a:lnRef idx="1">
+              <a:schemeClr val="accent1"/>
+            </a:lnRef>
+            <a:fillRef idx="0">
+              <a:schemeClr val="accent1"/>
+            </a:fillRef>
+            <a:effectRef idx="0">
+              <a:schemeClr val="accent1"/>
+            </a:effectRef>
+            <a:fontRef idx="minor">
+              <a:schemeClr val="tx1"/>
+            </a:fontRef>
+          </p:style>
+        </p:cxnSp>
+        <p:sp>
+          <p:nvSpPr>
+            <p:cNvPr id="81" name="Oval 80">
+              <a:extLst>
+                <a:ext uri="{FF2B5EF4-FFF2-40B4-BE49-F238E27FC236}">
+                  <a16:creationId xmlns:a16="http://schemas.microsoft.com/office/drawing/2014/main" id="{19A0409D-37D5-45A7-AB73-B86BDC9F6566}"/>
+                </a:ext>
+              </a:extLst>
+            </p:cNvPr>
+            <p:cNvSpPr/>
+            <p:nvPr/>
+          </p:nvSpPr>
+          <p:spPr>
+            <a:xfrm>
+              <a:off x="7107020" y="2622093"/>
+              <a:ext cx="560435" cy="474406"/>
+            </a:xfrm>
+            <a:prstGeom prst="ellipse">
+              <a:avLst/>
+            </a:prstGeom>
+            <a:noFill/>
+            <a:ln>
+              <a:noFill/>
+            </a:ln>
+          </p:spPr>
+          <p:style>
+            <a:lnRef idx="2">
+              <a:schemeClr val="accent1">
+                <a:shade val="50000"/>
+              </a:schemeClr>
+            </a:lnRef>
+            <a:fillRef idx="1">
+              <a:schemeClr val="accent1"/>
+            </a:fillRef>
+            <a:effectRef idx="0">
+              <a:schemeClr val="accent1"/>
+            </a:effectRef>
+            <a:fontRef idx="minor">
+              <a:schemeClr val="lt1"/>
+            </a:fontRef>
+          </p:style>
+          <p:txBody>
+            <a:bodyPr rtlCol="0" anchor="ctr"/>
+            <a:lstStyle/>
+            <a:p>
+              <a:pPr algn="ctr"/>
+              <a:r>
+                <a:rPr lang="en-US" dirty="0">
+                  <a:solidFill>
+                    <a:schemeClr val="tx1"/>
+                  </a:solidFill>
+                </a:rPr>
+                <a:t>a</a:t>
+              </a:r>
+              <a:endParaRPr lang="en-US" sz="1600" baseline="-25000" dirty="0">
+                <a:solidFill>
+                  <a:schemeClr val="tx1"/>
+                </a:solidFill>
+              </a:endParaRPr>
+            </a:p>
+          </p:txBody>
+        </p:sp>
+        <p:grpSp>
+          <p:nvGrpSpPr>
+            <p:cNvPr id="104" name="Group 103">
+              <a:extLst>
+                <a:ext uri="{FF2B5EF4-FFF2-40B4-BE49-F238E27FC236}">
+                  <a16:creationId xmlns:a16="http://schemas.microsoft.com/office/drawing/2014/main" id="{34492833-CD75-44C7-8785-78265E85F6A9}"/>
+                </a:ext>
+              </a:extLst>
+            </p:cNvPr>
+            <p:cNvGrpSpPr/>
+            <p:nvPr/>
+          </p:nvGrpSpPr>
+          <p:grpSpPr>
+            <a:xfrm>
+              <a:off x="8470301" y="2364318"/>
+              <a:ext cx="905499" cy="474406"/>
+              <a:chOff x="9407254" y="3215101"/>
+              <a:chExt cx="905499" cy="474406"/>
+            </a:xfrm>
+          </p:grpSpPr>
+          <p:sp>
+            <p:nvSpPr>
+              <p:cNvPr id="105" name="Oval 104">
+                <a:extLst>
+                  <a:ext uri="{FF2B5EF4-FFF2-40B4-BE49-F238E27FC236}">
+                    <a16:creationId xmlns:a16="http://schemas.microsoft.com/office/drawing/2014/main" id="{A3AAAB4B-2C00-4F90-800B-DF4F4F3D7948}"/>
+                  </a:ext>
+                </a:extLst>
+              </p:cNvPr>
+              <p:cNvSpPr/>
+              <p:nvPr/>
+            </p:nvSpPr>
+            <p:spPr>
+              <a:xfrm>
+                <a:off x="9752318" y="3215101"/>
+                <a:ext cx="560435" cy="474406"/>
+              </a:xfrm>
+              <a:prstGeom prst="ellipse">
+                <a:avLst/>
+              </a:prstGeom>
+              <a:noFill/>
+              <a:ln>
+                <a:noFill/>
+              </a:ln>
+            </p:spPr>
+            <p:style>
+              <a:lnRef idx="2">
+                <a:schemeClr val="accent1">
+                  <a:shade val="50000"/>
+                </a:schemeClr>
+              </a:lnRef>
+              <a:fillRef idx="1">
+                <a:schemeClr val="accent1"/>
+              </a:fillRef>
+              <a:effectRef idx="0">
+                <a:schemeClr val="accent1"/>
+              </a:effectRef>
+              <a:fontRef idx="minor">
+                <a:schemeClr val="lt1"/>
+              </a:fontRef>
+            </p:style>
+            <p:txBody>
+              <a:bodyPr rtlCol="0" anchor="ctr"/>
+              <a:lstStyle/>
+              <a:p>
+                <a:pPr algn="ctr"/>
+                <a:r>
+                  <a:rPr lang="el-GR" dirty="0">
+                    <a:solidFill>
+                      <a:schemeClr val="tx1"/>
+                    </a:solidFill>
+                  </a:rPr>
+                  <a:t>ε</a:t>
+                </a:r>
+                <a:r>
+                  <a:rPr lang="en-US" sz="1600" baseline="-25000" dirty="0">
+                    <a:solidFill>
+                      <a:schemeClr val="tx1"/>
+                    </a:solidFill>
+                  </a:rPr>
+                  <a:t>4</a:t>
+                </a:r>
+              </a:p>
+            </p:txBody>
+          </p:sp>
+          <p:cxnSp>
+            <p:nvCxnSpPr>
+              <p:cNvPr id="106" name="Straight Arrow Connector 105">
+                <a:extLst>
+                  <a:ext uri="{FF2B5EF4-FFF2-40B4-BE49-F238E27FC236}">
+                    <a16:creationId xmlns:a16="http://schemas.microsoft.com/office/drawing/2014/main" id="{61993DA5-4096-41F3-9E99-3C2ED1E82A85}"/>
+                  </a:ext>
+                </a:extLst>
+              </p:cNvPr>
+              <p:cNvCxnSpPr>
+                <a:cxnSpLocks/>
+                <a:stCxn id="105" idx="2"/>
+              </p:cNvCxnSpPr>
+              <p:nvPr/>
+            </p:nvCxnSpPr>
+            <p:spPr>
+              <a:xfrm flipH="1">
+                <a:off x="9407254" y="3452304"/>
+                <a:ext cx="345064" cy="0"/>
+              </a:xfrm>
+              <a:prstGeom prst="straightConnector1">
+                <a:avLst/>
+              </a:prstGeom>
+              <a:ln>
+                <a:solidFill>
+                  <a:schemeClr val="tx1"/>
+                </a:solidFill>
+                <a:tailEnd type="triangle"/>
+              </a:ln>
+            </p:spPr>
+            <p:style>
+              <a:lnRef idx="1">
+                <a:schemeClr val="accent1"/>
+              </a:lnRef>
+              <a:fillRef idx="0">
+                <a:schemeClr val="accent1"/>
+              </a:fillRef>
+              <a:effectRef idx="0">
+                <a:schemeClr val="accent1"/>
+              </a:effectRef>
+              <a:fontRef idx="minor">
+                <a:schemeClr val="tx1"/>
+              </a:fontRef>
+            </p:style>
+          </p:cxnSp>
+        </p:grpSp>
+        <p:grpSp>
+          <p:nvGrpSpPr>
+            <p:cNvPr id="107" name="Group 106">
+              <a:extLst>
+                <a:ext uri="{FF2B5EF4-FFF2-40B4-BE49-F238E27FC236}">
+                  <a16:creationId xmlns:a16="http://schemas.microsoft.com/office/drawing/2014/main" id="{498A7ED1-568A-43AF-87DC-7FB098050B41}"/>
+                </a:ext>
+              </a:extLst>
+            </p:cNvPr>
+            <p:cNvGrpSpPr/>
+            <p:nvPr/>
+          </p:nvGrpSpPr>
+          <p:grpSpPr>
+            <a:xfrm>
+              <a:off x="8513388" y="4121949"/>
+              <a:ext cx="905499" cy="474406"/>
+              <a:chOff x="9407254" y="3215101"/>
+              <a:chExt cx="905499" cy="474406"/>
+            </a:xfrm>
+          </p:grpSpPr>
+          <p:sp>
+            <p:nvSpPr>
+              <p:cNvPr id="108" name="Oval 107">
+                <a:extLst>
+                  <a:ext uri="{FF2B5EF4-FFF2-40B4-BE49-F238E27FC236}">
+                    <a16:creationId xmlns:a16="http://schemas.microsoft.com/office/drawing/2014/main" id="{B11AC486-5883-4A6D-9E9A-0AF62732CB13}"/>
+                  </a:ext>
+                </a:extLst>
+              </p:cNvPr>
+              <p:cNvSpPr/>
+              <p:nvPr/>
+            </p:nvSpPr>
+            <p:spPr>
+              <a:xfrm>
+                <a:off x="9752318" y="3215101"/>
+                <a:ext cx="560435" cy="474406"/>
+              </a:xfrm>
+              <a:prstGeom prst="ellipse">
+                <a:avLst/>
+              </a:prstGeom>
+              <a:noFill/>
+              <a:ln>
+                <a:noFill/>
+              </a:ln>
+            </p:spPr>
+            <p:style>
+              <a:lnRef idx="2">
+                <a:schemeClr val="accent1">
+                  <a:shade val="50000"/>
+                </a:schemeClr>
+              </a:lnRef>
+              <a:fillRef idx="1">
+                <a:schemeClr val="accent1"/>
+              </a:fillRef>
+              <a:effectRef idx="0">
+                <a:schemeClr val="accent1"/>
+              </a:effectRef>
+              <a:fontRef idx="minor">
+                <a:schemeClr val="lt1"/>
+              </a:fontRef>
+            </p:style>
+            <p:txBody>
+              <a:bodyPr rtlCol="0" anchor="ctr"/>
+              <a:lstStyle/>
+              <a:p>
+                <a:pPr algn="ctr"/>
+                <a:r>
+                  <a:rPr lang="el-GR" dirty="0">
+                    <a:solidFill>
+                      <a:schemeClr val="tx1"/>
+                    </a:solidFill>
+                  </a:rPr>
+                  <a:t>ε</a:t>
+                </a:r>
+                <a:r>
+                  <a:rPr lang="en-US" sz="1600" baseline="-25000" dirty="0">
+                    <a:solidFill>
+                      <a:schemeClr val="tx1"/>
+                    </a:solidFill>
+                  </a:rPr>
+                  <a:t>4</a:t>
+                </a:r>
+              </a:p>
+            </p:txBody>
+          </p:sp>
+          <p:cxnSp>
+            <p:nvCxnSpPr>
+              <p:cNvPr id="109" name="Straight Arrow Connector 108">
+                <a:extLst>
+                  <a:ext uri="{FF2B5EF4-FFF2-40B4-BE49-F238E27FC236}">
+                    <a16:creationId xmlns:a16="http://schemas.microsoft.com/office/drawing/2014/main" id="{28D17F40-D3E8-41A7-A2D3-2FA30D7C11CE}"/>
+                  </a:ext>
+                </a:extLst>
+              </p:cNvPr>
+              <p:cNvCxnSpPr>
+                <a:cxnSpLocks/>
+                <a:stCxn id="108" idx="2"/>
+              </p:cNvCxnSpPr>
+              <p:nvPr/>
+            </p:nvCxnSpPr>
+            <p:spPr>
+              <a:xfrm flipH="1">
+                <a:off x="9407254" y="3452304"/>
+                <a:ext cx="345064" cy="0"/>
+              </a:xfrm>
+              <a:prstGeom prst="straightConnector1">
+                <a:avLst/>
+              </a:prstGeom>
+              <a:ln>
+                <a:solidFill>
+                  <a:schemeClr val="tx1"/>
+                </a:solidFill>
+                <a:tailEnd type="triangle"/>
+              </a:ln>
+            </p:spPr>
+            <p:style>
+              <a:lnRef idx="1">
+                <a:schemeClr val="accent1"/>
+              </a:lnRef>
+              <a:fillRef idx="0">
+                <a:schemeClr val="accent1"/>
+              </a:fillRef>
+              <a:effectRef idx="0">
+                <a:schemeClr val="accent1"/>
+              </a:effectRef>
+              <a:fontRef idx="minor">
+                <a:schemeClr val="tx1"/>
+              </a:fontRef>
+            </p:style>
+          </p:cxnSp>
+        </p:grpSp>
+        <p:grpSp>
+          <p:nvGrpSpPr>
+            <p:cNvPr id="110" name="Group 109">
+              <a:extLst>
+                <a:ext uri="{FF2B5EF4-FFF2-40B4-BE49-F238E27FC236}">
+                  <a16:creationId xmlns:a16="http://schemas.microsoft.com/office/drawing/2014/main" id="{FE63FCAD-B7C1-4036-838C-5BA8B88F3599}"/>
+                </a:ext>
+              </a:extLst>
+            </p:cNvPr>
+            <p:cNvGrpSpPr/>
+            <p:nvPr/>
+          </p:nvGrpSpPr>
+          <p:grpSpPr>
+            <a:xfrm>
+              <a:off x="8560021" y="4964485"/>
+              <a:ext cx="905499" cy="474406"/>
+              <a:chOff x="9407254" y="3215101"/>
+              <a:chExt cx="905499" cy="474406"/>
+            </a:xfrm>
+          </p:grpSpPr>
+          <p:sp>
+            <p:nvSpPr>
+              <p:cNvPr id="111" name="Oval 110">
+                <a:extLst>
+                  <a:ext uri="{FF2B5EF4-FFF2-40B4-BE49-F238E27FC236}">
+                    <a16:creationId xmlns:a16="http://schemas.microsoft.com/office/drawing/2014/main" id="{7A697FDD-BA11-48BB-AC8F-112D7C6C4FD8}"/>
+                  </a:ext>
+                </a:extLst>
+              </p:cNvPr>
+              <p:cNvSpPr/>
+              <p:nvPr/>
+            </p:nvSpPr>
+            <p:spPr>
+              <a:xfrm>
+                <a:off x="9752318" y="3215101"/>
+                <a:ext cx="560435" cy="474406"/>
+              </a:xfrm>
+              <a:prstGeom prst="ellipse">
+                <a:avLst/>
+              </a:prstGeom>
+              <a:noFill/>
+              <a:ln>
+                <a:noFill/>
+              </a:ln>
+            </p:spPr>
+            <p:style>
+              <a:lnRef idx="2">
+                <a:schemeClr val="accent1">
+                  <a:shade val="50000"/>
+                </a:schemeClr>
+              </a:lnRef>
+              <a:fillRef idx="1">
+                <a:schemeClr val="accent1"/>
+              </a:fillRef>
+              <a:effectRef idx="0">
+                <a:schemeClr val="accent1"/>
+              </a:effectRef>
+              <a:fontRef idx="minor">
+                <a:schemeClr val="lt1"/>
+              </a:fontRef>
+            </p:style>
+            <p:txBody>
+              <a:bodyPr rtlCol="0" anchor="ctr"/>
+              <a:lstStyle/>
+              <a:p>
+                <a:pPr algn="ctr"/>
+                <a:r>
+                  <a:rPr lang="el-GR" dirty="0">
+                    <a:solidFill>
+                      <a:schemeClr val="tx1"/>
+                    </a:solidFill>
+                  </a:rPr>
+                  <a:t>ε</a:t>
+                </a:r>
+                <a:r>
+                  <a:rPr lang="en-US" sz="1600" baseline="-25000" dirty="0">
+                    <a:solidFill>
+                      <a:schemeClr val="tx1"/>
+                    </a:solidFill>
+                  </a:rPr>
+                  <a:t>4</a:t>
+                </a:r>
+              </a:p>
+            </p:txBody>
+          </p:sp>
+          <p:cxnSp>
+            <p:nvCxnSpPr>
+              <p:cNvPr id="112" name="Straight Arrow Connector 111">
+                <a:extLst>
+                  <a:ext uri="{FF2B5EF4-FFF2-40B4-BE49-F238E27FC236}">
+                    <a16:creationId xmlns:a16="http://schemas.microsoft.com/office/drawing/2014/main" id="{F94C43A0-3C08-4F9C-A144-FADC439549E6}"/>
+                  </a:ext>
+                </a:extLst>
+              </p:cNvPr>
+              <p:cNvCxnSpPr>
+                <a:cxnSpLocks/>
+                <a:stCxn id="111" idx="2"/>
+              </p:cNvCxnSpPr>
+              <p:nvPr/>
+            </p:nvCxnSpPr>
+            <p:spPr>
+              <a:xfrm flipH="1">
+                <a:off x="9407254" y="3452304"/>
+                <a:ext cx="345064" cy="0"/>
+              </a:xfrm>
+              <a:prstGeom prst="straightConnector1">
+                <a:avLst/>
+              </a:prstGeom>
+              <a:ln>
+                <a:solidFill>
+                  <a:schemeClr val="tx1"/>
+                </a:solidFill>
+                <a:tailEnd type="triangle"/>
+              </a:ln>
+            </p:spPr>
+            <p:style>
+              <a:lnRef idx="1">
+                <a:schemeClr val="accent1"/>
+              </a:lnRef>
+              <a:fillRef idx="0">
+                <a:schemeClr val="accent1"/>
+              </a:fillRef>
+              <a:effectRef idx="0">
+                <a:schemeClr val="accent1"/>
+              </a:effectRef>
+              <a:fontRef idx="minor">
+                <a:schemeClr val="tx1"/>
+              </a:fontRef>
+            </p:style>
+          </p:cxnSp>
+        </p:grpSp>
+      </p:grpSp>
+      <p:grpSp>
+        <p:nvGrpSpPr>
+          <p:cNvPr id="121" name="Group 120">
+            <a:extLst>
+              <a:ext uri="{FF2B5EF4-FFF2-40B4-BE49-F238E27FC236}">
+                <a16:creationId xmlns:a16="http://schemas.microsoft.com/office/drawing/2014/main" id="{618F2F76-4A76-496D-A045-0138B7BE5FD8}"/>
+              </a:ext>
+            </a:extLst>
+          </p:cNvPr>
+          <p:cNvGrpSpPr/>
+          <p:nvPr/>
+        </p:nvGrpSpPr>
+        <p:grpSpPr>
+          <a:xfrm>
+            <a:off x="4306070" y="1517172"/>
+            <a:ext cx="1890727" cy="1742286"/>
+            <a:chOff x="3796145" y="2558833"/>
+            <a:chExt cx="1890727" cy="1742286"/>
+          </a:xfrm>
+        </p:grpSpPr>
+        <p:sp>
+          <p:nvSpPr>
+            <p:cNvPr id="5" name="Rectangle 4">
+              <a:extLst>
+                <a:ext uri="{FF2B5EF4-FFF2-40B4-BE49-F238E27FC236}">
+                  <a16:creationId xmlns:a16="http://schemas.microsoft.com/office/drawing/2014/main" id="{F1C4EE46-4740-4A39-AADE-DAB4D213BDBA}"/>
+                </a:ext>
+              </a:extLst>
+            </p:cNvPr>
+            <p:cNvSpPr/>
+            <p:nvPr/>
+          </p:nvSpPr>
+          <p:spPr>
+            <a:xfrm>
+              <a:off x="3796145" y="3358635"/>
+              <a:ext cx="1335102" cy="747252"/>
+            </a:xfrm>
+            <a:prstGeom prst="rect">
+              <a:avLst/>
+            </a:prstGeom>
+            <a:noFill/>
+            <a:ln>
+              <a:solidFill>
+                <a:schemeClr val="tx1"/>
+              </a:solidFill>
+            </a:ln>
+          </p:spPr>
+          <p:style>
+            <a:lnRef idx="2">
+              <a:schemeClr val="accent1">
+                <a:shade val="50000"/>
+              </a:schemeClr>
+            </a:lnRef>
+            <a:fillRef idx="1">
+              <a:schemeClr val="accent1"/>
+            </a:fillRef>
+            <a:effectRef idx="0">
+              <a:schemeClr val="accent1"/>
+            </a:effectRef>
+            <a:fontRef idx="minor">
+              <a:schemeClr val="lt1"/>
+            </a:fontRef>
+          </p:style>
+          <p:txBody>
+            <a:bodyPr rtlCol="0" anchor="ctr"/>
+            <a:lstStyle/>
+            <a:p>
+              <a:pPr algn="ctr"/>
+              <a:r>
+                <a:rPr lang="en-US" dirty="0">
+                  <a:solidFill>
+                    <a:schemeClr val="tx1"/>
+                  </a:solidFill>
+                </a:rPr>
+                <a:t>X</a:t>
+              </a:r>
+              <a:r>
+                <a:rPr lang="en-US" baseline="-25000" dirty="0">
+                  <a:solidFill>
+                    <a:schemeClr val="tx1"/>
+                  </a:solidFill>
+                </a:rPr>
+                <a:t>1</a:t>
+              </a:r>
+              <a:r>
+                <a:rPr lang="en-US" dirty="0">
+                  <a:solidFill>
+                    <a:schemeClr val="tx1"/>
+                  </a:solidFill>
+                </a:rPr>
+                <a:t> (</a:t>
+              </a:r>
+              <a:r>
+                <a:rPr lang="el-GR" dirty="0">
+                  <a:solidFill>
+                    <a:schemeClr val="tx1"/>
+                  </a:solidFill>
+                </a:rPr>
+                <a:t>ξ</a:t>
+              </a:r>
+              <a:r>
+                <a:rPr lang="en-US" baseline="-25000" dirty="0">
+                  <a:solidFill>
+                    <a:schemeClr val="tx1"/>
+                  </a:solidFill>
+                </a:rPr>
+                <a:t>1</a:t>
+              </a:r>
+              <a:r>
+                <a:rPr lang="en-US" dirty="0">
+                  <a:solidFill>
+                    <a:schemeClr val="tx1"/>
+                  </a:solidFill>
+                </a:rPr>
+                <a:t>)</a:t>
+              </a:r>
+            </a:p>
+          </p:txBody>
+        </p:sp>
+        <p:sp>
+          <p:nvSpPr>
+            <p:cNvPr id="14" name="Oval 13">
+              <a:extLst>
+                <a:ext uri="{FF2B5EF4-FFF2-40B4-BE49-F238E27FC236}">
+                  <a16:creationId xmlns:a16="http://schemas.microsoft.com/office/drawing/2014/main" id="{19335658-E87D-4446-88A0-9871E31C8ED0}"/>
+                </a:ext>
+              </a:extLst>
+            </p:cNvPr>
+            <p:cNvSpPr/>
+            <p:nvPr/>
+          </p:nvSpPr>
+          <p:spPr>
+            <a:xfrm>
+              <a:off x="4232638" y="2558833"/>
+              <a:ext cx="462116" cy="474407"/>
+            </a:xfrm>
+            <a:prstGeom prst="ellipse">
+              <a:avLst/>
+            </a:prstGeom>
+            <a:noFill/>
+            <a:ln>
+              <a:noFill/>
+            </a:ln>
+          </p:spPr>
+          <p:style>
+            <a:lnRef idx="2">
+              <a:schemeClr val="accent1">
+                <a:shade val="50000"/>
+              </a:schemeClr>
+            </a:lnRef>
+            <a:fillRef idx="1">
+              <a:schemeClr val="accent1"/>
+            </a:fillRef>
+            <a:effectRef idx="0">
+              <a:schemeClr val="accent1"/>
+            </a:effectRef>
+            <a:fontRef idx="minor">
+              <a:schemeClr val="lt1"/>
+            </a:fontRef>
+          </p:style>
+          <p:txBody>
+            <a:bodyPr rtlCol="0" anchor="ctr"/>
+            <a:lstStyle/>
+            <a:p>
+              <a:pPr algn="ctr"/>
+              <a:r>
+                <a:rPr lang="el-GR" sz="1600" dirty="0">
+                  <a:solidFill>
+                    <a:schemeClr val="tx1"/>
+                  </a:solidFill>
+                </a:rPr>
+                <a:t>ζ</a:t>
+              </a:r>
+              <a:r>
+                <a:rPr lang="en-US" sz="1600" baseline="-25000" dirty="0">
+                  <a:solidFill>
+                    <a:schemeClr val="tx1"/>
+                  </a:solidFill>
+                </a:rPr>
+                <a:t>1</a:t>
+              </a:r>
+            </a:p>
+          </p:txBody>
+        </p:sp>
+        <p:cxnSp>
+          <p:nvCxnSpPr>
+            <p:cNvPr id="15" name="Straight Arrow Connector 14">
+              <a:extLst>
+                <a:ext uri="{FF2B5EF4-FFF2-40B4-BE49-F238E27FC236}">
+                  <a16:creationId xmlns:a16="http://schemas.microsoft.com/office/drawing/2014/main" id="{FD9949A0-026B-44BF-802F-1FBD570F68F3}"/>
+                </a:ext>
+              </a:extLst>
+            </p:cNvPr>
+            <p:cNvCxnSpPr>
+              <a:cxnSpLocks/>
+              <a:stCxn id="14" idx="4"/>
+              <a:endCxn id="5" idx="0"/>
+            </p:cNvCxnSpPr>
+            <p:nvPr/>
+          </p:nvCxnSpPr>
+          <p:spPr>
+            <a:xfrm>
+              <a:off x="4463696" y="3033240"/>
+              <a:ext cx="0" cy="325395"/>
+            </a:xfrm>
+            <a:prstGeom prst="straightConnector1">
+              <a:avLst/>
+            </a:prstGeom>
+            <a:ln>
+              <a:solidFill>
+                <a:schemeClr val="tx1"/>
+              </a:solidFill>
+              <a:tailEnd type="triangle"/>
+            </a:ln>
+          </p:spPr>
+          <p:style>
+            <a:lnRef idx="1">
+              <a:schemeClr val="accent1"/>
+            </a:lnRef>
+            <a:fillRef idx="0">
+              <a:schemeClr val="accent1"/>
+            </a:fillRef>
+            <a:effectRef idx="0">
+              <a:schemeClr val="accent1"/>
+            </a:effectRef>
+            <a:fontRef idx="minor">
+              <a:schemeClr val="tx1"/>
+            </a:fontRef>
+          </p:style>
+        </p:cxnSp>
+        <p:sp>
+          <p:nvSpPr>
+            <p:cNvPr id="114" name="Oval 113">
+              <a:extLst>
+                <a:ext uri="{FF2B5EF4-FFF2-40B4-BE49-F238E27FC236}">
+                  <a16:creationId xmlns:a16="http://schemas.microsoft.com/office/drawing/2014/main" id="{94BCCDD2-D8CB-43DD-B5FA-A3668A0B5329}"/>
+                </a:ext>
+              </a:extLst>
+            </p:cNvPr>
+            <p:cNvSpPr/>
+            <p:nvPr/>
+          </p:nvSpPr>
+          <p:spPr>
+            <a:xfrm>
+              <a:off x="5126437" y="3826713"/>
+              <a:ext cx="560435" cy="474406"/>
+            </a:xfrm>
+            <a:prstGeom prst="ellipse">
+              <a:avLst/>
+            </a:prstGeom>
+            <a:noFill/>
+            <a:ln>
+              <a:noFill/>
+            </a:ln>
+          </p:spPr>
+          <p:style>
+            <a:lnRef idx="2">
+              <a:schemeClr val="accent1">
+                <a:shade val="50000"/>
+              </a:schemeClr>
+            </a:lnRef>
+            <a:fillRef idx="1">
+              <a:schemeClr val="accent1"/>
+            </a:fillRef>
+            <a:effectRef idx="0">
+              <a:schemeClr val="accent1"/>
+            </a:effectRef>
+            <a:fontRef idx="minor">
+              <a:schemeClr val="lt1"/>
+            </a:fontRef>
+          </p:style>
+          <p:txBody>
+            <a:bodyPr rtlCol="0" anchor="ctr"/>
+            <a:lstStyle/>
+            <a:p>
+              <a:pPr algn="ctr"/>
+              <a:r>
+                <a:rPr lang="en-US" dirty="0">
+                  <a:solidFill>
+                    <a:schemeClr val="tx1"/>
+                  </a:solidFill>
+                </a:rPr>
+                <a:t>e</a:t>
+              </a:r>
+              <a:endParaRPr lang="en-US" sz="1600" baseline="-25000" dirty="0">
+                <a:solidFill>
+                  <a:schemeClr val="tx1"/>
+                </a:solidFill>
+              </a:endParaRPr>
+            </a:p>
+          </p:txBody>
+        </p:sp>
+      </p:grpSp>
       <p:sp>
         <p:nvSpPr>
-          <p:cNvPr id="4" name="Oval 3">
+          <p:cNvPr id="186" name="Oval 185">
             <a:extLst>
               <a:ext uri="{FF2B5EF4-FFF2-40B4-BE49-F238E27FC236}">
-                <a16:creationId xmlns:a16="http://schemas.microsoft.com/office/drawing/2014/main" id="{B83C8538-8FF1-44D9-B3F5-7349E88C1823}"/>
+                <a16:creationId xmlns:a16="http://schemas.microsoft.com/office/drawing/2014/main" id="{A519C61F-7528-4C21-AFCD-53B20460C8BF}"/>
               </a:ext>
             </a:extLst>
           </p:cNvPr>
@@ -4213,8 +5995,8 @@
         </p:nvSpPr>
         <p:spPr>
           <a:xfrm>
-            <a:off x="7071685" y="3021417"/>
-            <a:ext cx="1675151" cy="1687831"/>
+            <a:off x="3112059" y="3298402"/>
+            <a:ext cx="1111045" cy="983226"/>
           </a:xfrm>
           <a:prstGeom prst="ellipse">
             <a:avLst/>
@@ -4248,22 +6030,54 @@
           <a:p>
             <a:pPr algn="ctr"/>
             <a:r>
-              <a:rPr lang="en-US" sz="1600" dirty="0">
+              <a:rPr lang="en-US" dirty="0">
                 <a:solidFill>
                   <a:schemeClr val="tx1"/>
                 </a:solidFill>
               </a:rPr>
-              <a:t>dem60</a:t>
+              <a:t>X</a:t>
+            </a:r>
+            <a:r>
+              <a:rPr lang="en-US" baseline="-25000" dirty="0">
+                <a:solidFill>
+                  <a:schemeClr val="tx1"/>
+                </a:solidFill>
+              </a:rPr>
+              <a:t>2</a:t>
+            </a:r>
+            <a:r>
+              <a:rPr lang="en-US" dirty="0">
+                <a:solidFill>
+                  <a:schemeClr val="tx1"/>
+                </a:solidFill>
+              </a:rPr>
+              <a:t> (</a:t>
+            </a:r>
+            <a:r>
+              <a:rPr lang="el-GR" dirty="0">
+                <a:solidFill>
+                  <a:schemeClr val="tx1"/>
+                </a:solidFill>
+              </a:rPr>
+              <a:t>η</a:t>
+            </a:r>
+            <a:r>
+              <a:rPr lang="en-US" dirty="0">
+                <a:solidFill>
+                  <a:schemeClr val="tx1"/>
+                </a:solidFill>
+              </a:rPr>
+              <a:t>)</a:t>
             </a:r>
           </a:p>
         </p:txBody>
       </p:sp>
       <p:sp>
         <p:nvSpPr>
-          <p:cNvPr id="5" name="Rectangle 4">
+          <p:cNvPr id="187" name="Rectangle 186">
             <a:extLst>
               <a:ext uri="{FF2B5EF4-FFF2-40B4-BE49-F238E27FC236}">
-                <a16:creationId xmlns:a16="http://schemas.microsoft.com/office/drawing/2014/main" id="{DA8A94D2-EA33-4DFF-A675-1A533927716A}"/>
+                <a16:creationId xmlns:a16="http://schemas.microsoft.com/office/drawing/2014/main" id="{3FFA987E-F3D1-4D8E-8AF0-0BC406814C8A}"/>
               </a:ext>
             </a:extLst>
           </p:cNvPr>
@@ -4272,8 +6086,297 @@
         </p:nvSpPr>
         <p:spPr>
           <a:xfrm>
-            <a:off x="4818384" y="2739494"/>
-            <a:ext cx="963583" cy="504495"/>
+            <a:off x="1415076" y="3566912"/>
+            <a:ext cx="560436" cy="458082"/>
+          </a:xfrm>
+          <a:prstGeom prst="rect">
+            <a:avLst/>
+          </a:prstGeom>
+          <a:noFill/>
+          <a:ln>
+            <a:solidFill>
+              <a:schemeClr val="tx1"/>
+            </a:solidFill>
+          </a:ln>
+        </p:spPr>
+        <p:style>
+          <a:lnRef idx="2">
+            <a:schemeClr val="accent1">
+              <a:shade val="50000"/>
+            </a:schemeClr>
+          </a:lnRef>
+          <a:fillRef idx="1">
+            <a:schemeClr val="accent1"/>
+          </a:fillRef>
+          <a:effectRef idx="0">
+            <a:schemeClr val="accent1"/>
+          </a:effectRef>
+          <a:fontRef idx="minor">
+            <a:schemeClr val="lt1"/>
+          </a:fontRef>
+        </p:style>
+        <p:txBody>
+          <a:bodyPr rtlCol="0" anchor="ctr"/>
+          <a:lstStyle/>
+          <a:p>
+            <a:pPr algn="ctr"/>
+            <a:r>
+              <a:rPr lang="en-US" dirty="0">
+                <a:solidFill>
+                  <a:schemeClr val="tx1"/>
+                </a:solidFill>
+              </a:rPr>
+              <a:t>Y</a:t>
+            </a:r>
+            <a:r>
+              <a:rPr lang="en-US" baseline="-25000" dirty="0">
+                <a:solidFill>
+                  <a:schemeClr val="tx1"/>
+                </a:solidFill>
+              </a:rPr>
+              <a:t>2</a:t>
+            </a:r>
+            <a:endParaRPr lang="en-US" dirty="0">
+              <a:solidFill>
+                <a:schemeClr val="tx1"/>
+              </a:solidFill>
+            </a:endParaRPr>
+          </a:p>
+        </p:txBody>
+      </p:sp>
+      <p:cxnSp>
+        <p:nvCxnSpPr>
+          <p:cNvPr id="188" name="Straight Arrow Connector 187">
+            <a:extLst>
+              <a:ext uri="{FF2B5EF4-FFF2-40B4-BE49-F238E27FC236}">
+                <a16:creationId xmlns:a16="http://schemas.microsoft.com/office/drawing/2014/main" id="{247B8911-64A3-478A-84DD-1B4D5F401123}"/>
+              </a:ext>
+            </a:extLst>
+          </p:cNvPr>
+          <p:cNvCxnSpPr>
+            <a:cxnSpLocks/>
+            <a:stCxn id="186" idx="2"/>
+            <a:endCxn id="187" idx="3"/>
+          </p:cNvCxnSpPr>
+          <p:nvPr/>
+        </p:nvCxnSpPr>
+        <p:spPr>
+          <a:xfrm flipH="1">
+            <a:off x="1975512" y="3790015"/>
+            <a:ext cx="1136547" cy="5938"/>
+          </a:xfrm>
+          <a:prstGeom prst="straightConnector1">
+            <a:avLst/>
+          </a:prstGeom>
+          <a:ln>
+            <a:solidFill>
+              <a:schemeClr val="tx1"/>
+            </a:solidFill>
+            <a:tailEnd type="triangle"/>
+          </a:ln>
+        </p:spPr>
+        <p:style>
+          <a:lnRef idx="1">
+            <a:schemeClr val="accent1"/>
+          </a:lnRef>
+          <a:fillRef idx="0">
+            <a:schemeClr val="accent1"/>
+          </a:fillRef>
+          <a:effectRef idx="0">
+            <a:schemeClr val="accent1"/>
+          </a:effectRef>
+          <a:fontRef idx="minor">
+            <a:schemeClr val="tx1"/>
+          </a:fontRef>
+        </p:style>
+      </p:cxnSp>
+      <p:sp>
+        <p:nvSpPr>
+          <p:cNvPr id="189" name="Oval 188">
+            <a:extLst>
+              <a:ext uri="{FF2B5EF4-FFF2-40B4-BE49-F238E27FC236}">
+                <a16:creationId xmlns:a16="http://schemas.microsoft.com/office/drawing/2014/main" id="{7B331403-0A91-4022-A58A-3B50FBA821D1}"/>
+              </a:ext>
+            </a:extLst>
+          </p:cNvPr>
+          <p:cNvSpPr/>
+          <p:nvPr/>
+        </p:nvSpPr>
+        <p:spPr>
+          <a:xfrm>
+            <a:off x="3434904" y="4586355"/>
+            <a:ext cx="465354" cy="500742"/>
+          </a:xfrm>
+          <a:prstGeom prst="ellipse">
+            <a:avLst/>
+          </a:prstGeom>
+          <a:noFill/>
+          <a:ln>
+            <a:noFill/>
+          </a:ln>
+        </p:spPr>
+        <p:style>
+          <a:lnRef idx="2">
+            <a:schemeClr val="accent1">
+              <a:shade val="50000"/>
+            </a:schemeClr>
+          </a:lnRef>
+          <a:fillRef idx="1">
+            <a:schemeClr val="accent1"/>
+          </a:fillRef>
+          <a:effectRef idx="0">
+            <a:schemeClr val="accent1"/>
+          </a:effectRef>
+          <a:fontRef idx="minor">
+            <a:schemeClr val="lt1"/>
+          </a:fontRef>
+        </p:style>
+        <p:txBody>
+          <a:bodyPr rtlCol="0" anchor="ctr"/>
+          <a:lstStyle/>
+          <a:p>
+            <a:pPr algn="ctr"/>
+            <a:r>
+              <a:rPr lang="el-GR" sz="1600" dirty="0">
+                <a:solidFill>
+                  <a:schemeClr val="tx1"/>
+                </a:solidFill>
+              </a:rPr>
+              <a:t>ζ</a:t>
+            </a:r>
+            <a:r>
+              <a:rPr lang="en-US" sz="1600" baseline="-25000" dirty="0">
+                <a:solidFill>
+                  <a:schemeClr val="tx1"/>
+                </a:solidFill>
+              </a:rPr>
+              <a:t>3</a:t>
+            </a:r>
+          </a:p>
+        </p:txBody>
+      </p:sp>
+      <p:cxnSp>
+        <p:nvCxnSpPr>
+          <p:cNvPr id="190" name="Straight Arrow Connector 189">
+            <a:extLst>
+              <a:ext uri="{FF2B5EF4-FFF2-40B4-BE49-F238E27FC236}">
+                <a16:creationId xmlns:a16="http://schemas.microsoft.com/office/drawing/2014/main" id="{5BFA491F-16CA-4D8F-8AEF-48FEF7F5896A}"/>
+              </a:ext>
+            </a:extLst>
+          </p:cNvPr>
+          <p:cNvCxnSpPr>
+            <a:cxnSpLocks/>
+          </p:cNvCxnSpPr>
+          <p:nvPr/>
+        </p:nvCxnSpPr>
+        <p:spPr>
+          <a:xfrm flipV="1">
+            <a:off x="3646647" y="4295936"/>
+            <a:ext cx="1" cy="373617"/>
+          </a:xfrm>
+          <a:prstGeom prst="straightConnector1">
+            <a:avLst/>
+          </a:prstGeom>
+          <a:ln>
+            <a:solidFill>
+              <a:schemeClr val="tx1"/>
+            </a:solidFill>
+            <a:tailEnd type="triangle"/>
+          </a:ln>
+        </p:spPr>
+        <p:style>
+          <a:lnRef idx="1">
+            <a:schemeClr val="accent1"/>
+          </a:lnRef>
+          <a:fillRef idx="0">
+            <a:schemeClr val="accent1"/>
+          </a:fillRef>
+          <a:effectRef idx="0">
+            <a:schemeClr val="accent1"/>
+          </a:effectRef>
+          <a:fontRef idx="minor">
+            <a:schemeClr val="tx1"/>
+          </a:fontRef>
+        </p:style>
+      </p:cxnSp>
+      <p:sp>
+        <p:nvSpPr>
+          <p:cNvPr id="192" name="Oval 191">
+            <a:extLst>
+              <a:ext uri="{FF2B5EF4-FFF2-40B4-BE49-F238E27FC236}">
+                <a16:creationId xmlns:a16="http://schemas.microsoft.com/office/drawing/2014/main" id="{405DD973-B7A9-4AD4-AD5F-E73E76D5D8F1}"/>
+              </a:ext>
+            </a:extLst>
+          </p:cNvPr>
+          <p:cNvSpPr/>
+          <p:nvPr/>
+        </p:nvSpPr>
+        <p:spPr>
+          <a:xfrm>
+            <a:off x="198555" y="600927"/>
+            <a:ext cx="560435" cy="474406"/>
+          </a:xfrm>
+          <a:prstGeom prst="ellipse">
+            <a:avLst/>
+          </a:prstGeom>
+          <a:noFill/>
+          <a:ln>
+            <a:noFill/>
+          </a:ln>
+        </p:spPr>
+        <p:style>
+          <a:lnRef idx="2">
+            <a:schemeClr val="accent1">
+              <a:shade val="50000"/>
+            </a:schemeClr>
+          </a:lnRef>
+          <a:fillRef idx="1">
+            <a:schemeClr val="accent1"/>
+          </a:fillRef>
+          <a:effectRef idx="0">
+            <a:schemeClr val="accent1"/>
+          </a:effectRef>
+          <a:fontRef idx="minor">
+            <a:schemeClr val="lt1"/>
+          </a:fontRef>
+        </p:style>
+        <p:txBody>
+          <a:bodyPr rtlCol="0" anchor="ctr"/>
+          <a:lstStyle/>
+          <a:p>
+            <a:pPr algn="ctr"/>
+            <a:r>
+              <a:rPr lang="en-US" dirty="0">
+                <a:solidFill>
+                  <a:schemeClr val="tx1"/>
+                </a:solidFill>
+              </a:rPr>
+              <a:t>b</a:t>
+            </a:r>
+            <a:endParaRPr lang="en-US" sz="1600" baseline="-25000" dirty="0">
+              <a:solidFill>
+                <a:schemeClr val="tx1"/>
+              </a:solidFill>
+            </a:endParaRPr>
+          </a:p>
+        </p:txBody>
+      </p:sp>
+      <p:sp>
+        <p:nvSpPr>
+          <p:cNvPr id="193" name="Rectangle 192">
+            <a:extLst>
+              <a:ext uri="{FF2B5EF4-FFF2-40B4-BE49-F238E27FC236}">
+                <a16:creationId xmlns:a16="http://schemas.microsoft.com/office/drawing/2014/main" id="{81EC807F-CE17-4A66-B673-0F941864B12A}"/>
+              </a:ext>
+            </a:extLst>
+          </p:cNvPr>
+          <p:cNvSpPr/>
+          <p:nvPr/>
+        </p:nvSpPr>
+        <p:spPr>
+          <a:xfrm>
+            <a:off x="1425932" y="4370083"/>
+            <a:ext cx="546366" cy="490641"/>
           </a:xfrm>
           <a:prstGeom prst="rect">
             <a:avLst/>
@@ -4312,17 +6415,76 @@
                   <a:schemeClr val="tx1"/>
                 </a:solidFill>
               </a:rPr>
-              <a:t>y2</a:t>
+              <a:t>Y</a:t>
             </a:r>
+            <a:r>
+              <a:rPr lang="en-US" sz="1400" baseline="-25000" dirty="0">
+                <a:solidFill>
+                  <a:schemeClr val="tx1"/>
+                </a:solidFill>
+              </a:rPr>
+              <a:t>3</a:t>
+            </a:r>
+            <a:endParaRPr lang="en-US" sz="1400" dirty="0">
+              <a:solidFill>
+                <a:schemeClr val="tx1"/>
+              </a:solidFill>
+            </a:endParaRPr>
           </a:p>
         </p:txBody>
       </p:sp>
+      <p:cxnSp>
+        <p:nvCxnSpPr>
+          <p:cNvPr id="194" name="Straight Arrow Connector 193">
+            <a:extLst>
+              <a:ext uri="{FF2B5EF4-FFF2-40B4-BE49-F238E27FC236}">
+                <a16:creationId xmlns:a16="http://schemas.microsoft.com/office/drawing/2014/main" id="{012574D1-D0CC-4F28-A100-E98E259A43B3}"/>
+              </a:ext>
+            </a:extLst>
+          </p:cNvPr>
+          <p:cNvCxnSpPr>
+            <a:cxnSpLocks/>
+            <a:stCxn id="186" idx="2"/>
+            <a:endCxn id="193" idx="3"/>
+          </p:cNvCxnSpPr>
+          <p:nvPr/>
+        </p:nvCxnSpPr>
+        <p:spPr>
+          <a:xfrm flipH="1">
+            <a:off x="1972298" y="3790015"/>
+            <a:ext cx="1139761" cy="825389"/>
+          </a:xfrm>
+          <a:prstGeom prst="straightConnector1">
+            <a:avLst/>
+          </a:prstGeom>
+          <a:ln>
+            <a:solidFill>
+              <a:schemeClr val="tx1"/>
+            </a:solidFill>
+            <a:tailEnd type="triangle"/>
+          </a:ln>
+        </p:spPr>
+        <p:style>
+          <a:lnRef idx="1">
+            <a:schemeClr val="accent1"/>
+          </a:lnRef>
+          <a:fillRef idx="0">
+            <a:schemeClr val="accent1"/>
+          </a:fillRef>
+          <a:effectRef idx="0">
+            <a:schemeClr val="accent1"/>
+          </a:effectRef>
+          <a:fontRef idx="minor">
+            <a:schemeClr val="tx1"/>
+          </a:fontRef>
+        </p:style>
+      </p:cxnSp>
       <p:sp>
         <p:nvSpPr>
-          <p:cNvPr id="6" name="Rectangle 5">
+          <p:cNvPr id="195" name="Oval 194">
             <a:extLst>
               <a:ext uri="{FF2B5EF4-FFF2-40B4-BE49-F238E27FC236}">
-                <a16:creationId xmlns:a16="http://schemas.microsoft.com/office/drawing/2014/main" id="{55DE9CBE-3DD3-46B5-8123-9576A924636F}"/>
+                <a16:creationId xmlns:a16="http://schemas.microsoft.com/office/drawing/2014/main" id="{34C0AC3E-E3CC-451C-B394-9A813D104DCF}"/>
               </a:ext>
             </a:extLst>
           </p:cNvPr>
@@ -4331,8 +6493,70 @@
         </p:nvSpPr>
         <p:spPr>
           <a:xfrm>
-            <a:off x="4797999" y="3599173"/>
-            <a:ext cx="963581" cy="517478"/>
+            <a:off x="283277" y="1267810"/>
+            <a:ext cx="560435" cy="474406"/>
+          </a:xfrm>
+          <a:prstGeom prst="ellipse">
+            <a:avLst/>
+          </a:prstGeom>
+          <a:noFill/>
+          <a:ln>
+            <a:noFill/>
+          </a:ln>
+        </p:spPr>
+        <p:style>
+          <a:lnRef idx="2">
+            <a:schemeClr val="accent1">
+              <a:shade val="50000"/>
+            </a:schemeClr>
+          </a:lnRef>
+          <a:fillRef idx="1">
+            <a:schemeClr val="accent1"/>
+          </a:fillRef>
+          <a:effectRef idx="0">
+            <a:schemeClr val="accent1"/>
+          </a:effectRef>
+          <a:fontRef idx="minor">
+            <a:schemeClr val="lt1"/>
+          </a:fontRef>
+        </p:style>
+        <p:txBody>
+          <a:bodyPr rtlCol="0" anchor="ctr"/>
+          <a:lstStyle/>
+          <a:p>
+            <a:pPr algn="ctr"/>
+            <a:r>
+              <a:rPr lang="en-US" dirty="0">
+                <a:solidFill>
+                  <a:schemeClr val="tx1"/>
+                </a:solidFill>
+              </a:rPr>
+              <a:t>c</a:t>
+            </a:r>
+            <a:endParaRPr lang="en-US" sz="1600" baseline="-25000" dirty="0">
+              <a:solidFill>
+                <a:schemeClr val="tx1"/>
+              </a:solidFill>
+            </a:endParaRPr>
+          </a:p>
+        </p:txBody>
+      </p:sp>
+      <p:sp>
+        <p:nvSpPr>
+          <p:cNvPr id="196" name="Rectangle 195">
+            <a:extLst>
+              <a:ext uri="{FF2B5EF4-FFF2-40B4-BE49-F238E27FC236}">
+                <a16:creationId xmlns:a16="http://schemas.microsoft.com/office/drawing/2014/main" id="{CBAAED34-BC3E-46FC-99C6-547374C1AD3C}"/>
+              </a:ext>
+            </a:extLst>
+          </p:cNvPr>
+          <p:cNvSpPr/>
+          <p:nvPr/>
+        </p:nvSpPr>
+        <p:spPr>
+          <a:xfrm>
+            <a:off x="1452229" y="5260230"/>
+            <a:ext cx="560435" cy="458082"/>
           </a:xfrm>
           <a:prstGeom prst="rect">
             <a:avLst/>
@@ -4371,17 +6595,76 @@
                   <a:schemeClr val="tx1"/>
                 </a:solidFill>
               </a:rPr>
-              <a:t>y3</a:t>
+              <a:t>Y</a:t>
             </a:r>
+            <a:r>
+              <a:rPr lang="en-US" sz="1400" baseline="-25000" dirty="0">
+                <a:solidFill>
+                  <a:schemeClr val="tx1"/>
+                </a:solidFill>
+              </a:rPr>
+              <a:t>4</a:t>
+            </a:r>
+            <a:endParaRPr lang="en-US" sz="1400" dirty="0">
+              <a:solidFill>
+                <a:schemeClr val="tx1"/>
+              </a:solidFill>
+            </a:endParaRPr>
           </a:p>
         </p:txBody>
       </p:sp>
+      <p:cxnSp>
+        <p:nvCxnSpPr>
+          <p:cNvPr id="197" name="Straight Arrow Connector 196">
+            <a:extLst>
+              <a:ext uri="{FF2B5EF4-FFF2-40B4-BE49-F238E27FC236}">
+                <a16:creationId xmlns:a16="http://schemas.microsoft.com/office/drawing/2014/main" id="{34F5651F-C577-4CFD-B8EB-0300CE808229}"/>
+              </a:ext>
+            </a:extLst>
+          </p:cNvPr>
+          <p:cNvCxnSpPr>
+            <a:cxnSpLocks/>
+            <a:stCxn id="186" idx="2"/>
+            <a:endCxn id="196" idx="3"/>
+          </p:cNvCxnSpPr>
+          <p:nvPr/>
+        </p:nvCxnSpPr>
+        <p:spPr>
+          <a:xfrm flipH="1">
+            <a:off x="2012664" y="3790015"/>
+            <a:ext cx="1099395" cy="1699256"/>
+          </a:xfrm>
+          <a:prstGeom prst="straightConnector1">
+            <a:avLst/>
+          </a:prstGeom>
+          <a:ln>
+            <a:solidFill>
+              <a:schemeClr val="tx1"/>
+            </a:solidFill>
+            <a:tailEnd type="triangle"/>
+          </a:ln>
+        </p:spPr>
+        <p:style>
+          <a:lnRef idx="1">
+            <a:schemeClr val="accent1"/>
+          </a:lnRef>
+          <a:fillRef idx="0">
+            <a:schemeClr val="accent1"/>
+          </a:fillRef>
+          <a:effectRef idx="0">
+            <a:schemeClr val="accent1"/>
+          </a:effectRef>
+          <a:fontRef idx="minor">
+            <a:schemeClr val="tx1"/>
+          </a:fontRef>
+        </p:style>
+      </p:cxnSp>
       <p:sp>
         <p:nvSpPr>
-          <p:cNvPr id="7" name="Rectangle 6">
+          <p:cNvPr id="198" name="Oval 197">
             <a:extLst>
               <a:ext uri="{FF2B5EF4-FFF2-40B4-BE49-F238E27FC236}">
-                <a16:creationId xmlns:a16="http://schemas.microsoft.com/office/drawing/2014/main" id="{C23D9D5E-2D83-4966-8E2E-5569D0FA546E}"/>
+                <a16:creationId xmlns:a16="http://schemas.microsoft.com/office/drawing/2014/main" id="{AA931ABE-A406-407F-AB75-13B1175D2C85}"/>
               </a:ext>
             </a:extLst>
           </p:cNvPr>
@@ -4390,8 +6673,70 @@
         </p:nvSpPr>
         <p:spPr>
           <a:xfrm>
-            <a:off x="4818382" y="4427323"/>
-            <a:ext cx="963583" cy="504495"/>
+            <a:off x="116910" y="2027416"/>
+            <a:ext cx="560435" cy="474406"/>
+          </a:xfrm>
+          <a:prstGeom prst="ellipse">
+            <a:avLst/>
+          </a:prstGeom>
+          <a:noFill/>
+          <a:ln>
+            <a:noFill/>
+          </a:ln>
+        </p:spPr>
+        <p:style>
+          <a:lnRef idx="2">
+            <a:schemeClr val="accent1">
+              <a:shade val="50000"/>
+            </a:schemeClr>
+          </a:lnRef>
+          <a:fillRef idx="1">
+            <a:schemeClr val="accent1"/>
+          </a:fillRef>
+          <a:effectRef idx="0">
+            <a:schemeClr val="accent1"/>
+          </a:effectRef>
+          <a:fontRef idx="minor">
+            <a:schemeClr val="lt1"/>
+          </a:fontRef>
+        </p:style>
+        <p:txBody>
+          <a:bodyPr rtlCol="0" anchor="ctr"/>
+          <a:lstStyle/>
+          <a:p>
+            <a:pPr algn="ctr"/>
+            <a:r>
+              <a:rPr lang="en-US" dirty="0">
+                <a:solidFill>
+                  <a:schemeClr val="tx1"/>
+                </a:solidFill>
+              </a:rPr>
+              <a:t>d</a:t>
+            </a:r>
+            <a:endParaRPr lang="en-US" sz="1600" baseline="-25000" dirty="0">
+              <a:solidFill>
+                <a:schemeClr val="tx1"/>
+              </a:solidFill>
+            </a:endParaRPr>
+          </a:p>
+        </p:txBody>
+      </p:sp>
+      <p:sp>
+        <p:nvSpPr>
+          <p:cNvPr id="199" name="Rectangle 198">
+            <a:extLst>
+              <a:ext uri="{FF2B5EF4-FFF2-40B4-BE49-F238E27FC236}">
+                <a16:creationId xmlns:a16="http://schemas.microsoft.com/office/drawing/2014/main" id="{73A7F419-E894-4F81-A0C9-B64DB309C5E0}"/>
+              </a:ext>
+            </a:extLst>
+          </p:cNvPr>
+          <p:cNvSpPr/>
+          <p:nvPr/>
+        </p:nvSpPr>
+        <p:spPr>
+          <a:xfrm>
+            <a:off x="1382172" y="2643739"/>
+            <a:ext cx="560435" cy="458082"/>
           </a:xfrm>
           <a:prstGeom prst="rect">
             <a:avLst/>
@@ -4430,233 +6775,39 @@
                   <a:schemeClr val="tx1"/>
                 </a:solidFill>
               </a:rPr>
-              <a:t>y4</a:t>
+              <a:t>Y</a:t>
             </a:r>
-          </a:p>
-        </p:txBody>
-      </p:sp>
-      <p:sp>
-        <p:nvSpPr>
-          <p:cNvPr id="9" name="Rectangle 8">
-            <a:extLst>
-              <a:ext uri="{FF2B5EF4-FFF2-40B4-BE49-F238E27FC236}">
-                <a16:creationId xmlns:a16="http://schemas.microsoft.com/office/drawing/2014/main" id="{B13B4E9E-6A4A-4CC8-9D93-E25E220CCEE1}"/>
-              </a:ext>
-            </a:extLst>
-          </p:cNvPr>
-          <p:cNvSpPr/>
-          <p:nvPr/>
-        </p:nvSpPr>
-        <p:spPr>
-          <a:xfrm>
-            <a:off x="4818382" y="1933603"/>
-            <a:ext cx="963583" cy="504495"/>
-          </a:xfrm>
-          <a:prstGeom prst="rect">
-            <a:avLst/>
-          </a:prstGeom>
-          <a:noFill/>
-          <a:ln>
-            <a:solidFill>
-              <a:schemeClr val="tx1"/>
-            </a:solidFill>
-          </a:ln>
-        </p:spPr>
-        <p:style>
-          <a:lnRef idx="2">
-            <a:schemeClr val="accent1">
-              <a:shade val="50000"/>
-            </a:schemeClr>
-          </a:lnRef>
-          <a:fillRef idx="1">
-            <a:schemeClr val="accent1"/>
-          </a:fillRef>
-          <a:effectRef idx="0">
-            <a:schemeClr val="accent1"/>
-          </a:effectRef>
-          <a:fontRef idx="minor">
-            <a:schemeClr val="lt1"/>
-          </a:fontRef>
-        </p:style>
-        <p:txBody>
-          <a:bodyPr rtlCol="0" anchor="ctr"/>
-          <a:lstStyle/>
-          <a:p>
-            <a:pPr algn="ctr"/>
             <a:r>
-              <a:rPr lang="en-US" sz="1400" dirty="0">
+              <a:rPr lang="en-US" sz="1400" baseline="-25000" dirty="0">
                 <a:solidFill>
                   <a:schemeClr val="tx1"/>
                 </a:solidFill>
               </a:rPr>
-              <a:t>y1</a:t>
+              <a:t>1</a:t>
             </a:r>
-            <a:endParaRPr lang="en-US" dirty="0">
-              <a:solidFill>
-                <a:schemeClr val="tx1"/>
-              </a:solidFill>
-            </a:endParaRPr>
           </a:p>
         </p:txBody>
       </p:sp>
       <p:cxnSp>
         <p:nvCxnSpPr>
-          <p:cNvPr id="10" name="Straight Arrow Connector 9">
+          <p:cNvPr id="200" name="Straight Arrow Connector 199">
             <a:extLst>
               <a:ext uri="{FF2B5EF4-FFF2-40B4-BE49-F238E27FC236}">
-                <a16:creationId xmlns:a16="http://schemas.microsoft.com/office/drawing/2014/main" id="{226CE01C-BE27-4703-8EC6-EE4194C7F817}"/>
+                <a16:creationId xmlns:a16="http://schemas.microsoft.com/office/drawing/2014/main" id="{7D038C14-8349-47D0-A173-DAC9CD874834}"/>
               </a:ext>
             </a:extLst>
           </p:cNvPr>
           <p:cNvCxnSpPr>
             <a:cxnSpLocks/>
-            <a:stCxn id="4" idx="2"/>
-            <a:endCxn id="9" idx="3"/>
+            <a:stCxn id="186" idx="2"/>
+            <a:endCxn id="199" idx="3"/>
           </p:cNvCxnSpPr>
           <p:nvPr/>
         </p:nvCxnSpPr>
         <p:spPr>
           <a:xfrm flipH="1" flipV="1">
-            <a:off x="5781965" y="2185851"/>
-            <a:ext cx="1289720" cy="1679482"/>
-          </a:xfrm>
-          <a:prstGeom prst="straightConnector1">
-            <a:avLst/>
-          </a:prstGeom>
-          <a:ln>
-            <a:solidFill>
-              <a:schemeClr val="tx1"/>
-            </a:solidFill>
-            <a:tailEnd type="triangle"/>
-          </a:ln>
-        </p:spPr>
-        <p:style>
-          <a:lnRef idx="1">
-            <a:schemeClr val="accent1"/>
-          </a:lnRef>
-          <a:fillRef idx="0">
-            <a:schemeClr val="accent1"/>
-          </a:fillRef>
-          <a:effectRef idx="0">
-            <a:schemeClr val="accent1"/>
-          </a:effectRef>
-          <a:fontRef idx="minor">
-            <a:schemeClr val="tx1"/>
-          </a:fontRef>
-        </p:style>
-      </p:cxnSp>
-      <p:cxnSp>
-        <p:nvCxnSpPr>
-          <p:cNvPr id="11" name="Straight Arrow Connector 10">
-            <a:extLst>
-              <a:ext uri="{FF2B5EF4-FFF2-40B4-BE49-F238E27FC236}">
-                <a16:creationId xmlns:a16="http://schemas.microsoft.com/office/drawing/2014/main" id="{5AF581AC-39EC-4676-86A5-B98AAAAE1313}"/>
-              </a:ext>
-            </a:extLst>
-          </p:cNvPr>
-          <p:cNvCxnSpPr>
-            <a:cxnSpLocks/>
-            <a:stCxn id="4" idx="2"/>
-            <a:endCxn id="5" idx="3"/>
-          </p:cNvCxnSpPr>
-          <p:nvPr/>
-        </p:nvCxnSpPr>
-        <p:spPr>
-          <a:xfrm flipH="1" flipV="1">
-            <a:off x="5781966" y="2991742"/>
-            <a:ext cx="1289719" cy="873592"/>
-          </a:xfrm>
-          <a:prstGeom prst="straightConnector1">
-            <a:avLst/>
-          </a:prstGeom>
-          <a:ln>
-            <a:solidFill>
-              <a:schemeClr val="tx1"/>
-            </a:solidFill>
-            <a:tailEnd type="triangle"/>
-          </a:ln>
-        </p:spPr>
-        <p:style>
-          <a:lnRef idx="1">
-            <a:schemeClr val="accent1"/>
-          </a:lnRef>
-          <a:fillRef idx="0">
-            <a:schemeClr val="accent1"/>
-          </a:fillRef>
-          <a:effectRef idx="0">
-            <a:schemeClr val="accent1"/>
-          </a:effectRef>
-          <a:fontRef idx="minor">
-            <a:schemeClr val="tx1"/>
-          </a:fontRef>
-        </p:style>
-      </p:cxnSp>
-      <p:cxnSp>
-        <p:nvCxnSpPr>
-          <p:cNvPr id="12" name="Straight Arrow Connector 11">
-            <a:extLst>
-              <a:ext uri="{FF2B5EF4-FFF2-40B4-BE49-F238E27FC236}">
-                <a16:creationId xmlns:a16="http://schemas.microsoft.com/office/drawing/2014/main" id="{ABFE9D0B-A571-434A-8FB3-CEB86427B906}"/>
-              </a:ext>
-            </a:extLst>
-          </p:cNvPr>
-          <p:cNvCxnSpPr>
-            <a:cxnSpLocks/>
-            <a:stCxn id="4" idx="2"/>
-            <a:endCxn id="6" idx="3"/>
-          </p:cNvCxnSpPr>
-          <p:nvPr/>
-        </p:nvCxnSpPr>
-        <p:spPr>
-          <a:xfrm flipH="1" flipV="1">
-            <a:off x="5761581" y="3857912"/>
-            <a:ext cx="1310105" cy="7422"/>
-          </a:xfrm>
-          <a:prstGeom prst="straightConnector1">
-            <a:avLst/>
-          </a:prstGeom>
-          <a:ln>
-            <a:solidFill>
-              <a:schemeClr val="tx1"/>
-            </a:solidFill>
-            <a:tailEnd type="triangle"/>
-          </a:ln>
-        </p:spPr>
-        <p:style>
-          <a:lnRef idx="1">
-            <a:schemeClr val="accent1"/>
-          </a:lnRef>
-          <a:fillRef idx="0">
-            <a:schemeClr val="accent1"/>
-          </a:fillRef>
-          <a:effectRef idx="0">
-            <a:schemeClr val="accent1"/>
-          </a:effectRef>
-          <a:fontRef idx="minor">
-            <a:schemeClr val="tx1"/>
-          </a:fontRef>
-        </p:style>
-      </p:cxnSp>
-      <p:cxnSp>
-        <p:nvCxnSpPr>
-          <p:cNvPr id="13" name="Straight Arrow Connector 12">
-            <a:extLst>
-              <a:ext uri="{FF2B5EF4-FFF2-40B4-BE49-F238E27FC236}">
-                <a16:creationId xmlns:a16="http://schemas.microsoft.com/office/drawing/2014/main" id="{D7895D3C-0326-481E-A1F4-21AC12FDD442}"/>
-              </a:ext>
-            </a:extLst>
-          </p:cNvPr>
-          <p:cNvCxnSpPr>
-            <a:cxnSpLocks/>
-            <a:stCxn id="4" idx="2"/>
-            <a:endCxn id="7" idx="3"/>
-          </p:cNvCxnSpPr>
-          <p:nvPr/>
-        </p:nvCxnSpPr>
-        <p:spPr>
-          <a:xfrm flipH="1">
-            <a:off x="5781965" y="3865333"/>
-            <a:ext cx="1289720" cy="814238"/>
+            <a:off x="1942607" y="2872780"/>
+            <a:ext cx="1169452" cy="917235"/>
           </a:xfrm>
           <a:prstGeom prst="straightConnector1">
             <a:avLst/>
@@ -4685,10 +6836,10 @@
       </p:cxnSp>
       <p:sp>
         <p:nvSpPr>
-          <p:cNvPr id="15" name="Oval 14">
+          <p:cNvPr id="201" name="Oval 200">
             <a:extLst>
               <a:ext uri="{FF2B5EF4-FFF2-40B4-BE49-F238E27FC236}">
-                <a16:creationId xmlns:a16="http://schemas.microsoft.com/office/drawing/2014/main" id="{12619037-73DA-4BFB-AFC6-10AAAFFB0FCD}"/>
+                <a16:creationId xmlns:a16="http://schemas.microsoft.com/office/drawing/2014/main" id="{A63B3DA6-5D21-4048-980E-3FA8F08F2E49}"/>
               </a:ext>
             </a:extLst>
           </p:cNvPr>
@@ -4697,17 +6848,15 @@
         </p:nvSpPr>
         <p:spPr>
           <a:xfrm>
-            <a:off x="3680615" y="1933603"/>
-            <a:ext cx="504027" cy="511915"/>
+            <a:off x="-81663" y="131616"/>
+            <a:ext cx="560435" cy="442677"/>
           </a:xfrm>
           <a:prstGeom prst="ellipse">
             <a:avLst/>
           </a:prstGeom>
           <a:noFill/>
           <a:ln>
-            <a:solidFill>
-              <a:schemeClr val="tx1"/>
-            </a:solidFill>
+            <a:noFill/>
           </a:ln>
         </p:spPr>
         <p:style>
@@ -4737,534 +6886,413 @@
                   <a:schemeClr val="tx1"/>
                 </a:solidFill>
               </a:rPr>
-              <a:t>e</a:t>
+              <a:t>a</a:t>
             </a:r>
+            <a:endParaRPr lang="en-US" sz="1600" baseline="-25000" dirty="0">
+              <a:solidFill>
+                <a:schemeClr val="tx1"/>
+              </a:solidFill>
+            </a:endParaRPr>
           </a:p>
         </p:txBody>
       </p:sp>
-      <p:cxnSp>
-        <p:nvCxnSpPr>
-          <p:cNvPr id="16" name="Straight Arrow Connector 15">
+      <p:grpSp>
+        <p:nvGrpSpPr>
+          <p:cNvPr id="202" name="Group 201">
             <a:extLst>
               <a:ext uri="{FF2B5EF4-FFF2-40B4-BE49-F238E27FC236}">
-                <a16:creationId xmlns:a16="http://schemas.microsoft.com/office/drawing/2014/main" id="{68F680C3-0F65-4893-A148-F2CC8B44D6CA}"/>
+                <a16:creationId xmlns:a16="http://schemas.microsoft.com/office/drawing/2014/main" id="{B8DFBDF1-5890-4DAC-9E7E-C3539B59934F}"/>
               </a:ext>
             </a:extLst>
           </p:cNvPr>
-          <p:cNvCxnSpPr>
-            <a:cxnSpLocks/>
-            <a:stCxn id="15" idx="6"/>
-            <a:endCxn id="9" idx="1"/>
-          </p:cNvCxnSpPr>
+          <p:cNvGrpSpPr/>
           <p:nvPr/>
-        </p:nvCxnSpPr>
-        <p:spPr>
-          <a:xfrm flipV="1">
-            <a:off x="4184642" y="2185851"/>
-            <a:ext cx="633741" cy="3709"/>
+        </p:nvGrpSpPr>
+        <p:grpSpPr>
+          <a:xfrm>
+            <a:off x="282915" y="2859296"/>
+            <a:ext cx="905499" cy="474406"/>
+            <a:chOff x="9407254" y="3215101"/>
+            <a:chExt cx="905499" cy="474406"/>
           </a:xfrm>
-          <a:prstGeom prst="straightConnector1">
-            <a:avLst/>
-          </a:prstGeom>
-          <a:ln>
-            <a:solidFill>
+        </p:grpSpPr>
+        <p:sp>
+          <p:nvSpPr>
+            <p:cNvPr id="209" name="Oval 208">
+              <a:extLst>
+                <a:ext uri="{FF2B5EF4-FFF2-40B4-BE49-F238E27FC236}">
+                  <a16:creationId xmlns:a16="http://schemas.microsoft.com/office/drawing/2014/main" id="{AF8022B4-A108-4710-A9AA-1FC896531B1B}"/>
+                </a:ext>
+              </a:extLst>
+            </p:cNvPr>
+            <p:cNvSpPr/>
+            <p:nvPr/>
+          </p:nvSpPr>
+          <p:spPr>
+            <a:xfrm>
+              <a:off x="9752318" y="3215101"/>
+              <a:ext cx="560435" cy="474406"/>
+            </a:xfrm>
+            <a:prstGeom prst="ellipse">
+              <a:avLst/>
+            </a:prstGeom>
+            <a:noFill/>
+            <a:ln>
+              <a:noFill/>
+            </a:ln>
+          </p:spPr>
+          <p:style>
+            <a:lnRef idx="2">
+              <a:schemeClr val="accent1">
+                <a:shade val="50000"/>
+              </a:schemeClr>
+            </a:lnRef>
+            <a:fillRef idx="1">
+              <a:schemeClr val="accent1"/>
+            </a:fillRef>
+            <a:effectRef idx="0">
+              <a:schemeClr val="accent1"/>
+            </a:effectRef>
+            <a:fontRef idx="minor">
+              <a:schemeClr val="lt1"/>
+            </a:fontRef>
+          </p:style>
+          <p:txBody>
+            <a:bodyPr rtlCol="0" anchor="ctr"/>
+            <a:lstStyle/>
+            <a:p>
+              <a:pPr algn="ctr"/>
+              <a:r>
+                <a:rPr lang="el-GR" dirty="0">
+                  <a:solidFill>
+                    <a:schemeClr val="tx1"/>
+                  </a:solidFill>
+                </a:rPr>
+                <a:t>ε</a:t>
+              </a:r>
+              <a:r>
+                <a:rPr lang="en-US" sz="1600" baseline="-25000" dirty="0">
+                  <a:solidFill>
+                    <a:schemeClr val="tx1"/>
+                  </a:solidFill>
+                </a:rPr>
+                <a:t>4</a:t>
+              </a:r>
+            </a:p>
+          </p:txBody>
+        </p:sp>
+        <p:cxnSp>
+          <p:nvCxnSpPr>
+            <p:cNvPr id="210" name="Straight Arrow Connector 209">
+              <a:extLst>
+                <a:ext uri="{FF2B5EF4-FFF2-40B4-BE49-F238E27FC236}">
+                  <a16:creationId xmlns:a16="http://schemas.microsoft.com/office/drawing/2014/main" id="{94572427-9973-4537-994B-7B0E56D6E821}"/>
+                </a:ext>
+              </a:extLst>
+            </p:cNvPr>
+            <p:cNvCxnSpPr>
+              <a:cxnSpLocks/>
+              <a:stCxn id="209" idx="2"/>
+            </p:cNvCxnSpPr>
+            <p:nvPr/>
+          </p:nvCxnSpPr>
+          <p:spPr>
+            <a:xfrm flipH="1">
+              <a:off x="9407254" y="3452304"/>
+              <a:ext cx="345064" cy="0"/>
+            </a:xfrm>
+            <a:prstGeom prst="straightConnector1">
+              <a:avLst/>
+            </a:prstGeom>
+            <a:ln>
+              <a:solidFill>
+                <a:schemeClr val="tx1"/>
+              </a:solidFill>
+              <a:tailEnd type="triangle"/>
+            </a:ln>
+          </p:spPr>
+          <p:style>
+            <a:lnRef idx="1">
+              <a:schemeClr val="accent1"/>
+            </a:lnRef>
+            <a:fillRef idx="0">
+              <a:schemeClr val="accent1"/>
+            </a:fillRef>
+            <a:effectRef idx="0">
+              <a:schemeClr val="accent1"/>
+            </a:effectRef>
+            <a:fontRef idx="minor">
               <a:schemeClr val="tx1"/>
-            </a:solidFill>
-            <a:tailEnd type="triangle"/>
-          </a:ln>
-        </p:spPr>
-        <p:style>
-          <a:lnRef idx="1">
-            <a:schemeClr val="accent1"/>
-          </a:lnRef>
-          <a:fillRef idx="0">
-            <a:schemeClr val="accent1"/>
-          </a:fillRef>
-          <a:effectRef idx="0">
-            <a:schemeClr val="accent1"/>
-          </a:effectRef>
-          <a:fontRef idx="minor">
-            <a:schemeClr val="tx1"/>
-          </a:fontRef>
-        </p:style>
-      </p:cxnSp>
-      <p:sp>
-        <p:nvSpPr>
-          <p:cNvPr id="17" name="Oval 16">
+            </a:fontRef>
+          </p:style>
+        </p:cxnSp>
+      </p:grpSp>
+      <p:grpSp>
+        <p:nvGrpSpPr>
+          <p:cNvPr id="203" name="Group 202">
             <a:extLst>
               <a:ext uri="{FF2B5EF4-FFF2-40B4-BE49-F238E27FC236}">
-                <a16:creationId xmlns:a16="http://schemas.microsoft.com/office/drawing/2014/main" id="{84807ACF-76C8-4D19-B37F-328F39CE1470}"/>
+                <a16:creationId xmlns:a16="http://schemas.microsoft.com/office/drawing/2014/main" id="{92D2C05E-A987-4394-A882-646431EAC924}"/>
               </a:ext>
             </a:extLst>
           </p:cNvPr>
-          <p:cNvSpPr/>
+          <p:cNvGrpSpPr/>
           <p:nvPr/>
-        </p:nvSpPr>
-        <p:spPr>
+        </p:nvGrpSpPr>
+        <p:grpSpPr>
           <a:xfrm>
-            <a:off x="3689880" y="2822956"/>
-            <a:ext cx="504027" cy="511915"/>
+            <a:off x="326002" y="4616927"/>
+            <a:ext cx="905499" cy="474406"/>
+            <a:chOff x="9407254" y="3215101"/>
+            <a:chExt cx="905499" cy="474406"/>
           </a:xfrm>
-          <a:prstGeom prst="ellipse">
-            <a:avLst/>
-          </a:prstGeom>
-          <a:noFill/>
-          <a:ln>
-            <a:solidFill>
+        </p:grpSpPr>
+        <p:sp>
+          <p:nvSpPr>
+            <p:cNvPr id="207" name="Oval 206">
+              <a:extLst>
+                <a:ext uri="{FF2B5EF4-FFF2-40B4-BE49-F238E27FC236}">
+                  <a16:creationId xmlns:a16="http://schemas.microsoft.com/office/drawing/2014/main" id="{A0D4779F-096B-4F7C-A97D-D85AE90D1EBE}"/>
+                </a:ext>
+              </a:extLst>
+            </p:cNvPr>
+            <p:cNvSpPr/>
+            <p:nvPr/>
+          </p:nvSpPr>
+          <p:spPr>
+            <a:xfrm>
+              <a:off x="9752318" y="3215101"/>
+              <a:ext cx="560435" cy="474406"/>
+            </a:xfrm>
+            <a:prstGeom prst="ellipse">
+              <a:avLst/>
+            </a:prstGeom>
+            <a:noFill/>
+            <a:ln>
+              <a:noFill/>
+            </a:ln>
+          </p:spPr>
+          <p:style>
+            <a:lnRef idx="2">
+              <a:schemeClr val="accent1">
+                <a:shade val="50000"/>
+              </a:schemeClr>
+            </a:lnRef>
+            <a:fillRef idx="1">
+              <a:schemeClr val="accent1"/>
+            </a:fillRef>
+            <a:effectRef idx="0">
+              <a:schemeClr val="accent1"/>
+            </a:effectRef>
+            <a:fontRef idx="minor">
+              <a:schemeClr val="lt1"/>
+            </a:fontRef>
+          </p:style>
+          <p:txBody>
+            <a:bodyPr rtlCol="0" anchor="ctr"/>
+            <a:lstStyle/>
+            <a:p>
+              <a:pPr algn="ctr"/>
+              <a:r>
+                <a:rPr lang="el-GR" dirty="0">
+                  <a:solidFill>
+                    <a:schemeClr val="tx1"/>
+                  </a:solidFill>
+                </a:rPr>
+                <a:t>ε</a:t>
+              </a:r>
+              <a:r>
+                <a:rPr lang="en-US" sz="1600" baseline="-25000" dirty="0">
+                  <a:solidFill>
+                    <a:schemeClr val="tx1"/>
+                  </a:solidFill>
+                </a:rPr>
+                <a:t>4</a:t>
+              </a:r>
+            </a:p>
+          </p:txBody>
+        </p:sp>
+        <p:cxnSp>
+          <p:nvCxnSpPr>
+            <p:cNvPr id="208" name="Straight Arrow Connector 207">
+              <a:extLst>
+                <a:ext uri="{FF2B5EF4-FFF2-40B4-BE49-F238E27FC236}">
+                  <a16:creationId xmlns:a16="http://schemas.microsoft.com/office/drawing/2014/main" id="{9DB7847C-7DB5-4922-B89D-04350D6BB781}"/>
+                </a:ext>
+              </a:extLst>
+            </p:cNvPr>
+            <p:cNvCxnSpPr>
+              <a:cxnSpLocks/>
+              <a:stCxn id="207" idx="2"/>
+            </p:cNvCxnSpPr>
+            <p:nvPr/>
+          </p:nvCxnSpPr>
+          <p:spPr>
+            <a:xfrm flipH="1">
+              <a:off x="9407254" y="3452304"/>
+              <a:ext cx="345064" cy="0"/>
+            </a:xfrm>
+            <a:prstGeom prst="straightConnector1">
+              <a:avLst/>
+            </a:prstGeom>
+            <a:ln>
+              <a:solidFill>
+                <a:schemeClr val="tx1"/>
+              </a:solidFill>
+              <a:tailEnd type="triangle"/>
+            </a:ln>
+          </p:spPr>
+          <p:style>
+            <a:lnRef idx="1">
+              <a:schemeClr val="accent1"/>
+            </a:lnRef>
+            <a:fillRef idx="0">
+              <a:schemeClr val="accent1"/>
+            </a:fillRef>
+            <a:effectRef idx="0">
+              <a:schemeClr val="accent1"/>
+            </a:effectRef>
+            <a:fontRef idx="minor">
               <a:schemeClr val="tx1"/>
-            </a:solidFill>
-          </a:ln>
-        </p:spPr>
-        <p:style>
-          <a:lnRef idx="2">
-            <a:schemeClr val="accent1">
-              <a:shade val="50000"/>
-            </a:schemeClr>
-          </a:lnRef>
-          <a:fillRef idx="1">
-            <a:schemeClr val="accent1"/>
-          </a:fillRef>
-          <a:effectRef idx="0">
-            <a:schemeClr val="accent1"/>
-          </a:effectRef>
-          <a:fontRef idx="minor">
-            <a:schemeClr val="lt1"/>
-          </a:fontRef>
-        </p:style>
-        <p:txBody>
-          <a:bodyPr rtlCol="0" anchor="ctr"/>
-          <a:lstStyle/>
-          <a:p>
-            <a:pPr algn="ctr"/>
-            <a:r>
-              <a:rPr lang="en-US" dirty="0">
-                <a:solidFill>
-                  <a:schemeClr val="tx1"/>
-                </a:solidFill>
-              </a:rPr>
-              <a:t>e</a:t>
-            </a:r>
-          </a:p>
-        </p:txBody>
-      </p:sp>
-      <p:cxnSp>
-        <p:nvCxnSpPr>
-          <p:cNvPr id="18" name="Straight Arrow Connector 17">
+            </a:fontRef>
+          </p:style>
+        </p:cxnSp>
+      </p:grpSp>
+      <p:grpSp>
+        <p:nvGrpSpPr>
+          <p:cNvPr id="204" name="Group 203">
             <a:extLst>
               <a:ext uri="{FF2B5EF4-FFF2-40B4-BE49-F238E27FC236}">
-                <a16:creationId xmlns:a16="http://schemas.microsoft.com/office/drawing/2014/main" id="{86E20E4E-49FC-4E61-851E-DEEF0D385B55}"/>
+                <a16:creationId xmlns:a16="http://schemas.microsoft.com/office/drawing/2014/main" id="{1964959D-1225-4346-9F04-0C7F05A150CA}"/>
               </a:ext>
             </a:extLst>
           </p:cNvPr>
-          <p:cNvCxnSpPr>
-            <a:stCxn id="17" idx="6"/>
-          </p:cNvCxnSpPr>
+          <p:cNvGrpSpPr/>
           <p:nvPr/>
-        </p:nvCxnSpPr>
-        <p:spPr>
-          <a:xfrm flipV="1">
-            <a:off x="4193907" y="3075204"/>
-            <a:ext cx="633741" cy="3709"/>
+        </p:nvGrpSpPr>
+        <p:grpSpPr>
+          <a:xfrm>
+            <a:off x="372635" y="5459463"/>
+            <a:ext cx="905499" cy="474406"/>
+            <a:chOff x="9407254" y="3215101"/>
+            <a:chExt cx="905499" cy="474406"/>
           </a:xfrm>
-          <a:prstGeom prst="straightConnector1">
-            <a:avLst/>
-          </a:prstGeom>
-          <a:ln>
-            <a:solidFill>
+        </p:grpSpPr>
+        <p:sp>
+          <p:nvSpPr>
+            <p:cNvPr id="205" name="Oval 204">
+              <a:extLst>
+                <a:ext uri="{FF2B5EF4-FFF2-40B4-BE49-F238E27FC236}">
+                  <a16:creationId xmlns:a16="http://schemas.microsoft.com/office/drawing/2014/main" id="{07300142-5E1F-4C17-AD03-8155C47D6AA6}"/>
+                </a:ext>
+              </a:extLst>
+            </p:cNvPr>
+            <p:cNvSpPr/>
+            <p:nvPr/>
+          </p:nvSpPr>
+          <p:spPr>
+            <a:xfrm>
+              <a:off x="9752318" y="3215101"/>
+              <a:ext cx="560435" cy="474406"/>
+            </a:xfrm>
+            <a:prstGeom prst="ellipse">
+              <a:avLst/>
+            </a:prstGeom>
+            <a:noFill/>
+            <a:ln>
+              <a:noFill/>
+            </a:ln>
+          </p:spPr>
+          <p:style>
+            <a:lnRef idx="2">
+              <a:schemeClr val="accent1">
+                <a:shade val="50000"/>
+              </a:schemeClr>
+            </a:lnRef>
+            <a:fillRef idx="1">
+              <a:schemeClr val="accent1"/>
+            </a:fillRef>
+            <a:effectRef idx="0">
+              <a:schemeClr val="accent1"/>
+            </a:effectRef>
+            <a:fontRef idx="minor">
+              <a:schemeClr val="lt1"/>
+            </a:fontRef>
+          </p:style>
+          <p:txBody>
+            <a:bodyPr rtlCol="0" anchor="ctr"/>
+            <a:lstStyle/>
+            <a:p>
+              <a:pPr algn="ctr"/>
+              <a:r>
+                <a:rPr lang="el-GR" dirty="0">
+                  <a:solidFill>
+                    <a:schemeClr val="tx1"/>
+                  </a:solidFill>
+                </a:rPr>
+                <a:t>ε</a:t>
+              </a:r>
+              <a:r>
+                <a:rPr lang="en-US" sz="1600" baseline="-25000" dirty="0">
+                  <a:solidFill>
+                    <a:schemeClr val="tx1"/>
+                  </a:solidFill>
+                </a:rPr>
+                <a:t>4</a:t>
+              </a:r>
+            </a:p>
+          </p:txBody>
+        </p:sp>
+        <p:cxnSp>
+          <p:nvCxnSpPr>
+            <p:cNvPr id="206" name="Straight Arrow Connector 205">
+              <a:extLst>
+                <a:ext uri="{FF2B5EF4-FFF2-40B4-BE49-F238E27FC236}">
+                  <a16:creationId xmlns:a16="http://schemas.microsoft.com/office/drawing/2014/main" id="{2E955BF3-FBA7-4FEE-9FE0-3DEA2AC34582}"/>
+                </a:ext>
+              </a:extLst>
+            </p:cNvPr>
+            <p:cNvCxnSpPr>
+              <a:cxnSpLocks/>
+              <a:stCxn id="205" idx="2"/>
+            </p:cNvCxnSpPr>
+            <p:nvPr/>
+          </p:nvCxnSpPr>
+          <p:spPr>
+            <a:xfrm flipH="1">
+              <a:off x="9407254" y="3452304"/>
+              <a:ext cx="345064" cy="0"/>
+            </a:xfrm>
+            <a:prstGeom prst="straightConnector1">
+              <a:avLst/>
+            </a:prstGeom>
+            <a:ln>
+              <a:solidFill>
+                <a:schemeClr val="tx1"/>
+              </a:solidFill>
+              <a:tailEnd type="triangle"/>
+            </a:ln>
+          </p:spPr>
+          <p:style>
+            <a:lnRef idx="1">
+              <a:schemeClr val="accent1"/>
+            </a:lnRef>
+            <a:fillRef idx="0">
+              <a:schemeClr val="accent1"/>
+            </a:fillRef>
+            <a:effectRef idx="0">
+              <a:schemeClr val="accent1"/>
+            </a:effectRef>
+            <a:fontRef idx="minor">
               <a:schemeClr val="tx1"/>
-            </a:solidFill>
-            <a:tailEnd type="triangle"/>
-          </a:ln>
-        </p:spPr>
-        <p:style>
-          <a:lnRef idx="1">
-            <a:schemeClr val="accent1"/>
-          </a:lnRef>
-          <a:fillRef idx="0">
-            <a:schemeClr val="accent1"/>
-          </a:fillRef>
-          <a:effectRef idx="0">
-            <a:schemeClr val="accent1"/>
-          </a:effectRef>
-          <a:fontRef idx="minor">
-            <a:schemeClr val="tx1"/>
-          </a:fontRef>
-        </p:style>
-      </p:cxnSp>
-      <p:sp>
-        <p:nvSpPr>
-          <p:cNvPr id="19" name="Oval 18">
-            <a:extLst>
-              <a:ext uri="{FF2B5EF4-FFF2-40B4-BE49-F238E27FC236}">
-                <a16:creationId xmlns:a16="http://schemas.microsoft.com/office/drawing/2014/main" id="{880EF362-5DE8-434C-A8CE-E9B96B6086C9}"/>
-              </a:ext>
-            </a:extLst>
-          </p:cNvPr>
-          <p:cNvSpPr/>
-          <p:nvPr/>
-        </p:nvSpPr>
-        <p:spPr>
-          <a:xfrm>
-            <a:off x="3680615" y="3585265"/>
-            <a:ext cx="504027" cy="511915"/>
-          </a:xfrm>
-          <a:prstGeom prst="ellipse">
-            <a:avLst/>
-          </a:prstGeom>
-          <a:noFill/>
-          <a:ln>
-            <a:solidFill>
-              <a:schemeClr val="tx1"/>
-            </a:solidFill>
-          </a:ln>
-        </p:spPr>
-        <p:style>
-          <a:lnRef idx="2">
-            <a:schemeClr val="accent1">
-              <a:shade val="50000"/>
-            </a:schemeClr>
-          </a:lnRef>
-          <a:fillRef idx="1">
-            <a:schemeClr val="accent1"/>
-          </a:fillRef>
-          <a:effectRef idx="0">
-            <a:schemeClr val="accent1"/>
-          </a:effectRef>
-          <a:fontRef idx="minor">
-            <a:schemeClr val="lt1"/>
-          </a:fontRef>
-        </p:style>
-        <p:txBody>
-          <a:bodyPr rtlCol="0" anchor="ctr"/>
-          <a:lstStyle/>
-          <a:p>
-            <a:pPr algn="ctr"/>
-            <a:r>
-              <a:rPr lang="en-US" dirty="0">
-                <a:solidFill>
-                  <a:schemeClr val="tx1"/>
-                </a:solidFill>
-              </a:rPr>
-              <a:t>e</a:t>
-            </a:r>
-          </a:p>
-        </p:txBody>
-      </p:sp>
-      <p:cxnSp>
-        <p:nvCxnSpPr>
-          <p:cNvPr id="20" name="Straight Arrow Connector 19">
-            <a:extLst>
-              <a:ext uri="{FF2B5EF4-FFF2-40B4-BE49-F238E27FC236}">
-                <a16:creationId xmlns:a16="http://schemas.microsoft.com/office/drawing/2014/main" id="{3D4F46AE-1C67-4A10-83E8-94ED11E9D780}"/>
-              </a:ext>
-            </a:extLst>
-          </p:cNvPr>
-          <p:cNvCxnSpPr>
-            <a:stCxn id="19" idx="6"/>
-          </p:cNvCxnSpPr>
-          <p:nvPr/>
-        </p:nvCxnSpPr>
-        <p:spPr>
-          <a:xfrm flipV="1">
-            <a:off x="4184642" y="3837513"/>
-            <a:ext cx="633741" cy="3709"/>
-          </a:xfrm>
-          <a:prstGeom prst="straightConnector1">
-            <a:avLst/>
-          </a:prstGeom>
-          <a:ln>
-            <a:solidFill>
-              <a:schemeClr val="tx1"/>
-            </a:solidFill>
-            <a:tailEnd type="triangle"/>
-          </a:ln>
-        </p:spPr>
-        <p:style>
-          <a:lnRef idx="1">
-            <a:schemeClr val="accent1"/>
-          </a:lnRef>
-          <a:fillRef idx="0">
-            <a:schemeClr val="accent1"/>
-          </a:fillRef>
-          <a:effectRef idx="0">
-            <a:schemeClr val="accent1"/>
-          </a:effectRef>
-          <a:fontRef idx="minor">
-            <a:schemeClr val="tx1"/>
-          </a:fontRef>
-        </p:style>
-      </p:cxnSp>
-      <p:sp>
-        <p:nvSpPr>
-          <p:cNvPr id="21" name="Oval 20">
-            <a:extLst>
-              <a:ext uri="{FF2B5EF4-FFF2-40B4-BE49-F238E27FC236}">
-                <a16:creationId xmlns:a16="http://schemas.microsoft.com/office/drawing/2014/main" id="{0A40A378-FB28-4E93-8137-5E0F48B6495B}"/>
-              </a:ext>
-            </a:extLst>
-          </p:cNvPr>
-          <p:cNvSpPr/>
-          <p:nvPr/>
-        </p:nvSpPr>
-        <p:spPr>
-          <a:xfrm>
-            <a:off x="3680615" y="4419903"/>
-            <a:ext cx="504027" cy="511915"/>
-          </a:xfrm>
-          <a:prstGeom prst="ellipse">
-            <a:avLst/>
-          </a:prstGeom>
-          <a:noFill/>
-          <a:ln>
-            <a:solidFill>
-              <a:schemeClr val="tx1"/>
-            </a:solidFill>
-          </a:ln>
-        </p:spPr>
-        <p:style>
-          <a:lnRef idx="2">
-            <a:schemeClr val="accent1">
-              <a:shade val="50000"/>
-            </a:schemeClr>
-          </a:lnRef>
-          <a:fillRef idx="1">
-            <a:schemeClr val="accent1"/>
-          </a:fillRef>
-          <a:effectRef idx="0">
-            <a:schemeClr val="accent1"/>
-          </a:effectRef>
-          <a:fontRef idx="minor">
-            <a:schemeClr val="lt1"/>
-          </a:fontRef>
-        </p:style>
-        <p:txBody>
-          <a:bodyPr rtlCol="0" anchor="ctr"/>
-          <a:lstStyle/>
-          <a:p>
-            <a:pPr algn="ctr"/>
-            <a:r>
-              <a:rPr lang="en-US" dirty="0">
-                <a:solidFill>
-                  <a:schemeClr val="tx1"/>
-                </a:solidFill>
-              </a:rPr>
-              <a:t>e</a:t>
-            </a:r>
-          </a:p>
-        </p:txBody>
-      </p:sp>
-      <p:cxnSp>
-        <p:nvCxnSpPr>
-          <p:cNvPr id="22" name="Straight Arrow Connector 21">
-            <a:extLst>
-              <a:ext uri="{FF2B5EF4-FFF2-40B4-BE49-F238E27FC236}">
-                <a16:creationId xmlns:a16="http://schemas.microsoft.com/office/drawing/2014/main" id="{CAE1D2F6-5827-4E23-A1A8-ECB0EE616467}"/>
-              </a:ext>
-            </a:extLst>
-          </p:cNvPr>
-          <p:cNvCxnSpPr>
-            <a:stCxn id="21" idx="6"/>
-          </p:cNvCxnSpPr>
-          <p:nvPr/>
-        </p:nvCxnSpPr>
-        <p:spPr>
-          <a:xfrm flipV="1">
-            <a:off x="4184642" y="4672151"/>
-            <a:ext cx="633741" cy="3709"/>
-          </a:xfrm>
-          <a:prstGeom prst="straightConnector1">
-            <a:avLst/>
-          </a:prstGeom>
-          <a:ln>
-            <a:solidFill>
-              <a:schemeClr val="tx1"/>
-            </a:solidFill>
-            <a:tailEnd type="triangle"/>
-          </a:ln>
-        </p:spPr>
-        <p:style>
-          <a:lnRef idx="1">
-            <a:schemeClr val="accent1"/>
-          </a:lnRef>
-          <a:fillRef idx="0">
-            <a:schemeClr val="accent1"/>
-          </a:fillRef>
-          <a:effectRef idx="0">
-            <a:schemeClr val="accent1"/>
-          </a:effectRef>
-          <a:fontRef idx="minor">
-            <a:schemeClr val="tx1"/>
-          </a:fontRef>
-        </p:style>
-      </p:cxnSp>
-      <p:sp>
-        <p:nvSpPr>
-          <p:cNvPr id="25" name="Oval 24">
-            <a:extLst>
-              <a:ext uri="{FF2B5EF4-FFF2-40B4-BE49-F238E27FC236}">
-                <a16:creationId xmlns:a16="http://schemas.microsoft.com/office/drawing/2014/main" id="{C0B9A408-2198-4FCE-AB10-1311CE959B34}"/>
-              </a:ext>
-            </a:extLst>
-          </p:cNvPr>
-          <p:cNvSpPr/>
-          <p:nvPr/>
-        </p:nvSpPr>
-        <p:spPr>
-          <a:xfrm>
-            <a:off x="7457116" y="1926181"/>
-            <a:ext cx="504027" cy="511915"/>
-          </a:xfrm>
-          <a:prstGeom prst="ellipse">
-            <a:avLst/>
-          </a:prstGeom>
-          <a:noFill/>
-          <a:ln>
-            <a:solidFill>
-              <a:schemeClr val="tx1"/>
-            </a:solidFill>
-          </a:ln>
-        </p:spPr>
-        <p:style>
-          <a:lnRef idx="2">
-            <a:schemeClr val="accent1">
-              <a:shade val="50000"/>
-            </a:schemeClr>
-          </a:lnRef>
-          <a:fillRef idx="1">
-            <a:schemeClr val="accent1"/>
-          </a:fillRef>
-          <a:effectRef idx="0">
-            <a:schemeClr val="accent1"/>
-          </a:effectRef>
-          <a:fontRef idx="minor">
-            <a:schemeClr val="lt1"/>
-          </a:fontRef>
-        </p:style>
-        <p:txBody>
-          <a:bodyPr rtlCol="0" anchor="ctr"/>
-          <a:lstStyle/>
-          <a:p>
-            <a:pPr algn="ctr"/>
-            <a:r>
-              <a:rPr lang="en-US" dirty="0">
-                <a:solidFill>
-                  <a:schemeClr val="tx1"/>
-                </a:solidFill>
-              </a:rPr>
-              <a:t>e</a:t>
-            </a:r>
-          </a:p>
-        </p:txBody>
-      </p:sp>
-      <p:cxnSp>
-        <p:nvCxnSpPr>
-          <p:cNvPr id="26" name="Straight Arrow Connector 25">
-            <a:extLst>
-              <a:ext uri="{FF2B5EF4-FFF2-40B4-BE49-F238E27FC236}">
-                <a16:creationId xmlns:a16="http://schemas.microsoft.com/office/drawing/2014/main" id="{2340A85C-423A-4CEF-B804-92C6EB0AA250}"/>
-              </a:ext>
-            </a:extLst>
-          </p:cNvPr>
-          <p:cNvCxnSpPr>
-            <a:cxnSpLocks/>
-            <a:stCxn id="25" idx="4"/>
-            <a:endCxn id="4" idx="0"/>
-          </p:cNvCxnSpPr>
-          <p:nvPr/>
-        </p:nvCxnSpPr>
-        <p:spPr>
-          <a:xfrm>
-            <a:off x="7709129" y="2438096"/>
-            <a:ext cx="200132" cy="583321"/>
-          </a:xfrm>
-          <a:prstGeom prst="straightConnector1">
-            <a:avLst/>
-          </a:prstGeom>
-          <a:ln>
-            <a:solidFill>
-              <a:schemeClr val="tx1"/>
-            </a:solidFill>
-            <a:tailEnd type="triangle"/>
-          </a:ln>
-        </p:spPr>
-        <p:style>
-          <a:lnRef idx="1">
-            <a:schemeClr val="accent1"/>
-          </a:lnRef>
-          <a:fillRef idx="0">
-            <a:schemeClr val="accent1"/>
-          </a:fillRef>
-          <a:effectRef idx="0">
-            <a:schemeClr val="accent1"/>
-          </a:effectRef>
-          <a:fontRef idx="minor">
-            <a:schemeClr val="tx1"/>
-          </a:fontRef>
-        </p:style>
-      </p:cxnSp>
-      <p:sp>
-        <p:nvSpPr>
-          <p:cNvPr id="23" name="Oval 22">
-            <a:extLst>
-              <a:ext uri="{FF2B5EF4-FFF2-40B4-BE49-F238E27FC236}">
-                <a16:creationId xmlns:a16="http://schemas.microsoft.com/office/drawing/2014/main" id="{4042141F-AF35-4341-8900-C10208308640}"/>
-              </a:ext>
-            </a:extLst>
-          </p:cNvPr>
-          <p:cNvSpPr/>
-          <p:nvPr/>
-        </p:nvSpPr>
-        <p:spPr>
-          <a:xfrm>
-            <a:off x="6383193" y="2483536"/>
-            <a:ext cx="504027" cy="511915"/>
-          </a:xfrm>
-          <a:prstGeom prst="ellipse">
-            <a:avLst/>
-          </a:prstGeom>
-          <a:noFill/>
-          <a:ln>
-            <a:solidFill>
-              <a:schemeClr val="tx1"/>
-            </a:solidFill>
-          </a:ln>
-        </p:spPr>
-        <p:style>
-          <a:lnRef idx="2">
-            <a:schemeClr val="accent1">
-              <a:shade val="50000"/>
-            </a:schemeClr>
-          </a:lnRef>
-          <a:fillRef idx="1">
-            <a:schemeClr val="accent1"/>
-          </a:fillRef>
-          <a:effectRef idx="0">
-            <a:schemeClr val="accent1"/>
-          </a:effectRef>
-          <a:fontRef idx="minor">
-            <a:schemeClr val="lt1"/>
-          </a:fontRef>
-        </p:style>
-        <p:txBody>
-          <a:bodyPr rtlCol="0" anchor="ctr"/>
-          <a:lstStyle/>
-          <a:p>
-            <a:pPr algn="ctr"/>
-            <a:r>
-              <a:rPr lang="en-US" dirty="0">
-                <a:solidFill>
-                  <a:schemeClr val="tx1"/>
-                </a:solidFill>
-              </a:rPr>
-              <a:t>e</a:t>
-            </a:r>
-          </a:p>
-        </p:txBody>
-      </p:sp>
+            </a:fontRef>
+          </p:style>
+        </p:cxnSp>
+      </p:grpSp>
     </p:spTree>
     <p:extLst>
       <p:ext uri="{BB962C8B-B14F-4D97-AF65-F5344CB8AC3E}">
-        <p14:creationId xmlns:p14="http://schemas.microsoft.com/office/powerpoint/2010/main" val="2480692902"/>
+        <p14:creationId xmlns:p14="http://schemas.microsoft.com/office/powerpoint/2010/main" val="460107993"/>
       </p:ext>
     </p:extLst>
   </p:cSld>
@@ -9353,1021 +11381,12 @@
           <a:chExt cx="0" cy="0"/>
         </a:xfrm>
       </p:grpSpPr>
-      <p:sp>
-        <p:nvSpPr>
-          <p:cNvPr id="5" name="Rectangle 4">
+      <p:grpSp>
+        <p:nvGrpSpPr>
+          <p:cNvPr id="3" name="Group 2">
             <a:extLst>
               <a:ext uri="{FF2B5EF4-FFF2-40B4-BE49-F238E27FC236}">
-                <a16:creationId xmlns:a16="http://schemas.microsoft.com/office/drawing/2014/main" id="{5A8A5662-2AB0-4E9C-AB15-A7A2E738790B}"/>
-              </a:ext>
-            </a:extLst>
-          </p:cNvPr>
-          <p:cNvSpPr/>
-          <p:nvPr/>
-        </p:nvSpPr>
-        <p:spPr>
-          <a:xfrm>
-            <a:off x="4640826" y="1907458"/>
-            <a:ext cx="1995948" cy="747252"/>
-          </a:xfrm>
-          <a:prstGeom prst="rect">
-            <a:avLst/>
-          </a:prstGeom>
-          <a:noFill/>
-          <a:ln>
-            <a:solidFill>
-              <a:schemeClr val="tx1"/>
-            </a:solidFill>
-          </a:ln>
-        </p:spPr>
-        <p:style>
-          <a:lnRef idx="2">
-            <a:schemeClr val="accent1">
-              <a:shade val="50000"/>
-            </a:schemeClr>
-          </a:lnRef>
-          <a:fillRef idx="1">
-            <a:schemeClr val="accent1"/>
-          </a:fillRef>
-          <a:effectRef idx="0">
-            <a:schemeClr val="accent1"/>
-          </a:effectRef>
-          <a:fontRef idx="minor">
-            <a:schemeClr val="lt1"/>
-          </a:fontRef>
-        </p:style>
-        <p:txBody>
-          <a:bodyPr rtlCol="0" anchor="ctr"/>
-          <a:lstStyle/>
-          <a:p>
-            <a:pPr algn="ctr"/>
-            <a:r>
-              <a:rPr lang="en-US" dirty="0">
-                <a:solidFill>
-                  <a:schemeClr val="tx1"/>
-                </a:solidFill>
-              </a:rPr>
-              <a:t>Status </a:t>
-            </a:r>
-            <a:r>
-              <a:rPr lang="en-US" dirty="0" err="1">
-                <a:solidFill>
-                  <a:schemeClr val="tx1"/>
-                </a:solidFill>
-              </a:rPr>
-              <a:t>sosio-ekonomi</a:t>
-            </a:r>
-            <a:r>
-              <a:rPr lang="en-US" dirty="0">
-                <a:solidFill>
-                  <a:schemeClr val="tx1"/>
-                </a:solidFill>
-              </a:rPr>
-              <a:t> (</a:t>
-            </a:r>
-            <a:r>
-              <a:rPr lang="el-GR" dirty="0">
-                <a:solidFill>
-                  <a:schemeClr val="tx1"/>
-                </a:solidFill>
-              </a:rPr>
-              <a:t>ξ</a:t>
-            </a:r>
-            <a:r>
-              <a:rPr lang="en-US" baseline="-25000" dirty="0">
-                <a:solidFill>
-                  <a:schemeClr val="tx1"/>
-                </a:solidFill>
-              </a:rPr>
-              <a:t>1</a:t>
-            </a:r>
-            <a:r>
-              <a:rPr lang="en-US" dirty="0">
-                <a:solidFill>
-                  <a:schemeClr val="tx1"/>
-                </a:solidFill>
-              </a:rPr>
-              <a:t>)</a:t>
-            </a:r>
-          </a:p>
-        </p:txBody>
-      </p:sp>
-      <p:sp>
-        <p:nvSpPr>
-          <p:cNvPr id="7" name="Oval 6">
-            <a:extLst>
-              <a:ext uri="{FF2B5EF4-FFF2-40B4-BE49-F238E27FC236}">
-                <a16:creationId xmlns:a16="http://schemas.microsoft.com/office/drawing/2014/main" id="{2F7E0F33-2D83-46A4-8267-8E7E3BE387A4}"/>
-              </a:ext>
-            </a:extLst>
-          </p:cNvPr>
-          <p:cNvSpPr/>
-          <p:nvPr/>
-        </p:nvSpPr>
-        <p:spPr>
-          <a:xfrm>
-            <a:off x="7251290" y="3244645"/>
-            <a:ext cx="1111045" cy="983226"/>
-          </a:xfrm>
-          <a:prstGeom prst="ellipse">
-            <a:avLst/>
-          </a:prstGeom>
-          <a:noFill/>
-          <a:ln>
-            <a:solidFill>
-              <a:schemeClr val="tx1"/>
-            </a:solidFill>
-          </a:ln>
-        </p:spPr>
-        <p:style>
-          <a:lnRef idx="2">
-            <a:schemeClr val="accent1">
-              <a:shade val="50000"/>
-            </a:schemeClr>
-          </a:lnRef>
-          <a:fillRef idx="1">
-            <a:schemeClr val="accent1"/>
-          </a:fillRef>
-          <a:effectRef idx="0">
-            <a:schemeClr val="accent1"/>
-          </a:effectRef>
-          <a:fontRef idx="minor">
-            <a:schemeClr val="lt1"/>
-          </a:fontRef>
-        </p:style>
-        <p:txBody>
-          <a:bodyPr rtlCol="0" anchor="ctr"/>
-          <a:lstStyle/>
-          <a:p>
-            <a:pPr algn="ctr"/>
-            <a:r>
-              <a:rPr lang="en-US" sz="1100" dirty="0">
-                <a:solidFill>
-                  <a:schemeClr val="tx1"/>
-                </a:solidFill>
-              </a:rPr>
-              <a:t>Keputusan </a:t>
-            </a:r>
-            <a:r>
-              <a:rPr lang="en-US" sz="1100" dirty="0" err="1">
-                <a:solidFill>
-                  <a:schemeClr val="tx1"/>
-                </a:solidFill>
-              </a:rPr>
-              <a:t>karir</a:t>
-            </a:r>
-            <a:r>
-              <a:rPr lang="en-US" sz="1100" dirty="0">
-                <a:solidFill>
-                  <a:schemeClr val="tx1"/>
-                </a:solidFill>
-              </a:rPr>
-              <a:t> (</a:t>
-            </a:r>
-            <a:r>
-              <a:rPr lang="el-GR" sz="1100" dirty="0">
-                <a:solidFill>
-                  <a:schemeClr val="tx1"/>
-                </a:solidFill>
-              </a:rPr>
-              <a:t>η</a:t>
-            </a:r>
-            <a:r>
-              <a:rPr lang="en-US" sz="1100" baseline="-25000" dirty="0">
-                <a:solidFill>
-                  <a:schemeClr val="tx1"/>
-                </a:solidFill>
-              </a:rPr>
-              <a:t>1</a:t>
-            </a:r>
-            <a:r>
-              <a:rPr lang="en-US" sz="1100" dirty="0">
-                <a:solidFill>
-                  <a:schemeClr val="tx1"/>
-                </a:solidFill>
-              </a:rPr>
-              <a:t>)</a:t>
-            </a:r>
-          </a:p>
-        </p:txBody>
-      </p:sp>
-      <p:sp>
-        <p:nvSpPr>
-          <p:cNvPr id="11" name="Rectangle 10">
-            <a:extLst>
-              <a:ext uri="{FF2B5EF4-FFF2-40B4-BE49-F238E27FC236}">
-                <a16:creationId xmlns:a16="http://schemas.microsoft.com/office/drawing/2014/main" id="{6DD056D1-2459-4434-B016-04A8758FF925}"/>
-              </a:ext>
-            </a:extLst>
-          </p:cNvPr>
-          <p:cNvSpPr/>
-          <p:nvPr/>
-        </p:nvSpPr>
-        <p:spPr>
-          <a:xfrm>
-            <a:off x="8927688" y="3186879"/>
-            <a:ext cx="1465009" cy="474407"/>
-          </a:xfrm>
-          <a:prstGeom prst="rect">
-            <a:avLst/>
-          </a:prstGeom>
-          <a:noFill/>
-          <a:ln>
-            <a:solidFill>
-              <a:schemeClr val="tx1"/>
-            </a:solidFill>
-          </a:ln>
-        </p:spPr>
-        <p:style>
-          <a:lnRef idx="2">
-            <a:schemeClr val="accent1">
-              <a:shade val="50000"/>
-            </a:schemeClr>
-          </a:lnRef>
-          <a:fillRef idx="1">
-            <a:schemeClr val="accent1"/>
-          </a:fillRef>
-          <a:effectRef idx="0">
-            <a:schemeClr val="accent1"/>
-          </a:effectRef>
-          <a:fontRef idx="minor">
-            <a:schemeClr val="lt1"/>
-          </a:fontRef>
-        </p:style>
-        <p:txBody>
-          <a:bodyPr rtlCol="0" anchor="ctr"/>
-          <a:lstStyle/>
-          <a:p>
-            <a:pPr algn="ctr"/>
-            <a:r>
-              <a:rPr lang="en-US" dirty="0" err="1">
-                <a:solidFill>
-                  <a:schemeClr val="tx1"/>
-                </a:solidFill>
-              </a:rPr>
-              <a:t>Persepsi</a:t>
-            </a:r>
-            <a:r>
-              <a:rPr lang="en-US" dirty="0">
-                <a:solidFill>
-                  <a:schemeClr val="tx1"/>
-                </a:solidFill>
-              </a:rPr>
-              <a:t> </a:t>
-            </a:r>
-            <a:r>
-              <a:rPr lang="en-US" dirty="0" err="1">
-                <a:solidFill>
-                  <a:schemeClr val="tx1"/>
-                </a:solidFill>
-              </a:rPr>
-              <a:t>diri</a:t>
-            </a:r>
-            <a:endParaRPr lang="en-US" dirty="0">
-              <a:solidFill>
-                <a:schemeClr val="tx1"/>
-              </a:solidFill>
-            </a:endParaRPr>
-          </a:p>
-        </p:txBody>
-      </p:sp>
-      <p:sp>
-        <p:nvSpPr>
-          <p:cNvPr id="13" name="Rectangle 12">
-            <a:extLst>
-              <a:ext uri="{FF2B5EF4-FFF2-40B4-BE49-F238E27FC236}">
-                <a16:creationId xmlns:a16="http://schemas.microsoft.com/office/drawing/2014/main" id="{E033CE98-7FAF-43A3-9D67-A9D127776C99}"/>
-              </a:ext>
-            </a:extLst>
-          </p:cNvPr>
-          <p:cNvSpPr/>
-          <p:nvPr/>
-        </p:nvSpPr>
-        <p:spPr>
-          <a:xfrm>
-            <a:off x="8927687" y="3898489"/>
-            <a:ext cx="1465010" cy="474407"/>
-          </a:xfrm>
-          <a:prstGeom prst="rect">
-            <a:avLst/>
-          </a:prstGeom>
-          <a:noFill/>
-          <a:ln>
-            <a:solidFill>
-              <a:schemeClr val="tx1"/>
-            </a:solidFill>
-          </a:ln>
-        </p:spPr>
-        <p:style>
-          <a:lnRef idx="2">
-            <a:schemeClr val="accent1">
-              <a:shade val="50000"/>
-            </a:schemeClr>
-          </a:lnRef>
-          <a:fillRef idx="1">
-            <a:schemeClr val="accent1"/>
-          </a:fillRef>
-          <a:effectRef idx="0">
-            <a:schemeClr val="accent1"/>
-          </a:effectRef>
-          <a:fontRef idx="minor">
-            <a:schemeClr val="lt1"/>
-          </a:fontRef>
-        </p:style>
-        <p:txBody>
-          <a:bodyPr rtlCol="0" anchor="ctr"/>
-          <a:lstStyle/>
-          <a:p>
-            <a:pPr algn="ctr"/>
-            <a:r>
-              <a:rPr lang="en-US" sz="1400" dirty="0" err="1">
-                <a:solidFill>
-                  <a:schemeClr val="tx1"/>
-                </a:solidFill>
-              </a:rPr>
-              <a:t>Persepsi</a:t>
-            </a:r>
-            <a:r>
-              <a:rPr lang="en-US" sz="1400" dirty="0">
-                <a:solidFill>
-                  <a:schemeClr val="tx1"/>
-                </a:solidFill>
-              </a:rPr>
-              <a:t> orang lain</a:t>
-            </a:r>
-          </a:p>
-        </p:txBody>
-      </p:sp>
-      <p:cxnSp>
-        <p:nvCxnSpPr>
-          <p:cNvPr id="16" name="Straight Arrow Connector 15">
-            <a:extLst>
-              <a:ext uri="{FF2B5EF4-FFF2-40B4-BE49-F238E27FC236}">
-                <a16:creationId xmlns:a16="http://schemas.microsoft.com/office/drawing/2014/main" id="{D00BDA37-63EB-4D38-93E6-AB67AAD4F8E6}"/>
-              </a:ext>
-            </a:extLst>
-          </p:cNvPr>
-          <p:cNvCxnSpPr>
-            <a:cxnSpLocks/>
-            <a:stCxn id="5" idx="1"/>
-            <a:endCxn id="6" idx="7"/>
-          </p:cNvCxnSpPr>
-          <p:nvPr/>
-        </p:nvCxnSpPr>
-        <p:spPr>
-          <a:xfrm flipH="1">
-            <a:off x="3809523" y="2281084"/>
-            <a:ext cx="831303" cy="1099159"/>
-          </a:xfrm>
-          <a:prstGeom prst="straightConnector1">
-            <a:avLst/>
-          </a:prstGeom>
-          <a:ln>
-            <a:solidFill>
-              <a:schemeClr val="tx1"/>
-            </a:solidFill>
-            <a:tailEnd type="triangle"/>
-          </a:ln>
-        </p:spPr>
-        <p:style>
-          <a:lnRef idx="1">
-            <a:schemeClr val="accent1"/>
-          </a:lnRef>
-          <a:fillRef idx="0">
-            <a:schemeClr val="accent1"/>
-          </a:fillRef>
-          <a:effectRef idx="0">
-            <a:schemeClr val="accent1"/>
-          </a:effectRef>
-          <a:fontRef idx="minor">
-            <a:schemeClr val="tx1"/>
-          </a:fontRef>
-        </p:style>
-      </p:cxnSp>
-      <p:cxnSp>
-        <p:nvCxnSpPr>
-          <p:cNvPr id="20" name="Straight Arrow Connector 19">
-            <a:extLst>
-              <a:ext uri="{FF2B5EF4-FFF2-40B4-BE49-F238E27FC236}">
-                <a16:creationId xmlns:a16="http://schemas.microsoft.com/office/drawing/2014/main" id="{F5831732-C1A4-4114-8D06-77E4C9D9563D}"/>
-              </a:ext>
-            </a:extLst>
-          </p:cNvPr>
-          <p:cNvCxnSpPr>
-            <a:stCxn id="5" idx="3"/>
-            <a:endCxn id="7" idx="1"/>
-          </p:cNvCxnSpPr>
-          <p:nvPr/>
-        </p:nvCxnSpPr>
-        <p:spPr>
-          <a:xfrm>
-            <a:off x="6636774" y="2281084"/>
-            <a:ext cx="777225" cy="1107551"/>
-          </a:xfrm>
-          <a:prstGeom prst="straightConnector1">
-            <a:avLst/>
-          </a:prstGeom>
-          <a:ln>
-            <a:solidFill>
-              <a:schemeClr val="tx1"/>
-            </a:solidFill>
-            <a:tailEnd type="triangle"/>
-          </a:ln>
-        </p:spPr>
-        <p:style>
-          <a:lnRef idx="1">
-            <a:schemeClr val="accent1"/>
-          </a:lnRef>
-          <a:fillRef idx="0">
-            <a:schemeClr val="accent1"/>
-          </a:fillRef>
-          <a:effectRef idx="0">
-            <a:schemeClr val="accent1"/>
-          </a:effectRef>
-          <a:fontRef idx="minor">
-            <a:schemeClr val="tx1"/>
-          </a:fontRef>
-        </p:style>
-      </p:cxnSp>
-      <p:cxnSp>
-        <p:nvCxnSpPr>
-          <p:cNvPr id="22" name="Straight Arrow Connector 21">
-            <a:extLst>
-              <a:ext uri="{FF2B5EF4-FFF2-40B4-BE49-F238E27FC236}">
-                <a16:creationId xmlns:a16="http://schemas.microsoft.com/office/drawing/2014/main" id="{AE69369D-5CBB-4758-97C6-D5B3314361E3}"/>
-              </a:ext>
-            </a:extLst>
-          </p:cNvPr>
-          <p:cNvCxnSpPr>
-            <a:cxnSpLocks/>
-            <a:stCxn id="6" idx="6"/>
-            <a:endCxn id="7" idx="2"/>
-          </p:cNvCxnSpPr>
-          <p:nvPr/>
-        </p:nvCxnSpPr>
-        <p:spPr>
-          <a:xfrm>
-            <a:off x="3972232" y="3731342"/>
-            <a:ext cx="3279058" cy="4916"/>
-          </a:xfrm>
-          <a:prstGeom prst="straightConnector1">
-            <a:avLst/>
-          </a:prstGeom>
-          <a:ln>
-            <a:solidFill>
-              <a:schemeClr val="tx1"/>
-            </a:solidFill>
-            <a:tailEnd type="triangle"/>
-          </a:ln>
-        </p:spPr>
-        <p:style>
-          <a:lnRef idx="1">
-            <a:schemeClr val="accent1"/>
-          </a:lnRef>
-          <a:fillRef idx="0">
-            <a:schemeClr val="accent1"/>
-          </a:fillRef>
-          <a:effectRef idx="0">
-            <a:schemeClr val="accent1"/>
-          </a:effectRef>
-          <a:fontRef idx="minor">
-            <a:schemeClr val="tx1"/>
-          </a:fontRef>
-        </p:style>
-      </p:cxnSp>
-      <p:cxnSp>
-        <p:nvCxnSpPr>
-          <p:cNvPr id="40" name="Straight Arrow Connector 39">
-            <a:extLst>
-              <a:ext uri="{FF2B5EF4-FFF2-40B4-BE49-F238E27FC236}">
-                <a16:creationId xmlns:a16="http://schemas.microsoft.com/office/drawing/2014/main" id="{EF558CBB-E927-453A-8D68-2E07F2C04FD2}"/>
-              </a:ext>
-            </a:extLst>
-          </p:cNvPr>
-          <p:cNvCxnSpPr>
-            <a:stCxn id="7" idx="6"/>
-            <a:endCxn id="11" idx="1"/>
-          </p:cNvCxnSpPr>
-          <p:nvPr/>
-        </p:nvCxnSpPr>
-        <p:spPr>
-          <a:xfrm flipV="1">
-            <a:off x="8362335" y="3424083"/>
-            <a:ext cx="565353" cy="312175"/>
-          </a:xfrm>
-          <a:prstGeom prst="straightConnector1">
-            <a:avLst/>
-          </a:prstGeom>
-          <a:ln>
-            <a:solidFill>
-              <a:schemeClr val="tx1"/>
-            </a:solidFill>
-            <a:tailEnd type="triangle"/>
-          </a:ln>
-        </p:spPr>
-        <p:style>
-          <a:lnRef idx="1">
-            <a:schemeClr val="accent1"/>
-          </a:lnRef>
-          <a:fillRef idx="0">
-            <a:schemeClr val="accent1"/>
-          </a:fillRef>
-          <a:effectRef idx="0">
-            <a:schemeClr val="accent1"/>
-          </a:effectRef>
-          <a:fontRef idx="minor">
-            <a:schemeClr val="tx1"/>
-          </a:fontRef>
-        </p:style>
-      </p:cxnSp>
-      <p:cxnSp>
-        <p:nvCxnSpPr>
-          <p:cNvPr id="42" name="Straight Arrow Connector 41">
-            <a:extLst>
-              <a:ext uri="{FF2B5EF4-FFF2-40B4-BE49-F238E27FC236}">
-                <a16:creationId xmlns:a16="http://schemas.microsoft.com/office/drawing/2014/main" id="{F0C9C59E-42A8-456D-A18D-A63C5D066A72}"/>
-              </a:ext>
-            </a:extLst>
-          </p:cNvPr>
-          <p:cNvCxnSpPr>
-            <a:stCxn id="7" idx="6"/>
-            <a:endCxn id="13" idx="1"/>
-          </p:cNvCxnSpPr>
-          <p:nvPr/>
-        </p:nvCxnSpPr>
-        <p:spPr>
-          <a:xfrm>
-            <a:off x="8362335" y="3736258"/>
-            <a:ext cx="565352" cy="399435"/>
-          </a:xfrm>
-          <a:prstGeom prst="straightConnector1">
-            <a:avLst/>
-          </a:prstGeom>
-          <a:ln>
-            <a:solidFill>
-              <a:schemeClr val="tx1"/>
-            </a:solidFill>
-            <a:tailEnd type="triangle"/>
-          </a:ln>
-        </p:spPr>
-        <p:style>
-          <a:lnRef idx="1">
-            <a:schemeClr val="accent1"/>
-          </a:lnRef>
-          <a:fillRef idx="0">
-            <a:schemeClr val="accent1"/>
-          </a:fillRef>
-          <a:effectRef idx="0">
-            <a:schemeClr val="accent1"/>
-          </a:effectRef>
-          <a:fontRef idx="minor">
-            <a:schemeClr val="tx1"/>
-          </a:fontRef>
-        </p:style>
-      </p:cxnSp>
-      <p:sp>
-        <p:nvSpPr>
-          <p:cNvPr id="43" name="Oval 42">
-            <a:extLst>
-              <a:ext uri="{FF2B5EF4-FFF2-40B4-BE49-F238E27FC236}">
-                <a16:creationId xmlns:a16="http://schemas.microsoft.com/office/drawing/2014/main" id="{963AC370-CBFC-4A85-B3C3-0F96FFFE3AED}"/>
-              </a:ext>
-            </a:extLst>
-          </p:cNvPr>
-          <p:cNvSpPr/>
-          <p:nvPr/>
-        </p:nvSpPr>
-        <p:spPr>
-          <a:xfrm>
-            <a:off x="5407742" y="967446"/>
-            <a:ext cx="462116" cy="523570"/>
-          </a:xfrm>
-          <a:prstGeom prst="ellipse">
-            <a:avLst/>
-          </a:prstGeom>
-          <a:noFill/>
-          <a:ln>
-            <a:noFill/>
-          </a:ln>
-        </p:spPr>
-        <p:style>
-          <a:lnRef idx="2">
-            <a:schemeClr val="accent1">
-              <a:shade val="50000"/>
-            </a:schemeClr>
-          </a:lnRef>
-          <a:fillRef idx="1">
-            <a:schemeClr val="accent1"/>
-          </a:fillRef>
-          <a:effectRef idx="0">
-            <a:schemeClr val="accent1"/>
-          </a:effectRef>
-          <a:fontRef idx="minor">
-            <a:schemeClr val="lt1"/>
-          </a:fontRef>
-        </p:style>
-        <p:txBody>
-          <a:bodyPr rtlCol="0" anchor="ctr"/>
-          <a:lstStyle/>
-          <a:p>
-            <a:pPr algn="ctr"/>
-            <a:r>
-              <a:rPr lang="el-GR" sz="1600" dirty="0">
-                <a:solidFill>
-                  <a:schemeClr val="tx1"/>
-                </a:solidFill>
-              </a:rPr>
-              <a:t>ζ</a:t>
-            </a:r>
-            <a:r>
-              <a:rPr lang="en-US" sz="1600" baseline="-25000" dirty="0">
-                <a:solidFill>
-                  <a:schemeClr val="tx1"/>
-                </a:solidFill>
-              </a:rPr>
-              <a:t>1</a:t>
-            </a:r>
-          </a:p>
-        </p:txBody>
-      </p:sp>
-      <p:cxnSp>
-        <p:nvCxnSpPr>
-          <p:cNvPr id="45" name="Straight Arrow Connector 44">
-            <a:extLst>
-              <a:ext uri="{FF2B5EF4-FFF2-40B4-BE49-F238E27FC236}">
-                <a16:creationId xmlns:a16="http://schemas.microsoft.com/office/drawing/2014/main" id="{6C516C01-9791-42FE-8484-28F5E1EC3186}"/>
-              </a:ext>
-            </a:extLst>
-          </p:cNvPr>
-          <p:cNvCxnSpPr>
-            <a:cxnSpLocks/>
-            <a:stCxn id="43" idx="4"/>
-            <a:endCxn id="5" idx="0"/>
-          </p:cNvCxnSpPr>
-          <p:nvPr/>
-        </p:nvCxnSpPr>
-        <p:spPr>
-          <a:xfrm>
-            <a:off x="5638800" y="1491016"/>
-            <a:ext cx="0" cy="416442"/>
-          </a:xfrm>
-          <a:prstGeom prst="straightConnector1">
-            <a:avLst/>
-          </a:prstGeom>
-          <a:ln>
-            <a:solidFill>
-              <a:schemeClr val="tx1"/>
-            </a:solidFill>
-            <a:tailEnd type="triangle"/>
-          </a:ln>
-        </p:spPr>
-        <p:style>
-          <a:lnRef idx="1">
-            <a:schemeClr val="accent1"/>
-          </a:lnRef>
-          <a:fillRef idx="0">
-            <a:schemeClr val="accent1"/>
-          </a:fillRef>
-          <a:effectRef idx="0">
-            <a:schemeClr val="accent1"/>
-          </a:effectRef>
-          <a:fontRef idx="minor">
-            <a:schemeClr val="tx1"/>
-          </a:fontRef>
-        </p:style>
-      </p:cxnSp>
-      <p:sp>
-        <p:nvSpPr>
-          <p:cNvPr id="48" name="Oval 47">
-            <a:extLst>
-              <a:ext uri="{FF2B5EF4-FFF2-40B4-BE49-F238E27FC236}">
-                <a16:creationId xmlns:a16="http://schemas.microsoft.com/office/drawing/2014/main" id="{B6539B22-9EA2-4872-9E81-1D00FC86BB2E}"/>
-              </a:ext>
-            </a:extLst>
-          </p:cNvPr>
-          <p:cNvSpPr/>
-          <p:nvPr/>
-        </p:nvSpPr>
-        <p:spPr>
-          <a:xfrm>
-            <a:off x="7585584" y="4505005"/>
-            <a:ext cx="462116" cy="474408"/>
-          </a:xfrm>
-          <a:prstGeom prst="ellipse">
-            <a:avLst/>
-          </a:prstGeom>
-          <a:noFill/>
-          <a:ln>
-            <a:noFill/>
-          </a:ln>
-        </p:spPr>
-        <p:style>
-          <a:lnRef idx="2">
-            <a:schemeClr val="accent1">
-              <a:shade val="50000"/>
-            </a:schemeClr>
-          </a:lnRef>
-          <a:fillRef idx="1">
-            <a:schemeClr val="accent1"/>
-          </a:fillRef>
-          <a:effectRef idx="0">
-            <a:schemeClr val="accent1"/>
-          </a:effectRef>
-          <a:fontRef idx="minor">
-            <a:schemeClr val="lt1"/>
-          </a:fontRef>
-        </p:style>
-        <p:txBody>
-          <a:bodyPr rtlCol="0" anchor="ctr"/>
-          <a:lstStyle/>
-          <a:p>
-            <a:pPr algn="ctr"/>
-            <a:r>
-              <a:rPr lang="el-GR" sz="1600" dirty="0">
-                <a:solidFill>
-                  <a:schemeClr val="tx1"/>
-                </a:solidFill>
-              </a:rPr>
-              <a:t>ζ</a:t>
-            </a:r>
-            <a:r>
-              <a:rPr lang="en-US" sz="1600" baseline="-25000" dirty="0">
-                <a:solidFill>
-                  <a:schemeClr val="tx1"/>
-                </a:solidFill>
-              </a:rPr>
-              <a:t>3</a:t>
-            </a:r>
-          </a:p>
-        </p:txBody>
-      </p:sp>
-      <p:cxnSp>
-        <p:nvCxnSpPr>
-          <p:cNvPr id="52" name="Straight Arrow Connector 51">
-            <a:extLst>
-              <a:ext uri="{FF2B5EF4-FFF2-40B4-BE49-F238E27FC236}">
-                <a16:creationId xmlns:a16="http://schemas.microsoft.com/office/drawing/2014/main" id="{48494672-C09B-4587-8C73-FF24F4265860}"/>
-              </a:ext>
-            </a:extLst>
-          </p:cNvPr>
-          <p:cNvCxnSpPr/>
-          <p:nvPr/>
-        </p:nvCxnSpPr>
-        <p:spPr>
-          <a:xfrm flipV="1">
-            <a:off x="7816642" y="4227871"/>
-            <a:ext cx="1" cy="373617"/>
-          </a:xfrm>
-          <a:prstGeom prst="straightConnector1">
-            <a:avLst/>
-          </a:prstGeom>
-          <a:ln>
-            <a:solidFill>
-              <a:schemeClr val="tx1"/>
-            </a:solidFill>
-            <a:tailEnd type="triangle"/>
-          </a:ln>
-        </p:spPr>
-        <p:style>
-          <a:lnRef idx="1">
-            <a:schemeClr val="accent1"/>
-          </a:lnRef>
-          <a:fillRef idx="0">
-            <a:schemeClr val="accent1"/>
-          </a:fillRef>
-          <a:effectRef idx="0">
-            <a:schemeClr val="accent1"/>
-          </a:effectRef>
-          <a:fontRef idx="minor">
-            <a:schemeClr val="tx1"/>
-          </a:fontRef>
-        </p:style>
-      </p:cxnSp>
-      <p:sp>
-        <p:nvSpPr>
-          <p:cNvPr id="67" name="Oval 66">
-            <a:extLst>
-              <a:ext uri="{FF2B5EF4-FFF2-40B4-BE49-F238E27FC236}">
-                <a16:creationId xmlns:a16="http://schemas.microsoft.com/office/drawing/2014/main" id="{F4688036-42B8-419F-B7A0-8FE6FD40FEA9}"/>
-              </a:ext>
-            </a:extLst>
-          </p:cNvPr>
-          <p:cNvSpPr/>
-          <p:nvPr/>
-        </p:nvSpPr>
-        <p:spPr>
-          <a:xfrm>
-            <a:off x="10918728" y="3186879"/>
-            <a:ext cx="560435" cy="474406"/>
-          </a:xfrm>
-          <a:prstGeom prst="ellipse">
-            <a:avLst/>
-          </a:prstGeom>
-          <a:noFill/>
-          <a:ln>
-            <a:noFill/>
-          </a:ln>
-        </p:spPr>
-        <p:style>
-          <a:lnRef idx="2">
-            <a:schemeClr val="accent1">
-              <a:shade val="50000"/>
-            </a:schemeClr>
-          </a:lnRef>
-          <a:fillRef idx="1">
-            <a:schemeClr val="accent1"/>
-          </a:fillRef>
-          <a:effectRef idx="0">
-            <a:schemeClr val="accent1"/>
-          </a:effectRef>
-          <a:fontRef idx="minor">
-            <a:schemeClr val="lt1"/>
-          </a:fontRef>
-        </p:style>
-        <p:txBody>
-          <a:bodyPr rtlCol="0" anchor="ctr"/>
-          <a:lstStyle/>
-          <a:p>
-            <a:pPr algn="ctr"/>
-            <a:r>
-              <a:rPr lang="el-GR" dirty="0">
-                <a:solidFill>
-                  <a:schemeClr val="tx1"/>
-                </a:solidFill>
-              </a:rPr>
-              <a:t>ε</a:t>
-            </a:r>
-            <a:r>
-              <a:rPr lang="en-US" sz="1600" baseline="-25000" dirty="0">
-                <a:solidFill>
-                  <a:schemeClr val="tx1"/>
-                </a:solidFill>
-              </a:rPr>
-              <a:t>4</a:t>
-            </a:r>
-          </a:p>
-        </p:txBody>
-      </p:sp>
-      <p:cxnSp>
-        <p:nvCxnSpPr>
-          <p:cNvPr id="70" name="Straight Arrow Connector 69">
-            <a:extLst>
-              <a:ext uri="{FF2B5EF4-FFF2-40B4-BE49-F238E27FC236}">
-                <a16:creationId xmlns:a16="http://schemas.microsoft.com/office/drawing/2014/main" id="{76190F54-45A0-492F-AA78-31CF8E9F7E98}"/>
-              </a:ext>
-            </a:extLst>
-          </p:cNvPr>
-          <p:cNvCxnSpPr>
-            <a:stCxn id="67" idx="2"/>
-            <a:endCxn id="11" idx="3"/>
-          </p:cNvCxnSpPr>
-          <p:nvPr/>
-        </p:nvCxnSpPr>
-        <p:spPr>
-          <a:xfrm flipH="1">
-            <a:off x="10392697" y="3424082"/>
-            <a:ext cx="526031" cy="1"/>
-          </a:xfrm>
-          <a:prstGeom prst="straightConnector1">
-            <a:avLst/>
-          </a:prstGeom>
-          <a:ln>
-            <a:solidFill>
-              <a:schemeClr val="tx1"/>
-            </a:solidFill>
-            <a:tailEnd type="triangle"/>
-          </a:ln>
-        </p:spPr>
-        <p:style>
-          <a:lnRef idx="1">
-            <a:schemeClr val="accent1"/>
-          </a:lnRef>
-          <a:fillRef idx="0">
-            <a:schemeClr val="accent1"/>
-          </a:fillRef>
-          <a:effectRef idx="0">
-            <a:schemeClr val="accent1"/>
-          </a:effectRef>
-          <a:fontRef idx="minor">
-            <a:schemeClr val="tx1"/>
-          </a:fontRef>
-        </p:style>
-      </p:cxnSp>
-      <p:sp>
-        <p:nvSpPr>
-          <p:cNvPr id="72" name="Oval 71">
-            <a:extLst>
-              <a:ext uri="{FF2B5EF4-FFF2-40B4-BE49-F238E27FC236}">
-                <a16:creationId xmlns:a16="http://schemas.microsoft.com/office/drawing/2014/main" id="{709451FA-B000-4350-8213-51739B46C26A}"/>
-              </a:ext>
-            </a:extLst>
-          </p:cNvPr>
-          <p:cNvSpPr/>
-          <p:nvPr/>
-        </p:nvSpPr>
-        <p:spPr>
-          <a:xfrm>
-            <a:off x="10918728" y="3898490"/>
-            <a:ext cx="560435" cy="474406"/>
-          </a:xfrm>
-          <a:prstGeom prst="ellipse">
-            <a:avLst/>
-          </a:prstGeom>
-          <a:noFill/>
-          <a:ln>
-            <a:noFill/>
-          </a:ln>
-        </p:spPr>
-        <p:style>
-          <a:lnRef idx="2">
-            <a:schemeClr val="accent1">
-              <a:shade val="50000"/>
-            </a:schemeClr>
-          </a:lnRef>
-          <a:fillRef idx="1">
-            <a:schemeClr val="accent1"/>
-          </a:fillRef>
-          <a:effectRef idx="0">
-            <a:schemeClr val="accent1"/>
-          </a:effectRef>
-          <a:fontRef idx="minor">
-            <a:schemeClr val="lt1"/>
-          </a:fontRef>
-        </p:style>
-        <p:txBody>
-          <a:bodyPr rtlCol="0" anchor="ctr"/>
-          <a:lstStyle/>
-          <a:p>
-            <a:pPr algn="ctr"/>
-            <a:r>
-              <a:rPr lang="el-GR" dirty="0">
-                <a:solidFill>
-                  <a:schemeClr val="tx1"/>
-                </a:solidFill>
-              </a:rPr>
-              <a:t>ε</a:t>
-            </a:r>
-            <a:r>
-              <a:rPr lang="en-US" sz="1600" baseline="-25000" dirty="0">
-                <a:solidFill>
-                  <a:schemeClr val="tx1"/>
-                </a:solidFill>
-              </a:rPr>
-              <a:t>5</a:t>
-            </a:r>
-          </a:p>
-        </p:txBody>
-      </p:sp>
-      <p:cxnSp>
-        <p:nvCxnSpPr>
-          <p:cNvPr id="73" name="Straight Arrow Connector 72">
-            <a:extLst>
-              <a:ext uri="{FF2B5EF4-FFF2-40B4-BE49-F238E27FC236}">
-                <a16:creationId xmlns:a16="http://schemas.microsoft.com/office/drawing/2014/main" id="{87D75633-DF54-4607-A927-3C86A994283F}"/>
-              </a:ext>
-            </a:extLst>
-          </p:cNvPr>
-          <p:cNvCxnSpPr>
-            <a:stCxn id="72" idx="2"/>
-          </p:cNvCxnSpPr>
-          <p:nvPr/>
-        </p:nvCxnSpPr>
-        <p:spPr>
-          <a:xfrm flipH="1">
-            <a:off x="10392697" y="4135693"/>
-            <a:ext cx="526031" cy="1"/>
-          </a:xfrm>
-          <a:prstGeom prst="straightConnector1">
-            <a:avLst/>
-          </a:prstGeom>
-          <a:ln>
-            <a:solidFill>
-              <a:schemeClr val="tx1"/>
-            </a:solidFill>
-            <a:tailEnd type="triangle"/>
-          </a:ln>
-        </p:spPr>
-        <p:style>
-          <a:lnRef idx="1">
-            <a:schemeClr val="accent1"/>
-          </a:lnRef>
-          <a:fillRef idx="0">
-            <a:schemeClr val="accent1"/>
-          </a:fillRef>
-          <a:effectRef idx="0">
-            <a:schemeClr val="accent1"/>
-          </a:effectRef>
-          <a:fontRef idx="minor">
-            <a:schemeClr val="tx1"/>
-          </a:fontRef>
-        </p:style>
-      </p:cxnSp>
-      <p:grpSp>
-        <p:nvGrpSpPr>
-          <p:cNvPr id="2" name="Group 1">
-            <a:extLst>
-              <a:ext uri="{FF2B5EF4-FFF2-40B4-BE49-F238E27FC236}">
-                <a16:creationId xmlns:a16="http://schemas.microsoft.com/office/drawing/2014/main" id="{600C6089-F2C6-411B-919F-FEDDD73DCD9B}"/>
+                <a16:creationId xmlns:a16="http://schemas.microsoft.com/office/drawing/2014/main" id="{40F50C82-B47F-4788-8D81-1B182AC97A39}"/>
               </a:ext>
             </a:extLst>
           </p:cNvPr>
@@ -10376,18 +11395,18 @@
         </p:nvGrpSpPr>
         <p:grpSpPr>
           <a:xfrm>
-            <a:off x="432619" y="3007442"/>
-            <a:ext cx="3539613" cy="2068454"/>
-            <a:chOff x="432619" y="3007442"/>
-            <a:chExt cx="3539613" cy="2068454"/>
+            <a:off x="432619" y="967446"/>
+            <a:ext cx="11046544" cy="4108450"/>
+            <a:chOff x="432619" y="967446"/>
+            <a:chExt cx="11046544" cy="4108450"/>
           </a:xfrm>
         </p:grpSpPr>
         <p:sp>
           <p:nvSpPr>
-            <p:cNvPr id="6" name="Oval 5">
+            <p:cNvPr id="5" name="Rectangle 4">
               <a:extLst>
                 <a:ext uri="{FF2B5EF4-FFF2-40B4-BE49-F238E27FC236}">
-                  <a16:creationId xmlns:a16="http://schemas.microsoft.com/office/drawing/2014/main" id="{F91FBCB1-1BDB-41F6-8CE9-F0090767C08B}"/>
+                  <a16:creationId xmlns:a16="http://schemas.microsoft.com/office/drawing/2014/main" id="{5A8A5662-2AB0-4E9C-AB15-A7A2E738790B}"/>
                 </a:ext>
               </a:extLst>
             </p:cNvPr>
@@ -10396,8 +11415,107 @@
           </p:nvSpPr>
           <p:spPr>
             <a:xfrm>
-              <a:off x="2861187" y="3234813"/>
-              <a:ext cx="1111045" cy="993058"/>
+              <a:off x="4640826" y="1907458"/>
+              <a:ext cx="1995948" cy="747252"/>
+            </a:xfrm>
+            <a:prstGeom prst="rect">
+              <a:avLst/>
+            </a:prstGeom>
+            <a:noFill/>
+            <a:ln>
+              <a:solidFill>
+                <a:schemeClr val="tx1"/>
+              </a:solidFill>
+            </a:ln>
+          </p:spPr>
+          <p:style>
+            <a:lnRef idx="2">
+              <a:schemeClr val="accent1">
+                <a:shade val="50000"/>
+              </a:schemeClr>
+            </a:lnRef>
+            <a:fillRef idx="1">
+              <a:schemeClr val="accent1"/>
+            </a:fillRef>
+            <a:effectRef idx="0">
+              <a:schemeClr val="accent1"/>
+            </a:effectRef>
+            <a:fontRef idx="minor">
+              <a:schemeClr val="lt1"/>
+            </a:fontRef>
+          </p:style>
+          <p:txBody>
+            <a:bodyPr rtlCol="0" anchor="ctr"/>
+            <a:lstStyle/>
+            <a:p>
+              <a:pPr algn="ctr"/>
+              <a:r>
+                <a:rPr lang="en-US" dirty="0">
+                  <a:solidFill>
+                    <a:schemeClr val="tx1"/>
+                  </a:solidFill>
+                </a:rPr>
+                <a:t>Status </a:t>
+              </a:r>
+              <a:r>
+                <a:rPr lang="en-US" dirty="0" err="1">
+                  <a:solidFill>
+                    <a:schemeClr val="tx1"/>
+                  </a:solidFill>
+                </a:rPr>
+                <a:t>sosio-ekonomi</a:t>
+              </a:r>
+              <a:r>
+                <a:rPr lang="en-US" dirty="0">
+                  <a:solidFill>
+                    <a:schemeClr val="tx1"/>
+                  </a:solidFill>
+                </a:rPr>
+                <a:t> (</a:t>
+              </a:r>
+              <a:r>
+                <a:rPr lang="el-GR" dirty="0">
+                  <a:solidFill>
+                    <a:schemeClr val="tx1"/>
+                  </a:solidFill>
+                </a:rPr>
+                <a:t>ξ</a:t>
+              </a:r>
+              <a:r>
+                <a:rPr lang="en-US" baseline="-25000" dirty="0">
+                  <a:solidFill>
+                    <a:schemeClr val="tx1"/>
+                  </a:solidFill>
+                </a:rPr>
+                <a:t>1</a:t>
+              </a:r>
+              <a:r>
+                <a:rPr lang="en-US" dirty="0">
+                  <a:solidFill>
+                    <a:schemeClr val="tx1"/>
+                  </a:solidFill>
+                </a:rPr>
+                <a:t>)</a:t>
+              </a:r>
+            </a:p>
+          </p:txBody>
+        </p:sp>
+        <p:sp>
+          <p:nvSpPr>
+            <p:cNvPr id="7" name="Oval 6">
+              <a:extLst>
+                <a:ext uri="{FF2B5EF4-FFF2-40B4-BE49-F238E27FC236}">
+                  <a16:creationId xmlns:a16="http://schemas.microsoft.com/office/drawing/2014/main" id="{2F7E0F33-2D83-46A4-8267-8E7E3BE387A4}"/>
+                </a:ext>
+              </a:extLst>
+            </p:cNvPr>
+            <p:cNvSpPr/>
+            <p:nvPr/>
+          </p:nvSpPr>
+          <p:spPr>
+            <a:xfrm>
+              <a:off x="7251290" y="3244645"/>
+              <a:ext cx="1111045" cy="983226"/>
             </a:xfrm>
             <a:prstGeom prst="ellipse">
               <a:avLst/>
@@ -10431,35 +11549,62 @@
             <a:p>
               <a:pPr algn="ctr"/>
               <a:r>
-                <a:rPr lang="en-US" sz="1000" i="1" dirty="0">
+                <a:rPr lang="en-US" sz="1100" dirty="0">
                   <a:solidFill>
                     <a:schemeClr val="tx1"/>
                   </a:solidFill>
                 </a:rPr>
-                <a:t>Learned </a:t>
+                <a:t>Keputusan </a:t>
               </a:r>
               <a:r>
-                <a:rPr lang="en-US" sz="1000" i="1" dirty="0" err="1">
+                <a:rPr lang="en-US" sz="1100" dirty="0" err="1">
                   <a:solidFill>
                     <a:schemeClr val="tx1"/>
                   </a:solidFill>
                 </a:rPr>
-                <a:t>helplesness</a:t>
+                <a:t>karir</a:t>
               </a:r>
-              <a:endParaRPr lang="en-US" sz="1000" i="1" dirty="0">
-                <a:solidFill>
-                  <a:schemeClr val="tx1"/>
-                </a:solidFill>
-              </a:endParaRPr>
+              <a:r>
+                <a:rPr lang="en-US" sz="1100" dirty="0">
+                  <a:solidFill>
+                    <a:schemeClr val="tx1"/>
+                  </a:solidFill>
+                </a:rPr>
+                <a:t> (</a:t>
+              </a:r>
+              <a:r>
+                <a:rPr lang="el-GR" sz="1100" dirty="0">
+                  <a:solidFill>
+                    <a:schemeClr val="tx1"/>
+                  </a:solidFill>
+                </a:rPr>
+                <a:t>η</a:t>
+              </a:r>
+              <a:r>
+                <a:rPr lang="en-US" sz="1100" baseline="-25000" dirty="0">
+                  <a:solidFill>
+                    <a:schemeClr val="tx1"/>
+                  </a:solidFill>
+                </a:rPr>
+                <a:t>1</a:t>
+              </a:r>
+              <a:r>
+                <a:rPr lang="en-US" sz="1100" dirty="0">
+                  <a:solidFill>
+                    <a:schemeClr val="tx1"/>
+                  </a:solidFill>
+                </a:rPr>
+                <a:t>)</a:t>
+              </a:r>
             </a:p>
           </p:txBody>
         </p:sp>
         <p:sp>
           <p:nvSpPr>
-            <p:cNvPr id="8" name="Rectangle 7">
+            <p:cNvPr id="11" name="Rectangle 10">
               <a:extLst>
                 <a:ext uri="{FF2B5EF4-FFF2-40B4-BE49-F238E27FC236}">
-                  <a16:creationId xmlns:a16="http://schemas.microsoft.com/office/drawing/2014/main" id="{AA496969-48FC-44C6-BEE9-89E32FB946F9}"/>
+                  <a16:creationId xmlns:a16="http://schemas.microsoft.com/office/drawing/2014/main" id="{6DD056D1-2459-4434-B016-04A8758FF925}"/>
                 </a:ext>
               </a:extLst>
             </p:cNvPr>
@@ -10468,8 +11613,8 @@
           </p:nvSpPr>
           <p:spPr>
             <a:xfrm>
-              <a:off x="1450254" y="3075037"/>
-              <a:ext cx="653845" cy="474407"/>
+              <a:off x="8927688" y="3186879"/>
+              <a:ext cx="1465009" cy="474407"/>
             </a:xfrm>
             <a:prstGeom prst="rect">
               <a:avLst/>
@@ -10503,22 +11648,43 @@
             <a:p>
               <a:pPr algn="ctr"/>
               <a:r>
-                <a:rPr lang="en-US" sz="1400" dirty="0">
+                <a:rPr lang="en-US" dirty="0" err="1">
                   <a:solidFill>
                     <a:schemeClr val="tx1"/>
                   </a:solidFill>
                 </a:rPr>
-                <a:t>Global</a:t>
+                <a:t>Persepsi</a:t>
               </a:r>
+              <a:r>
+                <a:rPr lang="en-US" dirty="0">
+                  <a:solidFill>
+                    <a:schemeClr val="tx1"/>
+                  </a:solidFill>
+                </a:rPr>
+                <a:t> </a:t>
+              </a:r>
+              <a:r>
+                <a:rPr lang="en-US" dirty="0" err="1">
+                  <a:solidFill>
+                    <a:schemeClr val="tx1"/>
+                  </a:solidFill>
+                </a:rPr>
+                <a:t>diri</a:t>
+              </a:r>
+              <a:endParaRPr lang="en-US" dirty="0">
+                <a:solidFill>
+                  <a:schemeClr val="tx1"/>
+                </a:solidFill>
+              </a:endParaRPr>
             </a:p>
           </p:txBody>
         </p:sp>
         <p:sp>
           <p:nvSpPr>
-            <p:cNvPr id="9" name="Rectangle 8">
+            <p:cNvPr id="13" name="Rectangle 12">
               <a:extLst>
                 <a:ext uri="{FF2B5EF4-FFF2-40B4-BE49-F238E27FC236}">
-                  <a16:creationId xmlns:a16="http://schemas.microsoft.com/office/drawing/2014/main" id="{0D91D99C-56DD-4A96-932F-BB0096F8E52A}"/>
+                  <a16:creationId xmlns:a16="http://schemas.microsoft.com/office/drawing/2014/main" id="{E033CE98-7FAF-43A3-9D67-A9D127776C99}"/>
                 </a:ext>
               </a:extLst>
             </p:cNvPr>
@@ -10527,8 +11693,8 @@
           </p:nvSpPr>
           <p:spPr>
             <a:xfrm>
-              <a:off x="1469919" y="3838263"/>
-              <a:ext cx="653845" cy="474407"/>
+              <a:off x="8927687" y="3898489"/>
+              <a:ext cx="1465010" cy="474407"/>
             </a:xfrm>
             <a:prstGeom prst="rect">
               <a:avLst/>
@@ -10562,95 +11728,44 @@
             <a:p>
               <a:pPr algn="ctr"/>
               <a:r>
-                <a:rPr lang="en-US" sz="1100" dirty="0">
+                <a:rPr lang="en-US" sz="1400" dirty="0" err="1">
                   <a:solidFill>
                     <a:schemeClr val="tx1"/>
                   </a:solidFill>
                 </a:rPr>
-                <a:t>Stability</a:t>
+                <a:t>Persepsi</a:t>
               </a:r>
-            </a:p>
-          </p:txBody>
-        </p:sp>
-        <p:sp>
-          <p:nvSpPr>
-            <p:cNvPr id="14" name="Rectangle 13">
-              <a:extLst>
-                <a:ext uri="{FF2B5EF4-FFF2-40B4-BE49-F238E27FC236}">
-                  <a16:creationId xmlns:a16="http://schemas.microsoft.com/office/drawing/2014/main" id="{FE020515-5A50-4F85-924D-5D4326B13287}"/>
-                </a:ext>
-              </a:extLst>
-            </p:cNvPr>
-            <p:cNvSpPr/>
-            <p:nvPr/>
-          </p:nvSpPr>
-          <p:spPr>
-            <a:xfrm>
-              <a:off x="1469919" y="4601489"/>
-              <a:ext cx="653845" cy="474407"/>
-            </a:xfrm>
-            <a:prstGeom prst="rect">
-              <a:avLst/>
-            </a:prstGeom>
-            <a:noFill/>
-            <a:ln>
-              <a:solidFill>
-                <a:schemeClr val="tx1"/>
-              </a:solidFill>
-            </a:ln>
-          </p:spPr>
-          <p:style>
-            <a:lnRef idx="2">
-              <a:schemeClr val="accent1">
-                <a:shade val="50000"/>
-              </a:schemeClr>
-            </a:lnRef>
-            <a:fillRef idx="1">
-              <a:schemeClr val="accent1"/>
-            </a:fillRef>
-            <a:effectRef idx="0">
-              <a:schemeClr val="accent1"/>
-            </a:effectRef>
-            <a:fontRef idx="minor">
-              <a:schemeClr val="lt1"/>
-            </a:fontRef>
-          </p:style>
-          <p:txBody>
-            <a:bodyPr rtlCol="0" anchor="ctr"/>
-            <a:lstStyle/>
-            <a:p>
-              <a:pPr algn="ctr"/>
               <a:r>
-                <a:rPr lang="en-US" sz="1100" dirty="0">
+                <a:rPr lang="en-US" sz="1400" dirty="0">
                   <a:solidFill>
                     <a:schemeClr val="tx1"/>
                   </a:solidFill>
                 </a:rPr>
-                <a:t>External</a:t>
+                <a:t> orang lain</a:t>
               </a:r>
             </a:p>
           </p:txBody>
         </p:sp>
         <p:cxnSp>
           <p:nvCxnSpPr>
-            <p:cNvPr id="24" name="Straight Arrow Connector 23">
+            <p:cNvPr id="16" name="Straight Arrow Connector 15">
               <a:extLst>
                 <a:ext uri="{FF2B5EF4-FFF2-40B4-BE49-F238E27FC236}">
-                  <a16:creationId xmlns:a16="http://schemas.microsoft.com/office/drawing/2014/main" id="{DA6A5855-8166-480E-89A6-D1E3FB70E8C7}"/>
+                  <a16:creationId xmlns:a16="http://schemas.microsoft.com/office/drawing/2014/main" id="{D00BDA37-63EB-4D38-93E6-AB67AAD4F8E6}"/>
                 </a:ext>
               </a:extLst>
             </p:cNvPr>
             <p:cNvCxnSpPr>
               <a:cxnSpLocks/>
-              <a:stCxn id="6" idx="2"/>
-              <a:endCxn id="8" idx="3"/>
+              <a:stCxn id="5" idx="1"/>
+              <a:endCxn id="6" idx="7"/>
             </p:cNvCxnSpPr>
             <p:nvPr/>
           </p:nvCxnSpPr>
           <p:spPr>
-            <a:xfrm flipH="1" flipV="1">
-              <a:off x="2104099" y="3312241"/>
-              <a:ext cx="757088" cy="419101"/>
+            <a:xfrm flipH="1">
+              <a:off x="3809523" y="2281084"/>
+              <a:ext cx="831303" cy="1099159"/>
             </a:xfrm>
             <a:prstGeom prst="straightConnector1">
               <a:avLst/>
@@ -10679,24 +11794,23 @@
         </p:cxnSp>
         <p:cxnSp>
           <p:nvCxnSpPr>
-            <p:cNvPr id="25" name="Straight Arrow Connector 24">
+            <p:cNvPr id="20" name="Straight Arrow Connector 19">
               <a:extLst>
                 <a:ext uri="{FF2B5EF4-FFF2-40B4-BE49-F238E27FC236}">
-                  <a16:creationId xmlns:a16="http://schemas.microsoft.com/office/drawing/2014/main" id="{A99182B7-94FB-45BE-85AC-0CC71489A775}"/>
+                  <a16:creationId xmlns:a16="http://schemas.microsoft.com/office/drawing/2014/main" id="{F5831732-C1A4-4114-8D06-77E4C9D9563D}"/>
                 </a:ext>
               </a:extLst>
             </p:cNvPr>
             <p:cNvCxnSpPr>
-              <a:cxnSpLocks/>
-              <a:stCxn id="6" idx="2"/>
-              <a:endCxn id="9" idx="3"/>
+              <a:stCxn id="5" idx="3"/>
+              <a:endCxn id="7" idx="1"/>
             </p:cNvCxnSpPr>
             <p:nvPr/>
           </p:nvCxnSpPr>
           <p:spPr>
-            <a:xfrm flipH="1">
-              <a:off x="2123764" y="3731342"/>
-              <a:ext cx="737423" cy="344125"/>
+            <a:xfrm>
+              <a:off x="6636774" y="2281084"/>
+              <a:ext cx="777225" cy="1107551"/>
             </a:xfrm>
             <a:prstGeom prst="straightConnector1">
               <a:avLst/>
@@ -10725,24 +11839,24 @@
         </p:cxnSp>
         <p:cxnSp>
           <p:nvCxnSpPr>
-            <p:cNvPr id="29" name="Straight Arrow Connector 28">
+            <p:cNvPr id="22" name="Straight Arrow Connector 21">
               <a:extLst>
                 <a:ext uri="{FF2B5EF4-FFF2-40B4-BE49-F238E27FC236}">
-                  <a16:creationId xmlns:a16="http://schemas.microsoft.com/office/drawing/2014/main" id="{1C6E3515-A918-43CF-A947-6923B0C38978}"/>
+                  <a16:creationId xmlns:a16="http://schemas.microsoft.com/office/drawing/2014/main" id="{AE69369D-5CBB-4758-97C6-D5B3314361E3}"/>
                 </a:ext>
               </a:extLst>
             </p:cNvPr>
             <p:cNvCxnSpPr>
               <a:cxnSpLocks/>
-              <a:stCxn id="6" idx="2"/>
-              <a:endCxn id="14" idx="3"/>
+              <a:stCxn id="6" idx="6"/>
+              <a:endCxn id="7" idx="2"/>
             </p:cNvCxnSpPr>
             <p:nvPr/>
           </p:nvCxnSpPr>
           <p:spPr>
-            <a:xfrm flipH="1">
-              <a:off x="2123764" y="3731342"/>
-              <a:ext cx="737423" cy="1107351"/>
+            <a:xfrm>
+              <a:off x="3972232" y="3731342"/>
+              <a:ext cx="3279058" cy="4916"/>
             </a:xfrm>
             <a:prstGeom prst="straightConnector1">
               <a:avLst/>
@@ -10769,12 +11883,102 @@
             </a:fontRef>
           </p:style>
         </p:cxnSp>
+        <p:cxnSp>
+          <p:nvCxnSpPr>
+            <p:cNvPr id="40" name="Straight Arrow Connector 39">
+              <a:extLst>
+                <a:ext uri="{FF2B5EF4-FFF2-40B4-BE49-F238E27FC236}">
+                  <a16:creationId xmlns:a16="http://schemas.microsoft.com/office/drawing/2014/main" id="{EF558CBB-E927-453A-8D68-2E07F2C04FD2}"/>
+                </a:ext>
+              </a:extLst>
+            </p:cNvPr>
+            <p:cNvCxnSpPr>
+              <a:stCxn id="7" idx="6"/>
+              <a:endCxn id="11" idx="1"/>
+            </p:cNvCxnSpPr>
+            <p:nvPr/>
+          </p:nvCxnSpPr>
+          <p:spPr>
+            <a:xfrm flipV="1">
+              <a:off x="8362335" y="3424083"/>
+              <a:ext cx="565353" cy="312175"/>
+            </a:xfrm>
+            <a:prstGeom prst="straightConnector1">
+              <a:avLst/>
+            </a:prstGeom>
+            <a:ln>
+              <a:solidFill>
+                <a:schemeClr val="tx1"/>
+              </a:solidFill>
+              <a:tailEnd type="triangle"/>
+            </a:ln>
+          </p:spPr>
+          <p:style>
+            <a:lnRef idx="1">
+              <a:schemeClr val="accent1"/>
+            </a:lnRef>
+            <a:fillRef idx="0">
+              <a:schemeClr val="accent1"/>
+            </a:fillRef>
+            <a:effectRef idx="0">
+              <a:schemeClr val="accent1"/>
+            </a:effectRef>
+            <a:fontRef idx="minor">
+              <a:schemeClr val="tx1"/>
+            </a:fontRef>
+          </p:style>
+        </p:cxnSp>
+        <p:cxnSp>
+          <p:nvCxnSpPr>
+            <p:cNvPr id="42" name="Straight Arrow Connector 41">
+              <a:extLst>
+                <a:ext uri="{FF2B5EF4-FFF2-40B4-BE49-F238E27FC236}">
+                  <a16:creationId xmlns:a16="http://schemas.microsoft.com/office/drawing/2014/main" id="{F0C9C59E-42A8-456D-A18D-A63C5D066A72}"/>
+                </a:ext>
+              </a:extLst>
+            </p:cNvPr>
+            <p:cNvCxnSpPr>
+              <a:stCxn id="7" idx="6"/>
+              <a:endCxn id="13" idx="1"/>
+            </p:cNvCxnSpPr>
+            <p:nvPr/>
+          </p:nvCxnSpPr>
+          <p:spPr>
+            <a:xfrm>
+              <a:off x="8362335" y="3736258"/>
+              <a:ext cx="565352" cy="399435"/>
+            </a:xfrm>
+            <a:prstGeom prst="straightConnector1">
+              <a:avLst/>
+            </a:prstGeom>
+            <a:ln>
+              <a:solidFill>
+                <a:schemeClr val="tx1"/>
+              </a:solidFill>
+              <a:tailEnd type="triangle"/>
+            </a:ln>
+          </p:spPr>
+          <p:style>
+            <a:lnRef idx="1">
+              <a:schemeClr val="accent1"/>
+            </a:lnRef>
+            <a:fillRef idx="0">
+              <a:schemeClr val="accent1"/>
+            </a:fillRef>
+            <a:effectRef idx="0">
+              <a:schemeClr val="accent1"/>
+            </a:effectRef>
+            <a:fontRef idx="minor">
+              <a:schemeClr val="tx1"/>
+            </a:fontRef>
+          </p:style>
+        </p:cxnSp>
         <p:sp>
           <p:nvSpPr>
-            <p:cNvPr id="47" name="Oval 46">
+            <p:cNvPr id="43" name="Oval 42">
               <a:extLst>
                 <a:ext uri="{FF2B5EF4-FFF2-40B4-BE49-F238E27FC236}">
-                  <a16:creationId xmlns:a16="http://schemas.microsoft.com/office/drawing/2014/main" id="{77A29A51-FE24-4B55-8BC7-5C2DE264CAC3}"/>
+                  <a16:creationId xmlns:a16="http://schemas.microsoft.com/office/drawing/2014/main" id="{963AC370-CBFC-4A85-B3C3-0F96FFFE3AED}"/>
                 </a:ext>
               </a:extLst>
             </p:cNvPr>
@@ -10783,8 +11987,8 @@
           </p:nvSpPr>
           <p:spPr>
             <a:xfrm>
-              <a:off x="3185651" y="4524661"/>
-              <a:ext cx="462116" cy="474408"/>
+              <a:off x="5407742" y="967446"/>
+              <a:ext cx="462116" cy="523570"/>
             </a:xfrm>
             <a:prstGeom prst="ellipse">
               <a:avLst/>
@@ -10829,31 +12033,31 @@
                     <a:schemeClr val="tx1"/>
                   </a:solidFill>
                 </a:rPr>
-                <a:t>2</a:t>
+                <a:t>1</a:t>
               </a:r>
             </a:p>
           </p:txBody>
         </p:sp>
         <p:cxnSp>
           <p:nvCxnSpPr>
-            <p:cNvPr id="50" name="Straight Arrow Connector 49">
+            <p:cNvPr id="45" name="Straight Arrow Connector 44">
               <a:extLst>
                 <a:ext uri="{FF2B5EF4-FFF2-40B4-BE49-F238E27FC236}">
-                  <a16:creationId xmlns:a16="http://schemas.microsoft.com/office/drawing/2014/main" id="{FD2E5637-9525-4642-995C-824266E600CF}"/>
+                  <a16:creationId xmlns:a16="http://schemas.microsoft.com/office/drawing/2014/main" id="{6C516C01-9791-42FE-8484-28F5E1EC3186}"/>
                 </a:ext>
               </a:extLst>
             </p:cNvPr>
             <p:cNvCxnSpPr>
               <a:cxnSpLocks/>
-              <a:stCxn id="47" idx="0"/>
-              <a:endCxn id="6" idx="4"/>
+              <a:stCxn id="43" idx="4"/>
+              <a:endCxn id="5" idx="0"/>
             </p:cNvCxnSpPr>
             <p:nvPr/>
           </p:nvCxnSpPr>
           <p:spPr>
-            <a:xfrm flipV="1">
-              <a:off x="3416709" y="4227871"/>
-              <a:ext cx="1" cy="296790"/>
+            <a:xfrm>
+              <a:off x="5638800" y="1491016"/>
+              <a:ext cx="0" cy="416442"/>
             </a:xfrm>
             <a:prstGeom prst="straightConnector1">
               <a:avLst/>
@@ -10882,10 +12086,10 @@
         </p:cxnSp>
         <p:sp>
           <p:nvSpPr>
-            <p:cNvPr id="53" name="Oval 52">
+            <p:cNvPr id="48" name="Oval 47">
               <a:extLst>
                 <a:ext uri="{FF2B5EF4-FFF2-40B4-BE49-F238E27FC236}">
-                  <a16:creationId xmlns:a16="http://schemas.microsoft.com/office/drawing/2014/main" id="{85437B52-1CD2-40F9-86FD-FC5332B276E2}"/>
+                  <a16:creationId xmlns:a16="http://schemas.microsoft.com/office/drawing/2014/main" id="{B6539B22-9EA2-4872-9E81-1D00FC86BB2E}"/>
                 </a:ext>
               </a:extLst>
             </p:cNvPr>
@@ -10894,7 +12098,114 @@
           </p:nvSpPr>
           <p:spPr>
             <a:xfrm>
-              <a:off x="432619" y="3075038"/>
+              <a:off x="7585584" y="4505005"/>
+              <a:ext cx="462116" cy="474408"/>
+            </a:xfrm>
+            <a:prstGeom prst="ellipse">
+              <a:avLst/>
+            </a:prstGeom>
+            <a:noFill/>
+            <a:ln>
+              <a:noFill/>
+            </a:ln>
+          </p:spPr>
+          <p:style>
+            <a:lnRef idx="2">
+              <a:schemeClr val="accent1">
+                <a:shade val="50000"/>
+              </a:schemeClr>
+            </a:lnRef>
+            <a:fillRef idx="1">
+              <a:schemeClr val="accent1"/>
+            </a:fillRef>
+            <a:effectRef idx="0">
+              <a:schemeClr val="accent1"/>
+            </a:effectRef>
+            <a:fontRef idx="minor">
+              <a:schemeClr val="lt1"/>
+            </a:fontRef>
+          </p:style>
+          <p:txBody>
+            <a:bodyPr rtlCol="0" anchor="ctr"/>
+            <a:lstStyle/>
+            <a:p>
+              <a:pPr algn="ctr"/>
+              <a:r>
+                <a:rPr lang="el-GR" sz="1600" dirty="0">
+                  <a:solidFill>
+                    <a:schemeClr val="tx1"/>
+                  </a:solidFill>
+                </a:rPr>
+                <a:t>ζ</a:t>
+              </a:r>
+              <a:r>
+                <a:rPr lang="en-US" sz="1600" baseline="-25000" dirty="0">
+                  <a:solidFill>
+                    <a:schemeClr val="tx1"/>
+                  </a:solidFill>
+                </a:rPr>
+                <a:t>3</a:t>
+              </a:r>
+            </a:p>
+          </p:txBody>
+        </p:sp>
+        <p:cxnSp>
+          <p:nvCxnSpPr>
+            <p:cNvPr id="52" name="Straight Arrow Connector 51">
+              <a:extLst>
+                <a:ext uri="{FF2B5EF4-FFF2-40B4-BE49-F238E27FC236}">
+                  <a16:creationId xmlns:a16="http://schemas.microsoft.com/office/drawing/2014/main" id="{48494672-C09B-4587-8C73-FF24F4265860}"/>
+                </a:ext>
+              </a:extLst>
+            </p:cNvPr>
+            <p:cNvCxnSpPr/>
+            <p:nvPr/>
+          </p:nvCxnSpPr>
+          <p:spPr>
+            <a:xfrm flipV="1">
+              <a:off x="7816642" y="4227871"/>
+              <a:ext cx="1" cy="373617"/>
+            </a:xfrm>
+            <a:prstGeom prst="straightConnector1">
+              <a:avLst/>
+            </a:prstGeom>
+            <a:ln>
+              <a:solidFill>
+                <a:schemeClr val="tx1"/>
+              </a:solidFill>
+              <a:tailEnd type="triangle"/>
+            </a:ln>
+          </p:spPr>
+          <p:style>
+            <a:lnRef idx="1">
+              <a:schemeClr val="accent1"/>
+            </a:lnRef>
+            <a:fillRef idx="0">
+              <a:schemeClr val="accent1"/>
+            </a:fillRef>
+            <a:effectRef idx="0">
+              <a:schemeClr val="accent1"/>
+            </a:effectRef>
+            <a:fontRef idx="minor">
+              <a:schemeClr val="tx1"/>
+            </a:fontRef>
+          </p:style>
+        </p:cxnSp>
+        <p:sp>
+          <p:nvSpPr>
+            <p:cNvPr id="67" name="Oval 66">
+              <a:extLst>
+                <a:ext uri="{FF2B5EF4-FFF2-40B4-BE49-F238E27FC236}">
+                  <a16:creationId xmlns:a16="http://schemas.microsoft.com/office/drawing/2014/main" id="{F4688036-42B8-419F-B7A0-8FE6FD40FEA9}"/>
+                </a:ext>
+              </a:extLst>
+            </p:cNvPr>
+            <p:cNvSpPr/>
+            <p:nvPr/>
+          </p:nvSpPr>
+          <p:spPr>
+            <a:xfrm>
+              <a:off x="10918728" y="3186879"/>
               <a:ext cx="560435" cy="474406"/>
             </a:xfrm>
             <a:prstGeom prst="ellipse">
@@ -10927,7 +12238,7 @@
             <a:p>
               <a:pPr algn="ctr"/>
               <a:r>
-                <a:rPr lang="el-GR" sz="1600" dirty="0">
+                <a:rPr lang="el-GR" dirty="0">
                   <a:solidFill>
                     <a:schemeClr val="tx1"/>
                   </a:solidFill>
@@ -10940,31 +12251,30 @@
                     <a:schemeClr val="tx1"/>
                   </a:solidFill>
                 </a:rPr>
-                <a:t>1</a:t>
+                <a:t>4</a:t>
               </a:r>
             </a:p>
           </p:txBody>
         </p:sp>
         <p:cxnSp>
           <p:nvCxnSpPr>
-            <p:cNvPr id="54" name="Straight Arrow Connector 53">
+            <p:cNvPr id="70" name="Straight Arrow Connector 69">
               <a:extLst>
                 <a:ext uri="{FF2B5EF4-FFF2-40B4-BE49-F238E27FC236}">
-                  <a16:creationId xmlns:a16="http://schemas.microsoft.com/office/drawing/2014/main" id="{E9A05678-CD71-4BD0-8801-6BDFCF14F62B}"/>
+                  <a16:creationId xmlns:a16="http://schemas.microsoft.com/office/drawing/2014/main" id="{76190F54-45A0-492F-AA78-31CF8E9F7E98}"/>
                 </a:ext>
               </a:extLst>
             </p:cNvPr>
             <p:cNvCxnSpPr>
-              <a:cxnSpLocks/>
-              <a:stCxn id="53" idx="6"/>
-              <a:endCxn id="8" idx="1"/>
+              <a:stCxn id="67" idx="2"/>
+              <a:endCxn id="11" idx="3"/>
             </p:cNvCxnSpPr>
             <p:nvPr/>
           </p:nvCxnSpPr>
           <p:spPr>
-            <a:xfrm>
-              <a:off x="993054" y="3312241"/>
-              <a:ext cx="457200" cy="0"/>
+            <a:xfrm flipH="1">
+              <a:off x="10392697" y="3424082"/>
+              <a:ext cx="526031" cy="1"/>
             </a:xfrm>
             <a:prstGeom prst="straightConnector1">
               <a:avLst/>
@@ -10993,10 +12303,10 @@
         </p:cxnSp>
         <p:sp>
           <p:nvSpPr>
-            <p:cNvPr id="63" name="Oval 62">
+            <p:cNvPr id="72" name="Oval 71">
               <a:extLst>
                 <a:ext uri="{FF2B5EF4-FFF2-40B4-BE49-F238E27FC236}">
-                  <a16:creationId xmlns:a16="http://schemas.microsoft.com/office/drawing/2014/main" id="{886D102D-B9A0-4E8A-A31B-100A338D72B6}"/>
+                  <a16:creationId xmlns:a16="http://schemas.microsoft.com/office/drawing/2014/main" id="{709451FA-B000-4350-8213-51739B46C26A}"/>
                 </a:ext>
               </a:extLst>
             </p:cNvPr>
@@ -11005,7 +12315,7 @@
           </p:nvSpPr>
           <p:spPr>
             <a:xfrm>
-              <a:off x="439991" y="3838264"/>
+              <a:off x="10918728" y="3898490"/>
               <a:ext cx="560435" cy="474406"/>
             </a:xfrm>
             <a:prstGeom prst="ellipse">
@@ -11038,7 +12348,7 @@
             <a:p>
               <a:pPr algn="ctr"/>
               <a:r>
-                <a:rPr lang="el-GR" sz="1600" dirty="0">
+                <a:rPr lang="el-GR" dirty="0">
                   <a:solidFill>
                     <a:schemeClr val="tx1"/>
                   </a:solidFill>
@@ -11051,30 +12361,29 @@
                     <a:schemeClr val="tx1"/>
                   </a:solidFill>
                 </a:rPr>
-                <a:t>2</a:t>
+                <a:t>5</a:t>
               </a:r>
             </a:p>
           </p:txBody>
         </p:sp>
         <p:cxnSp>
           <p:nvCxnSpPr>
-            <p:cNvPr id="64" name="Straight Arrow Connector 63">
+            <p:cNvPr id="73" name="Straight Arrow Connector 72">
               <a:extLst>
                 <a:ext uri="{FF2B5EF4-FFF2-40B4-BE49-F238E27FC236}">
-                  <a16:creationId xmlns:a16="http://schemas.microsoft.com/office/drawing/2014/main" id="{DDB5616C-C8F8-4DD2-853B-1ACA31432220}"/>
+                  <a16:creationId xmlns:a16="http://schemas.microsoft.com/office/drawing/2014/main" id="{87D75633-DF54-4607-A927-3C86A994283F}"/>
                 </a:ext>
               </a:extLst>
             </p:cNvPr>
             <p:cNvCxnSpPr>
-              <a:cxnSpLocks/>
-              <a:stCxn id="63" idx="6"/>
+              <a:stCxn id="72" idx="2"/>
             </p:cNvCxnSpPr>
             <p:nvPr/>
           </p:nvCxnSpPr>
           <p:spPr>
-            <a:xfrm>
-              <a:off x="1000426" y="4075467"/>
-              <a:ext cx="457200" cy="0"/>
+            <a:xfrm flipH="1">
+              <a:off x="10392697" y="4135693"/>
+              <a:ext cx="526031" cy="1"/>
             </a:xfrm>
             <a:prstGeom prst="straightConnector1">
               <a:avLst/>
@@ -11101,12 +12410,1057 @@
             </a:fontRef>
           </p:style>
         </p:cxnSp>
+        <p:grpSp>
+          <p:nvGrpSpPr>
+            <p:cNvPr id="2" name="Group 1">
+              <a:extLst>
+                <a:ext uri="{FF2B5EF4-FFF2-40B4-BE49-F238E27FC236}">
+                  <a16:creationId xmlns:a16="http://schemas.microsoft.com/office/drawing/2014/main" id="{600C6089-F2C6-411B-919F-FEDDD73DCD9B}"/>
+                </a:ext>
+              </a:extLst>
+            </p:cNvPr>
+            <p:cNvGrpSpPr/>
+            <p:nvPr/>
+          </p:nvGrpSpPr>
+          <p:grpSpPr>
+            <a:xfrm>
+              <a:off x="432619" y="3007442"/>
+              <a:ext cx="3539613" cy="2068454"/>
+              <a:chOff x="432619" y="3007442"/>
+              <a:chExt cx="3539613" cy="2068454"/>
+            </a:xfrm>
+          </p:grpSpPr>
+          <p:sp>
+            <p:nvSpPr>
+              <p:cNvPr id="6" name="Oval 5">
+                <a:extLst>
+                  <a:ext uri="{FF2B5EF4-FFF2-40B4-BE49-F238E27FC236}">
+                    <a16:creationId xmlns:a16="http://schemas.microsoft.com/office/drawing/2014/main" id="{F91FBCB1-1BDB-41F6-8CE9-F0090767C08B}"/>
+                  </a:ext>
+                </a:extLst>
+              </p:cNvPr>
+              <p:cNvSpPr/>
+              <p:nvPr/>
+            </p:nvSpPr>
+            <p:spPr>
+              <a:xfrm>
+                <a:off x="2861187" y="3234813"/>
+                <a:ext cx="1111045" cy="993058"/>
+              </a:xfrm>
+              <a:prstGeom prst="ellipse">
+                <a:avLst/>
+              </a:prstGeom>
+              <a:noFill/>
+              <a:ln>
+                <a:solidFill>
+                  <a:schemeClr val="tx1"/>
+                </a:solidFill>
+              </a:ln>
+            </p:spPr>
+            <p:style>
+              <a:lnRef idx="2">
+                <a:schemeClr val="accent1">
+                  <a:shade val="50000"/>
+                </a:schemeClr>
+              </a:lnRef>
+              <a:fillRef idx="1">
+                <a:schemeClr val="accent1"/>
+              </a:fillRef>
+              <a:effectRef idx="0">
+                <a:schemeClr val="accent1"/>
+              </a:effectRef>
+              <a:fontRef idx="minor">
+                <a:schemeClr val="lt1"/>
+              </a:fontRef>
+            </p:style>
+            <p:txBody>
+              <a:bodyPr rtlCol="0" anchor="ctr"/>
+              <a:lstStyle/>
+              <a:p>
+                <a:pPr algn="ctr"/>
+                <a:r>
+                  <a:rPr lang="en-US" sz="1000" i="1" dirty="0">
+                    <a:solidFill>
+                      <a:schemeClr val="tx1"/>
+                    </a:solidFill>
+                  </a:rPr>
+                  <a:t>Learned </a:t>
+                </a:r>
+                <a:r>
+                  <a:rPr lang="en-US" sz="1000" i="1" dirty="0" err="1">
+                    <a:solidFill>
+                      <a:schemeClr val="tx1"/>
+                    </a:solidFill>
+                  </a:rPr>
+                  <a:t>helplesness</a:t>
+                </a:r>
+                <a:endParaRPr lang="en-US" sz="1000" i="1" dirty="0">
+                  <a:solidFill>
+                    <a:schemeClr val="tx1"/>
+                  </a:solidFill>
+                </a:endParaRPr>
+              </a:p>
+            </p:txBody>
+          </p:sp>
+          <p:sp>
+            <p:nvSpPr>
+              <p:cNvPr id="8" name="Rectangle 7">
+                <a:extLst>
+                  <a:ext uri="{FF2B5EF4-FFF2-40B4-BE49-F238E27FC236}">
+                    <a16:creationId xmlns:a16="http://schemas.microsoft.com/office/drawing/2014/main" id="{AA496969-48FC-44C6-BEE9-89E32FB946F9}"/>
+                  </a:ext>
+                </a:extLst>
+              </p:cNvPr>
+              <p:cNvSpPr/>
+              <p:nvPr/>
+            </p:nvSpPr>
+            <p:spPr>
+              <a:xfrm>
+                <a:off x="1450254" y="3075037"/>
+                <a:ext cx="653845" cy="474407"/>
+              </a:xfrm>
+              <a:prstGeom prst="rect">
+                <a:avLst/>
+              </a:prstGeom>
+              <a:noFill/>
+              <a:ln>
+                <a:solidFill>
+                  <a:schemeClr val="tx1"/>
+                </a:solidFill>
+              </a:ln>
+            </p:spPr>
+            <p:style>
+              <a:lnRef idx="2">
+                <a:schemeClr val="accent1">
+                  <a:shade val="50000"/>
+                </a:schemeClr>
+              </a:lnRef>
+              <a:fillRef idx="1">
+                <a:schemeClr val="accent1"/>
+              </a:fillRef>
+              <a:effectRef idx="0">
+                <a:schemeClr val="accent1"/>
+              </a:effectRef>
+              <a:fontRef idx="minor">
+                <a:schemeClr val="lt1"/>
+              </a:fontRef>
+            </p:style>
+            <p:txBody>
+              <a:bodyPr rtlCol="0" anchor="ctr"/>
+              <a:lstStyle/>
+              <a:p>
+                <a:pPr algn="ctr"/>
+                <a:r>
+                  <a:rPr lang="en-US" sz="1400" dirty="0">
+                    <a:solidFill>
+                      <a:schemeClr val="tx1"/>
+                    </a:solidFill>
+                  </a:rPr>
+                  <a:t>Global</a:t>
+                </a:r>
+              </a:p>
+            </p:txBody>
+          </p:sp>
+          <p:sp>
+            <p:nvSpPr>
+              <p:cNvPr id="9" name="Rectangle 8">
+                <a:extLst>
+                  <a:ext uri="{FF2B5EF4-FFF2-40B4-BE49-F238E27FC236}">
+                    <a16:creationId xmlns:a16="http://schemas.microsoft.com/office/drawing/2014/main" id="{0D91D99C-56DD-4A96-932F-BB0096F8E52A}"/>
+                  </a:ext>
+                </a:extLst>
+              </p:cNvPr>
+              <p:cNvSpPr/>
+              <p:nvPr/>
+            </p:nvSpPr>
+            <p:spPr>
+              <a:xfrm>
+                <a:off x="1469919" y="3838263"/>
+                <a:ext cx="653845" cy="474407"/>
+              </a:xfrm>
+              <a:prstGeom prst="rect">
+                <a:avLst/>
+              </a:prstGeom>
+              <a:noFill/>
+              <a:ln>
+                <a:solidFill>
+                  <a:schemeClr val="tx1"/>
+                </a:solidFill>
+              </a:ln>
+            </p:spPr>
+            <p:style>
+              <a:lnRef idx="2">
+                <a:schemeClr val="accent1">
+                  <a:shade val="50000"/>
+                </a:schemeClr>
+              </a:lnRef>
+              <a:fillRef idx="1">
+                <a:schemeClr val="accent1"/>
+              </a:fillRef>
+              <a:effectRef idx="0">
+                <a:schemeClr val="accent1"/>
+              </a:effectRef>
+              <a:fontRef idx="minor">
+                <a:schemeClr val="lt1"/>
+              </a:fontRef>
+            </p:style>
+            <p:txBody>
+              <a:bodyPr rtlCol="0" anchor="ctr"/>
+              <a:lstStyle/>
+              <a:p>
+                <a:pPr algn="ctr"/>
+                <a:r>
+                  <a:rPr lang="en-US" sz="1100" dirty="0">
+                    <a:solidFill>
+                      <a:schemeClr val="tx1"/>
+                    </a:solidFill>
+                  </a:rPr>
+                  <a:t>Stability</a:t>
+                </a:r>
+              </a:p>
+            </p:txBody>
+          </p:sp>
+          <p:sp>
+            <p:nvSpPr>
+              <p:cNvPr id="14" name="Rectangle 13">
+                <a:extLst>
+                  <a:ext uri="{FF2B5EF4-FFF2-40B4-BE49-F238E27FC236}">
+                    <a16:creationId xmlns:a16="http://schemas.microsoft.com/office/drawing/2014/main" id="{FE020515-5A50-4F85-924D-5D4326B13287}"/>
+                  </a:ext>
+                </a:extLst>
+              </p:cNvPr>
+              <p:cNvSpPr/>
+              <p:nvPr/>
+            </p:nvSpPr>
+            <p:spPr>
+              <a:xfrm>
+                <a:off x="1469919" y="4601489"/>
+                <a:ext cx="653845" cy="474407"/>
+              </a:xfrm>
+              <a:prstGeom prst="rect">
+                <a:avLst/>
+              </a:prstGeom>
+              <a:noFill/>
+              <a:ln>
+                <a:solidFill>
+                  <a:schemeClr val="tx1"/>
+                </a:solidFill>
+              </a:ln>
+            </p:spPr>
+            <p:style>
+              <a:lnRef idx="2">
+                <a:schemeClr val="accent1">
+                  <a:shade val="50000"/>
+                </a:schemeClr>
+              </a:lnRef>
+              <a:fillRef idx="1">
+                <a:schemeClr val="accent1"/>
+              </a:fillRef>
+              <a:effectRef idx="0">
+                <a:schemeClr val="accent1"/>
+              </a:effectRef>
+              <a:fontRef idx="minor">
+                <a:schemeClr val="lt1"/>
+              </a:fontRef>
+            </p:style>
+            <p:txBody>
+              <a:bodyPr rtlCol="0" anchor="ctr"/>
+              <a:lstStyle/>
+              <a:p>
+                <a:pPr algn="ctr"/>
+                <a:r>
+                  <a:rPr lang="en-US" sz="1100" dirty="0">
+                    <a:solidFill>
+                      <a:schemeClr val="tx1"/>
+                    </a:solidFill>
+                  </a:rPr>
+                  <a:t>External</a:t>
+                </a:r>
+              </a:p>
+            </p:txBody>
+          </p:sp>
+          <p:cxnSp>
+            <p:nvCxnSpPr>
+              <p:cNvPr id="24" name="Straight Arrow Connector 23">
+                <a:extLst>
+                  <a:ext uri="{FF2B5EF4-FFF2-40B4-BE49-F238E27FC236}">
+                    <a16:creationId xmlns:a16="http://schemas.microsoft.com/office/drawing/2014/main" id="{DA6A5855-8166-480E-89A6-D1E3FB70E8C7}"/>
+                  </a:ext>
+                </a:extLst>
+              </p:cNvPr>
+              <p:cNvCxnSpPr>
+                <a:cxnSpLocks/>
+                <a:stCxn id="6" idx="2"/>
+                <a:endCxn id="8" idx="3"/>
+              </p:cNvCxnSpPr>
+              <p:nvPr/>
+            </p:nvCxnSpPr>
+            <p:spPr>
+              <a:xfrm flipH="1" flipV="1">
+                <a:off x="2104099" y="3312241"/>
+                <a:ext cx="757088" cy="419101"/>
+              </a:xfrm>
+              <a:prstGeom prst="straightConnector1">
+                <a:avLst/>
+              </a:prstGeom>
+              <a:ln>
+                <a:solidFill>
+                  <a:schemeClr val="tx1"/>
+                </a:solidFill>
+                <a:tailEnd type="triangle"/>
+              </a:ln>
+            </p:spPr>
+            <p:style>
+              <a:lnRef idx="1">
+                <a:schemeClr val="accent1"/>
+              </a:lnRef>
+              <a:fillRef idx="0">
+                <a:schemeClr val="accent1"/>
+              </a:fillRef>
+              <a:effectRef idx="0">
+                <a:schemeClr val="accent1"/>
+              </a:effectRef>
+              <a:fontRef idx="minor">
+                <a:schemeClr val="tx1"/>
+              </a:fontRef>
+            </p:style>
+          </p:cxnSp>
+          <p:cxnSp>
+            <p:nvCxnSpPr>
+              <p:cNvPr id="25" name="Straight Arrow Connector 24">
+                <a:extLst>
+                  <a:ext uri="{FF2B5EF4-FFF2-40B4-BE49-F238E27FC236}">
+                    <a16:creationId xmlns:a16="http://schemas.microsoft.com/office/drawing/2014/main" id="{A99182B7-94FB-45BE-85AC-0CC71489A775}"/>
+                  </a:ext>
+                </a:extLst>
+              </p:cNvPr>
+              <p:cNvCxnSpPr>
+                <a:cxnSpLocks/>
+                <a:stCxn id="6" idx="2"/>
+                <a:endCxn id="9" idx="3"/>
+              </p:cNvCxnSpPr>
+              <p:nvPr/>
+            </p:nvCxnSpPr>
+            <p:spPr>
+              <a:xfrm flipH="1">
+                <a:off x="2123764" y="3731342"/>
+                <a:ext cx="737423" cy="344125"/>
+              </a:xfrm>
+              <a:prstGeom prst="straightConnector1">
+                <a:avLst/>
+              </a:prstGeom>
+              <a:ln>
+                <a:solidFill>
+                  <a:schemeClr val="tx1"/>
+                </a:solidFill>
+                <a:tailEnd type="triangle"/>
+              </a:ln>
+            </p:spPr>
+            <p:style>
+              <a:lnRef idx="1">
+                <a:schemeClr val="accent1"/>
+              </a:lnRef>
+              <a:fillRef idx="0">
+                <a:schemeClr val="accent1"/>
+              </a:fillRef>
+              <a:effectRef idx="0">
+                <a:schemeClr val="accent1"/>
+              </a:effectRef>
+              <a:fontRef idx="minor">
+                <a:schemeClr val="tx1"/>
+              </a:fontRef>
+            </p:style>
+          </p:cxnSp>
+          <p:cxnSp>
+            <p:nvCxnSpPr>
+              <p:cNvPr id="29" name="Straight Arrow Connector 28">
+                <a:extLst>
+                  <a:ext uri="{FF2B5EF4-FFF2-40B4-BE49-F238E27FC236}">
+                    <a16:creationId xmlns:a16="http://schemas.microsoft.com/office/drawing/2014/main" id="{1C6E3515-A918-43CF-A947-6923B0C38978}"/>
+                  </a:ext>
+                </a:extLst>
+              </p:cNvPr>
+              <p:cNvCxnSpPr>
+                <a:cxnSpLocks/>
+                <a:stCxn id="6" idx="2"/>
+                <a:endCxn id="14" idx="3"/>
+              </p:cNvCxnSpPr>
+              <p:nvPr/>
+            </p:nvCxnSpPr>
+            <p:spPr>
+              <a:xfrm flipH="1">
+                <a:off x="2123764" y="3731342"/>
+                <a:ext cx="737423" cy="1107351"/>
+              </a:xfrm>
+              <a:prstGeom prst="straightConnector1">
+                <a:avLst/>
+              </a:prstGeom>
+              <a:ln>
+                <a:solidFill>
+                  <a:schemeClr val="tx1"/>
+                </a:solidFill>
+                <a:tailEnd type="triangle"/>
+              </a:ln>
+            </p:spPr>
+            <p:style>
+              <a:lnRef idx="1">
+                <a:schemeClr val="accent1"/>
+              </a:lnRef>
+              <a:fillRef idx="0">
+                <a:schemeClr val="accent1"/>
+              </a:fillRef>
+              <a:effectRef idx="0">
+                <a:schemeClr val="accent1"/>
+              </a:effectRef>
+              <a:fontRef idx="minor">
+                <a:schemeClr val="tx1"/>
+              </a:fontRef>
+            </p:style>
+          </p:cxnSp>
+          <p:sp>
+            <p:nvSpPr>
+              <p:cNvPr id="47" name="Oval 46">
+                <a:extLst>
+                  <a:ext uri="{FF2B5EF4-FFF2-40B4-BE49-F238E27FC236}">
+                    <a16:creationId xmlns:a16="http://schemas.microsoft.com/office/drawing/2014/main" id="{77A29A51-FE24-4B55-8BC7-5C2DE264CAC3}"/>
+                  </a:ext>
+                </a:extLst>
+              </p:cNvPr>
+              <p:cNvSpPr/>
+              <p:nvPr/>
+            </p:nvSpPr>
+            <p:spPr>
+              <a:xfrm>
+                <a:off x="3185651" y="4524661"/>
+                <a:ext cx="462116" cy="474408"/>
+              </a:xfrm>
+              <a:prstGeom prst="ellipse">
+                <a:avLst/>
+              </a:prstGeom>
+              <a:noFill/>
+              <a:ln>
+                <a:noFill/>
+              </a:ln>
+            </p:spPr>
+            <p:style>
+              <a:lnRef idx="2">
+                <a:schemeClr val="accent1">
+                  <a:shade val="50000"/>
+                </a:schemeClr>
+              </a:lnRef>
+              <a:fillRef idx="1">
+                <a:schemeClr val="accent1"/>
+              </a:fillRef>
+              <a:effectRef idx="0">
+                <a:schemeClr val="accent1"/>
+              </a:effectRef>
+              <a:fontRef idx="minor">
+                <a:schemeClr val="lt1"/>
+              </a:fontRef>
+            </p:style>
+            <p:txBody>
+              <a:bodyPr rtlCol="0" anchor="ctr"/>
+              <a:lstStyle/>
+              <a:p>
+                <a:pPr algn="ctr"/>
+                <a:r>
+                  <a:rPr lang="el-GR" sz="1600" dirty="0">
+                    <a:solidFill>
+                      <a:schemeClr val="tx1"/>
+                    </a:solidFill>
+                  </a:rPr>
+                  <a:t>ζ</a:t>
+                </a:r>
+                <a:r>
+                  <a:rPr lang="en-US" sz="1600" baseline="-25000" dirty="0">
+                    <a:solidFill>
+                      <a:schemeClr val="tx1"/>
+                    </a:solidFill>
+                  </a:rPr>
+                  <a:t>2</a:t>
+                </a:r>
+              </a:p>
+            </p:txBody>
+          </p:sp>
+          <p:cxnSp>
+            <p:nvCxnSpPr>
+              <p:cNvPr id="50" name="Straight Arrow Connector 49">
+                <a:extLst>
+                  <a:ext uri="{FF2B5EF4-FFF2-40B4-BE49-F238E27FC236}">
+                    <a16:creationId xmlns:a16="http://schemas.microsoft.com/office/drawing/2014/main" id="{FD2E5637-9525-4642-995C-824266E600CF}"/>
+                  </a:ext>
+                </a:extLst>
+              </p:cNvPr>
+              <p:cNvCxnSpPr>
+                <a:cxnSpLocks/>
+                <a:stCxn id="47" idx="0"/>
+                <a:endCxn id="6" idx="4"/>
+              </p:cNvCxnSpPr>
+              <p:nvPr/>
+            </p:nvCxnSpPr>
+            <p:spPr>
+              <a:xfrm flipV="1">
+                <a:off x="3416709" y="4227871"/>
+                <a:ext cx="1" cy="296790"/>
+              </a:xfrm>
+              <a:prstGeom prst="straightConnector1">
+                <a:avLst/>
+              </a:prstGeom>
+              <a:ln>
+                <a:solidFill>
+                  <a:schemeClr val="tx1"/>
+                </a:solidFill>
+                <a:tailEnd type="triangle"/>
+              </a:ln>
+            </p:spPr>
+            <p:style>
+              <a:lnRef idx="1">
+                <a:schemeClr val="accent1"/>
+              </a:lnRef>
+              <a:fillRef idx="0">
+                <a:schemeClr val="accent1"/>
+              </a:fillRef>
+              <a:effectRef idx="0">
+                <a:schemeClr val="accent1"/>
+              </a:effectRef>
+              <a:fontRef idx="minor">
+                <a:schemeClr val="tx1"/>
+              </a:fontRef>
+            </p:style>
+          </p:cxnSp>
+          <p:sp>
+            <p:nvSpPr>
+              <p:cNvPr id="53" name="Oval 52">
+                <a:extLst>
+                  <a:ext uri="{FF2B5EF4-FFF2-40B4-BE49-F238E27FC236}">
+                    <a16:creationId xmlns:a16="http://schemas.microsoft.com/office/drawing/2014/main" id="{85437B52-1CD2-40F9-86FD-FC5332B276E2}"/>
+                  </a:ext>
+                </a:extLst>
+              </p:cNvPr>
+              <p:cNvSpPr/>
+              <p:nvPr/>
+            </p:nvSpPr>
+            <p:spPr>
+              <a:xfrm>
+                <a:off x="432619" y="3075038"/>
+                <a:ext cx="560435" cy="474406"/>
+              </a:xfrm>
+              <a:prstGeom prst="ellipse">
+                <a:avLst/>
+              </a:prstGeom>
+              <a:noFill/>
+              <a:ln>
+                <a:noFill/>
+              </a:ln>
+            </p:spPr>
+            <p:style>
+              <a:lnRef idx="2">
+                <a:schemeClr val="accent1">
+                  <a:shade val="50000"/>
+                </a:schemeClr>
+              </a:lnRef>
+              <a:fillRef idx="1">
+                <a:schemeClr val="accent1"/>
+              </a:fillRef>
+              <a:effectRef idx="0">
+                <a:schemeClr val="accent1"/>
+              </a:effectRef>
+              <a:fontRef idx="minor">
+                <a:schemeClr val="lt1"/>
+              </a:fontRef>
+            </p:style>
+            <p:txBody>
+              <a:bodyPr rtlCol="0" anchor="ctr"/>
+              <a:lstStyle/>
+              <a:p>
+                <a:pPr algn="ctr"/>
+                <a:r>
+                  <a:rPr lang="el-GR" sz="1600" dirty="0">
+                    <a:solidFill>
+                      <a:schemeClr val="tx1"/>
+                    </a:solidFill>
+                  </a:rPr>
+                  <a:t>ε</a:t>
+                </a:r>
+                <a:r>
+                  <a:rPr lang="en-US" sz="1600" baseline="-25000" dirty="0">
+                    <a:solidFill>
+                      <a:schemeClr val="tx1"/>
+                    </a:solidFill>
+                  </a:rPr>
+                  <a:t>1</a:t>
+                </a:r>
+              </a:p>
+            </p:txBody>
+          </p:sp>
+          <p:cxnSp>
+            <p:nvCxnSpPr>
+              <p:cNvPr id="54" name="Straight Arrow Connector 53">
+                <a:extLst>
+                  <a:ext uri="{FF2B5EF4-FFF2-40B4-BE49-F238E27FC236}">
+                    <a16:creationId xmlns:a16="http://schemas.microsoft.com/office/drawing/2014/main" id="{E9A05678-CD71-4BD0-8801-6BDFCF14F62B}"/>
+                  </a:ext>
+                </a:extLst>
+              </p:cNvPr>
+              <p:cNvCxnSpPr>
+                <a:cxnSpLocks/>
+                <a:stCxn id="53" idx="6"/>
+                <a:endCxn id="8" idx="1"/>
+              </p:cNvCxnSpPr>
+              <p:nvPr/>
+            </p:nvCxnSpPr>
+            <p:spPr>
+              <a:xfrm>
+                <a:off x="993054" y="3312241"/>
+                <a:ext cx="457200" cy="0"/>
+              </a:xfrm>
+              <a:prstGeom prst="straightConnector1">
+                <a:avLst/>
+              </a:prstGeom>
+              <a:ln>
+                <a:solidFill>
+                  <a:schemeClr val="tx1"/>
+                </a:solidFill>
+                <a:tailEnd type="triangle"/>
+              </a:ln>
+            </p:spPr>
+            <p:style>
+              <a:lnRef idx="1">
+                <a:schemeClr val="accent1"/>
+              </a:lnRef>
+              <a:fillRef idx="0">
+                <a:schemeClr val="accent1"/>
+              </a:fillRef>
+              <a:effectRef idx="0">
+                <a:schemeClr val="accent1"/>
+              </a:effectRef>
+              <a:fontRef idx="minor">
+                <a:schemeClr val="tx1"/>
+              </a:fontRef>
+            </p:style>
+          </p:cxnSp>
+          <p:sp>
+            <p:nvSpPr>
+              <p:cNvPr id="63" name="Oval 62">
+                <a:extLst>
+                  <a:ext uri="{FF2B5EF4-FFF2-40B4-BE49-F238E27FC236}">
+                    <a16:creationId xmlns:a16="http://schemas.microsoft.com/office/drawing/2014/main" id="{886D102D-B9A0-4E8A-A31B-100A338D72B6}"/>
+                  </a:ext>
+                </a:extLst>
+              </p:cNvPr>
+              <p:cNvSpPr/>
+              <p:nvPr/>
+            </p:nvSpPr>
+            <p:spPr>
+              <a:xfrm>
+                <a:off x="439991" y="3838264"/>
+                <a:ext cx="560435" cy="474406"/>
+              </a:xfrm>
+              <a:prstGeom prst="ellipse">
+                <a:avLst/>
+              </a:prstGeom>
+              <a:noFill/>
+              <a:ln>
+                <a:noFill/>
+              </a:ln>
+            </p:spPr>
+            <p:style>
+              <a:lnRef idx="2">
+                <a:schemeClr val="accent1">
+                  <a:shade val="50000"/>
+                </a:schemeClr>
+              </a:lnRef>
+              <a:fillRef idx="1">
+                <a:schemeClr val="accent1"/>
+              </a:fillRef>
+              <a:effectRef idx="0">
+                <a:schemeClr val="accent1"/>
+              </a:effectRef>
+              <a:fontRef idx="minor">
+                <a:schemeClr val="lt1"/>
+              </a:fontRef>
+            </p:style>
+            <p:txBody>
+              <a:bodyPr rtlCol="0" anchor="ctr"/>
+              <a:lstStyle/>
+              <a:p>
+                <a:pPr algn="ctr"/>
+                <a:r>
+                  <a:rPr lang="el-GR" sz="1600" dirty="0">
+                    <a:solidFill>
+                      <a:schemeClr val="tx1"/>
+                    </a:solidFill>
+                  </a:rPr>
+                  <a:t>ε</a:t>
+                </a:r>
+                <a:r>
+                  <a:rPr lang="en-US" sz="1600" baseline="-25000" dirty="0">
+                    <a:solidFill>
+                      <a:schemeClr val="tx1"/>
+                    </a:solidFill>
+                  </a:rPr>
+                  <a:t>2</a:t>
+                </a:r>
+              </a:p>
+            </p:txBody>
+          </p:sp>
+          <p:cxnSp>
+            <p:nvCxnSpPr>
+              <p:cNvPr id="64" name="Straight Arrow Connector 63">
+                <a:extLst>
+                  <a:ext uri="{FF2B5EF4-FFF2-40B4-BE49-F238E27FC236}">
+                    <a16:creationId xmlns:a16="http://schemas.microsoft.com/office/drawing/2014/main" id="{DDB5616C-C8F8-4DD2-853B-1ACA31432220}"/>
+                  </a:ext>
+                </a:extLst>
+              </p:cNvPr>
+              <p:cNvCxnSpPr>
+                <a:cxnSpLocks/>
+                <a:stCxn id="63" idx="6"/>
+              </p:cNvCxnSpPr>
+              <p:nvPr/>
+            </p:nvCxnSpPr>
+            <p:spPr>
+              <a:xfrm>
+                <a:off x="1000426" y="4075467"/>
+                <a:ext cx="457200" cy="0"/>
+              </a:xfrm>
+              <a:prstGeom prst="straightConnector1">
+                <a:avLst/>
+              </a:prstGeom>
+              <a:ln>
+                <a:solidFill>
+                  <a:schemeClr val="tx1"/>
+                </a:solidFill>
+                <a:tailEnd type="triangle"/>
+              </a:ln>
+            </p:spPr>
+            <p:style>
+              <a:lnRef idx="1">
+                <a:schemeClr val="accent1"/>
+              </a:lnRef>
+              <a:fillRef idx="0">
+                <a:schemeClr val="accent1"/>
+              </a:fillRef>
+              <a:effectRef idx="0">
+                <a:schemeClr val="accent1"/>
+              </a:effectRef>
+              <a:fontRef idx="minor">
+                <a:schemeClr val="tx1"/>
+              </a:fontRef>
+            </p:style>
+          </p:cxnSp>
+          <p:sp>
+            <p:nvSpPr>
+              <p:cNvPr id="65" name="Oval 64">
+                <a:extLst>
+                  <a:ext uri="{FF2B5EF4-FFF2-40B4-BE49-F238E27FC236}">
+                    <a16:creationId xmlns:a16="http://schemas.microsoft.com/office/drawing/2014/main" id="{C4F90727-493D-41C0-A73F-E1A1BCD3B17A}"/>
+                  </a:ext>
+                </a:extLst>
+              </p:cNvPr>
+              <p:cNvSpPr/>
+              <p:nvPr/>
+            </p:nvSpPr>
+            <p:spPr>
+              <a:xfrm>
+                <a:off x="447363" y="4601488"/>
+                <a:ext cx="560435" cy="474406"/>
+              </a:xfrm>
+              <a:prstGeom prst="ellipse">
+                <a:avLst/>
+              </a:prstGeom>
+              <a:noFill/>
+              <a:ln>
+                <a:noFill/>
+              </a:ln>
+            </p:spPr>
+            <p:style>
+              <a:lnRef idx="2">
+                <a:schemeClr val="accent1">
+                  <a:shade val="50000"/>
+                </a:schemeClr>
+              </a:lnRef>
+              <a:fillRef idx="1">
+                <a:schemeClr val="accent1"/>
+              </a:fillRef>
+              <a:effectRef idx="0">
+                <a:schemeClr val="accent1"/>
+              </a:effectRef>
+              <a:fontRef idx="minor">
+                <a:schemeClr val="lt1"/>
+              </a:fontRef>
+            </p:style>
+            <p:txBody>
+              <a:bodyPr rtlCol="0" anchor="ctr"/>
+              <a:lstStyle/>
+              <a:p>
+                <a:pPr algn="ctr"/>
+                <a:r>
+                  <a:rPr lang="el-GR" sz="1600" dirty="0">
+                    <a:solidFill>
+                      <a:schemeClr val="tx1"/>
+                    </a:solidFill>
+                  </a:rPr>
+                  <a:t>ε</a:t>
+                </a:r>
+                <a:r>
+                  <a:rPr lang="en-US" sz="1600" baseline="-25000" dirty="0">
+                    <a:solidFill>
+                      <a:schemeClr val="tx1"/>
+                    </a:solidFill>
+                  </a:rPr>
+                  <a:t>3</a:t>
+                </a:r>
+              </a:p>
+            </p:txBody>
+          </p:sp>
+          <p:cxnSp>
+            <p:nvCxnSpPr>
+              <p:cNvPr id="66" name="Straight Arrow Connector 65">
+                <a:extLst>
+                  <a:ext uri="{FF2B5EF4-FFF2-40B4-BE49-F238E27FC236}">
+                    <a16:creationId xmlns:a16="http://schemas.microsoft.com/office/drawing/2014/main" id="{50D16DEC-4033-441F-AA52-FB52468754FF}"/>
+                  </a:ext>
+                </a:extLst>
+              </p:cNvPr>
+              <p:cNvCxnSpPr>
+                <a:cxnSpLocks/>
+                <a:stCxn id="65" idx="6"/>
+              </p:cNvCxnSpPr>
+              <p:nvPr/>
+            </p:nvCxnSpPr>
+            <p:spPr>
+              <a:xfrm>
+                <a:off x="1007798" y="4838691"/>
+                <a:ext cx="457200" cy="0"/>
+              </a:xfrm>
+              <a:prstGeom prst="straightConnector1">
+                <a:avLst/>
+              </a:prstGeom>
+              <a:ln>
+                <a:solidFill>
+                  <a:schemeClr val="tx1"/>
+                </a:solidFill>
+                <a:tailEnd type="triangle"/>
+              </a:ln>
+            </p:spPr>
+            <p:style>
+              <a:lnRef idx="1">
+                <a:schemeClr val="accent1"/>
+              </a:lnRef>
+              <a:fillRef idx="0">
+                <a:schemeClr val="accent1"/>
+              </a:fillRef>
+              <a:effectRef idx="0">
+                <a:schemeClr val="accent1"/>
+              </a:effectRef>
+              <a:fontRef idx="minor">
+                <a:schemeClr val="tx1"/>
+              </a:fontRef>
+            </p:style>
+          </p:cxnSp>
+          <p:sp>
+            <p:nvSpPr>
+              <p:cNvPr id="76" name="Oval 75">
+                <a:extLst>
+                  <a:ext uri="{FF2B5EF4-FFF2-40B4-BE49-F238E27FC236}">
+                    <a16:creationId xmlns:a16="http://schemas.microsoft.com/office/drawing/2014/main" id="{4D6AFB0E-3B01-4BB8-BA5D-67ECF9F28986}"/>
+                  </a:ext>
+                </a:extLst>
+              </p:cNvPr>
+              <p:cNvSpPr/>
+              <p:nvPr/>
+            </p:nvSpPr>
+            <p:spPr>
+              <a:xfrm>
+                <a:off x="2303443" y="3007442"/>
+                <a:ext cx="560435" cy="474406"/>
+              </a:xfrm>
+              <a:prstGeom prst="ellipse">
+                <a:avLst/>
+              </a:prstGeom>
+              <a:noFill/>
+              <a:ln>
+                <a:noFill/>
+              </a:ln>
+            </p:spPr>
+            <p:style>
+              <a:lnRef idx="2">
+                <a:schemeClr val="accent1">
+                  <a:shade val="50000"/>
+                </a:schemeClr>
+              </a:lnRef>
+              <a:fillRef idx="1">
+                <a:schemeClr val="accent1"/>
+              </a:fillRef>
+              <a:effectRef idx="0">
+                <a:schemeClr val="accent1"/>
+              </a:effectRef>
+              <a:fontRef idx="minor">
+                <a:schemeClr val="lt1"/>
+              </a:fontRef>
+            </p:style>
+            <p:txBody>
+              <a:bodyPr rtlCol="0" anchor="ctr"/>
+              <a:lstStyle/>
+              <a:p>
+                <a:pPr algn="ctr"/>
+                <a:r>
+                  <a:rPr lang="el-GR" dirty="0">
+                    <a:solidFill>
+                      <a:schemeClr val="tx1"/>
+                    </a:solidFill>
+                  </a:rPr>
+                  <a:t>λ</a:t>
+                </a:r>
+                <a:r>
+                  <a:rPr lang="en-US" sz="1600" baseline="-25000" dirty="0">
+                    <a:solidFill>
+                      <a:schemeClr val="tx1"/>
+                    </a:solidFill>
+                  </a:rPr>
+                  <a:t>1</a:t>
+                </a:r>
+              </a:p>
+            </p:txBody>
+          </p:sp>
+          <p:sp>
+            <p:nvSpPr>
+              <p:cNvPr id="77" name="Oval 76">
+                <a:extLst>
+                  <a:ext uri="{FF2B5EF4-FFF2-40B4-BE49-F238E27FC236}">
+                    <a16:creationId xmlns:a16="http://schemas.microsoft.com/office/drawing/2014/main" id="{F2BCE3E1-7986-45B6-ACA1-2E70D250F80E}"/>
+                  </a:ext>
+                </a:extLst>
+              </p:cNvPr>
+              <p:cNvSpPr/>
+              <p:nvPr/>
+            </p:nvSpPr>
+            <p:spPr>
+              <a:xfrm>
+                <a:off x="2072147" y="3473855"/>
+                <a:ext cx="560435" cy="474406"/>
+              </a:xfrm>
+              <a:prstGeom prst="ellipse">
+                <a:avLst/>
+              </a:prstGeom>
+              <a:noFill/>
+              <a:ln>
+                <a:noFill/>
+              </a:ln>
+            </p:spPr>
+            <p:style>
+              <a:lnRef idx="2">
+                <a:schemeClr val="accent1">
+                  <a:shade val="50000"/>
+                </a:schemeClr>
+              </a:lnRef>
+              <a:fillRef idx="1">
+                <a:schemeClr val="accent1"/>
+              </a:fillRef>
+              <a:effectRef idx="0">
+                <a:schemeClr val="accent1"/>
+              </a:effectRef>
+              <a:fontRef idx="minor">
+                <a:schemeClr val="lt1"/>
+              </a:fontRef>
+            </p:style>
+            <p:txBody>
+              <a:bodyPr rtlCol="0" anchor="ctr"/>
+              <a:lstStyle/>
+              <a:p>
+                <a:pPr algn="ctr"/>
+                <a:r>
+                  <a:rPr lang="el-GR" dirty="0">
+                    <a:solidFill>
+                      <a:schemeClr val="tx1"/>
+                    </a:solidFill>
+                  </a:rPr>
+                  <a:t>λ</a:t>
+                </a:r>
+                <a:r>
+                  <a:rPr lang="en-US" sz="1600" baseline="-25000" dirty="0">
+                    <a:solidFill>
+                      <a:schemeClr val="tx1"/>
+                    </a:solidFill>
+                  </a:rPr>
+                  <a:t>2</a:t>
+                </a:r>
+              </a:p>
+            </p:txBody>
+          </p:sp>
+          <p:sp>
+            <p:nvSpPr>
+              <p:cNvPr id="78" name="Oval 77">
+                <a:extLst>
+                  <a:ext uri="{FF2B5EF4-FFF2-40B4-BE49-F238E27FC236}">
+                    <a16:creationId xmlns:a16="http://schemas.microsoft.com/office/drawing/2014/main" id="{832C2162-251F-4BFD-A104-864DCC15BCAD}"/>
+                  </a:ext>
+                </a:extLst>
+              </p:cNvPr>
+              <p:cNvSpPr/>
+              <p:nvPr/>
+            </p:nvSpPr>
+            <p:spPr>
+              <a:xfrm>
+                <a:off x="2268791" y="4255208"/>
+                <a:ext cx="560435" cy="474406"/>
+              </a:xfrm>
+              <a:prstGeom prst="ellipse">
+                <a:avLst/>
+              </a:prstGeom>
+              <a:noFill/>
+              <a:ln>
+                <a:noFill/>
+              </a:ln>
+            </p:spPr>
+            <p:style>
+              <a:lnRef idx="2">
+                <a:schemeClr val="accent1">
+                  <a:shade val="50000"/>
+                </a:schemeClr>
+              </a:lnRef>
+              <a:fillRef idx="1">
+                <a:schemeClr val="accent1"/>
+              </a:fillRef>
+              <a:effectRef idx="0">
+                <a:schemeClr val="accent1"/>
+              </a:effectRef>
+              <a:fontRef idx="minor">
+                <a:schemeClr val="lt1"/>
+              </a:fontRef>
+            </p:style>
+            <p:txBody>
+              <a:bodyPr rtlCol="0" anchor="ctr"/>
+              <a:lstStyle/>
+              <a:p>
+                <a:pPr algn="ctr"/>
+                <a:r>
+                  <a:rPr lang="el-GR" dirty="0">
+                    <a:solidFill>
+                      <a:schemeClr val="tx1"/>
+                    </a:solidFill>
+                  </a:rPr>
+                  <a:t>λ</a:t>
+                </a:r>
+                <a:r>
+                  <a:rPr lang="en-US" sz="1600" baseline="-25000" dirty="0">
+                    <a:solidFill>
+                      <a:schemeClr val="tx1"/>
+                    </a:solidFill>
+                  </a:rPr>
+                  <a:t>3</a:t>
+                </a:r>
+              </a:p>
+            </p:txBody>
+          </p:sp>
+        </p:grpSp>
         <p:sp>
           <p:nvSpPr>
-            <p:cNvPr id="65" name="Oval 64">
+            <p:cNvPr id="79" name="Oval 78">
               <a:extLst>
                 <a:ext uri="{FF2B5EF4-FFF2-40B4-BE49-F238E27FC236}">
-                  <a16:creationId xmlns:a16="http://schemas.microsoft.com/office/drawing/2014/main" id="{C4F90727-493D-41C0-A73F-E1A1BCD3B17A}"/>
+                  <a16:creationId xmlns:a16="http://schemas.microsoft.com/office/drawing/2014/main" id="{A4E49732-0040-4F55-A78E-1195C65E1661}"/>
                 </a:ext>
               </a:extLst>
             </p:cNvPr>
@@ -11115,117 +13469,7 @@
           </p:nvSpPr>
           <p:spPr>
             <a:xfrm>
-              <a:off x="447363" y="4601488"/>
-              <a:ext cx="560435" cy="474406"/>
-            </a:xfrm>
-            <a:prstGeom prst="ellipse">
-              <a:avLst/>
-            </a:prstGeom>
-            <a:noFill/>
-            <a:ln>
-              <a:noFill/>
-            </a:ln>
-          </p:spPr>
-          <p:style>
-            <a:lnRef idx="2">
-              <a:schemeClr val="accent1">
-                <a:shade val="50000"/>
-              </a:schemeClr>
-            </a:lnRef>
-            <a:fillRef idx="1">
-              <a:schemeClr val="accent1"/>
-            </a:fillRef>
-            <a:effectRef idx="0">
-              <a:schemeClr val="accent1"/>
-            </a:effectRef>
-            <a:fontRef idx="minor">
-              <a:schemeClr val="lt1"/>
-            </a:fontRef>
-          </p:style>
-          <p:txBody>
-            <a:bodyPr rtlCol="0" anchor="ctr"/>
-            <a:lstStyle/>
-            <a:p>
-              <a:pPr algn="ctr"/>
-              <a:r>
-                <a:rPr lang="el-GR" sz="1600" dirty="0">
-                  <a:solidFill>
-                    <a:schemeClr val="tx1"/>
-                  </a:solidFill>
-                </a:rPr>
-                <a:t>ε</a:t>
-              </a:r>
-              <a:r>
-                <a:rPr lang="en-US" sz="1600" baseline="-25000" dirty="0">
-                  <a:solidFill>
-                    <a:schemeClr val="tx1"/>
-                  </a:solidFill>
-                </a:rPr>
-                <a:t>3</a:t>
-              </a:r>
-            </a:p>
-          </p:txBody>
-        </p:sp>
-        <p:cxnSp>
-          <p:nvCxnSpPr>
-            <p:cNvPr id="66" name="Straight Arrow Connector 65">
-              <a:extLst>
-                <a:ext uri="{FF2B5EF4-FFF2-40B4-BE49-F238E27FC236}">
-                  <a16:creationId xmlns:a16="http://schemas.microsoft.com/office/drawing/2014/main" id="{50D16DEC-4033-441F-AA52-FB52468754FF}"/>
-                </a:ext>
-              </a:extLst>
-            </p:cNvPr>
-            <p:cNvCxnSpPr>
-              <a:cxnSpLocks/>
-              <a:stCxn id="65" idx="6"/>
-            </p:cNvCxnSpPr>
-            <p:nvPr/>
-          </p:nvCxnSpPr>
-          <p:spPr>
-            <a:xfrm>
-              <a:off x="1007798" y="4838691"/>
-              <a:ext cx="457200" cy="0"/>
-            </a:xfrm>
-            <a:prstGeom prst="straightConnector1">
-              <a:avLst/>
-            </a:prstGeom>
-            <a:ln>
-              <a:solidFill>
-                <a:schemeClr val="tx1"/>
-              </a:solidFill>
-              <a:tailEnd type="triangle"/>
-            </a:ln>
-          </p:spPr>
-          <p:style>
-            <a:lnRef idx="1">
-              <a:schemeClr val="accent1"/>
-            </a:lnRef>
-            <a:fillRef idx="0">
-              <a:schemeClr val="accent1"/>
-            </a:fillRef>
-            <a:effectRef idx="0">
-              <a:schemeClr val="accent1"/>
-            </a:effectRef>
-            <a:fontRef idx="minor">
-              <a:schemeClr val="tx1"/>
-            </a:fontRef>
-          </p:style>
-        </p:cxnSp>
-        <p:sp>
-          <p:nvSpPr>
-            <p:cNvPr id="76" name="Oval 75">
-              <a:extLst>
-                <a:ext uri="{FF2B5EF4-FFF2-40B4-BE49-F238E27FC236}">
-                  <a16:creationId xmlns:a16="http://schemas.microsoft.com/office/drawing/2014/main" id="{4D6AFB0E-3B01-4BB8-BA5D-67ECF9F28986}"/>
-                </a:ext>
-              </a:extLst>
-            </p:cNvPr>
-            <p:cNvSpPr/>
-            <p:nvPr/>
-          </p:nvSpPr>
-          <p:spPr>
-            <a:xfrm>
-              <a:off x="2303443" y="3007442"/>
+              <a:off x="8318573" y="3121432"/>
               <a:ext cx="560435" cy="474406"/>
             </a:xfrm>
             <a:prstGeom prst="ellipse">
@@ -11271,17 +13515,17 @@
                     <a:schemeClr val="tx1"/>
                   </a:solidFill>
                 </a:rPr>
-                <a:t>1</a:t>
+                <a:t>4</a:t>
               </a:r>
             </a:p>
           </p:txBody>
         </p:sp>
         <p:sp>
           <p:nvSpPr>
-            <p:cNvPr id="77" name="Oval 76">
+            <p:cNvPr id="80" name="Oval 79">
               <a:extLst>
                 <a:ext uri="{FF2B5EF4-FFF2-40B4-BE49-F238E27FC236}">
-                  <a16:creationId xmlns:a16="http://schemas.microsoft.com/office/drawing/2014/main" id="{F2BCE3E1-7986-45B6-ACA1-2E70D250F80E}"/>
+                  <a16:creationId xmlns:a16="http://schemas.microsoft.com/office/drawing/2014/main" id="{5767B016-F8E8-458F-A036-74B7AF902867}"/>
                 </a:ext>
               </a:extLst>
             </p:cNvPr>
@@ -11290,7 +13534,7 @@
           </p:nvSpPr>
           <p:spPr>
             <a:xfrm>
-              <a:off x="2072147" y="3473855"/>
+              <a:off x="8313894" y="3813069"/>
               <a:ext cx="560435" cy="474406"/>
             </a:xfrm>
             <a:prstGeom prst="ellipse">
@@ -11336,17 +13580,17 @@
                     <a:schemeClr val="tx1"/>
                   </a:solidFill>
                 </a:rPr>
-                <a:t>2</a:t>
+                <a:t>5</a:t>
               </a:r>
             </a:p>
           </p:txBody>
         </p:sp>
         <p:sp>
           <p:nvSpPr>
-            <p:cNvPr id="78" name="Oval 77">
+            <p:cNvPr id="81" name="Oval 80">
               <a:extLst>
                 <a:ext uri="{FF2B5EF4-FFF2-40B4-BE49-F238E27FC236}">
-                  <a16:creationId xmlns:a16="http://schemas.microsoft.com/office/drawing/2014/main" id="{832C2162-251F-4BFD-A104-864DCC15BCAD}"/>
+                  <a16:creationId xmlns:a16="http://schemas.microsoft.com/office/drawing/2014/main" id="{F4E8AED5-76CB-4B68-AD51-69C364CC7C82}"/>
                 </a:ext>
               </a:extLst>
             </p:cNvPr>
@@ -11355,7 +13599,7 @@
           </p:nvSpPr>
           <p:spPr>
             <a:xfrm>
-              <a:off x="2268791" y="4255208"/>
+              <a:off x="5356128" y="3261852"/>
               <a:ext cx="560435" cy="474406"/>
             </a:xfrm>
             <a:prstGeom prst="ellipse">
@@ -11393,6 +13637,136 @@
                     <a:schemeClr val="tx1"/>
                   </a:solidFill>
                 </a:rPr>
+                <a:t>β</a:t>
+              </a:r>
+              <a:r>
+                <a:rPr lang="en-US" sz="1600" baseline="-25000" dirty="0">
+                  <a:solidFill>
+                    <a:schemeClr val="tx1"/>
+                  </a:solidFill>
+                </a:rPr>
+                <a:t>1</a:t>
+              </a:r>
+            </a:p>
+          </p:txBody>
+        </p:sp>
+        <p:sp>
+          <p:nvSpPr>
+            <p:cNvPr id="82" name="Oval 81">
+              <a:extLst>
+                <a:ext uri="{FF2B5EF4-FFF2-40B4-BE49-F238E27FC236}">
+                  <a16:creationId xmlns:a16="http://schemas.microsoft.com/office/drawing/2014/main" id="{09B43A41-4E30-420F-BE07-CAF4830B7639}"/>
+                </a:ext>
+              </a:extLst>
+            </p:cNvPr>
+            <p:cNvSpPr/>
+            <p:nvPr/>
+          </p:nvSpPr>
+          <p:spPr>
+            <a:xfrm>
+              <a:off x="6897810" y="2415240"/>
+              <a:ext cx="560435" cy="474406"/>
+            </a:xfrm>
+            <a:prstGeom prst="ellipse">
+              <a:avLst/>
+            </a:prstGeom>
+            <a:noFill/>
+            <a:ln>
+              <a:noFill/>
+            </a:ln>
+          </p:spPr>
+          <p:style>
+            <a:lnRef idx="2">
+              <a:schemeClr val="accent1">
+                <a:shade val="50000"/>
+              </a:schemeClr>
+            </a:lnRef>
+            <a:fillRef idx="1">
+              <a:schemeClr val="accent1"/>
+            </a:fillRef>
+            <a:effectRef idx="0">
+              <a:schemeClr val="accent1"/>
+            </a:effectRef>
+            <a:fontRef idx="minor">
+              <a:schemeClr val="lt1"/>
+            </a:fontRef>
+          </p:style>
+          <p:txBody>
+            <a:bodyPr rtlCol="0" anchor="ctr"/>
+            <a:lstStyle/>
+            <a:p>
+              <a:pPr algn="ctr"/>
+              <a:r>
+                <a:rPr lang="el-GR" dirty="0">
+                  <a:solidFill>
+                    <a:schemeClr val="tx1"/>
+                  </a:solidFill>
+                </a:rPr>
+                <a:t>γ</a:t>
+              </a:r>
+              <a:r>
+                <a:rPr lang="en-US" sz="1600" baseline="-25000" dirty="0">
+                  <a:solidFill>
+                    <a:schemeClr val="tx1"/>
+                  </a:solidFill>
+                </a:rPr>
+                <a:t>1</a:t>
+              </a:r>
+            </a:p>
+          </p:txBody>
+        </p:sp>
+        <p:sp>
+          <p:nvSpPr>
+            <p:cNvPr id="83" name="Oval 82">
+              <a:extLst>
+                <a:ext uri="{FF2B5EF4-FFF2-40B4-BE49-F238E27FC236}">
+                  <a16:creationId xmlns:a16="http://schemas.microsoft.com/office/drawing/2014/main" id="{97639B86-BDB4-411A-8224-10B12C623B85}"/>
+                </a:ext>
+              </a:extLst>
+            </p:cNvPr>
+            <p:cNvSpPr/>
+            <p:nvPr/>
+          </p:nvSpPr>
+          <p:spPr>
+            <a:xfrm>
+              <a:off x="3647767" y="2533957"/>
+              <a:ext cx="560435" cy="474406"/>
+            </a:xfrm>
+            <a:prstGeom prst="ellipse">
+              <a:avLst/>
+            </a:prstGeom>
+            <a:noFill/>
+            <a:ln>
+              <a:noFill/>
+            </a:ln>
+          </p:spPr>
+          <p:style>
+            <a:lnRef idx="2">
+              <a:schemeClr val="accent1">
+                <a:shade val="50000"/>
+              </a:schemeClr>
+            </a:lnRef>
+            <a:fillRef idx="1">
+              <a:schemeClr val="accent1"/>
+            </a:fillRef>
+            <a:effectRef idx="0">
+              <a:schemeClr val="accent1"/>
+            </a:effectRef>
+            <a:fontRef idx="minor">
+              <a:schemeClr val="lt1"/>
+            </a:fontRef>
+          </p:style>
+          <p:txBody>
+            <a:bodyPr rtlCol="0" anchor="ctr"/>
+            <a:lstStyle/>
+            <a:p>
+              <a:pPr algn="ctr"/>
+              <a:r>
+                <a:rPr lang="el-GR" sz="1600" dirty="0">
+                  <a:solidFill>
+                    <a:schemeClr val="tx1"/>
+                  </a:solidFill>
+                </a:rPr>
                 <a:t>λ</a:t>
               </a:r>
               <a:r>
@@ -11401,456 +13775,131 @@
                     <a:schemeClr val="tx1"/>
                   </a:solidFill>
                 </a:rPr>
-                <a:t>3</a:t>
+                <a:t>6</a:t>
+              </a:r>
+              <a:endParaRPr lang="en-US" sz="1400" baseline="-25000" dirty="0">
+                <a:solidFill>
+                  <a:schemeClr val="tx1"/>
+                </a:solidFill>
+              </a:endParaRPr>
+            </a:p>
+          </p:txBody>
+        </p:sp>
+        <p:cxnSp>
+          <p:nvCxnSpPr>
+            <p:cNvPr id="89" name="Connector: Curved 88">
+              <a:extLst>
+                <a:ext uri="{FF2B5EF4-FFF2-40B4-BE49-F238E27FC236}">
+                  <a16:creationId xmlns:a16="http://schemas.microsoft.com/office/drawing/2014/main" id="{6EB85C2F-649D-4F1A-819E-A388EBBADEF7}"/>
+                </a:ext>
+              </a:extLst>
+            </p:cNvPr>
+            <p:cNvCxnSpPr>
+              <a:cxnSpLocks/>
+              <a:stCxn id="6" idx="5"/>
+              <a:endCxn id="7" idx="3"/>
+            </p:cNvCxnSpPr>
+            <p:nvPr/>
+          </p:nvCxnSpPr>
+          <p:spPr>
+            <a:xfrm rot="16200000" flipH="1">
+              <a:off x="5611041" y="2280923"/>
+              <a:ext cx="1440" cy="3604476"/>
+            </a:xfrm>
+            <a:prstGeom prst="curvedConnector3">
+              <a:avLst>
+                <a:gd name="adj1" fmla="val 25974306"/>
+              </a:avLst>
+            </a:prstGeom>
+            <a:ln>
+              <a:solidFill>
+                <a:schemeClr val="tx1"/>
+              </a:solidFill>
+              <a:headEnd type="triangle"/>
+              <a:tailEnd type="triangle"/>
+            </a:ln>
+          </p:spPr>
+          <p:style>
+            <a:lnRef idx="1">
+              <a:schemeClr val="accent1"/>
+            </a:lnRef>
+            <a:fillRef idx="0">
+              <a:schemeClr val="accent1"/>
+            </a:fillRef>
+            <a:effectRef idx="0">
+              <a:schemeClr val="accent1"/>
+            </a:effectRef>
+            <a:fontRef idx="minor">
+              <a:schemeClr val="tx1"/>
+            </a:fontRef>
+          </p:style>
+        </p:cxnSp>
+        <p:sp>
+          <p:nvSpPr>
+            <p:cNvPr id="92" name="Oval 91">
+              <a:extLst>
+                <a:ext uri="{FF2B5EF4-FFF2-40B4-BE49-F238E27FC236}">
+                  <a16:creationId xmlns:a16="http://schemas.microsoft.com/office/drawing/2014/main" id="{15EED070-CA15-4EB8-AB1B-8F3010DF1CED}"/>
+                </a:ext>
+              </a:extLst>
+            </p:cNvPr>
+            <p:cNvSpPr/>
+            <p:nvPr/>
+          </p:nvSpPr>
+          <p:spPr>
+            <a:xfrm>
+              <a:off x="5337893" y="4050272"/>
+              <a:ext cx="560435" cy="474406"/>
+            </a:xfrm>
+            <a:prstGeom prst="ellipse">
+              <a:avLst/>
+            </a:prstGeom>
+            <a:noFill/>
+            <a:ln>
+              <a:noFill/>
+            </a:ln>
+          </p:spPr>
+          <p:style>
+            <a:lnRef idx="2">
+              <a:schemeClr val="accent1">
+                <a:shade val="50000"/>
+              </a:schemeClr>
+            </a:lnRef>
+            <a:fillRef idx="1">
+              <a:schemeClr val="accent1"/>
+            </a:fillRef>
+            <a:effectRef idx="0">
+              <a:schemeClr val="accent1"/>
+            </a:effectRef>
+            <a:fontRef idx="minor">
+              <a:schemeClr val="lt1"/>
+            </a:fontRef>
+          </p:style>
+          <p:txBody>
+            <a:bodyPr rtlCol="0" anchor="ctr"/>
+            <a:lstStyle/>
+            <a:p>
+              <a:pPr algn="ctr"/>
+              <a:r>
+                <a:rPr lang="el-GR" dirty="0">
+                  <a:solidFill>
+                    <a:schemeClr val="tx1"/>
+                  </a:solidFill>
+                </a:rPr>
+                <a:t>φ</a:t>
+              </a:r>
+              <a:r>
+                <a:rPr lang="en-US" sz="1400" baseline="-25000" dirty="0">
+                  <a:solidFill>
+                    <a:schemeClr val="tx1"/>
+                  </a:solidFill>
+                </a:rPr>
+                <a:t>1</a:t>
               </a:r>
             </a:p>
           </p:txBody>
         </p:sp>
       </p:grpSp>
-      <p:sp>
-        <p:nvSpPr>
-          <p:cNvPr id="79" name="Oval 78">
-            <a:extLst>
-              <a:ext uri="{FF2B5EF4-FFF2-40B4-BE49-F238E27FC236}">
-                <a16:creationId xmlns:a16="http://schemas.microsoft.com/office/drawing/2014/main" id="{A4E49732-0040-4F55-A78E-1195C65E1661}"/>
-              </a:ext>
-            </a:extLst>
-          </p:cNvPr>
-          <p:cNvSpPr/>
-          <p:nvPr/>
-        </p:nvSpPr>
-        <p:spPr>
-          <a:xfrm>
-            <a:off x="8318573" y="3121432"/>
-            <a:ext cx="560435" cy="474406"/>
-          </a:xfrm>
-          <a:prstGeom prst="ellipse">
-            <a:avLst/>
-          </a:prstGeom>
-          <a:noFill/>
-          <a:ln>
-            <a:noFill/>
-          </a:ln>
-        </p:spPr>
-        <p:style>
-          <a:lnRef idx="2">
-            <a:schemeClr val="accent1">
-              <a:shade val="50000"/>
-            </a:schemeClr>
-          </a:lnRef>
-          <a:fillRef idx="1">
-            <a:schemeClr val="accent1"/>
-          </a:fillRef>
-          <a:effectRef idx="0">
-            <a:schemeClr val="accent1"/>
-          </a:effectRef>
-          <a:fontRef idx="minor">
-            <a:schemeClr val="lt1"/>
-          </a:fontRef>
-        </p:style>
-        <p:txBody>
-          <a:bodyPr rtlCol="0" anchor="ctr"/>
-          <a:lstStyle/>
-          <a:p>
-            <a:pPr algn="ctr"/>
-            <a:r>
-              <a:rPr lang="el-GR" dirty="0">
-                <a:solidFill>
-                  <a:schemeClr val="tx1"/>
-                </a:solidFill>
-              </a:rPr>
-              <a:t>λ</a:t>
-            </a:r>
-            <a:r>
-              <a:rPr lang="en-US" sz="1600" baseline="-25000" dirty="0">
-                <a:solidFill>
-                  <a:schemeClr val="tx1"/>
-                </a:solidFill>
-              </a:rPr>
-              <a:t>4</a:t>
-            </a:r>
-          </a:p>
-        </p:txBody>
-      </p:sp>
-      <p:sp>
-        <p:nvSpPr>
-          <p:cNvPr id="80" name="Oval 79">
-            <a:extLst>
-              <a:ext uri="{FF2B5EF4-FFF2-40B4-BE49-F238E27FC236}">
-                <a16:creationId xmlns:a16="http://schemas.microsoft.com/office/drawing/2014/main" id="{5767B016-F8E8-458F-A036-74B7AF902867}"/>
-              </a:ext>
-            </a:extLst>
-          </p:cNvPr>
-          <p:cNvSpPr/>
-          <p:nvPr/>
-        </p:nvSpPr>
-        <p:spPr>
-          <a:xfrm>
-            <a:off x="8313894" y="3813069"/>
-            <a:ext cx="560435" cy="474406"/>
-          </a:xfrm>
-          <a:prstGeom prst="ellipse">
-            <a:avLst/>
-          </a:prstGeom>
-          <a:noFill/>
-          <a:ln>
-            <a:noFill/>
-          </a:ln>
-        </p:spPr>
-        <p:style>
-          <a:lnRef idx="2">
-            <a:schemeClr val="accent1">
-              <a:shade val="50000"/>
-            </a:schemeClr>
-          </a:lnRef>
-          <a:fillRef idx="1">
-            <a:schemeClr val="accent1"/>
-          </a:fillRef>
-          <a:effectRef idx="0">
-            <a:schemeClr val="accent1"/>
-          </a:effectRef>
-          <a:fontRef idx="minor">
-            <a:schemeClr val="lt1"/>
-          </a:fontRef>
-        </p:style>
-        <p:txBody>
-          <a:bodyPr rtlCol="0" anchor="ctr"/>
-          <a:lstStyle/>
-          <a:p>
-            <a:pPr algn="ctr"/>
-            <a:r>
-              <a:rPr lang="el-GR" dirty="0">
-                <a:solidFill>
-                  <a:schemeClr val="tx1"/>
-                </a:solidFill>
-              </a:rPr>
-              <a:t>λ</a:t>
-            </a:r>
-            <a:r>
-              <a:rPr lang="en-US" sz="1600" baseline="-25000" dirty="0">
-                <a:solidFill>
-                  <a:schemeClr val="tx1"/>
-                </a:solidFill>
-              </a:rPr>
-              <a:t>5</a:t>
-            </a:r>
-          </a:p>
-        </p:txBody>
-      </p:sp>
-      <p:sp>
-        <p:nvSpPr>
-          <p:cNvPr id="81" name="Oval 80">
-            <a:extLst>
-              <a:ext uri="{FF2B5EF4-FFF2-40B4-BE49-F238E27FC236}">
-                <a16:creationId xmlns:a16="http://schemas.microsoft.com/office/drawing/2014/main" id="{F4E8AED5-76CB-4B68-AD51-69C364CC7C82}"/>
-              </a:ext>
-            </a:extLst>
-          </p:cNvPr>
-          <p:cNvSpPr/>
-          <p:nvPr/>
-        </p:nvSpPr>
-        <p:spPr>
-          <a:xfrm>
-            <a:off x="5356128" y="3261852"/>
-            <a:ext cx="560435" cy="474406"/>
-          </a:xfrm>
-          <a:prstGeom prst="ellipse">
-            <a:avLst/>
-          </a:prstGeom>
-          <a:noFill/>
-          <a:ln>
-            <a:noFill/>
-          </a:ln>
-        </p:spPr>
-        <p:style>
-          <a:lnRef idx="2">
-            <a:schemeClr val="accent1">
-              <a:shade val="50000"/>
-            </a:schemeClr>
-          </a:lnRef>
-          <a:fillRef idx="1">
-            <a:schemeClr val="accent1"/>
-          </a:fillRef>
-          <a:effectRef idx="0">
-            <a:schemeClr val="accent1"/>
-          </a:effectRef>
-          <a:fontRef idx="minor">
-            <a:schemeClr val="lt1"/>
-          </a:fontRef>
-        </p:style>
-        <p:txBody>
-          <a:bodyPr rtlCol="0" anchor="ctr"/>
-          <a:lstStyle/>
-          <a:p>
-            <a:pPr algn="ctr"/>
-            <a:r>
-              <a:rPr lang="el-GR" dirty="0">
-                <a:solidFill>
-                  <a:schemeClr val="tx1"/>
-                </a:solidFill>
-              </a:rPr>
-              <a:t>β</a:t>
-            </a:r>
-            <a:r>
-              <a:rPr lang="en-US" sz="1600" baseline="-25000" dirty="0">
-                <a:solidFill>
-                  <a:schemeClr val="tx1"/>
-                </a:solidFill>
-              </a:rPr>
-              <a:t>1</a:t>
-            </a:r>
-          </a:p>
-        </p:txBody>
-      </p:sp>
-      <p:sp>
-        <p:nvSpPr>
-          <p:cNvPr id="82" name="Oval 81">
-            <a:extLst>
-              <a:ext uri="{FF2B5EF4-FFF2-40B4-BE49-F238E27FC236}">
-                <a16:creationId xmlns:a16="http://schemas.microsoft.com/office/drawing/2014/main" id="{09B43A41-4E30-420F-BE07-CAF4830B7639}"/>
-              </a:ext>
-            </a:extLst>
-          </p:cNvPr>
-          <p:cNvSpPr/>
-          <p:nvPr/>
-        </p:nvSpPr>
-        <p:spPr>
-          <a:xfrm>
-            <a:off x="6897810" y="2415240"/>
-            <a:ext cx="560435" cy="474406"/>
-          </a:xfrm>
-          <a:prstGeom prst="ellipse">
-            <a:avLst/>
-          </a:prstGeom>
-          <a:noFill/>
-          <a:ln>
-            <a:noFill/>
-          </a:ln>
-        </p:spPr>
-        <p:style>
-          <a:lnRef idx="2">
-            <a:schemeClr val="accent1">
-              <a:shade val="50000"/>
-            </a:schemeClr>
-          </a:lnRef>
-          <a:fillRef idx="1">
-            <a:schemeClr val="accent1"/>
-          </a:fillRef>
-          <a:effectRef idx="0">
-            <a:schemeClr val="accent1"/>
-          </a:effectRef>
-          <a:fontRef idx="minor">
-            <a:schemeClr val="lt1"/>
-          </a:fontRef>
-        </p:style>
-        <p:txBody>
-          <a:bodyPr rtlCol="0" anchor="ctr"/>
-          <a:lstStyle/>
-          <a:p>
-            <a:pPr algn="ctr"/>
-            <a:r>
-              <a:rPr lang="el-GR" dirty="0">
-                <a:solidFill>
-                  <a:schemeClr val="tx1"/>
-                </a:solidFill>
-              </a:rPr>
-              <a:t>γ</a:t>
-            </a:r>
-            <a:r>
-              <a:rPr lang="en-US" sz="1600" baseline="-25000" dirty="0">
-                <a:solidFill>
-                  <a:schemeClr val="tx1"/>
-                </a:solidFill>
-              </a:rPr>
-              <a:t>1</a:t>
-            </a:r>
-          </a:p>
-        </p:txBody>
-      </p:sp>
-      <p:sp>
-        <p:nvSpPr>
-          <p:cNvPr id="83" name="Oval 82">
-            <a:extLst>
-              <a:ext uri="{FF2B5EF4-FFF2-40B4-BE49-F238E27FC236}">
-                <a16:creationId xmlns:a16="http://schemas.microsoft.com/office/drawing/2014/main" id="{97639B86-BDB4-411A-8224-10B12C623B85}"/>
-              </a:ext>
-            </a:extLst>
-          </p:cNvPr>
-          <p:cNvSpPr/>
-          <p:nvPr/>
-        </p:nvSpPr>
-        <p:spPr>
-          <a:xfrm>
-            <a:off x="3647767" y="2533957"/>
-            <a:ext cx="560435" cy="474406"/>
-          </a:xfrm>
-          <a:prstGeom prst="ellipse">
-            <a:avLst/>
-          </a:prstGeom>
-          <a:noFill/>
-          <a:ln>
-            <a:noFill/>
-          </a:ln>
-        </p:spPr>
-        <p:style>
-          <a:lnRef idx="2">
-            <a:schemeClr val="accent1">
-              <a:shade val="50000"/>
-            </a:schemeClr>
-          </a:lnRef>
-          <a:fillRef idx="1">
-            <a:schemeClr val="accent1"/>
-          </a:fillRef>
-          <a:effectRef idx="0">
-            <a:schemeClr val="accent1"/>
-          </a:effectRef>
-          <a:fontRef idx="minor">
-            <a:schemeClr val="lt1"/>
-          </a:fontRef>
-        </p:style>
-        <p:txBody>
-          <a:bodyPr rtlCol="0" anchor="ctr"/>
-          <a:lstStyle/>
-          <a:p>
-            <a:pPr algn="ctr"/>
-            <a:r>
-              <a:rPr lang="el-GR" sz="1600" dirty="0">
-                <a:solidFill>
-                  <a:schemeClr val="tx1"/>
-                </a:solidFill>
-              </a:rPr>
-              <a:t>λ</a:t>
-            </a:r>
-            <a:r>
-              <a:rPr lang="en-US" sz="1600" baseline="-25000" dirty="0">
-                <a:solidFill>
-                  <a:schemeClr val="tx1"/>
-                </a:solidFill>
-              </a:rPr>
-              <a:t>6</a:t>
-            </a:r>
-            <a:endParaRPr lang="en-US" sz="1400" baseline="-25000" dirty="0">
-              <a:solidFill>
-                <a:schemeClr val="tx1"/>
-              </a:solidFill>
-            </a:endParaRPr>
-          </a:p>
-        </p:txBody>
-      </p:sp>
-      <p:cxnSp>
-        <p:nvCxnSpPr>
-          <p:cNvPr id="89" name="Connector: Curved 88">
-            <a:extLst>
-              <a:ext uri="{FF2B5EF4-FFF2-40B4-BE49-F238E27FC236}">
-                <a16:creationId xmlns:a16="http://schemas.microsoft.com/office/drawing/2014/main" id="{6EB85C2F-649D-4F1A-819E-A388EBBADEF7}"/>
-              </a:ext>
-            </a:extLst>
-          </p:cNvPr>
-          <p:cNvCxnSpPr>
-            <a:cxnSpLocks/>
-            <a:stCxn id="6" idx="5"/>
-            <a:endCxn id="7" idx="3"/>
-          </p:cNvCxnSpPr>
-          <p:nvPr/>
-        </p:nvCxnSpPr>
-        <p:spPr>
-          <a:xfrm rot="16200000" flipH="1">
-            <a:off x="5611041" y="2280923"/>
-            <a:ext cx="1440" cy="3604476"/>
-          </a:xfrm>
-          <a:prstGeom prst="curvedConnector3">
-            <a:avLst>
-              <a:gd name="adj1" fmla="val 25974306"/>
-            </a:avLst>
-          </a:prstGeom>
-          <a:ln>
-            <a:solidFill>
-              <a:schemeClr val="tx1"/>
-            </a:solidFill>
-            <a:headEnd type="triangle"/>
-            <a:tailEnd type="triangle"/>
-          </a:ln>
-        </p:spPr>
-        <p:style>
-          <a:lnRef idx="1">
-            <a:schemeClr val="accent1"/>
-          </a:lnRef>
-          <a:fillRef idx="0">
-            <a:schemeClr val="accent1"/>
-          </a:fillRef>
-          <a:effectRef idx="0">
-            <a:schemeClr val="accent1"/>
-          </a:effectRef>
-          <a:fontRef idx="minor">
-            <a:schemeClr val="tx1"/>
-          </a:fontRef>
-        </p:style>
-      </p:cxnSp>
-      <p:sp>
-        <p:nvSpPr>
-          <p:cNvPr id="92" name="Oval 91">
-            <a:extLst>
-              <a:ext uri="{FF2B5EF4-FFF2-40B4-BE49-F238E27FC236}">
-                <a16:creationId xmlns:a16="http://schemas.microsoft.com/office/drawing/2014/main" id="{15EED070-CA15-4EB8-AB1B-8F3010DF1CED}"/>
-              </a:ext>
-            </a:extLst>
-          </p:cNvPr>
-          <p:cNvSpPr/>
-          <p:nvPr/>
-        </p:nvSpPr>
-        <p:spPr>
-          <a:xfrm>
-            <a:off x="5337893" y="4050272"/>
-            <a:ext cx="560435" cy="474406"/>
-          </a:xfrm>
-          <a:prstGeom prst="ellipse">
-            <a:avLst/>
-          </a:prstGeom>
-          <a:noFill/>
-          <a:ln>
-            <a:noFill/>
-          </a:ln>
-        </p:spPr>
-        <p:style>
-          <a:lnRef idx="2">
-            <a:schemeClr val="accent1">
-              <a:shade val="50000"/>
-            </a:schemeClr>
-          </a:lnRef>
-          <a:fillRef idx="1">
-            <a:schemeClr val="accent1"/>
-          </a:fillRef>
-          <a:effectRef idx="0">
-            <a:schemeClr val="accent1"/>
-          </a:effectRef>
-          <a:fontRef idx="minor">
-            <a:schemeClr val="lt1"/>
-          </a:fontRef>
-        </p:style>
-        <p:txBody>
-          <a:bodyPr rtlCol="0" anchor="ctr"/>
-          <a:lstStyle/>
-          <a:p>
-            <a:pPr algn="ctr"/>
-            <a:r>
-              <a:rPr lang="el-GR" dirty="0">
-                <a:solidFill>
-                  <a:schemeClr val="tx1"/>
-                </a:solidFill>
-              </a:rPr>
-              <a:t>φ</a:t>
-            </a:r>
-            <a:r>
-              <a:rPr lang="en-US" sz="1400" baseline="-25000" dirty="0">
-                <a:solidFill>
-                  <a:schemeClr val="tx1"/>
-                </a:solidFill>
-              </a:rPr>
-              <a:t>1</a:t>
-            </a:r>
-          </a:p>
-        </p:txBody>
-      </p:sp>
     </p:spTree>
     <p:extLst>
       <p:ext uri="{BB962C8B-B14F-4D97-AF65-F5344CB8AC3E}">
@@ -11865,66 +13914,6 @@
 </file>
 
 <file path=ppt/slides/slide6.xml><?xml version="1.0" encoding="utf-8"?>
-<p:sld xmlns:a="http://schemas.openxmlformats.org/drawingml/2006/main" xmlns:r="http://schemas.openxmlformats.org/officeDocument/2006/relationships" xmlns:p="http://schemas.openxmlformats.org/presentationml/2006/main">
-  <p:cSld>
-    <p:spTree>
-      <p:nvGrpSpPr>
-        <p:cNvPr id="1" name=""/>
-        <p:cNvGrpSpPr/>
-        <p:nvPr/>
-      </p:nvGrpSpPr>
-      <p:grpSpPr>
-        <a:xfrm>
-          <a:off x="0" y="0"/>
-          <a:ext cx="0" cy="0"/>
-          <a:chOff x="0" y="0"/>
-          <a:chExt cx="0" cy="0"/>
-        </a:xfrm>
-      </p:grpSpPr>
-      <p:pic>
-        <p:nvPicPr>
-          <p:cNvPr id="4" name="Picture 3">
-            <a:extLst>
-              <a:ext uri="{FF2B5EF4-FFF2-40B4-BE49-F238E27FC236}">
-                <a16:creationId xmlns:a16="http://schemas.microsoft.com/office/drawing/2014/main" id="{295E0F2B-3C9E-44D8-89FF-D552266D9D3F}"/>
-              </a:ext>
-            </a:extLst>
-          </p:cNvPr>
-          <p:cNvPicPr>
-            <a:picLocks noChangeAspect="1"/>
-          </p:cNvPicPr>
-          <p:nvPr/>
-        </p:nvPicPr>
-        <p:blipFill>
-          <a:blip r:embed="rId2"/>
-          <a:stretch>
-            <a:fillRect/>
-          </a:stretch>
-        </p:blipFill>
-        <p:spPr>
-          <a:xfrm>
-            <a:off x="1787141" y="626117"/>
-            <a:ext cx="7680132" cy="5698843"/>
-          </a:xfrm>
-          <a:prstGeom prst="rect">
-            <a:avLst/>
-          </a:prstGeom>
-        </p:spPr>
-      </p:pic>
-    </p:spTree>
-    <p:extLst>
-      <p:ext uri="{BB962C8B-B14F-4D97-AF65-F5344CB8AC3E}">
-        <p14:creationId xmlns:p14="http://schemas.microsoft.com/office/powerpoint/2010/main" val="2004061840"/>
-      </p:ext>
-    </p:extLst>
-  </p:cSld>
-  <p:clrMapOvr>
-    <a:masterClrMapping/>
-  </p:clrMapOvr>
-</p:sld>
-</file>
-
-<file path=ppt/slides/slide7.xml><?xml version="1.0" encoding="utf-8"?>
 <p:sld xmlns:a="http://schemas.openxmlformats.org/drawingml/2006/main" xmlns:r="http://schemas.openxmlformats.org/officeDocument/2006/relationships" xmlns:p="http://schemas.openxmlformats.org/presentationml/2006/main">
   <p:cSld>
     <p:spTree>
@@ -15607,7 +17596,7 @@
 </p:sld>
 </file>
 
-<file path=ppt/slides/slide8.xml><?xml version="1.0" encoding="utf-8"?>
+<file path=ppt/slides/slide7.xml><?xml version="1.0" encoding="utf-8"?>
 <p:sld xmlns:a="http://schemas.openxmlformats.org/drawingml/2006/main" xmlns:r="http://schemas.openxmlformats.org/officeDocument/2006/relationships" xmlns:p="http://schemas.openxmlformats.org/presentationml/2006/main">
   <p:cSld>
     <p:spTree>
@@ -17080,7 +19069,7 @@
 </p:sld>
 </file>
 
-<file path=ppt/slides/slide9.xml><?xml version="1.0" encoding="utf-8"?>
+<file path=ppt/slides/slide8.xml><?xml version="1.0" encoding="utf-8"?>
 <p:sld xmlns:a="http://schemas.openxmlformats.org/drawingml/2006/main" xmlns:r="http://schemas.openxmlformats.org/officeDocument/2006/relationships" xmlns:p="http://schemas.openxmlformats.org/presentationml/2006/main">
   <p:cSld>
     <p:spTree>
@@ -18855,6 +20844,1098 @@
     <p:extLst>
       <p:ext uri="{BB962C8B-B14F-4D97-AF65-F5344CB8AC3E}">
         <p14:creationId xmlns:p14="http://schemas.microsoft.com/office/powerpoint/2010/main" val="1217828002"/>
+      </p:ext>
+    </p:extLst>
+  </p:cSld>
+  <p:clrMapOvr>
+    <a:masterClrMapping/>
+  </p:clrMapOvr>
+</p:sld>
+</file>
+
+<file path=ppt/slides/slide9.xml><?xml version="1.0" encoding="utf-8"?>
+<p:sld xmlns:a="http://schemas.openxmlformats.org/drawingml/2006/main" xmlns:r="http://schemas.openxmlformats.org/officeDocument/2006/relationships" xmlns:p="http://schemas.openxmlformats.org/presentationml/2006/main">
+  <p:cSld>
+    <p:spTree>
+      <p:nvGrpSpPr>
+        <p:cNvPr id="1" name=""/>
+        <p:cNvGrpSpPr/>
+        <p:nvPr/>
+      </p:nvGrpSpPr>
+      <p:grpSpPr>
+        <a:xfrm>
+          <a:off x="0" y="0"/>
+          <a:ext cx="0" cy="0"/>
+          <a:chOff x="0" y="0"/>
+          <a:chExt cx="0" cy="0"/>
+        </a:xfrm>
+      </p:grpSpPr>
+      <p:sp>
+        <p:nvSpPr>
+          <p:cNvPr id="4" name="Oval 3">
+            <a:extLst>
+              <a:ext uri="{FF2B5EF4-FFF2-40B4-BE49-F238E27FC236}">
+                <a16:creationId xmlns:a16="http://schemas.microsoft.com/office/drawing/2014/main" id="{B83C8538-8FF1-44D9-B3F5-7349E88C1823}"/>
+              </a:ext>
+            </a:extLst>
+          </p:cNvPr>
+          <p:cNvSpPr/>
+          <p:nvPr/>
+        </p:nvSpPr>
+        <p:spPr>
+          <a:xfrm>
+            <a:off x="7071685" y="3021417"/>
+            <a:ext cx="1675151" cy="1687831"/>
+          </a:xfrm>
+          <a:prstGeom prst="ellipse">
+            <a:avLst/>
+          </a:prstGeom>
+          <a:noFill/>
+          <a:ln>
+            <a:solidFill>
+              <a:schemeClr val="tx1"/>
+            </a:solidFill>
+          </a:ln>
+        </p:spPr>
+        <p:style>
+          <a:lnRef idx="2">
+            <a:schemeClr val="accent1">
+              <a:shade val="50000"/>
+            </a:schemeClr>
+          </a:lnRef>
+          <a:fillRef idx="1">
+            <a:schemeClr val="accent1"/>
+          </a:fillRef>
+          <a:effectRef idx="0">
+            <a:schemeClr val="accent1"/>
+          </a:effectRef>
+          <a:fontRef idx="minor">
+            <a:schemeClr val="lt1"/>
+          </a:fontRef>
+        </p:style>
+        <p:txBody>
+          <a:bodyPr rtlCol="0" anchor="ctr"/>
+          <a:lstStyle/>
+          <a:p>
+            <a:pPr algn="ctr"/>
+            <a:r>
+              <a:rPr lang="en-US" sz="1600" dirty="0">
+                <a:solidFill>
+                  <a:schemeClr val="tx1"/>
+                </a:solidFill>
+              </a:rPr>
+              <a:t>dem60</a:t>
+            </a:r>
+          </a:p>
+        </p:txBody>
+      </p:sp>
+      <p:sp>
+        <p:nvSpPr>
+          <p:cNvPr id="5" name="Rectangle 4">
+            <a:extLst>
+              <a:ext uri="{FF2B5EF4-FFF2-40B4-BE49-F238E27FC236}">
+                <a16:creationId xmlns:a16="http://schemas.microsoft.com/office/drawing/2014/main" id="{DA8A94D2-EA33-4DFF-A675-1A533927716A}"/>
+              </a:ext>
+            </a:extLst>
+          </p:cNvPr>
+          <p:cNvSpPr/>
+          <p:nvPr/>
+        </p:nvSpPr>
+        <p:spPr>
+          <a:xfrm>
+            <a:off x="4818384" y="2739494"/>
+            <a:ext cx="963583" cy="504495"/>
+          </a:xfrm>
+          <a:prstGeom prst="rect">
+            <a:avLst/>
+          </a:prstGeom>
+          <a:noFill/>
+          <a:ln>
+            <a:solidFill>
+              <a:schemeClr val="tx1"/>
+            </a:solidFill>
+          </a:ln>
+        </p:spPr>
+        <p:style>
+          <a:lnRef idx="2">
+            <a:schemeClr val="accent1">
+              <a:shade val="50000"/>
+            </a:schemeClr>
+          </a:lnRef>
+          <a:fillRef idx="1">
+            <a:schemeClr val="accent1"/>
+          </a:fillRef>
+          <a:effectRef idx="0">
+            <a:schemeClr val="accent1"/>
+          </a:effectRef>
+          <a:fontRef idx="minor">
+            <a:schemeClr val="lt1"/>
+          </a:fontRef>
+        </p:style>
+        <p:txBody>
+          <a:bodyPr rtlCol="0" anchor="ctr"/>
+          <a:lstStyle/>
+          <a:p>
+            <a:pPr algn="ctr"/>
+            <a:r>
+              <a:rPr lang="en-US" sz="1400" dirty="0">
+                <a:solidFill>
+                  <a:schemeClr val="tx1"/>
+                </a:solidFill>
+              </a:rPr>
+              <a:t>y2</a:t>
+            </a:r>
+          </a:p>
+        </p:txBody>
+      </p:sp>
+      <p:sp>
+        <p:nvSpPr>
+          <p:cNvPr id="6" name="Rectangle 5">
+            <a:extLst>
+              <a:ext uri="{FF2B5EF4-FFF2-40B4-BE49-F238E27FC236}">
+                <a16:creationId xmlns:a16="http://schemas.microsoft.com/office/drawing/2014/main" id="{55DE9CBE-3DD3-46B5-8123-9576A924636F}"/>
+              </a:ext>
+            </a:extLst>
+          </p:cNvPr>
+          <p:cNvSpPr/>
+          <p:nvPr/>
+        </p:nvSpPr>
+        <p:spPr>
+          <a:xfrm>
+            <a:off x="4797999" y="3599173"/>
+            <a:ext cx="963581" cy="517478"/>
+          </a:xfrm>
+          <a:prstGeom prst="rect">
+            <a:avLst/>
+          </a:prstGeom>
+          <a:noFill/>
+          <a:ln>
+            <a:solidFill>
+              <a:schemeClr val="tx1"/>
+            </a:solidFill>
+          </a:ln>
+        </p:spPr>
+        <p:style>
+          <a:lnRef idx="2">
+            <a:schemeClr val="accent1">
+              <a:shade val="50000"/>
+            </a:schemeClr>
+          </a:lnRef>
+          <a:fillRef idx="1">
+            <a:schemeClr val="accent1"/>
+          </a:fillRef>
+          <a:effectRef idx="0">
+            <a:schemeClr val="accent1"/>
+          </a:effectRef>
+          <a:fontRef idx="minor">
+            <a:schemeClr val="lt1"/>
+          </a:fontRef>
+        </p:style>
+        <p:txBody>
+          <a:bodyPr rtlCol="0" anchor="ctr"/>
+          <a:lstStyle/>
+          <a:p>
+            <a:pPr algn="ctr"/>
+            <a:r>
+              <a:rPr lang="en-US" sz="1400" dirty="0">
+                <a:solidFill>
+                  <a:schemeClr val="tx1"/>
+                </a:solidFill>
+              </a:rPr>
+              <a:t>y3</a:t>
+            </a:r>
+          </a:p>
+        </p:txBody>
+      </p:sp>
+      <p:sp>
+        <p:nvSpPr>
+          <p:cNvPr id="7" name="Rectangle 6">
+            <a:extLst>
+              <a:ext uri="{FF2B5EF4-FFF2-40B4-BE49-F238E27FC236}">
+                <a16:creationId xmlns:a16="http://schemas.microsoft.com/office/drawing/2014/main" id="{C23D9D5E-2D83-4966-8E2E-5569D0FA546E}"/>
+              </a:ext>
+            </a:extLst>
+          </p:cNvPr>
+          <p:cNvSpPr/>
+          <p:nvPr/>
+        </p:nvSpPr>
+        <p:spPr>
+          <a:xfrm>
+            <a:off x="4818382" y="4427323"/>
+            <a:ext cx="963583" cy="504495"/>
+          </a:xfrm>
+          <a:prstGeom prst="rect">
+            <a:avLst/>
+          </a:prstGeom>
+          <a:noFill/>
+          <a:ln>
+            <a:solidFill>
+              <a:schemeClr val="tx1"/>
+            </a:solidFill>
+          </a:ln>
+        </p:spPr>
+        <p:style>
+          <a:lnRef idx="2">
+            <a:schemeClr val="accent1">
+              <a:shade val="50000"/>
+            </a:schemeClr>
+          </a:lnRef>
+          <a:fillRef idx="1">
+            <a:schemeClr val="accent1"/>
+          </a:fillRef>
+          <a:effectRef idx="0">
+            <a:schemeClr val="accent1"/>
+          </a:effectRef>
+          <a:fontRef idx="minor">
+            <a:schemeClr val="lt1"/>
+          </a:fontRef>
+        </p:style>
+        <p:txBody>
+          <a:bodyPr rtlCol="0" anchor="ctr"/>
+          <a:lstStyle/>
+          <a:p>
+            <a:pPr algn="ctr"/>
+            <a:r>
+              <a:rPr lang="en-US" sz="1400" dirty="0">
+                <a:solidFill>
+                  <a:schemeClr val="tx1"/>
+                </a:solidFill>
+              </a:rPr>
+              <a:t>y4</a:t>
+            </a:r>
+          </a:p>
+        </p:txBody>
+      </p:sp>
+      <p:sp>
+        <p:nvSpPr>
+          <p:cNvPr id="9" name="Rectangle 8">
+            <a:extLst>
+              <a:ext uri="{FF2B5EF4-FFF2-40B4-BE49-F238E27FC236}">
+                <a16:creationId xmlns:a16="http://schemas.microsoft.com/office/drawing/2014/main" id="{B13B4E9E-6A4A-4CC8-9D93-E25E220CCEE1}"/>
+              </a:ext>
+            </a:extLst>
+          </p:cNvPr>
+          <p:cNvSpPr/>
+          <p:nvPr/>
+        </p:nvSpPr>
+        <p:spPr>
+          <a:xfrm>
+            <a:off x="4818382" y="1933603"/>
+            <a:ext cx="963583" cy="504495"/>
+          </a:xfrm>
+          <a:prstGeom prst="rect">
+            <a:avLst/>
+          </a:prstGeom>
+          <a:noFill/>
+          <a:ln>
+            <a:solidFill>
+              <a:schemeClr val="tx1"/>
+            </a:solidFill>
+          </a:ln>
+        </p:spPr>
+        <p:style>
+          <a:lnRef idx="2">
+            <a:schemeClr val="accent1">
+              <a:shade val="50000"/>
+            </a:schemeClr>
+          </a:lnRef>
+          <a:fillRef idx="1">
+            <a:schemeClr val="accent1"/>
+          </a:fillRef>
+          <a:effectRef idx="0">
+            <a:schemeClr val="accent1"/>
+          </a:effectRef>
+          <a:fontRef idx="minor">
+            <a:schemeClr val="lt1"/>
+          </a:fontRef>
+        </p:style>
+        <p:txBody>
+          <a:bodyPr rtlCol="0" anchor="ctr"/>
+          <a:lstStyle/>
+          <a:p>
+            <a:pPr algn="ctr"/>
+            <a:r>
+              <a:rPr lang="en-US" sz="1400" dirty="0">
+                <a:solidFill>
+                  <a:schemeClr val="tx1"/>
+                </a:solidFill>
+              </a:rPr>
+              <a:t>y1</a:t>
+            </a:r>
+            <a:endParaRPr lang="en-US" dirty="0">
+              <a:solidFill>
+                <a:schemeClr val="tx1"/>
+              </a:solidFill>
+            </a:endParaRPr>
+          </a:p>
+        </p:txBody>
+      </p:sp>
+      <p:cxnSp>
+        <p:nvCxnSpPr>
+          <p:cNvPr id="10" name="Straight Arrow Connector 9">
+            <a:extLst>
+              <a:ext uri="{FF2B5EF4-FFF2-40B4-BE49-F238E27FC236}">
+                <a16:creationId xmlns:a16="http://schemas.microsoft.com/office/drawing/2014/main" id="{226CE01C-BE27-4703-8EC6-EE4194C7F817}"/>
+              </a:ext>
+            </a:extLst>
+          </p:cNvPr>
+          <p:cNvCxnSpPr>
+            <a:cxnSpLocks/>
+            <a:stCxn id="4" idx="2"/>
+            <a:endCxn id="9" idx="3"/>
+          </p:cNvCxnSpPr>
+          <p:nvPr/>
+        </p:nvCxnSpPr>
+        <p:spPr>
+          <a:xfrm flipH="1" flipV="1">
+            <a:off x="5781965" y="2185851"/>
+            <a:ext cx="1289720" cy="1679482"/>
+          </a:xfrm>
+          <a:prstGeom prst="straightConnector1">
+            <a:avLst/>
+          </a:prstGeom>
+          <a:ln>
+            <a:solidFill>
+              <a:schemeClr val="tx1"/>
+            </a:solidFill>
+            <a:tailEnd type="triangle"/>
+          </a:ln>
+        </p:spPr>
+        <p:style>
+          <a:lnRef idx="1">
+            <a:schemeClr val="accent1"/>
+          </a:lnRef>
+          <a:fillRef idx="0">
+            <a:schemeClr val="accent1"/>
+          </a:fillRef>
+          <a:effectRef idx="0">
+            <a:schemeClr val="accent1"/>
+          </a:effectRef>
+          <a:fontRef idx="minor">
+            <a:schemeClr val="tx1"/>
+          </a:fontRef>
+        </p:style>
+      </p:cxnSp>
+      <p:cxnSp>
+        <p:nvCxnSpPr>
+          <p:cNvPr id="11" name="Straight Arrow Connector 10">
+            <a:extLst>
+              <a:ext uri="{FF2B5EF4-FFF2-40B4-BE49-F238E27FC236}">
+                <a16:creationId xmlns:a16="http://schemas.microsoft.com/office/drawing/2014/main" id="{5AF581AC-39EC-4676-86A5-B98AAAAE1313}"/>
+              </a:ext>
+            </a:extLst>
+          </p:cNvPr>
+          <p:cNvCxnSpPr>
+            <a:cxnSpLocks/>
+            <a:stCxn id="4" idx="2"/>
+            <a:endCxn id="5" idx="3"/>
+          </p:cNvCxnSpPr>
+          <p:nvPr/>
+        </p:nvCxnSpPr>
+        <p:spPr>
+          <a:xfrm flipH="1" flipV="1">
+            <a:off x="5781966" y="2991742"/>
+            <a:ext cx="1289719" cy="873592"/>
+          </a:xfrm>
+          <a:prstGeom prst="straightConnector1">
+            <a:avLst/>
+          </a:prstGeom>
+          <a:ln>
+            <a:solidFill>
+              <a:schemeClr val="tx1"/>
+            </a:solidFill>
+            <a:tailEnd type="triangle"/>
+          </a:ln>
+        </p:spPr>
+        <p:style>
+          <a:lnRef idx="1">
+            <a:schemeClr val="accent1"/>
+          </a:lnRef>
+          <a:fillRef idx="0">
+            <a:schemeClr val="accent1"/>
+          </a:fillRef>
+          <a:effectRef idx="0">
+            <a:schemeClr val="accent1"/>
+          </a:effectRef>
+          <a:fontRef idx="minor">
+            <a:schemeClr val="tx1"/>
+          </a:fontRef>
+        </p:style>
+      </p:cxnSp>
+      <p:cxnSp>
+        <p:nvCxnSpPr>
+          <p:cNvPr id="12" name="Straight Arrow Connector 11">
+            <a:extLst>
+              <a:ext uri="{FF2B5EF4-FFF2-40B4-BE49-F238E27FC236}">
+                <a16:creationId xmlns:a16="http://schemas.microsoft.com/office/drawing/2014/main" id="{ABFE9D0B-A571-434A-8FB3-CEB86427B906}"/>
+              </a:ext>
+            </a:extLst>
+          </p:cNvPr>
+          <p:cNvCxnSpPr>
+            <a:cxnSpLocks/>
+            <a:stCxn id="4" idx="2"/>
+            <a:endCxn id="6" idx="3"/>
+          </p:cNvCxnSpPr>
+          <p:nvPr/>
+        </p:nvCxnSpPr>
+        <p:spPr>
+          <a:xfrm flipH="1" flipV="1">
+            <a:off x="5761581" y="3857912"/>
+            <a:ext cx="1310105" cy="7422"/>
+          </a:xfrm>
+          <a:prstGeom prst="straightConnector1">
+            <a:avLst/>
+          </a:prstGeom>
+          <a:ln>
+            <a:solidFill>
+              <a:schemeClr val="tx1"/>
+            </a:solidFill>
+            <a:tailEnd type="triangle"/>
+          </a:ln>
+        </p:spPr>
+        <p:style>
+          <a:lnRef idx="1">
+            <a:schemeClr val="accent1"/>
+          </a:lnRef>
+          <a:fillRef idx="0">
+            <a:schemeClr val="accent1"/>
+          </a:fillRef>
+          <a:effectRef idx="0">
+            <a:schemeClr val="accent1"/>
+          </a:effectRef>
+          <a:fontRef idx="minor">
+            <a:schemeClr val="tx1"/>
+          </a:fontRef>
+        </p:style>
+      </p:cxnSp>
+      <p:cxnSp>
+        <p:nvCxnSpPr>
+          <p:cNvPr id="13" name="Straight Arrow Connector 12">
+            <a:extLst>
+              <a:ext uri="{FF2B5EF4-FFF2-40B4-BE49-F238E27FC236}">
+                <a16:creationId xmlns:a16="http://schemas.microsoft.com/office/drawing/2014/main" id="{D7895D3C-0326-481E-A1F4-21AC12FDD442}"/>
+              </a:ext>
+            </a:extLst>
+          </p:cNvPr>
+          <p:cNvCxnSpPr>
+            <a:cxnSpLocks/>
+            <a:stCxn id="4" idx="2"/>
+            <a:endCxn id="7" idx="3"/>
+          </p:cNvCxnSpPr>
+          <p:nvPr/>
+        </p:nvCxnSpPr>
+        <p:spPr>
+          <a:xfrm flipH="1">
+            <a:off x="5781965" y="3865333"/>
+            <a:ext cx="1289720" cy="814238"/>
+          </a:xfrm>
+          <a:prstGeom prst="straightConnector1">
+            <a:avLst/>
+          </a:prstGeom>
+          <a:ln>
+            <a:solidFill>
+              <a:schemeClr val="tx1"/>
+            </a:solidFill>
+            <a:tailEnd type="triangle"/>
+          </a:ln>
+        </p:spPr>
+        <p:style>
+          <a:lnRef idx="1">
+            <a:schemeClr val="accent1"/>
+          </a:lnRef>
+          <a:fillRef idx="0">
+            <a:schemeClr val="accent1"/>
+          </a:fillRef>
+          <a:effectRef idx="0">
+            <a:schemeClr val="accent1"/>
+          </a:effectRef>
+          <a:fontRef idx="minor">
+            <a:schemeClr val="tx1"/>
+          </a:fontRef>
+        </p:style>
+      </p:cxnSp>
+      <p:sp>
+        <p:nvSpPr>
+          <p:cNvPr id="15" name="Oval 14">
+            <a:extLst>
+              <a:ext uri="{FF2B5EF4-FFF2-40B4-BE49-F238E27FC236}">
+                <a16:creationId xmlns:a16="http://schemas.microsoft.com/office/drawing/2014/main" id="{12619037-73DA-4BFB-AFC6-10AAAFFB0FCD}"/>
+              </a:ext>
+            </a:extLst>
+          </p:cNvPr>
+          <p:cNvSpPr/>
+          <p:nvPr/>
+        </p:nvSpPr>
+        <p:spPr>
+          <a:xfrm>
+            <a:off x="3680615" y="1933603"/>
+            <a:ext cx="504027" cy="511915"/>
+          </a:xfrm>
+          <a:prstGeom prst="ellipse">
+            <a:avLst/>
+          </a:prstGeom>
+          <a:noFill/>
+          <a:ln>
+            <a:solidFill>
+              <a:schemeClr val="tx1"/>
+            </a:solidFill>
+          </a:ln>
+        </p:spPr>
+        <p:style>
+          <a:lnRef idx="2">
+            <a:schemeClr val="accent1">
+              <a:shade val="50000"/>
+            </a:schemeClr>
+          </a:lnRef>
+          <a:fillRef idx="1">
+            <a:schemeClr val="accent1"/>
+          </a:fillRef>
+          <a:effectRef idx="0">
+            <a:schemeClr val="accent1"/>
+          </a:effectRef>
+          <a:fontRef idx="minor">
+            <a:schemeClr val="lt1"/>
+          </a:fontRef>
+        </p:style>
+        <p:txBody>
+          <a:bodyPr rtlCol="0" anchor="ctr"/>
+          <a:lstStyle/>
+          <a:p>
+            <a:pPr algn="ctr"/>
+            <a:r>
+              <a:rPr lang="en-US" dirty="0">
+                <a:solidFill>
+                  <a:schemeClr val="tx1"/>
+                </a:solidFill>
+              </a:rPr>
+              <a:t>e</a:t>
+            </a:r>
+          </a:p>
+        </p:txBody>
+      </p:sp>
+      <p:cxnSp>
+        <p:nvCxnSpPr>
+          <p:cNvPr id="16" name="Straight Arrow Connector 15">
+            <a:extLst>
+              <a:ext uri="{FF2B5EF4-FFF2-40B4-BE49-F238E27FC236}">
+                <a16:creationId xmlns:a16="http://schemas.microsoft.com/office/drawing/2014/main" id="{68F680C3-0F65-4893-A148-F2CC8B44D6CA}"/>
+              </a:ext>
+            </a:extLst>
+          </p:cNvPr>
+          <p:cNvCxnSpPr>
+            <a:cxnSpLocks/>
+            <a:stCxn id="15" idx="6"/>
+            <a:endCxn id="9" idx="1"/>
+          </p:cNvCxnSpPr>
+          <p:nvPr/>
+        </p:nvCxnSpPr>
+        <p:spPr>
+          <a:xfrm flipV="1">
+            <a:off x="4184642" y="2185851"/>
+            <a:ext cx="633741" cy="3709"/>
+          </a:xfrm>
+          <a:prstGeom prst="straightConnector1">
+            <a:avLst/>
+          </a:prstGeom>
+          <a:ln>
+            <a:solidFill>
+              <a:schemeClr val="tx1"/>
+            </a:solidFill>
+            <a:tailEnd type="triangle"/>
+          </a:ln>
+        </p:spPr>
+        <p:style>
+          <a:lnRef idx="1">
+            <a:schemeClr val="accent1"/>
+          </a:lnRef>
+          <a:fillRef idx="0">
+            <a:schemeClr val="accent1"/>
+          </a:fillRef>
+          <a:effectRef idx="0">
+            <a:schemeClr val="accent1"/>
+          </a:effectRef>
+          <a:fontRef idx="minor">
+            <a:schemeClr val="tx1"/>
+          </a:fontRef>
+        </p:style>
+      </p:cxnSp>
+      <p:sp>
+        <p:nvSpPr>
+          <p:cNvPr id="17" name="Oval 16">
+            <a:extLst>
+              <a:ext uri="{FF2B5EF4-FFF2-40B4-BE49-F238E27FC236}">
+                <a16:creationId xmlns:a16="http://schemas.microsoft.com/office/drawing/2014/main" id="{84807ACF-76C8-4D19-B37F-328F39CE1470}"/>
+              </a:ext>
+            </a:extLst>
+          </p:cNvPr>
+          <p:cNvSpPr/>
+          <p:nvPr/>
+        </p:nvSpPr>
+        <p:spPr>
+          <a:xfrm>
+            <a:off x="3689880" y="2822956"/>
+            <a:ext cx="504027" cy="511915"/>
+          </a:xfrm>
+          <a:prstGeom prst="ellipse">
+            <a:avLst/>
+          </a:prstGeom>
+          <a:noFill/>
+          <a:ln>
+            <a:solidFill>
+              <a:schemeClr val="tx1"/>
+            </a:solidFill>
+          </a:ln>
+        </p:spPr>
+        <p:style>
+          <a:lnRef idx="2">
+            <a:schemeClr val="accent1">
+              <a:shade val="50000"/>
+            </a:schemeClr>
+          </a:lnRef>
+          <a:fillRef idx="1">
+            <a:schemeClr val="accent1"/>
+          </a:fillRef>
+          <a:effectRef idx="0">
+            <a:schemeClr val="accent1"/>
+          </a:effectRef>
+          <a:fontRef idx="minor">
+            <a:schemeClr val="lt1"/>
+          </a:fontRef>
+        </p:style>
+        <p:txBody>
+          <a:bodyPr rtlCol="0" anchor="ctr"/>
+          <a:lstStyle/>
+          <a:p>
+            <a:pPr algn="ctr"/>
+            <a:r>
+              <a:rPr lang="en-US" dirty="0">
+                <a:solidFill>
+                  <a:schemeClr val="tx1"/>
+                </a:solidFill>
+              </a:rPr>
+              <a:t>e</a:t>
+            </a:r>
+          </a:p>
+        </p:txBody>
+      </p:sp>
+      <p:cxnSp>
+        <p:nvCxnSpPr>
+          <p:cNvPr id="18" name="Straight Arrow Connector 17">
+            <a:extLst>
+              <a:ext uri="{FF2B5EF4-FFF2-40B4-BE49-F238E27FC236}">
+                <a16:creationId xmlns:a16="http://schemas.microsoft.com/office/drawing/2014/main" id="{86E20E4E-49FC-4E61-851E-DEEF0D385B55}"/>
+              </a:ext>
+            </a:extLst>
+          </p:cNvPr>
+          <p:cNvCxnSpPr>
+            <a:stCxn id="17" idx="6"/>
+          </p:cNvCxnSpPr>
+          <p:nvPr/>
+        </p:nvCxnSpPr>
+        <p:spPr>
+          <a:xfrm flipV="1">
+            <a:off x="4193907" y="3075204"/>
+            <a:ext cx="633741" cy="3709"/>
+          </a:xfrm>
+          <a:prstGeom prst="straightConnector1">
+            <a:avLst/>
+          </a:prstGeom>
+          <a:ln>
+            <a:solidFill>
+              <a:schemeClr val="tx1"/>
+            </a:solidFill>
+            <a:tailEnd type="triangle"/>
+          </a:ln>
+        </p:spPr>
+        <p:style>
+          <a:lnRef idx="1">
+            <a:schemeClr val="accent1"/>
+          </a:lnRef>
+          <a:fillRef idx="0">
+            <a:schemeClr val="accent1"/>
+          </a:fillRef>
+          <a:effectRef idx="0">
+            <a:schemeClr val="accent1"/>
+          </a:effectRef>
+          <a:fontRef idx="minor">
+            <a:schemeClr val="tx1"/>
+          </a:fontRef>
+        </p:style>
+      </p:cxnSp>
+      <p:sp>
+        <p:nvSpPr>
+          <p:cNvPr id="19" name="Oval 18">
+            <a:extLst>
+              <a:ext uri="{FF2B5EF4-FFF2-40B4-BE49-F238E27FC236}">
+                <a16:creationId xmlns:a16="http://schemas.microsoft.com/office/drawing/2014/main" id="{880EF362-5DE8-434C-A8CE-E9B96B6086C9}"/>
+              </a:ext>
+            </a:extLst>
+          </p:cNvPr>
+          <p:cNvSpPr/>
+          <p:nvPr/>
+        </p:nvSpPr>
+        <p:spPr>
+          <a:xfrm>
+            <a:off x="3680615" y="3585265"/>
+            <a:ext cx="504027" cy="511915"/>
+          </a:xfrm>
+          <a:prstGeom prst="ellipse">
+            <a:avLst/>
+          </a:prstGeom>
+          <a:noFill/>
+          <a:ln>
+            <a:solidFill>
+              <a:schemeClr val="tx1"/>
+            </a:solidFill>
+          </a:ln>
+        </p:spPr>
+        <p:style>
+          <a:lnRef idx="2">
+            <a:schemeClr val="accent1">
+              <a:shade val="50000"/>
+            </a:schemeClr>
+          </a:lnRef>
+          <a:fillRef idx="1">
+            <a:schemeClr val="accent1"/>
+          </a:fillRef>
+          <a:effectRef idx="0">
+            <a:schemeClr val="accent1"/>
+          </a:effectRef>
+          <a:fontRef idx="minor">
+            <a:schemeClr val="lt1"/>
+          </a:fontRef>
+        </p:style>
+        <p:txBody>
+          <a:bodyPr rtlCol="0" anchor="ctr"/>
+          <a:lstStyle/>
+          <a:p>
+            <a:pPr algn="ctr"/>
+            <a:r>
+              <a:rPr lang="en-US" dirty="0">
+                <a:solidFill>
+                  <a:schemeClr val="tx1"/>
+                </a:solidFill>
+              </a:rPr>
+              <a:t>e</a:t>
+            </a:r>
+          </a:p>
+        </p:txBody>
+      </p:sp>
+      <p:cxnSp>
+        <p:nvCxnSpPr>
+          <p:cNvPr id="20" name="Straight Arrow Connector 19">
+            <a:extLst>
+              <a:ext uri="{FF2B5EF4-FFF2-40B4-BE49-F238E27FC236}">
+                <a16:creationId xmlns:a16="http://schemas.microsoft.com/office/drawing/2014/main" id="{3D4F46AE-1C67-4A10-83E8-94ED11E9D780}"/>
+              </a:ext>
+            </a:extLst>
+          </p:cNvPr>
+          <p:cNvCxnSpPr>
+            <a:stCxn id="19" idx="6"/>
+          </p:cNvCxnSpPr>
+          <p:nvPr/>
+        </p:nvCxnSpPr>
+        <p:spPr>
+          <a:xfrm flipV="1">
+            <a:off x="4184642" y="3837513"/>
+            <a:ext cx="633741" cy="3709"/>
+          </a:xfrm>
+          <a:prstGeom prst="straightConnector1">
+            <a:avLst/>
+          </a:prstGeom>
+          <a:ln>
+            <a:solidFill>
+              <a:schemeClr val="tx1"/>
+            </a:solidFill>
+            <a:tailEnd type="triangle"/>
+          </a:ln>
+        </p:spPr>
+        <p:style>
+          <a:lnRef idx="1">
+            <a:schemeClr val="accent1"/>
+          </a:lnRef>
+          <a:fillRef idx="0">
+            <a:schemeClr val="accent1"/>
+          </a:fillRef>
+          <a:effectRef idx="0">
+            <a:schemeClr val="accent1"/>
+          </a:effectRef>
+          <a:fontRef idx="minor">
+            <a:schemeClr val="tx1"/>
+          </a:fontRef>
+        </p:style>
+      </p:cxnSp>
+      <p:sp>
+        <p:nvSpPr>
+          <p:cNvPr id="21" name="Oval 20">
+            <a:extLst>
+              <a:ext uri="{FF2B5EF4-FFF2-40B4-BE49-F238E27FC236}">
+                <a16:creationId xmlns:a16="http://schemas.microsoft.com/office/drawing/2014/main" id="{0A40A378-FB28-4E93-8137-5E0F48B6495B}"/>
+              </a:ext>
+            </a:extLst>
+          </p:cNvPr>
+          <p:cNvSpPr/>
+          <p:nvPr/>
+        </p:nvSpPr>
+        <p:spPr>
+          <a:xfrm>
+            <a:off x="3680615" y="4419903"/>
+            <a:ext cx="504027" cy="511915"/>
+          </a:xfrm>
+          <a:prstGeom prst="ellipse">
+            <a:avLst/>
+          </a:prstGeom>
+          <a:noFill/>
+          <a:ln>
+            <a:solidFill>
+              <a:schemeClr val="tx1"/>
+            </a:solidFill>
+          </a:ln>
+        </p:spPr>
+        <p:style>
+          <a:lnRef idx="2">
+            <a:schemeClr val="accent1">
+              <a:shade val="50000"/>
+            </a:schemeClr>
+          </a:lnRef>
+          <a:fillRef idx="1">
+            <a:schemeClr val="accent1"/>
+          </a:fillRef>
+          <a:effectRef idx="0">
+            <a:schemeClr val="accent1"/>
+          </a:effectRef>
+          <a:fontRef idx="minor">
+            <a:schemeClr val="lt1"/>
+          </a:fontRef>
+        </p:style>
+        <p:txBody>
+          <a:bodyPr rtlCol="0" anchor="ctr"/>
+          <a:lstStyle/>
+          <a:p>
+            <a:pPr algn="ctr"/>
+            <a:r>
+              <a:rPr lang="en-US" dirty="0">
+                <a:solidFill>
+                  <a:schemeClr val="tx1"/>
+                </a:solidFill>
+              </a:rPr>
+              <a:t>e</a:t>
+            </a:r>
+          </a:p>
+        </p:txBody>
+      </p:sp>
+      <p:cxnSp>
+        <p:nvCxnSpPr>
+          <p:cNvPr id="22" name="Straight Arrow Connector 21">
+            <a:extLst>
+              <a:ext uri="{FF2B5EF4-FFF2-40B4-BE49-F238E27FC236}">
+                <a16:creationId xmlns:a16="http://schemas.microsoft.com/office/drawing/2014/main" id="{CAE1D2F6-5827-4E23-A1A8-ECB0EE616467}"/>
+              </a:ext>
+            </a:extLst>
+          </p:cNvPr>
+          <p:cNvCxnSpPr>
+            <a:stCxn id="21" idx="6"/>
+          </p:cNvCxnSpPr>
+          <p:nvPr/>
+        </p:nvCxnSpPr>
+        <p:spPr>
+          <a:xfrm flipV="1">
+            <a:off x="4184642" y="4672151"/>
+            <a:ext cx="633741" cy="3709"/>
+          </a:xfrm>
+          <a:prstGeom prst="straightConnector1">
+            <a:avLst/>
+          </a:prstGeom>
+          <a:ln>
+            <a:solidFill>
+              <a:schemeClr val="tx1"/>
+            </a:solidFill>
+            <a:tailEnd type="triangle"/>
+          </a:ln>
+        </p:spPr>
+        <p:style>
+          <a:lnRef idx="1">
+            <a:schemeClr val="accent1"/>
+          </a:lnRef>
+          <a:fillRef idx="0">
+            <a:schemeClr val="accent1"/>
+          </a:fillRef>
+          <a:effectRef idx="0">
+            <a:schemeClr val="accent1"/>
+          </a:effectRef>
+          <a:fontRef idx="minor">
+            <a:schemeClr val="tx1"/>
+          </a:fontRef>
+        </p:style>
+      </p:cxnSp>
+      <p:sp>
+        <p:nvSpPr>
+          <p:cNvPr id="25" name="Oval 24">
+            <a:extLst>
+              <a:ext uri="{FF2B5EF4-FFF2-40B4-BE49-F238E27FC236}">
+                <a16:creationId xmlns:a16="http://schemas.microsoft.com/office/drawing/2014/main" id="{C0B9A408-2198-4FCE-AB10-1311CE959B34}"/>
+              </a:ext>
+            </a:extLst>
+          </p:cNvPr>
+          <p:cNvSpPr/>
+          <p:nvPr/>
+        </p:nvSpPr>
+        <p:spPr>
+          <a:xfrm>
+            <a:off x="7457116" y="1926181"/>
+            <a:ext cx="504027" cy="511915"/>
+          </a:xfrm>
+          <a:prstGeom prst="ellipse">
+            <a:avLst/>
+          </a:prstGeom>
+          <a:noFill/>
+          <a:ln>
+            <a:solidFill>
+              <a:schemeClr val="tx1"/>
+            </a:solidFill>
+          </a:ln>
+        </p:spPr>
+        <p:style>
+          <a:lnRef idx="2">
+            <a:schemeClr val="accent1">
+              <a:shade val="50000"/>
+            </a:schemeClr>
+          </a:lnRef>
+          <a:fillRef idx="1">
+            <a:schemeClr val="accent1"/>
+          </a:fillRef>
+          <a:effectRef idx="0">
+            <a:schemeClr val="accent1"/>
+          </a:effectRef>
+          <a:fontRef idx="minor">
+            <a:schemeClr val="lt1"/>
+          </a:fontRef>
+        </p:style>
+        <p:txBody>
+          <a:bodyPr rtlCol="0" anchor="ctr"/>
+          <a:lstStyle/>
+          <a:p>
+            <a:pPr algn="ctr"/>
+            <a:r>
+              <a:rPr lang="en-US" dirty="0">
+                <a:solidFill>
+                  <a:schemeClr val="tx1"/>
+                </a:solidFill>
+              </a:rPr>
+              <a:t>e</a:t>
+            </a:r>
+          </a:p>
+        </p:txBody>
+      </p:sp>
+      <p:cxnSp>
+        <p:nvCxnSpPr>
+          <p:cNvPr id="26" name="Straight Arrow Connector 25">
+            <a:extLst>
+              <a:ext uri="{FF2B5EF4-FFF2-40B4-BE49-F238E27FC236}">
+                <a16:creationId xmlns:a16="http://schemas.microsoft.com/office/drawing/2014/main" id="{2340A85C-423A-4CEF-B804-92C6EB0AA250}"/>
+              </a:ext>
+            </a:extLst>
+          </p:cNvPr>
+          <p:cNvCxnSpPr>
+            <a:cxnSpLocks/>
+            <a:stCxn id="25" idx="4"/>
+            <a:endCxn id="4" idx="0"/>
+          </p:cNvCxnSpPr>
+          <p:nvPr/>
+        </p:nvCxnSpPr>
+        <p:spPr>
+          <a:xfrm>
+            <a:off x="7709129" y="2438096"/>
+            <a:ext cx="200132" cy="583321"/>
+          </a:xfrm>
+          <a:prstGeom prst="straightConnector1">
+            <a:avLst/>
+          </a:prstGeom>
+          <a:ln>
+            <a:solidFill>
+              <a:schemeClr val="tx1"/>
+            </a:solidFill>
+            <a:tailEnd type="triangle"/>
+          </a:ln>
+        </p:spPr>
+        <p:style>
+          <a:lnRef idx="1">
+            <a:schemeClr val="accent1"/>
+          </a:lnRef>
+          <a:fillRef idx="0">
+            <a:schemeClr val="accent1"/>
+          </a:fillRef>
+          <a:effectRef idx="0">
+            <a:schemeClr val="accent1"/>
+          </a:effectRef>
+          <a:fontRef idx="minor">
+            <a:schemeClr val="tx1"/>
+          </a:fontRef>
+        </p:style>
+      </p:cxnSp>
+      <p:sp>
+        <p:nvSpPr>
+          <p:cNvPr id="23" name="Oval 22">
+            <a:extLst>
+              <a:ext uri="{FF2B5EF4-FFF2-40B4-BE49-F238E27FC236}">
+                <a16:creationId xmlns:a16="http://schemas.microsoft.com/office/drawing/2014/main" id="{4042141F-AF35-4341-8900-C10208308640}"/>
+              </a:ext>
+            </a:extLst>
+          </p:cNvPr>
+          <p:cNvSpPr/>
+          <p:nvPr/>
+        </p:nvSpPr>
+        <p:spPr>
+          <a:xfrm>
+            <a:off x="6383193" y="2483536"/>
+            <a:ext cx="504027" cy="511915"/>
+          </a:xfrm>
+          <a:prstGeom prst="ellipse">
+            <a:avLst/>
+          </a:prstGeom>
+          <a:noFill/>
+          <a:ln>
+            <a:solidFill>
+              <a:schemeClr val="tx1"/>
+            </a:solidFill>
+          </a:ln>
+        </p:spPr>
+        <p:style>
+          <a:lnRef idx="2">
+            <a:schemeClr val="accent1">
+              <a:shade val="50000"/>
+            </a:schemeClr>
+          </a:lnRef>
+          <a:fillRef idx="1">
+            <a:schemeClr val="accent1"/>
+          </a:fillRef>
+          <a:effectRef idx="0">
+            <a:schemeClr val="accent1"/>
+          </a:effectRef>
+          <a:fontRef idx="minor">
+            <a:schemeClr val="lt1"/>
+          </a:fontRef>
+        </p:style>
+        <p:txBody>
+          <a:bodyPr rtlCol="0" anchor="ctr"/>
+          <a:lstStyle/>
+          <a:p>
+            <a:pPr algn="ctr"/>
+            <a:r>
+              <a:rPr lang="en-US" dirty="0">
+                <a:solidFill>
+                  <a:schemeClr val="tx1"/>
+                </a:solidFill>
+              </a:rPr>
+              <a:t>e</a:t>
+            </a:r>
+          </a:p>
+        </p:txBody>
+      </p:sp>
+    </p:spTree>
+    <p:extLst>
+      <p:ext uri="{BB962C8B-B14F-4D97-AF65-F5344CB8AC3E}">
+        <p14:creationId xmlns:p14="http://schemas.microsoft.com/office/powerpoint/2010/main" val="2480692902"/>
       </p:ext>
     </p:extLst>
   </p:cSld>
